--- a/interactive_proof/counterexample_generalization.pptx
+++ b/interactive_proof/counterexample_generalization.pptx
@@ -6,11 +6,20 @@
   </p:sldMasterIdLst>
   <p:sldIdLst>
     <p:sldId id="256" r:id="rId2"/>
-    <p:sldId id="257" r:id="rId3"/>
-    <p:sldId id="258" r:id="rId4"/>
-    <p:sldId id="259" r:id="rId5"/>
-    <p:sldId id="260" r:id="rId6"/>
-    <p:sldId id="261" r:id="rId7"/>
+    <p:sldId id="265" r:id="rId3"/>
+    <p:sldId id="270" r:id="rId4"/>
+    <p:sldId id="271" r:id="rId5"/>
+    <p:sldId id="266" r:id="rId6"/>
+    <p:sldId id="269" r:id="rId7"/>
+    <p:sldId id="264" r:id="rId8"/>
+    <p:sldId id="268" r:id="rId9"/>
+    <p:sldId id="257" r:id="rId10"/>
+    <p:sldId id="258" r:id="rId11"/>
+    <p:sldId id="259" r:id="rId12"/>
+    <p:sldId id="260" r:id="rId13"/>
+    <p:sldId id="263" r:id="rId14"/>
+    <p:sldId id="262" r:id="rId15"/>
+    <p:sldId id="261" r:id="rId16"/>
   </p:sldIdLst>
   <p:sldSz cx="12192000" cy="6858000"/>
   <p:notesSz cx="6858000" cy="9144000"/>
@@ -248,7 +257,7 @@
           <a:p>
             <a:fld id="{C65B62AB-347D-4921-8B90-41F43B961539}" type="datetimeFigureOut">
               <a:rPr lang="fr-FR" smtClean="0"/>
-              <a:t>21/03/2018</a:t>
+              <a:t>22/03/2018</a:t>
             </a:fld>
             <a:endParaRPr lang="fr-FR"/>
           </a:p>
@@ -418,7 +427,7 @@
           <a:p>
             <a:fld id="{C65B62AB-347D-4921-8B90-41F43B961539}" type="datetimeFigureOut">
               <a:rPr lang="fr-FR" smtClean="0"/>
-              <a:t>21/03/2018</a:t>
+              <a:t>22/03/2018</a:t>
             </a:fld>
             <a:endParaRPr lang="fr-FR"/>
           </a:p>
@@ -598,7 +607,7 @@
           <a:p>
             <a:fld id="{C65B62AB-347D-4921-8B90-41F43B961539}" type="datetimeFigureOut">
               <a:rPr lang="fr-FR" smtClean="0"/>
-              <a:t>21/03/2018</a:t>
+              <a:t>22/03/2018</a:t>
             </a:fld>
             <a:endParaRPr lang="fr-FR"/>
           </a:p>
@@ -768,7 +777,7 @@
           <a:p>
             <a:fld id="{C65B62AB-347D-4921-8B90-41F43B961539}" type="datetimeFigureOut">
               <a:rPr lang="fr-FR" smtClean="0"/>
-              <a:t>21/03/2018</a:t>
+              <a:t>22/03/2018</a:t>
             </a:fld>
             <a:endParaRPr lang="fr-FR"/>
           </a:p>
@@ -1014,7 +1023,7 @@
           <a:p>
             <a:fld id="{C65B62AB-347D-4921-8B90-41F43B961539}" type="datetimeFigureOut">
               <a:rPr lang="fr-FR" smtClean="0"/>
-              <a:t>21/03/2018</a:t>
+              <a:t>22/03/2018</a:t>
             </a:fld>
             <a:endParaRPr lang="fr-FR"/>
           </a:p>
@@ -1246,7 +1255,7 @@
           <a:p>
             <a:fld id="{C65B62AB-347D-4921-8B90-41F43B961539}" type="datetimeFigureOut">
               <a:rPr lang="fr-FR" smtClean="0"/>
-              <a:t>21/03/2018</a:t>
+              <a:t>22/03/2018</a:t>
             </a:fld>
             <a:endParaRPr lang="fr-FR"/>
           </a:p>
@@ -1613,7 +1622,7 @@
           <a:p>
             <a:fld id="{C65B62AB-347D-4921-8B90-41F43B961539}" type="datetimeFigureOut">
               <a:rPr lang="fr-FR" smtClean="0"/>
-              <a:t>21/03/2018</a:t>
+              <a:t>22/03/2018</a:t>
             </a:fld>
             <a:endParaRPr lang="fr-FR"/>
           </a:p>
@@ -1731,7 +1740,7 @@
           <a:p>
             <a:fld id="{C65B62AB-347D-4921-8B90-41F43B961539}" type="datetimeFigureOut">
               <a:rPr lang="fr-FR" smtClean="0"/>
-              <a:t>21/03/2018</a:t>
+              <a:t>22/03/2018</a:t>
             </a:fld>
             <a:endParaRPr lang="fr-FR"/>
           </a:p>
@@ -1826,7 +1835,7 @@
           <a:p>
             <a:fld id="{C65B62AB-347D-4921-8B90-41F43B961539}" type="datetimeFigureOut">
               <a:rPr lang="fr-FR" smtClean="0"/>
-              <a:t>21/03/2018</a:t>
+              <a:t>22/03/2018</a:t>
             </a:fld>
             <a:endParaRPr lang="fr-FR"/>
           </a:p>
@@ -2103,7 +2112,7 @@
           <a:p>
             <a:fld id="{C65B62AB-347D-4921-8B90-41F43B961539}" type="datetimeFigureOut">
               <a:rPr lang="fr-FR" smtClean="0"/>
-              <a:t>21/03/2018</a:t>
+              <a:t>22/03/2018</a:t>
             </a:fld>
             <a:endParaRPr lang="fr-FR"/>
           </a:p>
@@ -2356,7 +2365,7 @@
           <a:p>
             <a:fld id="{C65B62AB-347D-4921-8B90-41F43B961539}" type="datetimeFigureOut">
               <a:rPr lang="fr-FR" smtClean="0"/>
-              <a:t>21/03/2018</a:t>
+              <a:t>22/03/2018</a:t>
             </a:fld>
             <a:endParaRPr lang="fr-FR"/>
           </a:p>
@@ -2569,7 +2578,7 @@
           <a:p>
             <a:fld id="{C65B62AB-347D-4921-8B90-41F43B961539}" type="datetimeFigureOut">
               <a:rPr lang="fr-FR" smtClean="0"/>
-              <a:t>21/03/2018</a:t>
+              <a:t>22/03/2018</a:t>
             </a:fld>
             <a:endParaRPr lang="fr-FR"/>
           </a:p>
@@ -2991,15 +3000,11 @@
           <a:p>
             <a:r>
               <a:rPr lang="fr-FR" dirty="0" err="1" smtClean="0"/>
-              <a:t>Counterexample</a:t>
-            </a:r>
-            <a:r>
-              <a:rPr lang="fr-FR" dirty="0" smtClean="0"/>
-              <a:t> </a:t>
-            </a:r>
-            <a:r>
-              <a:rPr lang="fr-FR" dirty="0" err="1" smtClean="0"/>
-              <a:t>generalization</a:t>
+              <a:t>Finding</a:t>
+            </a:r>
+            <a:r>
+              <a:rPr lang="fr-FR" dirty="0" smtClean="0"/>
+              <a:t> an inductive invariant</a:t>
             </a:r>
             <a:endParaRPr lang="fr-FR" dirty="0"/>
           </a:p>
@@ -3022,11 +3027,15 @@
           <a:p>
             <a:r>
               <a:rPr lang="fr-FR" dirty="0" smtClean="0"/>
-              <a:t>For the IVY </a:t>
-            </a:r>
-            <a:r>
-              <a:rPr lang="fr-FR" dirty="0" err="1" smtClean="0"/>
-              <a:t>language</a:t>
+              <a:t>For </a:t>
+            </a:r>
+            <a:r>
+              <a:rPr lang="fr-FR" dirty="0" err="1" smtClean="0"/>
+              <a:t>protocols</a:t>
+            </a:r>
+            <a:r>
+              <a:rPr lang="fr-FR" dirty="0" smtClean="0"/>
+              <a:t> in IVY</a:t>
             </a:r>
             <a:endParaRPr lang="fr-FR" dirty="0"/>
           </a:p>
@@ -3052,537 +3061,7 @@
 </p:sld>
 </file>
 
-<file path=ppt/slides/slide2.xml><?xml version="1.0" encoding="utf-8"?>
-<p:sld xmlns:a="http://schemas.openxmlformats.org/drawingml/2006/main" xmlns:r="http://schemas.openxmlformats.org/officeDocument/2006/relationships" xmlns:p="http://schemas.openxmlformats.org/presentationml/2006/main">
-  <p:cSld>
-    <p:spTree>
-      <p:nvGrpSpPr>
-        <p:cNvPr id="1" name=""/>
-        <p:cNvGrpSpPr/>
-        <p:nvPr/>
-      </p:nvGrpSpPr>
-      <p:grpSpPr>
-        <a:xfrm>
-          <a:off x="0" y="0"/>
-          <a:ext cx="0" cy="0"/>
-          <a:chOff x="0" y="0"/>
-          <a:chExt cx="0" cy="0"/>
-        </a:xfrm>
-      </p:grpSpPr>
-      <p:sp>
-        <p:nvSpPr>
-          <p:cNvPr id="2" name="Titre 1"/>
-          <p:cNvSpPr>
-            <a:spLocks noGrp="1"/>
-          </p:cNvSpPr>
-          <p:nvPr>
-            <p:ph type="title"/>
-          </p:nvPr>
-        </p:nvSpPr>
-        <p:spPr/>
-        <p:txBody>
-          <a:bodyPr/>
-          <a:lstStyle/>
-          <a:p>
-            <a:r>
-              <a:rPr lang="fr-FR" dirty="0" err="1" smtClean="0"/>
-              <a:t>Current</a:t>
-            </a:r>
-            <a:r>
-              <a:rPr lang="fr-FR" dirty="0" smtClean="0"/>
-              <a:t> </a:t>
-            </a:r>
-            <a:r>
-              <a:rPr lang="fr-FR" dirty="0" err="1" smtClean="0"/>
-              <a:t>method</a:t>
-            </a:r>
-            <a:r>
-              <a:rPr lang="fr-FR" dirty="0" smtClean="0"/>
-              <a:t> of </a:t>
-            </a:r>
-            <a:r>
-              <a:rPr lang="fr-FR" dirty="0" err="1" smtClean="0"/>
-              <a:t>generalization</a:t>
-            </a:r>
-            <a:endParaRPr lang="fr-FR" dirty="0"/>
-          </a:p>
-        </p:txBody>
-      </p:sp>
-      <p:sp>
-        <p:nvSpPr>
-          <p:cNvPr id="4" name="Rectangle 3"/>
-          <p:cNvSpPr/>
-          <p:nvPr/>
-        </p:nvSpPr>
-        <p:spPr>
-          <a:xfrm>
-            <a:off x="397933" y="1856847"/>
-            <a:ext cx="2108200" cy="4289953"/>
-          </a:xfrm>
-          <a:prstGeom prst="rect">
-            <a:avLst/>
-          </a:prstGeom>
-        </p:spPr>
-        <p:style>
-          <a:lnRef idx="2">
-            <a:schemeClr val="accent1">
-              <a:shade val="50000"/>
-            </a:schemeClr>
-          </a:lnRef>
-          <a:fillRef idx="1">
-            <a:schemeClr val="accent1"/>
-          </a:fillRef>
-          <a:effectRef idx="0">
-            <a:schemeClr val="accent1"/>
-          </a:effectRef>
-          <a:fontRef idx="minor">
-            <a:schemeClr val="lt1"/>
-          </a:fontRef>
-        </p:style>
-        <p:txBody>
-          <a:bodyPr rtlCol="0" anchor="ctr"/>
-          <a:lstStyle/>
-          <a:p>
-            <a:pPr algn="ctr"/>
-            <a:r>
-              <a:rPr lang="fr-FR" dirty="0" smtClean="0"/>
-              <a:t>List of </a:t>
-            </a:r>
-            <a:r>
-              <a:rPr lang="fr-FR" dirty="0" err="1" smtClean="0"/>
-              <a:t>constraints</a:t>
-            </a:r>
-            <a:r>
-              <a:rPr lang="fr-FR" dirty="0" smtClean="0"/>
-              <a:t> on variables, relations and </a:t>
-            </a:r>
-            <a:r>
-              <a:rPr lang="fr-FR" dirty="0" err="1" smtClean="0"/>
-              <a:t>functions</a:t>
-            </a:r>
-            <a:r>
-              <a:rPr lang="fr-FR" dirty="0" smtClean="0"/>
-              <a:t>.</a:t>
-            </a:r>
-          </a:p>
-          <a:p>
-            <a:pPr algn="ctr"/>
-            <a:endParaRPr lang="fr-FR" dirty="0"/>
-          </a:p>
-          <a:p>
-            <a:pPr algn="ctr"/>
-            <a:endParaRPr lang="fr-FR" dirty="0" smtClean="0"/>
-          </a:p>
-          <a:p>
-            <a:pPr algn="ctr"/>
-            <a:r>
-              <a:rPr lang="fr-FR" dirty="0" err="1" smtClean="0"/>
-              <a:t>Specific</a:t>
-            </a:r>
-            <a:r>
-              <a:rPr lang="fr-FR" dirty="0" smtClean="0"/>
-              <a:t> to the structure of the </a:t>
-            </a:r>
-            <a:r>
-              <a:rPr lang="fr-FR" dirty="0" err="1" smtClean="0"/>
-              <a:t>counterexample</a:t>
-            </a:r>
-            <a:endParaRPr lang="fr-FR" dirty="0" smtClean="0"/>
-          </a:p>
-        </p:txBody>
-      </p:sp>
-      <p:sp>
-        <p:nvSpPr>
-          <p:cNvPr id="6" name="Rectangle 5"/>
-          <p:cNvSpPr/>
-          <p:nvPr/>
-        </p:nvSpPr>
-        <p:spPr>
-          <a:xfrm>
-            <a:off x="5537200" y="1856846"/>
-            <a:ext cx="2108200" cy="4289953"/>
-          </a:xfrm>
-          <a:prstGeom prst="rect">
-            <a:avLst/>
-          </a:prstGeom>
-        </p:spPr>
-        <p:style>
-          <a:lnRef idx="2">
-            <a:schemeClr val="accent1">
-              <a:shade val="50000"/>
-            </a:schemeClr>
-          </a:lnRef>
-          <a:fillRef idx="1">
-            <a:schemeClr val="accent1"/>
-          </a:fillRef>
-          <a:effectRef idx="0">
-            <a:schemeClr val="accent1"/>
-          </a:effectRef>
-          <a:fontRef idx="minor">
-            <a:schemeClr val="lt1"/>
-          </a:fontRef>
-        </p:style>
-        <p:txBody>
-          <a:bodyPr rtlCol="0" anchor="ctr"/>
-          <a:lstStyle/>
-          <a:p>
-            <a:pPr algn="ctr"/>
-            <a:r>
-              <a:rPr lang="fr-FR" dirty="0" err="1" smtClean="0"/>
-              <a:t>Generalization</a:t>
-            </a:r>
-            <a:r>
-              <a:rPr lang="fr-FR" dirty="0" smtClean="0"/>
-              <a:t> to </a:t>
-            </a:r>
-            <a:r>
-              <a:rPr lang="fr-FR" dirty="0" err="1" smtClean="0"/>
-              <a:t>any</a:t>
-            </a:r>
-            <a:r>
-              <a:rPr lang="fr-FR" dirty="0" smtClean="0"/>
-              <a:t> structure </a:t>
-            </a:r>
-            <a:r>
-              <a:rPr lang="fr-FR" dirty="0" err="1" smtClean="0"/>
-              <a:t>that</a:t>
-            </a:r>
-            <a:r>
-              <a:rPr lang="fr-FR" dirty="0" smtClean="0"/>
-              <a:t> </a:t>
-            </a:r>
-            <a:r>
-              <a:rPr lang="fr-FR" dirty="0" err="1" smtClean="0"/>
-              <a:t>contains</a:t>
-            </a:r>
-            <a:r>
-              <a:rPr lang="fr-FR" dirty="0" smtClean="0"/>
-              <a:t> </a:t>
-            </a:r>
-            <a:r>
-              <a:rPr lang="fr-FR" dirty="0" err="1" smtClean="0"/>
-              <a:t>this</a:t>
-            </a:r>
-            <a:r>
-              <a:rPr lang="fr-FR" dirty="0" smtClean="0"/>
-              <a:t> substructure.</a:t>
-            </a:r>
-          </a:p>
-          <a:p>
-            <a:pPr algn="ctr"/>
-            <a:endParaRPr lang="fr-FR" dirty="0"/>
-          </a:p>
-          <a:p>
-            <a:pPr algn="ctr"/>
-            <a:r>
-              <a:rPr lang="fr-FR" dirty="0" err="1" smtClean="0"/>
-              <a:t>Named</a:t>
-            </a:r>
-            <a:r>
-              <a:rPr lang="fr-FR" dirty="0" smtClean="0"/>
-              <a:t> values are </a:t>
-            </a:r>
-            <a:r>
-              <a:rPr lang="fr-FR" dirty="0" err="1" smtClean="0"/>
-              <a:t>replaced</a:t>
-            </a:r>
-            <a:r>
-              <a:rPr lang="fr-FR" dirty="0" smtClean="0"/>
-              <a:t> </a:t>
-            </a:r>
-            <a:r>
-              <a:rPr lang="fr-FR" dirty="0" err="1" smtClean="0"/>
-              <a:t>with</a:t>
-            </a:r>
-            <a:r>
-              <a:rPr lang="fr-FR" dirty="0" smtClean="0"/>
-              <a:t> an </a:t>
-            </a:r>
-            <a:r>
-              <a:rPr lang="fr-FR" dirty="0" err="1" smtClean="0"/>
-              <a:t>existentially</a:t>
-            </a:r>
-            <a:r>
-              <a:rPr lang="fr-FR" dirty="0" smtClean="0"/>
-              <a:t> </a:t>
-            </a:r>
-            <a:r>
-              <a:rPr lang="fr-FR" dirty="0" err="1" smtClean="0"/>
-              <a:t>quantified</a:t>
-            </a:r>
-            <a:r>
-              <a:rPr lang="fr-FR" dirty="0" smtClean="0"/>
-              <a:t> variable.</a:t>
-            </a:r>
-          </a:p>
-        </p:txBody>
-      </p:sp>
-      <p:pic>
-        <p:nvPicPr>
-          <p:cNvPr id="7" name="Image 6"/>
-          <p:cNvPicPr>
-            <a:picLocks noChangeAspect="1"/>
-          </p:cNvPicPr>
-          <p:nvPr/>
-        </p:nvPicPr>
-        <p:blipFill>
-          <a:blip r:embed="rId2"/>
-          <a:stretch>
-            <a:fillRect/>
-          </a:stretch>
-        </p:blipFill>
-        <p:spPr>
-          <a:xfrm>
-            <a:off x="2548995" y="1856847"/>
-            <a:ext cx="1815293" cy="4289953"/>
-          </a:xfrm>
-          <a:prstGeom prst="rect">
-            <a:avLst/>
-          </a:prstGeom>
-        </p:spPr>
-      </p:pic>
-      <p:sp>
-        <p:nvSpPr>
-          <p:cNvPr id="8" name="Rectangle 7"/>
-          <p:cNvSpPr/>
-          <p:nvPr/>
-        </p:nvSpPr>
-        <p:spPr>
-          <a:xfrm>
-            <a:off x="9131579" y="1856847"/>
-            <a:ext cx="2108200" cy="4289953"/>
-          </a:xfrm>
-          <a:prstGeom prst="rect">
-            <a:avLst/>
-          </a:prstGeom>
-        </p:spPr>
-        <p:style>
-          <a:lnRef idx="2">
-            <a:schemeClr val="accent1">
-              <a:shade val="50000"/>
-            </a:schemeClr>
-          </a:lnRef>
-          <a:fillRef idx="1">
-            <a:schemeClr val="accent1"/>
-          </a:fillRef>
-          <a:effectRef idx="0">
-            <a:schemeClr val="accent1"/>
-          </a:effectRef>
-          <a:fontRef idx="minor">
-            <a:schemeClr val="lt1"/>
-          </a:fontRef>
-        </p:style>
-        <p:txBody>
-          <a:bodyPr rtlCol="0" anchor="ctr"/>
-          <a:lstStyle/>
-          <a:p>
-            <a:pPr algn="ctr"/>
-            <a:r>
-              <a:rPr lang="fr-FR" dirty="0" smtClean="0"/>
-              <a:t>The </a:t>
-            </a:r>
-            <a:r>
-              <a:rPr lang="fr-FR" dirty="0" err="1" smtClean="0"/>
-              <a:t>whole</a:t>
-            </a:r>
-            <a:r>
-              <a:rPr lang="fr-FR" dirty="0" smtClean="0"/>
-              <a:t> </a:t>
-            </a:r>
-            <a:r>
-              <a:rPr lang="fr-FR" dirty="0" err="1" smtClean="0"/>
-              <a:t>thing</a:t>
-            </a:r>
-            <a:r>
-              <a:rPr lang="fr-FR" dirty="0" smtClean="0"/>
-              <a:t> </a:t>
-            </a:r>
-            <a:r>
-              <a:rPr lang="fr-FR" dirty="0" err="1" smtClean="0"/>
-              <a:t>is</a:t>
-            </a:r>
-            <a:r>
-              <a:rPr lang="fr-FR" dirty="0" smtClean="0"/>
-              <a:t> </a:t>
-            </a:r>
-            <a:r>
-              <a:rPr lang="fr-FR" dirty="0" err="1" smtClean="0"/>
-              <a:t>negated</a:t>
-            </a:r>
-            <a:r>
-              <a:rPr lang="fr-FR" dirty="0" smtClean="0"/>
-              <a:t> </a:t>
-            </a:r>
-            <a:r>
-              <a:rPr lang="fr-FR" dirty="0" err="1" smtClean="0"/>
-              <a:t>because</a:t>
-            </a:r>
-            <a:r>
-              <a:rPr lang="fr-FR" dirty="0" smtClean="0"/>
-              <a:t> </a:t>
-            </a:r>
-            <a:r>
-              <a:rPr lang="fr-FR" dirty="0" err="1" smtClean="0"/>
-              <a:t>we</a:t>
-            </a:r>
-            <a:r>
-              <a:rPr lang="fr-FR" dirty="0" smtClean="0"/>
-              <a:t> </a:t>
-            </a:r>
-            <a:r>
-              <a:rPr lang="fr-FR" dirty="0" err="1" smtClean="0"/>
-              <a:t>don’t</a:t>
-            </a:r>
-            <a:r>
-              <a:rPr lang="fr-FR" dirty="0" smtClean="0"/>
-              <a:t> </a:t>
-            </a:r>
-            <a:r>
-              <a:rPr lang="fr-FR" dirty="0" err="1" smtClean="0"/>
-              <a:t>want</a:t>
-            </a:r>
-            <a:r>
-              <a:rPr lang="fr-FR" dirty="0" smtClean="0"/>
-              <a:t> </a:t>
-            </a:r>
-            <a:r>
-              <a:rPr lang="fr-FR" dirty="0" err="1" smtClean="0"/>
-              <a:t>this</a:t>
-            </a:r>
-            <a:r>
-              <a:rPr lang="fr-FR" dirty="0" smtClean="0"/>
-              <a:t> </a:t>
-            </a:r>
-            <a:r>
-              <a:rPr lang="fr-FR" dirty="0" err="1" smtClean="0"/>
-              <a:t>substrcture</a:t>
-            </a:r>
-            <a:r>
-              <a:rPr lang="fr-FR" dirty="0" smtClean="0"/>
-              <a:t> to </a:t>
-            </a:r>
-            <a:r>
-              <a:rPr lang="fr-FR" dirty="0" err="1" smtClean="0"/>
-              <a:t>exist</a:t>
-            </a:r>
-            <a:r>
-              <a:rPr lang="fr-FR" dirty="0" smtClean="0"/>
-              <a:t> (</a:t>
-            </a:r>
-            <a:r>
-              <a:rPr lang="fr-FR" dirty="0" err="1" smtClean="0"/>
-              <a:t>it</a:t>
-            </a:r>
-            <a:r>
-              <a:rPr lang="fr-FR" dirty="0" smtClean="0"/>
-              <a:t> </a:t>
-            </a:r>
-            <a:r>
-              <a:rPr lang="fr-FR" dirty="0" err="1" smtClean="0"/>
-              <a:t>is</a:t>
-            </a:r>
-            <a:r>
-              <a:rPr lang="fr-FR" dirty="0" smtClean="0"/>
-              <a:t> a </a:t>
-            </a:r>
-            <a:r>
-              <a:rPr lang="fr-FR" dirty="0" err="1" smtClean="0"/>
-              <a:t>counterexample</a:t>
-            </a:r>
-            <a:r>
-              <a:rPr lang="fr-FR" dirty="0" smtClean="0"/>
-              <a:t>).</a:t>
-            </a:r>
-          </a:p>
-        </p:txBody>
-      </p:sp>
-      <p:cxnSp>
-        <p:nvCxnSpPr>
-          <p:cNvPr id="11" name="Connecteur droit avec flèche 10"/>
-          <p:cNvCxnSpPr/>
-          <p:nvPr/>
-        </p:nvCxnSpPr>
-        <p:spPr>
-          <a:xfrm flipV="1">
-            <a:off x="4440738" y="4001822"/>
-            <a:ext cx="948266" cy="8467"/>
-          </a:xfrm>
-          <a:prstGeom prst="straightConnector1">
-            <a:avLst/>
-          </a:prstGeom>
-          <a:ln>
-            <a:tailEnd type="triangle"/>
-          </a:ln>
-        </p:spPr>
-        <p:style>
-          <a:lnRef idx="1">
-            <a:schemeClr val="accent1"/>
-          </a:lnRef>
-          <a:fillRef idx="0">
-            <a:schemeClr val="accent1"/>
-          </a:fillRef>
-          <a:effectRef idx="0">
-            <a:schemeClr val="accent1"/>
-          </a:effectRef>
-          <a:fontRef idx="minor">
-            <a:schemeClr val="tx1"/>
-          </a:fontRef>
-        </p:style>
-      </p:cxnSp>
-      <p:cxnSp>
-        <p:nvCxnSpPr>
-          <p:cNvPr id="13" name="Connecteur droit avec flèche 12"/>
-          <p:cNvCxnSpPr/>
-          <p:nvPr/>
-        </p:nvCxnSpPr>
-        <p:spPr>
-          <a:xfrm>
-            <a:off x="7721850" y="4001822"/>
-            <a:ext cx="1295150" cy="0"/>
-          </a:xfrm>
-          <a:prstGeom prst="straightConnector1">
-            <a:avLst/>
-          </a:prstGeom>
-          <a:ln>
-            <a:tailEnd type="triangle"/>
-          </a:ln>
-        </p:spPr>
-        <p:style>
-          <a:lnRef idx="1">
-            <a:schemeClr val="accent1"/>
-          </a:lnRef>
-          <a:fillRef idx="0">
-            <a:schemeClr val="accent1"/>
-          </a:fillRef>
-          <a:effectRef idx="0">
-            <a:schemeClr val="accent1"/>
-          </a:effectRef>
-          <a:fontRef idx="minor">
-            <a:schemeClr val="tx1"/>
-          </a:fontRef>
-        </p:style>
-      </p:cxnSp>
-    </p:spTree>
-    <p:extLst>
-      <p:ext uri="{BB962C8B-B14F-4D97-AF65-F5344CB8AC3E}">
-        <p14:creationId xmlns:p14="http://schemas.microsoft.com/office/powerpoint/2010/main" val="2786982468"/>
-      </p:ext>
-    </p:extLst>
-  </p:cSld>
-  <p:clrMapOvr>
-    <a:masterClrMapping/>
-  </p:clrMapOvr>
-  <p:timing>
-    <p:tnLst>
-      <p:par>
-        <p:cTn id="1" dur="indefinite" restart="never" nodeType="tmRoot"/>
-      </p:par>
-    </p:tnLst>
-  </p:timing>
-</p:sld>
-</file>
-
-<file path=ppt/slides/slide3.xml><?xml version="1.0" encoding="utf-8"?>
+<file path=ppt/slides/slide10.xml><?xml version="1.0" encoding="utf-8"?>
 <p:sld xmlns:a="http://schemas.openxmlformats.org/drawingml/2006/main" xmlns:r="http://schemas.openxmlformats.org/officeDocument/2006/relationships" xmlns:p="http://schemas.openxmlformats.org/presentationml/2006/main">
   <p:cSld>
     <p:spTree>
@@ -3805,7 +3284,7 @@
 </p:sld>
 </file>
 
-<file path=ppt/slides/slide4.xml><?xml version="1.0" encoding="utf-8"?>
+<file path=ppt/slides/slide11.xml><?xml version="1.0" encoding="utf-8"?>
 <p:sld xmlns:a="http://schemas.openxmlformats.org/drawingml/2006/main" xmlns:r="http://schemas.openxmlformats.org/officeDocument/2006/relationships" xmlns:p="http://schemas.openxmlformats.org/presentationml/2006/main">
   <p:cSld>
     <p:spTree>
@@ -3863,7 +3342,7 @@
         </p:spPr>
         <p:txBody>
           <a:bodyPr>
-            <a:normAutofit fontScale="70000" lnSpcReduction="20000"/>
+            <a:normAutofit fontScale="62500" lnSpcReduction="20000"/>
           </a:bodyPr>
           <a:lstStyle/>
           <a:p>
@@ -3886,11 +3365,23 @@
             </a:r>
             <a:r>
               <a:rPr lang="fr-FR" dirty="0" err="1" smtClean="0"/>
-              <a:t>less</a:t>
-            </a:r>
-            <a:r>
-              <a:rPr lang="fr-FR" dirty="0" smtClean="0"/>
-              <a:t> relevant for existential conjectures</a:t>
+              <a:t>can’t</a:t>
+            </a:r>
+            <a:r>
+              <a:rPr lang="fr-FR" dirty="0" smtClean="0"/>
+              <a:t> </a:t>
+            </a:r>
+            <a:r>
+              <a:rPr lang="fr-FR" dirty="0" err="1" smtClean="0"/>
+              <a:t>generate</a:t>
+            </a:r>
+            <a:r>
+              <a:rPr lang="fr-FR" dirty="0" smtClean="0"/>
+              <a:t> existential conjectures</a:t>
+            </a:r>
+            <a:r>
+              <a:rPr lang="fr-FR" dirty="0" smtClean="0"/>
+              <a:t/>
             </a:r>
             <a:br>
               <a:rPr lang="fr-FR" dirty="0" smtClean="0"/>
@@ -3901,19 +3392,15 @@
             </a:r>
             <a:r>
               <a:rPr lang="fr-FR" dirty="0" err="1" smtClean="0"/>
-              <a:t>because</a:t>
-            </a:r>
-            <a:r>
-              <a:rPr lang="fr-FR" dirty="0" smtClean="0"/>
-              <a:t> </a:t>
-            </a:r>
-            <a:r>
-              <a:rPr lang="fr-FR" dirty="0" err="1" smtClean="0"/>
               <a:t>it</a:t>
             </a:r>
             <a:r>
               <a:rPr lang="fr-FR" dirty="0" smtClean="0"/>
-              <a:t> bans EVERY structure </a:t>
+              <a:t> </a:t>
+            </a:r>
+            <a:r>
+              <a:rPr lang="fr-FR" dirty="0" smtClean="0"/>
+              <a:t>bans EVERY structure </a:t>
             </a:r>
             <a:r>
               <a:rPr lang="fr-FR" dirty="0" err="1" smtClean="0"/>
@@ -3989,7 +3476,19 @@
             </a:r>
             <a:r>
               <a:rPr lang="fr-FR" dirty="0" smtClean="0"/>
-              <a:t> possible to do the dual : </a:t>
+              <a:t> possible to </a:t>
+            </a:r>
+            <a:r>
+              <a:rPr lang="fr-FR" dirty="0" err="1" smtClean="0"/>
+              <a:t>perform</a:t>
+            </a:r>
+            <a:r>
+              <a:rPr lang="fr-FR" dirty="0" smtClean="0"/>
+              <a:t> </a:t>
+            </a:r>
+            <a:r>
+              <a:rPr lang="fr-FR" dirty="0" smtClean="0"/>
+              <a:t>the dual : </a:t>
             </a:r>
             <a:r>
               <a:rPr lang="fr-FR" dirty="0" err="1" smtClean="0"/>
@@ -4316,7 +3815,31 @@
             </a:r>
             <a:r>
               <a:rPr lang="fr-FR" dirty="0" smtClean="0"/>
-              <a:t> &gt; 2.</a:t>
+              <a:t> &gt; </a:t>
+            </a:r>
+            <a:r>
+              <a:rPr lang="fr-FR" dirty="0" smtClean="0"/>
+              <a:t>2 (</a:t>
+            </a:r>
+            <a:r>
+              <a:rPr lang="fr-FR" dirty="0" err="1" smtClean="0"/>
+              <a:t>bad</a:t>
+            </a:r>
+            <a:r>
+              <a:rPr lang="fr-FR" dirty="0" smtClean="0"/>
+              <a:t> </a:t>
+            </a:r>
+            <a:r>
+              <a:rPr lang="fr-FR" dirty="0" err="1" smtClean="0"/>
+              <a:t>representation</a:t>
+            </a:r>
+            <a:r>
+              <a:rPr lang="fr-FR" dirty="0"/>
+              <a:t>)</a:t>
+            </a:r>
+            <a:r>
+              <a:rPr lang="fr-FR" dirty="0" smtClean="0"/>
+              <a:t>.</a:t>
             </a:r>
             <a:endParaRPr lang="fr-FR" dirty="0"/>
           </a:p>
@@ -4335,7 +3858,7 @@
 </p:sld>
 </file>
 
-<file path=ppt/slides/slide5.xml><?xml version="1.0" encoding="utf-8"?>
+<file path=ppt/slides/slide12.xml><?xml version="1.0" encoding="utf-8"?>
 <p:sld xmlns:a="http://schemas.openxmlformats.org/drawingml/2006/main" xmlns:r="http://schemas.openxmlformats.org/officeDocument/2006/relationships" xmlns:p="http://schemas.openxmlformats.org/presentationml/2006/main">
   <p:cSld>
     <p:spTree>
@@ -4396,7 +3919,7 @@
         <p:spPr/>
         <p:txBody>
           <a:bodyPr>
-            <a:normAutofit fontScale="85000" lnSpcReduction="10000"/>
+            <a:normAutofit fontScale="85000" lnSpcReduction="20000"/>
           </a:bodyPr>
           <a:lstStyle/>
           <a:p>
@@ -4613,6 +4136,18 @@
               <a:t> </a:t>
             </a:r>
             <a:r>
+              <a:rPr lang="fr-FR" dirty="0" smtClean="0"/>
+              <a:t>Causal </a:t>
+            </a:r>
+            <a:r>
+              <a:rPr lang="fr-FR" dirty="0" err="1" smtClean="0"/>
+              <a:t>Analysis</a:t>
+            </a:r>
+            <a:r>
+              <a:rPr lang="fr-FR" dirty="0" smtClean="0"/>
+              <a:t>: </a:t>
+            </a:r>
+            <a:r>
               <a:rPr lang="fr-FR" dirty="0" err="1" smtClean="0"/>
               <a:t>We</a:t>
             </a:r>
@@ -4709,12 +4244,12 @@
               <a:t> a </a:t>
             </a:r>
             <a:r>
-              <a:rPr lang="fr-FR" dirty="0" err="1" smtClean="0"/>
-              <a:t>fixed</a:t>
-            </a:r>
-            <a:r>
-              <a:rPr lang="fr-FR" dirty="0" smtClean="0"/>
-              <a:t> one </a:t>
+              <a:rPr lang="fr-FR" dirty="0" smtClean="0"/>
+              <a:t>correct </a:t>
+            </a:r>
+            <a:r>
+              <a:rPr lang="fr-FR" dirty="0" smtClean="0"/>
+              <a:t>one </a:t>
             </a:r>
             <a:r>
               <a:rPr lang="fr-FR" dirty="0" err="1" smtClean="0"/>
@@ -4765,7 +4300,7 @@
 </p:sld>
 </file>
 
-<file path=ppt/slides/slide6.xml><?xml version="1.0" encoding="utf-8"?>
+<file path=ppt/slides/slide13.xml><?xml version="1.0" encoding="utf-8"?>
 <p:sld xmlns:a="http://schemas.openxmlformats.org/drawingml/2006/main" xmlns:r="http://schemas.openxmlformats.org/officeDocument/2006/relationships" xmlns:p="http://schemas.openxmlformats.org/presentationml/2006/main">
   <p:cSld>
     <p:spTree>
@@ -4784,6 +4319,182 @@
       </p:grpSpPr>
       <p:sp>
         <p:nvSpPr>
+          <p:cNvPr id="4" name="Titre 3"/>
+          <p:cNvSpPr>
+            <a:spLocks noGrp="1"/>
+          </p:cNvSpPr>
+          <p:nvPr>
+            <p:ph type="title"/>
+          </p:nvPr>
+        </p:nvSpPr>
+        <p:spPr/>
+        <p:txBody>
+          <a:bodyPr/>
+          <a:lstStyle/>
+          <a:p>
+            <a:r>
+              <a:rPr lang="fr-FR" dirty="0" err="1" smtClean="0"/>
+              <a:t>Idea</a:t>
+            </a:r>
+            <a:r>
+              <a:rPr lang="fr-FR" dirty="0" smtClean="0"/>
+              <a:t> 1: </a:t>
+            </a:r>
+            <a:r>
+              <a:rPr lang="fr-FR" dirty="0" err="1" smtClean="0"/>
+              <a:t>Analysing</a:t>
+            </a:r>
+            <a:r>
+              <a:rPr lang="fr-FR" dirty="0" smtClean="0"/>
+              <a:t> code &amp; conjecture to </a:t>
+            </a:r>
+            <a:r>
+              <a:rPr lang="fr-FR" dirty="0" err="1" smtClean="0"/>
+              <a:t>filter</a:t>
+            </a:r>
+            <a:r>
+              <a:rPr lang="fr-FR" dirty="0" smtClean="0"/>
+              <a:t> important </a:t>
+            </a:r>
+            <a:r>
+              <a:rPr lang="fr-FR" dirty="0" err="1" smtClean="0"/>
+              <a:t>constraints</a:t>
+            </a:r>
+            <a:endParaRPr lang="fr-FR" dirty="0"/>
+          </a:p>
+        </p:txBody>
+      </p:sp>
+      <p:sp>
+        <p:nvSpPr>
+          <p:cNvPr id="5" name="Espace réservé du texte 4"/>
+          <p:cNvSpPr>
+            <a:spLocks noGrp="1"/>
+          </p:cNvSpPr>
+          <p:nvPr>
+            <p:ph type="body" idx="1"/>
+          </p:nvPr>
+        </p:nvSpPr>
+        <p:spPr/>
+        <p:txBody>
+          <a:bodyPr/>
+          <a:lstStyle/>
+          <a:p>
+            <a:endParaRPr lang="fr-FR"/>
+          </a:p>
+        </p:txBody>
+      </p:sp>
+    </p:spTree>
+    <p:extLst>
+      <p:ext uri="{BB962C8B-B14F-4D97-AF65-F5344CB8AC3E}">
+        <p14:creationId xmlns:p14="http://schemas.microsoft.com/office/powerpoint/2010/main" val="3781038772"/>
+      </p:ext>
+    </p:extLst>
+  </p:cSld>
+  <p:clrMapOvr>
+    <a:masterClrMapping/>
+  </p:clrMapOvr>
+</p:sld>
+</file>
+
+<file path=ppt/slides/slide14.xml><?xml version="1.0" encoding="utf-8"?>
+<p:sld xmlns:a="http://schemas.openxmlformats.org/drawingml/2006/main" xmlns:r="http://schemas.openxmlformats.org/officeDocument/2006/relationships" xmlns:p="http://schemas.openxmlformats.org/presentationml/2006/main">
+  <p:cSld>
+    <p:spTree>
+      <p:nvGrpSpPr>
+        <p:cNvPr id="1" name=""/>
+        <p:cNvGrpSpPr/>
+        <p:nvPr/>
+      </p:nvGrpSpPr>
+      <p:grpSpPr>
+        <a:xfrm>
+          <a:off x="0" y="0"/>
+          <a:ext cx="0" cy="0"/>
+          <a:chOff x="0" y="0"/>
+          <a:chExt cx="0" cy="0"/>
+        </a:xfrm>
+      </p:grpSpPr>
+      <p:sp>
+        <p:nvSpPr>
+          <p:cNvPr id="4" name="Titre 3"/>
+          <p:cNvSpPr>
+            <a:spLocks noGrp="1"/>
+          </p:cNvSpPr>
+          <p:nvPr>
+            <p:ph type="title"/>
+          </p:nvPr>
+        </p:nvSpPr>
+        <p:spPr/>
+        <p:txBody>
+          <a:bodyPr/>
+          <a:lstStyle/>
+          <a:p>
+            <a:r>
+              <a:rPr lang="fr-FR" dirty="0" err="1" smtClean="0"/>
+              <a:t>Idea</a:t>
+            </a:r>
+            <a:r>
+              <a:rPr lang="fr-FR" dirty="0" smtClean="0"/>
+              <a:t> 2: Causal </a:t>
+            </a:r>
+            <a:r>
+              <a:rPr lang="fr-FR" dirty="0" err="1" smtClean="0"/>
+              <a:t>Analysis</a:t>
+            </a:r>
+            <a:endParaRPr lang="fr-FR" dirty="0"/>
+          </a:p>
+        </p:txBody>
+      </p:sp>
+      <p:sp>
+        <p:nvSpPr>
+          <p:cNvPr id="5" name="Espace réservé du texte 4"/>
+          <p:cNvSpPr>
+            <a:spLocks noGrp="1"/>
+          </p:cNvSpPr>
+          <p:nvPr>
+            <p:ph type="body" idx="1"/>
+          </p:nvPr>
+        </p:nvSpPr>
+        <p:spPr/>
+        <p:txBody>
+          <a:bodyPr/>
+          <a:lstStyle/>
+          <a:p>
+            <a:endParaRPr lang="fr-FR" dirty="0"/>
+          </a:p>
+        </p:txBody>
+      </p:sp>
+    </p:spTree>
+    <p:extLst>
+      <p:ext uri="{BB962C8B-B14F-4D97-AF65-F5344CB8AC3E}">
+        <p14:creationId xmlns:p14="http://schemas.microsoft.com/office/powerpoint/2010/main" val="1559646716"/>
+      </p:ext>
+    </p:extLst>
+  </p:cSld>
+  <p:clrMapOvr>
+    <a:masterClrMapping/>
+  </p:clrMapOvr>
+</p:sld>
+</file>
+
+<file path=ppt/slides/slide15.xml><?xml version="1.0" encoding="utf-8"?>
+<p:sld xmlns:a="http://schemas.openxmlformats.org/drawingml/2006/main" xmlns:r="http://schemas.openxmlformats.org/officeDocument/2006/relationships" xmlns:p="http://schemas.openxmlformats.org/presentationml/2006/main">
+  <p:cSld>
+    <p:spTree>
+      <p:nvGrpSpPr>
+        <p:cNvPr id="1" name=""/>
+        <p:cNvGrpSpPr/>
+        <p:nvPr/>
+      </p:nvGrpSpPr>
+      <p:grpSpPr>
+        <a:xfrm>
+          <a:off x="0" y="0"/>
+          <a:ext cx="0" cy="0"/>
+          <a:chOff x="0" y="0"/>
+          <a:chExt cx="0" cy="0"/>
+        </a:xfrm>
+      </p:grpSpPr>
+      <p:sp>
+        <p:nvSpPr>
           <p:cNvPr id="2" name="Titre 1"/>
           <p:cNvSpPr>
             <a:spLocks noGrp="1"/>
@@ -4995,11 +4706,7 @@
             </a:r>
             <a:r>
               <a:rPr lang="fr-FR" dirty="0" smtClean="0"/>
-              <a:t> </a:t>
-            </a:r>
-            <a:r>
-              <a:rPr lang="fr-FR" dirty="0" smtClean="0"/>
-              <a:t>:</a:t>
+              <a:t> :</a:t>
             </a:r>
             <a:endParaRPr lang="fr-FR" dirty="0"/>
           </a:p>
@@ -5393,15 +5100,7 @@
             </a:r>
             <a:r>
               <a:rPr lang="fr-FR" dirty="0" smtClean="0"/>
-              <a:t> of </a:t>
-            </a:r>
-            <a:r>
-              <a:rPr lang="fr-FR" dirty="0" smtClean="0"/>
-              <a:t>the</a:t>
-            </a:r>
-            <a:r>
-              <a:rPr lang="fr-FR" dirty="0" smtClean="0"/>
-              <a:t> </a:t>
+              <a:t> of the </a:t>
             </a:r>
             <a:r>
               <a:rPr lang="fr-FR" dirty="0" err="1" smtClean="0"/>
@@ -5536,11 +5235,7 @@
             </a:r>
             <a:r>
               <a:rPr lang="fr-FR" dirty="0" smtClean="0"/>
-              <a:t> (=invariants) of the good initial state</a:t>
-            </a:r>
-            <a:r>
-              <a:rPr lang="fr-FR" dirty="0" smtClean="0"/>
-              <a:t> </a:t>
+              <a:t> (=invariants) of the good initial state </a:t>
             </a:r>
             <a:r>
               <a:rPr lang="fr-FR" dirty="0" err="1" smtClean="0"/>
@@ -5548,15 +5243,7 @@
             </a:r>
             <a:r>
               <a:rPr lang="fr-FR" dirty="0" smtClean="0"/>
-              <a:t> are </a:t>
-            </a:r>
-            <a:r>
-              <a:rPr lang="fr-FR" dirty="0" smtClean="0"/>
-              <a:t>important </a:t>
-            </a:r>
-            <a:r>
-              <a:rPr lang="fr-FR" dirty="0" smtClean="0"/>
-              <a:t>to </a:t>
+              <a:t> are important to </a:t>
             </a:r>
             <a:r>
               <a:rPr lang="fr-FR" dirty="0" err="1" smtClean="0"/>
@@ -5664,6 +5351,2565 @@
     <p:extLst>
       <p:ext uri="{BB962C8B-B14F-4D97-AF65-F5344CB8AC3E}">
         <p14:creationId xmlns:p14="http://schemas.microsoft.com/office/powerpoint/2010/main" val="2585860178"/>
+      </p:ext>
+    </p:extLst>
+  </p:cSld>
+  <p:clrMapOvr>
+    <a:masterClrMapping/>
+  </p:clrMapOvr>
+  <p:timing>
+    <p:tnLst>
+      <p:par>
+        <p:cTn id="1" dur="indefinite" restart="never" nodeType="tmRoot"/>
+      </p:par>
+    </p:tnLst>
+  </p:timing>
+</p:sld>
+</file>
+
+<file path=ppt/slides/slide2.xml><?xml version="1.0" encoding="utf-8"?>
+<p:sld xmlns:a="http://schemas.openxmlformats.org/drawingml/2006/main" xmlns:r="http://schemas.openxmlformats.org/officeDocument/2006/relationships" xmlns:p="http://schemas.openxmlformats.org/presentationml/2006/main">
+  <p:cSld>
+    <p:spTree>
+      <p:nvGrpSpPr>
+        <p:cNvPr id="1" name=""/>
+        <p:cNvGrpSpPr/>
+        <p:nvPr/>
+      </p:nvGrpSpPr>
+      <p:grpSpPr>
+        <a:xfrm>
+          <a:off x="0" y="0"/>
+          <a:ext cx="0" cy="0"/>
+          <a:chOff x="0" y="0"/>
+          <a:chExt cx="0" cy="0"/>
+        </a:xfrm>
+      </p:grpSpPr>
+      <p:sp>
+        <p:nvSpPr>
+          <p:cNvPr id="4" name="Titre 3"/>
+          <p:cNvSpPr>
+            <a:spLocks noGrp="1"/>
+          </p:cNvSpPr>
+          <p:nvPr>
+            <p:ph type="title"/>
+          </p:nvPr>
+        </p:nvSpPr>
+        <p:spPr/>
+        <p:txBody>
+          <a:bodyPr/>
+          <a:lstStyle/>
+          <a:p>
+            <a:r>
+              <a:rPr lang="fr-FR" dirty="0" err="1" smtClean="0"/>
+              <a:t>Checking</a:t>
+            </a:r>
+            <a:r>
+              <a:rPr lang="fr-FR" dirty="0" smtClean="0"/>
+              <a:t> an inductive invariant</a:t>
+            </a:r>
+            <a:endParaRPr lang="fr-FR" dirty="0"/>
+          </a:p>
+        </p:txBody>
+      </p:sp>
+      <p:sp>
+        <p:nvSpPr>
+          <p:cNvPr id="5" name="Espace réservé du texte 4"/>
+          <p:cNvSpPr>
+            <a:spLocks noGrp="1"/>
+          </p:cNvSpPr>
+          <p:nvPr>
+            <p:ph type="body" idx="1"/>
+          </p:nvPr>
+        </p:nvSpPr>
+        <p:spPr/>
+        <p:txBody>
+          <a:bodyPr/>
+          <a:lstStyle/>
+          <a:p>
+            <a:r>
+              <a:rPr lang="fr-FR" dirty="0" smtClean="0"/>
+              <a:t>Or </a:t>
+            </a:r>
+            <a:r>
+              <a:rPr lang="fr-FR" dirty="0" err="1" smtClean="0"/>
+              <a:t>finding</a:t>
+            </a:r>
+            <a:r>
+              <a:rPr lang="fr-FR" dirty="0" smtClean="0"/>
+              <a:t> </a:t>
+            </a:r>
+            <a:r>
+              <a:rPr lang="fr-FR" dirty="0"/>
+              <a:t>a </a:t>
+            </a:r>
+            <a:r>
+              <a:rPr lang="fr-FR" dirty="0" err="1"/>
+              <a:t>counterexample</a:t>
+            </a:r>
+            <a:endParaRPr lang="fr-FR" dirty="0"/>
+          </a:p>
+        </p:txBody>
+      </p:sp>
+    </p:spTree>
+    <p:extLst>
+      <p:ext uri="{BB962C8B-B14F-4D97-AF65-F5344CB8AC3E}">
+        <p14:creationId xmlns:p14="http://schemas.microsoft.com/office/powerpoint/2010/main" val="3937682909"/>
+      </p:ext>
+    </p:extLst>
+  </p:cSld>
+  <p:clrMapOvr>
+    <a:masterClrMapping/>
+  </p:clrMapOvr>
+</p:sld>
+</file>
+
+<file path=ppt/slides/slide3.xml><?xml version="1.0" encoding="utf-8"?>
+<p:sld xmlns:a="http://schemas.openxmlformats.org/drawingml/2006/main" xmlns:r="http://schemas.openxmlformats.org/officeDocument/2006/relationships" xmlns:p="http://schemas.openxmlformats.org/presentationml/2006/main">
+  <p:cSld>
+    <p:spTree>
+      <p:nvGrpSpPr>
+        <p:cNvPr id="1" name=""/>
+        <p:cNvGrpSpPr/>
+        <p:nvPr/>
+      </p:nvGrpSpPr>
+      <p:grpSpPr>
+        <a:xfrm>
+          <a:off x="0" y="0"/>
+          <a:ext cx="0" cy="0"/>
+          <a:chOff x="0" y="0"/>
+          <a:chExt cx="0" cy="0"/>
+        </a:xfrm>
+      </p:grpSpPr>
+      <p:sp>
+        <p:nvSpPr>
+          <p:cNvPr id="4" name="Titre 3"/>
+          <p:cNvSpPr>
+            <a:spLocks noGrp="1"/>
+          </p:cNvSpPr>
+          <p:nvPr>
+            <p:ph type="title"/>
+          </p:nvPr>
+        </p:nvSpPr>
+        <p:spPr/>
+        <p:txBody>
+          <a:bodyPr/>
+          <a:lstStyle/>
+          <a:p>
+            <a:r>
+              <a:rPr lang="fr-FR" dirty="0" err="1" smtClean="0"/>
+              <a:t>Weakest</a:t>
+            </a:r>
+            <a:r>
+              <a:rPr lang="fr-FR" dirty="0" smtClean="0"/>
+              <a:t> </a:t>
+            </a:r>
+            <a:r>
+              <a:rPr lang="fr-FR" dirty="0" err="1" smtClean="0"/>
+              <a:t>preconditions</a:t>
+            </a:r>
+            <a:r>
+              <a:rPr lang="fr-FR" dirty="0" smtClean="0"/>
+              <a:t> &amp; Inductive invariant</a:t>
+            </a:r>
+            <a:endParaRPr lang="fr-FR" dirty="0"/>
+          </a:p>
+        </p:txBody>
+      </p:sp>
+      <p:pic>
+        <p:nvPicPr>
+          <p:cNvPr id="6" name="Image 5"/>
+          <p:cNvPicPr>
+            <a:picLocks noChangeAspect="1"/>
+          </p:cNvPicPr>
+          <p:nvPr/>
+        </p:nvPicPr>
+        <p:blipFill>
+          <a:blip r:embed="rId2"/>
+          <a:stretch>
+            <a:fillRect/>
+          </a:stretch>
+        </p:blipFill>
+        <p:spPr>
+          <a:xfrm>
+            <a:off x="1066800" y="2334154"/>
+            <a:ext cx="4538571" cy="2898245"/>
+          </a:xfrm>
+          <a:prstGeom prst="rect">
+            <a:avLst/>
+          </a:prstGeom>
+        </p:spPr>
+      </p:pic>
+      <p:pic>
+        <p:nvPicPr>
+          <p:cNvPr id="7" name="Image 6"/>
+          <p:cNvPicPr>
+            <a:picLocks noChangeAspect="1"/>
+          </p:cNvPicPr>
+          <p:nvPr/>
+        </p:nvPicPr>
+        <p:blipFill>
+          <a:blip r:embed="rId3"/>
+          <a:stretch>
+            <a:fillRect/>
+          </a:stretch>
+        </p:blipFill>
+        <p:spPr>
+          <a:xfrm>
+            <a:off x="6264941" y="3136371"/>
+            <a:ext cx="4539584" cy="2096028"/>
+          </a:xfrm>
+          <a:prstGeom prst="rect">
+            <a:avLst/>
+          </a:prstGeom>
+        </p:spPr>
+      </p:pic>
+      <p:pic>
+        <p:nvPicPr>
+          <p:cNvPr id="8" name="Image 7"/>
+          <p:cNvPicPr>
+            <a:picLocks noChangeAspect="1"/>
+          </p:cNvPicPr>
+          <p:nvPr/>
+        </p:nvPicPr>
+        <p:blipFill>
+          <a:blip r:embed="rId4"/>
+          <a:stretch>
+            <a:fillRect/>
+          </a:stretch>
+        </p:blipFill>
+        <p:spPr>
+          <a:xfrm>
+            <a:off x="6996445" y="2584979"/>
+            <a:ext cx="3076575" cy="333375"/>
+          </a:xfrm>
+          <a:prstGeom prst="rect">
+            <a:avLst/>
+          </a:prstGeom>
+        </p:spPr>
+      </p:pic>
+    </p:spTree>
+    <p:extLst>
+      <p:ext uri="{BB962C8B-B14F-4D97-AF65-F5344CB8AC3E}">
+        <p14:creationId xmlns:p14="http://schemas.microsoft.com/office/powerpoint/2010/main" val="2947149927"/>
+      </p:ext>
+    </p:extLst>
+  </p:cSld>
+  <p:clrMapOvr>
+    <a:masterClrMapping/>
+  </p:clrMapOvr>
+</p:sld>
+</file>
+
+<file path=ppt/slides/slide4.xml><?xml version="1.0" encoding="utf-8"?>
+<p:sld xmlns:a="http://schemas.openxmlformats.org/drawingml/2006/main" xmlns:r="http://schemas.openxmlformats.org/officeDocument/2006/relationships" xmlns:p="http://schemas.openxmlformats.org/presentationml/2006/main">
+  <p:cSld>
+    <p:spTree>
+      <p:nvGrpSpPr>
+        <p:cNvPr id="1" name=""/>
+        <p:cNvGrpSpPr/>
+        <p:nvPr/>
+      </p:nvGrpSpPr>
+      <p:grpSpPr>
+        <a:xfrm>
+          <a:off x="0" y="0"/>
+          <a:ext cx="0" cy="0"/>
+          <a:chOff x="0" y="0"/>
+          <a:chExt cx="0" cy="0"/>
+        </a:xfrm>
+      </p:grpSpPr>
+      <p:sp>
+        <p:nvSpPr>
+          <p:cNvPr id="2" name="Titre 1"/>
+          <p:cNvSpPr>
+            <a:spLocks noGrp="1"/>
+          </p:cNvSpPr>
+          <p:nvPr>
+            <p:ph type="title"/>
+          </p:nvPr>
+        </p:nvSpPr>
+        <p:spPr/>
+        <p:txBody>
+          <a:bodyPr/>
+          <a:lstStyle/>
+          <a:p>
+            <a:r>
+              <a:rPr lang="fr-FR" dirty="0" err="1" smtClean="0"/>
+              <a:t>Some</a:t>
+            </a:r>
+            <a:r>
+              <a:rPr lang="fr-FR" dirty="0" smtClean="0"/>
+              <a:t> </a:t>
+            </a:r>
+            <a:r>
+              <a:rPr lang="fr-FR" dirty="0" err="1" smtClean="0"/>
+              <a:t>theorems</a:t>
+            </a:r>
+            <a:endParaRPr lang="fr-FR" dirty="0"/>
+          </a:p>
+        </p:txBody>
+      </p:sp>
+      <p:pic>
+        <p:nvPicPr>
+          <p:cNvPr id="4" name="Image 3"/>
+          <p:cNvPicPr>
+            <a:picLocks noChangeAspect="1"/>
+          </p:cNvPicPr>
+          <p:nvPr/>
+        </p:nvPicPr>
+        <p:blipFill>
+          <a:blip r:embed="rId2"/>
+          <a:stretch>
+            <a:fillRect/>
+          </a:stretch>
+        </p:blipFill>
+        <p:spPr>
+          <a:xfrm>
+            <a:off x="1189567" y="3497261"/>
+            <a:ext cx="4825937" cy="626006"/>
+          </a:xfrm>
+          <a:prstGeom prst="rect">
+            <a:avLst/>
+          </a:prstGeom>
+        </p:spPr>
+      </p:pic>
+      <p:sp>
+        <p:nvSpPr>
+          <p:cNvPr id="5" name="ZoneTexte 4"/>
+          <p:cNvSpPr txBox="1"/>
+          <p:nvPr/>
+        </p:nvSpPr>
+        <p:spPr>
+          <a:xfrm>
+            <a:off x="1189567" y="1614488"/>
+            <a:ext cx="9042400" cy="2031325"/>
+          </a:xfrm>
+          <a:prstGeom prst="rect">
+            <a:avLst/>
+          </a:prstGeom>
+          <a:noFill/>
+        </p:spPr>
+        <p:txBody>
+          <a:bodyPr wrap="square" rtlCol="0">
+            <a:spAutoFit/>
+          </a:bodyPr>
+          <a:lstStyle/>
+          <a:p>
+            <a:r>
+              <a:rPr lang="fr-FR" dirty="0" smtClean="0"/>
+              <a:t>Restrictions:</a:t>
+            </a:r>
+          </a:p>
+          <a:p>
+            <a:pPr marL="285750" indent="-285750">
+              <a:buFont typeface="Arial" panose="020B0604020202020204" pitchFamily="34" charset="0"/>
+              <a:buChar char="•"/>
+            </a:pPr>
+            <a:r>
+              <a:rPr lang="fr-FR" dirty="0" smtClean="0"/>
+              <a:t>Quantifier-free updates</a:t>
+            </a:r>
+          </a:p>
+          <a:p>
+            <a:pPr marL="285750" indent="-285750">
+              <a:buFont typeface="Arial" panose="020B0604020202020204" pitchFamily="34" charset="0"/>
+              <a:buChar char="•"/>
+            </a:pPr>
+            <a:r>
+              <a:rPr lang="fr-FR" i="1" dirty="0" smtClean="0"/>
+              <a:t>Assumes</a:t>
+            </a:r>
+            <a:r>
+              <a:rPr lang="fr-FR" dirty="0" smtClean="0"/>
+              <a:t> are </a:t>
+            </a:r>
+            <a:r>
+              <a:rPr lang="fr-FR" dirty="0" err="1" smtClean="0"/>
+              <a:t>always</a:t>
+            </a:r>
+            <a:r>
+              <a:rPr lang="fr-FR" dirty="0" smtClean="0"/>
+              <a:t> of the </a:t>
+            </a:r>
+            <a:r>
+              <a:rPr lang="fr-FR" dirty="0" err="1" smtClean="0"/>
+              <a:t>form</a:t>
+            </a:r>
+            <a:r>
+              <a:rPr lang="fr-FR" dirty="0" smtClean="0"/>
+              <a:t> ∃</a:t>
+            </a:r>
+            <a:r>
+              <a:rPr lang="fr-FR" dirty="0"/>
+              <a:t>* ∀</a:t>
+            </a:r>
+            <a:r>
+              <a:rPr lang="fr-FR" dirty="0" smtClean="0"/>
+              <a:t>*</a:t>
+            </a:r>
+          </a:p>
+          <a:p>
+            <a:pPr marL="285750" indent="-285750">
+              <a:buFont typeface="Arial" panose="020B0604020202020204" pitchFamily="34" charset="0"/>
+              <a:buChar char="•"/>
+            </a:pPr>
+            <a:r>
+              <a:rPr lang="fr-FR" dirty="0" err="1" smtClean="0"/>
+              <a:t>Function</a:t>
+            </a:r>
+            <a:r>
+              <a:rPr lang="fr-FR" dirty="0" smtClean="0"/>
+              <a:t> </a:t>
+            </a:r>
+            <a:r>
+              <a:rPr lang="fr-FR" dirty="0" err="1" smtClean="0"/>
+              <a:t>symbols</a:t>
+            </a:r>
+            <a:r>
+              <a:rPr lang="fr-FR" dirty="0" smtClean="0"/>
+              <a:t> are </a:t>
+            </a:r>
+            <a:r>
+              <a:rPr lang="fr-FR" dirty="0" err="1" smtClean="0"/>
+              <a:t>stratified</a:t>
+            </a:r>
+            <a:endParaRPr lang="fr-FR" dirty="0" smtClean="0"/>
+          </a:p>
+          <a:p>
+            <a:pPr marL="285750" indent="-285750">
+              <a:buFont typeface="Arial" panose="020B0604020202020204" pitchFamily="34" charset="0"/>
+              <a:buChar char="•"/>
+            </a:pPr>
+            <a:endParaRPr lang="fr-FR" dirty="0"/>
+          </a:p>
+          <a:p>
+            <a:r>
+              <a:rPr lang="fr-FR" dirty="0" smtClean="0"/>
+              <a:t>Under </a:t>
+            </a:r>
+            <a:r>
+              <a:rPr lang="fr-FR" dirty="0" err="1" smtClean="0"/>
+              <a:t>these</a:t>
+            </a:r>
+            <a:r>
+              <a:rPr lang="fr-FR" dirty="0" smtClean="0"/>
+              <a:t> conditions, </a:t>
+            </a:r>
+            <a:r>
+              <a:rPr lang="fr-FR" dirty="0" err="1" smtClean="0"/>
+              <a:t>we</a:t>
+            </a:r>
+            <a:r>
+              <a:rPr lang="fr-FR" dirty="0" smtClean="0"/>
+              <a:t> have:</a:t>
+            </a:r>
+          </a:p>
+          <a:p>
+            <a:pPr marL="285750" indent="-285750">
+              <a:buFont typeface="Arial" panose="020B0604020202020204" pitchFamily="34" charset="0"/>
+              <a:buChar char="•"/>
+            </a:pPr>
+            <a:endParaRPr lang="fr-FR" dirty="0"/>
+          </a:p>
+        </p:txBody>
+      </p:sp>
+      <p:pic>
+        <p:nvPicPr>
+          <p:cNvPr id="6" name="Image 5"/>
+          <p:cNvPicPr>
+            <a:picLocks noChangeAspect="1"/>
+          </p:cNvPicPr>
+          <p:nvPr/>
+        </p:nvPicPr>
+        <p:blipFill>
+          <a:blip r:embed="rId3"/>
+          <a:stretch>
+            <a:fillRect/>
+          </a:stretch>
+        </p:blipFill>
+        <p:spPr>
+          <a:xfrm>
+            <a:off x="1219138" y="4364947"/>
+            <a:ext cx="4533268" cy="1231520"/>
+          </a:xfrm>
+          <a:prstGeom prst="rect">
+            <a:avLst/>
+          </a:prstGeom>
+        </p:spPr>
+      </p:pic>
+      <p:sp>
+        <p:nvSpPr>
+          <p:cNvPr id="7" name="ZoneTexte 6"/>
+          <p:cNvSpPr txBox="1"/>
+          <p:nvPr/>
+        </p:nvSpPr>
+        <p:spPr>
+          <a:xfrm>
+            <a:off x="6256867" y="5492221"/>
+            <a:ext cx="5571067" cy="830997"/>
+          </a:xfrm>
+          <a:prstGeom prst="rect">
+            <a:avLst/>
+          </a:prstGeom>
+          <a:noFill/>
+        </p:spPr>
+        <p:txBody>
+          <a:bodyPr wrap="square" rtlCol="0">
+            <a:spAutoFit/>
+          </a:bodyPr>
+          <a:lstStyle/>
+          <a:p>
+            <a:r>
+              <a:rPr lang="fr-FR" sz="2400" dirty="0" smtClean="0"/>
+              <a:t>So </a:t>
+            </a:r>
+            <a:r>
+              <a:rPr lang="fr-FR" sz="2400" dirty="0" err="1" smtClean="0"/>
+              <a:t>we</a:t>
+            </a:r>
+            <a:r>
+              <a:rPr lang="fr-FR" sz="2400" dirty="0" smtClean="0"/>
+              <a:t> </a:t>
+            </a:r>
+            <a:r>
+              <a:rPr lang="fr-FR" sz="2400" dirty="0" err="1" smtClean="0"/>
+              <a:t>can</a:t>
+            </a:r>
+            <a:r>
+              <a:rPr lang="fr-FR" sz="2400" dirty="0" smtClean="0"/>
+              <a:t> </a:t>
+            </a:r>
+            <a:r>
+              <a:rPr lang="fr-FR" sz="2400" dirty="0" err="1" smtClean="0"/>
+              <a:t>compute</a:t>
+            </a:r>
+            <a:r>
+              <a:rPr lang="fr-FR" sz="2400" dirty="0" smtClean="0"/>
+              <a:t> </a:t>
+            </a:r>
+            <a:r>
+              <a:rPr lang="fr-FR" sz="2400" dirty="0" err="1" smtClean="0"/>
+              <a:t>weakest</a:t>
+            </a:r>
+            <a:r>
+              <a:rPr lang="fr-FR" sz="2400" dirty="0" smtClean="0"/>
+              <a:t> </a:t>
+            </a:r>
+            <a:r>
+              <a:rPr lang="fr-FR" sz="2400" dirty="0" err="1" smtClean="0"/>
+              <a:t>preconditions</a:t>
+            </a:r>
+            <a:r>
+              <a:rPr lang="fr-FR" sz="2400" dirty="0" smtClean="0"/>
+              <a:t> (</a:t>
+            </a:r>
+            <a:r>
+              <a:rPr lang="fr-FR" sz="2400" dirty="0" err="1" smtClean="0"/>
+              <a:t>wp</a:t>
+            </a:r>
+            <a:r>
+              <a:rPr lang="fr-FR" sz="2400" dirty="0" smtClean="0"/>
+              <a:t>) for </a:t>
+            </a:r>
+            <a:r>
+              <a:rPr lang="fr-FR" sz="2400" dirty="0"/>
+              <a:t>∀</a:t>
+            </a:r>
+            <a:r>
+              <a:rPr lang="fr-FR" sz="2400" dirty="0" smtClean="0"/>
+              <a:t>*∃* conjectures!</a:t>
+            </a:r>
+          </a:p>
+        </p:txBody>
+      </p:sp>
+    </p:spTree>
+    <p:extLst>
+      <p:ext uri="{BB962C8B-B14F-4D97-AF65-F5344CB8AC3E}">
+        <p14:creationId xmlns:p14="http://schemas.microsoft.com/office/powerpoint/2010/main" val="3403103502"/>
+      </p:ext>
+    </p:extLst>
+  </p:cSld>
+  <p:clrMapOvr>
+    <a:masterClrMapping/>
+  </p:clrMapOvr>
+</p:sld>
+</file>
+
+<file path=ppt/slides/slide5.xml><?xml version="1.0" encoding="utf-8"?>
+<p:sld xmlns:a="http://schemas.openxmlformats.org/drawingml/2006/main" xmlns:r="http://schemas.openxmlformats.org/officeDocument/2006/relationships" xmlns:p="http://schemas.openxmlformats.org/presentationml/2006/main">
+  <p:cSld>
+    <p:spTree>
+      <p:nvGrpSpPr>
+        <p:cNvPr id="1" name=""/>
+        <p:cNvGrpSpPr/>
+        <p:nvPr/>
+      </p:nvGrpSpPr>
+      <p:grpSpPr>
+        <a:xfrm>
+          <a:off x="0" y="0"/>
+          <a:ext cx="0" cy="0"/>
+          <a:chOff x="0" y="0"/>
+          <a:chExt cx="0" cy="0"/>
+        </a:xfrm>
+      </p:grpSpPr>
+      <p:sp>
+        <p:nvSpPr>
+          <p:cNvPr id="4" name="Titre 3"/>
+          <p:cNvSpPr>
+            <a:spLocks noGrp="1"/>
+          </p:cNvSpPr>
+          <p:nvPr>
+            <p:ph type="title"/>
+          </p:nvPr>
+        </p:nvSpPr>
+        <p:spPr/>
+        <p:txBody>
+          <a:bodyPr/>
+          <a:lstStyle/>
+          <a:p>
+            <a:r>
+              <a:rPr lang="fr-FR" dirty="0" err="1" smtClean="0"/>
+              <a:t>Constraints</a:t>
+            </a:r>
+            <a:r>
+              <a:rPr lang="fr-FR" dirty="0" smtClean="0"/>
+              <a:t> on conjectures</a:t>
+            </a:r>
+            <a:endParaRPr lang="fr-FR" dirty="0"/>
+          </a:p>
+        </p:txBody>
+      </p:sp>
+      <p:sp>
+        <p:nvSpPr>
+          <p:cNvPr id="5" name="Espace réservé du contenu 4"/>
+          <p:cNvSpPr>
+            <a:spLocks noGrp="1"/>
+          </p:cNvSpPr>
+          <p:nvPr>
+            <p:ph idx="1"/>
+          </p:nvPr>
+        </p:nvSpPr>
+        <p:spPr/>
+        <p:txBody>
+          <a:bodyPr>
+            <a:normAutofit fontScale="92500" lnSpcReduction="20000"/>
+          </a:bodyPr>
+          <a:lstStyle/>
+          <a:p>
+            <a:pPr>
+              <a:lnSpc>
+                <a:spcPct val="150000"/>
+              </a:lnSpc>
+            </a:pPr>
+            <a:r>
+              <a:rPr lang="fr-FR" dirty="0" smtClean="0"/>
+              <a:t> In </a:t>
+            </a:r>
+            <a:r>
+              <a:rPr lang="fr-FR" dirty="0" err="1" smtClean="0"/>
+              <a:t>order</a:t>
+            </a:r>
+            <a:r>
+              <a:rPr lang="fr-FR" dirty="0" smtClean="0"/>
+              <a:t> to </a:t>
+            </a:r>
+            <a:r>
+              <a:rPr lang="fr-FR" dirty="0" err="1" smtClean="0"/>
+              <a:t>find</a:t>
+            </a:r>
+            <a:r>
+              <a:rPr lang="fr-FR" dirty="0" smtClean="0"/>
+              <a:t> an inductive invariant, </a:t>
+            </a:r>
+            <a:r>
+              <a:rPr lang="fr-FR" dirty="0" err="1" smtClean="0"/>
+              <a:t>why</a:t>
+            </a:r>
+            <a:r>
+              <a:rPr lang="fr-FR" dirty="0" smtClean="0"/>
+              <a:t> </a:t>
+            </a:r>
+            <a:r>
+              <a:rPr lang="fr-FR" dirty="0" err="1" smtClean="0"/>
+              <a:t>can’t</a:t>
+            </a:r>
+            <a:r>
+              <a:rPr lang="fr-FR" dirty="0" smtClean="0"/>
+              <a:t> </a:t>
+            </a:r>
+            <a:r>
+              <a:rPr lang="fr-FR" dirty="0" err="1" smtClean="0"/>
+              <a:t>we</a:t>
+            </a:r>
+            <a:r>
+              <a:rPr lang="fr-FR" dirty="0" smtClean="0"/>
+              <a:t> </a:t>
+            </a:r>
+            <a:r>
+              <a:rPr lang="fr-FR" dirty="0" err="1" smtClean="0"/>
+              <a:t>just</a:t>
+            </a:r>
+            <a:r>
+              <a:rPr lang="fr-FR" dirty="0" smtClean="0"/>
+              <a:t> </a:t>
+            </a:r>
+            <a:r>
+              <a:rPr lang="fr-FR" dirty="0" err="1" smtClean="0"/>
+              <a:t>compute</a:t>
+            </a:r>
+            <a:r>
+              <a:rPr lang="fr-FR" dirty="0" smtClean="0"/>
+              <a:t> the </a:t>
+            </a:r>
+            <a:r>
+              <a:rPr lang="fr-FR" dirty="0" err="1" smtClean="0"/>
+              <a:t>wp</a:t>
+            </a:r>
+            <a:r>
+              <a:rPr lang="fr-FR" dirty="0" smtClean="0"/>
+              <a:t> of the </a:t>
+            </a:r>
+            <a:r>
+              <a:rPr lang="fr-FR" dirty="0" err="1" smtClean="0"/>
+              <a:t>desired</a:t>
+            </a:r>
+            <a:r>
+              <a:rPr lang="fr-FR" dirty="0" smtClean="0"/>
+              <a:t> conjecture </a:t>
+            </a:r>
+            <a:r>
+              <a:rPr lang="fr-FR" dirty="0" err="1" smtClean="0"/>
+              <a:t>until</a:t>
+            </a:r>
+            <a:r>
+              <a:rPr lang="fr-FR" dirty="0" smtClean="0"/>
+              <a:t> </a:t>
+            </a:r>
+            <a:r>
+              <a:rPr lang="fr-FR" dirty="0" err="1" smtClean="0"/>
+              <a:t>we</a:t>
+            </a:r>
+            <a:r>
+              <a:rPr lang="fr-FR" dirty="0" smtClean="0"/>
+              <a:t> </a:t>
+            </a:r>
+            <a:r>
+              <a:rPr lang="fr-FR" dirty="0" err="1" smtClean="0"/>
+              <a:t>reach</a:t>
+            </a:r>
+            <a:r>
+              <a:rPr lang="fr-FR" dirty="0" smtClean="0"/>
+              <a:t> a conjecture </a:t>
+            </a:r>
+            <a:r>
+              <a:rPr lang="fr-FR" dirty="0" err="1" smtClean="0"/>
+              <a:t>that</a:t>
+            </a:r>
+            <a:r>
+              <a:rPr lang="fr-FR" dirty="0" smtClean="0"/>
+              <a:t> </a:t>
+            </a:r>
+            <a:r>
+              <a:rPr lang="fr-FR" dirty="0" err="1" smtClean="0"/>
+              <a:t>imply</a:t>
+            </a:r>
+            <a:r>
+              <a:rPr lang="fr-FR" dirty="0" smtClean="0"/>
+              <a:t> </a:t>
+            </a:r>
+            <a:r>
+              <a:rPr lang="fr-FR" dirty="0" err="1" smtClean="0"/>
+              <a:t>it’s</a:t>
+            </a:r>
+            <a:r>
+              <a:rPr lang="fr-FR" dirty="0" smtClean="0"/>
+              <a:t> </a:t>
+            </a:r>
+            <a:r>
+              <a:rPr lang="fr-FR" dirty="0" err="1" smtClean="0"/>
+              <a:t>wp</a:t>
+            </a:r>
+            <a:r>
+              <a:rPr lang="fr-FR" dirty="0" smtClean="0"/>
+              <a:t>?</a:t>
+            </a:r>
+          </a:p>
+          <a:p>
+            <a:pPr lvl="1">
+              <a:lnSpc>
+                <a:spcPct val="150000"/>
+              </a:lnSpc>
+            </a:pPr>
+            <a:r>
+              <a:rPr lang="fr-FR" dirty="0"/>
+              <a:t> </a:t>
+            </a:r>
+            <a:r>
+              <a:rPr lang="fr-FR" dirty="0" smtClean="0"/>
+              <a:t>Can </a:t>
+            </a:r>
+            <a:r>
+              <a:rPr lang="fr-FR" dirty="0" err="1" smtClean="0"/>
+              <a:t>take</a:t>
+            </a:r>
+            <a:r>
+              <a:rPr lang="fr-FR" dirty="0" smtClean="0"/>
+              <a:t> an </a:t>
+            </a:r>
+            <a:r>
+              <a:rPr lang="fr-FR" dirty="0" err="1" smtClean="0"/>
+              <a:t>infinite</a:t>
+            </a:r>
+            <a:r>
+              <a:rPr lang="fr-FR" dirty="0" smtClean="0"/>
+              <a:t> </a:t>
+            </a:r>
+            <a:r>
+              <a:rPr lang="fr-FR" dirty="0" err="1" smtClean="0"/>
+              <a:t>number</a:t>
+            </a:r>
+            <a:r>
+              <a:rPr lang="fr-FR" dirty="0" smtClean="0"/>
+              <a:t> of </a:t>
+            </a:r>
+            <a:r>
+              <a:rPr lang="fr-FR" dirty="0" err="1" smtClean="0"/>
+              <a:t>iterations</a:t>
+            </a:r>
+            <a:endParaRPr lang="fr-FR" dirty="0" smtClean="0"/>
+          </a:p>
+          <a:p>
+            <a:pPr lvl="1">
+              <a:lnSpc>
+                <a:spcPct val="150000"/>
+              </a:lnSpc>
+            </a:pPr>
+            <a:r>
+              <a:rPr lang="fr-FR" dirty="0"/>
+              <a:t> </a:t>
+            </a:r>
+            <a:r>
+              <a:rPr lang="fr-FR" dirty="0" err="1" smtClean="0"/>
+              <a:t>Weakest</a:t>
+            </a:r>
+            <a:r>
+              <a:rPr lang="fr-FR" dirty="0" smtClean="0"/>
+              <a:t> </a:t>
+            </a:r>
+            <a:r>
+              <a:rPr lang="fr-FR" dirty="0" err="1" smtClean="0"/>
+              <a:t>preconditions</a:t>
+            </a:r>
+            <a:r>
+              <a:rPr lang="fr-FR" dirty="0" smtClean="0"/>
+              <a:t> are of the </a:t>
+            </a:r>
+            <a:r>
+              <a:rPr lang="fr-FR" dirty="0" err="1" smtClean="0"/>
+              <a:t>form</a:t>
+            </a:r>
+            <a:r>
+              <a:rPr lang="fr-FR" dirty="0" smtClean="0"/>
+              <a:t> ∀*</a:t>
+            </a:r>
+            <a:r>
+              <a:rPr lang="fr-FR" dirty="0"/>
+              <a:t> ∃</a:t>
+            </a:r>
+            <a:r>
+              <a:rPr lang="fr-FR" dirty="0" smtClean="0"/>
+              <a:t>*, and </a:t>
+            </a:r>
+            <a:r>
+              <a:rPr lang="fr-FR" dirty="0" err="1" smtClean="0"/>
+              <a:t>we</a:t>
+            </a:r>
+            <a:r>
+              <a:rPr lang="fr-FR" dirty="0" smtClean="0"/>
+              <a:t> </a:t>
+            </a:r>
+            <a:r>
+              <a:rPr lang="fr-FR" dirty="0" err="1" smtClean="0"/>
+              <a:t>can’t</a:t>
+            </a:r>
+            <a:r>
+              <a:rPr lang="fr-FR" dirty="0" smtClean="0"/>
+              <a:t> </a:t>
+            </a:r>
+            <a:r>
+              <a:rPr lang="fr-FR" dirty="0" err="1" smtClean="0"/>
+              <a:t>decide</a:t>
+            </a:r>
+            <a:r>
+              <a:rPr lang="fr-FR" dirty="0" smtClean="0"/>
+              <a:t> the implication </a:t>
+            </a:r>
+            <a:r>
+              <a:rPr lang="fr-FR" dirty="0" err="1" smtClean="0"/>
+              <a:t>between</a:t>
+            </a:r>
+            <a:r>
+              <a:rPr lang="fr-FR" dirty="0" smtClean="0"/>
+              <a:t> </a:t>
+            </a:r>
+            <a:r>
+              <a:rPr lang="fr-FR" dirty="0" err="1" smtClean="0"/>
+              <a:t>two</a:t>
+            </a:r>
+            <a:r>
+              <a:rPr lang="fr-FR" dirty="0" smtClean="0"/>
+              <a:t> </a:t>
+            </a:r>
+            <a:r>
+              <a:rPr lang="fr-FR" dirty="0"/>
+              <a:t>∀* ∃</a:t>
+            </a:r>
+            <a:r>
+              <a:rPr lang="fr-FR" dirty="0" smtClean="0"/>
+              <a:t>* formulas (</a:t>
+            </a:r>
+            <a:r>
+              <a:rPr lang="fr-FR" dirty="0" err="1" smtClean="0"/>
+              <a:t>only</a:t>
+            </a:r>
+            <a:r>
+              <a:rPr lang="fr-FR" dirty="0" smtClean="0"/>
+              <a:t> </a:t>
+            </a:r>
+            <a:r>
+              <a:rPr lang="fr-FR" dirty="0" err="1" smtClean="0"/>
+              <a:t>between</a:t>
+            </a:r>
+            <a:r>
+              <a:rPr lang="fr-FR" dirty="0" smtClean="0"/>
+              <a:t> </a:t>
+            </a:r>
+            <a:r>
+              <a:rPr lang="fr-FR" dirty="0"/>
+              <a:t>∀* ∃</a:t>
+            </a:r>
+            <a:r>
+              <a:rPr lang="fr-FR" dirty="0" smtClean="0"/>
+              <a:t>* formulas and </a:t>
+            </a:r>
+            <a:r>
+              <a:rPr lang="fr-FR" dirty="0"/>
+              <a:t>∃* </a:t>
+            </a:r>
+            <a:r>
+              <a:rPr lang="fr-FR" dirty="0" smtClean="0"/>
+              <a:t>∀* formulas)</a:t>
+            </a:r>
+          </a:p>
+          <a:p>
+            <a:pPr marL="457200" lvl="1" indent="0">
+              <a:lnSpc>
+                <a:spcPct val="150000"/>
+              </a:lnSpc>
+              <a:buNone/>
+            </a:pPr>
+            <a:endParaRPr lang="fr-FR" dirty="0" smtClean="0"/>
+          </a:p>
+          <a:p>
+            <a:pPr>
+              <a:lnSpc>
+                <a:spcPct val="150000"/>
+              </a:lnSpc>
+            </a:pPr>
+            <a:r>
+              <a:rPr lang="fr-FR" dirty="0"/>
+              <a:t> </a:t>
+            </a:r>
+            <a:r>
+              <a:rPr lang="fr-FR" dirty="0" smtClean="0"/>
+              <a:t>So </a:t>
+            </a:r>
+            <a:r>
+              <a:rPr lang="fr-FR" dirty="0" err="1" smtClean="0"/>
+              <a:t>we</a:t>
+            </a:r>
+            <a:r>
+              <a:rPr lang="fr-FR" dirty="0" smtClean="0"/>
+              <a:t> must have conjectures </a:t>
+            </a:r>
+            <a:r>
+              <a:rPr lang="fr-FR" dirty="0" err="1" smtClean="0"/>
+              <a:t>without</a:t>
+            </a:r>
+            <a:r>
+              <a:rPr lang="fr-FR" dirty="0" smtClean="0"/>
+              <a:t> quantifier alternation in </a:t>
+            </a:r>
+            <a:r>
+              <a:rPr lang="fr-FR" dirty="0" err="1" smtClean="0"/>
+              <a:t>order</a:t>
+            </a:r>
+            <a:r>
+              <a:rPr lang="fr-FR" dirty="0" smtClean="0"/>
+              <a:t> to </a:t>
+            </a:r>
+            <a:r>
+              <a:rPr lang="fr-FR" dirty="0" err="1" smtClean="0"/>
+              <a:t>be</a:t>
+            </a:r>
+            <a:r>
+              <a:rPr lang="fr-FR" dirty="0" smtClean="0"/>
+              <a:t> able to </a:t>
+            </a:r>
+            <a:r>
+              <a:rPr lang="fr-FR" dirty="0" err="1" smtClean="0"/>
+              <a:t>compute</a:t>
+            </a:r>
+            <a:r>
+              <a:rPr lang="fr-FR" dirty="0" smtClean="0"/>
+              <a:t> </a:t>
+            </a:r>
+            <a:r>
+              <a:rPr lang="fr-FR" dirty="0" err="1" smtClean="0"/>
+              <a:t>their</a:t>
+            </a:r>
+            <a:r>
+              <a:rPr lang="fr-FR" dirty="0" smtClean="0"/>
+              <a:t> </a:t>
+            </a:r>
+            <a:r>
+              <a:rPr lang="fr-FR" dirty="0" err="1" smtClean="0"/>
+              <a:t>wp</a:t>
+            </a:r>
+            <a:r>
+              <a:rPr lang="fr-FR" dirty="0" smtClean="0"/>
+              <a:t> AND to </a:t>
+            </a:r>
+            <a:r>
+              <a:rPr lang="fr-FR" dirty="0" err="1" smtClean="0"/>
+              <a:t>decide</a:t>
+            </a:r>
+            <a:r>
+              <a:rPr lang="fr-FR" dirty="0"/>
+              <a:t> </a:t>
+            </a:r>
+            <a:r>
+              <a:rPr lang="fr-FR" dirty="0" smtClean="0"/>
+              <a:t>the implication.</a:t>
+            </a:r>
+            <a:endParaRPr lang="fr-FR" dirty="0"/>
+          </a:p>
+        </p:txBody>
+      </p:sp>
+    </p:spTree>
+    <p:extLst>
+      <p:ext uri="{BB962C8B-B14F-4D97-AF65-F5344CB8AC3E}">
+        <p14:creationId xmlns:p14="http://schemas.microsoft.com/office/powerpoint/2010/main" val="3764354489"/>
+      </p:ext>
+    </p:extLst>
+  </p:cSld>
+  <p:clrMapOvr>
+    <a:masterClrMapping/>
+  </p:clrMapOvr>
+</p:sld>
+</file>
+
+<file path=ppt/slides/slide6.xml><?xml version="1.0" encoding="utf-8"?>
+<p:sld xmlns:a="http://schemas.openxmlformats.org/drawingml/2006/main" xmlns:r="http://schemas.openxmlformats.org/officeDocument/2006/relationships" xmlns:p="http://schemas.openxmlformats.org/presentationml/2006/main">
+  <p:cSld>
+    <p:spTree>
+      <p:nvGrpSpPr>
+        <p:cNvPr id="1" name=""/>
+        <p:cNvGrpSpPr/>
+        <p:nvPr/>
+      </p:nvGrpSpPr>
+      <p:grpSpPr>
+        <a:xfrm>
+          <a:off x="0" y="0"/>
+          <a:ext cx="0" cy="0"/>
+          <a:chOff x="0" y="0"/>
+          <a:chExt cx="0" cy="0"/>
+        </a:xfrm>
+      </p:grpSpPr>
+      <p:sp>
+        <p:nvSpPr>
+          <p:cNvPr id="2" name="Titre 1"/>
+          <p:cNvSpPr>
+            <a:spLocks noGrp="1"/>
+          </p:cNvSpPr>
+          <p:nvPr>
+            <p:ph type="title"/>
+          </p:nvPr>
+        </p:nvSpPr>
+        <p:spPr/>
+        <p:txBody>
+          <a:bodyPr/>
+          <a:lstStyle/>
+          <a:p>
+            <a:r>
+              <a:rPr lang="fr-FR" dirty="0" err="1" smtClean="0"/>
+              <a:t>Generating</a:t>
+            </a:r>
+            <a:r>
+              <a:rPr lang="fr-FR" dirty="0" smtClean="0"/>
+              <a:t> a </a:t>
+            </a:r>
+            <a:r>
+              <a:rPr lang="fr-FR" dirty="0" err="1" smtClean="0"/>
+              <a:t>counterexample</a:t>
+            </a:r>
+            <a:endParaRPr lang="fr-FR" dirty="0"/>
+          </a:p>
+        </p:txBody>
+      </p:sp>
+      <p:sp>
+        <p:nvSpPr>
+          <p:cNvPr id="3" name="Espace réservé du contenu 2"/>
+          <p:cNvSpPr>
+            <a:spLocks noGrp="1"/>
+          </p:cNvSpPr>
+          <p:nvPr>
+            <p:ph idx="1"/>
+          </p:nvPr>
+        </p:nvSpPr>
+        <p:spPr/>
+        <p:txBody>
+          <a:bodyPr/>
+          <a:lstStyle/>
+          <a:p>
+            <a:pPr>
+              <a:lnSpc>
+                <a:spcPct val="150000"/>
+              </a:lnSpc>
+            </a:pPr>
+            <a:r>
+              <a:rPr lang="fr-FR" dirty="0" smtClean="0"/>
+              <a:t> If IVY </a:t>
+            </a:r>
+            <a:r>
+              <a:rPr lang="fr-FR" dirty="0" err="1" smtClean="0"/>
+              <a:t>finds</a:t>
+            </a:r>
+            <a:r>
+              <a:rPr lang="fr-FR" dirty="0" smtClean="0"/>
+              <a:t> </a:t>
+            </a:r>
+            <a:r>
+              <a:rPr lang="fr-FR" dirty="0" err="1" smtClean="0"/>
+              <a:t>that</a:t>
+            </a:r>
+            <a:r>
+              <a:rPr lang="fr-FR" dirty="0" smtClean="0"/>
+              <a:t> </a:t>
+            </a:r>
+            <a:r>
+              <a:rPr lang="fr-FR" dirty="0" err="1" smtClean="0"/>
+              <a:t>our</a:t>
+            </a:r>
+            <a:r>
+              <a:rPr lang="fr-FR" dirty="0" smtClean="0"/>
+              <a:t> invariant </a:t>
+            </a:r>
+            <a:r>
+              <a:rPr lang="fr-FR" dirty="0" err="1" smtClean="0"/>
+              <a:t>implies</a:t>
+            </a:r>
+            <a:r>
+              <a:rPr lang="fr-FR" dirty="0" smtClean="0"/>
+              <a:t> </a:t>
+            </a:r>
+            <a:r>
+              <a:rPr lang="fr-FR" dirty="0" err="1" smtClean="0"/>
+              <a:t>its</a:t>
+            </a:r>
+            <a:r>
+              <a:rPr lang="fr-FR" dirty="0" smtClean="0"/>
+              <a:t> </a:t>
+            </a:r>
+            <a:r>
+              <a:rPr lang="fr-FR" dirty="0" err="1" smtClean="0"/>
+              <a:t>wp</a:t>
+            </a:r>
+            <a:r>
+              <a:rPr lang="fr-FR" dirty="0" smtClean="0"/>
+              <a:t>, </a:t>
+            </a:r>
+            <a:r>
+              <a:rPr lang="fr-FR" dirty="0" err="1" smtClean="0"/>
+              <a:t>then</a:t>
+            </a:r>
+            <a:r>
+              <a:rPr lang="fr-FR" dirty="0" smtClean="0"/>
+              <a:t> </a:t>
+            </a:r>
+            <a:r>
+              <a:rPr lang="fr-FR" dirty="0" err="1" smtClean="0"/>
+              <a:t>it</a:t>
+            </a:r>
+            <a:r>
+              <a:rPr lang="fr-FR" dirty="0" smtClean="0"/>
+              <a:t> </a:t>
+            </a:r>
+            <a:r>
+              <a:rPr lang="fr-FR" dirty="0" err="1" smtClean="0"/>
+              <a:t>is</a:t>
+            </a:r>
+            <a:r>
+              <a:rPr lang="fr-FR" dirty="0" smtClean="0"/>
+              <a:t> an inductive invariant.</a:t>
+            </a:r>
+          </a:p>
+          <a:p>
+            <a:pPr>
+              <a:lnSpc>
+                <a:spcPct val="150000"/>
+              </a:lnSpc>
+            </a:pPr>
+            <a:endParaRPr lang="fr-FR" dirty="0"/>
+          </a:p>
+          <a:p>
+            <a:pPr>
+              <a:lnSpc>
+                <a:spcPct val="150000"/>
+              </a:lnSpc>
+            </a:pPr>
+            <a:r>
+              <a:rPr lang="fr-FR" dirty="0" smtClean="0"/>
+              <a:t> </a:t>
+            </a:r>
+            <a:r>
+              <a:rPr lang="fr-FR" dirty="0" err="1" smtClean="0"/>
+              <a:t>Otherwise</a:t>
+            </a:r>
+            <a:r>
+              <a:rPr lang="fr-FR" dirty="0" smtClean="0"/>
+              <a:t>, IVY </a:t>
+            </a:r>
+            <a:r>
+              <a:rPr lang="fr-FR" dirty="0" err="1" smtClean="0"/>
+              <a:t>is</a:t>
+            </a:r>
+            <a:r>
+              <a:rPr lang="fr-FR" dirty="0" smtClean="0"/>
+              <a:t> able to </a:t>
+            </a:r>
+            <a:r>
+              <a:rPr lang="fr-FR" dirty="0" err="1" smtClean="0"/>
+              <a:t>find</a:t>
+            </a:r>
+            <a:r>
+              <a:rPr lang="fr-FR" dirty="0" smtClean="0"/>
+              <a:t> a minimal structure </a:t>
+            </a:r>
+            <a:r>
+              <a:rPr lang="fr-FR" dirty="0" err="1" smtClean="0"/>
+              <a:t>that</a:t>
+            </a:r>
+            <a:r>
+              <a:rPr lang="fr-FR" dirty="0" smtClean="0"/>
+              <a:t> </a:t>
+            </a:r>
+            <a:r>
+              <a:rPr lang="fr-FR" dirty="0" err="1" smtClean="0"/>
+              <a:t>satisfy</a:t>
+            </a:r>
+            <a:r>
+              <a:rPr lang="fr-FR" dirty="0" smtClean="0"/>
+              <a:t> the invariant but not </a:t>
+            </a:r>
+            <a:r>
+              <a:rPr lang="fr-FR" dirty="0" err="1" smtClean="0"/>
+              <a:t>its</a:t>
+            </a:r>
+            <a:r>
+              <a:rPr lang="fr-FR" dirty="0" smtClean="0"/>
+              <a:t> </a:t>
+            </a:r>
+            <a:r>
+              <a:rPr lang="fr-FR" dirty="0" err="1" smtClean="0"/>
+              <a:t>wp</a:t>
+            </a:r>
+            <a:r>
+              <a:rPr lang="fr-FR" dirty="0" smtClean="0"/>
+              <a:t>: </a:t>
+            </a:r>
+            <a:r>
+              <a:rPr lang="fr-FR" dirty="0" err="1" smtClean="0"/>
+              <a:t>it</a:t>
+            </a:r>
+            <a:r>
+              <a:rPr lang="fr-FR" dirty="0" smtClean="0"/>
+              <a:t> </a:t>
+            </a:r>
+            <a:r>
+              <a:rPr lang="fr-FR" dirty="0" err="1" smtClean="0"/>
+              <a:t>is</a:t>
+            </a:r>
+            <a:r>
+              <a:rPr lang="fr-FR" dirty="0" smtClean="0"/>
+              <a:t> the </a:t>
+            </a:r>
+            <a:r>
+              <a:rPr lang="fr-FR" dirty="0" err="1" smtClean="0"/>
+              <a:t>counterexample</a:t>
+            </a:r>
+            <a:r>
+              <a:rPr lang="fr-FR" dirty="0" smtClean="0"/>
+              <a:t> </a:t>
+            </a:r>
+            <a:r>
+              <a:rPr lang="fr-FR" dirty="0" err="1" smtClean="0"/>
+              <a:t>that</a:t>
+            </a:r>
+            <a:r>
+              <a:rPr lang="fr-FR" dirty="0" smtClean="0"/>
+              <a:t> </a:t>
+            </a:r>
+            <a:r>
+              <a:rPr lang="fr-FR" dirty="0" err="1" smtClean="0"/>
+              <a:t>is</a:t>
+            </a:r>
+            <a:r>
+              <a:rPr lang="fr-FR" dirty="0" smtClean="0"/>
+              <a:t> </a:t>
+            </a:r>
+            <a:r>
+              <a:rPr lang="fr-FR" dirty="0" err="1" smtClean="0"/>
+              <a:t>shown</a:t>
+            </a:r>
+            <a:r>
+              <a:rPr lang="fr-FR" dirty="0" smtClean="0"/>
+              <a:t> to the user.</a:t>
+            </a:r>
+            <a:endParaRPr lang="fr-FR" dirty="0"/>
+          </a:p>
+        </p:txBody>
+      </p:sp>
+    </p:spTree>
+    <p:extLst>
+      <p:ext uri="{BB962C8B-B14F-4D97-AF65-F5344CB8AC3E}">
+        <p14:creationId xmlns:p14="http://schemas.microsoft.com/office/powerpoint/2010/main" val="1877073974"/>
+      </p:ext>
+    </p:extLst>
+  </p:cSld>
+  <p:clrMapOvr>
+    <a:masterClrMapping/>
+  </p:clrMapOvr>
+</p:sld>
+</file>
+
+<file path=ppt/slides/slide7.xml><?xml version="1.0" encoding="utf-8"?>
+<p:sld xmlns:a="http://schemas.openxmlformats.org/drawingml/2006/main" xmlns:r="http://schemas.openxmlformats.org/officeDocument/2006/relationships" xmlns:p="http://schemas.openxmlformats.org/presentationml/2006/main">
+  <p:cSld>
+    <p:spTree>
+      <p:nvGrpSpPr>
+        <p:cNvPr id="1" name=""/>
+        <p:cNvGrpSpPr/>
+        <p:nvPr/>
+      </p:nvGrpSpPr>
+      <p:grpSpPr>
+        <a:xfrm>
+          <a:off x="0" y="0"/>
+          <a:ext cx="0" cy="0"/>
+          <a:chOff x="0" y="0"/>
+          <a:chExt cx="0" cy="0"/>
+        </a:xfrm>
+      </p:grpSpPr>
+      <p:sp>
+        <p:nvSpPr>
+          <p:cNvPr id="4" name="Titre 3"/>
+          <p:cNvSpPr>
+            <a:spLocks noGrp="1"/>
+          </p:cNvSpPr>
+          <p:nvPr>
+            <p:ph type="title"/>
+          </p:nvPr>
+        </p:nvSpPr>
+        <p:spPr/>
+        <p:txBody>
+          <a:bodyPr/>
+          <a:lstStyle/>
+          <a:p>
+            <a:r>
+              <a:rPr lang="fr-FR" dirty="0" err="1" smtClean="0"/>
+              <a:t>Counterexample</a:t>
+            </a:r>
+            <a:r>
+              <a:rPr lang="fr-FR" dirty="0" smtClean="0"/>
+              <a:t> </a:t>
+            </a:r>
+            <a:r>
+              <a:rPr lang="fr-FR" dirty="0" err="1" smtClean="0"/>
+              <a:t>generalization</a:t>
+            </a:r>
+            <a:endParaRPr lang="fr-FR" dirty="0"/>
+          </a:p>
+        </p:txBody>
+      </p:sp>
+      <p:sp>
+        <p:nvSpPr>
+          <p:cNvPr id="5" name="Espace réservé du texte 4"/>
+          <p:cNvSpPr>
+            <a:spLocks noGrp="1"/>
+          </p:cNvSpPr>
+          <p:nvPr>
+            <p:ph type="body" idx="1"/>
+          </p:nvPr>
+        </p:nvSpPr>
+        <p:spPr/>
+        <p:txBody>
+          <a:bodyPr/>
+          <a:lstStyle/>
+          <a:p>
+            <a:endParaRPr lang="fr-FR"/>
+          </a:p>
+        </p:txBody>
+      </p:sp>
+    </p:spTree>
+    <p:extLst>
+      <p:ext uri="{BB962C8B-B14F-4D97-AF65-F5344CB8AC3E}">
+        <p14:creationId xmlns:p14="http://schemas.microsoft.com/office/powerpoint/2010/main" val="2280319622"/>
+      </p:ext>
+    </p:extLst>
+  </p:cSld>
+  <p:clrMapOvr>
+    <a:masterClrMapping/>
+  </p:clrMapOvr>
+</p:sld>
+</file>
+
+<file path=ppt/slides/slide8.xml><?xml version="1.0" encoding="utf-8"?>
+<p:sld xmlns:a="http://schemas.openxmlformats.org/drawingml/2006/main" xmlns:r="http://schemas.openxmlformats.org/officeDocument/2006/relationships" xmlns:p="http://schemas.openxmlformats.org/presentationml/2006/main">
+  <p:cSld>
+    <p:spTree>
+      <p:nvGrpSpPr>
+        <p:cNvPr id="1" name=""/>
+        <p:cNvGrpSpPr/>
+        <p:nvPr/>
+      </p:nvGrpSpPr>
+      <p:grpSpPr>
+        <a:xfrm>
+          <a:off x="0" y="0"/>
+          <a:ext cx="0" cy="0"/>
+          <a:chOff x="0" y="0"/>
+          <a:chExt cx="0" cy="0"/>
+        </a:xfrm>
+      </p:grpSpPr>
+      <p:sp>
+        <p:nvSpPr>
+          <p:cNvPr id="4" name="Titre 3"/>
+          <p:cNvSpPr>
+            <a:spLocks noGrp="1"/>
+          </p:cNvSpPr>
+          <p:nvPr>
+            <p:ph type="title"/>
+          </p:nvPr>
+        </p:nvSpPr>
+        <p:spPr/>
+        <p:txBody>
+          <a:bodyPr/>
+          <a:lstStyle/>
+          <a:p>
+            <a:r>
+              <a:rPr lang="fr-FR" dirty="0" err="1" smtClean="0"/>
+              <a:t>Why</a:t>
+            </a:r>
+            <a:r>
+              <a:rPr lang="fr-FR" dirty="0" smtClean="0"/>
+              <a:t> ? </a:t>
+            </a:r>
+            <a:endParaRPr lang="fr-FR" dirty="0"/>
+          </a:p>
+        </p:txBody>
+      </p:sp>
+      <p:sp>
+        <p:nvSpPr>
+          <p:cNvPr id="5" name="Espace réservé du contenu 4"/>
+          <p:cNvSpPr>
+            <a:spLocks noGrp="1"/>
+          </p:cNvSpPr>
+          <p:nvPr>
+            <p:ph idx="1"/>
+          </p:nvPr>
+        </p:nvSpPr>
+        <p:spPr/>
+        <p:txBody>
+          <a:bodyPr>
+            <a:normAutofit fontScale="62500" lnSpcReduction="20000"/>
+          </a:bodyPr>
+          <a:lstStyle/>
+          <a:p>
+            <a:pPr>
+              <a:lnSpc>
+                <a:spcPct val="120000"/>
+              </a:lnSpc>
+            </a:pPr>
+            <a:r>
+              <a:rPr lang="fr-FR" dirty="0" smtClean="0"/>
+              <a:t> </a:t>
+            </a:r>
+            <a:r>
+              <a:rPr lang="fr-FR" dirty="0" err="1" smtClean="0"/>
+              <a:t>Why</a:t>
+            </a:r>
+            <a:r>
+              <a:rPr lang="fr-FR" dirty="0" smtClean="0"/>
+              <a:t> </a:t>
+            </a:r>
+            <a:r>
+              <a:rPr lang="fr-FR" dirty="0" err="1" smtClean="0"/>
+              <a:t>does</a:t>
+            </a:r>
+            <a:r>
+              <a:rPr lang="fr-FR" dirty="0" smtClean="0"/>
+              <a:t> </a:t>
+            </a:r>
+            <a:r>
+              <a:rPr lang="fr-FR" dirty="0" err="1" smtClean="0"/>
+              <a:t>Ivy</a:t>
+            </a:r>
+            <a:r>
+              <a:rPr lang="fr-FR" dirty="0" smtClean="0"/>
+              <a:t> </a:t>
+            </a:r>
+            <a:r>
+              <a:rPr lang="fr-FR" dirty="0" err="1" smtClean="0"/>
+              <a:t>try</a:t>
+            </a:r>
+            <a:r>
+              <a:rPr lang="fr-FR" dirty="0" smtClean="0"/>
+              <a:t> to </a:t>
+            </a:r>
+            <a:r>
+              <a:rPr lang="fr-FR" dirty="0" err="1" smtClean="0"/>
+              <a:t>generalize</a:t>
+            </a:r>
+            <a:r>
+              <a:rPr lang="fr-FR" dirty="0" smtClean="0"/>
+              <a:t> a </a:t>
+            </a:r>
+            <a:r>
+              <a:rPr lang="fr-FR" dirty="0" err="1" smtClean="0"/>
+              <a:t>specific</a:t>
+            </a:r>
+            <a:r>
+              <a:rPr lang="fr-FR" dirty="0" smtClean="0"/>
+              <a:t> </a:t>
+            </a:r>
+            <a:r>
+              <a:rPr lang="fr-FR" dirty="0" err="1" smtClean="0"/>
+              <a:t>counterexample</a:t>
+            </a:r>
+            <a:r>
+              <a:rPr lang="fr-FR" dirty="0" smtClean="0"/>
+              <a:t> </a:t>
+            </a:r>
+            <a:r>
+              <a:rPr lang="fr-FR" dirty="0" err="1" smtClean="0"/>
+              <a:t>generated</a:t>
+            </a:r>
+            <a:r>
+              <a:rPr lang="fr-FR" dirty="0" smtClean="0"/>
+              <a:t> </a:t>
+            </a:r>
+            <a:r>
+              <a:rPr lang="fr-FR" dirty="0" err="1" smtClean="0"/>
+              <a:t>from</a:t>
+            </a:r>
+            <a:r>
+              <a:rPr lang="fr-FR" dirty="0" smtClean="0"/>
+              <a:t> a </a:t>
+            </a:r>
+            <a:r>
+              <a:rPr lang="fr-FR" dirty="0" err="1" smtClean="0"/>
+              <a:t>general</a:t>
+            </a:r>
+            <a:r>
+              <a:rPr lang="fr-FR" dirty="0" smtClean="0"/>
+              <a:t> </a:t>
+            </a:r>
+            <a:r>
+              <a:rPr lang="fr-FR" dirty="0" err="1" smtClean="0"/>
+              <a:t>wp</a:t>
+            </a:r>
+            <a:r>
+              <a:rPr lang="fr-FR" dirty="0" smtClean="0"/>
+              <a:t> </a:t>
+            </a:r>
+            <a:r>
+              <a:rPr lang="fr-FR" dirty="0" err="1" smtClean="0"/>
+              <a:t>instead</a:t>
+            </a:r>
+            <a:r>
+              <a:rPr lang="fr-FR" dirty="0" smtClean="0"/>
+              <a:t> of </a:t>
+            </a:r>
+            <a:r>
+              <a:rPr lang="fr-FR" dirty="0" err="1" smtClean="0"/>
+              <a:t>directly</a:t>
+            </a:r>
+            <a:r>
+              <a:rPr lang="fr-FR" dirty="0" smtClean="0"/>
+              <a:t> </a:t>
+            </a:r>
+            <a:r>
+              <a:rPr lang="fr-FR" dirty="0" err="1" smtClean="0"/>
+              <a:t>using</a:t>
+            </a:r>
+            <a:r>
+              <a:rPr lang="fr-FR" dirty="0" smtClean="0"/>
+              <a:t> </a:t>
+            </a:r>
+            <a:r>
+              <a:rPr lang="fr-FR" dirty="0" err="1" smtClean="0"/>
+              <a:t>this</a:t>
+            </a:r>
+            <a:r>
+              <a:rPr lang="fr-FR" dirty="0" smtClean="0"/>
+              <a:t> </a:t>
+            </a:r>
+            <a:r>
+              <a:rPr lang="fr-FR" dirty="0" err="1" smtClean="0"/>
+              <a:t>wp</a:t>
+            </a:r>
+            <a:r>
+              <a:rPr lang="fr-FR" dirty="0"/>
+              <a:t> </a:t>
+            </a:r>
+            <a:r>
+              <a:rPr lang="fr-FR" dirty="0" smtClean="0"/>
+              <a:t>?</a:t>
+            </a:r>
+          </a:p>
+          <a:p>
+            <a:pPr>
+              <a:lnSpc>
+                <a:spcPct val="120000"/>
+              </a:lnSpc>
+            </a:pPr>
+            <a:endParaRPr lang="fr-FR" dirty="0" smtClean="0"/>
+          </a:p>
+          <a:p>
+            <a:pPr>
+              <a:lnSpc>
+                <a:spcPct val="120000"/>
+              </a:lnSpc>
+            </a:pPr>
+            <a:r>
+              <a:rPr lang="fr-FR" dirty="0" smtClean="0"/>
+              <a:t> </a:t>
+            </a:r>
+            <a:r>
+              <a:rPr lang="fr-FR" dirty="0" err="1" smtClean="0"/>
+              <a:t>We</a:t>
+            </a:r>
+            <a:r>
+              <a:rPr lang="fr-FR" dirty="0" smtClean="0"/>
+              <a:t> have </a:t>
+            </a:r>
+            <a:r>
+              <a:rPr lang="fr-FR" dirty="0" err="1" smtClean="0"/>
+              <a:t>seen</a:t>
+            </a:r>
+            <a:r>
+              <a:rPr lang="fr-FR" dirty="0" smtClean="0"/>
+              <a:t> </a:t>
+            </a:r>
+            <a:r>
+              <a:rPr lang="fr-FR" dirty="0" err="1" smtClean="0"/>
+              <a:t>that</a:t>
+            </a:r>
+            <a:r>
+              <a:rPr lang="fr-FR" dirty="0" smtClean="0"/>
+              <a:t> </a:t>
+            </a:r>
+            <a:r>
+              <a:rPr lang="fr-FR" dirty="0" err="1" smtClean="0"/>
+              <a:t>we</a:t>
+            </a:r>
+            <a:r>
+              <a:rPr lang="fr-FR" dirty="0" smtClean="0"/>
+              <a:t> </a:t>
+            </a:r>
+            <a:r>
+              <a:rPr lang="fr-FR" dirty="0" err="1" smtClean="0"/>
+              <a:t>can’t</a:t>
+            </a:r>
+            <a:r>
+              <a:rPr lang="fr-FR" dirty="0" smtClean="0"/>
+              <a:t> </a:t>
+            </a:r>
+            <a:r>
+              <a:rPr lang="fr-FR" dirty="0" err="1" smtClean="0"/>
+              <a:t>directly</a:t>
+            </a:r>
+            <a:r>
+              <a:rPr lang="fr-FR" dirty="0" smtClean="0"/>
+              <a:t> use a </a:t>
+            </a:r>
+            <a:r>
+              <a:rPr lang="fr-FR" dirty="0" err="1" smtClean="0"/>
+              <a:t>wp</a:t>
+            </a:r>
+            <a:r>
+              <a:rPr lang="fr-FR" dirty="0" smtClean="0"/>
+              <a:t> as a new conjecture in </a:t>
+            </a:r>
+            <a:r>
+              <a:rPr lang="fr-FR" dirty="0" err="1" smtClean="0"/>
+              <a:t>order</a:t>
+            </a:r>
+            <a:r>
+              <a:rPr lang="fr-FR" dirty="0" smtClean="0"/>
+              <a:t> to </a:t>
+            </a:r>
+            <a:r>
+              <a:rPr lang="fr-FR" dirty="0" err="1" smtClean="0"/>
+              <a:t>strengthen</a:t>
+            </a:r>
+            <a:r>
+              <a:rPr lang="fr-FR" dirty="0" smtClean="0"/>
+              <a:t> the invariant, </a:t>
+            </a:r>
+            <a:r>
+              <a:rPr lang="fr-FR" dirty="0" err="1" smtClean="0"/>
+              <a:t>because</a:t>
+            </a:r>
+            <a:r>
+              <a:rPr lang="fr-FR" dirty="0" smtClean="0"/>
+              <a:t> </a:t>
+            </a:r>
+            <a:r>
+              <a:rPr lang="fr-FR" dirty="0" err="1" smtClean="0"/>
+              <a:t>it</a:t>
+            </a:r>
+            <a:r>
+              <a:rPr lang="fr-FR" dirty="0" smtClean="0"/>
+              <a:t> has not the right </a:t>
+            </a:r>
+            <a:r>
+              <a:rPr lang="fr-FR" dirty="0" err="1" smtClean="0"/>
+              <a:t>form</a:t>
+            </a:r>
+            <a:r>
+              <a:rPr lang="fr-FR" dirty="0" smtClean="0"/>
+              <a:t> (</a:t>
+            </a:r>
+            <a:r>
+              <a:rPr lang="fr-FR" dirty="0" err="1" smtClean="0"/>
+              <a:t>it</a:t>
+            </a:r>
+            <a:r>
+              <a:rPr lang="fr-FR" dirty="0" smtClean="0"/>
+              <a:t> </a:t>
+            </a:r>
+            <a:r>
+              <a:rPr lang="fr-FR" dirty="0" err="1" smtClean="0"/>
+              <a:t>can’t</a:t>
+            </a:r>
+            <a:r>
+              <a:rPr lang="fr-FR" dirty="0" smtClean="0"/>
+              <a:t> have quantifier alternation).</a:t>
+            </a:r>
+          </a:p>
+          <a:p>
+            <a:pPr>
+              <a:lnSpc>
+                <a:spcPct val="120000"/>
+              </a:lnSpc>
+            </a:pPr>
+            <a:endParaRPr lang="fr-FR" dirty="0"/>
+          </a:p>
+          <a:p>
+            <a:pPr>
+              <a:lnSpc>
+                <a:spcPct val="120000"/>
+              </a:lnSpc>
+            </a:pPr>
+            <a:r>
+              <a:rPr lang="fr-FR" dirty="0" smtClean="0"/>
+              <a:t> </a:t>
+            </a:r>
+            <a:r>
+              <a:rPr lang="fr-FR" dirty="0" err="1" smtClean="0"/>
+              <a:t>With</a:t>
+            </a:r>
+            <a:r>
+              <a:rPr lang="fr-FR" dirty="0" smtClean="0"/>
+              <a:t> a </a:t>
+            </a:r>
+            <a:r>
+              <a:rPr lang="fr-FR" dirty="0" err="1" smtClean="0"/>
+              <a:t>universally</a:t>
+            </a:r>
+            <a:r>
+              <a:rPr lang="fr-FR" dirty="0" smtClean="0"/>
+              <a:t> </a:t>
+            </a:r>
+            <a:r>
+              <a:rPr lang="fr-FR" dirty="0" err="1" smtClean="0"/>
+              <a:t>quantified</a:t>
+            </a:r>
+            <a:r>
+              <a:rPr lang="fr-FR" dirty="0" smtClean="0"/>
+              <a:t> conjecture, </a:t>
+            </a:r>
+            <a:r>
+              <a:rPr lang="fr-FR" dirty="0" err="1" smtClean="0"/>
+              <a:t>we</a:t>
+            </a:r>
+            <a:r>
+              <a:rPr lang="fr-FR" dirty="0" smtClean="0"/>
+              <a:t> </a:t>
+            </a:r>
+            <a:r>
+              <a:rPr lang="fr-FR" dirty="0" err="1" smtClean="0"/>
+              <a:t>can</a:t>
+            </a:r>
+            <a:r>
+              <a:rPr lang="fr-FR" dirty="0" smtClean="0"/>
+              <a:t> </a:t>
+            </a:r>
+            <a:r>
+              <a:rPr lang="fr-FR" dirty="0" err="1" smtClean="0"/>
+              <a:t>only</a:t>
+            </a:r>
+            <a:r>
+              <a:rPr lang="fr-FR" dirty="0" smtClean="0"/>
+              <a:t> ban states </a:t>
+            </a:r>
+            <a:r>
+              <a:rPr lang="fr-FR" dirty="0" err="1" smtClean="0"/>
+              <a:t>depending</a:t>
+            </a:r>
+            <a:r>
+              <a:rPr lang="fr-FR" dirty="0" smtClean="0"/>
+              <a:t> on </a:t>
+            </a:r>
+            <a:r>
+              <a:rPr lang="fr-FR" dirty="0" err="1" smtClean="0"/>
+              <a:t>whether</a:t>
+            </a:r>
+            <a:r>
+              <a:rPr lang="fr-FR" dirty="0" smtClean="0"/>
+              <a:t> or not </a:t>
+            </a:r>
+            <a:r>
+              <a:rPr lang="fr-FR" dirty="0" err="1" smtClean="0"/>
+              <a:t>they</a:t>
+            </a:r>
+            <a:r>
+              <a:rPr lang="fr-FR" dirty="0" smtClean="0"/>
+              <a:t> </a:t>
+            </a:r>
+            <a:r>
+              <a:rPr lang="fr-FR" dirty="0" err="1" smtClean="0"/>
+              <a:t>own</a:t>
+            </a:r>
+            <a:r>
+              <a:rPr lang="fr-FR" dirty="0" smtClean="0"/>
+              <a:t> a substructure </a:t>
+            </a:r>
+            <a:r>
+              <a:rPr lang="fr-FR" dirty="0" err="1" smtClean="0"/>
+              <a:t>matching</a:t>
+            </a:r>
+            <a:r>
+              <a:rPr lang="fr-FR" dirty="0" smtClean="0"/>
+              <a:t> a </a:t>
+            </a:r>
+            <a:r>
+              <a:rPr lang="fr-FR" dirty="0" err="1" smtClean="0"/>
+              <a:t>specific</a:t>
+            </a:r>
+            <a:r>
+              <a:rPr lang="fr-FR" dirty="0" smtClean="0"/>
+              <a:t> pattern.</a:t>
+            </a:r>
+            <a:br>
+              <a:rPr lang="fr-FR" dirty="0" smtClean="0"/>
+            </a:br>
+            <a:r>
+              <a:rPr lang="fr-FR" dirty="0" smtClean="0"/>
+              <a:t>For </a:t>
+            </a:r>
+            <a:r>
+              <a:rPr lang="fr-FR" dirty="0" err="1" smtClean="0"/>
+              <a:t>this</a:t>
+            </a:r>
+            <a:r>
+              <a:rPr lang="fr-FR" dirty="0" smtClean="0"/>
+              <a:t> </a:t>
+            </a:r>
+            <a:r>
+              <a:rPr lang="fr-FR" dirty="0" err="1" smtClean="0"/>
+              <a:t>reason</a:t>
+            </a:r>
+            <a:r>
+              <a:rPr lang="fr-FR" dirty="0" smtClean="0"/>
+              <a:t>, </a:t>
+            </a:r>
+            <a:r>
+              <a:rPr lang="fr-FR" dirty="0" err="1" smtClean="0"/>
+              <a:t>reasoning</a:t>
+            </a:r>
+            <a:r>
+              <a:rPr lang="fr-FR" dirty="0" smtClean="0"/>
+              <a:t> on a </a:t>
+            </a:r>
+            <a:r>
+              <a:rPr lang="fr-FR" dirty="0" err="1" smtClean="0"/>
+              <a:t>specific</a:t>
+            </a:r>
+            <a:r>
+              <a:rPr lang="fr-FR" dirty="0" smtClean="0"/>
+              <a:t> </a:t>
+            </a:r>
+            <a:r>
+              <a:rPr lang="fr-FR" dirty="0" err="1" smtClean="0"/>
+              <a:t>counterexample</a:t>
+            </a:r>
+            <a:r>
+              <a:rPr lang="fr-FR" dirty="0" smtClean="0"/>
+              <a:t> </a:t>
+            </a:r>
+            <a:r>
+              <a:rPr lang="fr-FR" err="1" smtClean="0"/>
+              <a:t>is</a:t>
+            </a:r>
+            <a:r>
+              <a:rPr lang="fr-FR" smtClean="0"/>
+              <a:t> not </a:t>
+            </a:r>
+            <a:r>
+              <a:rPr lang="fr-FR" dirty="0" smtClean="0"/>
+              <a:t>restrictive</a:t>
+            </a:r>
+            <a:r>
+              <a:rPr lang="fr-FR" dirty="0"/>
+              <a:t>.</a:t>
+            </a:r>
+            <a:endParaRPr lang="fr-FR" dirty="0" smtClean="0"/>
+          </a:p>
+          <a:p>
+            <a:pPr>
+              <a:lnSpc>
+                <a:spcPct val="120000"/>
+              </a:lnSpc>
+            </a:pPr>
+            <a:endParaRPr lang="fr-FR" dirty="0" smtClean="0"/>
+          </a:p>
+          <a:p>
+            <a:pPr>
+              <a:lnSpc>
+                <a:spcPct val="120000"/>
+              </a:lnSpc>
+            </a:pPr>
+            <a:r>
+              <a:rPr lang="fr-FR" dirty="0" err="1" smtClean="0"/>
+              <a:t>Using</a:t>
+            </a:r>
+            <a:r>
+              <a:rPr lang="fr-FR" dirty="0" smtClean="0"/>
+              <a:t> a </a:t>
+            </a:r>
+            <a:r>
+              <a:rPr lang="fr-FR" dirty="0" err="1" smtClean="0"/>
+              <a:t>concrete</a:t>
+            </a:r>
+            <a:r>
+              <a:rPr lang="fr-FR" dirty="0" smtClean="0"/>
+              <a:t> </a:t>
+            </a:r>
+            <a:r>
+              <a:rPr lang="fr-FR" dirty="0" err="1" smtClean="0"/>
+              <a:t>counterexample</a:t>
+            </a:r>
+            <a:r>
+              <a:rPr lang="fr-FR" dirty="0" smtClean="0"/>
+              <a:t> </a:t>
+            </a:r>
+            <a:r>
+              <a:rPr lang="fr-FR" dirty="0" err="1" smtClean="0"/>
+              <a:t>is</a:t>
+            </a:r>
+            <a:r>
+              <a:rPr lang="fr-FR" dirty="0" smtClean="0"/>
+              <a:t> </a:t>
+            </a:r>
+            <a:r>
+              <a:rPr lang="fr-FR" dirty="0" err="1" smtClean="0"/>
+              <a:t>also</a:t>
+            </a:r>
+            <a:r>
+              <a:rPr lang="fr-FR" dirty="0" smtClean="0"/>
+              <a:t> more user-</a:t>
+            </a:r>
+            <a:r>
+              <a:rPr lang="fr-FR" dirty="0" err="1" smtClean="0"/>
+              <a:t>friendly</a:t>
+            </a:r>
+            <a:r>
+              <a:rPr lang="fr-FR" dirty="0" smtClean="0"/>
+              <a:t> </a:t>
+            </a:r>
+            <a:r>
+              <a:rPr lang="fr-FR" dirty="0" err="1" smtClean="0"/>
+              <a:t>than</a:t>
+            </a:r>
+            <a:r>
+              <a:rPr lang="fr-FR" dirty="0" smtClean="0"/>
+              <a:t> an abstract formula, and </a:t>
+            </a:r>
+            <a:r>
+              <a:rPr lang="fr-FR" dirty="0" err="1" smtClean="0"/>
+              <a:t>so</a:t>
+            </a:r>
+            <a:r>
+              <a:rPr lang="fr-FR" dirty="0" smtClean="0"/>
+              <a:t> the user </a:t>
+            </a:r>
+            <a:r>
+              <a:rPr lang="fr-FR" dirty="0" err="1" smtClean="0"/>
+              <a:t>can</a:t>
+            </a:r>
+            <a:r>
+              <a:rPr lang="fr-FR" dirty="0" smtClean="0"/>
+              <a:t> help IVY to </a:t>
+            </a:r>
+            <a:r>
+              <a:rPr lang="fr-FR" dirty="0" err="1" smtClean="0"/>
+              <a:t>find</a:t>
+            </a:r>
+            <a:r>
+              <a:rPr lang="fr-FR" dirty="0" smtClean="0"/>
+              <a:t> the right invariant</a:t>
+            </a:r>
+            <a:endParaRPr lang="fr-FR" dirty="0"/>
+          </a:p>
+        </p:txBody>
+      </p:sp>
+    </p:spTree>
+    <p:extLst>
+      <p:ext uri="{BB962C8B-B14F-4D97-AF65-F5344CB8AC3E}">
+        <p14:creationId xmlns:p14="http://schemas.microsoft.com/office/powerpoint/2010/main" val="1827025586"/>
+      </p:ext>
+    </p:extLst>
+  </p:cSld>
+  <p:clrMapOvr>
+    <a:masterClrMapping/>
+  </p:clrMapOvr>
+</p:sld>
+</file>
+
+<file path=ppt/slides/slide9.xml><?xml version="1.0" encoding="utf-8"?>
+<p:sld xmlns:a="http://schemas.openxmlformats.org/drawingml/2006/main" xmlns:r="http://schemas.openxmlformats.org/officeDocument/2006/relationships" xmlns:p="http://schemas.openxmlformats.org/presentationml/2006/main">
+  <p:cSld>
+    <p:spTree>
+      <p:nvGrpSpPr>
+        <p:cNvPr id="1" name=""/>
+        <p:cNvGrpSpPr/>
+        <p:nvPr/>
+      </p:nvGrpSpPr>
+      <p:grpSpPr>
+        <a:xfrm>
+          <a:off x="0" y="0"/>
+          <a:ext cx="0" cy="0"/>
+          <a:chOff x="0" y="0"/>
+          <a:chExt cx="0" cy="0"/>
+        </a:xfrm>
+      </p:grpSpPr>
+      <p:sp>
+        <p:nvSpPr>
+          <p:cNvPr id="2" name="Titre 1"/>
+          <p:cNvSpPr>
+            <a:spLocks noGrp="1"/>
+          </p:cNvSpPr>
+          <p:nvPr>
+            <p:ph type="title"/>
+          </p:nvPr>
+        </p:nvSpPr>
+        <p:spPr/>
+        <p:txBody>
+          <a:bodyPr/>
+          <a:lstStyle/>
+          <a:p>
+            <a:r>
+              <a:rPr lang="fr-FR" dirty="0" err="1" smtClean="0"/>
+              <a:t>Current</a:t>
+            </a:r>
+            <a:r>
+              <a:rPr lang="fr-FR" dirty="0" smtClean="0"/>
+              <a:t> </a:t>
+            </a:r>
+            <a:r>
+              <a:rPr lang="fr-FR" dirty="0" err="1" smtClean="0"/>
+              <a:t>method</a:t>
+            </a:r>
+            <a:r>
+              <a:rPr lang="fr-FR" dirty="0" smtClean="0"/>
+              <a:t> of </a:t>
+            </a:r>
+            <a:r>
+              <a:rPr lang="fr-FR" dirty="0" err="1" smtClean="0"/>
+              <a:t>generalization</a:t>
+            </a:r>
+            <a:endParaRPr lang="fr-FR" dirty="0"/>
+          </a:p>
+        </p:txBody>
+      </p:sp>
+      <p:sp>
+        <p:nvSpPr>
+          <p:cNvPr id="4" name="Rectangle 3"/>
+          <p:cNvSpPr/>
+          <p:nvPr/>
+        </p:nvSpPr>
+        <p:spPr>
+          <a:xfrm>
+            <a:off x="397933" y="1856847"/>
+            <a:ext cx="2108200" cy="4289953"/>
+          </a:xfrm>
+          <a:prstGeom prst="rect">
+            <a:avLst/>
+          </a:prstGeom>
+        </p:spPr>
+        <p:style>
+          <a:lnRef idx="2">
+            <a:schemeClr val="accent1">
+              <a:shade val="50000"/>
+            </a:schemeClr>
+          </a:lnRef>
+          <a:fillRef idx="1">
+            <a:schemeClr val="accent1"/>
+          </a:fillRef>
+          <a:effectRef idx="0">
+            <a:schemeClr val="accent1"/>
+          </a:effectRef>
+          <a:fontRef idx="minor">
+            <a:schemeClr val="lt1"/>
+          </a:fontRef>
+        </p:style>
+        <p:txBody>
+          <a:bodyPr rtlCol="0" anchor="ctr"/>
+          <a:lstStyle/>
+          <a:p>
+            <a:pPr algn="ctr"/>
+            <a:r>
+              <a:rPr lang="fr-FR" dirty="0" smtClean="0"/>
+              <a:t>List of </a:t>
+            </a:r>
+            <a:r>
+              <a:rPr lang="fr-FR" dirty="0" err="1" smtClean="0"/>
+              <a:t>constraints</a:t>
+            </a:r>
+            <a:r>
+              <a:rPr lang="fr-FR" dirty="0" smtClean="0"/>
+              <a:t> on variables, relations and </a:t>
+            </a:r>
+            <a:r>
+              <a:rPr lang="fr-FR" dirty="0" err="1" smtClean="0"/>
+              <a:t>functions</a:t>
+            </a:r>
+            <a:r>
+              <a:rPr lang="fr-FR" dirty="0" smtClean="0"/>
+              <a:t>.</a:t>
+            </a:r>
+          </a:p>
+          <a:p>
+            <a:pPr algn="ctr"/>
+            <a:endParaRPr lang="fr-FR" dirty="0"/>
+          </a:p>
+          <a:p>
+            <a:pPr algn="ctr"/>
+            <a:endParaRPr lang="fr-FR" dirty="0" smtClean="0"/>
+          </a:p>
+          <a:p>
+            <a:pPr algn="ctr"/>
+            <a:r>
+              <a:rPr lang="fr-FR" dirty="0" err="1" smtClean="0"/>
+              <a:t>Specific</a:t>
+            </a:r>
+            <a:r>
+              <a:rPr lang="fr-FR" dirty="0" smtClean="0"/>
+              <a:t> to the structure of the </a:t>
+            </a:r>
+            <a:r>
+              <a:rPr lang="fr-FR" dirty="0" err="1" smtClean="0"/>
+              <a:t>counterexample</a:t>
+            </a:r>
+            <a:endParaRPr lang="fr-FR" dirty="0" smtClean="0"/>
+          </a:p>
+        </p:txBody>
+      </p:sp>
+      <p:sp>
+        <p:nvSpPr>
+          <p:cNvPr id="6" name="Rectangle 5"/>
+          <p:cNvSpPr/>
+          <p:nvPr/>
+        </p:nvSpPr>
+        <p:spPr>
+          <a:xfrm>
+            <a:off x="5537200" y="1856846"/>
+            <a:ext cx="2108200" cy="4289953"/>
+          </a:xfrm>
+          <a:prstGeom prst="rect">
+            <a:avLst/>
+          </a:prstGeom>
+        </p:spPr>
+        <p:style>
+          <a:lnRef idx="2">
+            <a:schemeClr val="accent1">
+              <a:shade val="50000"/>
+            </a:schemeClr>
+          </a:lnRef>
+          <a:fillRef idx="1">
+            <a:schemeClr val="accent1"/>
+          </a:fillRef>
+          <a:effectRef idx="0">
+            <a:schemeClr val="accent1"/>
+          </a:effectRef>
+          <a:fontRef idx="minor">
+            <a:schemeClr val="lt1"/>
+          </a:fontRef>
+        </p:style>
+        <p:txBody>
+          <a:bodyPr rtlCol="0" anchor="ctr"/>
+          <a:lstStyle/>
+          <a:p>
+            <a:pPr algn="ctr"/>
+            <a:r>
+              <a:rPr lang="fr-FR" dirty="0" err="1" smtClean="0"/>
+              <a:t>Generalization</a:t>
+            </a:r>
+            <a:r>
+              <a:rPr lang="fr-FR" dirty="0" smtClean="0"/>
+              <a:t> to </a:t>
+            </a:r>
+            <a:r>
+              <a:rPr lang="fr-FR" dirty="0" err="1" smtClean="0"/>
+              <a:t>any</a:t>
+            </a:r>
+            <a:r>
+              <a:rPr lang="fr-FR" dirty="0" smtClean="0"/>
+              <a:t> structure </a:t>
+            </a:r>
+            <a:r>
+              <a:rPr lang="fr-FR" dirty="0" err="1" smtClean="0"/>
+              <a:t>that</a:t>
+            </a:r>
+            <a:r>
+              <a:rPr lang="fr-FR" dirty="0" smtClean="0"/>
+              <a:t> </a:t>
+            </a:r>
+            <a:r>
+              <a:rPr lang="fr-FR" dirty="0" err="1" smtClean="0"/>
+              <a:t>contains</a:t>
+            </a:r>
+            <a:r>
+              <a:rPr lang="fr-FR" dirty="0" smtClean="0"/>
+              <a:t> </a:t>
+            </a:r>
+            <a:r>
+              <a:rPr lang="fr-FR" dirty="0" err="1" smtClean="0"/>
+              <a:t>this</a:t>
+            </a:r>
+            <a:r>
+              <a:rPr lang="fr-FR" dirty="0" smtClean="0"/>
+              <a:t> substructure.</a:t>
+            </a:r>
+          </a:p>
+          <a:p>
+            <a:pPr algn="ctr"/>
+            <a:endParaRPr lang="fr-FR" dirty="0"/>
+          </a:p>
+          <a:p>
+            <a:pPr algn="ctr"/>
+            <a:r>
+              <a:rPr lang="fr-FR" dirty="0" err="1" smtClean="0"/>
+              <a:t>Named</a:t>
+            </a:r>
+            <a:r>
+              <a:rPr lang="fr-FR" dirty="0" smtClean="0"/>
+              <a:t> values are </a:t>
+            </a:r>
+            <a:r>
+              <a:rPr lang="fr-FR" dirty="0" err="1" smtClean="0"/>
+              <a:t>replaced</a:t>
+            </a:r>
+            <a:r>
+              <a:rPr lang="fr-FR" dirty="0" smtClean="0"/>
+              <a:t> </a:t>
+            </a:r>
+            <a:r>
+              <a:rPr lang="fr-FR" dirty="0" err="1" smtClean="0"/>
+              <a:t>with</a:t>
+            </a:r>
+            <a:r>
+              <a:rPr lang="fr-FR" dirty="0" smtClean="0"/>
+              <a:t> an </a:t>
+            </a:r>
+            <a:r>
+              <a:rPr lang="fr-FR" dirty="0" err="1" smtClean="0"/>
+              <a:t>existentially</a:t>
+            </a:r>
+            <a:r>
+              <a:rPr lang="fr-FR" dirty="0" smtClean="0"/>
+              <a:t> </a:t>
+            </a:r>
+            <a:r>
+              <a:rPr lang="fr-FR" dirty="0" err="1" smtClean="0"/>
+              <a:t>quantified</a:t>
+            </a:r>
+            <a:r>
+              <a:rPr lang="fr-FR" dirty="0" smtClean="0"/>
+              <a:t> variable.</a:t>
+            </a:r>
+          </a:p>
+        </p:txBody>
+      </p:sp>
+      <p:pic>
+        <p:nvPicPr>
+          <p:cNvPr id="7" name="Image 6"/>
+          <p:cNvPicPr>
+            <a:picLocks noChangeAspect="1"/>
+          </p:cNvPicPr>
+          <p:nvPr/>
+        </p:nvPicPr>
+        <p:blipFill>
+          <a:blip r:embed="rId2"/>
+          <a:stretch>
+            <a:fillRect/>
+          </a:stretch>
+        </p:blipFill>
+        <p:spPr>
+          <a:xfrm>
+            <a:off x="2548995" y="1856847"/>
+            <a:ext cx="1815293" cy="4289953"/>
+          </a:xfrm>
+          <a:prstGeom prst="rect">
+            <a:avLst/>
+          </a:prstGeom>
+        </p:spPr>
+      </p:pic>
+      <p:sp>
+        <p:nvSpPr>
+          <p:cNvPr id="8" name="Rectangle 7"/>
+          <p:cNvSpPr/>
+          <p:nvPr/>
+        </p:nvSpPr>
+        <p:spPr>
+          <a:xfrm>
+            <a:off x="9131579" y="1856847"/>
+            <a:ext cx="2108200" cy="4289953"/>
+          </a:xfrm>
+          <a:prstGeom prst="rect">
+            <a:avLst/>
+          </a:prstGeom>
+        </p:spPr>
+        <p:style>
+          <a:lnRef idx="2">
+            <a:schemeClr val="accent1">
+              <a:shade val="50000"/>
+            </a:schemeClr>
+          </a:lnRef>
+          <a:fillRef idx="1">
+            <a:schemeClr val="accent1"/>
+          </a:fillRef>
+          <a:effectRef idx="0">
+            <a:schemeClr val="accent1"/>
+          </a:effectRef>
+          <a:fontRef idx="minor">
+            <a:schemeClr val="lt1"/>
+          </a:fontRef>
+        </p:style>
+        <p:txBody>
+          <a:bodyPr rtlCol="0" anchor="ctr"/>
+          <a:lstStyle/>
+          <a:p>
+            <a:pPr algn="ctr"/>
+            <a:r>
+              <a:rPr lang="fr-FR" dirty="0" smtClean="0"/>
+              <a:t>The </a:t>
+            </a:r>
+            <a:r>
+              <a:rPr lang="fr-FR" dirty="0" err="1" smtClean="0"/>
+              <a:t>whole</a:t>
+            </a:r>
+            <a:r>
+              <a:rPr lang="fr-FR" dirty="0" smtClean="0"/>
+              <a:t> </a:t>
+            </a:r>
+            <a:r>
+              <a:rPr lang="fr-FR" dirty="0" err="1" smtClean="0"/>
+              <a:t>thing</a:t>
+            </a:r>
+            <a:r>
+              <a:rPr lang="fr-FR" dirty="0" smtClean="0"/>
+              <a:t> </a:t>
+            </a:r>
+            <a:r>
+              <a:rPr lang="fr-FR" dirty="0" err="1" smtClean="0"/>
+              <a:t>is</a:t>
+            </a:r>
+            <a:r>
+              <a:rPr lang="fr-FR" dirty="0" smtClean="0"/>
+              <a:t> </a:t>
+            </a:r>
+            <a:r>
+              <a:rPr lang="fr-FR" dirty="0" err="1" smtClean="0"/>
+              <a:t>negated</a:t>
+            </a:r>
+            <a:r>
+              <a:rPr lang="fr-FR" dirty="0" smtClean="0"/>
+              <a:t> </a:t>
+            </a:r>
+            <a:r>
+              <a:rPr lang="fr-FR" dirty="0" err="1" smtClean="0"/>
+              <a:t>because</a:t>
+            </a:r>
+            <a:r>
+              <a:rPr lang="fr-FR" dirty="0" smtClean="0"/>
+              <a:t> </a:t>
+            </a:r>
+            <a:r>
+              <a:rPr lang="fr-FR" dirty="0" err="1" smtClean="0"/>
+              <a:t>we</a:t>
+            </a:r>
+            <a:r>
+              <a:rPr lang="fr-FR" dirty="0" smtClean="0"/>
+              <a:t> </a:t>
+            </a:r>
+            <a:r>
+              <a:rPr lang="fr-FR" dirty="0" err="1" smtClean="0"/>
+              <a:t>don’t</a:t>
+            </a:r>
+            <a:r>
+              <a:rPr lang="fr-FR" dirty="0" smtClean="0"/>
+              <a:t> </a:t>
+            </a:r>
+            <a:r>
+              <a:rPr lang="fr-FR" dirty="0" err="1" smtClean="0"/>
+              <a:t>want</a:t>
+            </a:r>
+            <a:r>
+              <a:rPr lang="fr-FR" dirty="0" smtClean="0"/>
+              <a:t> </a:t>
+            </a:r>
+            <a:r>
+              <a:rPr lang="fr-FR" dirty="0" err="1" smtClean="0"/>
+              <a:t>this</a:t>
+            </a:r>
+            <a:r>
+              <a:rPr lang="fr-FR" dirty="0" smtClean="0"/>
+              <a:t> </a:t>
+            </a:r>
+            <a:r>
+              <a:rPr lang="fr-FR" dirty="0" err="1" smtClean="0"/>
+              <a:t>substrcture</a:t>
+            </a:r>
+            <a:r>
+              <a:rPr lang="fr-FR" dirty="0" smtClean="0"/>
+              <a:t> to </a:t>
+            </a:r>
+            <a:r>
+              <a:rPr lang="fr-FR" dirty="0" err="1" smtClean="0"/>
+              <a:t>exist</a:t>
+            </a:r>
+            <a:r>
+              <a:rPr lang="fr-FR" dirty="0" smtClean="0"/>
+              <a:t> (</a:t>
+            </a:r>
+            <a:r>
+              <a:rPr lang="fr-FR" dirty="0" err="1" smtClean="0"/>
+              <a:t>it</a:t>
+            </a:r>
+            <a:r>
+              <a:rPr lang="fr-FR" dirty="0" smtClean="0"/>
+              <a:t> </a:t>
+            </a:r>
+            <a:r>
+              <a:rPr lang="fr-FR" dirty="0" err="1" smtClean="0"/>
+              <a:t>is</a:t>
+            </a:r>
+            <a:r>
+              <a:rPr lang="fr-FR" dirty="0" smtClean="0"/>
+              <a:t> a </a:t>
+            </a:r>
+            <a:r>
+              <a:rPr lang="fr-FR" dirty="0" err="1" smtClean="0"/>
+              <a:t>counterexample</a:t>
+            </a:r>
+            <a:r>
+              <a:rPr lang="fr-FR" dirty="0" smtClean="0"/>
+              <a:t>).</a:t>
+            </a:r>
+          </a:p>
+        </p:txBody>
+      </p:sp>
+      <p:cxnSp>
+        <p:nvCxnSpPr>
+          <p:cNvPr id="11" name="Connecteur droit avec flèche 10"/>
+          <p:cNvCxnSpPr/>
+          <p:nvPr/>
+        </p:nvCxnSpPr>
+        <p:spPr>
+          <a:xfrm flipV="1">
+            <a:off x="4440738" y="4001822"/>
+            <a:ext cx="948266" cy="8467"/>
+          </a:xfrm>
+          <a:prstGeom prst="straightConnector1">
+            <a:avLst/>
+          </a:prstGeom>
+          <a:ln>
+            <a:tailEnd type="triangle"/>
+          </a:ln>
+        </p:spPr>
+        <p:style>
+          <a:lnRef idx="1">
+            <a:schemeClr val="accent1"/>
+          </a:lnRef>
+          <a:fillRef idx="0">
+            <a:schemeClr val="accent1"/>
+          </a:fillRef>
+          <a:effectRef idx="0">
+            <a:schemeClr val="accent1"/>
+          </a:effectRef>
+          <a:fontRef idx="minor">
+            <a:schemeClr val="tx1"/>
+          </a:fontRef>
+        </p:style>
+      </p:cxnSp>
+      <p:cxnSp>
+        <p:nvCxnSpPr>
+          <p:cNvPr id="13" name="Connecteur droit avec flèche 12"/>
+          <p:cNvCxnSpPr/>
+          <p:nvPr/>
+        </p:nvCxnSpPr>
+        <p:spPr>
+          <a:xfrm>
+            <a:off x="7721850" y="4001822"/>
+            <a:ext cx="1295150" cy="0"/>
+          </a:xfrm>
+          <a:prstGeom prst="straightConnector1">
+            <a:avLst/>
+          </a:prstGeom>
+          <a:ln>
+            <a:tailEnd type="triangle"/>
+          </a:ln>
+        </p:spPr>
+        <p:style>
+          <a:lnRef idx="1">
+            <a:schemeClr val="accent1"/>
+          </a:lnRef>
+          <a:fillRef idx="0">
+            <a:schemeClr val="accent1"/>
+          </a:fillRef>
+          <a:effectRef idx="0">
+            <a:schemeClr val="accent1"/>
+          </a:effectRef>
+          <a:fontRef idx="minor">
+            <a:schemeClr val="tx1"/>
+          </a:fontRef>
+        </p:style>
+      </p:cxnSp>
+    </p:spTree>
+    <p:extLst>
+      <p:ext uri="{BB962C8B-B14F-4D97-AF65-F5344CB8AC3E}">
+        <p14:creationId xmlns:p14="http://schemas.microsoft.com/office/powerpoint/2010/main" val="2786982468"/>
       </p:ext>
     </p:extLst>
   </p:cSld>

--- a/interactive_proof/counterexample_generalization.pptx
+++ b/interactive_proof/counterexample_generalization.pptx
@@ -18,8 +18,12 @@
     <p:sldId id="259" r:id="rId12"/>
     <p:sldId id="260" r:id="rId13"/>
     <p:sldId id="263" r:id="rId14"/>
-    <p:sldId id="262" r:id="rId15"/>
-    <p:sldId id="261" r:id="rId16"/>
+    <p:sldId id="275" r:id="rId15"/>
+    <p:sldId id="272" r:id="rId16"/>
+    <p:sldId id="276" r:id="rId17"/>
+    <p:sldId id="274" r:id="rId18"/>
+    <p:sldId id="262" r:id="rId19"/>
+    <p:sldId id="261" r:id="rId20"/>
   </p:sldIdLst>
   <p:sldSz cx="12192000" cy="6858000"/>
   <p:notesSz cx="6858000" cy="9144000"/>
@@ -3379,10 +3383,6 @@
               <a:rPr lang="fr-FR" dirty="0" smtClean="0"/>
               <a:t> existential conjectures</a:t>
             </a:r>
-            <a:r>
-              <a:rPr lang="fr-FR" dirty="0" smtClean="0"/>
-              <a:t/>
-            </a:r>
             <a:br>
               <a:rPr lang="fr-FR" dirty="0" smtClean="0"/>
             </a:br>
@@ -3396,11 +3396,7 @@
             </a:r>
             <a:r>
               <a:rPr lang="fr-FR" dirty="0" smtClean="0"/>
-              <a:t> </a:t>
-            </a:r>
-            <a:r>
-              <a:rPr lang="fr-FR" dirty="0" smtClean="0"/>
-              <a:t>bans EVERY structure </a:t>
+              <a:t> bans EVERY structure </a:t>
             </a:r>
             <a:r>
               <a:rPr lang="fr-FR" dirty="0" err="1" smtClean="0"/>
@@ -3484,11 +3480,7 @@
             </a:r>
             <a:r>
               <a:rPr lang="fr-FR" dirty="0" smtClean="0"/>
-              <a:t> </a:t>
-            </a:r>
-            <a:r>
-              <a:rPr lang="fr-FR" dirty="0" smtClean="0"/>
-              <a:t>the dual : </a:t>
+              <a:t> the dual : </a:t>
             </a:r>
             <a:r>
               <a:rPr lang="fr-FR" dirty="0" err="1" smtClean="0"/>
@@ -3815,11 +3807,7 @@
             </a:r>
             <a:r>
               <a:rPr lang="fr-FR" dirty="0" smtClean="0"/>
-              <a:t> &gt; </a:t>
-            </a:r>
-            <a:r>
-              <a:rPr lang="fr-FR" dirty="0" smtClean="0"/>
-              <a:t>2 (</a:t>
+              <a:t> &gt; 2 (</a:t>
             </a:r>
             <a:r>
               <a:rPr lang="fr-FR" dirty="0" err="1" smtClean="0"/>
@@ -4133,11 +4121,7 @@
             </a:pPr>
             <a:r>
               <a:rPr lang="fr-FR" dirty="0" smtClean="0"/>
-              <a:t> </a:t>
-            </a:r>
-            <a:r>
-              <a:rPr lang="fr-FR" dirty="0" smtClean="0"/>
-              <a:t>Causal </a:t>
+              <a:t> Causal </a:t>
             </a:r>
             <a:r>
               <a:rPr lang="fr-FR" dirty="0" err="1" smtClean="0"/>
@@ -4241,15 +4225,7 @@
             </a:r>
             <a:r>
               <a:rPr lang="fr-FR" dirty="0" smtClean="0"/>
-              <a:t> a </a:t>
-            </a:r>
-            <a:r>
-              <a:rPr lang="fr-FR" dirty="0" smtClean="0"/>
-              <a:t>correct </a:t>
-            </a:r>
-            <a:r>
-              <a:rPr lang="fr-FR" dirty="0" smtClean="0"/>
-              <a:t>one </a:t>
+              <a:t> a correct one </a:t>
             </a:r>
             <a:r>
               <a:rPr lang="fr-FR" dirty="0" err="1" smtClean="0"/>
@@ -4346,7 +4322,15 @@
             </a:r>
             <a:r>
               <a:rPr lang="fr-FR" dirty="0" smtClean="0"/>
-              <a:t> code &amp; conjecture to </a:t>
+              <a:t> code &amp; </a:t>
+            </a:r>
+            <a:r>
+              <a:rPr lang="fr-FR" dirty="0" smtClean="0"/>
+              <a:t>conjectures </a:t>
+            </a:r>
+            <a:r>
+              <a:rPr lang="fr-FR" dirty="0" smtClean="0"/>
+              <a:t>to </a:t>
             </a:r>
             <a:r>
               <a:rPr lang="fr-FR" dirty="0" err="1" smtClean="0"/>
@@ -4429,6 +4413,1632 @@
           <a:lstStyle/>
           <a:p>
             <a:r>
+              <a:rPr lang="fr-FR" dirty="0" smtClean="0"/>
+              <a:t>Description</a:t>
+            </a:r>
+            <a:endParaRPr lang="fr-FR" dirty="0"/>
+          </a:p>
+        </p:txBody>
+      </p:sp>
+      <p:sp>
+        <p:nvSpPr>
+          <p:cNvPr id="5" name="Espace réservé du contenu 4"/>
+          <p:cNvSpPr>
+            <a:spLocks noGrp="1"/>
+          </p:cNvSpPr>
+          <p:nvPr>
+            <p:ph idx="1"/>
+          </p:nvPr>
+        </p:nvSpPr>
+        <p:spPr/>
+        <p:txBody>
+          <a:bodyPr>
+            <a:normAutofit fontScale="77500" lnSpcReduction="20000"/>
+          </a:bodyPr>
+          <a:lstStyle/>
+          <a:p>
+            <a:pPr>
+              <a:lnSpc>
+                <a:spcPct val="150000"/>
+              </a:lnSpc>
+            </a:pPr>
+            <a:r>
+              <a:rPr lang="fr-FR" dirty="0" smtClean="0"/>
+              <a:t> </a:t>
+            </a:r>
+            <a:r>
+              <a:rPr lang="fr-FR" dirty="0" err="1" smtClean="0"/>
+              <a:t>We</a:t>
+            </a:r>
+            <a:r>
+              <a:rPr lang="fr-FR" dirty="0" smtClean="0"/>
+              <a:t> </a:t>
+            </a:r>
+            <a:r>
+              <a:rPr lang="fr-FR" dirty="0" err="1" smtClean="0"/>
+              <a:t>only</a:t>
+            </a:r>
+            <a:r>
+              <a:rPr lang="fr-FR" dirty="0" smtClean="0"/>
+              <a:t> </a:t>
+            </a:r>
+            <a:r>
+              <a:rPr lang="fr-FR" dirty="0" err="1" smtClean="0"/>
+              <a:t>keep</a:t>
+            </a:r>
+            <a:r>
+              <a:rPr lang="fr-FR" dirty="0" smtClean="0"/>
+              <a:t> a (minimal) </a:t>
+            </a:r>
+            <a:r>
+              <a:rPr lang="fr-FR" dirty="0" err="1" smtClean="0"/>
+              <a:t>subset</a:t>
+            </a:r>
+            <a:r>
+              <a:rPr lang="fr-FR" dirty="0" smtClean="0"/>
+              <a:t> of </a:t>
+            </a:r>
+            <a:r>
+              <a:rPr lang="fr-FR" dirty="0" err="1" smtClean="0"/>
+              <a:t>constraints</a:t>
+            </a:r>
+            <a:r>
+              <a:rPr lang="fr-FR" dirty="0" smtClean="0"/>
+              <a:t> </a:t>
+            </a:r>
+            <a:r>
+              <a:rPr lang="fr-FR" dirty="0" err="1" smtClean="0"/>
+              <a:t>that</a:t>
+            </a:r>
+            <a:r>
+              <a:rPr lang="fr-FR" dirty="0" smtClean="0"/>
+              <a:t> </a:t>
+            </a:r>
+            <a:r>
+              <a:rPr lang="fr-FR" dirty="0" err="1" smtClean="0"/>
+              <a:t>is</a:t>
+            </a:r>
+            <a:r>
+              <a:rPr lang="fr-FR" dirty="0" smtClean="0"/>
+              <a:t> </a:t>
+            </a:r>
+            <a:r>
+              <a:rPr lang="fr-FR" dirty="0" err="1" smtClean="0"/>
+              <a:t>sufficient</a:t>
+            </a:r>
+            <a:r>
+              <a:rPr lang="fr-FR" dirty="0" smtClean="0"/>
+              <a:t> to </a:t>
+            </a:r>
+            <a:r>
+              <a:rPr lang="fr-FR" dirty="0" err="1" smtClean="0"/>
+              <a:t>be</a:t>
+            </a:r>
+            <a:r>
+              <a:rPr lang="fr-FR" dirty="0" smtClean="0"/>
+              <a:t> sure </a:t>
+            </a:r>
+            <a:r>
+              <a:rPr lang="fr-FR" dirty="0" err="1" smtClean="0"/>
+              <a:t>that</a:t>
+            </a:r>
+            <a:r>
+              <a:rPr lang="fr-FR" dirty="0" smtClean="0"/>
+              <a:t>, </a:t>
+            </a:r>
+            <a:r>
+              <a:rPr lang="fr-FR" dirty="0" err="1" smtClean="0"/>
+              <a:t>after</a:t>
+            </a:r>
+            <a:r>
+              <a:rPr lang="fr-FR" dirty="0" smtClean="0"/>
+              <a:t> the </a:t>
+            </a:r>
+            <a:r>
+              <a:rPr lang="fr-FR" dirty="0" err="1" smtClean="0"/>
+              <a:t>execution</a:t>
+            </a:r>
+            <a:r>
+              <a:rPr lang="fr-FR" dirty="0" smtClean="0"/>
+              <a:t>, the </a:t>
+            </a:r>
+            <a:r>
+              <a:rPr lang="fr-FR" dirty="0" err="1" smtClean="0"/>
+              <a:t>faulty</a:t>
+            </a:r>
+            <a:r>
+              <a:rPr lang="fr-FR" dirty="0" smtClean="0"/>
+              <a:t> conjecture </a:t>
+            </a:r>
+            <a:r>
+              <a:rPr lang="fr-FR" dirty="0" err="1" smtClean="0"/>
+              <a:t>is</a:t>
+            </a:r>
+            <a:r>
+              <a:rPr lang="fr-FR" dirty="0" smtClean="0"/>
+              <a:t> </a:t>
+            </a:r>
+            <a:r>
+              <a:rPr lang="fr-FR" dirty="0" err="1" smtClean="0"/>
+              <a:t>broken</a:t>
+            </a:r>
+            <a:r>
+              <a:rPr lang="fr-FR" dirty="0" smtClean="0"/>
+              <a:t>.</a:t>
+            </a:r>
+          </a:p>
+          <a:p>
+            <a:pPr>
+              <a:lnSpc>
+                <a:spcPct val="150000"/>
+              </a:lnSpc>
+            </a:pPr>
+            <a:endParaRPr lang="fr-FR" dirty="0" smtClean="0"/>
+          </a:p>
+          <a:p>
+            <a:pPr>
+              <a:lnSpc>
+                <a:spcPct val="150000"/>
+              </a:lnSpc>
+            </a:pPr>
+            <a:r>
+              <a:rPr lang="fr-FR" dirty="0"/>
+              <a:t> </a:t>
+            </a:r>
+            <a:r>
+              <a:rPr lang="fr-FR" dirty="0" err="1" smtClean="0"/>
+              <a:t>We</a:t>
+            </a:r>
+            <a:r>
+              <a:rPr lang="fr-FR" dirty="0" smtClean="0"/>
+              <a:t> </a:t>
+            </a:r>
+            <a:r>
+              <a:rPr lang="fr-FR" dirty="0" err="1" smtClean="0"/>
+              <a:t>start</a:t>
+            </a:r>
+            <a:r>
+              <a:rPr lang="fr-FR" dirty="0" smtClean="0"/>
+              <a:t> </a:t>
+            </a:r>
+            <a:r>
+              <a:rPr lang="fr-FR" dirty="0" err="1" smtClean="0"/>
+              <a:t>with</a:t>
+            </a:r>
+            <a:r>
+              <a:rPr lang="fr-FR" dirty="0" smtClean="0"/>
+              <a:t> the post-</a:t>
+            </a:r>
+            <a:r>
+              <a:rPr lang="fr-FR" dirty="0" err="1" smtClean="0"/>
+              <a:t>execution</a:t>
+            </a:r>
+            <a:r>
+              <a:rPr lang="fr-FR" dirty="0" smtClean="0"/>
+              <a:t> state and </a:t>
+            </a:r>
+            <a:r>
+              <a:rPr lang="fr-FR" dirty="0" err="1" smtClean="0"/>
+              <a:t>highlight</a:t>
+            </a:r>
+            <a:r>
+              <a:rPr lang="fr-FR" dirty="0" smtClean="0"/>
+              <a:t> important </a:t>
+            </a:r>
+            <a:r>
+              <a:rPr lang="fr-FR" dirty="0" err="1" smtClean="0"/>
+              <a:t>constraints</a:t>
+            </a:r>
+            <a:r>
+              <a:rPr lang="fr-FR" dirty="0" smtClean="0"/>
+              <a:t> </a:t>
+            </a:r>
+            <a:r>
+              <a:rPr lang="fr-FR" dirty="0" err="1" smtClean="0"/>
+              <a:t>that</a:t>
+            </a:r>
+            <a:r>
+              <a:rPr lang="fr-FR" dirty="0" smtClean="0"/>
+              <a:t> </a:t>
+            </a:r>
+            <a:r>
+              <a:rPr lang="fr-FR" dirty="0" err="1" smtClean="0"/>
+              <a:t>allow</a:t>
+            </a:r>
+            <a:r>
+              <a:rPr lang="fr-FR" dirty="0" smtClean="0"/>
+              <a:t> us to </a:t>
+            </a:r>
+            <a:r>
+              <a:rPr lang="fr-FR" dirty="0" err="1" smtClean="0"/>
+              <a:t>determine</a:t>
+            </a:r>
+            <a:r>
+              <a:rPr lang="fr-FR" dirty="0" smtClean="0"/>
+              <a:t> </a:t>
+            </a:r>
+            <a:r>
+              <a:rPr lang="fr-FR" dirty="0" err="1" smtClean="0"/>
+              <a:t>that</a:t>
+            </a:r>
+            <a:r>
+              <a:rPr lang="fr-FR" dirty="0" smtClean="0"/>
+              <a:t> the conjecture </a:t>
+            </a:r>
+            <a:r>
+              <a:rPr lang="fr-FR" dirty="0" err="1" smtClean="0"/>
+              <a:t>is</a:t>
+            </a:r>
+            <a:r>
+              <a:rPr lang="fr-FR" dirty="0" smtClean="0"/>
+              <a:t> not </a:t>
+            </a:r>
+            <a:r>
+              <a:rPr lang="fr-FR" dirty="0" err="1" smtClean="0"/>
+              <a:t>satisfied</a:t>
+            </a:r>
+            <a:r>
+              <a:rPr lang="fr-FR" dirty="0" smtClean="0"/>
+              <a:t>.</a:t>
+            </a:r>
+          </a:p>
+          <a:p>
+            <a:pPr>
+              <a:lnSpc>
+                <a:spcPct val="150000"/>
+              </a:lnSpc>
+            </a:pPr>
+            <a:endParaRPr lang="fr-FR" dirty="0" smtClean="0"/>
+          </a:p>
+          <a:p>
+            <a:pPr>
+              <a:lnSpc>
+                <a:spcPct val="150000"/>
+              </a:lnSpc>
+            </a:pPr>
+            <a:r>
+              <a:rPr lang="fr-FR" dirty="0"/>
+              <a:t> </a:t>
+            </a:r>
+            <a:r>
+              <a:rPr lang="fr-FR" dirty="0" smtClean="0"/>
+              <a:t> </a:t>
+            </a:r>
+            <a:r>
+              <a:rPr lang="fr-FR" dirty="0" err="1" smtClean="0"/>
+              <a:t>We</a:t>
+            </a:r>
+            <a:r>
+              <a:rPr lang="fr-FR" dirty="0" smtClean="0"/>
+              <a:t> </a:t>
+            </a:r>
+            <a:r>
+              <a:rPr lang="fr-FR" dirty="0" err="1" smtClean="0"/>
+              <a:t>rewind</a:t>
+            </a:r>
+            <a:r>
+              <a:rPr lang="fr-FR" dirty="0" smtClean="0"/>
+              <a:t> the </a:t>
+            </a:r>
+            <a:r>
+              <a:rPr lang="fr-FR" dirty="0" err="1" smtClean="0"/>
+              <a:t>execution</a:t>
+            </a:r>
+            <a:r>
+              <a:rPr lang="fr-FR" dirty="0" smtClean="0"/>
+              <a:t>. At </a:t>
+            </a:r>
+            <a:r>
+              <a:rPr lang="fr-FR" dirty="0" err="1" smtClean="0"/>
+              <a:t>each</a:t>
+            </a:r>
+            <a:r>
+              <a:rPr lang="fr-FR" dirty="0" smtClean="0"/>
+              <a:t> </a:t>
+            </a:r>
+            <a:r>
+              <a:rPr lang="fr-FR" dirty="0" err="1" smtClean="0"/>
+              <a:t>step</a:t>
+            </a:r>
+            <a:r>
+              <a:rPr lang="fr-FR" dirty="0" smtClean="0"/>
+              <a:t> </a:t>
+            </a:r>
+            <a:r>
+              <a:rPr lang="fr-FR" dirty="0" err="1" smtClean="0"/>
+              <a:t>we</a:t>
+            </a:r>
+            <a:r>
+              <a:rPr lang="fr-FR" dirty="0" smtClean="0"/>
+              <a:t> update the </a:t>
+            </a:r>
+            <a:r>
+              <a:rPr lang="fr-FR" dirty="0" err="1" smtClean="0"/>
+              <a:t>list</a:t>
+            </a:r>
+            <a:r>
+              <a:rPr lang="fr-FR" dirty="0" smtClean="0"/>
+              <a:t> of </a:t>
+            </a:r>
+            <a:r>
+              <a:rPr lang="fr-FR" dirty="0" err="1" smtClean="0"/>
+              <a:t>constraints</a:t>
+            </a:r>
+            <a:r>
+              <a:rPr lang="fr-FR" dirty="0" smtClean="0"/>
+              <a:t> and </a:t>
+            </a:r>
+            <a:r>
+              <a:rPr lang="fr-FR" dirty="0" err="1" smtClean="0"/>
+              <a:t>we</a:t>
+            </a:r>
+            <a:r>
+              <a:rPr lang="fr-FR" dirty="0" smtClean="0"/>
+              <a:t> </a:t>
+            </a:r>
+            <a:r>
+              <a:rPr lang="fr-FR" dirty="0" err="1" smtClean="0"/>
+              <a:t>hightlight</a:t>
+            </a:r>
+            <a:r>
+              <a:rPr lang="fr-FR" dirty="0" smtClean="0"/>
+              <a:t> </a:t>
+            </a:r>
+            <a:r>
+              <a:rPr lang="fr-FR" dirty="0" err="1" smtClean="0"/>
+              <a:t>some</a:t>
+            </a:r>
+            <a:r>
+              <a:rPr lang="fr-FR" dirty="0" smtClean="0"/>
+              <a:t> new </a:t>
+            </a:r>
+            <a:r>
+              <a:rPr lang="fr-FR" dirty="0" err="1" smtClean="0"/>
+              <a:t>constraints</a:t>
+            </a:r>
+            <a:r>
+              <a:rPr lang="fr-FR" dirty="0" smtClean="0"/>
+              <a:t> if </a:t>
+            </a:r>
+            <a:r>
+              <a:rPr lang="fr-FR" dirty="0" err="1" smtClean="0"/>
+              <a:t>needed</a:t>
+            </a:r>
+            <a:r>
+              <a:rPr lang="fr-FR" dirty="0" smtClean="0"/>
+              <a:t>.</a:t>
+            </a:r>
+            <a:endParaRPr lang="fr-FR" dirty="0"/>
+          </a:p>
+        </p:txBody>
+      </p:sp>
+    </p:spTree>
+    <p:extLst>
+      <p:ext uri="{BB962C8B-B14F-4D97-AF65-F5344CB8AC3E}">
+        <p14:creationId xmlns:p14="http://schemas.microsoft.com/office/powerpoint/2010/main" val="2191906710"/>
+      </p:ext>
+    </p:extLst>
+  </p:cSld>
+  <p:clrMapOvr>
+    <a:masterClrMapping/>
+  </p:clrMapOvr>
+</p:sld>
+</file>
+
+<file path=ppt/slides/slide15.xml><?xml version="1.0" encoding="utf-8"?>
+<p:sld xmlns:a="http://schemas.openxmlformats.org/drawingml/2006/main" xmlns:r="http://schemas.openxmlformats.org/officeDocument/2006/relationships" xmlns:p="http://schemas.openxmlformats.org/presentationml/2006/main">
+  <p:cSld>
+    <p:spTree>
+      <p:nvGrpSpPr>
+        <p:cNvPr id="1" name=""/>
+        <p:cNvGrpSpPr/>
+        <p:nvPr/>
+      </p:nvGrpSpPr>
+      <p:grpSpPr>
+        <a:xfrm>
+          <a:off x="0" y="0"/>
+          <a:ext cx="0" cy="0"/>
+          <a:chOff x="0" y="0"/>
+          <a:chExt cx="0" cy="0"/>
+        </a:xfrm>
+      </p:grpSpPr>
+      <p:sp>
+        <p:nvSpPr>
+          <p:cNvPr id="4" name="Titre 3"/>
+          <p:cNvSpPr>
+            <a:spLocks noGrp="1"/>
+          </p:cNvSpPr>
+          <p:nvPr>
+            <p:ph type="title"/>
+          </p:nvPr>
+        </p:nvSpPr>
+        <p:spPr/>
+        <p:txBody>
+          <a:bodyPr/>
+          <a:lstStyle/>
+          <a:p>
+            <a:r>
+              <a:rPr lang="fr-FR" dirty="0" err="1" smtClean="0"/>
+              <a:t>Example</a:t>
+            </a:r>
+            <a:r>
+              <a:rPr lang="fr-FR" dirty="0" smtClean="0"/>
+              <a:t>: a queue</a:t>
+            </a:r>
+            <a:endParaRPr lang="fr-FR" dirty="0"/>
+          </a:p>
+        </p:txBody>
+      </p:sp>
+      <p:pic>
+        <p:nvPicPr>
+          <p:cNvPr id="8" name="Image 7"/>
+          <p:cNvPicPr>
+            <a:picLocks noChangeAspect="1"/>
+          </p:cNvPicPr>
+          <p:nvPr/>
+        </p:nvPicPr>
+        <p:blipFill>
+          <a:blip r:embed="rId2"/>
+          <a:stretch>
+            <a:fillRect/>
+          </a:stretch>
+        </p:blipFill>
+        <p:spPr>
+          <a:xfrm>
+            <a:off x="838200" y="1569919"/>
+            <a:ext cx="3543300" cy="1898196"/>
+          </a:xfrm>
+          <a:prstGeom prst="rect">
+            <a:avLst/>
+          </a:prstGeom>
+        </p:spPr>
+      </p:pic>
+      <p:pic>
+        <p:nvPicPr>
+          <p:cNvPr id="9" name="Image 8"/>
+          <p:cNvPicPr>
+            <a:picLocks noChangeAspect="1"/>
+          </p:cNvPicPr>
+          <p:nvPr/>
+        </p:nvPicPr>
+        <p:blipFill>
+          <a:blip r:embed="rId3"/>
+          <a:stretch>
+            <a:fillRect/>
+          </a:stretch>
+        </p:blipFill>
+        <p:spPr>
+          <a:xfrm>
+            <a:off x="838200" y="3582907"/>
+            <a:ext cx="3565585" cy="2947229"/>
+          </a:xfrm>
+          <a:prstGeom prst="rect">
+            <a:avLst/>
+          </a:prstGeom>
+        </p:spPr>
+      </p:pic>
+      <p:pic>
+        <p:nvPicPr>
+          <p:cNvPr id="10" name="Image 9"/>
+          <p:cNvPicPr>
+            <a:picLocks noChangeAspect="1"/>
+          </p:cNvPicPr>
+          <p:nvPr/>
+        </p:nvPicPr>
+        <p:blipFill rotWithShape="1">
+          <a:blip r:embed="rId4"/>
+          <a:srcRect r="41884"/>
+          <a:stretch/>
+        </p:blipFill>
+        <p:spPr>
+          <a:xfrm>
+            <a:off x="5313332" y="2417970"/>
+            <a:ext cx="6188554" cy="2551158"/>
+          </a:xfrm>
+          <a:prstGeom prst="rect">
+            <a:avLst/>
+          </a:prstGeom>
+        </p:spPr>
+      </p:pic>
+      <p:pic>
+        <p:nvPicPr>
+          <p:cNvPr id="11" name="Image 10"/>
+          <p:cNvPicPr>
+            <a:picLocks noChangeAspect="1"/>
+          </p:cNvPicPr>
+          <p:nvPr/>
+        </p:nvPicPr>
+        <p:blipFill rotWithShape="1">
+          <a:blip r:embed="rId5"/>
+          <a:srcRect t="79250" r="1930"/>
+          <a:stretch/>
+        </p:blipFill>
+        <p:spPr>
+          <a:xfrm>
+            <a:off x="5452253" y="5566525"/>
+            <a:ext cx="6453997" cy="963611"/>
+          </a:xfrm>
+          <a:prstGeom prst="rect">
+            <a:avLst/>
+          </a:prstGeom>
+        </p:spPr>
+      </p:pic>
+    </p:spTree>
+    <p:extLst>
+      <p:ext uri="{BB962C8B-B14F-4D97-AF65-F5344CB8AC3E}">
+        <p14:creationId xmlns:p14="http://schemas.microsoft.com/office/powerpoint/2010/main" val="2236778004"/>
+      </p:ext>
+    </p:extLst>
+  </p:cSld>
+  <p:clrMapOvr>
+    <a:masterClrMapping/>
+  </p:clrMapOvr>
+</p:sld>
+</file>
+
+<file path=ppt/slides/slide16.xml><?xml version="1.0" encoding="utf-8"?>
+<p:sld xmlns:a="http://schemas.openxmlformats.org/drawingml/2006/main" xmlns:r="http://schemas.openxmlformats.org/officeDocument/2006/relationships" xmlns:p="http://schemas.openxmlformats.org/presentationml/2006/main">
+  <p:cSld>
+    <p:spTree>
+      <p:nvGrpSpPr>
+        <p:cNvPr id="1" name=""/>
+        <p:cNvGrpSpPr/>
+        <p:nvPr/>
+      </p:nvGrpSpPr>
+      <p:grpSpPr>
+        <a:xfrm>
+          <a:off x="0" y="0"/>
+          <a:ext cx="0" cy="0"/>
+          <a:chOff x="0" y="0"/>
+          <a:chExt cx="0" cy="0"/>
+        </a:xfrm>
+      </p:grpSpPr>
+      <p:pic>
+        <p:nvPicPr>
+          <p:cNvPr id="2" name="Image 1"/>
+          <p:cNvPicPr>
+            <a:picLocks noChangeAspect="1"/>
+          </p:cNvPicPr>
+          <p:nvPr/>
+        </p:nvPicPr>
+        <p:blipFill>
+          <a:blip r:embed="rId2"/>
+          <a:stretch>
+            <a:fillRect/>
+          </a:stretch>
+        </p:blipFill>
+        <p:spPr>
+          <a:xfrm>
+            <a:off x="9987492" y="393934"/>
+            <a:ext cx="2085975" cy="3571875"/>
+          </a:xfrm>
+          <a:prstGeom prst="rect">
+            <a:avLst/>
+          </a:prstGeom>
+        </p:spPr>
+      </p:pic>
+      <p:pic>
+        <p:nvPicPr>
+          <p:cNvPr id="3" name="Image 2"/>
+          <p:cNvPicPr>
+            <a:picLocks noChangeAspect="1"/>
+          </p:cNvPicPr>
+          <p:nvPr/>
+        </p:nvPicPr>
+        <p:blipFill>
+          <a:blip r:embed="rId3"/>
+          <a:stretch>
+            <a:fillRect/>
+          </a:stretch>
+        </p:blipFill>
+        <p:spPr>
+          <a:xfrm>
+            <a:off x="6551783" y="406399"/>
+            <a:ext cx="3351042" cy="3479271"/>
+          </a:xfrm>
+          <a:prstGeom prst="rect">
+            <a:avLst/>
+          </a:prstGeom>
+        </p:spPr>
+      </p:pic>
+      <p:pic>
+        <p:nvPicPr>
+          <p:cNvPr id="4" name="Image 3"/>
+          <p:cNvPicPr>
+            <a:picLocks noChangeAspect="1"/>
+          </p:cNvPicPr>
+          <p:nvPr/>
+        </p:nvPicPr>
+        <p:blipFill rotWithShape="1">
+          <a:blip r:embed="rId4"/>
+          <a:srcRect t="51658"/>
+          <a:stretch/>
+        </p:blipFill>
+        <p:spPr>
+          <a:xfrm>
+            <a:off x="2624666" y="259054"/>
+            <a:ext cx="3694698" cy="3706755"/>
+          </a:xfrm>
+          <a:prstGeom prst="rect">
+            <a:avLst/>
+          </a:prstGeom>
+        </p:spPr>
+      </p:pic>
+      <p:pic>
+        <p:nvPicPr>
+          <p:cNvPr id="5" name="Image 4"/>
+          <p:cNvPicPr>
+            <a:picLocks noChangeAspect="1"/>
+          </p:cNvPicPr>
+          <p:nvPr/>
+        </p:nvPicPr>
+        <p:blipFill rotWithShape="1">
+          <a:blip r:embed="rId5"/>
+          <a:srcRect t="5412" r="62140" b="21115"/>
+          <a:stretch/>
+        </p:blipFill>
+        <p:spPr>
+          <a:xfrm>
+            <a:off x="133069" y="406399"/>
+            <a:ext cx="2491597" cy="3412067"/>
+          </a:xfrm>
+          <a:prstGeom prst="rect">
+            <a:avLst/>
+          </a:prstGeom>
+        </p:spPr>
+      </p:pic>
+      <p:cxnSp>
+        <p:nvCxnSpPr>
+          <p:cNvPr id="7" name="Connecteur droit avec flèche 6"/>
+          <p:cNvCxnSpPr>
+            <a:endCxn id="4" idx="3"/>
+          </p:cNvCxnSpPr>
+          <p:nvPr/>
+        </p:nvCxnSpPr>
+        <p:spPr>
+          <a:xfrm>
+            <a:off x="4919133" y="2112431"/>
+            <a:ext cx="1400231" cy="1"/>
+          </a:xfrm>
+          <a:prstGeom prst="straightConnector1">
+            <a:avLst/>
+          </a:prstGeom>
+          <a:ln>
+            <a:tailEnd type="triangle"/>
+          </a:ln>
+        </p:spPr>
+        <p:style>
+          <a:lnRef idx="3">
+            <a:schemeClr val="accent1"/>
+          </a:lnRef>
+          <a:fillRef idx="0">
+            <a:schemeClr val="accent1"/>
+          </a:fillRef>
+          <a:effectRef idx="2">
+            <a:schemeClr val="accent1"/>
+          </a:effectRef>
+          <a:fontRef idx="minor">
+            <a:schemeClr val="tx1"/>
+          </a:fontRef>
+        </p:style>
+      </p:cxnSp>
+      <p:grpSp>
+        <p:nvGrpSpPr>
+          <p:cNvPr id="8" name="Groupe 7"/>
+          <p:cNvGrpSpPr/>
+          <p:nvPr/>
+        </p:nvGrpSpPr>
+        <p:grpSpPr>
+          <a:xfrm>
+            <a:off x="4092294" y="4267125"/>
+            <a:ext cx="3565585" cy="2121237"/>
+            <a:chOff x="7930869" y="4367569"/>
+            <a:chExt cx="3565585" cy="2121237"/>
+          </a:xfrm>
+        </p:grpSpPr>
+        <p:grpSp>
+          <p:nvGrpSpPr>
+            <p:cNvPr id="9" name="Groupe 8"/>
+            <p:cNvGrpSpPr/>
+            <p:nvPr/>
+          </p:nvGrpSpPr>
+          <p:grpSpPr>
+            <a:xfrm>
+              <a:off x="7930869" y="4639733"/>
+              <a:ext cx="3565585" cy="1647997"/>
+              <a:chOff x="708803" y="4563533"/>
+              <a:chExt cx="3565585" cy="1647997"/>
+            </a:xfrm>
+          </p:grpSpPr>
+          <p:pic>
+            <p:nvPicPr>
+              <p:cNvPr id="12" name="Image 11"/>
+              <p:cNvPicPr>
+                <a:picLocks noChangeAspect="1"/>
+              </p:cNvPicPr>
+              <p:nvPr/>
+            </p:nvPicPr>
+            <p:blipFill rotWithShape="1">
+              <a:blip r:embed="rId6"/>
+              <a:srcRect t="44083"/>
+              <a:stretch/>
+            </p:blipFill>
+            <p:spPr>
+              <a:xfrm>
+                <a:off x="708803" y="4563533"/>
+                <a:ext cx="3565585" cy="1647997"/>
+              </a:xfrm>
+              <a:prstGeom prst="rect">
+                <a:avLst/>
+              </a:prstGeom>
+            </p:spPr>
+          </p:pic>
+          <p:sp>
+            <p:nvSpPr>
+              <p:cNvPr id="13" name="Ellipse 12"/>
+              <p:cNvSpPr/>
+              <p:nvPr/>
+            </p:nvSpPr>
+            <p:spPr>
+              <a:xfrm>
+                <a:off x="810683" y="5073650"/>
+                <a:ext cx="75142" cy="79375"/>
+              </a:xfrm>
+              <a:prstGeom prst="ellipse">
+                <a:avLst/>
+              </a:prstGeom>
+            </p:spPr>
+            <p:style>
+              <a:lnRef idx="1">
+                <a:schemeClr val="accent2"/>
+              </a:lnRef>
+              <a:fillRef idx="3">
+                <a:schemeClr val="accent2"/>
+              </a:fillRef>
+              <a:effectRef idx="2">
+                <a:schemeClr val="accent2"/>
+              </a:effectRef>
+              <a:fontRef idx="minor">
+                <a:schemeClr val="lt1"/>
+              </a:fontRef>
+            </p:style>
+            <p:txBody>
+              <a:bodyPr rtlCol="0" anchor="ctr"/>
+              <a:lstStyle/>
+              <a:p>
+                <a:pPr algn="ctr"/>
+                <a:endParaRPr lang="fr-FR"/>
+              </a:p>
+            </p:txBody>
+          </p:sp>
+          <p:sp>
+            <p:nvSpPr>
+              <p:cNvPr id="14" name="Ellipse 13"/>
+              <p:cNvSpPr/>
+              <p:nvPr/>
+            </p:nvSpPr>
+            <p:spPr>
+              <a:xfrm>
+                <a:off x="810683" y="5211762"/>
+                <a:ext cx="75142" cy="79375"/>
+              </a:xfrm>
+              <a:prstGeom prst="ellipse">
+                <a:avLst/>
+              </a:prstGeom>
+            </p:spPr>
+            <p:style>
+              <a:lnRef idx="1">
+                <a:schemeClr val="accent2"/>
+              </a:lnRef>
+              <a:fillRef idx="3">
+                <a:schemeClr val="accent2"/>
+              </a:fillRef>
+              <a:effectRef idx="2">
+                <a:schemeClr val="accent2"/>
+              </a:effectRef>
+              <a:fontRef idx="minor">
+                <a:schemeClr val="lt1"/>
+              </a:fontRef>
+            </p:style>
+            <p:txBody>
+              <a:bodyPr rtlCol="0" anchor="ctr"/>
+              <a:lstStyle/>
+              <a:p>
+                <a:pPr algn="ctr"/>
+                <a:endParaRPr lang="fr-FR"/>
+              </a:p>
+            </p:txBody>
+          </p:sp>
+          <p:sp>
+            <p:nvSpPr>
+              <p:cNvPr id="15" name="Ellipse 14"/>
+              <p:cNvSpPr/>
+              <p:nvPr/>
+            </p:nvSpPr>
+            <p:spPr>
+              <a:xfrm>
+                <a:off x="810683" y="5349874"/>
+                <a:ext cx="75142" cy="79375"/>
+              </a:xfrm>
+              <a:prstGeom prst="ellipse">
+                <a:avLst/>
+              </a:prstGeom>
+            </p:spPr>
+            <p:style>
+              <a:lnRef idx="1">
+                <a:schemeClr val="accent2"/>
+              </a:lnRef>
+              <a:fillRef idx="3">
+                <a:schemeClr val="accent2"/>
+              </a:fillRef>
+              <a:effectRef idx="2">
+                <a:schemeClr val="accent2"/>
+              </a:effectRef>
+              <a:fontRef idx="minor">
+                <a:schemeClr val="lt1"/>
+              </a:fontRef>
+            </p:style>
+            <p:txBody>
+              <a:bodyPr rtlCol="0" anchor="ctr"/>
+              <a:lstStyle/>
+              <a:p>
+                <a:pPr algn="ctr"/>
+                <a:endParaRPr lang="fr-FR"/>
+              </a:p>
+            </p:txBody>
+          </p:sp>
+          <p:sp>
+            <p:nvSpPr>
+              <p:cNvPr id="16" name="Ellipse 15"/>
+              <p:cNvSpPr/>
+              <p:nvPr/>
+            </p:nvSpPr>
+            <p:spPr>
+              <a:xfrm>
+                <a:off x="810683" y="4935538"/>
+                <a:ext cx="75142" cy="79375"/>
+              </a:xfrm>
+              <a:prstGeom prst="ellipse">
+                <a:avLst/>
+              </a:prstGeom>
+            </p:spPr>
+            <p:style>
+              <a:lnRef idx="1">
+                <a:schemeClr val="accent2"/>
+              </a:lnRef>
+              <a:fillRef idx="3">
+                <a:schemeClr val="accent2"/>
+              </a:fillRef>
+              <a:effectRef idx="2">
+                <a:schemeClr val="accent2"/>
+              </a:effectRef>
+              <a:fontRef idx="minor">
+                <a:schemeClr val="lt1"/>
+              </a:fontRef>
+            </p:style>
+            <p:txBody>
+              <a:bodyPr rtlCol="0" anchor="ctr"/>
+              <a:lstStyle/>
+              <a:p>
+                <a:pPr algn="ctr"/>
+                <a:endParaRPr lang="fr-FR"/>
+              </a:p>
+            </p:txBody>
+          </p:sp>
+          <p:sp>
+            <p:nvSpPr>
+              <p:cNvPr id="17" name="Ellipse 16"/>
+              <p:cNvSpPr/>
+              <p:nvPr/>
+            </p:nvSpPr>
+            <p:spPr>
+              <a:xfrm>
+                <a:off x="810683" y="5487986"/>
+                <a:ext cx="75142" cy="79375"/>
+              </a:xfrm>
+              <a:prstGeom prst="ellipse">
+                <a:avLst/>
+              </a:prstGeom>
+            </p:spPr>
+            <p:style>
+              <a:lnRef idx="1">
+                <a:schemeClr val="accent2"/>
+              </a:lnRef>
+              <a:fillRef idx="3">
+                <a:schemeClr val="accent2"/>
+              </a:fillRef>
+              <a:effectRef idx="2">
+                <a:schemeClr val="accent2"/>
+              </a:effectRef>
+              <a:fontRef idx="minor">
+                <a:schemeClr val="lt1"/>
+              </a:fontRef>
+            </p:style>
+            <p:txBody>
+              <a:bodyPr rtlCol="0" anchor="ctr"/>
+              <a:lstStyle/>
+              <a:p>
+                <a:pPr algn="ctr"/>
+                <a:endParaRPr lang="fr-FR"/>
+              </a:p>
+            </p:txBody>
+          </p:sp>
+        </p:grpSp>
+        <p:pic>
+          <p:nvPicPr>
+            <p:cNvPr id="10" name="Image 9"/>
+            <p:cNvPicPr>
+              <a:picLocks noChangeAspect="1"/>
+            </p:cNvPicPr>
+            <p:nvPr/>
+          </p:nvPicPr>
+          <p:blipFill rotWithShape="1">
+            <a:blip r:embed="rId7"/>
+            <a:srcRect t="83666" b="4737"/>
+            <a:stretch/>
+          </p:blipFill>
+          <p:spPr>
+            <a:xfrm>
+              <a:off x="7953154" y="4367569"/>
+              <a:ext cx="3543300" cy="220133"/>
+            </a:xfrm>
+            <a:prstGeom prst="rect">
+              <a:avLst/>
+            </a:prstGeom>
+          </p:spPr>
+        </p:pic>
+        <p:pic>
+          <p:nvPicPr>
+            <p:cNvPr id="11" name="Image 10"/>
+            <p:cNvPicPr>
+              <a:picLocks noChangeAspect="1"/>
+            </p:cNvPicPr>
+            <p:nvPr/>
+          </p:nvPicPr>
+          <p:blipFill rotWithShape="1">
+            <a:blip r:embed="rId8"/>
+            <a:srcRect l="3523" t="54895" r="63253" b="39131"/>
+            <a:stretch/>
+          </p:blipFill>
+          <p:spPr>
+            <a:xfrm>
+              <a:off x="7958556" y="6336405"/>
+              <a:ext cx="3537898" cy="152401"/>
+            </a:xfrm>
+            <a:prstGeom prst="rect">
+              <a:avLst/>
+            </a:prstGeom>
+          </p:spPr>
+        </p:pic>
+      </p:grpSp>
+      <p:pic>
+        <p:nvPicPr>
+          <p:cNvPr id="18" name="Image 17"/>
+          <p:cNvPicPr>
+            <a:picLocks noChangeAspect="1"/>
+          </p:cNvPicPr>
+          <p:nvPr/>
+        </p:nvPicPr>
+        <p:blipFill>
+          <a:blip r:embed="rId9"/>
+          <a:stretch>
+            <a:fillRect/>
+          </a:stretch>
+        </p:blipFill>
+        <p:spPr>
+          <a:xfrm>
+            <a:off x="557212" y="4281450"/>
+            <a:ext cx="2371725" cy="1971675"/>
+          </a:xfrm>
+          <a:prstGeom prst="rect">
+            <a:avLst/>
+          </a:prstGeom>
+        </p:spPr>
+      </p:pic>
+    </p:spTree>
+    <p:extLst>
+      <p:ext uri="{BB962C8B-B14F-4D97-AF65-F5344CB8AC3E}">
+        <p14:creationId xmlns:p14="http://schemas.microsoft.com/office/powerpoint/2010/main" val="1454187538"/>
+      </p:ext>
+    </p:extLst>
+  </p:cSld>
+  <p:clrMapOvr>
+    <a:masterClrMapping/>
+  </p:clrMapOvr>
+</p:sld>
+</file>
+
+<file path=ppt/slides/slide17.xml><?xml version="1.0" encoding="utf-8"?>
+<p:sld xmlns:a="http://schemas.openxmlformats.org/drawingml/2006/main" xmlns:r="http://schemas.openxmlformats.org/officeDocument/2006/relationships" xmlns:p="http://schemas.openxmlformats.org/presentationml/2006/main">
+  <p:cSld>
+    <p:spTree>
+      <p:nvGrpSpPr>
+        <p:cNvPr id="1" name=""/>
+        <p:cNvGrpSpPr/>
+        <p:nvPr/>
+      </p:nvGrpSpPr>
+      <p:grpSpPr>
+        <a:xfrm>
+          <a:off x="0" y="0"/>
+          <a:ext cx="0" cy="0"/>
+          <a:chOff x="0" y="0"/>
+          <a:chExt cx="0" cy="0"/>
+        </a:xfrm>
+      </p:grpSpPr>
+      <p:sp>
+        <p:nvSpPr>
+          <p:cNvPr id="15" name="Rectangle 14"/>
+          <p:cNvSpPr/>
+          <p:nvPr/>
+        </p:nvSpPr>
+        <p:spPr>
+          <a:xfrm>
+            <a:off x="7278679" y="261821"/>
+            <a:ext cx="2038878" cy="143793"/>
+          </a:xfrm>
+          <a:prstGeom prst="rect">
+            <a:avLst/>
+          </a:prstGeom>
+          <a:solidFill>
+            <a:schemeClr val="accent6">
+              <a:lumMod val="40000"/>
+              <a:lumOff val="60000"/>
+              <a:alpha val="50196"/>
+            </a:schemeClr>
+          </a:solidFill>
+        </p:spPr>
+        <p:style>
+          <a:lnRef idx="2">
+            <a:schemeClr val="accent6">
+              <a:shade val="50000"/>
+            </a:schemeClr>
+          </a:lnRef>
+          <a:fillRef idx="1">
+            <a:schemeClr val="accent6"/>
+          </a:fillRef>
+          <a:effectRef idx="0">
+            <a:schemeClr val="accent6"/>
+          </a:effectRef>
+          <a:fontRef idx="minor">
+            <a:schemeClr val="lt1"/>
+          </a:fontRef>
+        </p:style>
+        <p:txBody>
+          <a:bodyPr rtlCol="0" anchor="ctr"/>
+          <a:lstStyle/>
+          <a:p>
+            <a:pPr algn="ctr"/>
+            <a:endParaRPr lang="fr-FR"/>
+          </a:p>
+        </p:txBody>
+      </p:sp>
+      <p:pic>
+        <p:nvPicPr>
+          <p:cNvPr id="36" name="Image 35"/>
+          <p:cNvPicPr>
+            <a:picLocks noChangeAspect="1"/>
+          </p:cNvPicPr>
+          <p:nvPr/>
+        </p:nvPicPr>
+        <p:blipFill>
+          <a:blip r:embed="rId2"/>
+          <a:stretch>
+            <a:fillRect/>
+          </a:stretch>
+        </p:blipFill>
+        <p:spPr>
+          <a:xfrm>
+            <a:off x="602720" y="413848"/>
+            <a:ext cx="2283689" cy="3910427"/>
+          </a:xfrm>
+          <a:prstGeom prst="rect">
+            <a:avLst/>
+          </a:prstGeom>
+        </p:spPr>
+      </p:pic>
+      <p:grpSp>
+        <p:nvGrpSpPr>
+          <p:cNvPr id="37" name="Groupe 36"/>
+          <p:cNvGrpSpPr/>
+          <p:nvPr/>
+        </p:nvGrpSpPr>
+        <p:grpSpPr>
+          <a:xfrm>
+            <a:off x="463269" y="4324275"/>
+            <a:ext cx="3565585" cy="2121237"/>
+            <a:chOff x="7930869" y="4367569"/>
+            <a:chExt cx="3565585" cy="2121237"/>
+          </a:xfrm>
+        </p:grpSpPr>
+        <p:grpSp>
+          <p:nvGrpSpPr>
+            <p:cNvPr id="38" name="Groupe 37"/>
+            <p:cNvGrpSpPr/>
+            <p:nvPr/>
+          </p:nvGrpSpPr>
+          <p:grpSpPr>
+            <a:xfrm>
+              <a:off x="7930869" y="4639733"/>
+              <a:ext cx="3565585" cy="1647997"/>
+              <a:chOff x="708803" y="4563533"/>
+              <a:chExt cx="3565585" cy="1647997"/>
+            </a:xfrm>
+          </p:grpSpPr>
+          <p:pic>
+            <p:nvPicPr>
+              <p:cNvPr id="41" name="Image 40"/>
+              <p:cNvPicPr>
+                <a:picLocks noChangeAspect="1"/>
+              </p:cNvPicPr>
+              <p:nvPr/>
+            </p:nvPicPr>
+            <p:blipFill rotWithShape="1">
+              <a:blip r:embed="rId3"/>
+              <a:srcRect t="44083"/>
+              <a:stretch/>
+            </p:blipFill>
+            <p:spPr>
+              <a:xfrm>
+                <a:off x="708803" y="4563533"/>
+                <a:ext cx="3565585" cy="1647997"/>
+              </a:xfrm>
+              <a:prstGeom prst="rect">
+                <a:avLst/>
+              </a:prstGeom>
+            </p:spPr>
+          </p:pic>
+          <p:sp>
+            <p:nvSpPr>
+              <p:cNvPr id="42" name="Ellipse 41"/>
+              <p:cNvSpPr/>
+              <p:nvPr/>
+            </p:nvSpPr>
+            <p:spPr>
+              <a:xfrm>
+                <a:off x="810683" y="5073650"/>
+                <a:ext cx="75142" cy="79375"/>
+              </a:xfrm>
+              <a:prstGeom prst="ellipse">
+                <a:avLst/>
+              </a:prstGeom>
+            </p:spPr>
+            <p:style>
+              <a:lnRef idx="1">
+                <a:schemeClr val="accent2"/>
+              </a:lnRef>
+              <a:fillRef idx="3">
+                <a:schemeClr val="accent2"/>
+              </a:fillRef>
+              <a:effectRef idx="2">
+                <a:schemeClr val="accent2"/>
+              </a:effectRef>
+              <a:fontRef idx="minor">
+                <a:schemeClr val="lt1"/>
+              </a:fontRef>
+            </p:style>
+            <p:txBody>
+              <a:bodyPr rtlCol="0" anchor="ctr"/>
+              <a:lstStyle/>
+              <a:p>
+                <a:pPr algn="ctr"/>
+                <a:endParaRPr lang="fr-FR"/>
+              </a:p>
+            </p:txBody>
+          </p:sp>
+          <p:sp>
+            <p:nvSpPr>
+              <p:cNvPr id="43" name="Ellipse 42"/>
+              <p:cNvSpPr/>
+              <p:nvPr/>
+            </p:nvSpPr>
+            <p:spPr>
+              <a:xfrm>
+                <a:off x="810683" y="5211762"/>
+                <a:ext cx="75142" cy="79375"/>
+              </a:xfrm>
+              <a:prstGeom prst="ellipse">
+                <a:avLst/>
+              </a:prstGeom>
+            </p:spPr>
+            <p:style>
+              <a:lnRef idx="1">
+                <a:schemeClr val="accent2"/>
+              </a:lnRef>
+              <a:fillRef idx="3">
+                <a:schemeClr val="accent2"/>
+              </a:fillRef>
+              <a:effectRef idx="2">
+                <a:schemeClr val="accent2"/>
+              </a:effectRef>
+              <a:fontRef idx="minor">
+                <a:schemeClr val="lt1"/>
+              </a:fontRef>
+            </p:style>
+            <p:txBody>
+              <a:bodyPr rtlCol="0" anchor="ctr"/>
+              <a:lstStyle/>
+              <a:p>
+                <a:pPr algn="ctr"/>
+                <a:endParaRPr lang="fr-FR"/>
+              </a:p>
+            </p:txBody>
+          </p:sp>
+          <p:sp>
+            <p:nvSpPr>
+              <p:cNvPr id="44" name="Ellipse 43"/>
+              <p:cNvSpPr/>
+              <p:nvPr/>
+            </p:nvSpPr>
+            <p:spPr>
+              <a:xfrm>
+                <a:off x="810683" y="5349874"/>
+                <a:ext cx="75142" cy="79375"/>
+              </a:xfrm>
+              <a:prstGeom prst="ellipse">
+                <a:avLst/>
+              </a:prstGeom>
+            </p:spPr>
+            <p:style>
+              <a:lnRef idx="1">
+                <a:schemeClr val="accent2"/>
+              </a:lnRef>
+              <a:fillRef idx="3">
+                <a:schemeClr val="accent2"/>
+              </a:fillRef>
+              <a:effectRef idx="2">
+                <a:schemeClr val="accent2"/>
+              </a:effectRef>
+              <a:fontRef idx="minor">
+                <a:schemeClr val="lt1"/>
+              </a:fontRef>
+            </p:style>
+            <p:txBody>
+              <a:bodyPr rtlCol="0" anchor="ctr"/>
+              <a:lstStyle/>
+              <a:p>
+                <a:pPr algn="ctr"/>
+                <a:endParaRPr lang="fr-FR"/>
+              </a:p>
+            </p:txBody>
+          </p:sp>
+          <p:sp>
+            <p:nvSpPr>
+              <p:cNvPr id="45" name="Ellipse 44"/>
+              <p:cNvSpPr/>
+              <p:nvPr/>
+            </p:nvSpPr>
+            <p:spPr>
+              <a:xfrm>
+                <a:off x="810683" y="4935538"/>
+                <a:ext cx="75142" cy="79375"/>
+              </a:xfrm>
+              <a:prstGeom prst="ellipse">
+                <a:avLst/>
+              </a:prstGeom>
+            </p:spPr>
+            <p:style>
+              <a:lnRef idx="1">
+                <a:schemeClr val="accent2"/>
+              </a:lnRef>
+              <a:fillRef idx="3">
+                <a:schemeClr val="accent2"/>
+              </a:fillRef>
+              <a:effectRef idx="2">
+                <a:schemeClr val="accent2"/>
+              </a:effectRef>
+              <a:fontRef idx="minor">
+                <a:schemeClr val="lt1"/>
+              </a:fontRef>
+            </p:style>
+            <p:txBody>
+              <a:bodyPr rtlCol="0" anchor="ctr"/>
+              <a:lstStyle/>
+              <a:p>
+                <a:pPr algn="ctr"/>
+                <a:endParaRPr lang="fr-FR"/>
+              </a:p>
+            </p:txBody>
+          </p:sp>
+          <p:sp>
+            <p:nvSpPr>
+              <p:cNvPr id="46" name="Ellipse 45"/>
+              <p:cNvSpPr/>
+              <p:nvPr/>
+            </p:nvSpPr>
+            <p:spPr>
+              <a:xfrm>
+                <a:off x="810683" y="5487986"/>
+                <a:ext cx="75142" cy="79375"/>
+              </a:xfrm>
+              <a:prstGeom prst="ellipse">
+                <a:avLst/>
+              </a:prstGeom>
+            </p:spPr>
+            <p:style>
+              <a:lnRef idx="1">
+                <a:schemeClr val="accent2"/>
+              </a:lnRef>
+              <a:fillRef idx="3">
+                <a:schemeClr val="accent2"/>
+              </a:fillRef>
+              <a:effectRef idx="2">
+                <a:schemeClr val="accent2"/>
+              </a:effectRef>
+              <a:fontRef idx="minor">
+                <a:schemeClr val="lt1"/>
+              </a:fontRef>
+            </p:style>
+            <p:txBody>
+              <a:bodyPr rtlCol="0" anchor="ctr"/>
+              <a:lstStyle/>
+              <a:p>
+                <a:pPr algn="ctr"/>
+                <a:endParaRPr lang="fr-FR"/>
+              </a:p>
+            </p:txBody>
+          </p:sp>
+        </p:grpSp>
+        <p:pic>
+          <p:nvPicPr>
+            <p:cNvPr id="39" name="Image 38"/>
+            <p:cNvPicPr>
+              <a:picLocks noChangeAspect="1"/>
+            </p:cNvPicPr>
+            <p:nvPr/>
+          </p:nvPicPr>
+          <p:blipFill rotWithShape="1">
+            <a:blip r:embed="rId4"/>
+            <a:srcRect t="83666" b="4737"/>
+            <a:stretch/>
+          </p:blipFill>
+          <p:spPr>
+            <a:xfrm>
+              <a:off x="7953154" y="4367569"/>
+              <a:ext cx="3543300" cy="220133"/>
+            </a:xfrm>
+            <a:prstGeom prst="rect">
+              <a:avLst/>
+            </a:prstGeom>
+          </p:spPr>
+        </p:pic>
+        <p:pic>
+          <p:nvPicPr>
+            <p:cNvPr id="40" name="Image 39"/>
+            <p:cNvPicPr>
+              <a:picLocks noChangeAspect="1"/>
+            </p:cNvPicPr>
+            <p:nvPr/>
+          </p:nvPicPr>
+          <p:blipFill rotWithShape="1">
+            <a:blip r:embed="rId5"/>
+            <a:srcRect l="3523" t="54895" r="63253" b="39131"/>
+            <a:stretch/>
+          </p:blipFill>
+          <p:spPr>
+            <a:xfrm>
+              <a:off x="7958556" y="6336405"/>
+              <a:ext cx="3537898" cy="152401"/>
+            </a:xfrm>
+            <a:prstGeom prst="rect">
+              <a:avLst/>
+            </a:prstGeom>
+          </p:spPr>
+        </p:pic>
+      </p:grpSp>
+      <p:cxnSp>
+        <p:nvCxnSpPr>
+          <p:cNvPr id="49" name="Connecteur droit avec flèche 48"/>
+          <p:cNvCxnSpPr/>
+          <p:nvPr/>
+        </p:nvCxnSpPr>
+        <p:spPr>
+          <a:xfrm>
+            <a:off x="348171" y="6369311"/>
+            <a:ext cx="115098" cy="1"/>
+          </a:xfrm>
+          <a:prstGeom prst="straightConnector1">
+            <a:avLst/>
+          </a:prstGeom>
+          <a:ln>
+            <a:tailEnd type="triangle"/>
+          </a:ln>
+        </p:spPr>
+        <p:style>
+          <a:lnRef idx="3">
+            <a:schemeClr val="accent1"/>
+          </a:lnRef>
+          <a:fillRef idx="0">
+            <a:schemeClr val="accent1"/>
+          </a:fillRef>
+          <a:effectRef idx="2">
+            <a:schemeClr val="accent1"/>
+          </a:effectRef>
+          <a:fontRef idx="minor">
+            <a:schemeClr val="tx1"/>
+          </a:fontRef>
+        </p:style>
+      </p:cxnSp>
+      <p:sp>
+        <p:nvSpPr>
+          <p:cNvPr id="24" name="Rectangle 23"/>
+          <p:cNvSpPr/>
+          <p:nvPr/>
+        </p:nvSpPr>
+        <p:spPr>
+          <a:xfrm>
+            <a:off x="573857" y="2199142"/>
+            <a:ext cx="2038878" cy="143793"/>
+          </a:xfrm>
+          <a:prstGeom prst="rect">
+            <a:avLst/>
+          </a:prstGeom>
+          <a:solidFill>
+            <a:srgbClr val="70AD47">
+              <a:alpha val="50196"/>
+            </a:srgbClr>
+          </a:solidFill>
+        </p:spPr>
+        <p:style>
+          <a:lnRef idx="2">
+            <a:schemeClr val="accent6">
+              <a:shade val="50000"/>
+            </a:schemeClr>
+          </a:lnRef>
+          <a:fillRef idx="1">
+            <a:schemeClr val="accent6"/>
+          </a:fillRef>
+          <a:effectRef idx="0">
+            <a:schemeClr val="accent6"/>
+          </a:effectRef>
+          <a:fontRef idx="minor">
+            <a:schemeClr val="lt1"/>
+          </a:fontRef>
+        </p:style>
+        <p:txBody>
+          <a:bodyPr rtlCol="0" anchor="ctr"/>
+          <a:lstStyle/>
+          <a:p>
+            <a:pPr algn="ctr"/>
+            <a:endParaRPr lang="fr-FR"/>
+          </a:p>
+        </p:txBody>
+      </p:sp>
+      <p:sp>
+        <p:nvSpPr>
+          <p:cNvPr id="50" name="Rectangle 49"/>
+          <p:cNvSpPr/>
+          <p:nvPr/>
+        </p:nvSpPr>
+        <p:spPr>
+          <a:xfrm>
+            <a:off x="573857" y="1762852"/>
+            <a:ext cx="2038878" cy="143793"/>
+          </a:xfrm>
+          <a:prstGeom prst="rect">
+            <a:avLst/>
+          </a:prstGeom>
+          <a:solidFill>
+            <a:srgbClr val="70AD47">
+              <a:alpha val="50196"/>
+            </a:srgbClr>
+          </a:solidFill>
+        </p:spPr>
+        <p:style>
+          <a:lnRef idx="2">
+            <a:schemeClr val="accent6">
+              <a:shade val="50000"/>
+            </a:schemeClr>
+          </a:lnRef>
+          <a:fillRef idx="1">
+            <a:schemeClr val="accent6"/>
+          </a:fillRef>
+          <a:effectRef idx="0">
+            <a:schemeClr val="accent6"/>
+          </a:effectRef>
+          <a:fontRef idx="minor">
+            <a:schemeClr val="lt1"/>
+          </a:fontRef>
+        </p:style>
+        <p:txBody>
+          <a:bodyPr rtlCol="0" anchor="ctr"/>
+          <a:lstStyle/>
+          <a:p>
+            <a:pPr algn="ctr"/>
+            <a:endParaRPr lang="fr-FR"/>
+          </a:p>
+        </p:txBody>
+      </p:sp>
+      <p:sp>
+        <p:nvSpPr>
+          <p:cNvPr id="51" name="Rectangle 50"/>
+          <p:cNvSpPr/>
+          <p:nvPr/>
+        </p:nvSpPr>
+        <p:spPr>
+          <a:xfrm>
+            <a:off x="582359" y="3952270"/>
+            <a:ext cx="2038878" cy="143793"/>
+          </a:xfrm>
+          <a:prstGeom prst="rect">
+            <a:avLst/>
+          </a:prstGeom>
+          <a:solidFill>
+            <a:srgbClr val="70AD47">
+              <a:alpha val="50196"/>
+            </a:srgbClr>
+          </a:solidFill>
+        </p:spPr>
+        <p:style>
+          <a:lnRef idx="2">
+            <a:schemeClr val="accent6">
+              <a:shade val="50000"/>
+            </a:schemeClr>
+          </a:lnRef>
+          <a:fillRef idx="1">
+            <a:schemeClr val="accent6"/>
+          </a:fillRef>
+          <a:effectRef idx="0">
+            <a:schemeClr val="accent6"/>
+          </a:effectRef>
+          <a:fontRef idx="minor">
+            <a:schemeClr val="lt1"/>
+          </a:fontRef>
+        </p:style>
+        <p:txBody>
+          <a:bodyPr rtlCol="0" anchor="ctr"/>
+          <a:lstStyle/>
+          <a:p>
+            <a:pPr algn="ctr"/>
+            <a:endParaRPr lang="fr-FR"/>
+          </a:p>
+        </p:txBody>
+      </p:sp>
+    </p:spTree>
+    <p:extLst>
+      <p:ext uri="{BB962C8B-B14F-4D97-AF65-F5344CB8AC3E}">
+        <p14:creationId xmlns:p14="http://schemas.microsoft.com/office/powerpoint/2010/main" val="2589713609"/>
+      </p:ext>
+    </p:extLst>
+  </p:cSld>
+  <p:clrMapOvr>
+    <a:masterClrMapping/>
+  </p:clrMapOvr>
+</p:sld>
+</file>
+
+<file path=ppt/slides/slide18.xml><?xml version="1.0" encoding="utf-8"?>
+<p:sld xmlns:a="http://schemas.openxmlformats.org/drawingml/2006/main" xmlns:r="http://schemas.openxmlformats.org/officeDocument/2006/relationships" xmlns:p="http://schemas.openxmlformats.org/presentationml/2006/main">
+  <p:cSld>
+    <p:spTree>
+      <p:nvGrpSpPr>
+        <p:cNvPr id="1" name=""/>
+        <p:cNvGrpSpPr/>
+        <p:nvPr/>
+      </p:nvGrpSpPr>
+      <p:grpSpPr>
+        <a:xfrm>
+          <a:off x="0" y="0"/>
+          <a:ext cx="0" cy="0"/>
+          <a:chOff x="0" y="0"/>
+          <a:chExt cx="0" cy="0"/>
+        </a:xfrm>
+      </p:grpSpPr>
+      <p:sp>
+        <p:nvSpPr>
+          <p:cNvPr id="4" name="Titre 3"/>
+          <p:cNvSpPr>
+            <a:spLocks noGrp="1"/>
+          </p:cNvSpPr>
+          <p:nvPr>
+            <p:ph type="title"/>
+          </p:nvPr>
+        </p:nvSpPr>
+        <p:spPr/>
+        <p:txBody>
+          <a:bodyPr/>
+          <a:lstStyle/>
+          <a:p>
+            <a:r>
               <a:rPr lang="fr-FR" dirty="0" err="1" smtClean="0"/>
               <a:t>Idea</a:t>
             </a:r>
@@ -4476,7 +6086,7 @@
 </p:sld>
 </file>
 
-<file path=ppt/slides/slide15.xml><?xml version="1.0" encoding="utf-8"?>
+<file path=ppt/slides/slide19.xml><?xml version="1.0" encoding="utf-8"?>
 <p:sld xmlns:a="http://schemas.openxmlformats.org/drawingml/2006/main" xmlns:r="http://schemas.openxmlformats.org/officeDocument/2006/relationships" xmlns:p="http://schemas.openxmlformats.org/presentationml/2006/main">
   <p:cSld>
     <p:spTree>

--- a/interactive_proof/counterexample_generalization.pptx
+++ b/interactive_proof/counterexample_generalization.pptx
@@ -22,8 +22,9 @@
     <p:sldId id="272" r:id="rId16"/>
     <p:sldId id="276" r:id="rId17"/>
     <p:sldId id="274" r:id="rId18"/>
-    <p:sldId id="262" r:id="rId19"/>
-    <p:sldId id="261" r:id="rId20"/>
+    <p:sldId id="277" r:id="rId19"/>
+    <p:sldId id="262" r:id="rId20"/>
+    <p:sldId id="261" r:id="rId21"/>
   </p:sldIdLst>
   <p:sldSz cx="12192000" cy="6858000"/>
   <p:notesSz cx="6858000" cy="9144000"/>
@@ -4322,15 +4323,7 @@
             </a:r>
             <a:r>
               <a:rPr lang="fr-FR" dirty="0" smtClean="0"/>
-              <a:t> code &amp; </a:t>
-            </a:r>
-            <a:r>
-              <a:rPr lang="fr-FR" dirty="0" smtClean="0"/>
-              <a:t>conjectures </a:t>
-            </a:r>
-            <a:r>
-              <a:rPr lang="fr-FR" dirty="0" smtClean="0"/>
-              <a:t>to </a:t>
+              <a:t> code &amp; conjectures to </a:t>
             </a:r>
             <a:r>
               <a:rPr lang="fr-FR" dirty="0" err="1" smtClean="0"/>
@@ -4433,7 +4426,7 @@
         <p:spPr/>
         <p:txBody>
           <a:bodyPr>
-            <a:normAutofit fontScale="77500" lnSpcReduction="20000"/>
+            <a:normAutofit fontScale="55000" lnSpcReduction="20000"/>
           </a:bodyPr>
           <a:lstStyle/>
           <a:p>
@@ -4807,6 +4800,185 @@
             <a:r>
               <a:rPr lang="fr-FR" dirty="0" smtClean="0"/>
               <a:t>.</a:t>
+            </a:r>
+          </a:p>
+          <a:p>
+            <a:pPr>
+              <a:lnSpc>
+                <a:spcPct val="150000"/>
+              </a:lnSpc>
+            </a:pPr>
+            <a:endParaRPr lang="fr-FR" dirty="0"/>
+          </a:p>
+          <a:p>
+            <a:pPr>
+              <a:lnSpc>
+                <a:spcPct val="150000"/>
+              </a:lnSpc>
+            </a:pPr>
+            <a:r>
+              <a:rPr lang="fr-FR" dirty="0" smtClean="0"/>
+              <a:t> If, at </a:t>
+            </a:r>
+            <a:r>
+              <a:rPr lang="fr-FR" dirty="0" err="1" smtClean="0"/>
+              <a:t>some</a:t>
+            </a:r>
+            <a:r>
+              <a:rPr lang="fr-FR" dirty="0" smtClean="0"/>
+              <a:t> point </a:t>
+            </a:r>
+            <a:r>
+              <a:rPr lang="fr-FR" dirty="0" err="1" smtClean="0"/>
+              <a:t>during</a:t>
+            </a:r>
+            <a:r>
+              <a:rPr lang="fr-FR" dirty="0" smtClean="0"/>
+              <a:t> the </a:t>
+            </a:r>
+            <a:r>
+              <a:rPr lang="fr-FR" dirty="0" err="1" smtClean="0"/>
+              <a:t>rewind</a:t>
+            </a:r>
+            <a:r>
+              <a:rPr lang="fr-FR" dirty="0" smtClean="0"/>
+              <a:t>, </a:t>
+            </a:r>
+            <a:r>
+              <a:rPr lang="fr-FR" dirty="0" err="1" smtClean="0"/>
+              <a:t>we</a:t>
+            </a:r>
+            <a:r>
+              <a:rPr lang="fr-FR" dirty="0" smtClean="0"/>
+              <a:t> have to express a </a:t>
+            </a:r>
+            <a:r>
+              <a:rPr lang="fr-FR" dirty="0" err="1" smtClean="0"/>
+              <a:t>non-existance</a:t>
+            </a:r>
+            <a:r>
+              <a:rPr lang="fr-FR" dirty="0" smtClean="0"/>
+              <a:t> (</a:t>
+            </a:r>
+            <a:r>
+              <a:rPr lang="fr-FR" dirty="0" err="1" smtClean="0"/>
+              <a:t>that</a:t>
+            </a:r>
+            <a:r>
+              <a:rPr lang="fr-FR" dirty="0" smtClean="0"/>
+              <a:t> </a:t>
+            </a:r>
+            <a:r>
+              <a:rPr lang="fr-FR" dirty="0" err="1" smtClean="0"/>
+              <a:t>would</a:t>
+            </a:r>
+            <a:r>
+              <a:rPr lang="fr-FR" dirty="0" smtClean="0"/>
+              <a:t> </a:t>
+            </a:r>
+            <a:r>
+              <a:rPr lang="fr-FR" dirty="0" err="1" smtClean="0"/>
+              <a:t>require</a:t>
+            </a:r>
+            <a:r>
+              <a:rPr lang="fr-FR" dirty="0" smtClean="0"/>
+              <a:t> a </a:t>
+            </a:r>
+            <a:r>
+              <a:rPr lang="fr-FR" dirty="0" err="1" smtClean="0"/>
+              <a:t>number</a:t>
+            </a:r>
+            <a:r>
+              <a:rPr lang="fr-FR" dirty="0" smtClean="0"/>
+              <a:t> of </a:t>
+            </a:r>
+            <a:r>
+              <a:rPr lang="fr-FR" dirty="0" err="1" smtClean="0"/>
+              <a:t>constraints</a:t>
+            </a:r>
+            <a:r>
+              <a:rPr lang="fr-FR" dirty="0" smtClean="0"/>
+              <a:t> </a:t>
+            </a:r>
+            <a:r>
+              <a:rPr lang="fr-FR" dirty="0" err="1" smtClean="0"/>
+              <a:t>that</a:t>
+            </a:r>
+            <a:r>
+              <a:rPr lang="fr-FR" dirty="0" smtClean="0"/>
+              <a:t> </a:t>
+            </a:r>
+            <a:r>
+              <a:rPr lang="fr-FR" dirty="0" err="1" smtClean="0"/>
+              <a:t>depends</a:t>
+            </a:r>
+            <a:r>
+              <a:rPr lang="fr-FR" dirty="0" smtClean="0"/>
+              <a:t> on the structure), the user </a:t>
+            </a:r>
+            <a:r>
+              <a:rPr lang="fr-FR" dirty="0" err="1" smtClean="0"/>
+              <a:t>should</a:t>
+            </a:r>
+            <a:r>
+              <a:rPr lang="fr-FR" dirty="0" smtClean="0"/>
+              <a:t> </a:t>
+            </a:r>
+            <a:r>
+              <a:rPr lang="fr-FR" dirty="0" err="1" smtClean="0"/>
+              <a:t>be</a:t>
+            </a:r>
+            <a:r>
+              <a:rPr lang="fr-FR" dirty="0" smtClean="0"/>
+              <a:t> </a:t>
+            </a:r>
+            <a:r>
+              <a:rPr lang="fr-FR" dirty="0" err="1" smtClean="0"/>
+              <a:t>informed</a:t>
+            </a:r>
+            <a:r>
+              <a:rPr lang="fr-FR" dirty="0" smtClean="0"/>
+              <a:t> (</a:t>
+            </a:r>
+            <a:r>
+              <a:rPr lang="fr-FR" dirty="0" err="1" smtClean="0"/>
+              <a:t>it</a:t>
+            </a:r>
+            <a:r>
+              <a:rPr lang="fr-FR" dirty="0" smtClean="0"/>
+              <a:t> </a:t>
+            </a:r>
+            <a:r>
+              <a:rPr lang="fr-FR" dirty="0" err="1" smtClean="0"/>
+              <a:t>means</a:t>
+            </a:r>
+            <a:r>
+              <a:rPr lang="fr-FR" dirty="0" smtClean="0"/>
+              <a:t> </a:t>
+            </a:r>
+            <a:r>
+              <a:rPr lang="fr-FR" dirty="0" err="1" smtClean="0"/>
+              <a:t>that</a:t>
+            </a:r>
+            <a:r>
+              <a:rPr lang="fr-FR" dirty="0" smtClean="0"/>
+              <a:t> the new conjecture </a:t>
+            </a:r>
+            <a:r>
+              <a:rPr lang="fr-FR" dirty="0" err="1" smtClean="0"/>
+              <a:t>would</a:t>
+            </a:r>
+            <a:r>
+              <a:rPr lang="fr-FR" dirty="0" smtClean="0"/>
+              <a:t> </a:t>
+            </a:r>
+            <a:r>
+              <a:rPr lang="fr-FR" dirty="0" err="1" smtClean="0"/>
+              <a:t>need</a:t>
+            </a:r>
+            <a:r>
+              <a:rPr lang="fr-FR" dirty="0" smtClean="0"/>
+              <a:t> quantifier alternation).</a:t>
             </a:r>
             <a:endParaRPr lang="fr-FR" dirty="0"/>
           </a:p>
@@ -5122,295 +5294,6 @@
           </a:fontRef>
         </p:style>
       </p:cxnSp>
-      <p:grpSp>
-        <p:nvGrpSpPr>
-          <p:cNvPr id="8" name="Groupe 7"/>
-          <p:cNvGrpSpPr/>
-          <p:nvPr/>
-        </p:nvGrpSpPr>
-        <p:grpSpPr>
-          <a:xfrm>
-            <a:off x="4092294" y="4267125"/>
-            <a:ext cx="3565585" cy="2121237"/>
-            <a:chOff x="7930869" y="4367569"/>
-            <a:chExt cx="3565585" cy="2121237"/>
-          </a:xfrm>
-        </p:grpSpPr>
-        <p:grpSp>
-          <p:nvGrpSpPr>
-            <p:cNvPr id="9" name="Groupe 8"/>
-            <p:cNvGrpSpPr/>
-            <p:nvPr/>
-          </p:nvGrpSpPr>
-          <p:grpSpPr>
-            <a:xfrm>
-              <a:off x="7930869" y="4639733"/>
-              <a:ext cx="3565585" cy="1647997"/>
-              <a:chOff x="708803" y="4563533"/>
-              <a:chExt cx="3565585" cy="1647997"/>
-            </a:xfrm>
-          </p:grpSpPr>
-          <p:pic>
-            <p:nvPicPr>
-              <p:cNvPr id="12" name="Image 11"/>
-              <p:cNvPicPr>
-                <a:picLocks noChangeAspect="1"/>
-              </p:cNvPicPr>
-              <p:nvPr/>
-            </p:nvPicPr>
-            <p:blipFill rotWithShape="1">
-              <a:blip r:embed="rId6"/>
-              <a:srcRect t="44083"/>
-              <a:stretch/>
-            </p:blipFill>
-            <p:spPr>
-              <a:xfrm>
-                <a:off x="708803" y="4563533"/>
-                <a:ext cx="3565585" cy="1647997"/>
-              </a:xfrm>
-              <a:prstGeom prst="rect">
-                <a:avLst/>
-              </a:prstGeom>
-            </p:spPr>
-          </p:pic>
-          <p:sp>
-            <p:nvSpPr>
-              <p:cNvPr id="13" name="Ellipse 12"/>
-              <p:cNvSpPr/>
-              <p:nvPr/>
-            </p:nvSpPr>
-            <p:spPr>
-              <a:xfrm>
-                <a:off x="810683" y="5073650"/>
-                <a:ext cx="75142" cy="79375"/>
-              </a:xfrm>
-              <a:prstGeom prst="ellipse">
-                <a:avLst/>
-              </a:prstGeom>
-            </p:spPr>
-            <p:style>
-              <a:lnRef idx="1">
-                <a:schemeClr val="accent2"/>
-              </a:lnRef>
-              <a:fillRef idx="3">
-                <a:schemeClr val="accent2"/>
-              </a:fillRef>
-              <a:effectRef idx="2">
-                <a:schemeClr val="accent2"/>
-              </a:effectRef>
-              <a:fontRef idx="minor">
-                <a:schemeClr val="lt1"/>
-              </a:fontRef>
-            </p:style>
-            <p:txBody>
-              <a:bodyPr rtlCol="0" anchor="ctr"/>
-              <a:lstStyle/>
-              <a:p>
-                <a:pPr algn="ctr"/>
-                <a:endParaRPr lang="fr-FR"/>
-              </a:p>
-            </p:txBody>
-          </p:sp>
-          <p:sp>
-            <p:nvSpPr>
-              <p:cNvPr id="14" name="Ellipse 13"/>
-              <p:cNvSpPr/>
-              <p:nvPr/>
-            </p:nvSpPr>
-            <p:spPr>
-              <a:xfrm>
-                <a:off x="810683" y="5211762"/>
-                <a:ext cx="75142" cy="79375"/>
-              </a:xfrm>
-              <a:prstGeom prst="ellipse">
-                <a:avLst/>
-              </a:prstGeom>
-            </p:spPr>
-            <p:style>
-              <a:lnRef idx="1">
-                <a:schemeClr val="accent2"/>
-              </a:lnRef>
-              <a:fillRef idx="3">
-                <a:schemeClr val="accent2"/>
-              </a:fillRef>
-              <a:effectRef idx="2">
-                <a:schemeClr val="accent2"/>
-              </a:effectRef>
-              <a:fontRef idx="minor">
-                <a:schemeClr val="lt1"/>
-              </a:fontRef>
-            </p:style>
-            <p:txBody>
-              <a:bodyPr rtlCol="0" anchor="ctr"/>
-              <a:lstStyle/>
-              <a:p>
-                <a:pPr algn="ctr"/>
-                <a:endParaRPr lang="fr-FR"/>
-              </a:p>
-            </p:txBody>
-          </p:sp>
-          <p:sp>
-            <p:nvSpPr>
-              <p:cNvPr id="15" name="Ellipse 14"/>
-              <p:cNvSpPr/>
-              <p:nvPr/>
-            </p:nvSpPr>
-            <p:spPr>
-              <a:xfrm>
-                <a:off x="810683" y="5349874"/>
-                <a:ext cx="75142" cy="79375"/>
-              </a:xfrm>
-              <a:prstGeom prst="ellipse">
-                <a:avLst/>
-              </a:prstGeom>
-            </p:spPr>
-            <p:style>
-              <a:lnRef idx="1">
-                <a:schemeClr val="accent2"/>
-              </a:lnRef>
-              <a:fillRef idx="3">
-                <a:schemeClr val="accent2"/>
-              </a:fillRef>
-              <a:effectRef idx="2">
-                <a:schemeClr val="accent2"/>
-              </a:effectRef>
-              <a:fontRef idx="minor">
-                <a:schemeClr val="lt1"/>
-              </a:fontRef>
-            </p:style>
-            <p:txBody>
-              <a:bodyPr rtlCol="0" anchor="ctr"/>
-              <a:lstStyle/>
-              <a:p>
-                <a:pPr algn="ctr"/>
-                <a:endParaRPr lang="fr-FR"/>
-              </a:p>
-            </p:txBody>
-          </p:sp>
-          <p:sp>
-            <p:nvSpPr>
-              <p:cNvPr id="16" name="Ellipse 15"/>
-              <p:cNvSpPr/>
-              <p:nvPr/>
-            </p:nvSpPr>
-            <p:spPr>
-              <a:xfrm>
-                <a:off x="810683" y="4935538"/>
-                <a:ext cx="75142" cy="79375"/>
-              </a:xfrm>
-              <a:prstGeom prst="ellipse">
-                <a:avLst/>
-              </a:prstGeom>
-            </p:spPr>
-            <p:style>
-              <a:lnRef idx="1">
-                <a:schemeClr val="accent2"/>
-              </a:lnRef>
-              <a:fillRef idx="3">
-                <a:schemeClr val="accent2"/>
-              </a:fillRef>
-              <a:effectRef idx="2">
-                <a:schemeClr val="accent2"/>
-              </a:effectRef>
-              <a:fontRef idx="minor">
-                <a:schemeClr val="lt1"/>
-              </a:fontRef>
-            </p:style>
-            <p:txBody>
-              <a:bodyPr rtlCol="0" anchor="ctr"/>
-              <a:lstStyle/>
-              <a:p>
-                <a:pPr algn="ctr"/>
-                <a:endParaRPr lang="fr-FR"/>
-              </a:p>
-            </p:txBody>
-          </p:sp>
-          <p:sp>
-            <p:nvSpPr>
-              <p:cNvPr id="17" name="Ellipse 16"/>
-              <p:cNvSpPr/>
-              <p:nvPr/>
-            </p:nvSpPr>
-            <p:spPr>
-              <a:xfrm>
-                <a:off x="810683" y="5487986"/>
-                <a:ext cx="75142" cy="79375"/>
-              </a:xfrm>
-              <a:prstGeom prst="ellipse">
-                <a:avLst/>
-              </a:prstGeom>
-            </p:spPr>
-            <p:style>
-              <a:lnRef idx="1">
-                <a:schemeClr val="accent2"/>
-              </a:lnRef>
-              <a:fillRef idx="3">
-                <a:schemeClr val="accent2"/>
-              </a:fillRef>
-              <a:effectRef idx="2">
-                <a:schemeClr val="accent2"/>
-              </a:effectRef>
-              <a:fontRef idx="minor">
-                <a:schemeClr val="lt1"/>
-              </a:fontRef>
-            </p:style>
-            <p:txBody>
-              <a:bodyPr rtlCol="0" anchor="ctr"/>
-              <a:lstStyle/>
-              <a:p>
-                <a:pPr algn="ctr"/>
-                <a:endParaRPr lang="fr-FR"/>
-              </a:p>
-            </p:txBody>
-          </p:sp>
-        </p:grpSp>
-        <p:pic>
-          <p:nvPicPr>
-            <p:cNvPr id="10" name="Image 9"/>
-            <p:cNvPicPr>
-              <a:picLocks noChangeAspect="1"/>
-            </p:cNvPicPr>
-            <p:nvPr/>
-          </p:nvPicPr>
-          <p:blipFill rotWithShape="1">
-            <a:blip r:embed="rId7"/>
-            <a:srcRect t="83666" b="4737"/>
-            <a:stretch/>
-          </p:blipFill>
-          <p:spPr>
-            <a:xfrm>
-              <a:off x="7953154" y="4367569"/>
-              <a:ext cx="3543300" cy="220133"/>
-            </a:xfrm>
-            <a:prstGeom prst="rect">
-              <a:avLst/>
-            </a:prstGeom>
-          </p:spPr>
-        </p:pic>
-        <p:pic>
-          <p:nvPicPr>
-            <p:cNvPr id="11" name="Image 10"/>
-            <p:cNvPicPr>
-              <a:picLocks noChangeAspect="1"/>
-            </p:cNvPicPr>
-            <p:nvPr/>
-          </p:nvPicPr>
-          <p:blipFill rotWithShape="1">
-            <a:blip r:embed="rId8"/>
-            <a:srcRect l="3523" t="54895" r="63253" b="39131"/>
-            <a:stretch/>
-          </p:blipFill>
-          <p:spPr>
-            <a:xfrm>
-              <a:off x="7958556" y="6336405"/>
-              <a:ext cx="3537898" cy="152401"/>
-            </a:xfrm>
-            <a:prstGeom prst="rect">
-              <a:avLst/>
-            </a:prstGeom>
-          </p:spPr>
-        </p:pic>
-      </p:grpSp>
       <p:pic>
         <p:nvPicPr>
           <p:cNvPr id="18" name="Image 17"/>
@@ -5420,7 +5303,7 @@
           <p:nvPr/>
         </p:nvPicPr>
         <p:blipFill>
-          <a:blip r:embed="rId9"/>
+          <a:blip r:embed="rId6"/>
           <a:stretch>
             <a:fillRect/>
           </a:stretch>
@@ -5435,6 +5318,348 @@
           </a:prstGeom>
         </p:spPr>
       </p:pic>
+      <p:grpSp>
+        <p:nvGrpSpPr>
+          <p:cNvPr id="6" name="Groupe 5"/>
+          <p:cNvGrpSpPr/>
+          <p:nvPr/>
+        </p:nvGrpSpPr>
+        <p:grpSpPr>
+          <a:xfrm>
+            <a:off x="4092294" y="4267125"/>
+            <a:ext cx="3565585" cy="2121237"/>
+            <a:chOff x="4092294" y="4267125"/>
+            <a:chExt cx="3565585" cy="2121237"/>
+          </a:xfrm>
+        </p:grpSpPr>
+        <p:grpSp>
+          <p:nvGrpSpPr>
+            <p:cNvPr id="8" name="Groupe 7"/>
+            <p:cNvGrpSpPr/>
+            <p:nvPr/>
+          </p:nvGrpSpPr>
+          <p:grpSpPr>
+            <a:xfrm>
+              <a:off x="4092294" y="4267125"/>
+              <a:ext cx="3565585" cy="2121237"/>
+              <a:chOff x="7930869" y="4367569"/>
+              <a:chExt cx="3565585" cy="2121237"/>
+            </a:xfrm>
+          </p:grpSpPr>
+          <p:grpSp>
+            <p:nvGrpSpPr>
+              <p:cNvPr id="9" name="Groupe 8"/>
+              <p:cNvGrpSpPr/>
+              <p:nvPr/>
+            </p:nvGrpSpPr>
+            <p:grpSpPr>
+              <a:xfrm>
+                <a:off x="7930869" y="4639733"/>
+                <a:ext cx="3565585" cy="1647997"/>
+                <a:chOff x="708803" y="4563533"/>
+                <a:chExt cx="3565585" cy="1647997"/>
+              </a:xfrm>
+            </p:grpSpPr>
+            <p:pic>
+              <p:nvPicPr>
+                <p:cNvPr id="12" name="Image 11"/>
+                <p:cNvPicPr>
+                  <a:picLocks noChangeAspect="1"/>
+                </p:cNvPicPr>
+                <p:nvPr/>
+              </p:nvPicPr>
+              <p:blipFill rotWithShape="1">
+                <a:blip r:embed="rId7"/>
+                <a:srcRect t="44083"/>
+                <a:stretch/>
+              </p:blipFill>
+              <p:spPr>
+                <a:xfrm>
+                  <a:off x="708803" y="4563533"/>
+                  <a:ext cx="3565585" cy="1647997"/>
+                </a:xfrm>
+                <a:prstGeom prst="rect">
+                  <a:avLst/>
+                </a:prstGeom>
+              </p:spPr>
+            </p:pic>
+            <p:sp>
+              <p:nvSpPr>
+                <p:cNvPr id="13" name="Ellipse 12"/>
+                <p:cNvSpPr/>
+                <p:nvPr/>
+              </p:nvSpPr>
+              <p:spPr>
+                <a:xfrm>
+                  <a:off x="810683" y="5073650"/>
+                  <a:ext cx="75142" cy="79375"/>
+                </a:xfrm>
+                <a:prstGeom prst="ellipse">
+                  <a:avLst/>
+                </a:prstGeom>
+              </p:spPr>
+              <p:style>
+                <a:lnRef idx="1">
+                  <a:schemeClr val="accent2"/>
+                </a:lnRef>
+                <a:fillRef idx="3">
+                  <a:schemeClr val="accent2"/>
+                </a:fillRef>
+                <a:effectRef idx="2">
+                  <a:schemeClr val="accent2"/>
+                </a:effectRef>
+                <a:fontRef idx="minor">
+                  <a:schemeClr val="lt1"/>
+                </a:fontRef>
+              </p:style>
+              <p:txBody>
+                <a:bodyPr rtlCol="0" anchor="ctr"/>
+                <a:lstStyle/>
+                <a:p>
+                  <a:pPr algn="ctr"/>
+                  <a:endParaRPr lang="fr-FR"/>
+                </a:p>
+              </p:txBody>
+            </p:sp>
+            <p:sp>
+              <p:nvSpPr>
+                <p:cNvPr id="14" name="Ellipse 13"/>
+                <p:cNvSpPr/>
+                <p:nvPr/>
+              </p:nvSpPr>
+              <p:spPr>
+                <a:xfrm>
+                  <a:off x="810683" y="5211762"/>
+                  <a:ext cx="75142" cy="79375"/>
+                </a:xfrm>
+                <a:prstGeom prst="ellipse">
+                  <a:avLst/>
+                </a:prstGeom>
+              </p:spPr>
+              <p:style>
+                <a:lnRef idx="1">
+                  <a:schemeClr val="accent2"/>
+                </a:lnRef>
+                <a:fillRef idx="3">
+                  <a:schemeClr val="accent2"/>
+                </a:fillRef>
+                <a:effectRef idx="2">
+                  <a:schemeClr val="accent2"/>
+                </a:effectRef>
+                <a:fontRef idx="minor">
+                  <a:schemeClr val="lt1"/>
+                </a:fontRef>
+              </p:style>
+              <p:txBody>
+                <a:bodyPr rtlCol="0" anchor="ctr"/>
+                <a:lstStyle/>
+                <a:p>
+                  <a:pPr algn="ctr"/>
+                  <a:endParaRPr lang="fr-FR"/>
+                </a:p>
+              </p:txBody>
+            </p:sp>
+            <p:sp>
+              <p:nvSpPr>
+                <p:cNvPr id="15" name="Ellipse 14"/>
+                <p:cNvSpPr/>
+                <p:nvPr/>
+              </p:nvSpPr>
+              <p:spPr>
+                <a:xfrm>
+                  <a:off x="810683" y="5349874"/>
+                  <a:ext cx="75142" cy="79375"/>
+                </a:xfrm>
+                <a:prstGeom prst="ellipse">
+                  <a:avLst/>
+                </a:prstGeom>
+              </p:spPr>
+              <p:style>
+                <a:lnRef idx="1">
+                  <a:schemeClr val="accent2"/>
+                </a:lnRef>
+                <a:fillRef idx="3">
+                  <a:schemeClr val="accent2"/>
+                </a:fillRef>
+                <a:effectRef idx="2">
+                  <a:schemeClr val="accent2"/>
+                </a:effectRef>
+                <a:fontRef idx="minor">
+                  <a:schemeClr val="lt1"/>
+                </a:fontRef>
+              </p:style>
+              <p:txBody>
+                <a:bodyPr rtlCol="0" anchor="ctr"/>
+                <a:lstStyle/>
+                <a:p>
+                  <a:pPr algn="ctr"/>
+                  <a:endParaRPr lang="fr-FR"/>
+                </a:p>
+              </p:txBody>
+            </p:sp>
+            <p:sp>
+              <p:nvSpPr>
+                <p:cNvPr id="16" name="Ellipse 15"/>
+                <p:cNvSpPr/>
+                <p:nvPr/>
+              </p:nvSpPr>
+              <p:spPr>
+                <a:xfrm>
+                  <a:off x="810683" y="4935538"/>
+                  <a:ext cx="75142" cy="79375"/>
+                </a:xfrm>
+                <a:prstGeom prst="ellipse">
+                  <a:avLst/>
+                </a:prstGeom>
+              </p:spPr>
+              <p:style>
+                <a:lnRef idx="1">
+                  <a:schemeClr val="accent2"/>
+                </a:lnRef>
+                <a:fillRef idx="3">
+                  <a:schemeClr val="accent2"/>
+                </a:fillRef>
+                <a:effectRef idx="2">
+                  <a:schemeClr val="accent2"/>
+                </a:effectRef>
+                <a:fontRef idx="minor">
+                  <a:schemeClr val="lt1"/>
+                </a:fontRef>
+              </p:style>
+              <p:txBody>
+                <a:bodyPr rtlCol="0" anchor="ctr"/>
+                <a:lstStyle/>
+                <a:p>
+                  <a:pPr algn="ctr"/>
+                  <a:endParaRPr lang="fr-FR"/>
+                </a:p>
+              </p:txBody>
+            </p:sp>
+            <p:sp>
+              <p:nvSpPr>
+                <p:cNvPr id="17" name="Ellipse 16"/>
+                <p:cNvSpPr/>
+                <p:nvPr/>
+              </p:nvSpPr>
+              <p:spPr>
+                <a:xfrm>
+                  <a:off x="810683" y="5487986"/>
+                  <a:ext cx="75142" cy="79375"/>
+                </a:xfrm>
+                <a:prstGeom prst="ellipse">
+                  <a:avLst/>
+                </a:prstGeom>
+              </p:spPr>
+              <p:style>
+                <a:lnRef idx="1">
+                  <a:schemeClr val="accent2"/>
+                </a:lnRef>
+                <a:fillRef idx="3">
+                  <a:schemeClr val="accent2"/>
+                </a:fillRef>
+                <a:effectRef idx="2">
+                  <a:schemeClr val="accent2"/>
+                </a:effectRef>
+                <a:fontRef idx="minor">
+                  <a:schemeClr val="lt1"/>
+                </a:fontRef>
+              </p:style>
+              <p:txBody>
+                <a:bodyPr rtlCol="0" anchor="ctr"/>
+                <a:lstStyle/>
+                <a:p>
+                  <a:pPr algn="ctr"/>
+                  <a:endParaRPr lang="fr-FR"/>
+                </a:p>
+              </p:txBody>
+            </p:sp>
+          </p:grpSp>
+          <p:pic>
+            <p:nvPicPr>
+              <p:cNvPr id="10" name="Image 9"/>
+              <p:cNvPicPr>
+                <a:picLocks noChangeAspect="1"/>
+              </p:cNvPicPr>
+              <p:nvPr/>
+            </p:nvPicPr>
+            <p:blipFill rotWithShape="1">
+              <a:blip r:embed="rId8"/>
+              <a:srcRect t="83666" b="4737"/>
+              <a:stretch/>
+            </p:blipFill>
+            <p:spPr>
+              <a:xfrm>
+                <a:off x="7953154" y="4367569"/>
+                <a:ext cx="3543300" cy="220133"/>
+              </a:xfrm>
+              <a:prstGeom prst="rect">
+                <a:avLst/>
+              </a:prstGeom>
+            </p:spPr>
+          </p:pic>
+          <p:pic>
+            <p:nvPicPr>
+              <p:cNvPr id="11" name="Image 10"/>
+              <p:cNvPicPr>
+                <a:picLocks noChangeAspect="1"/>
+              </p:cNvPicPr>
+              <p:nvPr/>
+            </p:nvPicPr>
+            <p:blipFill rotWithShape="1">
+              <a:blip r:embed="rId9"/>
+              <a:srcRect l="3523" t="54895" r="63253" b="39131"/>
+              <a:stretch/>
+            </p:blipFill>
+            <p:spPr>
+              <a:xfrm>
+                <a:off x="7958556" y="6336405"/>
+                <a:ext cx="3537898" cy="152401"/>
+              </a:xfrm>
+              <a:prstGeom prst="rect">
+                <a:avLst/>
+              </a:prstGeom>
+            </p:spPr>
+          </p:pic>
+        </p:grpSp>
+        <p:sp>
+          <p:nvSpPr>
+            <p:cNvPr id="19" name="Ellipse 18"/>
+            <p:cNvSpPr/>
+            <p:nvPr/>
+          </p:nvSpPr>
+          <p:spPr>
+            <a:xfrm>
+              <a:off x="4194174" y="5702261"/>
+              <a:ext cx="75142" cy="79375"/>
+            </a:xfrm>
+            <a:prstGeom prst="ellipse">
+              <a:avLst/>
+            </a:prstGeom>
+          </p:spPr>
+          <p:style>
+            <a:lnRef idx="1">
+              <a:schemeClr val="accent2"/>
+            </a:lnRef>
+            <a:fillRef idx="3">
+              <a:schemeClr val="accent2"/>
+            </a:fillRef>
+            <a:effectRef idx="2">
+              <a:schemeClr val="accent2"/>
+            </a:effectRef>
+            <a:fontRef idx="minor">
+              <a:schemeClr val="lt1"/>
+            </a:fontRef>
+          </p:style>
+          <p:txBody>
+            <a:bodyPr rtlCol="0" anchor="ctr"/>
+            <a:lstStyle/>
+            <a:p>
+              <a:pPr algn="ctr"/>
+              <a:endParaRPr lang="fr-FR"/>
+            </a:p>
+          </p:txBody>
+        </p:sp>
+      </p:grpSp>
     </p:spTree>
     <p:extLst>
       <p:ext uri="{BB962C8B-B14F-4D97-AF65-F5344CB8AC3E}">
@@ -5465,53 +5690,6 @@
           <a:chExt cx="0" cy="0"/>
         </a:xfrm>
       </p:grpSpPr>
-      <p:sp>
-        <p:nvSpPr>
-          <p:cNvPr id="15" name="Rectangle 14"/>
-          <p:cNvSpPr/>
-          <p:nvPr/>
-        </p:nvSpPr>
-        <p:spPr>
-          <a:xfrm>
-            <a:off x="7278679" y="261821"/>
-            <a:ext cx="2038878" cy="143793"/>
-          </a:xfrm>
-          <a:prstGeom prst="rect">
-            <a:avLst/>
-          </a:prstGeom>
-          <a:solidFill>
-            <a:schemeClr val="accent6">
-              <a:lumMod val="40000"/>
-              <a:lumOff val="60000"/>
-              <a:alpha val="50196"/>
-            </a:schemeClr>
-          </a:solidFill>
-        </p:spPr>
-        <p:style>
-          <a:lnRef idx="2">
-            <a:schemeClr val="accent6">
-              <a:shade val="50000"/>
-            </a:schemeClr>
-          </a:lnRef>
-          <a:fillRef idx="1">
-            <a:schemeClr val="accent6"/>
-          </a:fillRef>
-          <a:effectRef idx="0">
-            <a:schemeClr val="accent6"/>
-          </a:effectRef>
-          <a:fontRef idx="minor">
-            <a:schemeClr val="lt1"/>
-          </a:fontRef>
-        </p:style>
-        <p:txBody>
-          <a:bodyPr rtlCol="0" anchor="ctr"/>
-          <a:lstStyle/>
-          <a:p>
-            <a:pPr algn="ctr"/>
-            <a:endParaRPr lang="fr-FR"/>
-          </a:p>
-        </p:txBody>
-      </p:sp>
       <p:pic>
         <p:nvPicPr>
           <p:cNvPr id="36" name="Image 35"/>
@@ -5536,295 +5714,6 @@
           </a:prstGeom>
         </p:spPr>
       </p:pic>
-      <p:grpSp>
-        <p:nvGrpSpPr>
-          <p:cNvPr id="37" name="Groupe 36"/>
-          <p:cNvGrpSpPr/>
-          <p:nvPr/>
-        </p:nvGrpSpPr>
-        <p:grpSpPr>
-          <a:xfrm>
-            <a:off x="463269" y="4324275"/>
-            <a:ext cx="3565585" cy="2121237"/>
-            <a:chOff x="7930869" y="4367569"/>
-            <a:chExt cx="3565585" cy="2121237"/>
-          </a:xfrm>
-        </p:grpSpPr>
-        <p:grpSp>
-          <p:nvGrpSpPr>
-            <p:cNvPr id="38" name="Groupe 37"/>
-            <p:cNvGrpSpPr/>
-            <p:nvPr/>
-          </p:nvGrpSpPr>
-          <p:grpSpPr>
-            <a:xfrm>
-              <a:off x="7930869" y="4639733"/>
-              <a:ext cx="3565585" cy="1647997"/>
-              <a:chOff x="708803" y="4563533"/>
-              <a:chExt cx="3565585" cy="1647997"/>
-            </a:xfrm>
-          </p:grpSpPr>
-          <p:pic>
-            <p:nvPicPr>
-              <p:cNvPr id="41" name="Image 40"/>
-              <p:cNvPicPr>
-                <a:picLocks noChangeAspect="1"/>
-              </p:cNvPicPr>
-              <p:nvPr/>
-            </p:nvPicPr>
-            <p:blipFill rotWithShape="1">
-              <a:blip r:embed="rId3"/>
-              <a:srcRect t="44083"/>
-              <a:stretch/>
-            </p:blipFill>
-            <p:spPr>
-              <a:xfrm>
-                <a:off x="708803" y="4563533"/>
-                <a:ext cx="3565585" cy="1647997"/>
-              </a:xfrm>
-              <a:prstGeom prst="rect">
-                <a:avLst/>
-              </a:prstGeom>
-            </p:spPr>
-          </p:pic>
-          <p:sp>
-            <p:nvSpPr>
-              <p:cNvPr id="42" name="Ellipse 41"/>
-              <p:cNvSpPr/>
-              <p:nvPr/>
-            </p:nvSpPr>
-            <p:spPr>
-              <a:xfrm>
-                <a:off x="810683" y="5073650"/>
-                <a:ext cx="75142" cy="79375"/>
-              </a:xfrm>
-              <a:prstGeom prst="ellipse">
-                <a:avLst/>
-              </a:prstGeom>
-            </p:spPr>
-            <p:style>
-              <a:lnRef idx="1">
-                <a:schemeClr val="accent2"/>
-              </a:lnRef>
-              <a:fillRef idx="3">
-                <a:schemeClr val="accent2"/>
-              </a:fillRef>
-              <a:effectRef idx="2">
-                <a:schemeClr val="accent2"/>
-              </a:effectRef>
-              <a:fontRef idx="minor">
-                <a:schemeClr val="lt1"/>
-              </a:fontRef>
-            </p:style>
-            <p:txBody>
-              <a:bodyPr rtlCol="0" anchor="ctr"/>
-              <a:lstStyle/>
-              <a:p>
-                <a:pPr algn="ctr"/>
-                <a:endParaRPr lang="fr-FR"/>
-              </a:p>
-            </p:txBody>
-          </p:sp>
-          <p:sp>
-            <p:nvSpPr>
-              <p:cNvPr id="43" name="Ellipse 42"/>
-              <p:cNvSpPr/>
-              <p:nvPr/>
-            </p:nvSpPr>
-            <p:spPr>
-              <a:xfrm>
-                <a:off x="810683" y="5211762"/>
-                <a:ext cx="75142" cy="79375"/>
-              </a:xfrm>
-              <a:prstGeom prst="ellipse">
-                <a:avLst/>
-              </a:prstGeom>
-            </p:spPr>
-            <p:style>
-              <a:lnRef idx="1">
-                <a:schemeClr val="accent2"/>
-              </a:lnRef>
-              <a:fillRef idx="3">
-                <a:schemeClr val="accent2"/>
-              </a:fillRef>
-              <a:effectRef idx="2">
-                <a:schemeClr val="accent2"/>
-              </a:effectRef>
-              <a:fontRef idx="minor">
-                <a:schemeClr val="lt1"/>
-              </a:fontRef>
-            </p:style>
-            <p:txBody>
-              <a:bodyPr rtlCol="0" anchor="ctr"/>
-              <a:lstStyle/>
-              <a:p>
-                <a:pPr algn="ctr"/>
-                <a:endParaRPr lang="fr-FR"/>
-              </a:p>
-            </p:txBody>
-          </p:sp>
-          <p:sp>
-            <p:nvSpPr>
-              <p:cNvPr id="44" name="Ellipse 43"/>
-              <p:cNvSpPr/>
-              <p:nvPr/>
-            </p:nvSpPr>
-            <p:spPr>
-              <a:xfrm>
-                <a:off x="810683" y="5349874"/>
-                <a:ext cx="75142" cy="79375"/>
-              </a:xfrm>
-              <a:prstGeom prst="ellipse">
-                <a:avLst/>
-              </a:prstGeom>
-            </p:spPr>
-            <p:style>
-              <a:lnRef idx="1">
-                <a:schemeClr val="accent2"/>
-              </a:lnRef>
-              <a:fillRef idx="3">
-                <a:schemeClr val="accent2"/>
-              </a:fillRef>
-              <a:effectRef idx="2">
-                <a:schemeClr val="accent2"/>
-              </a:effectRef>
-              <a:fontRef idx="minor">
-                <a:schemeClr val="lt1"/>
-              </a:fontRef>
-            </p:style>
-            <p:txBody>
-              <a:bodyPr rtlCol="0" anchor="ctr"/>
-              <a:lstStyle/>
-              <a:p>
-                <a:pPr algn="ctr"/>
-                <a:endParaRPr lang="fr-FR"/>
-              </a:p>
-            </p:txBody>
-          </p:sp>
-          <p:sp>
-            <p:nvSpPr>
-              <p:cNvPr id="45" name="Ellipse 44"/>
-              <p:cNvSpPr/>
-              <p:nvPr/>
-            </p:nvSpPr>
-            <p:spPr>
-              <a:xfrm>
-                <a:off x="810683" y="4935538"/>
-                <a:ext cx="75142" cy="79375"/>
-              </a:xfrm>
-              <a:prstGeom prst="ellipse">
-                <a:avLst/>
-              </a:prstGeom>
-            </p:spPr>
-            <p:style>
-              <a:lnRef idx="1">
-                <a:schemeClr val="accent2"/>
-              </a:lnRef>
-              <a:fillRef idx="3">
-                <a:schemeClr val="accent2"/>
-              </a:fillRef>
-              <a:effectRef idx="2">
-                <a:schemeClr val="accent2"/>
-              </a:effectRef>
-              <a:fontRef idx="minor">
-                <a:schemeClr val="lt1"/>
-              </a:fontRef>
-            </p:style>
-            <p:txBody>
-              <a:bodyPr rtlCol="0" anchor="ctr"/>
-              <a:lstStyle/>
-              <a:p>
-                <a:pPr algn="ctr"/>
-                <a:endParaRPr lang="fr-FR"/>
-              </a:p>
-            </p:txBody>
-          </p:sp>
-          <p:sp>
-            <p:nvSpPr>
-              <p:cNvPr id="46" name="Ellipse 45"/>
-              <p:cNvSpPr/>
-              <p:nvPr/>
-            </p:nvSpPr>
-            <p:spPr>
-              <a:xfrm>
-                <a:off x="810683" y="5487986"/>
-                <a:ext cx="75142" cy="79375"/>
-              </a:xfrm>
-              <a:prstGeom prst="ellipse">
-                <a:avLst/>
-              </a:prstGeom>
-            </p:spPr>
-            <p:style>
-              <a:lnRef idx="1">
-                <a:schemeClr val="accent2"/>
-              </a:lnRef>
-              <a:fillRef idx="3">
-                <a:schemeClr val="accent2"/>
-              </a:fillRef>
-              <a:effectRef idx="2">
-                <a:schemeClr val="accent2"/>
-              </a:effectRef>
-              <a:fontRef idx="minor">
-                <a:schemeClr val="lt1"/>
-              </a:fontRef>
-            </p:style>
-            <p:txBody>
-              <a:bodyPr rtlCol="0" anchor="ctr"/>
-              <a:lstStyle/>
-              <a:p>
-                <a:pPr algn="ctr"/>
-                <a:endParaRPr lang="fr-FR"/>
-              </a:p>
-            </p:txBody>
-          </p:sp>
-        </p:grpSp>
-        <p:pic>
-          <p:nvPicPr>
-            <p:cNvPr id="39" name="Image 38"/>
-            <p:cNvPicPr>
-              <a:picLocks noChangeAspect="1"/>
-            </p:cNvPicPr>
-            <p:nvPr/>
-          </p:nvPicPr>
-          <p:blipFill rotWithShape="1">
-            <a:blip r:embed="rId4"/>
-            <a:srcRect t="83666" b="4737"/>
-            <a:stretch/>
-          </p:blipFill>
-          <p:spPr>
-            <a:xfrm>
-              <a:off x="7953154" y="4367569"/>
-              <a:ext cx="3543300" cy="220133"/>
-            </a:xfrm>
-            <a:prstGeom prst="rect">
-              <a:avLst/>
-            </a:prstGeom>
-          </p:spPr>
-        </p:pic>
-        <p:pic>
-          <p:nvPicPr>
-            <p:cNvPr id="40" name="Image 39"/>
-            <p:cNvPicPr>
-              <a:picLocks noChangeAspect="1"/>
-            </p:cNvPicPr>
-            <p:nvPr/>
-          </p:nvPicPr>
-          <p:blipFill rotWithShape="1">
-            <a:blip r:embed="rId5"/>
-            <a:srcRect l="3523" t="54895" r="63253" b="39131"/>
-            <a:stretch/>
-          </p:blipFill>
-          <p:spPr>
-            <a:xfrm>
-              <a:off x="7958556" y="6336405"/>
-              <a:ext cx="3537898" cy="152401"/>
-            </a:xfrm>
-            <a:prstGeom prst="rect">
-              <a:avLst/>
-            </a:prstGeom>
-          </p:spPr>
-        </p:pic>
-      </p:grpSp>
       <p:cxnSp>
         <p:nvCxnSpPr>
           <p:cNvPr id="49" name="Connecteur droit avec flèche 48"/>
@@ -5993,6 +5882,1890 @@
           </a:p>
         </p:txBody>
       </p:sp>
+      <p:pic>
+        <p:nvPicPr>
+          <p:cNvPr id="18" name="Image 17"/>
+          <p:cNvPicPr>
+            <a:picLocks noChangeAspect="1"/>
+          </p:cNvPicPr>
+          <p:nvPr/>
+        </p:nvPicPr>
+        <p:blipFill>
+          <a:blip r:embed="rId2"/>
+          <a:stretch>
+            <a:fillRect/>
+          </a:stretch>
+        </p:blipFill>
+        <p:spPr>
+          <a:xfrm>
+            <a:off x="4514320" y="405614"/>
+            <a:ext cx="2283689" cy="3910427"/>
+          </a:xfrm>
+          <a:prstGeom prst="rect">
+            <a:avLst/>
+          </a:prstGeom>
+        </p:spPr>
+      </p:pic>
+      <p:sp>
+        <p:nvSpPr>
+          <p:cNvPr id="15" name="Rectangle 14"/>
+          <p:cNvSpPr/>
+          <p:nvPr/>
+        </p:nvSpPr>
+        <p:spPr>
+          <a:xfrm>
+            <a:off x="4486609" y="1751954"/>
+            <a:ext cx="2038878" cy="143793"/>
+          </a:xfrm>
+          <a:prstGeom prst="rect">
+            <a:avLst/>
+          </a:prstGeom>
+          <a:solidFill>
+            <a:schemeClr val="accent6">
+              <a:lumMod val="40000"/>
+              <a:lumOff val="60000"/>
+              <a:alpha val="50196"/>
+            </a:schemeClr>
+          </a:solidFill>
+        </p:spPr>
+        <p:style>
+          <a:lnRef idx="2">
+            <a:schemeClr val="accent6">
+              <a:shade val="50000"/>
+            </a:schemeClr>
+          </a:lnRef>
+          <a:fillRef idx="1">
+            <a:schemeClr val="accent6"/>
+          </a:fillRef>
+          <a:effectRef idx="0">
+            <a:schemeClr val="accent6"/>
+          </a:effectRef>
+          <a:fontRef idx="minor">
+            <a:schemeClr val="lt1"/>
+          </a:fontRef>
+        </p:style>
+        <p:txBody>
+          <a:bodyPr rtlCol="0" anchor="ctr"/>
+          <a:lstStyle/>
+          <a:p>
+            <a:pPr algn="ctr"/>
+            <a:endParaRPr lang="fr-FR"/>
+          </a:p>
+        </p:txBody>
+      </p:sp>
+      <p:sp>
+        <p:nvSpPr>
+          <p:cNvPr id="34" name="Rectangle 33"/>
+          <p:cNvSpPr/>
+          <p:nvPr/>
+        </p:nvSpPr>
+        <p:spPr>
+          <a:xfrm>
+            <a:off x="4495075" y="2183754"/>
+            <a:ext cx="2038878" cy="143793"/>
+          </a:xfrm>
+          <a:prstGeom prst="rect">
+            <a:avLst/>
+          </a:prstGeom>
+          <a:solidFill>
+            <a:schemeClr val="accent6">
+              <a:lumMod val="40000"/>
+              <a:lumOff val="60000"/>
+              <a:alpha val="50196"/>
+            </a:schemeClr>
+          </a:solidFill>
+        </p:spPr>
+        <p:style>
+          <a:lnRef idx="2">
+            <a:schemeClr val="accent6">
+              <a:shade val="50000"/>
+            </a:schemeClr>
+          </a:lnRef>
+          <a:fillRef idx="1">
+            <a:schemeClr val="accent6"/>
+          </a:fillRef>
+          <a:effectRef idx="0">
+            <a:schemeClr val="accent6"/>
+          </a:effectRef>
+          <a:fontRef idx="minor">
+            <a:schemeClr val="lt1"/>
+          </a:fontRef>
+        </p:style>
+        <p:txBody>
+          <a:bodyPr rtlCol="0" anchor="ctr"/>
+          <a:lstStyle/>
+          <a:p>
+            <a:pPr algn="ctr"/>
+            <a:endParaRPr lang="fr-FR"/>
+          </a:p>
+        </p:txBody>
+      </p:sp>
+      <p:sp>
+        <p:nvSpPr>
+          <p:cNvPr id="35" name="Rectangle 34"/>
+          <p:cNvSpPr/>
+          <p:nvPr/>
+        </p:nvSpPr>
+        <p:spPr>
+          <a:xfrm>
+            <a:off x="4503542" y="3941125"/>
+            <a:ext cx="2038878" cy="143793"/>
+          </a:xfrm>
+          <a:prstGeom prst="rect">
+            <a:avLst/>
+          </a:prstGeom>
+          <a:solidFill>
+            <a:schemeClr val="accent6">
+              <a:lumMod val="40000"/>
+              <a:lumOff val="60000"/>
+              <a:alpha val="50196"/>
+            </a:schemeClr>
+          </a:solidFill>
+        </p:spPr>
+        <p:style>
+          <a:lnRef idx="2">
+            <a:schemeClr val="accent6">
+              <a:shade val="50000"/>
+            </a:schemeClr>
+          </a:lnRef>
+          <a:fillRef idx="1">
+            <a:schemeClr val="accent6"/>
+          </a:fillRef>
+          <a:effectRef idx="0">
+            <a:schemeClr val="accent6"/>
+          </a:effectRef>
+          <a:fontRef idx="minor">
+            <a:schemeClr val="lt1"/>
+          </a:fontRef>
+        </p:style>
+        <p:txBody>
+          <a:bodyPr rtlCol="0" anchor="ctr"/>
+          <a:lstStyle/>
+          <a:p>
+            <a:pPr algn="ctr"/>
+            <a:endParaRPr lang="fr-FR"/>
+          </a:p>
+        </p:txBody>
+      </p:sp>
+      <p:grpSp>
+        <p:nvGrpSpPr>
+          <p:cNvPr id="47" name="Groupe 46"/>
+          <p:cNvGrpSpPr/>
+          <p:nvPr/>
+        </p:nvGrpSpPr>
+        <p:grpSpPr>
+          <a:xfrm>
+            <a:off x="490956" y="4310845"/>
+            <a:ext cx="3565585" cy="2121237"/>
+            <a:chOff x="4092294" y="4267125"/>
+            <a:chExt cx="3565585" cy="2121237"/>
+          </a:xfrm>
+        </p:grpSpPr>
+        <p:grpSp>
+          <p:nvGrpSpPr>
+            <p:cNvPr id="48" name="Groupe 47"/>
+            <p:cNvGrpSpPr/>
+            <p:nvPr/>
+          </p:nvGrpSpPr>
+          <p:grpSpPr>
+            <a:xfrm>
+              <a:off x="4092294" y="4267125"/>
+              <a:ext cx="3565585" cy="2121237"/>
+              <a:chOff x="7930869" y="4367569"/>
+              <a:chExt cx="3565585" cy="2121237"/>
+            </a:xfrm>
+          </p:grpSpPr>
+          <p:grpSp>
+            <p:nvGrpSpPr>
+              <p:cNvPr id="53" name="Groupe 52"/>
+              <p:cNvGrpSpPr/>
+              <p:nvPr/>
+            </p:nvGrpSpPr>
+            <p:grpSpPr>
+              <a:xfrm>
+                <a:off x="7930869" y="4639733"/>
+                <a:ext cx="3565585" cy="1647997"/>
+                <a:chOff x="708803" y="4563533"/>
+                <a:chExt cx="3565585" cy="1647997"/>
+              </a:xfrm>
+            </p:grpSpPr>
+            <p:pic>
+              <p:nvPicPr>
+                <p:cNvPr id="56" name="Image 55"/>
+                <p:cNvPicPr>
+                  <a:picLocks noChangeAspect="1"/>
+                </p:cNvPicPr>
+                <p:nvPr/>
+              </p:nvPicPr>
+              <p:blipFill rotWithShape="1">
+                <a:blip r:embed="rId3"/>
+                <a:srcRect t="44083"/>
+                <a:stretch/>
+              </p:blipFill>
+              <p:spPr>
+                <a:xfrm>
+                  <a:off x="708803" y="4563533"/>
+                  <a:ext cx="3565585" cy="1647997"/>
+                </a:xfrm>
+                <a:prstGeom prst="rect">
+                  <a:avLst/>
+                </a:prstGeom>
+              </p:spPr>
+            </p:pic>
+            <p:sp>
+              <p:nvSpPr>
+                <p:cNvPr id="57" name="Ellipse 56"/>
+                <p:cNvSpPr/>
+                <p:nvPr/>
+              </p:nvSpPr>
+              <p:spPr>
+                <a:xfrm>
+                  <a:off x="810683" y="5073650"/>
+                  <a:ext cx="75142" cy="79375"/>
+                </a:xfrm>
+                <a:prstGeom prst="ellipse">
+                  <a:avLst/>
+                </a:prstGeom>
+              </p:spPr>
+              <p:style>
+                <a:lnRef idx="1">
+                  <a:schemeClr val="accent2"/>
+                </a:lnRef>
+                <a:fillRef idx="3">
+                  <a:schemeClr val="accent2"/>
+                </a:fillRef>
+                <a:effectRef idx="2">
+                  <a:schemeClr val="accent2"/>
+                </a:effectRef>
+                <a:fontRef idx="minor">
+                  <a:schemeClr val="lt1"/>
+                </a:fontRef>
+              </p:style>
+              <p:txBody>
+                <a:bodyPr rtlCol="0" anchor="ctr"/>
+                <a:lstStyle/>
+                <a:p>
+                  <a:pPr algn="ctr"/>
+                  <a:endParaRPr lang="fr-FR"/>
+                </a:p>
+              </p:txBody>
+            </p:sp>
+            <p:sp>
+              <p:nvSpPr>
+                <p:cNvPr id="58" name="Ellipse 57"/>
+                <p:cNvSpPr/>
+                <p:nvPr/>
+              </p:nvSpPr>
+              <p:spPr>
+                <a:xfrm>
+                  <a:off x="810683" y="5211762"/>
+                  <a:ext cx="75142" cy="79375"/>
+                </a:xfrm>
+                <a:prstGeom prst="ellipse">
+                  <a:avLst/>
+                </a:prstGeom>
+              </p:spPr>
+              <p:style>
+                <a:lnRef idx="1">
+                  <a:schemeClr val="accent2"/>
+                </a:lnRef>
+                <a:fillRef idx="3">
+                  <a:schemeClr val="accent2"/>
+                </a:fillRef>
+                <a:effectRef idx="2">
+                  <a:schemeClr val="accent2"/>
+                </a:effectRef>
+                <a:fontRef idx="minor">
+                  <a:schemeClr val="lt1"/>
+                </a:fontRef>
+              </p:style>
+              <p:txBody>
+                <a:bodyPr rtlCol="0" anchor="ctr"/>
+                <a:lstStyle/>
+                <a:p>
+                  <a:pPr algn="ctr"/>
+                  <a:endParaRPr lang="fr-FR"/>
+                </a:p>
+              </p:txBody>
+            </p:sp>
+            <p:sp>
+              <p:nvSpPr>
+                <p:cNvPr id="59" name="Ellipse 58"/>
+                <p:cNvSpPr/>
+                <p:nvPr/>
+              </p:nvSpPr>
+              <p:spPr>
+                <a:xfrm>
+                  <a:off x="810683" y="5349874"/>
+                  <a:ext cx="75142" cy="79375"/>
+                </a:xfrm>
+                <a:prstGeom prst="ellipse">
+                  <a:avLst/>
+                </a:prstGeom>
+              </p:spPr>
+              <p:style>
+                <a:lnRef idx="1">
+                  <a:schemeClr val="accent2"/>
+                </a:lnRef>
+                <a:fillRef idx="3">
+                  <a:schemeClr val="accent2"/>
+                </a:fillRef>
+                <a:effectRef idx="2">
+                  <a:schemeClr val="accent2"/>
+                </a:effectRef>
+                <a:fontRef idx="minor">
+                  <a:schemeClr val="lt1"/>
+                </a:fontRef>
+              </p:style>
+              <p:txBody>
+                <a:bodyPr rtlCol="0" anchor="ctr"/>
+                <a:lstStyle/>
+                <a:p>
+                  <a:pPr algn="ctr"/>
+                  <a:endParaRPr lang="fr-FR"/>
+                </a:p>
+              </p:txBody>
+            </p:sp>
+            <p:sp>
+              <p:nvSpPr>
+                <p:cNvPr id="60" name="Ellipse 59"/>
+                <p:cNvSpPr/>
+                <p:nvPr/>
+              </p:nvSpPr>
+              <p:spPr>
+                <a:xfrm>
+                  <a:off x="810683" y="4935538"/>
+                  <a:ext cx="75142" cy="79375"/>
+                </a:xfrm>
+                <a:prstGeom prst="ellipse">
+                  <a:avLst/>
+                </a:prstGeom>
+              </p:spPr>
+              <p:style>
+                <a:lnRef idx="1">
+                  <a:schemeClr val="accent2"/>
+                </a:lnRef>
+                <a:fillRef idx="3">
+                  <a:schemeClr val="accent2"/>
+                </a:fillRef>
+                <a:effectRef idx="2">
+                  <a:schemeClr val="accent2"/>
+                </a:effectRef>
+                <a:fontRef idx="minor">
+                  <a:schemeClr val="lt1"/>
+                </a:fontRef>
+              </p:style>
+              <p:txBody>
+                <a:bodyPr rtlCol="0" anchor="ctr"/>
+                <a:lstStyle/>
+                <a:p>
+                  <a:pPr algn="ctr"/>
+                  <a:endParaRPr lang="fr-FR"/>
+                </a:p>
+              </p:txBody>
+            </p:sp>
+            <p:sp>
+              <p:nvSpPr>
+                <p:cNvPr id="61" name="Ellipse 60"/>
+                <p:cNvSpPr/>
+                <p:nvPr/>
+              </p:nvSpPr>
+              <p:spPr>
+                <a:xfrm>
+                  <a:off x="810683" y="5487986"/>
+                  <a:ext cx="75142" cy="79375"/>
+                </a:xfrm>
+                <a:prstGeom prst="ellipse">
+                  <a:avLst/>
+                </a:prstGeom>
+              </p:spPr>
+              <p:style>
+                <a:lnRef idx="1">
+                  <a:schemeClr val="accent2"/>
+                </a:lnRef>
+                <a:fillRef idx="3">
+                  <a:schemeClr val="accent2"/>
+                </a:fillRef>
+                <a:effectRef idx="2">
+                  <a:schemeClr val="accent2"/>
+                </a:effectRef>
+                <a:fontRef idx="minor">
+                  <a:schemeClr val="lt1"/>
+                </a:fontRef>
+              </p:style>
+              <p:txBody>
+                <a:bodyPr rtlCol="0" anchor="ctr"/>
+                <a:lstStyle/>
+                <a:p>
+                  <a:pPr algn="ctr"/>
+                  <a:endParaRPr lang="fr-FR"/>
+                </a:p>
+              </p:txBody>
+            </p:sp>
+          </p:grpSp>
+          <p:pic>
+            <p:nvPicPr>
+              <p:cNvPr id="54" name="Image 53"/>
+              <p:cNvPicPr>
+                <a:picLocks noChangeAspect="1"/>
+              </p:cNvPicPr>
+              <p:nvPr/>
+            </p:nvPicPr>
+            <p:blipFill rotWithShape="1">
+              <a:blip r:embed="rId4"/>
+              <a:srcRect t="83666" b="4737"/>
+              <a:stretch/>
+            </p:blipFill>
+            <p:spPr>
+              <a:xfrm>
+                <a:off x="7953154" y="4367569"/>
+                <a:ext cx="3543300" cy="220133"/>
+              </a:xfrm>
+              <a:prstGeom prst="rect">
+                <a:avLst/>
+              </a:prstGeom>
+            </p:spPr>
+          </p:pic>
+          <p:pic>
+            <p:nvPicPr>
+              <p:cNvPr id="55" name="Image 54"/>
+              <p:cNvPicPr>
+                <a:picLocks noChangeAspect="1"/>
+              </p:cNvPicPr>
+              <p:nvPr/>
+            </p:nvPicPr>
+            <p:blipFill rotWithShape="1">
+              <a:blip r:embed="rId5"/>
+              <a:srcRect l="3523" t="54895" r="63253" b="39131"/>
+              <a:stretch/>
+            </p:blipFill>
+            <p:spPr>
+              <a:xfrm>
+                <a:off x="7958556" y="6336405"/>
+                <a:ext cx="3537898" cy="152401"/>
+              </a:xfrm>
+              <a:prstGeom prst="rect">
+                <a:avLst/>
+              </a:prstGeom>
+            </p:spPr>
+          </p:pic>
+        </p:grpSp>
+        <p:sp>
+          <p:nvSpPr>
+            <p:cNvPr id="52" name="Ellipse 51"/>
+            <p:cNvSpPr/>
+            <p:nvPr/>
+          </p:nvSpPr>
+          <p:spPr>
+            <a:xfrm>
+              <a:off x="4194174" y="5702261"/>
+              <a:ext cx="75142" cy="79375"/>
+            </a:xfrm>
+            <a:prstGeom prst="ellipse">
+              <a:avLst/>
+            </a:prstGeom>
+          </p:spPr>
+          <p:style>
+            <a:lnRef idx="1">
+              <a:schemeClr val="accent2"/>
+            </a:lnRef>
+            <a:fillRef idx="3">
+              <a:schemeClr val="accent2"/>
+            </a:fillRef>
+            <a:effectRef idx="2">
+              <a:schemeClr val="accent2"/>
+            </a:effectRef>
+            <a:fontRef idx="minor">
+              <a:schemeClr val="lt1"/>
+            </a:fontRef>
+          </p:style>
+          <p:txBody>
+            <a:bodyPr rtlCol="0" anchor="ctr"/>
+            <a:lstStyle/>
+            <a:p>
+              <a:pPr algn="ctr"/>
+              <a:endParaRPr lang="fr-FR"/>
+            </a:p>
+          </p:txBody>
+        </p:sp>
+      </p:grpSp>
+      <p:sp>
+        <p:nvSpPr>
+          <p:cNvPr id="74" name="Rectangle 73"/>
+          <p:cNvSpPr/>
+          <p:nvPr/>
+        </p:nvSpPr>
+        <p:spPr>
+          <a:xfrm>
+            <a:off x="573857" y="886288"/>
+            <a:ext cx="2038878" cy="143793"/>
+          </a:xfrm>
+          <a:prstGeom prst="rect">
+            <a:avLst/>
+          </a:prstGeom>
+          <a:solidFill>
+            <a:srgbClr val="70AD47">
+              <a:alpha val="50196"/>
+            </a:srgbClr>
+          </a:solidFill>
+        </p:spPr>
+        <p:style>
+          <a:lnRef idx="2">
+            <a:schemeClr val="accent6">
+              <a:shade val="50000"/>
+            </a:schemeClr>
+          </a:lnRef>
+          <a:fillRef idx="1">
+            <a:schemeClr val="accent6"/>
+          </a:fillRef>
+          <a:effectRef idx="0">
+            <a:schemeClr val="accent6"/>
+          </a:effectRef>
+          <a:fontRef idx="minor">
+            <a:schemeClr val="lt1"/>
+          </a:fontRef>
+        </p:style>
+        <p:txBody>
+          <a:bodyPr rtlCol="0" anchor="ctr"/>
+          <a:lstStyle/>
+          <a:p>
+            <a:pPr algn="ctr"/>
+            <a:endParaRPr lang="fr-FR"/>
+          </a:p>
+        </p:txBody>
+      </p:sp>
+      <p:sp>
+        <p:nvSpPr>
+          <p:cNvPr id="75" name="Rectangle 74"/>
+          <p:cNvSpPr/>
+          <p:nvPr/>
+        </p:nvSpPr>
+        <p:spPr>
+          <a:xfrm>
+            <a:off x="573857" y="3362384"/>
+            <a:ext cx="2038878" cy="143793"/>
+          </a:xfrm>
+          <a:prstGeom prst="rect">
+            <a:avLst/>
+          </a:prstGeom>
+          <a:solidFill>
+            <a:srgbClr val="70AD47">
+              <a:alpha val="50196"/>
+            </a:srgbClr>
+          </a:solidFill>
+        </p:spPr>
+        <p:style>
+          <a:lnRef idx="2">
+            <a:schemeClr val="accent6">
+              <a:shade val="50000"/>
+            </a:schemeClr>
+          </a:lnRef>
+          <a:fillRef idx="1">
+            <a:schemeClr val="accent6"/>
+          </a:fillRef>
+          <a:effectRef idx="0">
+            <a:schemeClr val="accent6"/>
+          </a:effectRef>
+          <a:fontRef idx="minor">
+            <a:schemeClr val="lt1"/>
+          </a:fontRef>
+        </p:style>
+        <p:txBody>
+          <a:bodyPr rtlCol="0" anchor="ctr"/>
+          <a:lstStyle/>
+          <a:p>
+            <a:pPr algn="ctr"/>
+            <a:endParaRPr lang="fr-FR"/>
+          </a:p>
+        </p:txBody>
+      </p:sp>
+      <p:sp>
+        <p:nvSpPr>
+          <p:cNvPr id="76" name="Rectangle 75"/>
+          <p:cNvSpPr/>
+          <p:nvPr/>
+        </p:nvSpPr>
+        <p:spPr>
+          <a:xfrm>
+            <a:off x="573857" y="582763"/>
+            <a:ext cx="2038878" cy="143793"/>
+          </a:xfrm>
+          <a:prstGeom prst="rect">
+            <a:avLst/>
+          </a:prstGeom>
+          <a:solidFill>
+            <a:srgbClr val="70AD47">
+              <a:alpha val="50196"/>
+            </a:srgbClr>
+          </a:solidFill>
+        </p:spPr>
+        <p:style>
+          <a:lnRef idx="2">
+            <a:schemeClr val="accent6">
+              <a:shade val="50000"/>
+            </a:schemeClr>
+          </a:lnRef>
+          <a:fillRef idx="1">
+            <a:schemeClr val="accent6"/>
+          </a:fillRef>
+          <a:effectRef idx="0">
+            <a:schemeClr val="accent6"/>
+          </a:effectRef>
+          <a:fontRef idx="minor">
+            <a:schemeClr val="lt1"/>
+          </a:fontRef>
+        </p:style>
+        <p:txBody>
+          <a:bodyPr rtlCol="0" anchor="ctr"/>
+          <a:lstStyle/>
+          <a:p>
+            <a:pPr algn="ctr"/>
+            <a:endParaRPr lang="fr-FR"/>
+          </a:p>
+        </p:txBody>
+      </p:sp>
+      <p:sp>
+        <p:nvSpPr>
+          <p:cNvPr id="77" name="Rectangle 76"/>
+          <p:cNvSpPr/>
+          <p:nvPr/>
+        </p:nvSpPr>
+        <p:spPr>
+          <a:xfrm>
+            <a:off x="4476749" y="3356727"/>
+            <a:ext cx="2038878" cy="143793"/>
+          </a:xfrm>
+          <a:prstGeom prst="rect">
+            <a:avLst/>
+          </a:prstGeom>
+          <a:solidFill>
+            <a:schemeClr val="accent6">
+              <a:lumMod val="40000"/>
+              <a:lumOff val="60000"/>
+              <a:alpha val="50196"/>
+            </a:schemeClr>
+          </a:solidFill>
+        </p:spPr>
+        <p:style>
+          <a:lnRef idx="2">
+            <a:schemeClr val="accent6">
+              <a:shade val="50000"/>
+            </a:schemeClr>
+          </a:lnRef>
+          <a:fillRef idx="1">
+            <a:schemeClr val="accent6"/>
+          </a:fillRef>
+          <a:effectRef idx="0">
+            <a:schemeClr val="accent6"/>
+          </a:effectRef>
+          <a:fontRef idx="minor">
+            <a:schemeClr val="lt1"/>
+          </a:fontRef>
+        </p:style>
+        <p:txBody>
+          <a:bodyPr rtlCol="0" anchor="ctr"/>
+          <a:lstStyle/>
+          <a:p>
+            <a:pPr algn="ctr"/>
+            <a:endParaRPr lang="fr-FR"/>
+          </a:p>
+        </p:txBody>
+      </p:sp>
+      <p:sp>
+        <p:nvSpPr>
+          <p:cNvPr id="78" name="Rectangle 77"/>
+          <p:cNvSpPr/>
+          <p:nvPr/>
+        </p:nvSpPr>
+        <p:spPr>
+          <a:xfrm>
+            <a:off x="4476749" y="880720"/>
+            <a:ext cx="2038878" cy="143793"/>
+          </a:xfrm>
+          <a:prstGeom prst="rect">
+            <a:avLst/>
+          </a:prstGeom>
+          <a:solidFill>
+            <a:schemeClr val="accent6">
+              <a:lumMod val="40000"/>
+              <a:lumOff val="60000"/>
+              <a:alpha val="50196"/>
+            </a:schemeClr>
+          </a:solidFill>
+        </p:spPr>
+        <p:style>
+          <a:lnRef idx="2">
+            <a:schemeClr val="accent6">
+              <a:shade val="50000"/>
+            </a:schemeClr>
+          </a:lnRef>
+          <a:fillRef idx="1">
+            <a:schemeClr val="accent6"/>
+          </a:fillRef>
+          <a:effectRef idx="0">
+            <a:schemeClr val="accent6"/>
+          </a:effectRef>
+          <a:fontRef idx="minor">
+            <a:schemeClr val="lt1"/>
+          </a:fontRef>
+        </p:style>
+        <p:txBody>
+          <a:bodyPr rtlCol="0" anchor="ctr"/>
+          <a:lstStyle/>
+          <a:p>
+            <a:pPr algn="ctr"/>
+            <a:endParaRPr lang="fr-FR"/>
+          </a:p>
+        </p:txBody>
+      </p:sp>
+      <p:sp>
+        <p:nvSpPr>
+          <p:cNvPr id="79" name="Rectangle 78"/>
+          <p:cNvSpPr/>
+          <p:nvPr/>
+        </p:nvSpPr>
+        <p:spPr>
+          <a:xfrm>
+            <a:off x="4476749" y="585459"/>
+            <a:ext cx="2038878" cy="143793"/>
+          </a:xfrm>
+          <a:prstGeom prst="rect">
+            <a:avLst/>
+          </a:prstGeom>
+          <a:solidFill>
+            <a:schemeClr val="accent6">
+              <a:lumMod val="40000"/>
+              <a:lumOff val="60000"/>
+              <a:alpha val="50196"/>
+            </a:schemeClr>
+          </a:solidFill>
+        </p:spPr>
+        <p:style>
+          <a:lnRef idx="2">
+            <a:schemeClr val="accent6">
+              <a:shade val="50000"/>
+            </a:schemeClr>
+          </a:lnRef>
+          <a:fillRef idx="1">
+            <a:schemeClr val="accent6"/>
+          </a:fillRef>
+          <a:effectRef idx="0">
+            <a:schemeClr val="accent6"/>
+          </a:effectRef>
+          <a:fontRef idx="minor">
+            <a:schemeClr val="lt1"/>
+          </a:fontRef>
+        </p:style>
+        <p:txBody>
+          <a:bodyPr rtlCol="0" anchor="ctr"/>
+          <a:lstStyle/>
+          <a:p>
+            <a:pPr algn="ctr"/>
+            <a:endParaRPr lang="fr-FR"/>
+          </a:p>
+        </p:txBody>
+      </p:sp>
+      <p:grpSp>
+        <p:nvGrpSpPr>
+          <p:cNvPr id="62" name="Groupe 61"/>
+          <p:cNvGrpSpPr/>
+          <p:nvPr/>
+        </p:nvGrpSpPr>
+        <p:grpSpPr>
+          <a:xfrm>
+            <a:off x="4374869" y="4313611"/>
+            <a:ext cx="3565585" cy="2121237"/>
+            <a:chOff x="4092294" y="4267125"/>
+            <a:chExt cx="3565585" cy="2121237"/>
+          </a:xfrm>
+        </p:grpSpPr>
+        <p:grpSp>
+          <p:nvGrpSpPr>
+            <p:cNvPr id="63" name="Groupe 62"/>
+            <p:cNvGrpSpPr/>
+            <p:nvPr/>
+          </p:nvGrpSpPr>
+          <p:grpSpPr>
+            <a:xfrm>
+              <a:off x="4092294" y="4267125"/>
+              <a:ext cx="3565585" cy="2121237"/>
+              <a:chOff x="7930869" y="4367569"/>
+              <a:chExt cx="3565585" cy="2121237"/>
+            </a:xfrm>
+          </p:grpSpPr>
+          <p:grpSp>
+            <p:nvGrpSpPr>
+              <p:cNvPr id="65" name="Groupe 64"/>
+              <p:cNvGrpSpPr/>
+              <p:nvPr/>
+            </p:nvGrpSpPr>
+            <p:grpSpPr>
+              <a:xfrm>
+                <a:off x="7930869" y="4639733"/>
+                <a:ext cx="3565585" cy="1647997"/>
+                <a:chOff x="708803" y="4563533"/>
+                <a:chExt cx="3565585" cy="1647997"/>
+              </a:xfrm>
+            </p:grpSpPr>
+            <p:pic>
+              <p:nvPicPr>
+                <p:cNvPr id="68" name="Image 67"/>
+                <p:cNvPicPr>
+                  <a:picLocks noChangeAspect="1"/>
+                </p:cNvPicPr>
+                <p:nvPr/>
+              </p:nvPicPr>
+              <p:blipFill rotWithShape="1">
+                <a:blip r:embed="rId3"/>
+                <a:srcRect t="44083"/>
+                <a:stretch/>
+              </p:blipFill>
+              <p:spPr>
+                <a:xfrm>
+                  <a:off x="708803" y="4563533"/>
+                  <a:ext cx="3565585" cy="1647997"/>
+                </a:xfrm>
+                <a:prstGeom prst="rect">
+                  <a:avLst/>
+                </a:prstGeom>
+              </p:spPr>
+            </p:pic>
+            <p:sp>
+              <p:nvSpPr>
+                <p:cNvPr id="69" name="Ellipse 68"/>
+                <p:cNvSpPr/>
+                <p:nvPr/>
+              </p:nvSpPr>
+              <p:spPr>
+                <a:xfrm>
+                  <a:off x="810683" y="5073650"/>
+                  <a:ext cx="75142" cy="79375"/>
+                </a:xfrm>
+                <a:prstGeom prst="ellipse">
+                  <a:avLst/>
+                </a:prstGeom>
+              </p:spPr>
+              <p:style>
+                <a:lnRef idx="1">
+                  <a:schemeClr val="accent2"/>
+                </a:lnRef>
+                <a:fillRef idx="3">
+                  <a:schemeClr val="accent2"/>
+                </a:fillRef>
+                <a:effectRef idx="2">
+                  <a:schemeClr val="accent2"/>
+                </a:effectRef>
+                <a:fontRef idx="minor">
+                  <a:schemeClr val="lt1"/>
+                </a:fontRef>
+              </p:style>
+              <p:txBody>
+                <a:bodyPr rtlCol="0" anchor="ctr"/>
+                <a:lstStyle/>
+                <a:p>
+                  <a:pPr algn="ctr"/>
+                  <a:endParaRPr lang="fr-FR"/>
+                </a:p>
+              </p:txBody>
+            </p:sp>
+            <p:sp>
+              <p:nvSpPr>
+                <p:cNvPr id="70" name="Ellipse 69"/>
+                <p:cNvSpPr/>
+                <p:nvPr/>
+              </p:nvSpPr>
+              <p:spPr>
+                <a:xfrm>
+                  <a:off x="810683" y="5211762"/>
+                  <a:ext cx="75142" cy="79375"/>
+                </a:xfrm>
+                <a:prstGeom prst="ellipse">
+                  <a:avLst/>
+                </a:prstGeom>
+              </p:spPr>
+              <p:style>
+                <a:lnRef idx="1">
+                  <a:schemeClr val="accent2"/>
+                </a:lnRef>
+                <a:fillRef idx="3">
+                  <a:schemeClr val="accent2"/>
+                </a:fillRef>
+                <a:effectRef idx="2">
+                  <a:schemeClr val="accent2"/>
+                </a:effectRef>
+                <a:fontRef idx="minor">
+                  <a:schemeClr val="lt1"/>
+                </a:fontRef>
+              </p:style>
+              <p:txBody>
+                <a:bodyPr rtlCol="0" anchor="ctr"/>
+                <a:lstStyle/>
+                <a:p>
+                  <a:pPr algn="ctr"/>
+                  <a:endParaRPr lang="fr-FR"/>
+                </a:p>
+              </p:txBody>
+            </p:sp>
+            <p:sp>
+              <p:nvSpPr>
+                <p:cNvPr id="71" name="Ellipse 70"/>
+                <p:cNvSpPr/>
+                <p:nvPr/>
+              </p:nvSpPr>
+              <p:spPr>
+                <a:xfrm>
+                  <a:off x="810683" y="5349874"/>
+                  <a:ext cx="75142" cy="79375"/>
+                </a:xfrm>
+                <a:prstGeom prst="ellipse">
+                  <a:avLst/>
+                </a:prstGeom>
+              </p:spPr>
+              <p:style>
+                <a:lnRef idx="1">
+                  <a:schemeClr val="accent2"/>
+                </a:lnRef>
+                <a:fillRef idx="3">
+                  <a:schemeClr val="accent2"/>
+                </a:fillRef>
+                <a:effectRef idx="2">
+                  <a:schemeClr val="accent2"/>
+                </a:effectRef>
+                <a:fontRef idx="minor">
+                  <a:schemeClr val="lt1"/>
+                </a:fontRef>
+              </p:style>
+              <p:txBody>
+                <a:bodyPr rtlCol="0" anchor="ctr"/>
+                <a:lstStyle/>
+                <a:p>
+                  <a:pPr algn="ctr"/>
+                  <a:endParaRPr lang="fr-FR"/>
+                </a:p>
+              </p:txBody>
+            </p:sp>
+            <p:sp>
+              <p:nvSpPr>
+                <p:cNvPr id="72" name="Ellipse 71"/>
+                <p:cNvSpPr/>
+                <p:nvPr/>
+              </p:nvSpPr>
+              <p:spPr>
+                <a:xfrm>
+                  <a:off x="810683" y="4935538"/>
+                  <a:ext cx="75142" cy="79375"/>
+                </a:xfrm>
+                <a:prstGeom prst="ellipse">
+                  <a:avLst/>
+                </a:prstGeom>
+              </p:spPr>
+              <p:style>
+                <a:lnRef idx="1">
+                  <a:schemeClr val="accent2"/>
+                </a:lnRef>
+                <a:fillRef idx="3">
+                  <a:schemeClr val="accent2"/>
+                </a:fillRef>
+                <a:effectRef idx="2">
+                  <a:schemeClr val="accent2"/>
+                </a:effectRef>
+                <a:fontRef idx="minor">
+                  <a:schemeClr val="lt1"/>
+                </a:fontRef>
+              </p:style>
+              <p:txBody>
+                <a:bodyPr rtlCol="0" anchor="ctr"/>
+                <a:lstStyle/>
+                <a:p>
+                  <a:pPr algn="ctr"/>
+                  <a:endParaRPr lang="fr-FR"/>
+                </a:p>
+              </p:txBody>
+            </p:sp>
+            <p:sp>
+              <p:nvSpPr>
+                <p:cNvPr id="73" name="Ellipse 72"/>
+                <p:cNvSpPr/>
+                <p:nvPr/>
+              </p:nvSpPr>
+              <p:spPr>
+                <a:xfrm>
+                  <a:off x="810683" y="5487986"/>
+                  <a:ext cx="75142" cy="79375"/>
+                </a:xfrm>
+                <a:prstGeom prst="ellipse">
+                  <a:avLst/>
+                </a:prstGeom>
+              </p:spPr>
+              <p:style>
+                <a:lnRef idx="1">
+                  <a:schemeClr val="accent2"/>
+                </a:lnRef>
+                <a:fillRef idx="3">
+                  <a:schemeClr val="accent2"/>
+                </a:fillRef>
+                <a:effectRef idx="2">
+                  <a:schemeClr val="accent2"/>
+                </a:effectRef>
+                <a:fontRef idx="minor">
+                  <a:schemeClr val="lt1"/>
+                </a:fontRef>
+              </p:style>
+              <p:txBody>
+                <a:bodyPr rtlCol="0" anchor="ctr"/>
+                <a:lstStyle/>
+                <a:p>
+                  <a:pPr algn="ctr"/>
+                  <a:endParaRPr lang="fr-FR"/>
+                </a:p>
+              </p:txBody>
+            </p:sp>
+          </p:grpSp>
+          <p:pic>
+            <p:nvPicPr>
+              <p:cNvPr id="66" name="Image 65"/>
+              <p:cNvPicPr>
+                <a:picLocks noChangeAspect="1"/>
+              </p:cNvPicPr>
+              <p:nvPr/>
+            </p:nvPicPr>
+            <p:blipFill rotWithShape="1">
+              <a:blip r:embed="rId4"/>
+              <a:srcRect t="83666" b="4737"/>
+              <a:stretch/>
+            </p:blipFill>
+            <p:spPr>
+              <a:xfrm>
+                <a:off x="7953154" y="4367569"/>
+                <a:ext cx="3543300" cy="220133"/>
+              </a:xfrm>
+              <a:prstGeom prst="rect">
+                <a:avLst/>
+              </a:prstGeom>
+            </p:spPr>
+          </p:pic>
+          <p:pic>
+            <p:nvPicPr>
+              <p:cNvPr id="67" name="Image 66"/>
+              <p:cNvPicPr>
+                <a:picLocks noChangeAspect="1"/>
+              </p:cNvPicPr>
+              <p:nvPr/>
+            </p:nvPicPr>
+            <p:blipFill rotWithShape="1">
+              <a:blip r:embed="rId5"/>
+              <a:srcRect l="3523" t="54895" r="63253" b="39131"/>
+              <a:stretch/>
+            </p:blipFill>
+            <p:spPr>
+              <a:xfrm>
+                <a:off x="7958556" y="6336405"/>
+                <a:ext cx="3537898" cy="152401"/>
+              </a:xfrm>
+              <a:prstGeom prst="rect">
+                <a:avLst/>
+              </a:prstGeom>
+            </p:spPr>
+          </p:pic>
+        </p:grpSp>
+        <p:sp>
+          <p:nvSpPr>
+            <p:cNvPr id="64" name="Ellipse 63"/>
+            <p:cNvSpPr/>
+            <p:nvPr/>
+          </p:nvSpPr>
+          <p:spPr>
+            <a:xfrm>
+              <a:off x="4194174" y="5702261"/>
+              <a:ext cx="75142" cy="79375"/>
+            </a:xfrm>
+            <a:prstGeom prst="ellipse">
+              <a:avLst/>
+            </a:prstGeom>
+          </p:spPr>
+          <p:style>
+            <a:lnRef idx="1">
+              <a:schemeClr val="accent2"/>
+            </a:lnRef>
+            <a:fillRef idx="3">
+              <a:schemeClr val="accent2"/>
+            </a:fillRef>
+            <a:effectRef idx="2">
+              <a:schemeClr val="accent2"/>
+            </a:effectRef>
+            <a:fontRef idx="minor">
+              <a:schemeClr val="lt1"/>
+            </a:fontRef>
+          </p:style>
+          <p:txBody>
+            <a:bodyPr rtlCol="0" anchor="ctr"/>
+            <a:lstStyle/>
+            <a:p>
+              <a:pPr algn="ctr"/>
+              <a:endParaRPr lang="fr-FR"/>
+            </a:p>
+          </p:txBody>
+        </p:sp>
+      </p:grpSp>
+      <p:cxnSp>
+        <p:nvCxnSpPr>
+          <p:cNvPr id="30" name="Connecteur droit avec flèche 29"/>
+          <p:cNvCxnSpPr/>
+          <p:nvPr/>
+        </p:nvCxnSpPr>
+        <p:spPr>
+          <a:xfrm>
+            <a:off x="4282056" y="5785667"/>
+            <a:ext cx="115098" cy="1"/>
+          </a:xfrm>
+          <a:prstGeom prst="straightConnector1">
+            <a:avLst/>
+          </a:prstGeom>
+          <a:ln>
+            <a:tailEnd type="triangle"/>
+          </a:ln>
+        </p:spPr>
+        <p:style>
+          <a:lnRef idx="3">
+            <a:schemeClr val="accent1"/>
+          </a:lnRef>
+          <a:fillRef idx="0">
+            <a:schemeClr val="accent1"/>
+          </a:fillRef>
+          <a:effectRef idx="2">
+            <a:schemeClr val="accent1"/>
+          </a:effectRef>
+          <a:fontRef idx="minor">
+            <a:schemeClr val="tx1"/>
+          </a:fontRef>
+        </p:style>
+      </p:cxnSp>
+      <p:pic>
+        <p:nvPicPr>
+          <p:cNvPr id="81" name="Image 80"/>
+          <p:cNvPicPr>
+            <a:picLocks noChangeAspect="1"/>
+          </p:cNvPicPr>
+          <p:nvPr/>
+        </p:nvPicPr>
+        <p:blipFill>
+          <a:blip r:embed="rId2"/>
+          <a:stretch>
+            <a:fillRect/>
+          </a:stretch>
+        </p:blipFill>
+        <p:spPr>
+          <a:xfrm>
+            <a:off x="8398809" y="405614"/>
+            <a:ext cx="2283689" cy="3910427"/>
+          </a:xfrm>
+          <a:prstGeom prst="rect">
+            <a:avLst/>
+          </a:prstGeom>
+        </p:spPr>
+      </p:pic>
+      <p:grpSp>
+        <p:nvGrpSpPr>
+          <p:cNvPr id="82" name="Groupe 81"/>
+          <p:cNvGrpSpPr/>
+          <p:nvPr/>
+        </p:nvGrpSpPr>
+        <p:grpSpPr>
+          <a:xfrm>
+            <a:off x="8259358" y="4313611"/>
+            <a:ext cx="3565585" cy="2121237"/>
+            <a:chOff x="4092294" y="4267125"/>
+            <a:chExt cx="3565585" cy="2121237"/>
+          </a:xfrm>
+        </p:grpSpPr>
+        <p:grpSp>
+          <p:nvGrpSpPr>
+            <p:cNvPr id="83" name="Groupe 82"/>
+            <p:cNvGrpSpPr/>
+            <p:nvPr/>
+          </p:nvGrpSpPr>
+          <p:grpSpPr>
+            <a:xfrm>
+              <a:off x="4092294" y="4267125"/>
+              <a:ext cx="3565585" cy="2121237"/>
+              <a:chOff x="7930869" y="4367569"/>
+              <a:chExt cx="3565585" cy="2121237"/>
+            </a:xfrm>
+          </p:grpSpPr>
+          <p:grpSp>
+            <p:nvGrpSpPr>
+              <p:cNvPr id="85" name="Groupe 84"/>
+              <p:cNvGrpSpPr/>
+              <p:nvPr/>
+            </p:nvGrpSpPr>
+            <p:grpSpPr>
+              <a:xfrm>
+                <a:off x="7930869" y="4639733"/>
+                <a:ext cx="3565585" cy="1647997"/>
+                <a:chOff x="708803" y="4563533"/>
+                <a:chExt cx="3565585" cy="1647997"/>
+              </a:xfrm>
+            </p:grpSpPr>
+            <p:pic>
+              <p:nvPicPr>
+                <p:cNvPr id="88" name="Image 87"/>
+                <p:cNvPicPr>
+                  <a:picLocks noChangeAspect="1"/>
+                </p:cNvPicPr>
+                <p:nvPr/>
+              </p:nvPicPr>
+              <p:blipFill rotWithShape="1">
+                <a:blip r:embed="rId3"/>
+                <a:srcRect t="44083"/>
+                <a:stretch/>
+              </p:blipFill>
+              <p:spPr>
+                <a:xfrm>
+                  <a:off x="708803" y="4563533"/>
+                  <a:ext cx="3565585" cy="1647997"/>
+                </a:xfrm>
+                <a:prstGeom prst="rect">
+                  <a:avLst/>
+                </a:prstGeom>
+              </p:spPr>
+            </p:pic>
+            <p:sp>
+              <p:nvSpPr>
+                <p:cNvPr id="89" name="Ellipse 88"/>
+                <p:cNvSpPr/>
+                <p:nvPr/>
+              </p:nvSpPr>
+              <p:spPr>
+                <a:xfrm>
+                  <a:off x="810683" y="5073650"/>
+                  <a:ext cx="75142" cy="79375"/>
+                </a:xfrm>
+                <a:prstGeom prst="ellipse">
+                  <a:avLst/>
+                </a:prstGeom>
+              </p:spPr>
+              <p:style>
+                <a:lnRef idx="1">
+                  <a:schemeClr val="accent2"/>
+                </a:lnRef>
+                <a:fillRef idx="3">
+                  <a:schemeClr val="accent2"/>
+                </a:fillRef>
+                <a:effectRef idx="2">
+                  <a:schemeClr val="accent2"/>
+                </a:effectRef>
+                <a:fontRef idx="minor">
+                  <a:schemeClr val="lt1"/>
+                </a:fontRef>
+              </p:style>
+              <p:txBody>
+                <a:bodyPr rtlCol="0" anchor="ctr"/>
+                <a:lstStyle/>
+                <a:p>
+                  <a:pPr algn="ctr"/>
+                  <a:endParaRPr lang="fr-FR"/>
+                </a:p>
+              </p:txBody>
+            </p:sp>
+            <p:sp>
+              <p:nvSpPr>
+                <p:cNvPr id="90" name="Ellipse 89"/>
+                <p:cNvSpPr/>
+                <p:nvPr/>
+              </p:nvSpPr>
+              <p:spPr>
+                <a:xfrm>
+                  <a:off x="810683" y="5211762"/>
+                  <a:ext cx="75142" cy="79375"/>
+                </a:xfrm>
+                <a:prstGeom prst="ellipse">
+                  <a:avLst/>
+                </a:prstGeom>
+              </p:spPr>
+              <p:style>
+                <a:lnRef idx="1">
+                  <a:schemeClr val="accent2"/>
+                </a:lnRef>
+                <a:fillRef idx="3">
+                  <a:schemeClr val="accent2"/>
+                </a:fillRef>
+                <a:effectRef idx="2">
+                  <a:schemeClr val="accent2"/>
+                </a:effectRef>
+                <a:fontRef idx="minor">
+                  <a:schemeClr val="lt1"/>
+                </a:fontRef>
+              </p:style>
+              <p:txBody>
+                <a:bodyPr rtlCol="0" anchor="ctr"/>
+                <a:lstStyle/>
+                <a:p>
+                  <a:pPr algn="ctr"/>
+                  <a:endParaRPr lang="fr-FR"/>
+                </a:p>
+              </p:txBody>
+            </p:sp>
+            <p:sp>
+              <p:nvSpPr>
+                <p:cNvPr id="91" name="Ellipse 90"/>
+                <p:cNvSpPr/>
+                <p:nvPr/>
+              </p:nvSpPr>
+              <p:spPr>
+                <a:xfrm>
+                  <a:off x="810683" y="5349874"/>
+                  <a:ext cx="75142" cy="79375"/>
+                </a:xfrm>
+                <a:prstGeom prst="ellipse">
+                  <a:avLst/>
+                </a:prstGeom>
+              </p:spPr>
+              <p:style>
+                <a:lnRef idx="1">
+                  <a:schemeClr val="accent2"/>
+                </a:lnRef>
+                <a:fillRef idx="3">
+                  <a:schemeClr val="accent2"/>
+                </a:fillRef>
+                <a:effectRef idx="2">
+                  <a:schemeClr val="accent2"/>
+                </a:effectRef>
+                <a:fontRef idx="minor">
+                  <a:schemeClr val="lt1"/>
+                </a:fontRef>
+              </p:style>
+              <p:txBody>
+                <a:bodyPr rtlCol="0" anchor="ctr"/>
+                <a:lstStyle/>
+                <a:p>
+                  <a:pPr algn="ctr"/>
+                  <a:endParaRPr lang="fr-FR"/>
+                </a:p>
+              </p:txBody>
+            </p:sp>
+            <p:sp>
+              <p:nvSpPr>
+                <p:cNvPr id="92" name="Ellipse 91"/>
+                <p:cNvSpPr/>
+                <p:nvPr/>
+              </p:nvSpPr>
+              <p:spPr>
+                <a:xfrm>
+                  <a:off x="810683" y="4935538"/>
+                  <a:ext cx="75142" cy="79375"/>
+                </a:xfrm>
+                <a:prstGeom prst="ellipse">
+                  <a:avLst/>
+                </a:prstGeom>
+              </p:spPr>
+              <p:style>
+                <a:lnRef idx="1">
+                  <a:schemeClr val="accent2"/>
+                </a:lnRef>
+                <a:fillRef idx="3">
+                  <a:schemeClr val="accent2"/>
+                </a:fillRef>
+                <a:effectRef idx="2">
+                  <a:schemeClr val="accent2"/>
+                </a:effectRef>
+                <a:fontRef idx="minor">
+                  <a:schemeClr val="lt1"/>
+                </a:fontRef>
+              </p:style>
+              <p:txBody>
+                <a:bodyPr rtlCol="0" anchor="ctr"/>
+                <a:lstStyle/>
+                <a:p>
+                  <a:pPr algn="ctr"/>
+                  <a:endParaRPr lang="fr-FR"/>
+                </a:p>
+              </p:txBody>
+            </p:sp>
+            <p:sp>
+              <p:nvSpPr>
+                <p:cNvPr id="93" name="Ellipse 92"/>
+                <p:cNvSpPr/>
+                <p:nvPr/>
+              </p:nvSpPr>
+              <p:spPr>
+                <a:xfrm>
+                  <a:off x="810683" y="5487986"/>
+                  <a:ext cx="75142" cy="79375"/>
+                </a:xfrm>
+                <a:prstGeom prst="ellipse">
+                  <a:avLst/>
+                </a:prstGeom>
+              </p:spPr>
+              <p:style>
+                <a:lnRef idx="1">
+                  <a:schemeClr val="accent2"/>
+                </a:lnRef>
+                <a:fillRef idx="3">
+                  <a:schemeClr val="accent2"/>
+                </a:fillRef>
+                <a:effectRef idx="2">
+                  <a:schemeClr val="accent2"/>
+                </a:effectRef>
+                <a:fontRef idx="minor">
+                  <a:schemeClr val="lt1"/>
+                </a:fontRef>
+              </p:style>
+              <p:txBody>
+                <a:bodyPr rtlCol="0" anchor="ctr"/>
+                <a:lstStyle/>
+                <a:p>
+                  <a:pPr algn="ctr"/>
+                  <a:endParaRPr lang="fr-FR"/>
+                </a:p>
+              </p:txBody>
+            </p:sp>
+          </p:grpSp>
+          <p:pic>
+            <p:nvPicPr>
+              <p:cNvPr id="86" name="Image 85"/>
+              <p:cNvPicPr>
+                <a:picLocks noChangeAspect="1"/>
+              </p:cNvPicPr>
+              <p:nvPr/>
+            </p:nvPicPr>
+            <p:blipFill rotWithShape="1">
+              <a:blip r:embed="rId4"/>
+              <a:srcRect t="83666" b="4737"/>
+              <a:stretch/>
+            </p:blipFill>
+            <p:spPr>
+              <a:xfrm>
+                <a:off x="7953154" y="4367569"/>
+                <a:ext cx="3543300" cy="220133"/>
+              </a:xfrm>
+              <a:prstGeom prst="rect">
+                <a:avLst/>
+              </a:prstGeom>
+            </p:spPr>
+          </p:pic>
+          <p:pic>
+            <p:nvPicPr>
+              <p:cNvPr id="87" name="Image 86"/>
+              <p:cNvPicPr>
+                <a:picLocks noChangeAspect="1"/>
+              </p:cNvPicPr>
+              <p:nvPr/>
+            </p:nvPicPr>
+            <p:blipFill rotWithShape="1">
+              <a:blip r:embed="rId5"/>
+              <a:srcRect l="3523" t="54895" r="63253" b="39131"/>
+              <a:stretch/>
+            </p:blipFill>
+            <p:spPr>
+              <a:xfrm>
+                <a:off x="7958556" y="6336405"/>
+                <a:ext cx="3537898" cy="152401"/>
+              </a:xfrm>
+              <a:prstGeom prst="rect">
+                <a:avLst/>
+              </a:prstGeom>
+            </p:spPr>
+          </p:pic>
+        </p:grpSp>
+        <p:sp>
+          <p:nvSpPr>
+            <p:cNvPr id="84" name="Ellipse 83"/>
+            <p:cNvSpPr/>
+            <p:nvPr/>
+          </p:nvSpPr>
+          <p:spPr>
+            <a:xfrm>
+              <a:off x="4194174" y="5702261"/>
+              <a:ext cx="75142" cy="79375"/>
+            </a:xfrm>
+            <a:prstGeom prst="ellipse">
+              <a:avLst/>
+            </a:prstGeom>
+          </p:spPr>
+          <p:style>
+            <a:lnRef idx="1">
+              <a:schemeClr val="accent2"/>
+            </a:lnRef>
+            <a:fillRef idx="3">
+              <a:schemeClr val="accent2"/>
+            </a:fillRef>
+            <a:effectRef idx="2">
+              <a:schemeClr val="accent2"/>
+            </a:effectRef>
+            <a:fontRef idx="minor">
+              <a:schemeClr val="lt1"/>
+            </a:fontRef>
+          </p:style>
+          <p:txBody>
+            <a:bodyPr rtlCol="0" anchor="ctr"/>
+            <a:lstStyle/>
+            <a:p>
+              <a:pPr algn="ctr"/>
+              <a:endParaRPr lang="fr-FR"/>
+            </a:p>
+          </p:txBody>
+        </p:sp>
+      </p:grpSp>
+      <p:sp>
+        <p:nvSpPr>
+          <p:cNvPr id="80" name="Rectangle 79"/>
+          <p:cNvSpPr/>
+          <p:nvPr/>
+        </p:nvSpPr>
+        <p:spPr>
+          <a:xfrm>
+            <a:off x="8361238" y="2925319"/>
+            <a:ext cx="2038878" cy="143793"/>
+          </a:xfrm>
+          <a:prstGeom prst="rect">
+            <a:avLst/>
+          </a:prstGeom>
+          <a:solidFill>
+            <a:srgbClr val="70AD47">
+              <a:alpha val="50196"/>
+            </a:srgbClr>
+          </a:solidFill>
+        </p:spPr>
+        <p:style>
+          <a:lnRef idx="2">
+            <a:schemeClr val="accent6">
+              <a:shade val="50000"/>
+            </a:schemeClr>
+          </a:lnRef>
+          <a:fillRef idx="1">
+            <a:schemeClr val="accent6"/>
+          </a:fillRef>
+          <a:effectRef idx="0">
+            <a:schemeClr val="accent6"/>
+          </a:effectRef>
+          <a:fontRef idx="minor">
+            <a:schemeClr val="lt1"/>
+          </a:fontRef>
+        </p:style>
+        <p:txBody>
+          <a:bodyPr rtlCol="0" anchor="ctr"/>
+          <a:lstStyle/>
+          <a:p>
+            <a:pPr algn="ctr"/>
+            <a:endParaRPr lang="fr-FR"/>
+          </a:p>
+        </p:txBody>
+      </p:sp>
+      <p:cxnSp>
+        <p:nvCxnSpPr>
+          <p:cNvPr id="94" name="Connecteur droit avec flèche 93"/>
+          <p:cNvCxnSpPr/>
+          <p:nvPr/>
+        </p:nvCxnSpPr>
+        <p:spPr>
+          <a:xfrm>
+            <a:off x="8166545" y="5557099"/>
+            <a:ext cx="115098" cy="1"/>
+          </a:xfrm>
+          <a:prstGeom prst="straightConnector1">
+            <a:avLst/>
+          </a:prstGeom>
+          <a:ln>
+            <a:tailEnd type="triangle"/>
+          </a:ln>
+        </p:spPr>
+        <p:style>
+          <a:lnRef idx="3">
+            <a:schemeClr val="accent1"/>
+          </a:lnRef>
+          <a:fillRef idx="0">
+            <a:schemeClr val="accent1"/>
+          </a:fillRef>
+          <a:effectRef idx="2">
+            <a:schemeClr val="accent1"/>
+          </a:effectRef>
+          <a:fontRef idx="minor">
+            <a:schemeClr val="tx1"/>
+          </a:fontRef>
+        </p:style>
+      </p:cxnSp>
+      <p:sp>
+        <p:nvSpPr>
+          <p:cNvPr id="95" name="Rectangle 94"/>
+          <p:cNvSpPr/>
+          <p:nvPr/>
+        </p:nvSpPr>
+        <p:spPr>
+          <a:xfrm>
+            <a:off x="8346623" y="1762944"/>
+            <a:ext cx="2038878" cy="143793"/>
+          </a:xfrm>
+          <a:prstGeom prst="rect">
+            <a:avLst/>
+          </a:prstGeom>
+          <a:solidFill>
+            <a:schemeClr val="accent6">
+              <a:lumMod val="40000"/>
+              <a:lumOff val="60000"/>
+              <a:alpha val="50196"/>
+            </a:schemeClr>
+          </a:solidFill>
+        </p:spPr>
+        <p:style>
+          <a:lnRef idx="2">
+            <a:schemeClr val="accent6">
+              <a:shade val="50000"/>
+            </a:schemeClr>
+          </a:lnRef>
+          <a:fillRef idx="1">
+            <a:schemeClr val="accent6"/>
+          </a:fillRef>
+          <a:effectRef idx="0">
+            <a:schemeClr val="accent6"/>
+          </a:effectRef>
+          <a:fontRef idx="minor">
+            <a:schemeClr val="lt1"/>
+          </a:fontRef>
+        </p:style>
+        <p:txBody>
+          <a:bodyPr rtlCol="0" anchor="ctr"/>
+          <a:lstStyle/>
+          <a:p>
+            <a:pPr algn="ctr"/>
+            <a:endParaRPr lang="fr-FR"/>
+          </a:p>
+        </p:txBody>
+      </p:sp>
+      <p:sp>
+        <p:nvSpPr>
+          <p:cNvPr id="96" name="Rectangle 95"/>
+          <p:cNvSpPr/>
+          <p:nvPr/>
+        </p:nvSpPr>
+        <p:spPr>
+          <a:xfrm>
+            <a:off x="8355089" y="2194744"/>
+            <a:ext cx="2038878" cy="143793"/>
+          </a:xfrm>
+          <a:prstGeom prst="rect">
+            <a:avLst/>
+          </a:prstGeom>
+          <a:solidFill>
+            <a:schemeClr val="accent6">
+              <a:lumMod val="40000"/>
+              <a:lumOff val="60000"/>
+              <a:alpha val="50196"/>
+            </a:schemeClr>
+          </a:solidFill>
+        </p:spPr>
+        <p:style>
+          <a:lnRef idx="2">
+            <a:schemeClr val="accent6">
+              <a:shade val="50000"/>
+            </a:schemeClr>
+          </a:lnRef>
+          <a:fillRef idx="1">
+            <a:schemeClr val="accent6"/>
+          </a:fillRef>
+          <a:effectRef idx="0">
+            <a:schemeClr val="accent6"/>
+          </a:effectRef>
+          <a:fontRef idx="minor">
+            <a:schemeClr val="lt1"/>
+          </a:fontRef>
+        </p:style>
+        <p:txBody>
+          <a:bodyPr rtlCol="0" anchor="ctr"/>
+          <a:lstStyle/>
+          <a:p>
+            <a:pPr algn="ctr"/>
+            <a:endParaRPr lang="fr-FR"/>
+          </a:p>
+        </p:txBody>
+      </p:sp>
+      <p:sp>
+        <p:nvSpPr>
+          <p:cNvPr id="97" name="Rectangle 96"/>
+          <p:cNvSpPr/>
+          <p:nvPr/>
+        </p:nvSpPr>
+        <p:spPr>
+          <a:xfrm>
+            <a:off x="8363556" y="3952115"/>
+            <a:ext cx="2038878" cy="143793"/>
+          </a:xfrm>
+          <a:prstGeom prst="rect">
+            <a:avLst/>
+          </a:prstGeom>
+          <a:solidFill>
+            <a:schemeClr val="accent6">
+              <a:lumMod val="40000"/>
+              <a:lumOff val="60000"/>
+              <a:alpha val="50196"/>
+            </a:schemeClr>
+          </a:solidFill>
+        </p:spPr>
+        <p:style>
+          <a:lnRef idx="2">
+            <a:schemeClr val="accent6">
+              <a:shade val="50000"/>
+            </a:schemeClr>
+          </a:lnRef>
+          <a:fillRef idx="1">
+            <a:schemeClr val="accent6"/>
+          </a:fillRef>
+          <a:effectRef idx="0">
+            <a:schemeClr val="accent6"/>
+          </a:effectRef>
+          <a:fontRef idx="minor">
+            <a:schemeClr val="lt1"/>
+          </a:fontRef>
+        </p:style>
+        <p:txBody>
+          <a:bodyPr rtlCol="0" anchor="ctr"/>
+          <a:lstStyle/>
+          <a:p>
+            <a:pPr algn="ctr"/>
+            <a:endParaRPr lang="fr-FR"/>
+          </a:p>
+        </p:txBody>
+      </p:sp>
+      <p:sp>
+        <p:nvSpPr>
+          <p:cNvPr id="98" name="Rectangle 97"/>
+          <p:cNvSpPr/>
+          <p:nvPr/>
+        </p:nvSpPr>
+        <p:spPr>
+          <a:xfrm>
+            <a:off x="8336763" y="3367717"/>
+            <a:ext cx="2038878" cy="143793"/>
+          </a:xfrm>
+          <a:prstGeom prst="rect">
+            <a:avLst/>
+          </a:prstGeom>
+          <a:solidFill>
+            <a:schemeClr val="accent6">
+              <a:lumMod val="40000"/>
+              <a:lumOff val="60000"/>
+              <a:alpha val="50196"/>
+            </a:schemeClr>
+          </a:solidFill>
+        </p:spPr>
+        <p:style>
+          <a:lnRef idx="2">
+            <a:schemeClr val="accent6">
+              <a:shade val="50000"/>
+            </a:schemeClr>
+          </a:lnRef>
+          <a:fillRef idx="1">
+            <a:schemeClr val="accent6"/>
+          </a:fillRef>
+          <a:effectRef idx="0">
+            <a:schemeClr val="accent6"/>
+          </a:effectRef>
+          <a:fontRef idx="minor">
+            <a:schemeClr val="lt1"/>
+          </a:fontRef>
+        </p:style>
+        <p:txBody>
+          <a:bodyPr rtlCol="0" anchor="ctr"/>
+          <a:lstStyle/>
+          <a:p>
+            <a:pPr algn="ctr"/>
+            <a:endParaRPr lang="fr-FR"/>
+          </a:p>
+        </p:txBody>
+      </p:sp>
+      <p:sp>
+        <p:nvSpPr>
+          <p:cNvPr id="99" name="Rectangle 98"/>
+          <p:cNvSpPr/>
+          <p:nvPr/>
+        </p:nvSpPr>
+        <p:spPr>
+          <a:xfrm>
+            <a:off x="8336763" y="891710"/>
+            <a:ext cx="2038878" cy="143793"/>
+          </a:xfrm>
+          <a:prstGeom prst="rect">
+            <a:avLst/>
+          </a:prstGeom>
+          <a:solidFill>
+            <a:schemeClr val="accent6">
+              <a:lumMod val="40000"/>
+              <a:lumOff val="60000"/>
+              <a:alpha val="50196"/>
+            </a:schemeClr>
+          </a:solidFill>
+        </p:spPr>
+        <p:style>
+          <a:lnRef idx="2">
+            <a:schemeClr val="accent6">
+              <a:shade val="50000"/>
+            </a:schemeClr>
+          </a:lnRef>
+          <a:fillRef idx="1">
+            <a:schemeClr val="accent6"/>
+          </a:fillRef>
+          <a:effectRef idx="0">
+            <a:schemeClr val="accent6"/>
+          </a:effectRef>
+          <a:fontRef idx="minor">
+            <a:schemeClr val="lt1"/>
+          </a:fontRef>
+        </p:style>
+        <p:txBody>
+          <a:bodyPr rtlCol="0" anchor="ctr"/>
+          <a:lstStyle/>
+          <a:p>
+            <a:pPr algn="ctr"/>
+            <a:endParaRPr lang="fr-FR"/>
+          </a:p>
+        </p:txBody>
+      </p:sp>
+      <p:sp>
+        <p:nvSpPr>
+          <p:cNvPr id="100" name="Rectangle 99"/>
+          <p:cNvSpPr/>
+          <p:nvPr/>
+        </p:nvSpPr>
+        <p:spPr>
+          <a:xfrm>
+            <a:off x="8336763" y="596449"/>
+            <a:ext cx="2038878" cy="143793"/>
+          </a:xfrm>
+          <a:prstGeom prst="rect">
+            <a:avLst/>
+          </a:prstGeom>
+          <a:solidFill>
+            <a:schemeClr val="accent6">
+              <a:lumMod val="40000"/>
+              <a:lumOff val="60000"/>
+              <a:alpha val="50196"/>
+            </a:schemeClr>
+          </a:solidFill>
+        </p:spPr>
+        <p:style>
+          <a:lnRef idx="2">
+            <a:schemeClr val="accent6">
+              <a:shade val="50000"/>
+            </a:schemeClr>
+          </a:lnRef>
+          <a:fillRef idx="1">
+            <a:schemeClr val="accent6"/>
+          </a:fillRef>
+          <a:effectRef idx="0">
+            <a:schemeClr val="accent6"/>
+          </a:effectRef>
+          <a:fontRef idx="minor">
+            <a:schemeClr val="lt1"/>
+          </a:fontRef>
+        </p:style>
+        <p:txBody>
+          <a:bodyPr rtlCol="0" anchor="ctr"/>
+          <a:lstStyle/>
+          <a:p>
+            <a:pPr algn="ctr"/>
+            <a:endParaRPr lang="fr-FR"/>
+          </a:p>
+        </p:txBody>
+      </p:sp>
     </p:spTree>
     <p:extLst>
       <p:ext uri="{BB962C8B-B14F-4D97-AF65-F5344CB8AC3E}">
@@ -6023,6 +7796,36 @@
           <a:chExt cx="0" cy="0"/>
         </a:xfrm>
       </p:grpSpPr>
+    </p:spTree>
+    <p:extLst>
+      <p:ext uri="{BB962C8B-B14F-4D97-AF65-F5344CB8AC3E}">
+        <p14:creationId xmlns:p14="http://schemas.microsoft.com/office/powerpoint/2010/main" val="4081498254"/>
+      </p:ext>
+    </p:extLst>
+  </p:cSld>
+  <p:clrMapOvr>
+    <a:masterClrMapping/>
+  </p:clrMapOvr>
+</p:sld>
+</file>
+
+<file path=ppt/slides/slide19.xml><?xml version="1.0" encoding="utf-8"?>
+<p:sld xmlns:a="http://schemas.openxmlformats.org/drawingml/2006/main" xmlns:r="http://schemas.openxmlformats.org/officeDocument/2006/relationships" xmlns:p="http://schemas.openxmlformats.org/presentationml/2006/main">
+  <p:cSld>
+    <p:spTree>
+      <p:nvGrpSpPr>
+        <p:cNvPr id="1" name=""/>
+        <p:cNvGrpSpPr/>
+        <p:nvPr/>
+      </p:nvGrpSpPr>
+      <p:grpSpPr>
+        <a:xfrm>
+          <a:off x="0" y="0"/>
+          <a:ext cx="0" cy="0"/>
+          <a:chOff x="0" y="0"/>
+          <a:chExt cx="0" cy="0"/>
+        </a:xfrm>
+      </p:grpSpPr>
       <p:sp>
         <p:nvSpPr>
           <p:cNvPr id="4" name="Titre 3"/>
@@ -6086,7 +7889,103 @@
 </p:sld>
 </file>
 
-<file path=ppt/slides/slide19.xml><?xml version="1.0" encoding="utf-8"?>
+<file path=ppt/slides/slide2.xml><?xml version="1.0" encoding="utf-8"?>
+<p:sld xmlns:a="http://schemas.openxmlformats.org/drawingml/2006/main" xmlns:r="http://schemas.openxmlformats.org/officeDocument/2006/relationships" xmlns:p="http://schemas.openxmlformats.org/presentationml/2006/main">
+  <p:cSld>
+    <p:spTree>
+      <p:nvGrpSpPr>
+        <p:cNvPr id="1" name=""/>
+        <p:cNvGrpSpPr/>
+        <p:nvPr/>
+      </p:nvGrpSpPr>
+      <p:grpSpPr>
+        <a:xfrm>
+          <a:off x="0" y="0"/>
+          <a:ext cx="0" cy="0"/>
+          <a:chOff x="0" y="0"/>
+          <a:chExt cx="0" cy="0"/>
+        </a:xfrm>
+      </p:grpSpPr>
+      <p:sp>
+        <p:nvSpPr>
+          <p:cNvPr id="4" name="Titre 3"/>
+          <p:cNvSpPr>
+            <a:spLocks noGrp="1"/>
+          </p:cNvSpPr>
+          <p:nvPr>
+            <p:ph type="title"/>
+          </p:nvPr>
+        </p:nvSpPr>
+        <p:spPr/>
+        <p:txBody>
+          <a:bodyPr/>
+          <a:lstStyle/>
+          <a:p>
+            <a:r>
+              <a:rPr lang="fr-FR" dirty="0" err="1" smtClean="0"/>
+              <a:t>Checking</a:t>
+            </a:r>
+            <a:r>
+              <a:rPr lang="fr-FR" dirty="0" smtClean="0"/>
+              <a:t> an inductive invariant</a:t>
+            </a:r>
+            <a:endParaRPr lang="fr-FR" dirty="0"/>
+          </a:p>
+        </p:txBody>
+      </p:sp>
+      <p:sp>
+        <p:nvSpPr>
+          <p:cNvPr id="5" name="Espace réservé du texte 4"/>
+          <p:cNvSpPr>
+            <a:spLocks noGrp="1"/>
+          </p:cNvSpPr>
+          <p:nvPr>
+            <p:ph type="body" idx="1"/>
+          </p:nvPr>
+        </p:nvSpPr>
+        <p:spPr/>
+        <p:txBody>
+          <a:bodyPr/>
+          <a:lstStyle/>
+          <a:p>
+            <a:r>
+              <a:rPr lang="fr-FR" dirty="0" smtClean="0"/>
+              <a:t>Or </a:t>
+            </a:r>
+            <a:r>
+              <a:rPr lang="fr-FR" dirty="0" err="1" smtClean="0"/>
+              <a:t>finding</a:t>
+            </a:r>
+            <a:r>
+              <a:rPr lang="fr-FR" dirty="0" smtClean="0"/>
+              <a:t> </a:t>
+            </a:r>
+            <a:r>
+              <a:rPr lang="fr-FR" dirty="0"/>
+              <a:t>a </a:t>
+            </a:r>
+            <a:r>
+              <a:rPr lang="fr-FR" dirty="0" err="1"/>
+              <a:t>counterexample</a:t>
+            </a:r>
+            <a:endParaRPr lang="fr-FR" dirty="0"/>
+          </a:p>
+        </p:txBody>
+      </p:sp>
+    </p:spTree>
+    <p:extLst>
+      <p:ext uri="{BB962C8B-B14F-4D97-AF65-F5344CB8AC3E}">
+        <p14:creationId xmlns:p14="http://schemas.microsoft.com/office/powerpoint/2010/main" val="3937682909"/>
+      </p:ext>
+    </p:extLst>
+  </p:cSld>
+  <p:clrMapOvr>
+    <a:masterClrMapping/>
+  </p:clrMapOvr>
+</p:sld>
+</file>
+
+<file path=ppt/slides/slide20.xml><?xml version="1.0" encoding="utf-8"?>
 <p:sld xmlns:a="http://schemas.openxmlformats.org/drawingml/2006/main" xmlns:r="http://schemas.openxmlformats.org/officeDocument/2006/relationships" xmlns:p="http://schemas.openxmlformats.org/presentationml/2006/main">
   <p:cSld>
     <p:spTree>
@@ -6974,102 +8873,6 @@
       </p:par>
     </p:tnLst>
   </p:timing>
-</p:sld>
-</file>
-
-<file path=ppt/slides/slide2.xml><?xml version="1.0" encoding="utf-8"?>
-<p:sld xmlns:a="http://schemas.openxmlformats.org/drawingml/2006/main" xmlns:r="http://schemas.openxmlformats.org/officeDocument/2006/relationships" xmlns:p="http://schemas.openxmlformats.org/presentationml/2006/main">
-  <p:cSld>
-    <p:spTree>
-      <p:nvGrpSpPr>
-        <p:cNvPr id="1" name=""/>
-        <p:cNvGrpSpPr/>
-        <p:nvPr/>
-      </p:nvGrpSpPr>
-      <p:grpSpPr>
-        <a:xfrm>
-          <a:off x="0" y="0"/>
-          <a:ext cx="0" cy="0"/>
-          <a:chOff x="0" y="0"/>
-          <a:chExt cx="0" cy="0"/>
-        </a:xfrm>
-      </p:grpSpPr>
-      <p:sp>
-        <p:nvSpPr>
-          <p:cNvPr id="4" name="Titre 3"/>
-          <p:cNvSpPr>
-            <a:spLocks noGrp="1"/>
-          </p:cNvSpPr>
-          <p:nvPr>
-            <p:ph type="title"/>
-          </p:nvPr>
-        </p:nvSpPr>
-        <p:spPr/>
-        <p:txBody>
-          <a:bodyPr/>
-          <a:lstStyle/>
-          <a:p>
-            <a:r>
-              <a:rPr lang="fr-FR" dirty="0" err="1" smtClean="0"/>
-              <a:t>Checking</a:t>
-            </a:r>
-            <a:r>
-              <a:rPr lang="fr-FR" dirty="0" smtClean="0"/>
-              <a:t> an inductive invariant</a:t>
-            </a:r>
-            <a:endParaRPr lang="fr-FR" dirty="0"/>
-          </a:p>
-        </p:txBody>
-      </p:sp>
-      <p:sp>
-        <p:nvSpPr>
-          <p:cNvPr id="5" name="Espace réservé du texte 4"/>
-          <p:cNvSpPr>
-            <a:spLocks noGrp="1"/>
-          </p:cNvSpPr>
-          <p:nvPr>
-            <p:ph type="body" idx="1"/>
-          </p:nvPr>
-        </p:nvSpPr>
-        <p:spPr/>
-        <p:txBody>
-          <a:bodyPr/>
-          <a:lstStyle/>
-          <a:p>
-            <a:r>
-              <a:rPr lang="fr-FR" dirty="0" smtClean="0"/>
-              <a:t>Or </a:t>
-            </a:r>
-            <a:r>
-              <a:rPr lang="fr-FR" dirty="0" err="1" smtClean="0"/>
-              <a:t>finding</a:t>
-            </a:r>
-            <a:r>
-              <a:rPr lang="fr-FR" dirty="0" smtClean="0"/>
-              <a:t> </a:t>
-            </a:r>
-            <a:r>
-              <a:rPr lang="fr-FR" dirty="0"/>
-              <a:t>a </a:t>
-            </a:r>
-            <a:r>
-              <a:rPr lang="fr-FR" dirty="0" err="1"/>
-              <a:t>counterexample</a:t>
-            </a:r>
-            <a:endParaRPr lang="fr-FR" dirty="0"/>
-          </a:p>
-        </p:txBody>
-      </p:sp>
-    </p:spTree>
-    <p:extLst>
-      <p:ext uri="{BB962C8B-B14F-4D97-AF65-F5344CB8AC3E}">
-        <p14:creationId xmlns:p14="http://schemas.microsoft.com/office/powerpoint/2010/main" val="3937682909"/>
-      </p:ext>
-    </p:extLst>
-  </p:cSld>
-  <p:clrMapOvr>
-    <a:masterClrMapping/>
-  </p:clrMapOvr>
 </p:sld>
 </file>
 

--- a/interactive_proof/counterexample_generalization.pptx
+++ b/interactive_proof/counterexample_generalization.pptx
@@ -23,8 +23,9 @@
     <p:sldId id="276" r:id="rId17"/>
     <p:sldId id="274" r:id="rId18"/>
     <p:sldId id="277" r:id="rId19"/>
-    <p:sldId id="262" r:id="rId20"/>
-    <p:sldId id="261" r:id="rId21"/>
+    <p:sldId id="278" r:id="rId20"/>
+    <p:sldId id="262" r:id="rId21"/>
+    <p:sldId id="261" r:id="rId22"/>
   </p:sldIdLst>
   <p:sldSz cx="12192000" cy="6858000"/>
   <p:notesSz cx="6858000" cy="9144000"/>
@@ -262,7 +263,7 @@
           <a:p>
             <a:fld id="{C65B62AB-347D-4921-8B90-41F43B961539}" type="datetimeFigureOut">
               <a:rPr lang="fr-FR" smtClean="0"/>
-              <a:t>22/03/2018</a:t>
+              <a:t>23/03/2018</a:t>
             </a:fld>
             <a:endParaRPr lang="fr-FR"/>
           </a:p>
@@ -432,7 +433,7 @@
           <a:p>
             <a:fld id="{C65B62AB-347D-4921-8B90-41F43B961539}" type="datetimeFigureOut">
               <a:rPr lang="fr-FR" smtClean="0"/>
-              <a:t>22/03/2018</a:t>
+              <a:t>23/03/2018</a:t>
             </a:fld>
             <a:endParaRPr lang="fr-FR"/>
           </a:p>
@@ -612,7 +613,7 @@
           <a:p>
             <a:fld id="{C65B62AB-347D-4921-8B90-41F43B961539}" type="datetimeFigureOut">
               <a:rPr lang="fr-FR" smtClean="0"/>
-              <a:t>22/03/2018</a:t>
+              <a:t>23/03/2018</a:t>
             </a:fld>
             <a:endParaRPr lang="fr-FR"/>
           </a:p>
@@ -782,7 +783,7 @@
           <a:p>
             <a:fld id="{C65B62AB-347D-4921-8B90-41F43B961539}" type="datetimeFigureOut">
               <a:rPr lang="fr-FR" smtClean="0"/>
-              <a:t>22/03/2018</a:t>
+              <a:t>23/03/2018</a:t>
             </a:fld>
             <a:endParaRPr lang="fr-FR"/>
           </a:p>
@@ -1028,7 +1029,7 @@
           <a:p>
             <a:fld id="{C65B62AB-347D-4921-8B90-41F43B961539}" type="datetimeFigureOut">
               <a:rPr lang="fr-FR" smtClean="0"/>
-              <a:t>22/03/2018</a:t>
+              <a:t>23/03/2018</a:t>
             </a:fld>
             <a:endParaRPr lang="fr-FR"/>
           </a:p>
@@ -1260,7 +1261,7 @@
           <a:p>
             <a:fld id="{C65B62AB-347D-4921-8B90-41F43B961539}" type="datetimeFigureOut">
               <a:rPr lang="fr-FR" smtClean="0"/>
-              <a:t>22/03/2018</a:t>
+              <a:t>23/03/2018</a:t>
             </a:fld>
             <a:endParaRPr lang="fr-FR"/>
           </a:p>
@@ -1627,7 +1628,7 @@
           <a:p>
             <a:fld id="{C65B62AB-347D-4921-8B90-41F43B961539}" type="datetimeFigureOut">
               <a:rPr lang="fr-FR" smtClean="0"/>
-              <a:t>22/03/2018</a:t>
+              <a:t>23/03/2018</a:t>
             </a:fld>
             <a:endParaRPr lang="fr-FR"/>
           </a:p>
@@ -1745,7 +1746,7 @@
           <a:p>
             <a:fld id="{C65B62AB-347D-4921-8B90-41F43B961539}" type="datetimeFigureOut">
               <a:rPr lang="fr-FR" smtClean="0"/>
-              <a:t>22/03/2018</a:t>
+              <a:t>23/03/2018</a:t>
             </a:fld>
             <a:endParaRPr lang="fr-FR"/>
           </a:p>
@@ -1840,7 +1841,7 @@
           <a:p>
             <a:fld id="{C65B62AB-347D-4921-8B90-41F43B961539}" type="datetimeFigureOut">
               <a:rPr lang="fr-FR" smtClean="0"/>
-              <a:t>22/03/2018</a:t>
+              <a:t>23/03/2018</a:t>
             </a:fld>
             <a:endParaRPr lang="fr-FR"/>
           </a:p>
@@ -2117,7 +2118,7 @@
           <a:p>
             <a:fld id="{C65B62AB-347D-4921-8B90-41F43B961539}" type="datetimeFigureOut">
               <a:rPr lang="fr-FR" smtClean="0"/>
-              <a:t>22/03/2018</a:t>
+              <a:t>23/03/2018</a:t>
             </a:fld>
             <a:endParaRPr lang="fr-FR"/>
           </a:p>
@@ -2370,7 +2371,7 @@
           <a:p>
             <a:fld id="{C65B62AB-347D-4921-8B90-41F43B961539}" type="datetimeFigureOut">
               <a:rPr lang="fr-FR" smtClean="0"/>
-              <a:t>22/03/2018</a:t>
+              <a:t>23/03/2018</a:t>
             </a:fld>
             <a:endParaRPr lang="fr-FR"/>
           </a:p>
@@ -2583,7 +2584,7 @@
           <a:p>
             <a:fld id="{C65B62AB-347D-4921-8B90-41F43B961539}" type="datetimeFigureOut">
               <a:rPr lang="fr-FR" smtClean="0"/>
-              <a:t>22/03/2018</a:t>
+              <a:t>23/03/2018</a:t>
             </a:fld>
             <a:endParaRPr lang="fr-FR"/>
           </a:p>
@@ -4672,8 +4673,73 @@
             </a:r>
             <a:r>
               <a:rPr lang="fr-FR" dirty="0" smtClean="0"/>
+              <a:t>. </a:t>
+            </a:r>
+            <a:r>
+              <a:rPr lang="fr-FR" dirty="0" err="1" smtClean="0"/>
+              <a:t>We</a:t>
+            </a:r>
+            <a:r>
+              <a:rPr lang="fr-FR" dirty="0" smtClean="0"/>
+              <a:t> </a:t>
+            </a:r>
+            <a:r>
+              <a:rPr lang="fr-FR" dirty="0" err="1" smtClean="0"/>
+              <a:t>only</a:t>
+            </a:r>
+            <a:r>
+              <a:rPr lang="fr-FR" dirty="0" smtClean="0"/>
+              <a:t> </a:t>
+            </a:r>
+            <a:r>
+              <a:rPr lang="fr-FR" dirty="0" err="1" smtClean="0"/>
+              <a:t>consider</a:t>
+            </a:r>
+            <a:r>
+              <a:rPr lang="fr-FR" dirty="0" smtClean="0"/>
+              <a:t> </a:t>
+            </a:r>
+            <a:r>
+              <a:rPr lang="fr-FR" dirty="0" err="1" smtClean="0"/>
+              <a:t>constraints</a:t>
+            </a:r>
+            <a:r>
+              <a:rPr lang="fr-FR" dirty="0" smtClean="0"/>
+              <a:t> </a:t>
+            </a:r>
+            <a:r>
+              <a:rPr lang="fr-FR" dirty="0" err="1" smtClean="0"/>
+              <a:t>that</a:t>
+            </a:r>
+            <a:r>
+              <a:rPr lang="fr-FR" dirty="0" smtClean="0"/>
+              <a:t> correspond to: relation=</a:t>
+            </a:r>
+            <a:r>
+              <a:rPr lang="fr-FR" dirty="0" err="1" smtClean="0"/>
+              <a:t>true</a:t>
+            </a:r>
+            <a:r>
+              <a:rPr lang="fr-FR" dirty="0" smtClean="0"/>
+              <a:t>, relation=false, </a:t>
+            </a:r>
+            <a:r>
+              <a:rPr lang="fr-FR" dirty="0" err="1" smtClean="0"/>
+              <a:t>function</a:t>
+            </a:r>
+            <a:r>
+              <a:rPr lang="fr-FR" dirty="0" smtClean="0"/>
+              <a:t>=X, structural (in)</a:t>
+            </a:r>
+            <a:r>
+              <a:rPr lang="fr-FR" dirty="0" err="1" smtClean="0"/>
+              <a:t>equalities</a:t>
+            </a:r>
+            <a:r>
+              <a:rPr lang="fr-FR" smtClean="0"/>
               <a:t>.</a:t>
             </a:r>
+            <a:endParaRPr lang="fr-FR" dirty="0" smtClean="0"/>
           </a:p>
           <a:p>
             <a:pPr>
@@ -5165,106 +5231,10 @@
           <a:chExt cx="0" cy="0"/>
         </a:xfrm>
       </p:grpSpPr>
-      <p:pic>
-        <p:nvPicPr>
-          <p:cNvPr id="2" name="Image 1"/>
-          <p:cNvPicPr>
-            <a:picLocks noChangeAspect="1"/>
-          </p:cNvPicPr>
-          <p:nvPr/>
-        </p:nvPicPr>
-        <p:blipFill>
-          <a:blip r:embed="rId2"/>
-          <a:stretch>
-            <a:fillRect/>
-          </a:stretch>
-        </p:blipFill>
-        <p:spPr>
-          <a:xfrm>
-            <a:off x="9987492" y="393934"/>
-            <a:ext cx="2085975" cy="3571875"/>
-          </a:xfrm>
-          <a:prstGeom prst="rect">
-            <a:avLst/>
-          </a:prstGeom>
-        </p:spPr>
-      </p:pic>
-      <p:pic>
-        <p:nvPicPr>
-          <p:cNvPr id="3" name="Image 2"/>
-          <p:cNvPicPr>
-            <a:picLocks noChangeAspect="1"/>
-          </p:cNvPicPr>
-          <p:nvPr/>
-        </p:nvPicPr>
-        <p:blipFill>
-          <a:blip r:embed="rId3"/>
-          <a:stretch>
-            <a:fillRect/>
-          </a:stretch>
-        </p:blipFill>
-        <p:spPr>
-          <a:xfrm>
-            <a:off x="6551783" y="406399"/>
-            <a:ext cx="3351042" cy="3479271"/>
-          </a:xfrm>
-          <a:prstGeom prst="rect">
-            <a:avLst/>
-          </a:prstGeom>
-        </p:spPr>
-      </p:pic>
-      <p:pic>
-        <p:nvPicPr>
-          <p:cNvPr id="4" name="Image 3"/>
-          <p:cNvPicPr>
-            <a:picLocks noChangeAspect="1"/>
-          </p:cNvPicPr>
-          <p:nvPr/>
-        </p:nvPicPr>
-        <p:blipFill rotWithShape="1">
-          <a:blip r:embed="rId4"/>
-          <a:srcRect t="51658"/>
-          <a:stretch/>
-        </p:blipFill>
-        <p:spPr>
-          <a:xfrm>
-            <a:off x="2624666" y="259054"/>
-            <a:ext cx="3694698" cy="3706755"/>
-          </a:xfrm>
-          <a:prstGeom prst="rect">
-            <a:avLst/>
-          </a:prstGeom>
-        </p:spPr>
-      </p:pic>
-      <p:pic>
-        <p:nvPicPr>
-          <p:cNvPr id="5" name="Image 4"/>
-          <p:cNvPicPr>
-            <a:picLocks noChangeAspect="1"/>
-          </p:cNvPicPr>
-          <p:nvPr/>
-        </p:nvPicPr>
-        <p:blipFill rotWithShape="1">
-          <a:blip r:embed="rId5"/>
-          <a:srcRect t="5412" r="62140" b="21115"/>
-          <a:stretch/>
-        </p:blipFill>
-        <p:spPr>
-          <a:xfrm>
-            <a:off x="133069" y="406399"/>
-            <a:ext cx="2491597" cy="3412067"/>
-          </a:xfrm>
-          <a:prstGeom prst="rect">
-            <a:avLst/>
-          </a:prstGeom>
-        </p:spPr>
-      </p:pic>
       <p:cxnSp>
         <p:nvCxnSpPr>
           <p:cNvPr id="7" name="Connecteur droit avec flèche 6"/>
-          <p:cNvCxnSpPr>
-            <a:endCxn id="4" idx="3"/>
-          </p:cNvCxnSpPr>
+          <p:cNvCxnSpPr/>
           <p:nvPr/>
         </p:nvCxnSpPr>
         <p:spPr>
@@ -5294,30 +5264,6 @@
           </a:fontRef>
         </p:style>
       </p:cxnSp>
-      <p:pic>
-        <p:nvPicPr>
-          <p:cNvPr id="18" name="Image 17"/>
-          <p:cNvPicPr>
-            <a:picLocks noChangeAspect="1"/>
-          </p:cNvPicPr>
-          <p:nvPr/>
-        </p:nvPicPr>
-        <p:blipFill>
-          <a:blip r:embed="rId6"/>
-          <a:stretch>
-            <a:fillRect/>
-          </a:stretch>
-        </p:blipFill>
-        <p:spPr>
-          <a:xfrm>
-            <a:off x="557212" y="4281450"/>
-            <a:ext cx="2371725" cy="1971675"/>
-          </a:xfrm>
-          <a:prstGeom prst="rect">
-            <a:avLst/>
-          </a:prstGeom>
-        </p:spPr>
-      </p:pic>
       <p:grpSp>
         <p:nvGrpSpPr>
           <p:cNvPr id="6" name="Groupe 5"/>
@@ -5369,7 +5315,7 @@
                 <p:nvPr/>
               </p:nvPicPr>
               <p:blipFill rotWithShape="1">
-                <a:blip r:embed="rId7"/>
+                <a:blip r:embed="rId2"/>
                 <a:srcRect t="44083"/>
                 <a:stretch/>
               </p:blipFill>
@@ -5583,7 +5529,7 @@
               <p:nvPr/>
             </p:nvPicPr>
             <p:blipFill rotWithShape="1">
-              <a:blip r:embed="rId8"/>
+              <a:blip r:embed="rId3"/>
               <a:srcRect t="83666" b="4737"/>
               <a:stretch/>
             </p:blipFill>
@@ -5606,7 +5552,7 @@
               <p:nvPr/>
             </p:nvPicPr>
             <p:blipFill rotWithShape="1">
-              <a:blip r:embed="rId9"/>
+              <a:blip r:embed="rId4"/>
               <a:srcRect l="3523" t="54895" r="63253" b="39131"/>
               <a:stretch/>
             </p:blipFill>
@@ -5660,6 +5606,156 @@
           </p:txBody>
         </p:sp>
       </p:grpSp>
+      <p:pic>
+        <p:nvPicPr>
+          <p:cNvPr id="20" name="Image 19"/>
+          <p:cNvPicPr>
+            <a:picLocks noChangeAspect="1"/>
+          </p:cNvPicPr>
+          <p:nvPr/>
+        </p:nvPicPr>
+        <p:blipFill>
+          <a:blip r:embed="rId5">
+            <a:extLst>
+              <a:ext uri="{28A0092B-C50C-407E-A947-70E740481C1C}">
+                <a14:useLocalDpi xmlns:a14="http://schemas.microsoft.com/office/drawing/2010/main" val="0"/>
+              </a:ext>
+            </a:extLst>
+          </a:blip>
+          <a:stretch>
+            <a:fillRect/>
+          </a:stretch>
+        </p:blipFill>
+        <p:spPr>
+          <a:xfrm>
+            <a:off x="726016" y="4324917"/>
+            <a:ext cx="2743583" cy="2076740"/>
+          </a:xfrm>
+          <a:prstGeom prst="rect">
+            <a:avLst/>
+          </a:prstGeom>
+        </p:spPr>
+      </p:pic>
+      <p:pic>
+        <p:nvPicPr>
+          <p:cNvPr id="21" name="Image 20"/>
+          <p:cNvPicPr>
+            <a:picLocks noChangeAspect="1"/>
+          </p:cNvPicPr>
+          <p:nvPr/>
+        </p:nvPicPr>
+        <p:blipFill>
+          <a:blip r:embed="rId6">
+            <a:extLst>
+              <a:ext uri="{28A0092B-C50C-407E-A947-70E740481C1C}">
+                <a14:useLocalDpi xmlns:a14="http://schemas.microsoft.com/office/drawing/2010/main" val="0"/>
+              </a:ext>
+            </a:extLst>
+          </a:blip>
+          <a:stretch>
+            <a:fillRect/>
+          </a:stretch>
+        </p:blipFill>
+        <p:spPr>
+          <a:xfrm>
+            <a:off x="196781" y="829733"/>
+            <a:ext cx="2651939" cy="2861658"/>
+          </a:xfrm>
+          <a:prstGeom prst="rect">
+            <a:avLst/>
+          </a:prstGeom>
+        </p:spPr>
+      </p:pic>
+      <p:pic>
+        <p:nvPicPr>
+          <p:cNvPr id="22" name="Image 21"/>
+          <p:cNvPicPr>
+            <a:picLocks noChangeAspect="1"/>
+          </p:cNvPicPr>
+          <p:nvPr/>
+        </p:nvPicPr>
+        <p:blipFill>
+          <a:blip r:embed="rId7">
+            <a:extLst>
+              <a:ext uri="{28A0092B-C50C-407E-A947-70E740481C1C}">
+                <a14:useLocalDpi xmlns:a14="http://schemas.microsoft.com/office/drawing/2010/main" val="0"/>
+              </a:ext>
+            </a:extLst>
+          </a:blip>
+          <a:stretch>
+            <a:fillRect/>
+          </a:stretch>
+        </p:blipFill>
+        <p:spPr>
+          <a:xfrm>
+            <a:off x="2848720" y="435780"/>
+            <a:ext cx="1991003" cy="3572374"/>
+          </a:xfrm>
+          <a:prstGeom prst="rect">
+            <a:avLst/>
+          </a:prstGeom>
+        </p:spPr>
+      </p:pic>
+      <p:pic>
+        <p:nvPicPr>
+          <p:cNvPr id="23" name="Image 22"/>
+          <p:cNvPicPr>
+            <a:picLocks noChangeAspect="1"/>
+          </p:cNvPicPr>
+          <p:nvPr/>
+        </p:nvPicPr>
+        <p:blipFill>
+          <a:blip r:embed="rId8">
+            <a:extLst>
+              <a:ext uri="{28A0092B-C50C-407E-A947-70E740481C1C}">
+                <a14:useLocalDpi xmlns:a14="http://schemas.microsoft.com/office/drawing/2010/main" val="0"/>
+              </a:ext>
+            </a:extLst>
+          </a:blip>
+          <a:stretch>
+            <a:fillRect/>
+          </a:stretch>
+        </p:blipFill>
+        <p:spPr>
+          <a:xfrm>
+            <a:off x="6826512" y="829733"/>
+            <a:ext cx="2732355" cy="2813716"/>
+          </a:xfrm>
+          <a:prstGeom prst="rect">
+            <a:avLst/>
+          </a:prstGeom>
+        </p:spPr>
+      </p:pic>
+      <p:pic>
+        <p:nvPicPr>
+          <p:cNvPr id="24" name="Image 23"/>
+          <p:cNvPicPr>
+            <a:picLocks noChangeAspect="1"/>
+          </p:cNvPicPr>
+          <p:nvPr/>
+        </p:nvPicPr>
+        <p:blipFill>
+          <a:blip r:embed="rId9">
+            <a:extLst>
+              <a:ext uri="{28A0092B-C50C-407E-A947-70E740481C1C}">
+                <a14:useLocalDpi xmlns:a14="http://schemas.microsoft.com/office/drawing/2010/main" val="0"/>
+              </a:ext>
+            </a:extLst>
+          </a:blip>
+          <a:stretch>
+            <a:fillRect/>
+          </a:stretch>
+        </p:blipFill>
+        <p:spPr>
+          <a:xfrm>
+            <a:off x="9558867" y="435780"/>
+            <a:ext cx="2210108" cy="3553321"/>
+          </a:xfrm>
+          <a:prstGeom prst="rect">
+            <a:avLst/>
+          </a:prstGeom>
+        </p:spPr>
+      </p:pic>
     </p:spTree>
     <p:extLst>
       <p:ext uri="{BB962C8B-B14F-4D97-AF65-F5344CB8AC3E}">
@@ -5690,30 +5786,6 @@
           <a:chExt cx="0" cy="0"/>
         </a:xfrm>
       </p:grpSpPr>
-      <p:pic>
-        <p:nvPicPr>
-          <p:cNvPr id="36" name="Image 35"/>
-          <p:cNvPicPr>
-            <a:picLocks noChangeAspect="1"/>
-          </p:cNvPicPr>
-          <p:nvPr/>
-        </p:nvPicPr>
-        <p:blipFill>
-          <a:blip r:embed="rId2"/>
-          <a:stretch>
-            <a:fillRect/>
-          </a:stretch>
-        </p:blipFill>
-        <p:spPr>
-          <a:xfrm>
-            <a:off x="602720" y="413848"/>
-            <a:ext cx="2283689" cy="3910427"/>
-          </a:xfrm>
-          <a:prstGeom prst="rect">
-            <a:avLst/>
-          </a:prstGeom>
-        </p:spPr>
-      </p:pic>
       <p:cxnSp>
         <p:nvCxnSpPr>
           <p:cNvPr id="49" name="Connecteur droit avec flèche 48"/>
@@ -5747,306 +5819,6 @@
           </a:fontRef>
         </p:style>
       </p:cxnSp>
-      <p:sp>
-        <p:nvSpPr>
-          <p:cNvPr id="24" name="Rectangle 23"/>
-          <p:cNvSpPr/>
-          <p:nvPr/>
-        </p:nvSpPr>
-        <p:spPr>
-          <a:xfrm>
-            <a:off x="573857" y="2199142"/>
-            <a:ext cx="2038878" cy="143793"/>
-          </a:xfrm>
-          <a:prstGeom prst="rect">
-            <a:avLst/>
-          </a:prstGeom>
-          <a:solidFill>
-            <a:srgbClr val="70AD47">
-              <a:alpha val="50196"/>
-            </a:srgbClr>
-          </a:solidFill>
-        </p:spPr>
-        <p:style>
-          <a:lnRef idx="2">
-            <a:schemeClr val="accent6">
-              <a:shade val="50000"/>
-            </a:schemeClr>
-          </a:lnRef>
-          <a:fillRef idx="1">
-            <a:schemeClr val="accent6"/>
-          </a:fillRef>
-          <a:effectRef idx="0">
-            <a:schemeClr val="accent6"/>
-          </a:effectRef>
-          <a:fontRef idx="minor">
-            <a:schemeClr val="lt1"/>
-          </a:fontRef>
-        </p:style>
-        <p:txBody>
-          <a:bodyPr rtlCol="0" anchor="ctr"/>
-          <a:lstStyle/>
-          <a:p>
-            <a:pPr algn="ctr"/>
-            <a:endParaRPr lang="fr-FR"/>
-          </a:p>
-        </p:txBody>
-      </p:sp>
-      <p:sp>
-        <p:nvSpPr>
-          <p:cNvPr id="50" name="Rectangle 49"/>
-          <p:cNvSpPr/>
-          <p:nvPr/>
-        </p:nvSpPr>
-        <p:spPr>
-          <a:xfrm>
-            <a:off x="573857" y="1762852"/>
-            <a:ext cx="2038878" cy="143793"/>
-          </a:xfrm>
-          <a:prstGeom prst="rect">
-            <a:avLst/>
-          </a:prstGeom>
-          <a:solidFill>
-            <a:srgbClr val="70AD47">
-              <a:alpha val="50196"/>
-            </a:srgbClr>
-          </a:solidFill>
-        </p:spPr>
-        <p:style>
-          <a:lnRef idx="2">
-            <a:schemeClr val="accent6">
-              <a:shade val="50000"/>
-            </a:schemeClr>
-          </a:lnRef>
-          <a:fillRef idx="1">
-            <a:schemeClr val="accent6"/>
-          </a:fillRef>
-          <a:effectRef idx="0">
-            <a:schemeClr val="accent6"/>
-          </a:effectRef>
-          <a:fontRef idx="minor">
-            <a:schemeClr val="lt1"/>
-          </a:fontRef>
-        </p:style>
-        <p:txBody>
-          <a:bodyPr rtlCol="0" anchor="ctr"/>
-          <a:lstStyle/>
-          <a:p>
-            <a:pPr algn="ctr"/>
-            <a:endParaRPr lang="fr-FR"/>
-          </a:p>
-        </p:txBody>
-      </p:sp>
-      <p:sp>
-        <p:nvSpPr>
-          <p:cNvPr id="51" name="Rectangle 50"/>
-          <p:cNvSpPr/>
-          <p:nvPr/>
-        </p:nvSpPr>
-        <p:spPr>
-          <a:xfrm>
-            <a:off x="582359" y="3952270"/>
-            <a:ext cx="2038878" cy="143793"/>
-          </a:xfrm>
-          <a:prstGeom prst="rect">
-            <a:avLst/>
-          </a:prstGeom>
-          <a:solidFill>
-            <a:srgbClr val="70AD47">
-              <a:alpha val="50196"/>
-            </a:srgbClr>
-          </a:solidFill>
-        </p:spPr>
-        <p:style>
-          <a:lnRef idx="2">
-            <a:schemeClr val="accent6">
-              <a:shade val="50000"/>
-            </a:schemeClr>
-          </a:lnRef>
-          <a:fillRef idx="1">
-            <a:schemeClr val="accent6"/>
-          </a:fillRef>
-          <a:effectRef idx="0">
-            <a:schemeClr val="accent6"/>
-          </a:effectRef>
-          <a:fontRef idx="minor">
-            <a:schemeClr val="lt1"/>
-          </a:fontRef>
-        </p:style>
-        <p:txBody>
-          <a:bodyPr rtlCol="0" anchor="ctr"/>
-          <a:lstStyle/>
-          <a:p>
-            <a:pPr algn="ctr"/>
-            <a:endParaRPr lang="fr-FR"/>
-          </a:p>
-        </p:txBody>
-      </p:sp>
-      <p:pic>
-        <p:nvPicPr>
-          <p:cNvPr id="18" name="Image 17"/>
-          <p:cNvPicPr>
-            <a:picLocks noChangeAspect="1"/>
-          </p:cNvPicPr>
-          <p:nvPr/>
-        </p:nvPicPr>
-        <p:blipFill>
-          <a:blip r:embed="rId2"/>
-          <a:stretch>
-            <a:fillRect/>
-          </a:stretch>
-        </p:blipFill>
-        <p:spPr>
-          <a:xfrm>
-            <a:off x="4514320" y="405614"/>
-            <a:ext cx="2283689" cy="3910427"/>
-          </a:xfrm>
-          <a:prstGeom prst="rect">
-            <a:avLst/>
-          </a:prstGeom>
-        </p:spPr>
-      </p:pic>
-      <p:sp>
-        <p:nvSpPr>
-          <p:cNvPr id="15" name="Rectangle 14"/>
-          <p:cNvSpPr/>
-          <p:nvPr/>
-        </p:nvSpPr>
-        <p:spPr>
-          <a:xfrm>
-            <a:off x="4486609" y="1751954"/>
-            <a:ext cx="2038878" cy="143793"/>
-          </a:xfrm>
-          <a:prstGeom prst="rect">
-            <a:avLst/>
-          </a:prstGeom>
-          <a:solidFill>
-            <a:schemeClr val="accent6">
-              <a:lumMod val="40000"/>
-              <a:lumOff val="60000"/>
-              <a:alpha val="50196"/>
-            </a:schemeClr>
-          </a:solidFill>
-        </p:spPr>
-        <p:style>
-          <a:lnRef idx="2">
-            <a:schemeClr val="accent6">
-              <a:shade val="50000"/>
-            </a:schemeClr>
-          </a:lnRef>
-          <a:fillRef idx="1">
-            <a:schemeClr val="accent6"/>
-          </a:fillRef>
-          <a:effectRef idx="0">
-            <a:schemeClr val="accent6"/>
-          </a:effectRef>
-          <a:fontRef idx="minor">
-            <a:schemeClr val="lt1"/>
-          </a:fontRef>
-        </p:style>
-        <p:txBody>
-          <a:bodyPr rtlCol="0" anchor="ctr"/>
-          <a:lstStyle/>
-          <a:p>
-            <a:pPr algn="ctr"/>
-            <a:endParaRPr lang="fr-FR"/>
-          </a:p>
-        </p:txBody>
-      </p:sp>
-      <p:sp>
-        <p:nvSpPr>
-          <p:cNvPr id="34" name="Rectangle 33"/>
-          <p:cNvSpPr/>
-          <p:nvPr/>
-        </p:nvSpPr>
-        <p:spPr>
-          <a:xfrm>
-            <a:off x="4495075" y="2183754"/>
-            <a:ext cx="2038878" cy="143793"/>
-          </a:xfrm>
-          <a:prstGeom prst="rect">
-            <a:avLst/>
-          </a:prstGeom>
-          <a:solidFill>
-            <a:schemeClr val="accent6">
-              <a:lumMod val="40000"/>
-              <a:lumOff val="60000"/>
-              <a:alpha val="50196"/>
-            </a:schemeClr>
-          </a:solidFill>
-        </p:spPr>
-        <p:style>
-          <a:lnRef idx="2">
-            <a:schemeClr val="accent6">
-              <a:shade val="50000"/>
-            </a:schemeClr>
-          </a:lnRef>
-          <a:fillRef idx="1">
-            <a:schemeClr val="accent6"/>
-          </a:fillRef>
-          <a:effectRef idx="0">
-            <a:schemeClr val="accent6"/>
-          </a:effectRef>
-          <a:fontRef idx="minor">
-            <a:schemeClr val="lt1"/>
-          </a:fontRef>
-        </p:style>
-        <p:txBody>
-          <a:bodyPr rtlCol="0" anchor="ctr"/>
-          <a:lstStyle/>
-          <a:p>
-            <a:pPr algn="ctr"/>
-            <a:endParaRPr lang="fr-FR"/>
-          </a:p>
-        </p:txBody>
-      </p:sp>
-      <p:sp>
-        <p:nvSpPr>
-          <p:cNvPr id="35" name="Rectangle 34"/>
-          <p:cNvSpPr/>
-          <p:nvPr/>
-        </p:nvSpPr>
-        <p:spPr>
-          <a:xfrm>
-            <a:off x="4503542" y="3941125"/>
-            <a:ext cx="2038878" cy="143793"/>
-          </a:xfrm>
-          <a:prstGeom prst="rect">
-            <a:avLst/>
-          </a:prstGeom>
-          <a:solidFill>
-            <a:schemeClr val="accent6">
-              <a:lumMod val="40000"/>
-              <a:lumOff val="60000"/>
-              <a:alpha val="50196"/>
-            </a:schemeClr>
-          </a:solidFill>
-        </p:spPr>
-        <p:style>
-          <a:lnRef idx="2">
-            <a:schemeClr val="accent6">
-              <a:shade val="50000"/>
-            </a:schemeClr>
-          </a:lnRef>
-          <a:fillRef idx="1">
-            <a:schemeClr val="accent6"/>
-          </a:fillRef>
-          <a:effectRef idx="0">
-            <a:schemeClr val="accent6"/>
-          </a:effectRef>
-          <a:fontRef idx="minor">
-            <a:schemeClr val="lt1"/>
-          </a:fontRef>
-        </p:style>
-        <p:txBody>
-          <a:bodyPr rtlCol="0" anchor="ctr"/>
-          <a:lstStyle/>
-          <a:p>
-            <a:pPr algn="ctr"/>
-            <a:endParaRPr lang="fr-FR"/>
-          </a:p>
-        </p:txBody>
-      </p:sp>
       <p:grpSp>
         <p:nvGrpSpPr>
           <p:cNvPr id="47" name="Groupe 46"/>
@@ -6098,7 +5870,7 @@
                 <p:nvPr/>
               </p:nvPicPr>
               <p:blipFill rotWithShape="1">
-                <a:blip r:embed="rId3"/>
+                <a:blip r:embed="rId2"/>
                 <a:srcRect t="44083"/>
                 <a:stretch/>
               </p:blipFill>
@@ -6312,7 +6084,7 @@
               <p:nvPr/>
             </p:nvPicPr>
             <p:blipFill rotWithShape="1">
-              <a:blip r:embed="rId4"/>
+              <a:blip r:embed="rId3"/>
               <a:srcRect t="83666" b="4737"/>
               <a:stretch/>
             </p:blipFill>
@@ -6335,7 +6107,7 @@
               <p:nvPr/>
             </p:nvPicPr>
             <p:blipFill rotWithShape="1">
-              <a:blip r:embed="rId5"/>
+              <a:blip r:embed="rId4"/>
               <a:srcRect l="3523" t="54895" r="63253" b="39131"/>
               <a:stretch/>
             </p:blipFill>
@@ -6389,282 +6161,6 @@
           </p:txBody>
         </p:sp>
       </p:grpSp>
-      <p:sp>
-        <p:nvSpPr>
-          <p:cNvPr id="74" name="Rectangle 73"/>
-          <p:cNvSpPr/>
-          <p:nvPr/>
-        </p:nvSpPr>
-        <p:spPr>
-          <a:xfrm>
-            <a:off x="573857" y="886288"/>
-            <a:ext cx="2038878" cy="143793"/>
-          </a:xfrm>
-          <a:prstGeom prst="rect">
-            <a:avLst/>
-          </a:prstGeom>
-          <a:solidFill>
-            <a:srgbClr val="70AD47">
-              <a:alpha val="50196"/>
-            </a:srgbClr>
-          </a:solidFill>
-        </p:spPr>
-        <p:style>
-          <a:lnRef idx="2">
-            <a:schemeClr val="accent6">
-              <a:shade val="50000"/>
-            </a:schemeClr>
-          </a:lnRef>
-          <a:fillRef idx="1">
-            <a:schemeClr val="accent6"/>
-          </a:fillRef>
-          <a:effectRef idx="0">
-            <a:schemeClr val="accent6"/>
-          </a:effectRef>
-          <a:fontRef idx="minor">
-            <a:schemeClr val="lt1"/>
-          </a:fontRef>
-        </p:style>
-        <p:txBody>
-          <a:bodyPr rtlCol="0" anchor="ctr"/>
-          <a:lstStyle/>
-          <a:p>
-            <a:pPr algn="ctr"/>
-            <a:endParaRPr lang="fr-FR"/>
-          </a:p>
-        </p:txBody>
-      </p:sp>
-      <p:sp>
-        <p:nvSpPr>
-          <p:cNvPr id="75" name="Rectangle 74"/>
-          <p:cNvSpPr/>
-          <p:nvPr/>
-        </p:nvSpPr>
-        <p:spPr>
-          <a:xfrm>
-            <a:off x="573857" y="3362384"/>
-            <a:ext cx="2038878" cy="143793"/>
-          </a:xfrm>
-          <a:prstGeom prst="rect">
-            <a:avLst/>
-          </a:prstGeom>
-          <a:solidFill>
-            <a:srgbClr val="70AD47">
-              <a:alpha val="50196"/>
-            </a:srgbClr>
-          </a:solidFill>
-        </p:spPr>
-        <p:style>
-          <a:lnRef idx="2">
-            <a:schemeClr val="accent6">
-              <a:shade val="50000"/>
-            </a:schemeClr>
-          </a:lnRef>
-          <a:fillRef idx="1">
-            <a:schemeClr val="accent6"/>
-          </a:fillRef>
-          <a:effectRef idx="0">
-            <a:schemeClr val="accent6"/>
-          </a:effectRef>
-          <a:fontRef idx="minor">
-            <a:schemeClr val="lt1"/>
-          </a:fontRef>
-        </p:style>
-        <p:txBody>
-          <a:bodyPr rtlCol="0" anchor="ctr"/>
-          <a:lstStyle/>
-          <a:p>
-            <a:pPr algn="ctr"/>
-            <a:endParaRPr lang="fr-FR"/>
-          </a:p>
-        </p:txBody>
-      </p:sp>
-      <p:sp>
-        <p:nvSpPr>
-          <p:cNvPr id="76" name="Rectangle 75"/>
-          <p:cNvSpPr/>
-          <p:nvPr/>
-        </p:nvSpPr>
-        <p:spPr>
-          <a:xfrm>
-            <a:off x="573857" y="582763"/>
-            <a:ext cx="2038878" cy="143793"/>
-          </a:xfrm>
-          <a:prstGeom prst="rect">
-            <a:avLst/>
-          </a:prstGeom>
-          <a:solidFill>
-            <a:srgbClr val="70AD47">
-              <a:alpha val="50196"/>
-            </a:srgbClr>
-          </a:solidFill>
-        </p:spPr>
-        <p:style>
-          <a:lnRef idx="2">
-            <a:schemeClr val="accent6">
-              <a:shade val="50000"/>
-            </a:schemeClr>
-          </a:lnRef>
-          <a:fillRef idx="1">
-            <a:schemeClr val="accent6"/>
-          </a:fillRef>
-          <a:effectRef idx="0">
-            <a:schemeClr val="accent6"/>
-          </a:effectRef>
-          <a:fontRef idx="minor">
-            <a:schemeClr val="lt1"/>
-          </a:fontRef>
-        </p:style>
-        <p:txBody>
-          <a:bodyPr rtlCol="0" anchor="ctr"/>
-          <a:lstStyle/>
-          <a:p>
-            <a:pPr algn="ctr"/>
-            <a:endParaRPr lang="fr-FR"/>
-          </a:p>
-        </p:txBody>
-      </p:sp>
-      <p:sp>
-        <p:nvSpPr>
-          <p:cNvPr id="77" name="Rectangle 76"/>
-          <p:cNvSpPr/>
-          <p:nvPr/>
-        </p:nvSpPr>
-        <p:spPr>
-          <a:xfrm>
-            <a:off x="4476749" y="3356727"/>
-            <a:ext cx="2038878" cy="143793"/>
-          </a:xfrm>
-          <a:prstGeom prst="rect">
-            <a:avLst/>
-          </a:prstGeom>
-          <a:solidFill>
-            <a:schemeClr val="accent6">
-              <a:lumMod val="40000"/>
-              <a:lumOff val="60000"/>
-              <a:alpha val="50196"/>
-            </a:schemeClr>
-          </a:solidFill>
-        </p:spPr>
-        <p:style>
-          <a:lnRef idx="2">
-            <a:schemeClr val="accent6">
-              <a:shade val="50000"/>
-            </a:schemeClr>
-          </a:lnRef>
-          <a:fillRef idx="1">
-            <a:schemeClr val="accent6"/>
-          </a:fillRef>
-          <a:effectRef idx="0">
-            <a:schemeClr val="accent6"/>
-          </a:effectRef>
-          <a:fontRef idx="minor">
-            <a:schemeClr val="lt1"/>
-          </a:fontRef>
-        </p:style>
-        <p:txBody>
-          <a:bodyPr rtlCol="0" anchor="ctr"/>
-          <a:lstStyle/>
-          <a:p>
-            <a:pPr algn="ctr"/>
-            <a:endParaRPr lang="fr-FR"/>
-          </a:p>
-        </p:txBody>
-      </p:sp>
-      <p:sp>
-        <p:nvSpPr>
-          <p:cNvPr id="78" name="Rectangle 77"/>
-          <p:cNvSpPr/>
-          <p:nvPr/>
-        </p:nvSpPr>
-        <p:spPr>
-          <a:xfrm>
-            <a:off x="4476749" y="880720"/>
-            <a:ext cx="2038878" cy="143793"/>
-          </a:xfrm>
-          <a:prstGeom prst="rect">
-            <a:avLst/>
-          </a:prstGeom>
-          <a:solidFill>
-            <a:schemeClr val="accent6">
-              <a:lumMod val="40000"/>
-              <a:lumOff val="60000"/>
-              <a:alpha val="50196"/>
-            </a:schemeClr>
-          </a:solidFill>
-        </p:spPr>
-        <p:style>
-          <a:lnRef idx="2">
-            <a:schemeClr val="accent6">
-              <a:shade val="50000"/>
-            </a:schemeClr>
-          </a:lnRef>
-          <a:fillRef idx="1">
-            <a:schemeClr val="accent6"/>
-          </a:fillRef>
-          <a:effectRef idx="0">
-            <a:schemeClr val="accent6"/>
-          </a:effectRef>
-          <a:fontRef idx="minor">
-            <a:schemeClr val="lt1"/>
-          </a:fontRef>
-        </p:style>
-        <p:txBody>
-          <a:bodyPr rtlCol="0" anchor="ctr"/>
-          <a:lstStyle/>
-          <a:p>
-            <a:pPr algn="ctr"/>
-            <a:endParaRPr lang="fr-FR"/>
-          </a:p>
-        </p:txBody>
-      </p:sp>
-      <p:sp>
-        <p:nvSpPr>
-          <p:cNvPr id="79" name="Rectangle 78"/>
-          <p:cNvSpPr/>
-          <p:nvPr/>
-        </p:nvSpPr>
-        <p:spPr>
-          <a:xfrm>
-            <a:off x="4476749" y="585459"/>
-            <a:ext cx="2038878" cy="143793"/>
-          </a:xfrm>
-          <a:prstGeom prst="rect">
-            <a:avLst/>
-          </a:prstGeom>
-          <a:solidFill>
-            <a:schemeClr val="accent6">
-              <a:lumMod val="40000"/>
-              <a:lumOff val="60000"/>
-              <a:alpha val="50196"/>
-            </a:schemeClr>
-          </a:solidFill>
-        </p:spPr>
-        <p:style>
-          <a:lnRef idx="2">
-            <a:schemeClr val="accent6">
-              <a:shade val="50000"/>
-            </a:schemeClr>
-          </a:lnRef>
-          <a:fillRef idx="1">
-            <a:schemeClr val="accent6"/>
-          </a:fillRef>
-          <a:effectRef idx="0">
-            <a:schemeClr val="accent6"/>
-          </a:effectRef>
-          <a:fontRef idx="minor">
-            <a:schemeClr val="lt1"/>
-          </a:fontRef>
-        </p:style>
-        <p:txBody>
-          <a:bodyPr rtlCol="0" anchor="ctr"/>
-          <a:lstStyle/>
-          <a:p>
-            <a:pPr algn="ctr"/>
-            <a:endParaRPr lang="fr-FR"/>
-          </a:p>
-        </p:txBody>
-      </p:sp>
       <p:grpSp>
         <p:nvGrpSpPr>
           <p:cNvPr id="62" name="Groupe 61"/>
@@ -6716,7 +6212,7 @@
                 <p:nvPr/>
               </p:nvPicPr>
               <p:blipFill rotWithShape="1">
-                <a:blip r:embed="rId3"/>
+                <a:blip r:embed="rId2"/>
                 <a:srcRect t="44083"/>
                 <a:stretch/>
               </p:blipFill>
@@ -6930,7 +6426,7 @@
               <p:nvPr/>
             </p:nvPicPr>
             <p:blipFill rotWithShape="1">
-              <a:blip r:embed="rId4"/>
+              <a:blip r:embed="rId3"/>
               <a:srcRect t="83666" b="4737"/>
               <a:stretch/>
             </p:blipFill>
@@ -6953,7 +6449,7 @@
               <p:nvPr/>
             </p:nvPicPr>
             <p:blipFill rotWithShape="1">
-              <a:blip r:embed="rId5"/>
+              <a:blip r:embed="rId4"/>
               <a:srcRect l="3523" t="54895" r="63253" b="39131"/>
               <a:stretch/>
             </p:blipFill>
@@ -7040,30 +6536,6 @@
           </a:fontRef>
         </p:style>
       </p:cxnSp>
-      <p:pic>
-        <p:nvPicPr>
-          <p:cNvPr id="81" name="Image 80"/>
-          <p:cNvPicPr>
-            <a:picLocks noChangeAspect="1"/>
-          </p:cNvPicPr>
-          <p:nvPr/>
-        </p:nvPicPr>
-        <p:blipFill>
-          <a:blip r:embed="rId2"/>
-          <a:stretch>
-            <a:fillRect/>
-          </a:stretch>
-        </p:blipFill>
-        <p:spPr>
-          <a:xfrm>
-            <a:off x="8398809" y="405614"/>
-            <a:ext cx="2283689" cy="3910427"/>
-          </a:xfrm>
-          <a:prstGeom prst="rect">
-            <a:avLst/>
-          </a:prstGeom>
-        </p:spPr>
-      </p:pic>
       <p:grpSp>
         <p:nvGrpSpPr>
           <p:cNvPr id="82" name="Groupe 81"/>
@@ -7115,7 +6587,7 @@
                 <p:nvPr/>
               </p:nvPicPr>
               <p:blipFill rotWithShape="1">
-                <a:blip r:embed="rId3"/>
+                <a:blip r:embed="rId2"/>
                 <a:srcRect t="44083"/>
                 <a:stretch/>
               </p:blipFill>
@@ -7329,7 +6801,7 @@
               <p:nvPr/>
             </p:nvPicPr>
             <p:blipFill rotWithShape="1">
-              <a:blip r:embed="rId4"/>
+              <a:blip r:embed="rId3"/>
               <a:srcRect t="83666" b="4737"/>
               <a:stretch/>
             </p:blipFill>
@@ -7352,7 +6824,7 @@
               <p:nvPr/>
             </p:nvPicPr>
             <p:blipFill rotWithShape="1">
-              <a:blip r:embed="rId5"/>
+              <a:blip r:embed="rId4"/>
               <a:srcRect l="3523" t="54895" r="63253" b="39131"/>
               <a:stretch/>
             </p:blipFill>
@@ -7406,51 +6878,6 @@
           </p:txBody>
         </p:sp>
       </p:grpSp>
-      <p:sp>
-        <p:nvSpPr>
-          <p:cNvPr id="80" name="Rectangle 79"/>
-          <p:cNvSpPr/>
-          <p:nvPr/>
-        </p:nvSpPr>
-        <p:spPr>
-          <a:xfrm>
-            <a:off x="8361238" y="2925319"/>
-            <a:ext cx="2038878" cy="143793"/>
-          </a:xfrm>
-          <a:prstGeom prst="rect">
-            <a:avLst/>
-          </a:prstGeom>
-          <a:solidFill>
-            <a:srgbClr val="70AD47">
-              <a:alpha val="50196"/>
-            </a:srgbClr>
-          </a:solidFill>
-        </p:spPr>
-        <p:style>
-          <a:lnRef idx="2">
-            <a:schemeClr val="accent6">
-              <a:shade val="50000"/>
-            </a:schemeClr>
-          </a:lnRef>
-          <a:fillRef idx="1">
-            <a:schemeClr val="accent6"/>
-          </a:fillRef>
-          <a:effectRef idx="0">
-            <a:schemeClr val="accent6"/>
-          </a:effectRef>
-          <a:fontRef idx="minor">
-            <a:schemeClr val="lt1"/>
-          </a:fontRef>
-        </p:style>
-        <p:txBody>
-          <a:bodyPr rtlCol="0" anchor="ctr"/>
-          <a:lstStyle/>
-          <a:p>
-            <a:pPr algn="ctr"/>
-            <a:endParaRPr lang="fr-FR"/>
-          </a:p>
-        </p:txBody>
-      </p:sp>
       <p:cxnSp>
         <p:nvCxnSpPr>
           <p:cNvPr id="94" name="Connecteur droit avec flèche 93"/>
@@ -7484,288 +6911,1037 @@
           </a:fontRef>
         </p:style>
       </p:cxnSp>
-      <p:sp>
-        <p:nvSpPr>
-          <p:cNvPr id="95" name="Rectangle 94"/>
-          <p:cNvSpPr/>
+      <p:grpSp>
+        <p:nvGrpSpPr>
+          <p:cNvPr id="2" name="Groupe 1"/>
+          <p:cNvGrpSpPr/>
           <p:nvPr/>
-        </p:nvSpPr>
-        <p:spPr>
+        </p:nvGrpSpPr>
+        <p:grpSpPr>
           <a:xfrm>
-            <a:off x="8346623" y="1762944"/>
-            <a:ext cx="2038878" cy="143793"/>
+            <a:off x="713581" y="526356"/>
+            <a:ext cx="2345480" cy="3553321"/>
+            <a:chOff x="713581" y="526356"/>
+            <a:chExt cx="2345480" cy="3553321"/>
           </a:xfrm>
-          <a:prstGeom prst="rect">
-            <a:avLst/>
-          </a:prstGeom>
-          <a:solidFill>
-            <a:schemeClr val="accent6">
-              <a:lumMod val="40000"/>
-              <a:lumOff val="60000"/>
-              <a:alpha val="50196"/>
-            </a:schemeClr>
-          </a:solidFill>
-        </p:spPr>
-        <p:style>
-          <a:lnRef idx="2">
-            <a:schemeClr val="accent6">
-              <a:shade val="50000"/>
-            </a:schemeClr>
-          </a:lnRef>
-          <a:fillRef idx="1">
-            <a:schemeClr val="accent6"/>
-          </a:fillRef>
-          <a:effectRef idx="0">
-            <a:schemeClr val="accent6"/>
-          </a:effectRef>
-          <a:fontRef idx="minor">
-            <a:schemeClr val="lt1"/>
-          </a:fontRef>
-        </p:style>
-        <p:txBody>
-          <a:bodyPr rtlCol="0" anchor="ctr"/>
-          <a:lstStyle/>
-          <a:p>
-            <a:pPr algn="ctr"/>
-            <a:endParaRPr lang="fr-FR"/>
-          </a:p>
-        </p:txBody>
-      </p:sp>
-      <p:sp>
-        <p:nvSpPr>
-          <p:cNvPr id="96" name="Rectangle 95"/>
-          <p:cNvSpPr/>
+        </p:grpSpPr>
+        <p:pic>
+          <p:nvPicPr>
+            <p:cNvPr id="101" name="Image 100"/>
+            <p:cNvPicPr>
+              <a:picLocks noChangeAspect="1"/>
+            </p:cNvPicPr>
+            <p:nvPr/>
+          </p:nvPicPr>
+          <p:blipFill>
+            <a:blip r:embed="rId5">
+              <a:extLst>
+                <a:ext uri="{28A0092B-C50C-407E-A947-70E740481C1C}">
+                  <a14:useLocalDpi xmlns:a14="http://schemas.microsoft.com/office/drawing/2010/main" val="0"/>
+                </a:ext>
+              </a:extLst>
+            </a:blip>
+            <a:stretch>
+              <a:fillRect/>
+            </a:stretch>
+          </p:blipFill>
+          <p:spPr>
+            <a:xfrm>
+              <a:off x="848953" y="526356"/>
+              <a:ext cx="2210108" cy="3553321"/>
+            </a:xfrm>
+            <a:prstGeom prst="rect">
+              <a:avLst/>
+            </a:prstGeom>
+          </p:spPr>
+        </p:pic>
+        <p:sp>
+          <p:nvSpPr>
+            <p:cNvPr id="76" name="Rectangle 75"/>
+            <p:cNvSpPr/>
+            <p:nvPr/>
+          </p:nvSpPr>
+          <p:spPr>
+            <a:xfrm>
+              <a:off x="732631" y="2127049"/>
+              <a:ext cx="2038878" cy="143793"/>
+            </a:xfrm>
+            <a:prstGeom prst="rect">
+              <a:avLst/>
+            </a:prstGeom>
+            <a:solidFill>
+              <a:srgbClr val="70AD47">
+                <a:alpha val="50196"/>
+              </a:srgbClr>
+            </a:solidFill>
+          </p:spPr>
+          <p:style>
+            <a:lnRef idx="2">
+              <a:schemeClr val="accent6">
+                <a:shade val="50000"/>
+              </a:schemeClr>
+            </a:lnRef>
+            <a:fillRef idx="1">
+              <a:schemeClr val="accent6"/>
+            </a:fillRef>
+            <a:effectRef idx="0">
+              <a:schemeClr val="accent6"/>
+            </a:effectRef>
+            <a:fontRef idx="minor">
+              <a:schemeClr val="lt1"/>
+            </a:fontRef>
+          </p:style>
+          <p:txBody>
+            <a:bodyPr rtlCol="0" anchor="ctr"/>
+            <a:lstStyle/>
+            <a:p>
+              <a:pPr algn="ctr"/>
+              <a:endParaRPr lang="fr-FR"/>
+            </a:p>
+          </p:txBody>
+        </p:sp>
+        <p:sp>
+          <p:nvSpPr>
+            <p:cNvPr id="103" name="Rectangle 102"/>
+            <p:cNvSpPr/>
+            <p:nvPr/>
+          </p:nvSpPr>
+          <p:spPr>
+            <a:xfrm>
+              <a:off x="732631" y="1723513"/>
+              <a:ext cx="2038878" cy="143793"/>
+            </a:xfrm>
+            <a:prstGeom prst="rect">
+              <a:avLst/>
+            </a:prstGeom>
+            <a:solidFill>
+              <a:srgbClr val="70AD47">
+                <a:alpha val="50196"/>
+              </a:srgbClr>
+            </a:solidFill>
+          </p:spPr>
+          <p:style>
+            <a:lnRef idx="2">
+              <a:schemeClr val="accent6">
+                <a:shade val="50000"/>
+              </a:schemeClr>
+            </a:lnRef>
+            <a:fillRef idx="1">
+              <a:schemeClr val="accent6"/>
+            </a:fillRef>
+            <a:effectRef idx="0">
+              <a:schemeClr val="accent6"/>
+            </a:effectRef>
+            <a:fontRef idx="minor">
+              <a:schemeClr val="lt1"/>
+            </a:fontRef>
+          </p:style>
+          <p:txBody>
+            <a:bodyPr rtlCol="0" anchor="ctr"/>
+            <a:lstStyle/>
+            <a:p>
+              <a:pPr algn="ctr"/>
+              <a:endParaRPr lang="fr-FR"/>
+            </a:p>
+          </p:txBody>
+        </p:sp>
+        <p:sp>
+          <p:nvSpPr>
+            <p:cNvPr id="104" name="Rectangle 103"/>
+            <p:cNvSpPr/>
+            <p:nvPr/>
+          </p:nvSpPr>
+          <p:spPr>
+            <a:xfrm>
+              <a:off x="732631" y="3723763"/>
+              <a:ext cx="2038878" cy="143793"/>
+            </a:xfrm>
+            <a:prstGeom prst="rect">
+              <a:avLst/>
+            </a:prstGeom>
+            <a:solidFill>
+              <a:srgbClr val="70AD47">
+                <a:alpha val="50196"/>
+              </a:srgbClr>
+            </a:solidFill>
+          </p:spPr>
+          <p:style>
+            <a:lnRef idx="2">
+              <a:schemeClr val="accent6">
+                <a:shade val="50000"/>
+              </a:schemeClr>
+            </a:lnRef>
+            <a:fillRef idx="1">
+              <a:schemeClr val="accent6"/>
+            </a:fillRef>
+            <a:effectRef idx="0">
+              <a:schemeClr val="accent6"/>
+            </a:effectRef>
+            <a:fontRef idx="minor">
+              <a:schemeClr val="lt1"/>
+            </a:fontRef>
+          </p:style>
+          <p:txBody>
+            <a:bodyPr rtlCol="0" anchor="ctr"/>
+            <a:lstStyle/>
+            <a:p>
+              <a:pPr algn="ctr"/>
+              <a:endParaRPr lang="fr-FR"/>
+            </a:p>
+          </p:txBody>
+        </p:sp>
+        <p:sp>
+          <p:nvSpPr>
+            <p:cNvPr id="105" name="Rectangle 104"/>
+            <p:cNvSpPr/>
+            <p:nvPr/>
+          </p:nvSpPr>
+          <p:spPr>
+            <a:xfrm>
+              <a:off x="732631" y="918770"/>
+              <a:ext cx="2038878" cy="143793"/>
+            </a:xfrm>
+            <a:prstGeom prst="rect">
+              <a:avLst/>
+            </a:prstGeom>
+            <a:solidFill>
+              <a:srgbClr val="70AD47">
+                <a:alpha val="50196"/>
+              </a:srgbClr>
+            </a:solidFill>
+          </p:spPr>
+          <p:style>
+            <a:lnRef idx="2">
+              <a:schemeClr val="accent6">
+                <a:shade val="50000"/>
+              </a:schemeClr>
+            </a:lnRef>
+            <a:fillRef idx="1">
+              <a:schemeClr val="accent6"/>
+            </a:fillRef>
+            <a:effectRef idx="0">
+              <a:schemeClr val="accent6"/>
+            </a:effectRef>
+            <a:fontRef idx="minor">
+              <a:schemeClr val="lt1"/>
+            </a:fontRef>
+          </p:style>
+          <p:txBody>
+            <a:bodyPr rtlCol="0" anchor="ctr"/>
+            <a:lstStyle/>
+            <a:p>
+              <a:pPr algn="ctr"/>
+              <a:endParaRPr lang="fr-FR"/>
+            </a:p>
+          </p:txBody>
+        </p:sp>
+        <p:sp>
+          <p:nvSpPr>
+            <p:cNvPr id="106" name="Rectangle 105"/>
+            <p:cNvSpPr/>
+            <p:nvPr/>
+          </p:nvSpPr>
+          <p:spPr>
+            <a:xfrm>
+              <a:off x="713581" y="3195245"/>
+              <a:ext cx="2038878" cy="143793"/>
+            </a:xfrm>
+            <a:prstGeom prst="rect">
+              <a:avLst/>
+            </a:prstGeom>
+            <a:solidFill>
+              <a:srgbClr val="70AD47">
+                <a:alpha val="50196"/>
+              </a:srgbClr>
+            </a:solidFill>
+          </p:spPr>
+          <p:style>
+            <a:lnRef idx="2">
+              <a:schemeClr val="accent6">
+                <a:shade val="50000"/>
+              </a:schemeClr>
+            </a:lnRef>
+            <a:fillRef idx="1">
+              <a:schemeClr val="accent6"/>
+            </a:fillRef>
+            <a:effectRef idx="0">
+              <a:schemeClr val="accent6"/>
+            </a:effectRef>
+            <a:fontRef idx="minor">
+              <a:schemeClr val="lt1"/>
+            </a:fontRef>
+          </p:style>
+          <p:txBody>
+            <a:bodyPr rtlCol="0" anchor="ctr"/>
+            <a:lstStyle/>
+            <a:p>
+              <a:pPr algn="ctr"/>
+              <a:endParaRPr lang="fr-FR"/>
+            </a:p>
+          </p:txBody>
+        </p:sp>
+        <p:sp>
+          <p:nvSpPr>
+            <p:cNvPr id="107" name="Rectangle 106"/>
+            <p:cNvSpPr/>
+            <p:nvPr/>
+          </p:nvSpPr>
+          <p:spPr>
+            <a:xfrm>
+              <a:off x="732631" y="652070"/>
+              <a:ext cx="2038878" cy="143793"/>
+            </a:xfrm>
+            <a:prstGeom prst="rect">
+              <a:avLst/>
+            </a:prstGeom>
+            <a:solidFill>
+              <a:srgbClr val="70AD47">
+                <a:alpha val="50196"/>
+              </a:srgbClr>
+            </a:solidFill>
+          </p:spPr>
+          <p:style>
+            <a:lnRef idx="2">
+              <a:schemeClr val="accent6">
+                <a:shade val="50000"/>
+              </a:schemeClr>
+            </a:lnRef>
+            <a:fillRef idx="1">
+              <a:schemeClr val="accent6"/>
+            </a:fillRef>
+            <a:effectRef idx="0">
+              <a:schemeClr val="accent6"/>
+            </a:effectRef>
+            <a:fontRef idx="minor">
+              <a:schemeClr val="lt1"/>
+            </a:fontRef>
+          </p:style>
+          <p:txBody>
+            <a:bodyPr rtlCol="0" anchor="ctr"/>
+            <a:lstStyle/>
+            <a:p>
+              <a:pPr algn="ctr"/>
+              <a:endParaRPr lang="fr-FR"/>
+            </a:p>
+          </p:txBody>
+        </p:sp>
+      </p:grpSp>
+      <p:grpSp>
+        <p:nvGrpSpPr>
+          <p:cNvPr id="3" name="Groupe 2"/>
+          <p:cNvGrpSpPr/>
           <p:nvPr/>
-        </p:nvSpPr>
-        <p:spPr>
+        </p:nvGrpSpPr>
+        <p:grpSpPr>
           <a:xfrm>
-            <a:off x="8355089" y="2194744"/>
-            <a:ext cx="2038878" cy="143793"/>
+            <a:off x="4551891" y="526356"/>
+            <a:ext cx="2345480" cy="3553321"/>
+            <a:chOff x="4551891" y="526356"/>
+            <a:chExt cx="2345480" cy="3553321"/>
           </a:xfrm>
-          <a:prstGeom prst="rect">
-            <a:avLst/>
-          </a:prstGeom>
-          <a:solidFill>
-            <a:schemeClr val="accent6">
-              <a:lumMod val="40000"/>
-              <a:lumOff val="60000"/>
-              <a:alpha val="50196"/>
-            </a:schemeClr>
-          </a:solidFill>
-        </p:spPr>
-        <p:style>
-          <a:lnRef idx="2">
-            <a:schemeClr val="accent6">
-              <a:shade val="50000"/>
-            </a:schemeClr>
-          </a:lnRef>
-          <a:fillRef idx="1">
-            <a:schemeClr val="accent6"/>
-          </a:fillRef>
-          <a:effectRef idx="0">
-            <a:schemeClr val="accent6"/>
-          </a:effectRef>
-          <a:fontRef idx="minor">
-            <a:schemeClr val="lt1"/>
-          </a:fontRef>
-        </p:style>
-        <p:txBody>
-          <a:bodyPr rtlCol="0" anchor="ctr"/>
-          <a:lstStyle/>
-          <a:p>
-            <a:pPr algn="ctr"/>
-            <a:endParaRPr lang="fr-FR"/>
-          </a:p>
-        </p:txBody>
-      </p:sp>
-      <p:sp>
-        <p:nvSpPr>
-          <p:cNvPr id="97" name="Rectangle 96"/>
-          <p:cNvSpPr/>
+        </p:grpSpPr>
+        <p:pic>
+          <p:nvPicPr>
+            <p:cNvPr id="108" name="Image 107"/>
+            <p:cNvPicPr>
+              <a:picLocks noChangeAspect="1"/>
+            </p:cNvPicPr>
+            <p:nvPr/>
+          </p:nvPicPr>
+          <p:blipFill>
+            <a:blip r:embed="rId5">
+              <a:extLst>
+                <a:ext uri="{28A0092B-C50C-407E-A947-70E740481C1C}">
+                  <a14:useLocalDpi xmlns:a14="http://schemas.microsoft.com/office/drawing/2010/main" val="0"/>
+                </a:ext>
+              </a:extLst>
+            </a:blip>
+            <a:stretch>
+              <a:fillRect/>
+            </a:stretch>
+          </p:blipFill>
+          <p:spPr>
+            <a:xfrm>
+              <a:off x="4687263" y="526356"/>
+              <a:ext cx="2210108" cy="3553321"/>
+            </a:xfrm>
+            <a:prstGeom prst="rect">
+              <a:avLst/>
+            </a:prstGeom>
+          </p:spPr>
+        </p:pic>
+        <p:sp>
+          <p:nvSpPr>
+            <p:cNvPr id="109" name="Rectangle 108"/>
+            <p:cNvSpPr/>
+            <p:nvPr/>
+          </p:nvSpPr>
+          <p:spPr>
+            <a:xfrm>
+              <a:off x="4570941" y="2127049"/>
+              <a:ext cx="2038878" cy="143793"/>
+            </a:xfrm>
+            <a:prstGeom prst="rect">
+              <a:avLst/>
+            </a:prstGeom>
+            <a:solidFill>
+              <a:srgbClr val="70AD47">
+                <a:alpha val="25098"/>
+              </a:srgbClr>
+            </a:solidFill>
+          </p:spPr>
+          <p:style>
+            <a:lnRef idx="2">
+              <a:schemeClr val="accent6">
+                <a:shade val="50000"/>
+              </a:schemeClr>
+            </a:lnRef>
+            <a:fillRef idx="1">
+              <a:schemeClr val="accent6"/>
+            </a:fillRef>
+            <a:effectRef idx="0">
+              <a:schemeClr val="accent6"/>
+            </a:effectRef>
+            <a:fontRef idx="minor">
+              <a:schemeClr val="lt1"/>
+            </a:fontRef>
+          </p:style>
+          <p:txBody>
+            <a:bodyPr rtlCol="0" anchor="ctr"/>
+            <a:lstStyle/>
+            <a:p>
+              <a:pPr algn="ctr"/>
+              <a:endParaRPr lang="fr-FR"/>
+            </a:p>
+          </p:txBody>
+        </p:sp>
+        <p:sp>
+          <p:nvSpPr>
+            <p:cNvPr id="110" name="Rectangle 109"/>
+            <p:cNvSpPr/>
+            <p:nvPr/>
+          </p:nvSpPr>
+          <p:spPr>
+            <a:xfrm>
+              <a:off x="4570941" y="1723513"/>
+              <a:ext cx="2038878" cy="143793"/>
+            </a:xfrm>
+            <a:prstGeom prst="rect">
+              <a:avLst/>
+            </a:prstGeom>
+            <a:solidFill>
+              <a:srgbClr val="70AD47">
+                <a:alpha val="25098"/>
+              </a:srgbClr>
+            </a:solidFill>
+          </p:spPr>
+          <p:style>
+            <a:lnRef idx="2">
+              <a:schemeClr val="accent6">
+                <a:shade val="50000"/>
+              </a:schemeClr>
+            </a:lnRef>
+            <a:fillRef idx="1">
+              <a:schemeClr val="accent6"/>
+            </a:fillRef>
+            <a:effectRef idx="0">
+              <a:schemeClr val="accent6"/>
+            </a:effectRef>
+            <a:fontRef idx="minor">
+              <a:schemeClr val="lt1"/>
+            </a:fontRef>
+          </p:style>
+          <p:txBody>
+            <a:bodyPr rtlCol="0" anchor="ctr"/>
+            <a:lstStyle/>
+            <a:p>
+              <a:pPr algn="ctr"/>
+              <a:endParaRPr lang="fr-FR"/>
+            </a:p>
+          </p:txBody>
+        </p:sp>
+        <p:sp>
+          <p:nvSpPr>
+            <p:cNvPr id="111" name="Rectangle 110"/>
+            <p:cNvSpPr/>
+            <p:nvPr/>
+          </p:nvSpPr>
+          <p:spPr>
+            <a:xfrm>
+              <a:off x="4570941" y="3723763"/>
+              <a:ext cx="2038878" cy="143793"/>
+            </a:xfrm>
+            <a:prstGeom prst="rect">
+              <a:avLst/>
+            </a:prstGeom>
+            <a:solidFill>
+              <a:srgbClr val="70AD47">
+                <a:alpha val="25098"/>
+              </a:srgbClr>
+            </a:solidFill>
+          </p:spPr>
+          <p:style>
+            <a:lnRef idx="2">
+              <a:schemeClr val="accent6">
+                <a:shade val="50000"/>
+              </a:schemeClr>
+            </a:lnRef>
+            <a:fillRef idx="1">
+              <a:schemeClr val="accent6"/>
+            </a:fillRef>
+            <a:effectRef idx="0">
+              <a:schemeClr val="accent6"/>
+            </a:effectRef>
+            <a:fontRef idx="minor">
+              <a:schemeClr val="lt1"/>
+            </a:fontRef>
+          </p:style>
+          <p:txBody>
+            <a:bodyPr rtlCol="0" anchor="ctr"/>
+            <a:lstStyle/>
+            <a:p>
+              <a:pPr algn="ctr"/>
+              <a:endParaRPr lang="fr-FR"/>
+            </a:p>
+          </p:txBody>
+        </p:sp>
+        <p:sp>
+          <p:nvSpPr>
+            <p:cNvPr id="113" name="Rectangle 112"/>
+            <p:cNvSpPr/>
+            <p:nvPr/>
+          </p:nvSpPr>
+          <p:spPr>
+            <a:xfrm>
+              <a:off x="4551891" y="3195245"/>
+              <a:ext cx="2038878" cy="143793"/>
+            </a:xfrm>
+            <a:prstGeom prst="rect">
+              <a:avLst/>
+            </a:prstGeom>
+            <a:solidFill>
+              <a:srgbClr val="70AD47">
+                <a:alpha val="25098"/>
+              </a:srgbClr>
+            </a:solidFill>
+          </p:spPr>
+          <p:style>
+            <a:lnRef idx="2">
+              <a:schemeClr val="accent6">
+                <a:shade val="50000"/>
+              </a:schemeClr>
+            </a:lnRef>
+            <a:fillRef idx="1">
+              <a:schemeClr val="accent6"/>
+            </a:fillRef>
+            <a:effectRef idx="0">
+              <a:schemeClr val="accent6"/>
+            </a:effectRef>
+            <a:fontRef idx="minor">
+              <a:schemeClr val="lt1"/>
+            </a:fontRef>
+          </p:style>
+          <p:txBody>
+            <a:bodyPr rtlCol="0" anchor="ctr"/>
+            <a:lstStyle/>
+            <a:p>
+              <a:pPr algn="ctr"/>
+              <a:endParaRPr lang="fr-FR"/>
+            </a:p>
+          </p:txBody>
+        </p:sp>
+        <p:pic>
+          <p:nvPicPr>
+            <p:cNvPr id="115" name="Image 114"/>
+            <p:cNvPicPr>
+              <a:picLocks noChangeAspect="1"/>
+            </p:cNvPicPr>
+            <p:nvPr/>
+          </p:nvPicPr>
+          <p:blipFill rotWithShape="1">
+            <a:blip r:embed="rId5">
+              <a:extLst>
+                <a:ext uri="{28A0092B-C50C-407E-A947-70E740481C1C}">
+                  <a14:useLocalDpi xmlns:a14="http://schemas.microsoft.com/office/drawing/2010/main" val="0"/>
+                </a:ext>
+              </a:extLst>
+            </a:blip>
+            <a:srcRect t="26200" r="95303" b="69511"/>
+            <a:stretch/>
+          </p:blipFill>
+          <p:spPr>
+            <a:xfrm>
+              <a:off x="4684431" y="928688"/>
+              <a:ext cx="103812" cy="152400"/>
+            </a:xfrm>
+            <a:prstGeom prst="rect">
+              <a:avLst/>
+            </a:prstGeom>
+          </p:spPr>
+        </p:pic>
+        <p:pic>
+          <p:nvPicPr>
+            <p:cNvPr id="116" name="Image 115"/>
+            <p:cNvPicPr>
+              <a:picLocks noChangeAspect="1"/>
+            </p:cNvPicPr>
+            <p:nvPr/>
+          </p:nvPicPr>
+          <p:blipFill rotWithShape="1">
+            <a:blip r:embed="rId5">
+              <a:extLst>
+                <a:ext uri="{28A0092B-C50C-407E-A947-70E740481C1C}">
+                  <a14:useLocalDpi xmlns:a14="http://schemas.microsoft.com/office/drawing/2010/main" val="0"/>
+                </a:ext>
+              </a:extLst>
+            </a:blip>
+            <a:srcRect t="11135" r="95217" b="84791"/>
+            <a:stretch/>
+          </p:blipFill>
+          <p:spPr>
+            <a:xfrm>
+              <a:off x="4685384" y="796960"/>
+              <a:ext cx="105717" cy="144779"/>
+            </a:xfrm>
+            <a:prstGeom prst="rect">
+              <a:avLst/>
+            </a:prstGeom>
+          </p:spPr>
+        </p:pic>
+        <p:sp>
+          <p:nvSpPr>
+            <p:cNvPr id="114" name="Rectangle 113"/>
+            <p:cNvSpPr/>
+            <p:nvPr/>
+          </p:nvSpPr>
+          <p:spPr>
+            <a:xfrm>
+              <a:off x="4570941" y="652070"/>
+              <a:ext cx="2038878" cy="143793"/>
+            </a:xfrm>
+            <a:prstGeom prst="rect">
+              <a:avLst/>
+            </a:prstGeom>
+            <a:solidFill>
+              <a:srgbClr val="70AD47">
+                <a:alpha val="25098"/>
+              </a:srgbClr>
+            </a:solidFill>
+          </p:spPr>
+          <p:style>
+            <a:lnRef idx="2">
+              <a:schemeClr val="accent6">
+                <a:shade val="50000"/>
+              </a:schemeClr>
+            </a:lnRef>
+            <a:fillRef idx="1">
+              <a:schemeClr val="accent6"/>
+            </a:fillRef>
+            <a:effectRef idx="0">
+              <a:schemeClr val="accent6"/>
+            </a:effectRef>
+            <a:fontRef idx="minor">
+              <a:schemeClr val="lt1"/>
+            </a:fontRef>
+          </p:style>
+          <p:txBody>
+            <a:bodyPr rtlCol="0" anchor="ctr"/>
+            <a:lstStyle/>
+            <a:p>
+              <a:pPr algn="ctr"/>
+              <a:endParaRPr lang="fr-FR"/>
+            </a:p>
+          </p:txBody>
+        </p:sp>
+      </p:grpSp>
+      <p:grpSp>
+        <p:nvGrpSpPr>
+          <p:cNvPr id="4" name="Groupe 3"/>
+          <p:cNvGrpSpPr/>
           <p:nvPr/>
-        </p:nvSpPr>
-        <p:spPr>
+        </p:nvGrpSpPr>
+        <p:grpSpPr>
           <a:xfrm>
-            <a:off x="8363556" y="3952115"/>
-            <a:ext cx="2038878" cy="143793"/>
+            <a:off x="8525573" y="536887"/>
+            <a:ext cx="2345480" cy="3553321"/>
+            <a:chOff x="8525573" y="536887"/>
+            <a:chExt cx="2345480" cy="3553321"/>
           </a:xfrm>
-          <a:prstGeom prst="rect">
-            <a:avLst/>
-          </a:prstGeom>
-          <a:solidFill>
-            <a:schemeClr val="accent6">
-              <a:lumMod val="40000"/>
-              <a:lumOff val="60000"/>
-              <a:alpha val="50196"/>
-            </a:schemeClr>
-          </a:solidFill>
-        </p:spPr>
-        <p:style>
-          <a:lnRef idx="2">
-            <a:schemeClr val="accent6">
-              <a:shade val="50000"/>
-            </a:schemeClr>
-          </a:lnRef>
-          <a:fillRef idx="1">
-            <a:schemeClr val="accent6"/>
-          </a:fillRef>
-          <a:effectRef idx="0">
-            <a:schemeClr val="accent6"/>
-          </a:effectRef>
-          <a:fontRef idx="minor">
-            <a:schemeClr val="lt1"/>
-          </a:fontRef>
-        </p:style>
-        <p:txBody>
-          <a:bodyPr rtlCol="0" anchor="ctr"/>
-          <a:lstStyle/>
-          <a:p>
-            <a:pPr algn="ctr"/>
-            <a:endParaRPr lang="fr-FR"/>
-          </a:p>
-        </p:txBody>
-      </p:sp>
-      <p:sp>
-        <p:nvSpPr>
-          <p:cNvPr id="98" name="Rectangle 97"/>
-          <p:cNvSpPr/>
-          <p:nvPr/>
-        </p:nvSpPr>
-        <p:spPr>
-          <a:xfrm>
-            <a:off x="8336763" y="3367717"/>
-            <a:ext cx="2038878" cy="143793"/>
-          </a:xfrm>
-          <a:prstGeom prst="rect">
-            <a:avLst/>
-          </a:prstGeom>
-          <a:solidFill>
-            <a:schemeClr val="accent6">
-              <a:lumMod val="40000"/>
-              <a:lumOff val="60000"/>
-              <a:alpha val="50196"/>
-            </a:schemeClr>
-          </a:solidFill>
-        </p:spPr>
-        <p:style>
-          <a:lnRef idx="2">
-            <a:schemeClr val="accent6">
-              <a:shade val="50000"/>
-            </a:schemeClr>
-          </a:lnRef>
-          <a:fillRef idx="1">
-            <a:schemeClr val="accent6"/>
-          </a:fillRef>
-          <a:effectRef idx="0">
-            <a:schemeClr val="accent6"/>
-          </a:effectRef>
-          <a:fontRef idx="minor">
-            <a:schemeClr val="lt1"/>
-          </a:fontRef>
-        </p:style>
-        <p:txBody>
-          <a:bodyPr rtlCol="0" anchor="ctr"/>
-          <a:lstStyle/>
-          <a:p>
-            <a:pPr algn="ctr"/>
-            <a:endParaRPr lang="fr-FR"/>
-          </a:p>
-        </p:txBody>
-      </p:sp>
-      <p:sp>
-        <p:nvSpPr>
-          <p:cNvPr id="99" name="Rectangle 98"/>
-          <p:cNvSpPr/>
-          <p:nvPr/>
-        </p:nvSpPr>
-        <p:spPr>
-          <a:xfrm>
-            <a:off x="8336763" y="891710"/>
-            <a:ext cx="2038878" cy="143793"/>
-          </a:xfrm>
-          <a:prstGeom prst="rect">
-            <a:avLst/>
-          </a:prstGeom>
-          <a:solidFill>
-            <a:schemeClr val="accent6">
-              <a:lumMod val="40000"/>
-              <a:lumOff val="60000"/>
-              <a:alpha val="50196"/>
-            </a:schemeClr>
-          </a:solidFill>
-        </p:spPr>
-        <p:style>
-          <a:lnRef idx="2">
-            <a:schemeClr val="accent6">
-              <a:shade val="50000"/>
-            </a:schemeClr>
-          </a:lnRef>
-          <a:fillRef idx="1">
-            <a:schemeClr val="accent6"/>
-          </a:fillRef>
-          <a:effectRef idx="0">
-            <a:schemeClr val="accent6"/>
-          </a:effectRef>
-          <a:fontRef idx="minor">
-            <a:schemeClr val="lt1"/>
-          </a:fontRef>
-        </p:style>
-        <p:txBody>
-          <a:bodyPr rtlCol="0" anchor="ctr"/>
-          <a:lstStyle/>
-          <a:p>
-            <a:pPr algn="ctr"/>
-            <a:endParaRPr lang="fr-FR"/>
-          </a:p>
-        </p:txBody>
-      </p:sp>
-      <p:sp>
-        <p:nvSpPr>
-          <p:cNvPr id="100" name="Rectangle 99"/>
-          <p:cNvSpPr/>
-          <p:nvPr/>
-        </p:nvSpPr>
-        <p:spPr>
-          <a:xfrm>
-            <a:off x="8336763" y="596449"/>
-            <a:ext cx="2038878" cy="143793"/>
-          </a:xfrm>
-          <a:prstGeom prst="rect">
-            <a:avLst/>
-          </a:prstGeom>
-          <a:solidFill>
-            <a:schemeClr val="accent6">
-              <a:lumMod val="40000"/>
-              <a:lumOff val="60000"/>
-              <a:alpha val="50196"/>
-            </a:schemeClr>
-          </a:solidFill>
-        </p:spPr>
-        <p:style>
-          <a:lnRef idx="2">
-            <a:schemeClr val="accent6">
-              <a:shade val="50000"/>
-            </a:schemeClr>
-          </a:lnRef>
-          <a:fillRef idx="1">
-            <a:schemeClr val="accent6"/>
-          </a:fillRef>
-          <a:effectRef idx="0">
-            <a:schemeClr val="accent6"/>
-          </a:effectRef>
-          <a:fontRef idx="minor">
-            <a:schemeClr val="lt1"/>
-          </a:fontRef>
-        </p:style>
-        <p:txBody>
-          <a:bodyPr rtlCol="0" anchor="ctr"/>
-          <a:lstStyle/>
-          <a:p>
-            <a:pPr algn="ctr"/>
-            <a:endParaRPr lang="fr-FR"/>
-          </a:p>
-        </p:txBody>
-      </p:sp>
+        </p:grpSpPr>
+        <p:grpSp>
+          <p:nvGrpSpPr>
+            <p:cNvPr id="117" name="Groupe 116"/>
+            <p:cNvGrpSpPr/>
+            <p:nvPr/>
+          </p:nvGrpSpPr>
+          <p:grpSpPr>
+            <a:xfrm>
+              <a:off x="8525573" y="536887"/>
+              <a:ext cx="2345480" cy="3553321"/>
+              <a:chOff x="4551891" y="526356"/>
+              <a:chExt cx="2345480" cy="3553321"/>
+            </a:xfrm>
+          </p:grpSpPr>
+          <p:pic>
+            <p:nvPicPr>
+              <p:cNvPr id="118" name="Image 117"/>
+              <p:cNvPicPr>
+                <a:picLocks noChangeAspect="1"/>
+              </p:cNvPicPr>
+              <p:nvPr/>
+            </p:nvPicPr>
+            <p:blipFill>
+              <a:blip r:embed="rId5">
+                <a:extLst>
+                  <a:ext uri="{28A0092B-C50C-407E-A947-70E740481C1C}">
+                    <a14:useLocalDpi xmlns:a14="http://schemas.microsoft.com/office/drawing/2010/main" val="0"/>
+                  </a:ext>
+                </a:extLst>
+              </a:blip>
+              <a:stretch>
+                <a:fillRect/>
+              </a:stretch>
+            </p:blipFill>
+            <p:spPr>
+              <a:xfrm>
+                <a:off x="4687263" y="526356"/>
+                <a:ext cx="2210108" cy="3553321"/>
+              </a:xfrm>
+              <a:prstGeom prst="rect">
+                <a:avLst/>
+              </a:prstGeom>
+            </p:spPr>
+          </p:pic>
+          <p:sp>
+            <p:nvSpPr>
+              <p:cNvPr id="119" name="Rectangle 118"/>
+              <p:cNvSpPr/>
+              <p:nvPr/>
+            </p:nvSpPr>
+            <p:spPr>
+              <a:xfrm>
+                <a:off x="4570941" y="2127049"/>
+                <a:ext cx="2038878" cy="143793"/>
+              </a:xfrm>
+              <a:prstGeom prst="rect">
+                <a:avLst/>
+              </a:prstGeom>
+              <a:solidFill>
+                <a:srgbClr val="70AD47">
+                  <a:alpha val="25098"/>
+                </a:srgbClr>
+              </a:solidFill>
+            </p:spPr>
+            <p:style>
+              <a:lnRef idx="2">
+                <a:schemeClr val="accent6">
+                  <a:shade val="50000"/>
+                </a:schemeClr>
+              </a:lnRef>
+              <a:fillRef idx="1">
+                <a:schemeClr val="accent6"/>
+              </a:fillRef>
+              <a:effectRef idx="0">
+                <a:schemeClr val="accent6"/>
+              </a:effectRef>
+              <a:fontRef idx="minor">
+                <a:schemeClr val="lt1"/>
+              </a:fontRef>
+            </p:style>
+            <p:txBody>
+              <a:bodyPr rtlCol="0" anchor="ctr"/>
+              <a:lstStyle/>
+              <a:p>
+                <a:pPr algn="ctr"/>
+                <a:endParaRPr lang="fr-FR"/>
+              </a:p>
+            </p:txBody>
+          </p:sp>
+          <p:sp>
+            <p:nvSpPr>
+              <p:cNvPr id="120" name="Rectangle 119"/>
+              <p:cNvSpPr/>
+              <p:nvPr/>
+            </p:nvSpPr>
+            <p:spPr>
+              <a:xfrm>
+                <a:off x="4570941" y="1723513"/>
+                <a:ext cx="2038878" cy="143793"/>
+              </a:xfrm>
+              <a:prstGeom prst="rect">
+                <a:avLst/>
+              </a:prstGeom>
+              <a:solidFill>
+                <a:srgbClr val="70AD47">
+                  <a:alpha val="25098"/>
+                </a:srgbClr>
+              </a:solidFill>
+            </p:spPr>
+            <p:style>
+              <a:lnRef idx="2">
+                <a:schemeClr val="accent6">
+                  <a:shade val="50000"/>
+                </a:schemeClr>
+              </a:lnRef>
+              <a:fillRef idx="1">
+                <a:schemeClr val="accent6"/>
+              </a:fillRef>
+              <a:effectRef idx="0">
+                <a:schemeClr val="accent6"/>
+              </a:effectRef>
+              <a:fontRef idx="minor">
+                <a:schemeClr val="lt1"/>
+              </a:fontRef>
+            </p:style>
+            <p:txBody>
+              <a:bodyPr rtlCol="0" anchor="ctr"/>
+              <a:lstStyle/>
+              <a:p>
+                <a:pPr algn="ctr"/>
+                <a:endParaRPr lang="fr-FR"/>
+              </a:p>
+            </p:txBody>
+          </p:sp>
+          <p:sp>
+            <p:nvSpPr>
+              <p:cNvPr id="121" name="Rectangle 120"/>
+              <p:cNvSpPr/>
+              <p:nvPr/>
+            </p:nvSpPr>
+            <p:spPr>
+              <a:xfrm>
+                <a:off x="4570941" y="3723763"/>
+                <a:ext cx="2038878" cy="143793"/>
+              </a:xfrm>
+              <a:prstGeom prst="rect">
+                <a:avLst/>
+              </a:prstGeom>
+              <a:solidFill>
+                <a:srgbClr val="70AD47">
+                  <a:alpha val="25098"/>
+                </a:srgbClr>
+              </a:solidFill>
+            </p:spPr>
+            <p:style>
+              <a:lnRef idx="2">
+                <a:schemeClr val="accent6">
+                  <a:shade val="50000"/>
+                </a:schemeClr>
+              </a:lnRef>
+              <a:fillRef idx="1">
+                <a:schemeClr val="accent6"/>
+              </a:fillRef>
+              <a:effectRef idx="0">
+                <a:schemeClr val="accent6"/>
+              </a:effectRef>
+              <a:fontRef idx="minor">
+                <a:schemeClr val="lt1"/>
+              </a:fontRef>
+            </p:style>
+            <p:txBody>
+              <a:bodyPr rtlCol="0" anchor="ctr"/>
+              <a:lstStyle/>
+              <a:p>
+                <a:pPr algn="ctr"/>
+                <a:endParaRPr lang="fr-FR"/>
+              </a:p>
+            </p:txBody>
+          </p:sp>
+          <p:sp>
+            <p:nvSpPr>
+              <p:cNvPr id="122" name="Rectangle 121"/>
+              <p:cNvSpPr/>
+              <p:nvPr/>
+            </p:nvSpPr>
+            <p:spPr>
+              <a:xfrm>
+                <a:off x="4551891" y="3195245"/>
+                <a:ext cx="2038878" cy="143793"/>
+              </a:xfrm>
+              <a:prstGeom prst="rect">
+                <a:avLst/>
+              </a:prstGeom>
+              <a:solidFill>
+                <a:srgbClr val="70AD47">
+                  <a:alpha val="25098"/>
+                </a:srgbClr>
+              </a:solidFill>
+            </p:spPr>
+            <p:style>
+              <a:lnRef idx="2">
+                <a:schemeClr val="accent6">
+                  <a:shade val="50000"/>
+                </a:schemeClr>
+              </a:lnRef>
+              <a:fillRef idx="1">
+                <a:schemeClr val="accent6"/>
+              </a:fillRef>
+              <a:effectRef idx="0">
+                <a:schemeClr val="accent6"/>
+              </a:effectRef>
+              <a:fontRef idx="minor">
+                <a:schemeClr val="lt1"/>
+              </a:fontRef>
+            </p:style>
+            <p:txBody>
+              <a:bodyPr rtlCol="0" anchor="ctr"/>
+              <a:lstStyle/>
+              <a:p>
+                <a:pPr algn="ctr"/>
+                <a:endParaRPr lang="fr-FR"/>
+              </a:p>
+            </p:txBody>
+          </p:sp>
+          <p:pic>
+            <p:nvPicPr>
+              <p:cNvPr id="123" name="Image 122"/>
+              <p:cNvPicPr>
+                <a:picLocks noChangeAspect="1"/>
+              </p:cNvPicPr>
+              <p:nvPr/>
+            </p:nvPicPr>
+            <p:blipFill rotWithShape="1">
+              <a:blip r:embed="rId5">
+                <a:extLst>
+                  <a:ext uri="{28A0092B-C50C-407E-A947-70E740481C1C}">
+                    <a14:useLocalDpi xmlns:a14="http://schemas.microsoft.com/office/drawing/2010/main" val="0"/>
+                  </a:ext>
+                </a:extLst>
+              </a:blip>
+              <a:srcRect t="26200" r="95303" b="69511"/>
+              <a:stretch/>
+            </p:blipFill>
+            <p:spPr>
+              <a:xfrm>
+                <a:off x="4684431" y="928688"/>
+                <a:ext cx="103812" cy="152400"/>
+              </a:xfrm>
+              <a:prstGeom prst="rect">
+                <a:avLst/>
+              </a:prstGeom>
+            </p:spPr>
+          </p:pic>
+          <p:pic>
+            <p:nvPicPr>
+              <p:cNvPr id="124" name="Image 123"/>
+              <p:cNvPicPr>
+                <a:picLocks noChangeAspect="1"/>
+              </p:cNvPicPr>
+              <p:nvPr/>
+            </p:nvPicPr>
+            <p:blipFill rotWithShape="1">
+              <a:blip r:embed="rId5">
+                <a:extLst>
+                  <a:ext uri="{28A0092B-C50C-407E-A947-70E740481C1C}">
+                    <a14:useLocalDpi xmlns:a14="http://schemas.microsoft.com/office/drawing/2010/main" val="0"/>
+                  </a:ext>
+                </a:extLst>
+              </a:blip>
+              <a:srcRect t="11135" r="95217" b="84791"/>
+              <a:stretch/>
+            </p:blipFill>
+            <p:spPr>
+              <a:xfrm>
+                <a:off x="4685384" y="796960"/>
+                <a:ext cx="105717" cy="144779"/>
+              </a:xfrm>
+              <a:prstGeom prst="rect">
+                <a:avLst/>
+              </a:prstGeom>
+            </p:spPr>
+          </p:pic>
+          <p:sp>
+            <p:nvSpPr>
+              <p:cNvPr id="125" name="Rectangle 124"/>
+              <p:cNvSpPr/>
+              <p:nvPr/>
+            </p:nvSpPr>
+            <p:spPr>
+              <a:xfrm>
+                <a:off x="4570941" y="652070"/>
+                <a:ext cx="2038878" cy="143793"/>
+              </a:xfrm>
+              <a:prstGeom prst="rect">
+                <a:avLst/>
+              </a:prstGeom>
+              <a:solidFill>
+                <a:srgbClr val="70AD47">
+                  <a:alpha val="25098"/>
+                </a:srgbClr>
+              </a:solidFill>
+            </p:spPr>
+            <p:style>
+              <a:lnRef idx="2">
+                <a:schemeClr val="accent6">
+                  <a:shade val="50000"/>
+                </a:schemeClr>
+              </a:lnRef>
+              <a:fillRef idx="1">
+                <a:schemeClr val="accent6"/>
+              </a:fillRef>
+              <a:effectRef idx="0">
+                <a:schemeClr val="accent6"/>
+              </a:effectRef>
+              <a:fontRef idx="minor">
+                <a:schemeClr val="lt1"/>
+              </a:fontRef>
+            </p:style>
+            <p:txBody>
+              <a:bodyPr rtlCol="0" anchor="ctr"/>
+              <a:lstStyle/>
+              <a:p>
+                <a:pPr algn="ctr"/>
+                <a:endParaRPr lang="fr-FR"/>
+              </a:p>
+            </p:txBody>
+          </p:sp>
+        </p:grpSp>
+        <p:sp>
+          <p:nvSpPr>
+            <p:cNvPr id="127" name="Rectangle 126"/>
+            <p:cNvSpPr/>
+            <p:nvPr/>
+          </p:nvSpPr>
+          <p:spPr>
+            <a:xfrm>
+              <a:off x="8544623" y="2807442"/>
+              <a:ext cx="2038878" cy="143793"/>
+            </a:xfrm>
+            <a:prstGeom prst="rect">
+              <a:avLst/>
+            </a:prstGeom>
+            <a:solidFill>
+              <a:srgbClr val="70AD47">
+                <a:alpha val="50196"/>
+              </a:srgbClr>
+            </a:solidFill>
+          </p:spPr>
+          <p:style>
+            <a:lnRef idx="2">
+              <a:schemeClr val="accent6">
+                <a:shade val="50000"/>
+              </a:schemeClr>
+            </a:lnRef>
+            <a:fillRef idx="1">
+              <a:schemeClr val="accent6"/>
+            </a:fillRef>
+            <a:effectRef idx="0">
+              <a:schemeClr val="accent6"/>
+            </a:effectRef>
+            <a:fontRef idx="minor">
+              <a:schemeClr val="lt1"/>
+            </a:fontRef>
+          </p:style>
+          <p:txBody>
+            <a:bodyPr rtlCol="0" anchor="ctr"/>
+            <a:lstStyle/>
+            <a:p>
+              <a:pPr algn="ctr"/>
+              <a:endParaRPr lang="fr-FR"/>
+            </a:p>
+          </p:txBody>
+        </p:sp>
+      </p:grpSp>
     </p:spTree>
     <p:extLst>
       <p:ext uri="{BB962C8B-B14F-4D97-AF65-F5344CB8AC3E}">
@@ -7796,6 +7972,2741 @@
           <a:chExt cx="0" cy="0"/>
         </a:xfrm>
       </p:grpSpPr>
+      <p:grpSp>
+        <p:nvGrpSpPr>
+          <p:cNvPr id="3" name="Groupe 2"/>
+          <p:cNvGrpSpPr/>
+          <p:nvPr/>
+        </p:nvGrpSpPr>
+        <p:grpSpPr>
+          <a:xfrm>
+            <a:off x="478492" y="4296678"/>
+            <a:ext cx="3565585" cy="2121237"/>
+            <a:chOff x="4092294" y="4267125"/>
+            <a:chExt cx="3565585" cy="2121237"/>
+          </a:xfrm>
+        </p:grpSpPr>
+        <p:grpSp>
+          <p:nvGrpSpPr>
+            <p:cNvPr id="4" name="Groupe 3"/>
+            <p:cNvGrpSpPr/>
+            <p:nvPr/>
+          </p:nvGrpSpPr>
+          <p:grpSpPr>
+            <a:xfrm>
+              <a:off x="4092294" y="4267125"/>
+              <a:ext cx="3565585" cy="2121237"/>
+              <a:chOff x="7930869" y="4367569"/>
+              <a:chExt cx="3565585" cy="2121237"/>
+            </a:xfrm>
+          </p:grpSpPr>
+          <p:grpSp>
+            <p:nvGrpSpPr>
+              <p:cNvPr id="6" name="Groupe 5"/>
+              <p:cNvGrpSpPr/>
+              <p:nvPr/>
+            </p:nvGrpSpPr>
+            <p:grpSpPr>
+              <a:xfrm>
+                <a:off x="7930869" y="4639733"/>
+                <a:ext cx="3565585" cy="1647997"/>
+                <a:chOff x="708803" y="4563533"/>
+                <a:chExt cx="3565585" cy="1647997"/>
+              </a:xfrm>
+            </p:grpSpPr>
+            <p:pic>
+              <p:nvPicPr>
+                <p:cNvPr id="9" name="Image 8"/>
+                <p:cNvPicPr>
+                  <a:picLocks noChangeAspect="1"/>
+                </p:cNvPicPr>
+                <p:nvPr/>
+              </p:nvPicPr>
+              <p:blipFill rotWithShape="1">
+                <a:blip r:embed="rId2"/>
+                <a:srcRect t="44083"/>
+                <a:stretch/>
+              </p:blipFill>
+              <p:spPr>
+                <a:xfrm>
+                  <a:off x="708803" y="4563533"/>
+                  <a:ext cx="3565585" cy="1647997"/>
+                </a:xfrm>
+                <a:prstGeom prst="rect">
+                  <a:avLst/>
+                </a:prstGeom>
+              </p:spPr>
+            </p:pic>
+            <p:sp>
+              <p:nvSpPr>
+                <p:cNvPr id="10" name="Ellipse 9"/>
+                <p:cNvSpPr/>
+                <p:nvPr/>
+              </p:nvSpPr>
+              <p:spPr>
+                <a:xfrm>
+                  <a:off x="810683" y="5073650"/>
+                  <a:ext cx="75142" cy="79375"/>
+                </a:xfrm>
+                <a:prstGeom prst="ellipse">
+                  <a:avLst/>
+                </a:prstGeom>
+              </p:spPr>
+              <p:style>
+                <a:lnRef idx="1">
+                  <a:schemeClr val="accent2"/>
+                </a:lnRef>
+                <a:fillRef idx="3">
+                  <a:schemeClr val="accent2"/>
+                </a:fillRef>
+                <a:effectRef idx="2">
+                  <a:schemeClr val="accent2"/>
+                </a:effectRef>
+                <a:fontRef idx="minor">
+                  <a:schemeClr val="lt1"/>
+                </a:fontRef>
+              </p:style>
+              <p:txBody>
+                <a:bodyPr rtlCol="0" anchor="ctr"/>
+                <a:lstStyle/>
+                <a:p>
+                  <a:pPr algn="ctr"/>
+                  <a:endParaRPr lang="fr-FR"/>
+                </a:p>
+              </p:txBody>
+            </p:sp>
+            <p:sp>
+              <p:nvSpPr>
+                <p:cNvPr id="11" name="Ellipse 10"/>
+                <p:cNvSpPr/>
+                <p:nvPr/>
+              </p:nvSpPr>
+              <p:spPr>
+                <a:xfrm>
+                  <a:off x="810683" y="5211762"/>
+                  <a:ext cx="75142" cy="79375"/>
+                </a:xfrm>
+                <a:prstGeom prst="ellipse">
+                  <a:avLst/>
+                </a:prstGeom>
+              </p:spPr>
+              <p:style>
+                <a:lnRef idx="1">
+                  <a:schemeClr val="accent2"/>
+                </a:lnRef>
+                <a:fillRef idx="3">
+                  <a:schemeClr val="accent2"/>
+                </a:fillRef>
+                <a:effectRef idx="2">
+                  <a:schemeClr val="accent2"/>
+                </a:effectRef>
+                <a:fontRef idx="minor">
+                  <a:schemeClr val="lt1"/>
+                </a:fontRef>
+              </p:style>
+              <p:txBody>
+                <a:bodyPr rtlCol="0" anchor="ctr"/>
+                <a:lstStyle/>
+                <a:p>
+                  <a:pPr algn="ctr"/>
+                  <a:endParaRPr lang="fr-FR"/>
+                </a:p>
+              </p:txBody>
+            </p:sp>
+            <p:sp>
+              <p:nvSpPr>
+                <p:cNvPr id="12" name="Ellipse 11"/>
+                <p:cNvSpPr/>
+                <p:nvPr/>
+              </p:nvSpPr>
+              <p:spPr>
+                <a:xfrm>
+                  <a:off x="810683" y="5349874"/>
+                  <a:ext cx="75142" cy="79375"/>
+                </a:xfrm>
+                <a:prstGeom prst="ellipse">
+                  <a:avLst/>
+                </a:prstGeom>
+              </p:spPr>
+              <p:style>
+                <a:lnRef idx="1">
+                  <a:schemeClr val="accent2"/>
+                </a:lnRef>
+                <a:fillRef idx="3">
+                  <a:schemeClr val="accent2"/>
+                </a:fillRef>
+                <a:effectRef idx="2">
+                  <a:schemeClr val="accent2"/>
+                </a:effectRef>
+                <a:fontRef idx="minor">
+                  <a:schemeClr val="lt1"/>
+                </a:fontRef>
+              </p:style>
+              <p:txBody>
+                <a:bodyPr rtlCol="0" anchor="ctr"/>
+                <a:lstStyle/>
+                <a:p>
+                  <a:pPr algn="ctr"/>
+                  <a:endParaRPr lang="fr-FR"/>
+                </a:p>
+              </p:txBody>
+            </p:sp>
+            <p:sp>
+              <p:nvSpPr>
+                <p:cNvPr id="13" name="Ellipse 12"/>
+                <p:cNvSpPr/>
+                <p:nvPr/>
+              </p:nvSpPr>
+              <p:spPr>
+                <a:xfrm>
+                  <a:off x="810683" y="4935538"/>
+                  <a:ext cx="75142" cy="79375"/>
+                </a:xfrm>
+                <a:prstGeom prst="ellipse">
+                  <a:avLst/>
+                </a:prstGeom>
+              </p:spPr>
+              <p:style>
+                <a:lnRef idx="1">
+                  <a:schemeClr val="accent2"/>
+                </a:lnRef>
+                <a:fillRef idx="3">
+                  <a:schemeClr val="accent2"/>
+                </a:fillRef>
+                <a:effectRef idx="2">
+                  <a:schemeClr val="accent2"/>
+                </a:effectRef>
+                <a:fontRef idx="minor">
+                  <a:schemeClr val="lt1"/>
+                </a:fontRef>
+              </p:style>
+              <p:txBody>
+                <a:bodyPr rtlCol="0" anchor="ctr"/>
+                <a:lstStyle/>
+                <a:p>
+                  <a:pPr algn="ctr"/>
+                  <a:endParaRPr lang="fr-FR"/>
+                </a:p>
+              </p:txBody>
+            </p:sp>
+            <p:sp>
+              <p:nvSpPr>
+                <p:cNvPr id="14" name="Ellipse 13"/>
+                <p:cNvSpPr/>
+                <p:nvPr/>
+              </p:nvSpPr>
+              <p:spPr>
+                <a:xfrm>
+                  <a:off x="810683" y="5487986"/>
+                  <a:ext cx="75142" cy="79375"/>
+                </a:xfrm>
+                <a:prstGeom prst="ellipse">
+                  <a:avLst/>
+                </a:prstGeom>
+              </p:spPr>
+              <p:style>
+                <a:lnRef idx="1">
+                  <a:schemeClr val="accent2"/>
+                </a:lnRef>
+                <a:fillRef idx="3">
+                  <a:schemeClr val="accent2"/>
+                </a:fillRef>
+                <a:effectRef idx="2">
+                  <a:schemeClr val="accent2"/>
+                </a:effectRef>
+                <a:fontRef idx="minor">
+                  <a:schemeClr val="lt1"/>
+                </a:fontRef>
+              </p:style>
+              <p:txBody>
+                <a:bodyPr rtlCol="0" anchor="ctr"/>
+                <a:lstStyle/>
+                <a:p>
+                  <a:pPr algn="ctr"/>
+                  <a:endParaRPr lang="fr-FR"/>
+                </a:p>
+              </p:txBody>
+            </p:sp>
+          </p:grpSp>
+          <p:pic>
+            <p:nvPicPr>
+              <p:cNvPr id="7" name="Image 6"/>
+              <p:cNvPicPr>
+                <a:picLocks noChangeAspect="1"/>
+              </p:cNvPicPr>
+              <p:nvPr/>
+            </p:nvPicPr>
+            <p:blipFill rotWithShape="1">
+              <a:blip r:embed="rId3"/>
+              <a:srcRect t="83666" b="4737"/>
+              <a:stretch/>
+            </p:blipFill>
+            <p:spPr>
+              <a:xfrm>
+                <a:off x="7953154" y="4367569"/>
+                <a:ext cx="3543300" cy="220133"/>
+              </a:xfrm>
+              <a:prstGeom prst="rect">
+                <a:avLst/>
+              </a:prstGeom>
+            </p:spPr>
+          </p:pic>
+          <p:pic>
+            <p:nvPicPr>
+              <p:cNvPr id="8" name="Image 7"/>
+              <p:cNvPicPr>
+                <a:picLocks noChangeAspect="1"/>
+              </p:cNvPicPr>
+              <p:nvPr/>
+            </p:nvPicPr>
+            <p:blipFill rotWithShape="1">
+              <a:blip r:embed="rId4"/>
+              <a:srcRect l="3523" t="54895" r="63253" b="39131"/>
+              <a:stretch/>
+            </p:blipFill>
+            <p:spPr>
+              <a:xfrm>
+                <a:off x="7958556" y="6336405"/>
+                <a:ext cx="3537898" cy="152401"/>
+              </a:xfrm>
+              <a:prstGeom prst="rect">
+                <a:avLst/>
+              </a:prstGeom>
+            </p:spPr>
+          </p:pic>
+        </p:grpSp>
+        <p:sp>
+          <p:nvSpPr>
+            <p:cNvPr id="5" name="Ellipse 4"/>
+            <p:cNvSpPr/>
+            <p:nvPr/>
+          </p:nvSpPr>
+          <p:spPr>
+            <a:xfrm>
+              <a:off x="4194174" y="5702261"/>
+              <a:ext cx="75142" cy="79375"/>
+            </a:xfrm>
+            <a:prstGeom prst="ellipse">
+              <a:avLst/>
+            </a:prstGeom>
+          </p:spPr>
+          <p:style>
+            <a:lnRef idx="1">
+              <a:schemeClr val="accent2"/>
+            </a:lnRef>
+            <a:fillRef idx="3">
+              <a:schemeClr val="accent2"/>
+            </a:fillRef>
+            <a:effectRef idx="2">
+              <a:schemeClr val="accent2"/>
+            </a:effectRef>
+            <a:fontRef idx="minor">
+              <a:schemeClr val="lt1"/>
+            </a:fontRef>
+          </p:style>
+          <p:txBody>
+            <a:bodyPr rtlCol="0" anchor="ctr"/>
+            <a:lstStyle/>
+            <a:p>
+              <a:pPr algn="ctr"/>
+              <a:endParaRPr lang="fr-FR"/>
+            </a:p>
+          </p:txBody>
+        </p:sp>
+      </p:grpSp>
+      <p:cxnSp>
+        <p:nvCxnSpPr>
+          <p:cNvPr id="16" name="Connecteur droit avec flèche 15"/>
+          <p:cNvCxnSpPr/>
+          <p:nvPr/>
+        </p:nvCxnSpPr>
+        <p:spPr>
+          <a:xfrm>
+            <a:off x="385679" y="5392840"/>
+            <a:ext cx="115098" cy="1"/>
+          </a:xfrm>
+          <a:prstGeom prst="straightConnector1">
+            <a:avLst/>
+          </a:prstGeom>
+          <a:ln>
+            <a:tailEnd type="triangle"/>
+          </a:ln>
+        </p:spPr>
+        <p:style>
+          <a:lnRef idx="3">
+            <a:schemeClr val="accent1"/>
+          </a:lnRef>
+          <a:fillRef idx="0">
+            <a:schemeClr val="accent1"/>
+          </a:fillRef>
+          <a:effectRef idx="2">
+            <a:schemeClr val="accent1"/>
+          </a:effectRef>
+          <a:fontRef idx="minor">
+            <a:schemeClr val="tx1"/>
+          </a:fontRef>
+        </p:style>
+      </p:cxnSp>
+      <p:grpSp>
+        <p:nvGrpSpPr>
+          <p:cNvPr id="31" name="Groupe 30"/>
+          <p:cNvGrpSpPr/>
+          <p:nvPr/>
+        </p:nvGrpSpPr>
+        <p:grpSpPr>
+          <a:xfrm>
+            <a:off x="4491494" y="4294564"/>
+            <a:ext cx="3565585" cy="2121237"/>
+            <a:chOff x="4092294" y="4267125"/>
+            <a:chExt cx="3565585" cy="2121237"/>
+          </a:xfrm>
+        </p:grpSpPr>
+        <p:grpSp>
+          <p:nvGrpSpPr>
+            <p:cNvPr id="32" name="Groupe 31"/>
+            <p:cNvGrpSpPr/>
+            <p:nvPr/>
+          </p:nvGrpSpPr>
+          <p:grpSpPr>
+            <a:xfrm>
+              <a:off x="4092294" y="4267125"/>
+              <a:ext cx="3565585" cy="2121237"/>
+              <a:chOff x="7930869" y="4367569"/>
+              <a:chExt cx="3565585" cy="2121237"/>
+            </a:xfrm>
+          </p:grpSpPr>
+          <p:grpSp>
+            <p:nvGrpSpPr>
+              <p:cNvPr id="35" name="Groupe 34"/>
+              <p:cNvGrpSpPr/>
+              <p:nvPr/>
+            </p:nvGrpSpPr>
+            <p:grpSpPr>
+              <a:xfrm>
+                <a:off x="7930869" y="4639733"/>
+                <a:ext cx="3565585" cy="1647997"/>
+                <a:chOff x="708803" y="4563533"/>
+                <a:chExt cx="3565585" cy="1647997"/>
+              </a:xfrm>
+            </p:grpSpPr>
+            <p:pic>
+              <p:nvPicPr>
+                <p:cNvPr id="38" name="Image 37"/>
+                <p:cNvPicPr>
+                  <a:picLocks noChangeAspect="1"/>
+                </p:cNvPicPr>
+                <p:nvPr/>
+              </p:nvPicPr>
+              <p:blipFill rotWithShape="1">
+                <a:blip r:embed="rId2"/>
+                <a:srcRect t="44083"/>
+                <a:stretch/>
+              </p:blipFill>
+              <p:spPr>
+                <a:xfrm>
+                  <a:off x="708803" y="4563533"/>
+                  <a:ext cx="3565585" cy="1647997"/>
+                </a:xfrm>
+                <a:prstGeom prst="rect">
+                  <a:avLst/>
+                </a:prstGeom>
+              </p:spPr>
+            </p:pic>
+            <p:sp>
+              <p:nvSpPr>
+                <p:cNvPr id="39" name="Ellipse 38"/>
+                <p:cNvSpPr/>
+                <p:nvPr/>
+              </p:nvSpPr>
+              <p:spPr>
+                <a:xfrm>
+                  <a:off x="810683" y="5073650"/>
+                  <a:ext cx="75142" cy="79375"/>
+                </a:xfrm>
+                <a:prstGeom prst="ellipse">
+                  <a:avLst/>
+                </a:prstGeom>
+              </p:spPr>
+              <p:style>
+                <a:lnRef idx="1">
+                  <a:schemeClr val="accent2"/>
+                </a:lnRef>
+                <a:fillRef idx="3">
+                  <a:schemeClr val="accent2"/>
+                </a:fillRef>
+                <a:effectRef idx="2">
+                  <a:schemeClr val="accent2"/>
+                </a:effectRef>
+                <a:fontRef idx="minor">
+                  <a:schemeClr val="lt1"/>
+                </a:fontRef>
+              </p:style>
+              <p:txBody>
+                <a:bodyPr rtlCol="0" anchor="ctr"/>
+                <a:lstStyle/>
+                <a:p>
+                  <a:pPr algn="ctr"/>
+                  <a:endParaRPr lang="fr-FR"/>
+                </a:p>
+              </p:txBody>
+            </p:sp>
+            <p:sp>
+              <p:nvSpPr>
+                <p:cNvPr id="40" name="Ellipse 39"/>
+                <p:cNvSpPr/>
+                <p:nvPr/>
+              </p:nvSpPr>
+              <p:spPr>
+                <a:xfrm>
+                  <a:off x="810683" y="5211762"/>
+                  <a:ext cx="75142" cy="79375"/>
+                </a:xfrm>
+                <a:prstGeom prst="ellipse">
+                  <a:avLst/>
+                </a:prstGeom>
+              </p:spPr>
+              <p:style>
+                <a:lnRef idx="1">
+                  <a:schemeClr val="accent2"/>
+                </a:lnRef>
+                <a:fillRef idx="3">
+                  <a:schemeClr val="accent2"/>
+                </a:fillRef>
+                <a:effectRef idx="2">
+                  <a:schemeClr val="accent2"/>
+                </a:effectRef>
+                <a:fontRef idx="minor">
+                  <a:schemeClr val="lt1"/>
+                </a:fontRef>
+              </p:style>
+              <p:txBody>
+                <a:bodyPr rtlCol="0" anchor="ctr"/>
+                <a:lstStyle/>
+                <a:p>
+                  <a:pPr algn="ctr"/>
+                  <a:endParaRPr lang="fr-FR"/>
+                </a:p>
+              </p:txBody>
+            </p:sp>
+            <p:sp>
+              <p:nvSpPr>
+                <p:cNvPr id="41" name="Ellipse 40"/>
+                <p:cNvSpPr/>
+                <p:nvPr/>
+              </p:nvSpPr>
+              <p:spPr>
+                <a:xfrm>
+                  <a:off x="810683" y="5349874"/>
+                  <a:ext cx="75142" cy="79375"/>
+                </a:xfrm>
+                <a:prstGeom prst="ellipse">
+                  <a:avLst/>
+                </a:prstGeom>
+              </p:spPr>
+              <p:style>
+                <a:lnRef idx="1">
+                  <a:schemeClr val="accent2"/>
+                </a:lnRef>
+                <a:fillRef idx="3">
+                  <a:schemeClr val="accent2"/>
+                </a:fillRef>
+                <a:effectRef idx="2">
+                  <a:schemeClr val="accent2"/>
+                </a:effectRef>
+                <a:fontRef idx="minor">
+                  <a:schemeClr val="lt1"/>
+                </a:fontRef>
+              </p:style>
+              <p:txBody>
+                <a:bodyPr rtlCol="0" anchor="ctr"/>
+                <a:lstStyle/>
+                <a:p>
+                  <a:pPr algn="ctr"/>
+                  <a:endParaRPr lang="fr-FR"/>
+                </a:p>
+              </p:txBody>
+            </p:sp>
+            <p:sp>
+              <p:nvSpPr>
+                <p:cNvPr id="42" name="Ellipse 41"/>
+                <p:cNvSpPr/>
+                <p:nvPr/>
+              </p:nvSpPr>
+              <p:spPr>
+                <a:xfrm>
+                  <a:off x="810683" y="4935538"/>
+                  <a:ext cx="75142" cy="79375"/>
+                </a:xfrm>
+                <a:prstGeom prst="ellipse">
+                  <a:avLst/>
+                </a:prstGeom>
+              </p:spPr>
+              <p:style>
+                <a:lnRef idx="1">
+                  <a:schemeClr val="accent2"/>
+                </a:lnRef>
+                <a:fillRef idx="3">
+                  <a:schemeClr val="accent2"/>
+                </a:fillRef>
+                <a:effectRef idx="2">
+                  <a:schemeClr val="accent2"/>
+                </a:effectRef>
+                <a:fontRef idx="minor">
+                  <a:schemeClr val="lt1"/>
+                </a:fontRef>
+              </p:style>
+              <p:txBody>
+                <a:bodyPr rtlCol="0" anchor="ctr"/>
+                <a:lstStyle/>
+                <a:p>
+                  <a:pPr algn="ctr"/>
+                  <a:endParaRPr lang="fr-FR"/>
+                </a:p>
+              </p:txBody>
+            </p:sp>
+            <p:sp>
+              <p:nvSpPr>
+                <p:cNvPr id="43" name="Ellipse 42"/>
+                <p:cNvSpPr/>
+                <p:nvPr/>
+              </p:nvSpPr>
+              <p:spPr>
+                <a:xfrm>
+                  <a:off x="810683" y="5487986"/>
+                  <a:ext cx="75142" cy="79375"/>
+                </a:xfrm>
+                <a:prstGeom prst="ellipse">
+                  <a:avLst/>
+                </a:prstGeom>
+              </p:spPr>
+              <p:style>
+                <a:lnRef idx="1">
+                  <a:schemeClr val="accent2"/>
+                </a:lnRef>
+                <a:fillRef idx="3">
+                  <a:schemeClr val="accent2"/>
+                </a:fillRef>
+                <a:effectRef idx="2">
+                  <a:schemeClr val="accent2"/>
+                </a:effectRef>
+                <a:fontRef idx="minor">
+                  <a:schemeClr val="lt1"/>
+                </a:fontRef>
+              </p:style>
+              <p:txBody>
+                <a:bodyPr rtlCol="0" anchor="ctr"/>
+                <a:lstStyle/>
+                <a:p>
+                  <a:pPr algn="ctr"/>
+                  <a:endParaRPr lang="fr-FR"/>
+                </a:p>
+              </p:txBody>
+            </p:sp>
+          </p:grpSp>
+          <p:pic>
+            <p:nvPicPr>
+              <p:cNvPr id="36" name="Image 35"/>
+              <p:cNvPicPr>
+                <a:picLocks noChangeAspect="1"/>
+              </p:cNvPicPr>
+              <p:nvPr/>
+            </p:nvPicPr>
+            <p:blipFill rotWithShape="1">
+              <a:blip r:embed="rId3"/>
+              <a:srcRect t="83666" b="4737"/>
+              <a:stretch/>
+            </p:blipFill>
+            <p:spPr>
+              <a:xfrm>
+                <a:off x="7953154" y="4367569"/>
+                <a:ext cx="3543300" cy="220133"/>
+              </a:xfrm>
+              <a:prstGeom prst="rect">
+                <a:avLst/>
+              </a:prstGeom>
+            </p:spPr>
+          </p:pic>
+          <p:pic>
+            <p:nvPicPr>
+              <p:cNvPr id="37" name="Image 36"/>
+              <p:cNvPicPr>
+                <a:picLocks noChangeAspect="1"/>
+              </p:cNvPicPr>
+              <p:nvPr/>
+            </p:nvPicPr>
+            <p:blipFill rotWithShape="1">
+              <a:blip r:embed="rId4"/>
+              <a:srcRect l="3523" t="54895" r="63253" b="39131"/>
+              <a:stretch/>
+            </p:blipFill>
+            <p:spPr>
+              <a:xfrm>
+                <a:off x="7958556" y="6336405"/>
+                <a:ext cx="3537898" cy="152401"/>
+              </a:xfrm>
+              <a:prstGeom prst="rect">
+                <a:avLst/>
+              </a:prstGeom>
+            </p:spPr>
+          </p:pic>
+        </p:grpSp>
+        <p:sp>
+          <p:nvSpPr>
+            <p:cNvPr id="34" name="Ellipse 33"/>
+            <p:cNvSpPr/>
+            <p:nvPr/>
+          </p:nvSpPr>
+          <p:spPr>
+            <a:xfrm>
+              <a:off x="4194174" y="5702261"/>
+              <a:ext cx="75142" cy="79375"/>
+            </a:xfrm>
+            <a:prstGeom prst="ellipse">
+              <a:avLst/>
+            </a:prstGeom>
+          </p:spPr>
+          <p:style>
+            <a:lnRef idx="1">
+              <a:schemeClr val="accent2"/>
+            </a:lnRef>
+            <a:fillRef idx="3">
+              <a:schemeClr val="accent2"/>
+            </a:fillRef>
+            <a:effectRef idx="2">
+              <a:schemeClr val="accent2"/>
+            </a:effectRef>
+            <a:fontRef idx="minor">
+              <a:schemeClr val="lt1"/>
+            </a:fontRef>
+          </p:style>
+          <p:txBody>
+            <a:bodyPr rtlCol="0" anchor="ctr"/>
+            <a:lstStyle/>
+            <a:p>
+              <a:pPr algn="ctr"/>
+              <a:endParaRPr lang="fr-FR"/>
+            </a:p>
+          </p:txBody>
+        </p:sp>
+      </p:grpSp>
+      <p:cxnSp>
+        <p:nvCxnSpPr>
+          <p:cNvPr id="44" name="Connecteur droit avec flèche 43"/>
+          <p:cNvCxnSpPr/>
+          <p:nvPr/>
+        </p:nvCxnSpPr>
+        <p:spPr>
+          <a:xfrm>
+            <a:off x="4398681" y="5254644"/>
+            <a:ext cx="115098" cy="1"/>
+          </a:xfrm>
+          <a:prstGeom prst="straightConnector1">
+            <a:avLst/>
+          </a:prstGeom>
+          <a:ln>
+            <a:tailEnd type="triangle"/>
+          </a:ln>
+        </p:spPr>
+        <p:style>
+          <a:lnRef idx="3">
+            <a:schemeClr val="accent1"/>
+          </a:lnRef>
+          <a:fillRef idx="0">
+            <a:schemeClr val="accent1"/>
+          </a:fillRef>
+          <a:effectRef idx="2">
+            <a:schemeClr val="accent1"/>
+          </a:effectRef>
+          <a:fontRef idx="minor">
+            <a:schemeClr val="tx1"/>
+          </a:fontRef>
+        </p:style>
+      </p:cxnSp>
+      <p:grpSp>
+        <p:nvGrpSpPr>
+          <p:cNvPr id="45" name="Groupe 44"/>
+          <p:cNvGrpSpPr/>
+          <p:nvPr/>
+        </p:nvGrpSpPr>
+        <p:grpSpPr>
+          <a:xfrm>
+            <a:off x="8412877" y="4294564"/>
+            <a:ext cx="3565585" cy="2121237"/>
+            <a:chOff x="4092294" y="4267125"/>
+            <a:chExt cx="3565585" cy="2121237"/>
+          </a:xfrm>
+        </p:grpSpPr>
+        <p:grpSp>
+          <p:nvGrpSpPr>
+            <p:cNvPr id="46" name="Groupe 45"/>
+            <p:cNvGrpSpPr/>
+            <p:nvPr/>
+          </p:nvGrpSpPr>
+          <p:grpSpPr>
+            <a:xfrm>
+              <a:off x="4092294" y="4267125"/>
+              <a:ext cx="3565585" cy="2121237"/>
+              <a:chOff x="7930869" y="4367569"/>
+              <a:chExt cx="3565585" cy="2121237"/>
+            </a:xfrm>
+          </p:grpSpPr>
+          <p:grpSp>
+            <p:nvGrpSpPr>
+              <p:cNvPr id="48" name="Groupe 47"/>
+              <p:cNvGrpSpPr/>
+              <p:nvPr/>
+            </p:nvGrpSpPr>
+            <p:grpSpPr>
+              <a:xfrm>
+                <a:off x="7930869" y="4639733"/>
+                <a:ext cx="3565585" cy="1647997"/>
+                <a:chOff x="708803" y="4563533"/>
+                <a:chExt cx="3565585" cy="1647997"/>
+              </a:xfrm>
+            </p:grpSpPr>
+            <p:pic>
+              <p:nvPicPr>
+                <p:cNvPr id="51" name="Image 50"/>
+                <p:cNvPicPr>
+                  <a:picLocks noChangeAspect="1"/>
+                </p:cNvPicPr>
+                <p:nvPr/>
+              </p:nvPicPr>
+              <p:blipFill rotWithShape="1">
+                <a:blip r:embed="rId2"/>
+                <a:srcRect t="44083"/>
+                <a:stretch/>
+              </p:blipFill>
+              <p:spPr>
+                <a:xfrm>
+                  <a:off x="708803" y="4563533"/>
+                  <a:ext cx="3565585" cy="1647997"/>
+                </a:xfrm>
+                <a:prstGeom prst="rect">
+                  <a:avLst/>
+                </a:prstGeom>
+              </p:spPr>
+            </p:pic>
+            <p:sp>
+              <p:nvSpPr>
+                <p:cNvPr id="52" name="Ellipse 51"/>
+                <p:cNvSpPr/>
+                <p:nvPr/>
+              </p:nvSpPr>
+              <p:spPr>
+                <a:xfrm>
+                  <a:off x="810683" y="5073650"/>
+                  <a:ext cx="75142" cy="79375"/>
+                </a:xfrm>
+                <a:prstGeom prst="ellipse">
+                  <a:avLst/>
+                </a:prstGeom>
+              </p:spPr>
+              <p:style>
+                <a:lnRef idx="1">
+                  <a:schemeClr val="accent2"/>
+                </a:lnRef>
+                <a:fillRef idx="3">
+                  <a:schemeClr val="accent2"/>
+                </a:fillRef>
+                <a:effectRef idx="2">
+                  <a:schemeClr val="accent2"/>
+                </a:effectRef>
+                <a:fontRef idx="minor">
+                  <a:schemeClr val="lt1"/>
+                </a:fontRef>
+              </p:style>
+              <p:txBody>
+                <a:bodyPr rtlCol="0" anchor="ctr"/>
+                <a:lstStyle/>
+                <a:p>
+                  <a:pPr algn="ctr"/>
+                  <a:endParaRPr lang="fr-FR"/>
+                </a:p>
+              </p:txBody>
+            </p:sp>
+            <p:sp>
+              <p:nvSpPr>
+                <p:cNvPr id="53" name="Ellipse 52"/>
+                <p:cNvSpPr/>
+                <p:nvPr/>
+              </p:nvSpPr>
+              <p:spPr>
+                <a:xfrm>
+                  <a:off x="810683" y="5211762"/>
+                  <a:ext cx="75142" cy="79375"/>
+                </a:xfrm>
+                <a:prstGeom prst="ellipse">
+                  <a:avLst/>
+                </a:prstGeom>
+              </p:spPr>
+              <p:style>
+                <a:lnRef idx="1">
+                  <a:schemeClr val="accent2"/>
+                </a:lnRef>
+                <a:fillRef idx="3">
+                  <a:schemeClr val="accent2"/>
+                </a:fillRef>
+                <a:effectRef idx="2">
+                  <a:schemeClr val="accent2"/>
+                </a:effectRef>
+                <a:fontRef idx="minor">
+                  <a:schemeClr val="lt1"/>
+                </a:fontRef>
+              </p:style>
+              <p:txBody>
+                <a:bodyPr rtlCol="0" anchor="ctr"/>
+                <a:lstStyle/>
+                <a:p>
+                  <a:pPr algn="ctr"/>
+                  <a:endParaRPr lang="fr-FR"/>
+                </a:p>
+              </p:txBody>
+            </p:sp>
+            <p:sp>
+              <p:nvSpPr>
+                <p:cNvPr id="54" name="Ellipse 53"/>
+                <p:cNvSpPr/>
+                <p:nvPr/>
+              </p:nvSpPr>
+              <p:spPr>
+                <a:xfrm>
+                  <a:off x="810683" y="5349874"/>
+                  <a:ext cx="75142" cy="79375"/>
+                </a:xfrm>
+                <a:prstGeom prst="ellipse">
+                  <a:avLst/>
+                </a:prstGeom>
+              </p:spPr>
+              <p:style>
+                <a:lnRef idx="1">
+                  <a:schemeClr val="accent2"/>
+                </a:lnRef>
+                <a:fillRef idx="3">
+                  <a:schemeClr val="accent2"/>
+                </a:fillRef>
+                <a:effectRef idx="2">
+                  <a:schemeClr val="accent2"/>
+                </a:effectRef>
+                <a:fontRef idx="minor">
+                  <a:schemeClr val="lt1"/>
+                </a:fontRef>
+              </p:style>
+              <p:txBody>
+                <a:bodyPr rtlCol="0" anchor="ctr"/>
+                <a:lstStyle/>
+                <a:p>
+                  <a:pPr algn="ctr"/>
+                  <a:endParaRPr lang="fr-FR"/>
+                </a:p>
+              </p:txBody>
+            </p:sp>
+            <p:sp>
+              <p:nvSpPr>
+                <p:cNvPr id="55" name="Ellipse 54"/>
+                <p:cNvSpPr/>
+                <p:nvPr/>
+              </p:nvSpPr>
+              <p:spPr>
+                <a:xfrm>
+                  <a:off x="810683" y="4935538"/>
+                  <a:ext cx="75142" cy="79375"/>
+                </a:xfrm>
+                <a:prstGeom prst="ellipse">
+                  <a:avLst/>
+                </a:prstGeom>
+              </p:spPr>
+              <p:style>
+                <a:lnRef idx="1">
+                  <a:schemeClr val="accent2"/>
+                </a:lnRef>
+                <a:fillRef idx="3">
+                  <a:schemeClr val="accent2"/>
+                </a:fillRef>
+                <a:effectRef idx="2">
+                  <a:schemeClr val="accent2"/>
+                </a:effectRef>
+                <a:fontRef idx="minor">
+                  <a:schemeClr val="lt1"/>
+                </a:fontRef>
+              </p:style>
+              <p:txBody>
+                <a:bodyPr rtlCol="0" anchor="ctr"/>
+                <a:lstStyle/>
+                <a:p>
+                  <a:pPr algn="ctr"/>
+                  <a:endParaRPr lang="fr-FR"/>
+                </a:p>
+              </p:txBody>
+            </p:sp>
+            <p:sp>
+              <p:nvSpPr>
+                <p:cNvPr id="56" name="Ellipse 55"/>
+                <p:cNvSpPr/>
+                <p:nvPr/>
+              </p:nvSpPr>
+              <p:spPr>
+                <a:xfrm>
+                  <a:off x="810683" y="5487986"/>
+                  <a:ext cx="75142" cy="79375"/>
+                </a:xfrm>
+                <a:prstGeom prst="ellipse">
+                  <a:avLst/>
+                </a:prstGeom>
+              </p:spPr>
+              <p:style>
+                <a:lnRef idx="1">
+                  <a:schemeClr val="accent2"/>
+                </a:lnRef>
+                <a:fillRef idx="3">
+                  <a:schemeClr val="accent2"/>
+                </a:fillRef>
+                <a:effectRef idx="2">
+                  <a:schemeClr val="accent2"/>
+                </a:effectRef>
+                <a:fontRef idx="minor">
+                  <a:schemeClr val="lt1"/>
+                </a:fontRef>
+              </p:style>
+              <p:txBody>
+                <a:bodyPr rtlCol="0" anchor="ctr"/>
+                <a:lstStyle/>
+                <a:p>
+                  <a:pPr algn="ctr"/>
+                  <a:endParaRPr lang="fr-FR"/>
+                </a:p>
+              </p:txBody>
+            </p:sp>
+          </p:grpSp>
+          <p:pic>
+            <p:nvPicPr>
+              <p:cNvPr id="49" name="Image 48"/>
+              <p:cNvPicPr>
+                <a:picLocks noChangeAspect="1"/>
+              </p:cNvPicPr>
+              <p:nvPr/>
+            </p:nvPicPr>
+            <p:blipFill rotWithShape="1">
+              <a:blip r:embed="rId3"/>
+              <a:srcRect t="83666" b="4737"/>
+              <a:stretch/>
+            </p:blipFill>
+            <p:spPr>
+              <a:xfrm>
+                <a:off x="7953154" y="4367569"/>
+                <a:ext cx="3543300" cy="220133"/>
+              </a:xfrm>
+              <a:prstGeom prst="rect">
+                <a:avLst/>
+              </a:prstGeom>
+            </p:spPr>
+          </p:pic>
+          <p:pic>
+            <p:nvPicPr>
+              <p:cNvPr id="50" name="Image 49"/>
+              <p:cNvPicPr>
+                <a:picLocks noChangeAspect="1"/>
+              </p:cNvPicPr>
+              <p:nvPr/>
+            </p:nvPicPr>
+            <p:blipFill rotWithShape="1">
+              <a:blip r:embed="rId4"/>
+              <a:srcRect l="3523" t="54895" r="63253" b="39131"/>
+              <a:stretch/>
+            </p:blipFill>
+            <p:spPr>
+              <a:xfrm>
+                <a:off x="7958556" y="6336405"/>
+                <a:ext cx="3537898" cy="152401"/>
+              </a:xfrm>
+              <a:prstGeom prst="rect">
+                <a:avLst/>
+              </a:prstGeom>
+            </p:spPr>
+          </p:pic>
+        </p:grpSp>
+        <p:sp>
+          <p:nvSpPr>
+            <p:cNvPr id="47" name="Ellipse 46"/>
+            <p:cNvSpPr/>
+            <p:nvPr/>
+          </p:nvSpPr>
+          <p:spPr>
+            <a:xfrm>
+              <a:off x="4194174" y="5702261"/>
+              <a:ext cx="75142" cy="79375"/>
+            </a:xfrm>
+            <a:prstGeom prst="ellipse">
+              <a:avLst/>
+            </a:prstGeom>
+          </p:spPr>
+          <p:style>
+            <a:lnRef idx="1">
+              <a:schemeClr val="accent2"/>
+            </a:lnRef>
+            <a:fillRef idx="3">
+              <a:schemeClr val="accent2"/>
+            </a:fillRef>
+            <a:effectRef idx="2">
+              <a:schemeClr val="accent2"/>
+            </a:effectRef>
+            <a:fontRef idx="minor">
+              <a:schemeClr val="lt1"/>
+            </a:fontRef>
+          </p:style>
+          <p:txBody>
+            <a:bodyPr rtlCol="0" anchor="ctr"/>
+            <a:lstStyle/>
+            <a:p>
+              <a:pPr algn="ctr"/>
+              <a:endParaRPr lang="fr-FR"/>
+            </a:p>
+          </p:txBody>
+        </p:sp>
+      </p:grpSp>
+      <p:cxnSp>
+        <p:nvCxnSpPr>
+          <p:cNvPr id="57" name="Connecteur droit avec flèche 56"/>
+          <p:cNvCxnSpPr/>
+          <p:nvPr/>
+        </p:nvCxnSpPr>
+        <p:spPr>
+          <a:xfrm>
+            <a:off x="8297779" y="5116532"/>
+            <a:ext cx="115098" cy="1"/>
+          </a:xfrm>
+          <a:prstGeom prst="straightConnector1">
+            <a:avLst/>
+          </a:prstGeom>
+          <a:ln>
+            <a:tailEnd type="triangle"/>
+          </a:ln>
+        </p:spPr>
+        <p:style>
+          <a:lnRef idx="3">
+            <a:schemeClr val="accent1"/>
+          </a:lnRef>
+          <a:fillRef idx="0">
+            <a:schemeClr val="accent1"/>
+          </a:fillRef>
+          <a:effectRef idx="2">
+            <a:schemeClr val="accent1"/>
+          </a:effectRef>
+          <a:fontRef idx="minor">
+            <a:schemeClr val="tx1"/>
+          </a:fontRef>
+        </p:style>
+      </p:cxnSp>
+      <p:grpSp>
+        <p:nvGrpSpPr>
+          <p:cNvPr id="105" name="Groupe 104"/>
+          <p:cNvGrpSpPr/>
+          <p:nvPr/>
+        </p:nvGrpSpPr>
+        <p:grpSpPr>
+          <a:xfrm>
+            <a:off x="736240" y="460687"/>
+            <a:ext cx="2345480" cy="3553321"/>
+            <a:chOff x="736240" y="460687"/>
+            <a:chExt cx="2345480" cy="3553321"/>
+          </a:xfrm>
+        </p:grpSpPr>
+        <p:grpSp>
+          <p:nvGrpSpPr>
+            <p:cNvPr id="26" name="Groupe 25"/>
+            <p:cNvGrpSpPr/>
+            <p:nvPr/>
+          </p:nvGrpSpPr>
+          <p:grpSpPr>
+            <a:xfrm>
+              <a:off x="736240" y="460687"/>
+              <a:ext cx="2345480" cy="3553321"/>
+              <a:chOff x="736240" y="460687"/>
+              <a:chExt cx="2345480" cy="3553321"/>
+            </a:xfrm>
+          </p:grpSpPr>
+          <p:pic>
+            <p:nvPicPr>
+              <p:cNvPr id="61" name="Image 60"/>
+              <p:cNvPicPr>
+                <a:picLocks noChangeAspect="1"/>
+              </p:cNvPicPr>
+              <p:nvPr/>
+            </p:nvPicPr>
+            <p:blipFill>
+              <a:blip r:embed="rId5">
+                <a:extLst>
+                  <a:ext uri="{28A0092B-C50C-407E-A947-70E740481C1C}">
+                    <a14:useLocalDpi xmlns:a14="http://schemas.microsoft.com/office/drawing/2010/main" val="0"/>
+                  </a:ext>
+                </a:extLst>
+              </a:blip>
+              <a:stretch>
+                <a:fillRect/>
+              </a:stretch>
+            </p:blipFill>
+            <p:spPr>
+              <a:xfrm>
+                <a:off x="871612" y="460687"/>
+                <a:ext cx="2210108" cy="3553321"/>
+              </a:xfrm>
+              <a:prstGeom prst="rect">
+                <a:avLst/>
+              </a:prstGeom>
+            </p:spPr>
+          </p:pic>
+          <p:sp>
+            <p:nvSpPr>
+              <p:cNvPr id="62" name="Rectangle 61"/>
+              <p:cNvSpPr/>
+              <p:nvPr/>
+            </p:nvSpPr>
+            <p:spPr>
+              <a:xfrm>
+                <a:off x="755290" y="2061380"/>
+                <a:ext cx="2038878" cy="143793"/>
+              </a:xfrm>
+              <a:prstGeom prst="rect">
+                <a:avLst/>
+              </a:prstGeom>
+              <a:solidFill>
+                <a:srgbClr val="70AD47">
+                  <a:alpha val="25098"/>
+                </a:srgbClr>
+              </a:solidFill>
+            </p:spPr>
+            <p:style>
+              <a:lnRef idx="2">
+                <a:schemeClr val="accent6">
+                  <a:shade val="50000"/>
+                </a:schemeClr>
+              </a:lnRef>
+              <a:fillRef idx="1">
+                <a:schemeClr val="accent6"/>
+              </a:fillRef>
+              <a:effectRef idx="0">
+                <a:schemeClr val="accent6"/>
+              </a:effectRef>
+              <a:fontRef idx="minor">
+                <a:schemeClr val="lt1"/>
+              </a:fontRef>
+            </p:style>
+            <p:txBody>
+              <a:bodyPr rtlCol="0" anchor="ctr"/>
+              <a:lstStyle/>
+              <a:p>
+                <a:pPr algn="ctr"/>
+                <a:endParaRPr lang="fr-FR"/>
+              </a:p>
+            </p:txBody>
+          </p:sp>
+          <p:sp>
+            <p:nvSpPr>
+              <p:cNvPr id="64" name="Rectangle 63"/>
+              <p:cNvSpPr/>
+              <p:nvPr/>
+            </p:nvSpPr>
+            <p:spPr>
+              <a:xfrm>
+                <a:off x="755290" y="3658094"/>
+                <a:ext cx="2038878" cy="143793"/>
+              </a:xfrm>
+              <a:prstGeom prst="rect">
+                <a:avLst/>
+              </a:prstGeom>
+              <a:solidFill>
+                <a:srgbClr val="70AD47">
+                  <a:alpha val="25098"/>
+                </a:srgbClr>
+              </a:solidFill>
+            </p:spPr>
+            <p:style>
+              <a:lnRef idx="2">
+                <a:schemeClr val="accent6">
+                  <a:shade val="50000"/>
+                </a:schemeClr>
+              </a:lnRef>
+              <a:fillRef idx="1">
+                <a:schemeClr val="accent6"/>
+              </a:fillRef>
+              <a:effectRef idx="0">
+                <a:schemeClr val="accent6"/>
+              </a:effectRef>
+              <a:fontRef idx="minor">
+                <a:schemeClr val="lt1"/>
+              </a:fontRef>
+            </p:style>
+            <p:txBody>
+              <a:bodyPr rtlCol="0" anchor="ctr"/>
+              <a:lstStyle/>
+              <a:p>
+                <a:pPr algn="ctr"/>
+                <a:endParaRPr lang="fr-FR"/>
+              </a:p>
+            </p:txBody>
+          </p:sp>
+          <p:sp>
+            <p:nvSpPr>
+              <p:cNvPr id="65" name="Rectangle 64"/>
+              <p:cNvSpPr/>
+              <p:nvPr/>
+            </p:nvSpPr>
+            <p:spPr>
+              <a:xfrm>
+                <a:off x="736240" y="3129576"/>
+                <a:ext cx="2038878" cy="143793"/>
+              </a:xfrm>
+              <a:prstGeom prst="rect">
+                <a:avLst/>
+              </a:prstGeom>
+              <a:solidFill>
+                <a:srgbClr val="70AD47">
+                  <a:alpha val="25098"/>
+                </a:srgbClr>
+              </a:solidFill>
+            </p:spPr>
+            <p:style>
+              <a:lnRef idx="2">
+                <a:schemeClr val="accent6">
+                  <a:shade val="50000"/>
+                </a:schemeClr>
+              </a:lnRef>
+              <a:fillRef idx="1">
+                <a:schemeClr val="accent6"/>
+              </a:fillRef>
+              <a:effectRef idx="0">
+                <a:schemeClr val="accent6"/>
+              </a:effectRef>
+              <a:fontRef idx="minor">
+                <a:schemeClr val="lt1"/>
+              </a:fontRef>
+            </p:style>
+            <p:txBody>
+              <a:bodyPr rtlCol="0" anchor="ctr"/>
+              <a:lstStyle/>
+              <a:p>
+                <a:pPr algn="ctr"/>
+                <a:endParaRPr lang="fr-FR"/>
+              </a:p>
+            </p:txBody>
+          </p:sp>
+          <p:pic>
+            <p:nvPicPr>
+              <p:cNvPr id="66" name="Image 65"/>
+              <p:cNvPicPr>
+                <a:picLocks noChangeAspect="1"/>
+              </p:cNvPicPr>
+              <p:nvPr/>
+            </p:nvPicPr>
+            <p:blipFill rotWithShape="1">
+              <a:blip r:embed="rId5">
+                <a:extLst>
+                  <a:ext uri="{28A0092B-C50C-407E-A947-70E740481C1C}">
+                    <a14:useLocalDpi xmlns:a14="http://schemas.microsoft.com/office/drawing/2010/main" val="0"/>
+                  </a:ext>
+                </a:extLst>
+              </a:blip>
+              <a:srcRect t="26200" r="95303" b="69511"/>
+              <a:stretch/>
+            </p:blipFill>
+            <p:spPr>
+              <a:xfrm>
+                <a:off x="868780" y="863019"/>
+                <a:ext cx="103812" cy="152400"/>
+              </a:xfrm>
+              <a:prstGeom prst="rect">
+                <a:avLst/>
+              </a:prstGeom>
+            </p:spPr>
+          </p:pic>
+          <p:pic>
+            <p:nvPicPr>
+              <p:cNvPr id="67" name="Image 66"/>
+              <p:cNvPicPr>
+                <a:picLocks noChangeAspect="1"/>
+              </p:cNvPicPr>
+              <p:nvPr/>
+            </p:nvPicPr>
+            <p:blipFill rotWithShape="1">
+              <a:blip r:embed="rId5">
+                <a:extLst>
+                  <a:ext uri="{28A0092B-C50C-407E-A947-70E740481C1C}">
+                    <a14:useLocalDpi xmlns:a14="http://schemas.microsoft.com/office/drawing/2010/main" val="0"/>
+                  </a:ext>
+                </a:extLst>
+              </a:blip>
+              <a:srcRect t="11135" r="95217" b="84791"/>
+              <a:stretch/>
+            </p:blipFill>
+            <p:spPr>
+              <a:xfrm>
+                <a:off x="869733" y="731291"/>
+                <a:ext cx="105717" cy="144779"/>
+              </a:xfrm>
+              <a:prstGeom prst="rect">
+                <a:avLst/>
+              </a:prstGeom>
+            </p:spPr>
+          </p:pic>
+          <p:sp>
+            <p:nvSpPr>
+              <p:cNvPr id="68" name="Rectangle 67"/>
+              <p:cNvSpPr/>
+              <p:nvPr/>
+            </p:nvSpPr>
+            <p:spPr>
+              <a:xfrm>
+                <a:off x="755290" y="586401"/>
+                <a:ext cx="2038878" cy="143793"/>
+              </a:xfrm>
+              <a:prstGeom prst="rect">
+                <a:avLst/>
+              </a:prstGeom>
+              <a:solidFill>
+                <a:srgbClr val="70AD47">
+                  <a:alpha val="25098"/>
+                </a:srgbClr>
+              </a:solidFill>
+            </p:spPr>
+            <p:style>
+              <a:lnRef idx="2">
+                <a:schemeClr val="accent6">
+                  <a:shade val="50000"/>
+                </a:schemeClr>
+              </a:lnRef>
+              <a:fillRef idx="1">
+                <a:schemeClr val="accent6"/>
+              </a:fillRef>
+              <a:effectRef idx="0">
+                <a:schemeClr val="accent6"/>
+              </a:effectRef>
+              <a:fontRef idx="minor">
+                <a:schemeClr val="lt1"/>
+              </a:fontRef>
+            </p:style>
+            <p:txBody>
+              <a:bodyPr rtlCol="0" anchor="ctr"/>
+              <a:lstStyle/>
+              <a:p>
+                <a:pPr algn="ctr"/>
+                <a:endParaRPr lang="fr-FR"/>
+              </a:p>
+            </p:txBody>
+          </p:sp>
+          <p:pic>
+            <p:nvPicPr>
+              <p:cNvPr id="71" name="Image 70"/>
+              <p:cNvPicPr>
+                <a:picLocks noChangeAspect="1"/>
+              </p:cNvPicPr>
+              <p:nvPr/>
+            </p:nvPicPr>
+            <p:blipFill rotWithShape="1">
+              <a:blip r:embed="rId5">
+                <a:extLst>
+                  <a:ext uri="{28A0092B-C50C-407E-A947-70E740481C1C}">
+                    <a14:useLocalDpi xmlns:a14="http://schemas.microsoft.com/office/drawing/2010/main" val="0"/>
+                  </a:ext>
+                </a:extLst>
+              </a:blip>
+              <a:srcRect t="26200" r="95303" b="69511"/>
+              <a:stretch/>
+            </p:blipFill>
+            <p:spPr>
+              <a:xfrm>
+                <a:off x="866875" y="1664018"/>
+                <a:ext cx="103812" cy="152400"/>
+              </a:xfrm>
+              <a:prstGeom prst="rect">
+                <a:avLst/>
+              </a:prstGeom>
+            </p:spPr>
+          </p:pic>
+          <p:sp>
+            <p:nvSpPr>
+              <p:cNvPr id="60" name="Rectangle 59"/>
+              <p:cNvSpPr/>
+              <p:nvPr/>
+            </p:nvSpPr>
+            <p:spPr>
+              <a:xfrm>
+                <a:off x="755290" y="2731242"/>
+                <a:ext cx="2038878" cy="143793"/>
+              </a:xfrm>
+              <a:prstGeom prst="rect">
+                <a:avLst/>
+              </a:prstGeom>
+              <a:solidFill>
+                <a:srgbClr val="70AD47">
+                  <a:alpha val="25098"/>
+                </a:srgbClr>
+              </a:solidFill>
+            </p:spPr>
+            <p:style>
+              <a:lnRef idx="2">
+                <a:schemeClr val="accent6">
+                  <a:shade val="50000"/>
+                </a:schemeClr>
+              </a:lnRef>
+              <a:fillRef idx="1">
+                <a:schemeClr val="accent6"/>
+              </a:fillRef>
+              <a:effectRef idx="0">
+                <a:schemeClr val="accent6"/>
+              </a:effectRef>
+              <a:fontRef idx="minor">
+                <a:schemeClr val="lt1"/>
+              </a:fontRef>
+            </p:style>
+            <p:txBody>
+              <a:bodyPr rtlCol="0" anchor="ctr"/>
+              <a:lstStyle/>
+              <a:p>
+                <a:pPr algn="ctr"/>
+                <a:endParaRPr lang="fr-FR"/>
+              </a:p>
+            </p:txBody>
+          </p:sp>
+          <p:pic>
+            <p:nvPicPr>
+              <p:cNvPr id="70" name="Image 69"/>
+              <p:cNvPicPr>
+                <a:picLocks noChangeAspect="1"/>
+              </p:cNvPicPr>
+              <p:nvPr/>
+            </p:nvPicPr>
+            <p:blipFill rotWithShape="1">
+              <a:blip r:embed="rId5">
+                <a:extLst>
+                  <a:ext uri="{28A0092B-C50C-407E-A947-70E740481C1C}">
+                    <a14:useLocalDpi xmlns:a14="http://schemas.microsoft.com/office/drawing/2010/main" val="0"/>
+                  </a:ext>
+                </a:extLst>
+              </a:blip>
+              <a:srcRect t="11135" r="95217" b="84791"/>
+              <a:stretch/>
+            </p:blipFill>
+            <p:spPr>
+              <a:xfrm>
+                <a:off x="866875" y="1264698"/>
+                <a:ext cx="105717" cy="144779"/>
+              </a:xfrm>
+              <a:prstGeom prst="rect">
+                <a:avLst/>
+              </a:prstGeom>
+            </p:spPr>
+          </p:pic>
+          <p:sp>
+            <p:nvSpPr>
+              <p:cNvPr id="63" name="Rectangle 62"/>
+              <p:cNvSpPr/>
+              <p:nvPr/>
+            </p:nvSpPr>
+            <p:spPr>
+              <a:xfrm>
+                <a:off x="755290" y="1657844"/>
+                <a:ext cx="2038878" cy="143793"/>
+              </a:xfrm>
+              <a:prstGeom prst="rect">
+                <a:avLst/>
+              </a:prstGeom>
+              <a:solidFill>
+                <a:srgbClr val="70AD47">
+                  <a:alpha val="25098"/>
+                </a:srgbClr>
+              </a:solidFill>
+            </p:spPr>
+            <p:style>
+              <a:lnRef idx="2">
+                <a:schemeClr val="accent6">
+                  <a:shade val="50000"/>
+                </a:schemeClr>
+              </a:lnRef>
+              <a:fillRef idx="1">
+                <a:schemeClr val="accent6"/>
+              </a:fillRef>
+              <a:effectRef idx="0">
+                <a:schemeClr val="accent6"/>
+              </a:effectRef>
+              <a:fontRef idx="minor">
+                <a:schemeClr val="lt1"/>
+              </a:fontRef>
+            </p:style>
+            <p:txBody>
+              <a:bodyPr rtlCol="0" anchor="ctr"/>
+              <a:lstStyle/>
+              <a:p>
+                <a:pPr algn="ctr"/>
+                <a:endParaRPr lang="fr-FR"/>
+              </a:p>
+            </p:txBody>
+          </p:sp>
+        </p:grpSp>
+        <p:sp>
+          <p:nvSpPr>
+            <p:cNvPr id="98" name="Rectangle 97"/>
+            <p:cNvSpPr/>
+            <p:nvPr/>
+          </p:nvSpPr>
+          <p:spPr>
+            <a:xfrm>
+              <a:off x="736240" y="3401104"/>
+              <a:ext cx="2038878" cy="143793"/>
+            </a:xfrm>
+            <a:prstGeom prst="rect">
+              <a:avLst/>
+            </a:prstGeom>
+            <a:solidFill>
+              <a:srgbClr val="70AD47">
+                <a:alpha val="50196"/>
+              </a:srgbClr>
+            </a:solidFill>
+          </p:spPr>
+          <p:style>
+            <a:lnRef idx="2">
+              <a:schemeClr val="accent6">
+                <a:shade val="50000"/>
+              </a:schemeClr>
+            </a:lnRef>
+            <a:fillRef idx="1">
+              <a:schemeClr val="accent6"/>
+            </a:fillRef>
+            <a:effectRef idx="0">
+              <a:schemeClr val="accent6"/>
+            </a:effectRef>
+            <a:fontRef idx="minor">
+              <a:schemeClr val="lt1"/>
+            </a:fontRef>
+          </p:style>
+          <p:txBody>
+            <a:bodyPr rtlCol="0" anchor="ctr"/>
+            <a:lstStyle/>
+            <a:p>
+              <a:pPr algn="ctr"/>
+              <a:endParaRPr lang="fr-FR"/>
+            </a:p>
+          </p:txBody>
+        </p:sp>
+      </p:grpSp>
+      <p:cxnSp>
+        <p:nvCxnSpPr>
+          <p:cNvPr id="100" name="Connecteur droit avec flèche 99"/>
+          <p:cNvCxnSpPr>
+            <a:stCxn id="101" idx="1"/>
+          </p:cNvCxnSpPr>
+          <p:nvPr/>
+        </p:nvCxnSpPr>
+        <p:spPr>
+          <a:xfrm flipH="1">
+            <a:off x="2794168" y="3209275"/>
+            <a:ext cx="445920" cy="259357"/>
+          </a:xfrm>
+          <a:prstGeom prst="straightConnector1">
+            <a:avLst/>
+          </a:prstGeom>
+          <a:ln>
+            <a:tailEnd type="triangle"/>
+          </a:ln>
+        </p:spPr>
+        <p:style>
+          <a:lnRef idx="1">
+            <a:schemeClr val="accent1"/>
+          </a:lnRef>
+          <a:fillRef idx="0">
+            <a:schemeClr val="accent1"/>
+          </a:fillRef>
+          <a:effectRef idx="0">
+            <a:schemeClr val="accent1"/>
+          </a:effectRef>
+          <a:fontRef idx="minor">
+            <a:schemeClr val="tx1"/>
+          </a:fontRef>
+        </p:style>
+      </p:cxnSp>
+      <p:sp>
+        <p:nvSpPr>
+          <p:cNvPr id="101" name="ZoneTexte 100"/>
+          <p:cNvSpPr txBox="1"/>
+          <p:nvPr/>
+        </p:nvSpPr>
+        <p:spPr>
+          <a:xfrm>
+            <a:off x="3240088" y="2516777"/>
+            <a:ext cx="1496113" cy="1384995"/>
+          </a:xfrm>
+          <a:prstGeom prst="rect">
+            <a:avLst/>
+          </a:prstGeom>
+          <a:noFill/>
+        </p:spPr>
+        <p:txBody>
+          <a:bodyPr wrap="square" rtlCol="0">
+            <a:spAutoFit/>
+          </a:bodyPr>
+          <a:lstStyle/>
+          <a:p>
+            <a:r>
+              <a:rPr lang="fr-FR" sz="1400" dirty="0" smtClean="0"/>
+              <a:t>If the </a:t>
+            </a:r>
+            <a:r>
+              <a:rPr lang="fr-FR" sz="1400" dirty="0" err="1" smtClean="0"/>
+              <a:t>spec</a:t>
+            </a:r>
+            <a:r>
+              <a:rPr lang="fr-FR" sz="1400" dirty="0" smtClean="0"/>
+              <a:t> of </a:t>
+            </a:r>
+            <a:r>
+              <a:rPr lang="fr-FR" sz="1400" dirty="0" err="1" smtClean="0"/>
+              <a:t>incr.next</a:t>
+            </a:r>
+            <a:r>
+              <a:rPr lang="fr-FR" sz="1400" dirty="0" smtClean="0"/>
+              <a:t> </a:t>
+            </a:r>
+            <a:r>
+              <a:rPr lang="fr-FR" sz="1400" dirty="0" err="1" smtClean="0"/>
+              <a:t>was</a:t>
+            </a:r>
+            <a:r>
+              <a:rPr lang="fr-FR" sz="1400" dirty="0" smtClean="0"/>
+              <a:t> more </a:t>
+            </a:r>
+            <a:r>
+              <a:rPr lang="fr-FR" sz="1400" dirty="0" err="1" smtClean="0"/>
+              <a:t>precise</a:t>
+            </a:r>
+            <a:r>
+              <a:rPr lang="fr-FR" sz="1400" dirty="0" smtClean="0"/>
+              <a:t>, </a:t>
+            </a:r>
+            <a:r>
+              <a:rPr lang="fr-FR" sz="1400" dirty="0" err="1" smtClean="0"/>
+              <a:t>incr.succ</a:t>
+            </a:r>
+            <a:r>
+              <a:rPr lang="fr-FR" sz="1400" dirty="0" smtClean="0"/>
+              <a:t>(0,1) </a:t>
+            </a:r>
+            <a:r>
+              <a:rPr lang="fr-FR" sz="1400" dirty="0" err="1" smtClean="0"/>
+              <a:t>should</a:t>
+            </a:r>
+            <a:r>
+              <a:rPr lang="fr-FR" sz="1400" dirty="0" smtClean="0"/>
+              <a:t> </a:t>
+            </a:r>
+            <a:r>
+              <a:rPr lang="fr-FR" sz="1400" dirty="0" err="1" smtClean="0"/>
+              <a:t>also</a:t>
+            </a:r>
+            <a:r>
+              <a:rPr lang="fr-FR" sz="1400" dirty="0" smtClean="0"/>
+              <a:t> </a:t>
+            </a:r>
+            <a:r>
+              <a:rPr lang="fr-FR" sz="1400" dirty="0" err="1" smtClean="0"/>
+              <a:t>be</a:t>
+            </a:r>
+            <a:r>
+              <a:rPr lang="fr-FR" sz="1400" dirty="0" smtClean="0"/>
+              <a:t> </a:t>
+            </a:r>
+            <a:r>
+              <a:rPr lang="fr-FR" sz="1400" dirty="0" err="1" smtClean="0"/>
+              <a:t>highlighted</a:t>
+            </a:r>
+            <a:r>
+              <a:rPr lang="fr-FR" sz="1400" dirty="0" smtClean="0"/>
+              <a:t>.</a:t>
+            </a:r>
+            <a:endParaRPr lang="fr-FR" sz="1400" dirty="0"/>
+          </a:p>
+        </p:txBody>
+      </p:sp>
+      <p:grpSp>
+        <p:nvGrpSpPr>
+          <p:cNvPr id="104" name="Groupe 103"/>
+          <p:cNvGrpSpPr/>
+          <p:nvPr/>
+        </p:nvGrpSpPr>
+        <p:grpSpPr>
+          <a:xfrm>
+            <a:off x="4668516" y="460686"/>
+            <a:ext cx="2345480" cy="3553321"/>
+            <a:chOff x="4668516" y="460686"/>
+            <a:chExt cx="2345480" cy="3553321"/>
+          </a:xfrm>
+        </p:grpSpPr>
+        <p:grpSp>
+          <p:nvGrpSpPr>
+            <p:cNvPr id="72" name="Groupe 71"/>
+            <p:cNvGrpSpPr/>
+            <p:nvPr/>
+          </p:nvGrpSpPr>
+          <p:grpSpPr>
+            <a:xfrm>
+              <a:off x="4668516" y="460686"/>
+              <a:ext cx="2345480" cy="3553321"/>
+              <a:chOff x="736240" y="460687"/>
+              <a:chExt cx="2345480" cy="3553321"/>
+            </a:xfrm>
+          </p:grpSpPr>
+          <p:pic>
+            <p:nvPicPr>
+              <p:cNvPr id="73" name="Image 72"/>
+              <p:cNvPicPr>
+                <a:picLocks noChangeAspect="1"/>
+              </p:cNvPicPr>
+              <p:nvPr/>
+            </p:nvPicPr>
+            <p:blipFill>
+              <a:blip r:embed="rId5">
+                <a:extLst>
+                  <a:ext uri="{28A0092B-C50C-407E-A947-70E740481C1C}">
+                    <a14:useLocalDpi xmlns:a14="http://schemas.microsoft.com/office/drawing/2010/main" val="0"/>
+                  </a:ext>
+                </a:extLst>
+              </a:blip>
+              <a:stretch>
+                <a:fillRect/>
+              </a:stretch>
+            </p:blipFill>
+            <p:spPr>
+              <a:xfrm>
+                <a:off x="871612" y="460687"/>
+                <a:ext cx="2210108" cy="3553321"/>
+              </a:xfrm>
+              <a:prstGeom prst="rect">
+                <a:avLst/>
+              </a:prstGeom>
+            </p:spPr>
+          </p:pic>
+          <p:sp>
+            <p:nvSpPr>
+              <p:cNvPr id="74" name="Rectangle 73"/>
+              <p:cNvSpPr/>
+              <p:nvPr/>
+            </p:nvSpPr>
+            <p:spPr>
+              <a:xfrm>
+                <a:off x="755290" y="2061380"/>
+                <a:ext cx="2038878" cy="143793"/>
+              </a:xfrm>
+              <a:prstGeom prst="rect">
+                <a:avLst/>
+              </a:prstGeom>
+              <a:solidFill>
+                <a:srgbClr val="70AD47">
+                  <a:alpha val="25098"/>
+                </a:srgbClr>
+              </a:solidFill>
+            </p:spPr>
+            <p:style>
+              <a:lnRef idx="2">
+                <a:schemeClr val="accent6">
+                  <a:shade val="50000"/>
+                </a:schemeClr>
+              </a:lnRef>
+              <a:fillRef idx="1">
+                <a:schemeClr val="accent6"/>
+              </a:fillRef>
+              <a:effectRef idx="0">
+                <a:schemeClr val="accent6"/>
+              </a:effectRef>
+              <a:fontRef idx="minor">
+                <a:schemeClr val="lt1"/>
+              </a:fontRef>
+            </p:style>
+            <p:txBody>
+              <a:bodyPr rtlCol="0" anchor="ctr"/>
+              <a:lstStyle/>
+              <a:p>
+                <a:pPr algn="ctr"/>
+                <a:endParaRPr lang="fr-FR"/>
+              </a:p>
+            </p:txBody>
+          </p:sp>
+          <p:sp>
+            <p:nvSpPr>
+              <p:cNvPr id="75" name="Rectangle 74"/>
+              <p:cNvSpPr/>
+              <p:nvPr/>
+            </p:nvSpPr>
+            <p:spPr>
+              <a:xfrm>
+                <a:off x="755290" y="3658094"/>
+                <a:ext cx="2038878" cy="143793"/>
+              </a:xfrm>
+              <a:prstGeom prst="rect">
+                <a:avLst/>
+              </a:prstGeom>
+              <a:solidFill>
+                <a:srgbClr val="70AD47">
+                  <a:alpha val="25098"/>
+                </a:srgbClr>
+              </a:solidFill>
+            </p:spPr>
+            <p:style>
+              <a:lnRef idx="2">
+                <a:schemeClr val="accent6">
+                  <a:shade val="50000"/>
+                </a:schemeClr>
+              </a:lnRef>
+              <a:fillRef idx="1">
+                <a:schemeClr val="accent6"/>
+              </a:fillRef>
+              <a:effectRef idx="0">
+                <a:schemeClr val="accent6"/>
+              </a:effectRef>
+              <a:fontRef idx="minor">
+                <a:schemeClr val="lt1"/>
+              </a:fontRef>
+            </p:style>
+            <p:txBody>
+              <a:bodyPr rtlCol="0" anchor="ctr"/>
+              <a:lstStyle/>
+              <a:p>
+                <a:pPr algn="ctr"/>
+                <a:endParaRPr lang="fr-FR"/>
+              </a:p>
+            </p:txBody>
+          </p:sp>
+          <p:sp>
+            <p:nvSpPr>
+              <p:cNvPr id="76" name="Rectangle 75"/>
+              <p:cNvSpPr/>
+              <p:nvPr/>
+            </p:nvSpPr>
+            <p:spPr>
+              <a:xfrm>
+                <a:off x="736240" y="3129576"/>
+                <a:ext cx="2038878" cy="143793"/>
+              </a:xfrm>
+              <a:prstGeom prst="rect">
+                <a:avLst/>
+              </a:prstGeom>
+              <a:solidFill>
+                <a:srgbClr val="70AD47">
+                  <a:alpha val="25098"/>
+                </a:srgbClr>
+              </a:solidFill>
+            </p:spPr>
+            <p:style>
+              <a:lnRef idx="2">
+                <a:schemeClr val="accent6">
+                  <a:shade val="50000"/>
+                </a:schemeClr>
+              </a:lnRef>
+              <a:fillRef idx="1">
+                <a:schemeClr val="accent6"/>
+              </a:fillRef>
+              <a:effectRef idx="0">
+                <a:schemeClr val="accent6"/>
+              </a:effectRef>
+              <a:fontRef idx="minor">
+                <a:schemeClr val="lt1"/>
+              </a:fontRef>
+            </p:style>
+            <p:txBody>
+              <a:bodyPr rtlCol="0" anchor="ctr"/>
+              <a:lstStyle/>
+              <a:p>
+                <a:pPr algn="ctr"/>
+                <a:endParaRPr lang="fr-FR"/>
+              </a:p>
+            </p:txBody>
+          </p:sp>
+          <p:pic>
+            <p:nvPicPr>
+              <p:cNvPr id="77" name="Image 76"/>
+              <p:cNvPicPr>
+                <a:picLocks noChangeAspect="1"/>
+              </p:cNvPicPr>
+              <p:nvPr/>
+            </p:nvPicPr>
+            <p:blipFill rotWithShape="1">
+              <a:blip r:embed="rId5">
+                <a:extLst>
+                  <a:ext uri="{28A0092B-C50C-407E-A947-70E740481C1C}">
+                    <a14:useLocalDpi xmlns:a14="http://schemas.microsoft.com/office/drawing/2010/main" val="0"/>
+                  </a:ext>
+                </a:extLst>
+              </a:blip>
+              <a:srcRect t="26200" r="95303" b="69511"/>
+              <a:stretch/>
+            </p:blipFill>
+            <p:spPr>
+              <a:xfrm>
+                <a:off x="868780" y="863019"/>
+                <a:ext cx="103812" cy="152400"/>
+              </a:xfrm>
+              <a:prstGeom prst="rect">
+                <a:avLst/>
+              </a:prstGeom>
+            </p:spPr>
+          </p:pic>
+          <p:pic>
+            <p:nvPicPr>
+              <p:cNvPr id="78" name="Image 77"/>
+              <p:cNvPicPr>
+                <a:picLocks noChangeAspect="1"/>
+              </p:cNvPicPr>
+              <p:nvPr/>
+            </p:nvPicPr>
+            <p:blipFill rotWithShape="1">
+              <a:blip r:embed="rId5">
+                <a:extLst>
+                  <a:ext uri="{28A0092B-C50C-407E-A947-70E740481C1C}">
+                    <a14:useLocalDpi xmlns:a14="http://schemas.microsoft.com/office/drawing/2010/main" val="0"/>
+                  </a:ext>
+                </a:extLst>
+              </a:blip>
+              <a:srcRect t="11135" r="95217" b="84791"/>
+              <a:stretch/>
+            </p:blipFill>
+            <p:spPr>
+              <a:xfrm>
+                <a:off x="869733" y="731291"/>
+                <a:ext cx="105717" cy="144779"/>
+              </a:xfrm>
+              <a:prstGeom prst="rect">
+                <a:avLst/>
+              </a:prstGeom>
+            </p:spPr>
+          </p:pic>
+          <p:sp>
+            <p:nvSpPr>
+              <p:cNvPr id="79" name="Rectangle 78"/>
+              <p:cNvSpPr/>
+              <p:nvPr/>
+            </p:nvSpPr>
+            <p:spPr>
+              <a:xfrm>
+                <a:off x="755290" y="586401"/>
+                <a:ext cx="2038878" cy="143793"/>
+              </a:xfrm>
+              <a:prstGeom prst="rect">
+                <a:avLst/>
+              </a:prstGeom>
+              <a:solidFill>
+                <a:srgbClr val="70AD47">
+                  <a:alpha val="25098"/>
+                </a:srgbClr>
+              </a:solidFill>
+            </p:spPr>
+            <p:style>
+              <a:lnRef idx="2">
+                <a:schemeClr val="accent6">
+                  <a:shade val="50000"/>
+                </a:schemeClr>
+              </a:lnRef>
+              <a:fillRef idx="1">
+                <a:schemeClr val="accent6"/>
+              </a:fillRef>
+              <a:effectRef idx="0">
+                <a:schemeClr val="accent6"/>
+              </a:effectRef>
+              <a:fontRef idx="minor">
+                <a:schemeClr val="lt1"/>
+              </a:fontRef>
+            </p:style>
+            <p:txBody>
+              <a:bodyPr rtlCol="0" anchor="ctr"/>
+              <a:lstStyle/>
+              <a:p>
+                <a:pPr algn="ctr"/>
+                <a:endParaRPr lang="fr-FR"/>
+              </a:p>
+            </p:txBody>
+          </p:sp>
+          <p:pic>
+            <p:nvPicPr>
+              <p:cNvPr id="81" name="Image 80"/>
+              <p:cNvPicPr>
+                <a:picLocks noChangeAspect="1"/>
+              </p:cNvPicPr>
+              <p:nvPr/>
+            </p:nvPicPr>
+            <p:blipFill rotWithShape="1">
+              <a:blip r:embed="rId5">
+                <a:extLst>
+                  <a:ext uri="{28A0092B-C50C-407E-A947-70E740481C1C}">
+                    <a14:useLocalDpi xmlns:a14="http://schemas.microsoft.com/office/drawing/2010/main" val="0"/>
+                  </a:ext>
+                </a:extLst>
+              </a:blip>
+              <a:srcRect t="26200" r="95303" b="69511"/>
+              <a:stretch/>
+            </p:blipFill>
+            <p:spPr>
+              <a:xfrm>
+                <a:off x="866875" y="1664018"/>
+                <a:ext cx="103812" cy="152400"/>
+              </a:xfrm>
+              <a:prstGeom prst="rect">
+                <a:avLst/>
+              </a:prstGeom>
+            </p:spPr>
+          </p:pic>
+          <p:sp>
+            <p:nvSpPr>
+              <p:cNvPr id="82" name="Rectangle 81"/>
+              <p:cNvSpPr/>
+              <p:nvPr/>
+            </p:nvSpPr>
+            <p:spPr>
+              <a:xfrm>
+                <a:off x="755290" y="2731242"/>
+                <a:ext cx="2038878" cy="143793"/>
+              </a:xfrm>
+              <a:prstGeom prst="rect">
+                <a:avLst/>
+              </a:prstGeom>
+              <a:solidFill>
+                <a:srgbClr val="70AD47">
+                  <a:alpha val="25098"/>
+                </a:srgbClr>
+              </a:solidFill>
+            </p:spPr>
+            <p:style>
+              <a:lnRef idx="2">
+                <a:schemeClr val="accent6">
+                  <a:shade val="50000"/>
+                </a:schemeClr>
+              </a:lnRef>
+              <a:fillRef idx="1">
+                <a:schemeClr val="accent6"/>
+              </a:fillRef>
+              <a:effectRef idx="0">
+                <a:schemeClr val="accent6"/>
+              </a:effectRef>
+              <a:fontRef idx="minor">
+                <a:schemeClr val="lt1"/>
+              </a:fontRef>
+            </p:style>
+            <p:txBody>
+              <a:bodyPr rtlCol="0" anchor="ctr"/>
+              <a:lstStyle/>
+              <a:p>
+                <a:pPr algn="ctr"/>
+                <a:endParaRPr lang="fr-FR"/>
+              </a:p>
+            </p:txBody>
+          </p:sp>
+          <p:pic>
+            <p:nvPicPr>
+              <p:cNvPr id="83" name="Image 82"/>
+              <p:cNvPicPr>
+                <a:picLocks noChangeAspect="1"/>
+              </p:cNvPicPr>
+              <p:nvPr/>
+            </p:nvPicPr>
+            <p:blipFill rotWithShape="1">
+              <a:blip r:embed="rId5">
+                <a:extLst>
+                  <a:ext uri="{28A0092B-C50C-407E-A947-70E740481C1C}">
+                    <a14:useLocalDpi xmlns:a14="http://schemas.microsoft.com/office/drawing/2010/main" val="0"/>
+                  </a:ext>
+                </a:extLst>
+              </a:blip>
+              <a:srcRect t="11135" r="95217" b="84791"/>
+              <a:stretch/>
+            </p:blipFill>
+            <p:spPr>
+              <a:xfrm>
+                <a:off x="866875" y="1264698"/>
+                <a:ext cx="105717" cy="144779"/>
+              </a:xfrm>
+              <a:prstGeom prst="rect">
+                <a:avLst/>
+              </a:prstGeom>
+            </p:spPr>
+          </p:pic>
+          <p:sp>
+            <p:nvSpPr>
+              <p:cNvPr id="84" name="Rectangle 83"/>
+              <p:cNvSpPr/>
+              <p:nvPr/>
+            </p:nvSpPr>
+            <p:spPr>
+              <a:xfrm>
+                <a:off x="755290" y="1657844"/>
+                <a:ext cx="2038878" cy="143793"/>
+              </a:xfrm>
+              <a:prstGeom prst="rect">
+                <a:avLst/>
+              </a:prstGeom>
+              <a:solidFill>
+                <a:srgbClr val="70AD47">
+                  <a:alpha val="25098"/>
+                </a:srgbClr>
+              </a:solidFill>
+            </p:spPr>
+            <p:style>
+              <a:lnRef idx="2">
+                <a:schemeClr val="accent6">
+                  <a:shade val="50000"/>
+                </a:schemeClr>
+              </a:lnRef>
+              <a:fillRef idx="1">
+                <a:schemeClr val="accent6"/>
+              </a:fillRef>
+              <a:effectRef idx="0">
+                <a:schemeClr val="accent6"/>
+              </a:effectRef>
+              <a:fontRef idx="minor">
+                <a:schemeClr val="lt1"/>
+              </a:fontRef>
+            </p:style>
+            <p:txBody>
+              <a:bodyPr rtlCol="0" anchor="ctr"/>
+              <a:lstStyle/>
+              <a:p>
+                <a:pPr algn="ctr"/>
+                <a:endParaRPr lang="fr-FR"/>
+              </a:p>
+            </p:txBody>
+          </p:sp>
+        </p:grpSp>
+        <p:sp>
+          <p:nvSpPr>
+            <p:cNvPr id="103" name="Rectangle 102"/>
+            <p:cNvSpPr/>
+            <p:nvPr/>
+          </p:nvSpPr>
+          <p:spPr>
+            <a:xfrm>
+              <a:off x="4687566" y="3396216"/>
+              <a:ext cx="2038878" cy="143793"/>
+            </a:xfrm>
+            <a:prstGeom prst="rect">
+              <a:avLst/>
+            </a:prstGeom>
+            <a:solidFill>
+              <a:srgbClr val="70AD47">
+                <a:alpha val="25098"/>
+              </a:srgbClr>
+            </a:solidFill>
+          </p:spPr>
+          <p:style>
+            <a:lnRef idx="2">
+              <a:schemeClr val="accent6">
+                <a:shade val="50000"/>
+              </a:schemeClr>
+            </a:lnRef>
+            <a:fillRef idx="1">
+              <a:schemeClr val="accent6"/>
+            </a:fillRef>
+            <a:effectRef idx="0">
+              <a:schemeClr val="accent6"/>
+            </a:effectRef>
+            <a:fontRef idx="minor">
+              <a:schemeClr val="lt1"/>
+            </a:fontRef>
+          </p:style>
+          <p:txBody>
+            <a:bodyPr rtlCol="0" anchor="ctr"/>
+            <a:lstStyle/>
+            <a:p>
+              <a:pPr algn="ctr"/>
+              <a:endParaRPr lang="fr-FR"/>
+            </a:p>
+          </p:txBody>
+        </p:sp>
+      </p:grpSp>
+      <p:grpSp>
+        <p:nvGrpSpPr>
+          <p:cNvPr id="107" name="Groupe 106"/>
+          <p:cNvGrpSpPr/>
+          <p:nvPr/>
+        </p:nvGrpSpPr>
+        <p:grpSpPr>
+          <a:xfrm>
+            <a:off x="8736164" y="586400"/>
+            <a:ext cx="2345480" cy="3553321"/>
+            <a:chOff x="8736164" y="586400"/>
+            <a:chExt cx="2345480" cy="3553321"/>
+          </a:xfrm>
+        </p:grpSpPr>
+        <p:grpSp>
+          <p:nvGrpSpPr>
+            <p:cNvPr id="85" name="Groupe 84"/>
+            <p:cNvGrpSpPr/>
+            <p:nvPr/>
+          </p:nvGrpSpPr>
+          <p:grpSpPr>
+            <a:xfrm>
+              <a:off x="8736164" y="586400"/>
+              <a:ext cx="2345480" cy="3553321"/>
+              <a:chOff x="736240" y="460687"/>
+              <a:chExt cx="2345480" cy="3553321"/>
+            </a:xfrm>
+          </p:grpSpPr>
+          <p:pic>
+            <p:nvPicPr>
+              <p:cNvPr id="86" name="Image 85"/>
+              <p:cNvPicPr>
+                <a:picLocks noChangeAspect="1"/>
+              </p:cNvPicPr>
+              <p:nvPr/>
+            </p:nvPicPr>
+            <p:blipFill>
+              <a:blip r:embed="rId5">
+                <a:extLst>
+                  <a:ext uri="{28A0092B-C50C-407E-A947-70E740481C1C}">
+                    <a14:useLocalDpi xmlns:a14="http://schemas.microsoft.com/office/drawing/2010/main" val="0"/>
+                  </a:ext>
+                </a:extLst>
+              </a:blip>
+              <a:stretch>
+                <a:fillRect/>
+              </a:stretch>
+            </p:blipFill>
+            <p:spPr>
+              <a:xfrm>
+                <a:off x="871612" y="460687"/>
+                <a:ext cx="2210108" cy="3553321"/>
+              </a:xfrm>
+              <a:prstGeom prst="rect">
+                <a:avLst/>
+              </a:prstGeom>
+            </p:spPr>
+          </p:pic>
+          <p:sp>
+            <p:nvSpPr>
+              <p:cNvPr id="87" name="Rectangle 86"/>
+              <p:cNvSpPr/>
+              <p:nvPr/>
+            </p:nvSpPr>
+            <p:spPr>
+              <a:xfrm>
+                <a:off x="755290" y="2061380"/>
+                <a:ext cx="2038878" cy="143793"/>
+              </a:xfrm>
+              <a:prstGeom prst="rect">
+                <a:avLst/>
+              </a:prstGeom>
+              <a:solidFill>
+                <a:srgbClr val="70AD47">
+                  <a:alpha val="25098"/>
+                </a:srgbClr>
+              </a:solidFill>
+            </p:spPr>
+            <p:style>
+              <a:lnRef idx="2">
+                <a:schemeClr val="accent6">
+                  <a:shade val="50000"/>
+                </a:schemeClr>
+              </a:lnRef>
+              <a:fillRef idx="1">
+                <a:schemeClr val="accent6"/>
+              </a:fillRef>
+              <a:effectRef idx="0">
+                <a:schemeClr val="accent6"/>
+              </a:effectRef>
+              <a:fontRef idx="minor">
+                <a:schemeClr val="lt1"/>
+              </a:fontRef>
+            </p:style>
+            <p:txBody>
+              <a:bodyPr rtlCol="0" anchor="ctr"/>
+              <a:lstStyle/>
+              <a:p>
+                <a:pPr algn="ctr"/>
+                <a:endParaRPr lang="fr-FR"/>
+              </a:p>
+            </p:txBody>
+          </p:sp>
+          <p:sp>
+            <p:nvSpPr>
+              <p:cNvPr id="88" name="Rectangle 87"/>
+              <p:cNvSpPr/>
+              <p:nvPr/>
+            </p:nvSpPr>
+            <p:spPr>
+              <a:xfrm>
+                <a:off x="755290" y="3658094"/>
+                <a:ext cx="2038878" cy="143793"/>
+              </a:xfrm>
+              <a:prstGeom prst="rect">
+                <a:avLst/>
+              </a:prstGeom>
+              <a:solidFill>
+                <a:srgbClr val="70AD47">
+                  <a:alpha val="25098"/>
+                </a:srgbClr>
+              </a:solidFill>
+            </p:spPr>
+            <p:style>
+              <a:lnRef idx="2">
+                <a:schemeClr val="accent6">
+                  <a:shade val="50000"/>
+                </a:schemeClr>
+              </a:lnRef>
+              <a:fillRef idx="1">
+                <a:schemeClr val="accent6"/>
+              </a:fillRef>
+              <a:effectRef idx="0">
+                <a:schemeClr val="accent6"/>
+              </a:effectRef>
+              <a:fontRef idx="minor">
+                <a:schemeClr val="lt1"/>
+              </a:fontRef>
+            </p:style>
+            <p:txBody>
+              <a:bodyPr rtlCol="0" anchor="ctr"/>
+              <a:lstStyle/>
+              <a:p>
+                <a:pPr algn="ctr"/>
+                <a:endParaRPr lang="fr-FR"/>
+              </a:p>
+            </p:txBody>
+          </p:sp>
+          <p:sp>
+            <p:nvSpPr>
+              <p:cNvPr id="89" name="Rectangle 88"/>
+              <p:cNvSpPr/>
+              <p:nvPr/>
+            </p:nvSpPr>
+            <p:spPr>
+              <a:xfrm>
+                <a:off x="736240" y="3129576"/>
+                <a:ext cx="2038878" cy="143793"/>
+              </a:xfrm>
+              <a:prstGeom prst="rect">
+                <a:avLst/>
+              </a:prstGeom>
+              <a:solidFill>
+                <a:srgbClr val="70AD47">
+                  <a:alpha val="25098"/>
+                </a:srgbClr>
+              </a:solidFill>
+            </p:spPr>
+            <p:style>
+              <a:lnRef idx="2">
+                <a:schemeClr val="accent6">
+                  <a:shade val="50000"/>
+                </a:schemeClr>
+              </a:lnRef>
+              <a:fillRef idx="1">
+                <a:schemeClr val="accent6"/>
+              </a:fillRef>
+              <a:effectRef idx="0">
+                <a:schemeClr val="accent6"/>
+              </a:effectRef>
+              <a:fontRef idx="minor">
+                <a:schemeClr val="lt1"/>
+              </a:fontRef>
+            </p:style>
+            <p:txBody>
+              <a:bodyPr rtlCol="0" anchor="ctr"/>
+              <a:lstStyle/>
+              <a:p>
+                <a:pPr algn="ctr"/>
+                <a:endParaRPr lang="fr-FR"/>
+              </a:p>
+            </p:txBody>
+          </p:sp>
+          <p:pic>
+            <p:nvPicPr>
+              <p:cNvPr id="90" name="Image 89"/>
+              <p:cNvPicPr>
+                <a:picLocks noChangeAspect="1"/>
+              </p:cNvPicPr>
+              <p:nvPr/>
+            </p:nvPicPr>
+            <p:blipFill rotWithShape="1">
+              <a:blip r:embed="rId5">
+                <a:extLst>
+                  <a:ext uri="{28A0092B-C50C-407E-A947-70E740481C1C}">
+                    <a14:useLocalDpi xmlns:a14="http://schemas.microsoft.com/office/drawing/2010/main" val="0"/>
+                  </a:ext>
+                </a:extLst>
+              </a:blip>
+              <a:srcRect t="26200" r="95303" b="69511"/>
+              <a:stretch/>
+            </p:blipFill>
+            <p:spPr>
+              <a:xfrm>
+                <a:off x="868780" y="863019"/>
+                <a:ext cx="103812" cy="152400"/>
+              </a:xfrm>
+              <a:prstGeom prst="rect">
+                <a:avLst/>
+              </a:prstGeom>
+            </p:spPr>
+          </p:pic>
+          <p:pic>
+            <p:nvPicPr>
+              <p:cNvPr id="91" name="Image 90"/>
+              <p:cNvPicPr>
+                <a:picLocks noChangeAspect="1"/>
+              </p:cNvPicPr>
+              <p:nvPr/>
+            </p:nvPicPr>
+            <p:blipFill rotWithShape="1">
+              <a:blip r:embed="rId5">
+                <a:extLst>
+                  <a:ext uri="{28A0092B-C50C-407E-A947-70E740481C1C}">
+                    <a14:useLocalDpi xmlns:a14="http://schemas.microsoft.com/office/drawing/2010/main" val="0"/>
+                  </a:ext>
+                </a:extLst>
+              </a:blip>
+              <a:srcRect t="11135" r="95217" b="84791"/>
+              <a:stretch/>
+            </p:blipFill>
+            <p:spPr>
+              <a:xfrm>
+                <a:off x="869733" y="731291"/>
+                <a:ext cx="105717" cy="144779"/>
+              </a:xfrm>
+              <a:prstGeom prst="rect">
+                <a:avLst/>
+              </a:prstGeom>
+            </p:spPr>
+          </p:pic>
+          <p:sp>
+            <p:nvSpPr>
+              <p:cNvPr id="92" name="Rectangle 91"/>
+              <p:cNvSpPr/>
+              <p:nvPr/>
+            </p:nvSpPr>
+            <p:spPr>
+              <a:xfrm>
+                <a:off x="755290" y="586401"/>
+                <a:ext cx="2038878" cy="143793"/>
+              </a:xfrm>
+              <a:prstGeom prst="rect">
+                <a:avLst/>
+              </a:prstGeom>
+              <a:solidFill>
+                <a:srgbClr val="70AD47">
+                  <a:alpha val="25098"/>
+                </a:srgbClr>
+              </a:solidFill>
+            </p:spPr>
+            <p:style>
+              <a:lnRef idx="2">
+                <a:schemeClr val="accent6">
+                  <a:shade val="50000"/>
+                </a:schemeClr>
+              </a:lnRef>
+              <a:fillRef idx="1">
+                <a:schemeClr val="accent6"/>
+              </a:fillRef>
+              <a:effectRef idx="0">
+                <a:schemeClr val="accent6"/>
+              </a:effectRef>
+              <a:fontRef idx="minor">
+                <a:schemeClr val="lt1"/>
+              </a:fontRef>
+            </p:style>
+            <p:txBody>
+              <a:bodyPr rtlCol="0" anchor="ctr"/>
+              <a:lstStyle/>
+              <a:p>
+                <a:pPr algn="ctr"/>
+                <a:endParaRPr lang="fr-FR"/>
+              </a:p>
+            </p:txBody>
+          </p:sp>
+          <p:pic>
+            <p:nvPicPr>
+              <p:cNvPr id="94" name="Image 93"/>
+              <p:cNvPicPr>
+                <a:picLocks noChangeAspect="1"/>
+              </p:cNvPicPr>
+              <p:nvPr/>
+            </p:nvPicPr>
+            <p:blipFill rotWithShape="1">
+              <a:blip r:embed="rId5">
+                <a:extLst>
+                  <a:ext uri="{28A0092B-C50C-407E-A947-70E740481C1C}">
+                    <a14:useLocalDpi xmlns:a14="http://schemas.microsoft.com/office/drawing/2010/main" val="0"/>
+                  </a:ext>
+                </a:extLst>
+              </a:blip>
+              <a:srcRect t="26200" r="95303" b="69511"/>
+              <a:stretch/>
+            </p:blipFill>
+            <p:spPr>
+              <a:xfrm>
+                <a:off x="866875" y="1664018"/>
+                <a:ext cx="103812" cy="152400"/>
+              </a:xfrm>
+              <a:prstGeom prst="rect">
+                <a:avLst/>
+              </a:prstGeom>
+            </p:spPr>
+          </p:pic>
+          <p:sp>
+            <p:nvSpPr>
+              <p:cNvPr id="95" name="Rectangle 94"/>
+              <p:cNvSpPr/>
+              <p:nvPr/>
+            </p:nvSpPr>
+            <p:spPr>
+              <a:xfrm>
+                <a:off x="755290" y="2731242"/>
+                <a:ext cx="2038878" cy="143793"/>
+              </a:xfrm>
+              <a:prstGeom prst="rect">
+                <a:avLst/>
+              </a:prstGeom>
+              <a:solidFill>
+                <a:srgbClr val="70AD47">
+                  <a:alpha val="25098"/>
+                </a:srgbClr>
+              </a:solidFill>
+            </p:spPr>
+            <p:style>
+              <a:lnRef idx="2">
+                <a:schemeClr val="accent6">
+                  <a:shade val="50000"/>
+                </a:schemeClr>
+              </a:lnRef>
+              <a:fillRef idx="1">
+                <a:schemeClr val="accent6"/>
+              </a:fillRef>
+              <a:effectRef idx="0">
+                <a:schemeClr val="accent6"/>
+              </a:effectRef>
+              <a:fontRef idx="minor">
+                <a:schemeClr val="lt1"/>
+              </a:fontRef>
+            </p:style>
+            <p:txBody>
+              <a:bodyPr rtlCol="0" anchor="ctr"/>
+              <a:lstStyle/>
+              <a:p>
+                <a:pPr algn="ctr"/>
+                <a:endParaRPr lang="fr-FR"/>
+              </a:p>
+            </p:txBody>
+          </p:sp>
+          <p:pic>
+            <p:nvPicPr>
+              <p:cNvPr id="96" name="Image 95"/>
+              <p:cNvPicPr>
+                <a:picLocks noChangeAspect="1"/>
+              </p:cNvPicPr>
+              <p:nvPr/>
+            </p:nvPicPr>
+            <p:blipFill rotWithShape="1">
+              <a:blip r:embed="rId5">
+                <a:extLst>
+                  <a:ext uri="{28A0092B-C50C-407E-A947-70E740481C1C}">
+                    <a14:useLocalDpi xmlns:a14="http://schemas.microsoft.com/office/drawing/2010/main" val="0"/>
+                  </a:ext>
+                </a:extLst>
+              </a:blip>
+              <a:srcRect t="11135" r="95217" b="84791"/>
+              <a:stretch/>
+            </p:blipFill>
+            <p:spPr>
+              <a:xfrm>
+                <a:off x="866875" y="1264698"/>
+                <a:ext cx="105717" cy="144779"/>
+              </a:xfrm>
+              <a:prstGeom prst="rect">
+                <a:avLst/>
+              </a:prstGeom>
+            </p:spPr>
+          </p:pic>
+          <p:sp>
+            <p:nvSpPr>
+              <p:cNvPr id="97" name="Rectangle 96"/>
+              <p:cNvSpPr/>
+              <p:nvPr/>
+            </p:nvSpPr>
+            <p:spPr>
+              <a:xfrm>
+                <a:off x="755290" y="1657844"/>
+                <a:ext cx="2038878" cy="143793"/>
+              </a:xfrm>
+              <a:prstGeom prst="rect">
+                <a:avLst/>
+              </a:prstGeom>
+              <a:solidFill>
+                <a:srgbClr val="70AD47">
+                  <a:alpha val="25098"/>
+                </a:srgbClr>
+              </a:solidFill>
+            </p:spPr>
+            <p:style>
+              <a:lnRef idx="2">
+                <a:schemeClr val="accent6">
+                  <a:shade val="50000"/>
+                </a:schemeClr>
+              </a:lnRef>
+              <a:fillRef idx="1">
+                <a:schemeClr val="accent6"/>
+              </a:fillRef>
+              <a:effectRef idx="0">
+                <a:schemeClr val="accent6"/>
+              </a:effectRef>
+              <a:fontRef idx="minor">
+                <a:schemeClr val="lt1"/>
+              </a:fontRef>
+            </p:style>
+            <p:txBody>
+              <a:bodyPr rtlCol="0" anchor="ctr"/>
+              <a:lstStyle/>
+              <a:p>
+                <a:pPr algn="ctr"/>
+                <a:endParaRPr lang="fr-FR"/>
+              </a:p>
+            </p:txBody>
+          </p:sp>
+        </p:grpSp>
+        <p:sp>
+          <p:nvSpPr>
+            <p:cNvPr id="106" name="Rectangle 105"/>
+            <p:cNvSpPr/>
+            <p:nvPr/>
+          </p:nvSpPr>
+          <p:spPr>
+            <a:xfrm>
+              <a:off x="8736164" y="3515529"/>
+              <a:ext cx="2038878" cy="143793"/>
+            </a:xfrm>
+            <a:prstGeom prst="rect">
+              <a:avLst/>
+            </a:prstGeom>
+            <a:solidFill>
+              <a:srgbClr val="70AD47">
+                <a:alpha val="25098"/>
+              </a:srgbClr>
+            </a:solidFill>
+          </p:spPr>
+          <p:style>
+            <a:lnRef idx="2">
+              <a:schemeClr val="accent6">
+                <a:shade val="50000"/>
+              </a:schemeClr>
+            </a:lnRef>
+            <a:fillRef idx="1">
+              <a:schemeClr val="accent6"/>
+            </a:fillRef>
+            <a:effectRef idx="0">
+              <a:schemeClr val="accent6"/>
+            </a:effectRef>
+            <a:fontRef idx="minor">
+              <a:schemeClr val="lt1"/>
+            </a:fontRef>
+          </p:style>
+          <p:txBody>
+            <a:bodyPr rtlCol="0" anchor="ctr"/>
+            <a:lstStyle/>
+            <a:p>
+              <a:pPr algn="ctr"/>
+              <a:endParaRPr lang="fr-FR"/>
+            </a:p>
+          </p:txBody>
+        </p:sp>
+      </p:grpSp>
     </p:spTree>
     <p:extLst>
       <p:ext uri="{BB962C8B-B14F-4D97-AF65-F5344CB8AC3E}">
@@ -7826,60 +10737,1394 @@
           <a:chExt cx="0" cy="0"/>
         </a:xfrm>
       </p:grpSpPr>
+      <p:grpSp>
+        <p:nvGrpSpPr>
+          <p:cNvPr id="3" name="Groupe 2"/>
+          <p:cNvGrpSpPr/>
+          <p:nvPr/>
+        </p:nvGrpSpPr>
+        <p:grpSpPr>
+          <a:xfrm>
+            <a:off x="478492" y="4296678"/>
+            <a:ext cx="3565585" cy="2121237"/>
+            <a:chOff x="4092294" y="4267125"/>
+            <a:chExt cx="3565585" cy="2121237"/>
+          </a:xfrm>
+        </p:grpSpPr>
+        <p:grpSp>
+          <p:nvGrpSpPr>
+            <p:cNvPr id="4" name="Groupe 3"/>
+            <p:cNvGrpSpPr/>
+            <p:nvPr/>
+          </p:nvGrpSpPr>
+          <p:grpSpPr>
+            <a:xfrm>
+              <a:off x="4092294" y="4267125"/>
+              <a:ext cx="3565585" cy="2121237"/>
+              <a:chOff x="7930869" y="4367569"/>
+              <a:chExt cx="3565585" cy="2121237"/>
+            </a:xfrm>
+          </p:grpSpPr>
+          <p:grpSp>
+            <p:nvGrpSpPr>
+              <p:cNvPr id="6" name="Groupe 5"/>
+              <p:cNvGrpSpPr/>
+              <p:nvPr/>
+            </p:nvGrpSpPr>
+            <p:grpSpPr>
+              <a:xfrm>
+                <a:off x="7930869" y="4639733"/>
+                <a:ext cx="3565585" cy="1647997"/>
+                <a:chOff x="708803" y="4563533"/>
+                <a:chExt cx="3565585" cy="1647997"/>
+              </a:xfrm>
+            </p:grpSpPr>
+            <p:pic>
+              <p:nvPicPr>
+                <p:cNvPr id="9" name="Image 8"/>
+                <p:cNvPicPr>
+                  <a:picLocks noChangeAspect="1"/>
+                </p:cNvPicPr>
+                <p:nvPr/>
+              </p:nvPicPr>
+              <p:blipFill rotWithShape="1">
+                <a:blip r:embed="rId2"/>
+                <a:srcRect t="44083"/>
+                <a:stretch/>
+              </p:blipFill>
+              <p:spPr>
+                <a:xfrm>
+                  <a:off x="708803" y="4563533"/>
+                  <a:ext cx="3565585" cy="1647997"/>
+                </a:xfrm>
+                <a:prstGeom prst="rect">
+                  <a:avLst/>
+                </a:prstGeom>
+              </p:spPr>
+            </p:pic>
+            <p:sp>
+              <p:nvSpPr>
+                <p:cNvPr id="10" name="Ellipse 9"/>
+                <p:cNvSpPr/>
+                <p:nvPr/>
+              </p:nvSpPr>
+              <p:spPr>
+                <a:xfrm>
+                  <a:off x="810683" y="5073650"/>
+                  <a:ext cx="75142" cy="79375"/>
+                </a:xfrm>
+                <a:prstGeom prst="ellipse">
+                  <a:avLst/>
+                </a:prstGeom>
+              </p:spPr>
+              <p:style>
+                <a:lnRef idx="1">
+                  <a:schemeClr val="accent2"/>
+                </a:lnRef>
+                <a:fillRef idx="3">
+                  <a:schemeClr val="accent2"/>
+                </a:fillRef>
+                <a:effectRef idx="2">
+                  <a:schemeClr val="accent2"/>
+                </a:effectRef>
+                <a:fontRef idx="minor">
+                  <a:schemeClr val="lt1"/>
+                </a:fontRef>
+              </p:style>
+              <p:txBody>
+                <a:bodyPr rtlCol="0" anchor="ctr"/>
+                <a:lstStyle/>
+                <a:p>
+                  <a:pPr algn="ctr"/>
+                  <a:endParaRPr lang="fr-FR"/>
+                </a:p>
+              </p:txBody>
+            </p:sp>
+            <p:sp>
+              <p:nvSpPr>
+                <p:cNvPr id="11" name="Ellipse 10"/>
+                <p:cNvSpPr/>
+                <p:nvPr/>
+              </p:nvSpPr>
+              <p:spPr>
+                <a:xfrm>
+                  <a:off x="810683" y="5211762"/>
+                  <a:ext cx="75142" cy="79375"/>
+                </a:xfrm>
+                <a:prstGeom prst="ellipse">
+                  <a:avLst/>
+                </a:prstGeom>
+              </p:spPr>
+              <p:style>
+                <a:lnRef idx="1">
+                  <a:schemeClr val="accent2"/>
+                </a:lnRef>
+                <a:fillRef idx="3">
+                  <a:schemeClr val="accent2"/>
+                </a:fillRef>
+                <a:effectRef idx="2">
+                  <a:schemeClr val="accent2"/>
+                </a:effectRef>
+                <a:fontRef idx="minor">
+                  <a:schemeClr val="lt1"/>
+                </a:fontRef>
+              </p:style>
+              <p:txBody>
+                <a:bodyPr rtlCol="0" anchor="ctr"/>
+                <a:lstStyle/>
+                <a:p>
+                  <a:pPr algn="ctr"/>
+                  <a:endParaRPr lang="fr-FR"/>
+                </a:p>
+              </p:txBody>
+            </p:sp>
+            <p:sp>
+              <p:nvSpPr>
+                <p:cNvPr id="12" name="Ellipse 11"/>
+                <p:cNvSpPr/>
+                <p:nvPr/>
+              </p:nvSpPr>
+              <p:spPr>
+                <a:xfrm>
+                  <a:off x="810683" y="5349874"/>
+                  <a:ext cx="75142" cy="79375"/>
+                </a:xfrm>
+                <a:prstGeom prst="ellipse">
+                  <a:avLst/>
+                </a:prstGeom>
+              </p:spPr>
+              <p:style>
+                <a:lnRef idx="1">
+                  <a:schemeClr val="accent2"/>
+                </a:lnRef>
+                <a:fillRef idx="3">
+                  <a:schemeClr val="accent2"/>
+                </a:fillRef>
+                <a:effectRef idx="2">
+                  <a:schemeClr val="accent2"/>
+                </a:effectRef>
+                <a:fontRef idx="minor">
+                  <a:schemeClr val="lt1"/>
+                </a:fontRef>
+              </p:style>
+              <p:txBody>
+                <a:bodyPr rtlCol="0" anchor="ctr"/>
+                <a:lstStyle/>
+                <a:p>
+                  <a:pPr algn="ctr"/>
+                  <a:endParaRPr lang="fr-FR"/>
+                </a:p>
+              </p:txBody>
+            </p:sp>
+            <p:sp>
+              <p:nvSpPr>
+                <p:cNvPr id="13" name="Ellipse 12"/>
+                <p:cNvSpPr/>
+                <p:nvPr/>
+              </p:nvSpPr>
+              <p:spPr>
+                <a:xfrm>
+                  <a:off x="810683" y="4935538"/>
+                  <a:ext cx="75142" cy="79375"/>
+                </a:xfrm>
+                <a:prstGeom prst="ellipse">
+                  <a:avLst/>
+                </a:prstGeom>
+              </p:spPr>
+              <p:style>
+                <a:lnRef idx="1">
+                  <a:schemeClr val="accent2"/>
+                </a:lnRef>
+                <a:fillRef idx="3">
+                  <a:schemeClr val="accent2"/>
+                </a:fillRef>
+                <a:effectRef idx="2">
+                  <a:schemeClr val="accent2"/>
+                </a:effectRef>
+                <a:fontRef idx="minor">
+                  <a:schemeClr val="lt1"/>
+                </a:fontRef>
+              </p:style>
+              <p:txBody>
+                <a:bodyPr rtlCol="0" anchor="ctr"/>
+                <a:lstStyle/>
+                <a:p>
+                  <a:pPr algn="ctr"/>
+                  <a:endParaRPr lang="fr-FR"/>
+                </a:p>
+              </p:txBody>
+            </p:sp>
+            <p:sp>
+              <p:nvSpPr>
+                <p:cNvPr id="14" name="Ellipse 13"/>
+                <p:cNvSpPr/>
+                <p:nvPr/>
+              </p:nvSpPr>
+              <p:spPr>
+                <a:xfrm>
+                  <a:off x="810683" y="5487986"/>
+                  <a:ext cx="75142" cy="79375"/>
+                </a:xfrm>
+                <a:prstGeom prst="ellipse">
+                  <a:avLst/>
+                </a:prstGeom>
+              </p:spPr>
+              <p:style>
+                <a:lnRef idx="1">
+                  <a:schemeClr val="accent2"/>
+                </a:lnRef>
+                <a:fillRef idx="3">
+                  <a:schemeClr val="accent2"/>
+                </a:fillRef>
+                <a:effectRef idx="2">
+                  <a:schemeClr val="accent2"/>
+                </a:effectRef>
+                <a:fontRef idx="minor">
+                  <a:schemeClr val="lt1"/>
+                </a:fontRef>
+              </p:style>
+              <p:txBody>
+                <a:bodyPr rtlCol="0" anchor="ctr"/>
+                <a:lstStyle/>
+                <a:p>
+                  <a:pPr algn="ctr"/>
+                  <a:endParaRPr lang="fr-FR"/>
+                </a:p>
+              </p:txBody>
+            </p:sp>
+          </p:grpSp>
+          <p:pic>
+            <p:nvPicPr>
+              <p:cNvPr id="7" name="Image 6"/>
+              <p:cNvPicPr>
+                <a:picLocks noChangeAspect="1"/>
+              </p:cNvPicPr>
+              <p:nvPr/>
+            </p:nvPicPr>
+            <p:blipFill rotWithShape="1">
+              <a:blip r:embed="rId3"/>
+              <a:srcRect t="83666" b="4737"/>
+              <a:stretch/>
+            </p:blipFill>
+            <p:spPr>
+              <a:xfrm>
+                <a:off x="7953154" y="4367569"/>
+                <a:ext cx="3543300" cy="220133"/>
+              </a:xfrm>
+              <a:prstGeom prst="rect">
+                <a:avLst/>
+              </a:prstGeom>
+            </p:spPr>
+          </p:pic>
+          <p:pic>
+            <p:nvPicPr>
+              <p:cNvPr id="8" name="Image 7"/>
+              <p:cNvPicPr>
+                <a:picLocks noChangeAspect="1"/>
+              </p:cNvPicPr>
+              <p:nvPr/>
+            </p:nvPicPr>
+            <p:blipFill rotWithShape="1">
+              <a:blip r:embed="rId4"/>
+              <a:srcRect l="3523" t="54895" r="63253" b="39131"/>
+              <a:stretch/>
+            </p:blipFill>
+            <p:spPr>
+              <a:xfrm>
+                <a:off x="7958556" y="6336405"/>
+                <a:ext cx="3537898" cy="152401"/>
+              </a:xfrm>
+              <a:prstGeom prst="rect">
+                <a:avLst/>
+              </a:prstGeom>
+            </p:spPr>
+          </p:pic>
+        </p:grpSp>
+        <p:sp>
+          <p:nvSpPr>
+            <p:cNvPr id="5" name="Ellipse 4"/>
+            <p:cNvSpPr/>
+            <p:nvPr/>
+          </p:nvSpPr>
+          <p:spPr>
+            <a:xfrm>
+              <a:off x="4194174" y="5702261"/>
+              <a:ext cx="75142" cy="79375"/>
+            </a:xfrm>
+            <a:prstGeom prst="ellipse">
+              <a:avLst/>
+            </a:prstGeom>
+          </p:spPr>
+          <p:style>
+            <a:lnRef idx="1">
+              <a:schemeClr val="accent2"/>
+            </a:lnRef>
+            <a:fillRef idx="3">
+              <a:schemeClr val="accent2"/>
+            </a:fillRef>
+            <a:effectRef idx="2">
+              <a:schemeClr val="accent2"/>
+            </a:effectRef>
+            <a:fontRef idx="minor">
+              <a:schemeClr val="lt1"/>
+            </a:fontRef>
+          </p:style>
+          <p:txBody>
+            <a:bodyPr rtlCol="0" anchor="ctr"/>
+            <a:lstStyle/>
+            <a:p>
+              <a:pPr algn="ctr"/>
+              <a:endParaRPr lang="fr-FR"/>
+            </a:p>
+          </p:txBody>
+        </p:sp>
+      </p:grpSp>
+      <p:cxnSp>
+        <p:nvCxnSpPr>
+          <p:cNvPr id="16" name="Connecteur droit avec flèche 15"/>
+          <p:cNvCxnSpPr/>
+          <p:nvPr/>
+        </p:nvCxnSpPr>
+        <p:spPr>
+          <a:xfrm>
+            <a:off x="385679" y="4978420"/>
+            <a:ext cx="115098" cy="1"/>
+          </a:xfrm>
+          <a:prstGeom prst="straightConnector1">
+            <a:avLst/>
+          </a:prstGeom>
+          <a:ln>
+            <a:tailEnd type="triangle"/>
+          </a:ln>
+        </p:spPr>
+        <p:style>
+          <a:lnRef idx="3">
+            <a:schemeClr val="accent1"/>
+          </a:lnRef>
+          <a:fillRef idx="0">
+            <a:schemeClr val="accent1"/>
+          </a:fillRef>
+          <a:effectRef idx="2">
+            <a:schemeClr val="accent1"/>
+          </a:effectRef>
+          <a:fontRef idx="minor">
+            <a:schemeClr val="tx1"/>
+          </a:fontRef>
+        </p:style>
+      </p:cxnSp>
       <p:sp>
         <p:nvSpPr>
-          <p:cNvPr id="4" name="Titre 3"/>
-          <p:cNvSpPr>
-            <a:spLocks noGrp="1"/>
-          </p:cNvSpPr>
-          <p:nvPr>
-            <p:ph type="title"/>
-          </p:nvPr>
+          <p:cNvPr id="2" name="ZoneTexte 1"/>
+          <p:cNvSpPr txBox="1"/>
+          <p:nvPr/>
         </p:nvSpPr>
-        <p:spPr/>
+        <p:spPr>
+          <a:xfrm>
+            <a:off x="3000994" y="366465"/>
+            <a:ext cx="8556006" cy="4031873"/>
+          </a:xfrm>
+          <a:prstGeom prst="rect">
+            <a:avLst/>
+          </a:prstGeom>
+          <a:noFill/>
+        </p:spPr>
         <p:txBody>
-          <a:bodyPr/>
+          <a:bodyPr wrap="square" rtlCol="0">
+            <a:spAutoFit/>
+          </a:bodyPr>
           <a:lstStyle/>
           <a:p>
             <a:r>
-              <a:rPr lang="fr-FR" dirty="0" err="1" smtClean="0"/>
+              <a:rPr lang="fr-FR" sz="1600" dirty="0" err="1" smtClean="0"/>
+              <a:t>Finally</a:t>
+            </a:r>
+            <a:r>
+              <a:rPr lang="fr-FR" sz="1600" dirty="0" smtClean="0"/>
+              <a:t>, by </a:t>
+            </a:r>
+            <a:r>
+              <a:rPr lang="fr-FR" sz="1600" dirty="0" err="1" smtClean="0"/>
+              <a:t>generalizing</a:t>
+            </a:r>
+            <a:r>
+              <a:rPr lang="fr-FR" sz="1600" dirty="0" smtClean="0"/>
+              <a:t>, </a:t>
+            </a:r>
+            <a:r>
+              <a:rPr lang="fr-FR" sz="1600" dirty="0" err="1" smtClean="0"/>
+              <a:t>we</a:t>
+            </a:r>
+            <a:r>
+              <a:rPr lang="fr-FR" sz="1600" dirty="0" smtClean="0"/>
+              <a:t> </a:t>
+            </a:r>
+            <a:r>
+              <a:rPr lang="fr-FR" sz="1600" dirty="0" err="1" smtClean="0"/>
+              <a:t>obtain</a:t>
+            </a:r>
+            <a:r>
+              <a:rPr lang="fr-FR" sz="1600" dirty="0" smtClean="0"/>
+              <a:t> the </a:t>
+            </a:r>
+            <a:r>
+              <a:rPr lang="fr-FR" sz="1600" dirty="0" err="1" smtClean="0"/>
+              <a:t>following</a:t>
+            </a:r>
+            <a:r>
+              <a:rPr lang="fr-FR" sz="1600" dirty="0" smtClean="0"/>
+              <a:t> conjecture:</a:t>
+            </a:r>
+          </a:p>
+          <a:p>
+            <a:endParaRPr lang="fr-FR" sz="1600" dirty="0"/>
+          </a:p>
+          <a:p>
+            <a:r>
+              <a:rPr lang="fr-FR" sz="1600" dirty="0" smtClean="0"/>
+              <a:t>∃A,B. content(A,B) &amp; </a:t>
+            </a:r>
+            <a:r>
+              <a:rPr lang="fr-FR" sz="1600" dirty="0" err="1" smtClean="0"/>
+              <a:t>content_f</a:t>
+            </a:r>
+            <a:r>
+              <a:rPr lang="fr-FR" sz="1600" dirty="0" smtClean="0"/>
+              <a:t>(B)~=A &amp; </a:t>
+            </a:r>
+            <a:r>
+              <a:rPr lang="fr-FR" sz="1600" dirty="0" err="1" smtClean="0"/>
+              <a:t>first_e</a:t>
+            </a:r>
+            <a:r>
+              <a:rPr lang="fr-FR" sz="1600" dirty="0" smtClean="0"/>
+              <a:t> &lt; </a:t>
+            </a:r>
+            <a:r>
+              <a:rPr lang="fr-FR" sz="1600" dirty="0" err="1" smtClean="0"/>
+              <a:t>next_e</a:t>
+            </a:r>
+            <a:r>
+              <a:rPr lang="fr-FR" sz="1600" dirty="0" smtClean="0"/>
+              <a:t> &amp; B &lt; </a:t>
+            </a:r>
+            <a:r>
+              <a:rPr lang="fr-FR" sz="1600" dirty="0" err="1" smtClean="0"/>
+              <a:t>next_e</a:t>
+            </a:r>
+            <a:r>
+              <a:rPr lang="fr-FR" sz="1600" dirty="0" smtClean="0"/>
+              <a:t> &amp; </a:t>
+            </a:r>
+            <a:r>
+              <a:rPr lang="fr-FR" sz="1600" dirty="0" err="1" smtClean="0"/>
+              <a:t>first_e</a:t>
+            </a:r>
+            <a:r>
+              <a:rPr lang="fr-FR" sz="1600" dirty="0" smtClean="0"/>
+              <a:t> &lt; B</a:t>
+            </a:r>
+          </a:p>
+          <a:p>
+            <a:endParaRPr lang="fr-FR" sz="1600" dirty="0" smtClean="0"/>
+          </a:p>
+          <a:p>
+            <a:r>
+              <a:rPr lang="fr-FR" sz="1600" dirty="0" err="1" smtClean="0"/>
+              <a:t>We</a:t>
+            </a:r>
+            <a:r>
+              <a:rPr lang="fr-FR" sz="1600" dirty="0" smtClean="0"/>
+              <a:t> </a:t>
+            </a:r>
+            <a:r>
+              <a:rPr lang="fr-FR" sz="1600" dirty="0" err="1" smtClean="0"/>
+              <a:t>negate</a:t>
+            </a:r>
+            <a:r>
+              <a:rPr lang="fr-FR" sz="1600" dirty="0" smtClean="0"/>
+              <a:t> </a:t>
+            </a:r>
+            <a:r>
+              <a:rPr lang="fr-FR" sz="1600" dirty="0" err="1" smtClean="0"/>
+              <a:t>it</a:t>
+            </a:r>
+            <a:r>
+              <a:rPr lang="fr-FR" sz="1600" dirty="0" smtClean="0"/>
+              <a:t>:</a:t>
+            </a:r>
+          </a:p>
+          <a:p>
+            <a:endParaRPr lang="fr-FR" sz="1600" dirty="0"/>
+          </a:p>
+          <a:p>
+            <a:r>
+              <a:rPr lang="fr-FR" sz="1600" dirty="0" smtClean="0"/>
+              <a:t>∀A,B. ~ (content(A,B</a:t>
+            </a:r>
+            <a:r>
+              <a:rPr lang="fr-FR" sz="1600" dirty="0"/>
+              <a:t>) &amp;</a:t>
+            </a:r>
+            <a:r>
+              <a:rPr lang="fr-FR" sz="1600" dirty="0" smtClean="0"/>
+              <a:t> </a:t>
+            </a:r>
+            <a:r>
+              <a:rPr lang="fr-FR" sz="1600" dirty="0" err="1"/>
+              <a:t>content_f</a:t>
+            </a:r>
+            <a:r>
+              <a:rPr lang="fr-FR" sz="1600" dirty="0"/>
+              <a:t>(B</a:t>
+            </a:r>
+            <a:r>
+              <a:rPr lang="fr-FR" sz="1600" dirty="0" smtClean="0"/>
+              <a:t>)~=</a:t>
+            </a:r>
+            <a:r>
+              <a:rPr lang="fr-FR" sz="1600" dirty="0"/>
+              <a:t>A</a:t>
+            </a:r>
+            <a:r>
+              <a:rPr lang="fr-FR" sz="1600" dirty="0" smtClean="0"/>
+              <a:t> </a:t>
+            </a:r>
+            <a:r>
+              <a:rPr lang="fr-FR" sz="1600" dirty="0"/>
+              <a:t>&amp; </a:t>
+            </a:r>
+            <a:r>
+              <a:rPr lang="fr-FR" sz="1600" dirty="0" err="1"/>
+              <a:t>first_e</a:t>
+            </a:r>
+            <a:r>
+              <a:rPr lang="fr-FR" sz="1600" dirty="0"/>
+              <a:t> &lt; </a:t>
+            </a:r>
+            <a:r>
+              <a:rPr lang="fr-FR" sz="1600" dirty="0" err="1"/>
+              <a:t>next_e</a:t>
+            </a:r>
+            <a:r>
+              <a:rPr lang="fr-FR" sz="1600" dirty="0"/>
+              <a:t> &amp; B &lt; </a:t>
+            </a:r>
+            <a:r>
+              <a:rPr lang="fr-FR" sz="1600" dirty="0" err="1"/>
+              <a:t>next_e</a:t>
+            </a:r>
+            <a:r>
+              <a:rPr lang="fr-FR" sz="1600" dirty="0"/>
+              <a:t> &amp; </a:t>
+            </a:r>
+            <a:r>
+              <a:rPr lang="fr-FR" sz="1600" dirty="0" err="1" smtClean="0"/>
+              <a:t>first_e</a:t>
+            </a:r>
+            <a:r>
+              <a:rPr lang="fr-FR" sz="1600" dirty="0" smtClean="0"/>
+              <a:t> </a:t>
+            </a:r>
+            <a:r>
+              <a:rPr lang="fr-FR" sz="1600" dirty="0"/>
+              <a:t>&lt; </a:t>
+            </a:r>
+            <a:r>
+              <a:rPr lang="fr-FR" sz="1600" dirty="0" smtClean="0"/>
+              <a:t>B)</a:t>
+            </a:r>
+          </a:p>
+          <a:p>
+            <a:endParaRPr lang="fr-FR" sz="1600" dirty="0"/>
+          </a:p>
+          <a:p>
+            <a:r>
+              <a:rPr lang="fr-FR" sz="1600" dirty="0"/>
+              <a:t>∀</a:t>
+            </a:r>
+            <a:r>
+              <a:rPr lang="fr-FR" sz="1600" dirty="0" smtClean="0"/>
+              <a:t>A,B. </a:t>
+            </a:r>
+            <a:r>
+              <a:rPr lang="fr-FR" sz="1600" dirty="0" err="1" smtClean="0"/>
+              <a:t>first_e</a:t>
+            </a:r>
+            <a:r>
+              <a:rPr lang="fr-FR" sz="1600" dirty="0" smtClean="0"/>
+              <a:t> &lt; B &amp; B &lt; </a:t>
+            </a:r>
+            <a:r>
+              <a:rPr lang="fr-FR" sz="1600" dirty="0" err="1" smtClean="0"/>
+              <a:t>next_e</a:t>
+            </a:r>
+            <a:r>
+              <a:rPr lang="fr-FR" sz="1600" dirty="0" smtClean="0"/>
+              <a:t> &amp; </a:t>
+            </a:r>
+            <a:r>
+              <a:rPr lang="fr-FR" sz="1600" dirty="0" err="1"/>
+              <a:t>content_f</a:t>
+            </a:r>
+            <a:r>
+              <a:rPr lang="fr-FR" sz="1600" dirty="0"/>
+              <a:t>(B) </a:t>
+            </a:r>
+            <a:r>
+              <a:rPr lang="fr-FR" sz="1600" dirty="0" smtClean="0"/>
+              <a:t>~= A -&gt; ~content(A,B</a:t>
+            </a:r>
+            <a:r>
+              <a:rPr lang="fr-FR" sz="1600" dirty="0"/>
+              <a:t>) </a:t>
+            </a:r>
+            <a:endParaRPr lang="fr-FR" sz="1600" dirty="0" smtClean="0"/>
+          </a:p>
+          <a:p>
+            <a:endParaRPr lang="fr-FR" sz="1600" dirty="0"/>
+          </a:p>
+          <a:p>
+            <a:r>
+              <a:rPr lang="fr-FR" sz="1600" dirty="0" smtClean="0"/>
+              <a:t>This conjecture </a:t>
+            </a:r>
+            <a:r>
+              <a:rPr lang="fr-FR" sz="1600" dirty="0" err="1" smtClean="0"/>
+              <a:t>is</a:t>
+            </a:r>
+            <a:r>
+              <a:rPr lang="fr-FR" sz="1600" dirty="0" smtClean="0"/>
+              <a:t> </a:t>
+            </a:r>
+            <a:r>
+              <a:rPr lang="fr-FR" sz="1600" dirty="0" err="1" smtClean="0"/>
+              <a:t>true</a:t>
+            </a:r>
+            <a:r>
+              <a:rPr lang="fr-FR" sz="1600" dirty="0" smtClean="0"/>
+              <a:t> and </a:t>
+            </a:r>
+            <a:r>
+              <a:rPr lang="fr-FR" sz="1600" dirty="0" err="1" smtClean="0"/>
+              <a:t>exclude</a:t>
+            </a:r>
+            <a:r>
+              <a:rPr lang="fr-FR" sz="1600" dirty="0" smtClean="0"/>
+              <a:t> all cases </a:t>
+            </a:r>
+            <a:r>
+              <a:rPr lang="fr-FR" sz="1600" dirty="0" err="1" smtClean="0"/>
+              <a:t>that</a:t>
+            </a:r>
+            <a:r>
+              <a:rPr lang="fr-FR" sz="1600" dirty="0" smtClean="0"/>
+              <a:t> </a:t>
+            </a:r>
+            <a:r>
+              <a:rPr lang="fr-FR" sz="1600" dirty="0" err="1" smtClean="0"/>
+              <a:t>contain</a:t>
+            </a:r>
+            <a:r>
+              <a:rPr lang="fr-FR" sz="1600" dirty="0" smtClean="0"/>
+              <a:t> </a:t>
+            </a:r>
+            <a:r>
+              <a:rPr lang="fr-FR" sz="1600" dirty="0" err="1" smtClean="0"/>
+              <a:t>this</a:t>
+            </a:r>
+            <a:r>
+              <a:rPr lang="fr-FR" sz="1600" dirty="0" smtClean="0"/>
+              <a:t> </a:t>
+            </a:r>
+            <a:r>
+              <a:rPr lang="fr-FR" sz="1600" dirty="0" err="1" smtClean="0"/>
+              <a:t>counterexample</a:t>
+            </a:r>
+            <a:r>
+              <a:rPr lang="fr-FR" sz="1600" dirty="0" smtClean="0"/>
+              <a:t>.</a:t>
+            </a:r>
+            <a:endParaRPr lang="fr-FR" sz="1600" dirty="0"/>
+          </a:p>
+          <a:p>
+            <a:endParaRPr lang="fr-FR" sz="1600" dirty="0" smtClean="0"/>
+          </a:p>
+          <a:p>
+            <a:r>
+              <a:rPr lang="fr-FR" sz="1600" dirty="0" err="1" smtClean="0"/>
+              <a:t>However</a:t>
+            </a:r>
+            <a:r>
+              <a:rPr lang="fr-FR" sz="1600" dirty="0" smtClean="0"/>
+              <a:t>, </a:t>
+            </a:r>
+            <a:r>
+              <a:rPr lang="fr-FR" sz="1600" dirty="0" err="1" smtClean="0"/>
+              <a:t>we</a:t>
+            </a:r>
+            <a:r>
+              <a:rPr lang="fr-FR" sz="1600" dirty="0" smtClean="0"/>
+              <a:t> </a:t>
+            </a:r>
+            <a:r>
+              <a:rPr lang="fr-FR" sz="1600" dirty="0" err="1" smtClean="0"/>
+              <a:t>would</a:t>
+            </a:r>
+            <a:r>
+              <a:rPr lang="fr-FR" sz="1600" dirty="0" smtClean="0"/>
+              <a:t> </a:t>
+            </a:r>
+            <a:r>
+              <a:rPr lang="fr-FR" sz="1600" dirty="0" err="1" smtClean="0"/>
+              <a:t>prefer</a:t>
+            </a:r>
+            <a:r>
+              <a:rPr lang="fr-FR" sz="1600" dirty="0" smtClean="0"/>
+              <a:t> </a:t>
+            </a:r>
+            <a:r>
+              <a:rPr lang="fr-FR" sz="1600" dirty="0" err="1" smtClean="0"/>
+              <a:t>it</a:t>
+            </a:r>
+            <a:r>
+              <a:rPr lang="fr-FR" sz="1600" dirty="0" smtClean="0"/>
+              <a:t> to </a:t>
+            </a:r>
+            <a:r>
+              <a:rPr lang="fr-FR" sz="1600" dirty="0" err="1" smtClean="0"/>
+              <a:t>be</a:t>
+            </a:r>
+            <a:r>
+              <a:rPr lang="fr-FR" sz="1600" dirty="0" smtClean="0"/>
+              <a:t>:</a:t>
+            </a:r>
+          </a:p>
+          <a:p>
+            <a:r>
+              <a:rPr lang="fr-FR" sz="1600" dirty="0" smtClean="0"/>
+              <a:t>∀</a:t>
+            </a:r>
+            <a:r>
+              <a:rPr lang="fr-FR" sz="1600" dirty="0"/>
+              <a:t>B</a:t>
+            </a:r>
+            <a:r>
+              <a:rPr lang="fr-FR" sz="1600" dirty="0" smtClean="0"/>
+              <a:t>. </a:t>
+            </a:r>
+            <a:r>
+              <a:rPr lang="fr-FR" sz="1600" dirty="0" err="1" smtClean="0"/>
+              <a:t>first_e</a:t>
+            </a:r>
+            <a:r>
+              <a:rPr lang="fr-FR" sz="1600" dirty="0" smtClean="0"/>
+              <a:t> </a:t>
+            </a:r>
+            <a:r>
+              <a:rPr lang="fr-FR" sz="1600" dirty="0"/>
+              <a:t>&lt; B &amp; B &lt; </a:t>
+            </a:r>
+            <a:r>
+              <a:rPr lang="fr-FR" sz="1600" dirty="0" err="1"/>
+              <a:t>next_e</a:t>
+            </a:r>
+            <a:r>
+              <a:rPr lang="fr-FR" sz="1600" dirty="0"/>
+              <a:t> </a:t>
+            </a:r>
+            <a:r>
+              <a:rPr lang="fr-FR" sz="1600" dirty="0" smtClean="0"/>
+              <a:t>-&gt; content(</a:t>
+            </a:r>
+            <a:r>
+              <a:rPr lang="fr-FR" sz="1600" dirty="0" err="1" smtClean="0"/>
+              <a:t>content_f</a:t>
+            </a:r>
+            <a:r>
+              <a:rPr lang="fr-FR" sz="1600" dirty="0" smtClean="0"/>
+              <a:t>(B</a:t>
+            </a:r>
+            <a:r>
+              <a:rPr lang="fr-FR" sz="1600" dirty="0"/>
+              <a:t>)</a:t>
+            </a:r>
+            <a:r>
+              <a:rPr lang="fr-FR" sz="1600" dirty="0" smtClean="0"/>
+              <a:t>,</a:t>
+            </a:r>
+            <a:r>
+              <a:rPr lang="fr-FR" sz="1600" dirty="0"/>
+              <a:t>B</a:t>
+            </a:r>
+            <a:r>
+              <a:rPr lang="fr-FR" sz="1600" dirty="0" smtClean="0"/>
+              <a:t>)</a:t>
+            </a:r>
+          </a:p>
+          <a:p>
+            <a:endParaRPr lang="fr-FR" sz="1600" dirty="0"/>
+          </a:p>
+          <a:p>
+            <a:r>
+              <a:rPr lang="fr-FR" sz="1600" dirty="0" err="1" smtClean="0"/>
+              <a:t>See</a:t>
+            </a:r>
+            <a:r>
+              <a:rPr lang="fr-FR" sz="1600" dirty="0" smtClean="0"/>
+              <a:t> </a:t>
+            </a:r>
+            <a:r>
+              <a:rPr lang="fr-FR" sz="1600" dirty="0" err="1" smtClean="0"/>
               <a:t>Idea</a:t>
             </a:r>
             <a:r>
-              <a:rPr lang="fr-FR" dirty="0" smtClean="0"/>
-              <a:t> 2: Causal </a:t>
-            </a:r>
-            <a:r>
-              <a:rPr lang="fr-FR" dirty="0" err="1" smtClean="0"/>
-              <a:t>Analysis</a:t>
-            </a:r>
-            <a:endParaRPr lang="fr-FR" dirty="0"/>
+              <a:rPr lang="fr-FR" sz="1600" smtClean="0"/>
+              <a:t> 2…</a:t>
+            </a:r>
+            <a:endParaRPr lang="fr-FR" sz="1600" dirty="0" smtClean="0"/>
           </a:p>
         </p:txBody>
       </p:sp>
+      <p:grpSp>
+        <p:nvGrpSpPr>
+          <p:cNvPr id="15" name="Groupe 14"/>
+          <p:cNvGrpSpPr/>
+          <p:nvPr/>
+        </p:nvGrpSpPr>
+        <p:grpSpPr>
+          <a:xfrm>
+            <a:off x="655514" y="445514"/>
+            <a:ext cx="2345480" cy="3553321"/>
+            <a:chOff x="655514" y="445514"/>
+            <a:chExt cx="2345480" cy="3553321"/>
+          </a:xfrm>
+        </p:grpSpPr>
+        <p:grpSp>
+          <p:nvGrpSpPr>
+            <p:cNvPr id="58" name="Groupe 57"/>
+            <p:cNvGrpSpPr/>
+            <p:nvPr/>
+          </p:nvGrpSpPr>
+          <p:grpSpPr>
+            <a:xfrm>
+              <a:off x="655514" y="445514"/>
+              <a:ext cx="2345480" cy="3553321"/>
+              <a:chOff x="736240" y="460687"/>
+              <a:chExt cx="2345480" cy="3553321"/>
+            </a:xfrm>
+          </p:grpSpPr>
+          <p:pic>
+            <p:nvPicPr>
+              <p:cNvPr id="59" name="Image 58"/>
+              <p:cNvPicPr>
+                <a:picLocks noChangeAspect="1"/>
+              </p:cNvPicPr>
+              <p:nvPr/>
+            </p:nvPicPr>
+            <p:blipFill>
+              <a:blip r:embed="rId5">
+                <a:extLst>
+                  <a:ext uri="{28A0092B-C50C-407E-A947-70E740481C1C}">
+                    <a14:useLocalDpi xmlns:a14="http://schemas.microsoft.com/office/drawing/2010/main" val="0"/>
+                  </a:ext>
+                </a:extLst>
+              </a:blip>
+              <a:stretch>
+                <a:fillRect/>
+              </a:stretch>
+            </p:blipFill>
+            <p:spPr>
+              <a:xfrm>
+                <a:off x="871612" y="460687"/>
+                <a:ext cx="2210108" cy="3553321"/>
+              </a:xfrm>
+              <a:prstGeom prst="rect">
+                <a:avLst/>
+              </a:prstGeom>
+            </p:spPr>
+          </p:pic>
+          <p:sp>
+            <p:nvSpPr>
+              <p:cNvPr id="60" name="Rectangle 59"/>
+              <p:cNvSpPr/>
+              <p:nvPr/>
+            </p:nvSpPr>
+            <p:spPr>
+              <a:xfrm>
+                <a:off x="755290" y="2061380"/>
+                <a:ext cx="2038878" cy="143793"/>
+              </a:xfrm>
+              <a:prstGeom prst="rect">
+                <a:avLst/>
+              </a:prstGeom>
+              <a:solidFill>
+                <a:srgbClr val="70AD47">
+                  <a:alpha val="25098"/>
+                </a:srgbClr>
+              </a:solidFill>
+            </p:spPr>
+            <p:style>
+              <a:lnRef idx="2">
+                <a:schemeClr val="accent6">
+                  <a:shade val="50000"/>
+                </a:schemeClr>
+              </a:lnRef>
+              <a:fillRef idx="1">
+                <a:schemeClr val="accent6"/>
+              </a:fillRef>
+              <a:effectRef idx="0">
+                <a:schemeClr val="accent6"/>
+              </a:effectRef>
+              <a:fontRef idx="minor">
+                <a:schemeClr val="lt1"/>
+              </a:fontRef>
+            </p:style>
+            <p:txBody>
+              <a:bodyPr rtlCol="0" anchor="ctr"/>
+              <a:lstStyle/>
+              <a:p>
+                <a:pPr algn="ctr"/>
+                <a:endParaRPr lang="fr-FR"/>
+              </a:p>
+            </p:txBody>
+          </p:sp>
+          <p:sp>
+            <p:nvSpPr>
+              <p:cNvPr id="61" name="Rectangle 60"/>
+              <p:cNvSpPr/>
+              <p:nvPr/>
+            </p:nvSpPr>
+            <p:spPr>
+              <a:xfrm>
+                <a:off x="755290" y="3658094"/>
+                <a:ext cx="2038878" cy="143793"/>
+              </a:xfrm>
+              <a:prstGeom prst="rect">
+                <a:avLst/>
+              </a:prstGeom>
+              <a:solidFill>
+                <a:srgbClr val="70AD47">
+                  <a:alpha val="25098"/>
+                </a:srgbClr>
+              </a:solidFill>
+            </p:spPr>
+            <p:style>
+              <a:lnRef idx="2">
+                <a:schemeClr val="accent6">
+                  <a:shade val="50000"/>
+                </a:schemeClr>
+              </a:lnRef>
+              <a:fillRef idx="1">
+                <a:schemeClr val="accent6"/>
+              </a:fillRef>
+              <a:effectRef idx="0">
+                <a:schemeClr val="accent6"/>
+              </a:effectRef>
+              <a:fontRef idx="minor">
+                <a:schemeClr val="lt1"/>
+              </a:fontRef>
+            </p:style>
+            <p:txBody>
+              <a:bodyPr rtlCol="0" anchor="ctr"/>
+              <a:lstStyle/>
+              <a:p>
+                <a:pPr algn="ctr"/>
+                <a:endParaRPr lang="fr-FR"/>
+              </a:p>
+            </p:txBody>
+          </p:sp>
+          <p:sp>
+            <p:nvSpPr>
+              <p:cNvPr id="62" name="Rectangle 61"/>
+              <p:cNvSpPr/>
+              <p:nvPr/>
+            </p:nvSpPr>
+            <p:spPr>
+              <a:xfrm>
+                <a:off x="736240" y="3129576"/>
+                <a:ext cx="2038878" cy="143793"/>
+              </a:xfrm>
+              <a:prstGeom prst="rect">
+                <a:avLst/>
+              </a:prstGeom>
+              <a:solidFill>
+                <a:srgbClr val="70AD47">
+                  <a:alpha val="25098"/>
+                </a:srgbClr>
+              </a:solidFill>
+            </p:spPr>
+            <p:style>
+              <a:lnRef idx="2">
+                <a:schemeClr val="accent6">
+                  <a:shade val="50000"/>
+                </a:schemeClr>
+              </a:lnRef>
+              <a:fillRef idx="1">
+                <a:schemeClr val="accent6"/>
+              </a:fillRef>
+              <a:effectRef idx="0">
+                <a:schemeClr val="accent6"/>
+              </a:effectRef>
+              <a:fontRef idx="minor">
+                <a:schemeClr val="lt1"/>
+              </a:fontRef>
+            </p:style>
+            <p:txBody>
+              <a:bodyPr rtlCol="0" anchor="ctr"/>
+              <a:lstStyle/>
+              <a:p>
+                <a:pPr algn="ctr"/>
+                <a:endParaRPr lang="fr-FR"/>
+              </a:p>
+            </p:txBody>
+          </p:sp>
+          <p:pic>
+            <p:nvPicPr>
+              <p:cNvPr id="63" name="Image 62"/>
+              <p:cNvPicPr>
+                <a:picLocks noChangeAspect="1"/>
+              </p:cNvPicPr>
+              <p:nvPr/>
+            </p:nvPicPr>
+            <p:blipFill rotWithShape="1">
+              <a:blip r:embed="rId5">
+                <a:extLst>
+                  <a:ext uri="{28A0092B-C50C-407E-A947-70E740481C1C}">
+                    <a14:useLocalDpi xmlns:a14="http://schemas.microsoft.com/office/drawing/2010/main" val="0"/>
+                  </a:ext>
+                </a:extLst>
+              </a:blip>
+              <a:srcRect t="26200" r="95303" b="69511"/>
+              <a:stretch/>
+            </p:blipFill>
+            <p:spPr>
+              <a:xfrm>
+                <a:off x="868780" y="863019"/>
+                <a:ext cx="103812" cy="152400"/>
+              </a:xfrm>
+              <a:prstGeom prst="rect">
+                <a:avLst/>
+              </a:prstGeom>
+            </p:spPr>
+          </p:pic>
+          <p:pic>
+            <p:nvPicPr>
+              <p:cNvPr id="64" name="Image 63"/>
+              <p:cNvPicPr>
+                <a:picLocks noChangeAspect="1"/>
+              </p:cNvPicPr>
+              <p:nvPr/>
+            </p:nvPicPr>
+            <p:blipFill rotWithShape="1">
+              <a:blip r:embed="rId5">
+                <a:extLst>
+                  <a:ext uri="{28A0092B-C50C-407E-A947-70E740481C1C}">
+                    <a14:useLocalDpi xmlns:a14="http://schemas.microsoft.com/office/drawing/2010/main" val="0"/>
+                  </a:ext>
+                </a:extLst>
+              </a:blip>
+              <a:srcRect t="11135" r="95217" b="84791"/>
+              <a:stretch/>
+            </p:blipFill>
+            <p:spPr>
+              <a:xfrm>
+                <a:off x="869733" y="731291"/>
+                <a:ext cx="105717" cy="144779"/>
+              </a:xfrm>
+              <a:prstGeom prst="rect">
+                <a:avLst/>
+              </a:prstGeom>
+            </p:spPr>
+          </p:pic>
+          <p:sp>
+            <p:nvSpPr>
+              <p:cNvPr id="65" name="Rectangle 64"/>
+              <p:cNvSpPr/>
+              <p:nvPr/>
+            </p:nvSpPr>
+            <p:spPr>
+              <a:xfrm>
+                <a:off x="755290" y="586401"/>
+                <a:ext cx="2038878" cy="143793"/>
+              </a:xfrm>
+              <a:prstGeom prst="rect">
+                <a:avLst/>
+              </a:prstGeom>
+              <a:solidFill>
+                <a:srgbClr val="70AD47">
+                  <a:alpha val="25098"/>
+                </a:srgbClr>
+              </a:solidFill>
+            </p:spPr>
+            <p:style>
+              <a:lnRef idx="2">
+                <a:schemeClr val="accent6">
+                  <a:shade val="50000"/>
+                </a:schemeClr>
+              </a:lnRef>
+              <a:fillRef idx="1">
+                <a:schemeClr val="accent6"/>
+              </a:fillRef>
+              <a:effectRef idx="0">
+                <a:schemeClr val="accent6"/>
+              </a:effectRef>
+              <a:fontRef idx="minor">
+                <a:schemeClr val="lt1"/>
+              </a:fontRef>
+            </p:style>
+            <p:txBody>
+              <a:bodyPr rtlCol="0" anchor="ctr"/>
+              <a:lstStyle/>
+              <a:p>
+                <a:pPr algn="ctr"/>
+                <a:endParaRPr lang="fr-FR"/>
+              </a:p>
+            </p:txBody>
+          </p:sp>
+          <p:pic>
+            <p:nvPicPr>
+              <p:cNvPr id="67" name="Image 66"/>
+              <p:cNvPicPr>
+                <a:picLocks noChangeAspect="1"/>
+              </p:cNvPicPr>
+              <p:nvPr/>
+            </p:nvPicPr>
+            <p:blipFill rotWithShape="1">
+              <a:blip r:embed="rId5">
+                <a:extLst>
+                  <a:ext uri="{28A0092B-C50C-407E-A947-70E740481C1C}">
+                    <a14:useLocalDpi xmlns:a14="http://schemas.microsoft.com/office/drawing/2010/main" val="0"/>
+                  </a:ext>
+                </a:extLst>
+              </a:blip>
+              <a:srcRect t="26200" r="95303" b="69511"/>
+              <a:stretch/>
+            </p:blipFill>
+            <p:spPr>
+              <a:xfrm>
+                <a:off x="866875" y="1664018"/>
+                <a:ext cx="103812" cy="152400"/>
+              </a:xfrm>
+              <a:prstGeom prst="rect">
+                <a:avLst/>
+              </a:prstGeom>
+            </p:spPr>
+          </p:pic>
+          <p:sp>
+            <p:nvSpPr>
+              <p:cNvPr id="68" name="Rectangle 67"/>
+              <p:cNvSpPr/>
+              <p:nvPr/>
+            </p:nvSpPr>
+            <p:spPr>
+              <a:xfrm>
+                <a:off x="755290" y="2731242"/>
+                <a:ext cx="2038878" cy="143793"/>
+              </a:xfrm>
+              <a:prstGeom prst="rect">
+                <a:avLst/>
+              </a:prstGeom>
+              <a:solidFill>
+                <a:srgbClr val="70AD47">
+                  <a:alpha val="25098"/>
+                </a:srgbClr>
+              </a:solidFill>
+            </p:spPr>
+            <p:style>
+              <a:lnRef idx="2">
+                <a:schemeClr val="accent6">
+                  <a:shade val="50000"/>
+                </a:schemeClr>
+              </a:lnRef>
+              <a:fillRef idx="1">
+                <a:schemeClr val="accent6"/>
+              </a:fillRef>
+              <a:effectRef idx="0">
+                <a:schemeClr val="accent6"/>
+              </a:effectRef>
+              <a:fontRef idx="minor">
+                <a:schemeClr val="lt1"/>
+              </a:fontRef>
+            </p:style>
+            <p:txBody>
+              <a:bodyPr rtlCol="0" anchor="ctr"/>
+              <a:lstStyle/>
+              <a:p>
+                <a:pPr algn="ctr"/>
+                <a:endParaRPr lang="fr-FR"/>
+              </a:p>
+            </p:txBody>
+          </p:sp>
+          <p:pic>
+            <p:nvPicPr>
+              <p:cNvPr id="69" name="Image 68"/>
+              <p:cNvPicPr>
+                <a:picLocks noChangeAspect="1"/>
+              </p:cNvPicPr>
+              <p:nvPr/>
+            </p:nvPicPr>
+            <p:blipFill rotWithShape="1">
+              <a:blip r:embed="rId5">
+                <a:extLst>
+                  <a:ext uri="{28A0092B-C50C-407E-A947-70E740481C1C}">
+                    <a14:useLocalDpi xmlns:a14="http://schemas.microsoft.com/office/drawing/2010/main" val="0"/>
+                  </a:ext>
+                </a:extLst>
+              </a:blip>
+              <a:srcRect t="11135" r="95217" b="84791"/>
+              <a:stretch/>
+            </p:blipFill>
+            <p:spPr>
+              <a:xfrm>
+                <a:off x="866875" y="1264698"/>
+                <a:ext cx="105717" cy="144779"/>
+              </a:xfrm>
+              <a:prstGeom prst="rect">
+                <a:avLst/>
+              </a:prstGeom>
+            </p:spPr>
+          </p:pic>
+          <p:sp>
+            <p:nvSpPr>
+              <p:cNvPr id="70" name="Rectangle 69"/>
+              <p:cNvSpPr/>
+              <p:nvPr/>
+            </p:nvSpPr>
+            <p:spPr>
+              <a:xfrm>
+                <a:off x="755290" y="1657844"/>
+                <a:ext cx="2038878" cy="143793"/>
+              </a:xfrm>
+              <a:prstGeom prst="rect">
+                <a:avLst/>
+              </a:prstGeom>
+              <a:solidFill>
+                <a:srgbClr val="70AD47">
+                  <a:alpha val="25098"/>
+                </a:srgbClr>
+              </a:solidFill>
+            </p:spPr>
+            <p:style>
+              <a:lnRef idx="2">
+                <a:schemeClr val="accent6">
+                  <a:shade val="50000"/>
+                </a:schemeClr>
+              </a:lnRef>
+              <a:fillRef idx="1">
+                <a:schemeClr val="accent6"/>
+              </a:fillRef>
+              <a:effectRef idx="0">
+                <a:schemeClr val="accent6"/>
+              </a:effectRef>
+              <a:fontRef idx="minor">
+                <a:schemeClr val="lt1"/>
+              </a:fontRef>
+            </p:style>
+            <p:txBody>
+              <a:bodyPr rtlCol="0" anchor="ctr"/>
+              <a:lstStyle/>
+              <a:p>
+                <a:pPr algn="ctr"/>
+                <a:endParaRPr lang="fr-FR"/>
+              </a:p>
+            </p:txBody>
+          </p:sp>
+        </p:grpSp>
+        <p:sp>
+          <p:nvSpPr>
+            <p:cNvPr id="73" name="Rectangle 72"/>
+            <p:cNvSpPr/>
+            <p:nvPr/>
+          </p:nvSpPr>
+          <p:spPr>
+            <a:xfrm>
+              <a:off x="674564" y="3371318"/>
+              <a:ext cx="2038878" cy="143793"/>
+            </a:xfrm>
+            <a:prstGeom prst="rect">
+              <a:avLst/>
+            </a:prstGeom>
+            <a:solidFill>
+              <a:srgbClr val="70AD47">
+                <a:alpha val="25098"/>
+              </a:srgbClr>
+            </a:solidFill>
+          </p:spPr>
+          <p:style>
+            <a:lnRef idx="2">
+              <a:schemeClr val="accent6">
+                <a:shade val="50000"/>
+              </a:schemeClr>
+            </a:lnRef>
+            <a:fillRef idx="1">
+              <a:schemeClr val="accent6"/>
+            </a:fillRef>
+            <a:effectRef idx="0">
+              <a:schemeClr val="accent6"/>
+            </a:effectRef>
+            <a:fontRef idx="minor">
+              <a:schemeClr val="lt1"/>
+            </a:fontRef>
+          </p:style>
+          <p:txBody>
+            <a:bodyPr rtlCol="0" anchor="ctr"/>
+            <a:lstStyle/>
+            <a:p>
+              <a:pPr algn="ctr"/>
+              <a:endParaRPr lang="fr-FR"/>
+            </a:p>
+          </p:txBody>
+        </p:sp>
+      </p:grpSp>
       <p:sp>
         <p:nvSpPr>
-          <p:cNvPr id="5" name="Espace réservé du texte 4"/>
-          <p:cNvSpPr>
-            <a:spLocks noGrp="1"/>
-          </p:cNvSpPr>
-          <p:nvPr>
-            <p:ph type="body" idx="1"/>
-          </p:nvPr>
+          <p:cNvPr id="71" name="Rectangle 70"/>
+          <p:cNvSpPr/>
+          <p:nvPr/>
         </p:nvSpPr>
-        <p:spPr/>
+        <p:spPr>
+          <a:xfrm>
+            <a:off x="674564" y="3510839"/>
+            <a:ext cx="2038878" cy="143793"/>
+          </a:xfrm>
+          <a:prstGeom prst="rect">
+            <a:avLst/>
+          </a:prstGeom>
+          <a:solidFill>
+            <a:srgbClr val="70AD47">
+              <a:alpha val="50196"/>
+            </a:srgbClr>
+          </a:solidFill>
+        </p:spPr>
+        <p:style>
+          <a:lnRef idx="2">
+            <a:schemeClr val="accent6">
+              <a:shade val="50000"/>
+            </a:schemeClr>
+          </a:lnRef>
+          <a:fillRef idx="1">
+            <a:schemeClr val="accent6"/>
+          </a:fillRef>
+          <a:effectRef idx="0">
+            <a:schemeClr val="accent6"/>
+          </a:effectRef>
+          <a:fontRef idx="minor">
+            <a:schemeClr val="lt1"/>
+          </a:fontRef>
+        </p:style>
         <p:txBody>
-          <a:bodyPr/>
+          <a:bodyPr rtlCol="0" anchor="ctr"/>
           <a:lstStyle/>
           <a:p>
-            <a:endParaRPr lang="fr-FR" dirty="0"/>
+            <a:pPr algn="ctr"/>
+            <a:endParaRPr lang="fr-FR"/>
           </a:p>
         </p:txBody>
       </p:sp>
     </p:spTree>
     <p:extLst>
       <p:ext uri="{BB962C8B-B14F-4D97-AF65-F5344CB8AC3E}">
-        <p14:creationId xmlns:p14="http://schemas.microsoft.com/office/powerpoint/2010/main" val="1559646716"/>
+        <p14:creationId xmlns:p14="http://schemas.microsoft.com/office/powerpoint/2010/main" val="1002307588"/>
       </p:ext>
     </p:extLst>
   </p:cSld>
@@ -7986,6 +12231,86 @@
 </file>
 
 <file path=ppt/slides/slide20.xml><?xml version="1.0" encoding="utf-8"?>
+<p:sld xmlns:a="http://schemas.openxmlformats.org/drawingml/2006/main" xmlns:r="http://schemas.openxmlformats.org/officeDocument/2006/relationships" xmlns:p="http://schemas.openxmlformats.org/presentationml/2006/main">
+  <p:cSld>
+    <p:spTree>
+      <p:nvGrpSpPr>
+        <p:cNvPr id="1" name=""/>
+        <p:cNvGrpSpPr/>
+        <p:nvPr/>
+      </p:nvGrpSpPr>
+      <p:grpSpPr>
+        <a:xfrm>
+          <a:off x="0" y="0"/>
+          <a:ext cx="0" cy="0"/>
+          <a:chOff x="0" y="0"/>
+          <a:chExt cx="0" cy="0"/>
+        </a:xfrm>
+      </p:grpSpPr>
+      <p:sp>
+        <p:nvSpPr>
+          <p:cNvPr id="4" name="Titre 3"/>
+          <p:cNvSpPr>
+            <a:spLocks noGrp="1"/>
+          </p:cNvSpPr>
+          <p:nvPr>
+            <p:ph type="title"/>
+          </p:nvPr>
+        </p:nvSpPr>
+        <p:spPr/>
+        <p:txBody>
+          <a:bodyPr/>
+          <a:lstStyle/>
+          <a:p>
+            <a:r>
+              <a:rPr lang="fr-FR" dirty="0" err="1" smtClean="0"/>
+              <a:t>Idea</a:t>
+            </a:r>
+            <a:r>
+              <a:rPr lang="fr-FR" dirty="0" smtClean="0"/>
+              <a:t> 2: Causal </a:t>
+            </a:r>
+            <a:r>
+              <a:rPr lang="fr-FR" dirty="0" err="1" smtClean="0"/>
+              <a:t>Analysis</a:t>
+            </a:r>
+            <a:endParaRPr lang="fr-FR" dirty="0"/>
+          </a:p>
+        </p:txBody>
+      </p:sp>
+      <p:sp>
+        <p:nvSpPr>
+          <p:cNvPr id="5" name="Espace réservé du texte 4"/>
+          <p:cNvSpPr>
+            <a:spLocks noGrp="1"/>
+          </p:cNvSpPr>
+          <p:nvPr>
+            <p:ph type="body" idx="1"/>
+          </p:nvPr>
+        </p:nvSpPr>
+        <p:spPr/>
+        <p:txBody>
+          <a:bodyPr/>
+          <a:lstStyle/>
+          <a:p>
+            <a:endParaRPr lang="fr-FR" dirty="0"/>
+          </a:p>
+        </p:txBody>
+      </p:sp>
+    </p:spTree>
+    <p:extLst>
+      <p:ext uri="{BB962C8B-B14F-4D97-AF65-F5344CB8AC3E}">
+        <p14:creationId xmlns:p14="http://schemas.microsoft.com/office/powerpoint/2010/main" val="1559646716"/>
+      </p:ext>
+    </p:extLst>
+  </p:cSld>
+  <p:clrMapOvr>
+    <a:masterClrMapping/>
+  </p:clrMapOvr>
+</p:sld>
+</file>
+
+<file path=ppt/slides/slide21.xml><?xml version="1.0" encoding="utf-8"?>
 <p:sld xmlns:a="http://schemas.openxmlformats.org/drawingml/2006/main" xmlns:r="http://schemas.openxmlformats.org/officeDocument/2006/relationships" xmlns:p="http://schemas.openxmlformats.org/presentationml/2006/main">
   <p:cSld>
     <p:spTree>

--- a/interactive_proof/counterexample_generalization.pptx
+++ b/interactive_proof/counterexample_generalization.pptx
@@ -17,15 +17,19 @@
     <p:sldId id="258" r:id="rId11"/>
     <p:sldId id="259" r:id="rId12"/>
     <p:sldId id="260" r:id="rId13"/>
-    <p:sldId id="263" r:id="rId14"/>
-    <p:sldId id="275" r:id="rId15"/>
-    <p:sldId id="272" r:id="rId16"/>
-    <p:sldId id="276" r:id="rId17"/>
-    <p:sldId id="274" r:id="rId18"/>
-    <p:sldId id="277" r:id="rId19"/>
-    <p:sldId id="278" r:id="rId20"/>
-    <p:sldId id="262" r:id="rId21"/>
-    <p:sldId id="261" r:id="rId22"/>
+    <p:sldId id="261" r:id="rId14"/>
+    <p:sldId id="263" r:id="rId15"/>
+    <p:sldId id="275" r:id="rId16"/>
+    <p:sldId id="272" r:id="rId17"/>
+    <p:sldId id="276" r:id="rId18"/>
+    <p:sldId id="274" r:id="rId19"/>
+    <p:sldId id="277" r:id="rId20"/>
+    <p:sldId id="278" r:id="rId21"/>
+    <p:sldId id="280" r:id="rId22"/>
+    <p:sldId id="281" r:id="rId23"/>
+    <p:sldId id="279" r:id="rId24"/>
+    <p:sldId id="282" r:id="rId25"/>
+    <p:sldId id="283" r:id="rId26"/>
   </p:sldIdLst>
   <p:sldSz cx="12192000" cy="6858000"/>
   <p:notesSz cx="6858000" cy="9144000"/>
@@ -263,7 +267,7 @@
           <a:p>
             <a:fld id="{C65B62AB-347D-4921-8B90-41F43B961539}" type="datetimeFigureOut">
               <a:rPr lang="fr-FR" smtClean="0"/>
-              <a:t>23/03/2018</a:t>
+              <a:t>25/03/2018</a:t>
             </a:fld>
             <a:endParaRPr lang="fr-FR"/>
           </a:p>
@@ -433,7 +437,7 @@
           <a:p>
             <a:fld id="{C65B62AB-347D-4921-8B90-41F43B961539}" type="datetimeFigureOut">
               <a:rPr lang="fr-FR" smtClean="0"/>
-              <a:t>23/03/2018</a:t>
+              <a:t>25/03/2018</a:t>
             </a:fld>
             <a:endParaRPr lang="fr-FR"/>
           </a:p>
@@ -613,7 +617,7 @@
           <a:p>
             <a:fld id="{C65B62AB-347D-4921-8B90-41F43B961539}" type="datetimeFigureOut">
               <a:rPr lang="fr-FR" smtClean="0"/>
-              <a:t>23/03/2018</a:t>
+              <a:t>25/03/2018</a:t>
             </a:fld>
             <a:endParaRPr lang="fr-FR"/>
           </a:p>
@@ -783,7 +787,7 @@
           <a:p>
             <a:fld id="{C65B62AB-347D-4921-8B90-41F43B961539}" type="datetimeFigureOut">
               <a:rPr lang="fr-FR" smtClean="0"/>
-              <a:t>23/03/2018</a:t>
+              <a:t>25/03/2018</a:t>
             </a:fld>
             <a:endParaRPr lang="fr-FR"/>
           </a:p>
@@ -1029,7 +1033,7 @@
           <a:p>
             <a:fld id="{C65B62AB-347D-4921-8B90-41F43B961539}" type="datetimeFigureOut">
               <a:rPr lang="fr-FR" smtClean="0"/>
-              <a:t>23/03/2018</a:t>
+              <a:t>25/03/2018</a:t>
             </a:fld>
             <a:endParaRPr lang="fr-FR"/>
           </a:p>
@@ -1261,7 +1265,7 @@
           <a:p>
             <a:fld id="{C65B62AB-347D-4921-8B90-41F43B961539}" type="datetimeFigureOut">
               <a:rPr lang="fr-FR" smtClean="0"/>
-              <a:t>23/03/2018</a:t>
+              <a:t>25/03/2018</a:t>
             </a:fld>
             <a:endParaRPr lang="fr-FR"/>
           </a:p>
@@ -1628,7 +1632,7 @@
           <a:p>
             <a:fld id="{C65B62AB-347D-4921-8B90-41F43B961539}" type="datetimeFigureOut">
               <a:rPr lang="fr-FR" smtClean="0"/>
-              <a:t>23/03/2018</a:t>
+              <a:t>25/03/2018</a:t>
             </a:fld>
             <a:endParaRPr lang="fr-FR"/>
           </a:p>
@@ -1746,7 +1750,7 @@
           <a:p>
             <a:fld id="{C65B62AB-347D-4921-8B90-41F43B961539}" type="datetimeFigureOut">
               <a:rPr lang="fr-FR" smtClean="0"/>
-              <a:t>23/03/2018</a:t>
+              <a:t>25/03/2018</a:t>
             </a:fld>
             <a:endParaRPr lang="fr-FR"/>
           </a:p>
@@ -1841,7 +1845,7 @@
           <a:p>
             <a:fld id="{C65B62AB-347D-4921-8B90-41F43B961539}" type="datetimeFigureOut">
               <a:rPr lang="fr-FR" smtClean="0"/>
-              <a:t>23/03/2018</a:t>
+              <a:t>25/03/2018</a:t>
             </a:fld>
             <a:endParaRPr lang="fr-FR"/>
           </a:p>
@@ -2118,7 +2122,7 @@
           <a:p>
             <a:fld id="{C65B62AB-347D-4921-8B90-41F43B961539}" type="datetimeFigureOut">
               <a:rPr lang="fr-FR" smtClean="0"/>
-              <a:t>23/03/2018</a:t>
+              <a:t>25/03/2018</a:t>
             </a:fld>
             <a:endParaRPr lang="fr-FR"/>
           </a:p>
@@ -2371,7 +2375,7 @@
           <a:p>
             <a:fld id="{C65B62AB-347D-4921-8B90-41F43B961539}" type="datetimeFigureOut">
               <a:rPr lang="fr-FR" smtClean="0"/>
-              <a:t>23/03/2018</a:t>
+              <a:t>25/03/2018</a:t>
             </a:fld>
             <a:endParaRPr lang="fr-FR"/>
           </a:p>
@@ -2584,7 +2588,7 @@
           <a:p>
             <a:fld id="{C65B62AB-347D-4921-8B90-41F43B961539}" type="datetimeFigureOut">
               <a:rPr lang="fr-FR" smtClean="0"/>
-              <a:t>23/03/2018</a:t>
+              <a:t>25/03/2018</a:t>
             </a:fld>
             <a:endParaRPr lang="fr-FR"/>
           </a:p>
@@ -3909,7 +3913,7 @@
         <p:spPr/>
         <p:txBody>
           <a:bodyPr>
-            <a:normAutofit fontScale="85000" lnSpcReduction="20000"/>
+            <a:normAutofit fontScale="85000" lnSpcReduction="10000"/>
           </a:bodyPr>
           <a:lstStyle/>
           <a:p>
@@ -4121,18 +4125,6 @@
                 <a:spcPct val="150000"/>
               </a:lnSpc>
             </a:pPr>
-            <a:r>
-              <a:rPr lang="fr-FR" dirty="0" smtClean="0"/>
-              <a:t> Causal </a:t>
-            </a:r>
-            <a:r>
-              <a:rPr lang="fr-FR" dirty="0" err="1" smtClean="0"/>
-              <a:t>Analysis</a:t>
-            </a:r>
-            <a:r>
-              <a:rPr lang="fr-FR" dirty="0" smtClean="0"/>
-              <a:t>: </a:t>
-            </a:r>
             <a:r>
               <a:rPr lang="fr-FR" dirty="0" err="1" smtClean="0"/>
               <a:t>We</a:t>
@@ -4297,7 +4289,7 @@
       </p:grpSpPr>
       <p:sp>
         <p:nvSpPr>
-          <p:cNvPr id="4" name="Titre 3"/>
+          <p:cNvPr id="2" name="Titre 1"/>
           <p:cNvSpPr>
             <a:spLocks noGrp="1"/>
           </p:cNvSpPr>
@@ -4312,31 +4304,33 @@
           <a:p>
             <a:r>
               <a:rPr lang="fr-FR" dirty="0" err="1" smtClean="0"/>
-              <a:t>Idea</a:t>
-            </a:r>
-            <a:r>
-              <a:rPr lang="fr-FR" dirty="0" smtClean="0"/>
-              <a:t> 1: </a:t>
-            </a:r>
-            <a:r>
-              <a:rPr lang="fr-FR" dirty="0" err="1" smtClean="0"/>
-              <a:t>Analysing</a:t>
-            </a:r>
-            <a:r>
-              <a:rPr lang="fr-FR" dirty="0" smtClean="0"/>
-              <a:t> code &amp; conjectures to </a:t>
-            </a:r>
-            <a:r>
-              <a:rPr lang="fr-FR" dirty="0" err="1" smtClean="0"/>
-              <a:t>filter</a:t>
-            </a:r>
-            <a:r>
-              <a:rPr lang="fr-FR" dirty="0" smtClean="0"/>
-              <a:t> important </a:t>
-            </a:r>
-            <a:r>
-              <a:rPr lang="fr-FR" dirty="0" err="1" smtClean="0"/>
-              <a:t>constraints</a:t>
+              <a:t>Ivy</a:t>
+            </a:r>
+            <a:r>
+              <a:rPr lang="fr-FR" dirty="0" smtClean="0"/>
+              <a:t> </a:t>
+            </a:r>
+            <a:r>
+              <a:rPr lang="fr-FR" dirty="0" err="1" smtClean="0"/>
+              <a:t>counterfactual</a:t>
+            </a:r>
+            <a:r>
+              <a:rPr lang="fr-FR" dirty="0" smtClean="0"/>
+              <a:t> </a:t>
+            </a:r>
+            <a:r>
+              <a:rPr lang="fr-FR" dirty="0" err="1" smtClean="0"/>
+              <a:t>analysis</a:t>
+            </a:r>
+            <a:r>
+              <a:rPr lang="fr-FR" dirty="0"/>
+              <a:t> </a:t>
+            </a:r>
+            <a:r>
+              <a:rPr lang="fr-FR" dirty="0" smtClean="0">
+                <a:sym typeface="Wingdings" panose="05000000000000000000" pitchFamily="2" charset="2"/>
+              </a:rPr>
+              <a:t></a:t>
             </a:r>
             <a:endParaRPr lang="fr-FR" dirty="0"/>
           </a:p>
@@ -4344,33 +4338,822 @@
       </p:sp>
       <p:sp>
         <p:nvSpPr>
-          <p:cNvPr id="5" name="Espace réservé du texte 4"/>
-          <p:cNvSpPr>
-            <a:spLocks noGrp="1"/>
-          </p:cNvSpPr>
-          <p:nvPr>
-            <p:ph type="body" idx="1"/>
-          </p:nvPr>
+          <p:cNvPr id="4" name="ZoneTexte 3"/>
+          <p:cNvSpPr txBox="1"/>
+          <p:nvPr/>
         </p:nvSpPr>
-        <p:spPr/>
+        <p:spPr>
+          <a:xfrm>
+            <a:off x="3266016" y="1532805"/>
+            <a:ext cx="3598333" cy="523220"/>
+          </a:xfrm>
+          <a:prstGeom prst="rect">
+            <a:avLst/>
+          </a:prstGeom>
+          <a:noFill/>
+        </p:spPr>
         <p:txBody>
-          <a:bodyPr/>
+          <a:bodyPr wrap="square" rtlCol="0">
+            <a:spAutoFit/>
+          </a:bodyPr>
           <a:lstStyle/>
           <a:p>
-            <a:endParaRPr lang="fr-FR"/>
+            <a:pPr algn="ctr"/>
+            <a:r>
+              <a:rPr lang="fr-FR" sz="2800" b="1" dirty="0" smtClean="0"/>
+              <a:t>Kappa model </a:t>
+            </a:r>
+            <a:r>
+              <a:rPr lang="fr-FR" sz="2800" b="1" dirty="0" err="1" smtClean="0"/>
+              <a:t>analysis</a:t>
+            </a:r>
+            <a:endParaRPr lang="fr-FR" b="1" dirty="0"/>
           </a:p>
         </p:txBody>
       </p:sp>
+      <p:sp>
+        <p:nvSpPr>
+          <p:cNvPr id="5" name="ZoneTexte 4"/>
+          <p:cNvSpPr txBox="1"/>
+          <p:nvPr/>
+        </p:nvSpPr>
+        <p:spPr>
+          <a:xfrm>
+            <a:off x="7441141" y="1557970"/>
+            <a:ext cx="3674533" cy="523220"/>
+          </a:xfrm>
+          <a:prstGeom prst="rect">
+            <a:avLst/>
+          </a:prstGeom>
+          <a:noFill/>
+        </p:spPr>
+        <p:txBody>
+          <a:bodyPr wrap="square" rtlCol="0">
+            <a:spAutoFit/>
+          </a:bodyPr>
+          <a:lstStyle/>
+          <a:p>
+            <a:pPr algn="ctr"/>
+            <a:r>
+              <a:rPr lang="fr-FR" sz="2800" b="1" dirty="0" err="1" smtClean="0"/>
+              <a:t>Ivy</a:t>
+            </a:r>
+            <a:r>
+              <a:rPr lang="fr-FR" sz="2800" b="1" dirty="0" smtClean="0"/>
+              <a:t> </a:t>
+            </a:r>
+            <a:r>
+              <a:rPr lang="fr-FR" sz="2800" b="1" dirty="0" err="1" smtClean="0"/>
+              <a:t>protocol</a:t>
+            </a:r>
+            <a:r>
+              <a:rPr lang="fr-FR" sz="2800" b="1" dirty="0" smtClean="0"/>
+              <a:t> </a:t>
+            </a:r>
+            <a:r>
+              <a:rPr lang="fr-FR" sz="2800" b="1" dirty="0" err="1" smtClean="0"/>
+              <a:t>analysis</a:t>
+            </a:r>
+            <a:endParaRPr lang="fr-FR" b="1" dirty="0"/>
+          </a:p>
+        </p:txBody>
+      </p:sp>
+      <p:sp>
+        <p:nvSpPr>
+          <p:cNvPr id="6" name="ZoneTexte 5"/>
+          <p:cNvSpPr txBox="1"/>
+          <p:nvPr/>
+        </p:nvSpPr>
+        <p:spPr>
+          <a:xfrm>
+            <a:off x="675213" y="2269986"/>
+            <a:ext cx="3259667" cy="369332"/>
+          </a:xfrm>
+          <a:prstGeom prst="rect">
+            <a:avLst/>
+          </a:prstGeom>
+          <a:noFill/>
+        </p:spPr>
+        <p:txBody>
+          <a:bodyPr wrap="square" rtlCol="0">
+            <a:spAutoFit/>
+          </a:bodyPr>
+          <a:lstStyle/>
+          <a:p>
+            <a:r>
+              <a:rPr lang="fr-FR" dirty="0" err="1" smtClean="0"/>
+              <a:t>We</a:t>
+            </a:r>
+            <a:r>
+              <a:rPr lang="fr-FR" dirty="0" smtClean="0"/>
+              <a:t> are </a:t>
+            </a:r>
+            <a:r>
+              <a:rPr lang="fr-FR" dirty="0" err="1" smtClean="0"/>
+              <a:t>interested</a:t>
+            </a:r>
+            <a:r>
+              <a:rPr lang="fr-FR" dirty="0" smtClean="0"/>
+              <a:t> in :</a:t>
+            </a:r>
+            <a:endParaRPr lang="fr-FR" dirty="0"/>
+          </a:p>
+        </p:txBody>
+      </p:sp>
+      <p:sp>
+        <p:nvSpPr>
+          <p:cNvPr id="7" name="ZoneTexte 6"/>
+          <p:cNvSpPr txBox="1"/>
+          <p:nvPr/>
+        </p:nvSpPr>
+        <p:spPr>
+          <a:xfrm>
+            <a:off x="675212" y="3574956"/>
+            <a:ext cx="3259667" cy="369332"/>
+          </a:xfrm>
+          <a:prstGeom prst="rect">
+            <a:avLst/>
+          </a:prstGeom>
+          <a:noFill/>
+        </p:spPr>
+        <p:txBody>
+          <a:bodyPr wrap="square" rtlCol="0">
+            <a:spAutoFit/>
+          </a:bodyPr>
+          <a:lstStyle/>
+          <a:p>
+            <a:r>
+              <a:rPr lang="fr-FR" dirty="0" err="1" smtClean="0"/>
+              <a:t>We</a:t>
+            </a:r>
+            <a:r>
+              <a:rPr lang="fr-FR" dirty="0"/>
+              <a:t> </a:t>
+            </a:r>
+            <a:r>
+              <a:rPr lang="fr-FR" dirty="0" err="1" smtClean="0"/>
+              <a:t>compute</a:t>
+            </a:r>
+            <a:r>
+              <a:rPr lang="fr-FR" dirty="0" smtClean="0"/>
+              <a:t> :</a:t>
+            </a:r>
+            <a:endParaRPr lang="fr-FR" dirty="0"/>
+          </a:p>
+        </p:txBody>
+      </p:sp>
+      <p:sp>
+        <p:nvSpPr>
+          <p:cNvPr id="8" name="ZoneTexte 7"/>
+          <p:cNvSpPr txBox="1"/>
+          <p:nvPr/>
+        </p:nvSpPr>
+        <p:spPr>
+          <a:xfrm>
+            <a:off x="675212" y="5041665"/>
+            <a:ext cx="3259667" cy="369332"/>
+          </a:xfrm>
+          <a:prstGeom prst="rect">
+            <a:avLst/>
+          </a:prstGeom>
+          <a:noFill/>
+        </p:spPr>
+        <p:txBody>
+          <a:bodyPr wrap="square" rtlCol="0">
+            <a:spAutoFit/>
+          </a:bodyPr>
+          <a:lstStyle/>
+          <a:p>
+            <a:r>
+              <a:rPr lang="fr-FR" dirty="0" err="1" smtClean="0"/>
+              <a:t>We</a:t>
+            </a:r>
+            <a:r>
+              <a:rPr lang="fr-FR" dirty="0"/>
+              <a:t> </a:t>
+            </a:r>
+            <a:r>
+              <a:rPr lang="fr-FR" dirty="0" err="1" smtClean="0"/>
+              <a:t>want</a:t>
+            </a:r>
+            <a:r>
+              <a:rPr lang="fr-FR" dirty="0" smtClean="0"/>
+              <a:t> to </a:t>
+            </a:r>
+            <a:r>
+              <a:rPr lang="fr-FR" dirty="0" err="1" smtClean="0"/>
+              <a:t>find</a:t>
+            </a:r>
+            <a:r>
+              <a:rPr lang="fr-FR" dirty="0" smtClean="0"/>
+              <a:t> :</a:t>
+            </a:r>
+            <a:endParaRPr lang="fr-FR" dirty="0"/>
+          </a:p>
+        </p:txBody>
+      </p:sp>
+      <p:pic>
+        <p:nvPicPr>
+          <p:cNvPr id="9" name="Image 8"/>
+          <p:cNvPicPr>
+            <a:picLocks noChangeAspect="1"/>
+          </p:cNvPicPr>
+          <p:nvPr/>
+        </p:nvPicPr>
+        <p:blipFill>
+          <a:blip r:embed="rId2"/>
+          <a:stretch>
+            <a:fillRect/>
+          </a:stretch>
+        </p:blipFill>
+        <p:spPr>
+          <a:xfrm>
+            <a:off x="3934880" y="2130669"/>
+            <a:ext cx="1511300" cy="829572"/>
+          </a:xfrm>
+          <a:prstGeom prst="rect">
+            <a:avLst/>
+          </a:prstGeom>
+        </p:spPr>
+      </p:pic>
+      <p:sp>
+        <p:nvSpPr>
+          <p:cNvPr id="10" name="ZoneTexte 9"/>
+          <p:cNvSpPr txBox="1"/>
+          <p:nvPr/>
+        </p:nvSpPr>
+        <p:spPr>
+          <a:xfrm>
+            <a:off x="3604682" y="2889122"/>
+            <a:ext cx="3259667" cy="369332"/>
+          </a:xfrm>
+          <a:prstGeom prst="rect">
+            <a:avLst/>
+          </a:prstGeom>
+          <a:noFill/>
+        </p:spPr>
+        <p:txBody>
+          <a:bodyPr wrap="square" rtlCol="0">
+            <a:spAutoFit/>
+          </a:bodyPr>
+          <a:lstStyle/>
+          <a:p>
+            <a:r>
+              <a:rPr lang="fr-FR" dirty="0" smtClean="0"/>
+              <a:t>The </a:t>
+            </a:r>
+            <a:r>
+              <a:rPr lang="fr-FR" dirty="0" err="1" smtClean="0"/>
+              <a:t>creation</a:t>
+            </a:r>
+            <a:r>
+              <a:rPr lang="fr-FR" dirty="0" smtClean="0"/>
+              <a:t> of </a:t>
+            </a:r>
+            <a:r>
+              <a:rPr lang="fr-FR" dirty="0" err="1" smtClean="0"/>
+              <a:t>species</a:t>
+            </a:r>
+            <a:endParaRPr lang="fr-FR" dirty="0" smtClean="0"/>
+          </a:p>
+        </p:txBody>
+      </p:sp>
+      <p:pic>
+        <p:nvPicPr>
+          <p:cNvPr id="11" name="Image 10"/>
+          <p:cNvPicPr>
+            <a:picLocks noChangeAspect="1"/>
+          </p:cNvPicPr>
+          <p:nvPr/>
+        </p:nvPicPr>
+        <p:blipFill rotWithShape="1">
+          <a:blip r:embed="rId3"/>
+          <a:srcRect r="62440" b="82942"/>
+          <a:stretch/>
+        </p:blipFill>
+        <p:spPr>
+          <a:xfrm>
+            <a:off x="8174565" y="2371332"/>
+            <a:ext cx="2633133" cy="172220"/>
+          </a:xfrm>
+          <a:prstGeom prst="rect">
+            <a:avLst/>
+          </a:prstGeom>
+        </p:spPr>
+      </p:pic>
+      <p:sp>
+        <p:nvSpPr>
+          <p:cNvPr id="12" name="ZoneTexte 11"/>
+          <p:cNvSpPr txBox="1"/>
+          <p:nvPr/>
+        </p:nvSpPr>
+        <p:spPr>
+          <a:xfrm>
+            <a:off x="7382933" y="2708629"/>
+            <a:ext cx="4347633" cy="646331"/>
+          </a:xfrm>
+          <a:prstGeom prst="rect">
+            <a:avLst/>
+          </a:prstGeom>
+          <a:noFill/>
+        </p:spPr>
+        <p:txBody>
+          <a:bodyPr wrap="square" rtlCol="0">
+            <a:spAutoFit/>
+          </a:bodyPr>
+          <a:lstStyle/>
+          <a:p>
+            <a:r>
+              <a:rPr lang="fr-FR" dirty="0" smtClean="0"/>
+              <a:t>The value of a formula (conjecture)</a:t>
+            </a:r>
+            <a:br>
+              <a:rPr lang="fr-FR" dirty="0" smtClean="0"/>
+            </a:br>
+            <a:r>
+              <a:rPr lang="fr-FR" dirty="0" err="1" smtClean="0"/>
+              <a:t>after</a:t>
+            </a:r>
+            <a:r>
+              <a:rPr lang="fr-FR" dirty="0" smtClean="0"/>
+              <a:t> one </a:t>
+            </a:r>
+            <a:r>
+              <a:rPr lang="fr-FR" dirty="0" err="1" smtClean="0"/>
+              <a:t>iteration</a:t>
+            </a:r>
+            <a:endParaRPr lang="fr-FR" dirty="0" smtClean="0"/>
+          </a:p>
+        </p:txBody>
+      </p:sp>
+      <p:sp>
+        <p:nvSpPr>
+          <p:cNvPr id="14" name="ZoneTexte 13"/>
+          <p:cNvSpPr txBox="1"/>
+          <p:nvPr/>
+        </p:nvSpPr>
+        <p:spPr>
+          <a:xfrm>
+            <a:off x="3604682" y="3579175"/>
+            <a:ext cx="3458633" cy="1200329"/>
+          </a:xfrm>
+          <a:prstGeom prst="rect">
+            <a:avLst/>
+          </a:prstGeom>
+          <a:noFill/>
+        </p:spPr>
+        <p:txBody>
+          <a:bodyPr wrap="square" rtlCol="0">
+            <a:spAutoFit/>
+          </a:bodyPr>
+          <a:lstStyle/>
+          <a:p>
+            <a:r>
+              <a:rPr lang="fr-FR" dirty="0" err="1" smtClean="0"/>
+              <a:t>Two</a:t>
+            </a:r>
+            <a:r>
+              <a:rPr lang="fr-FR" dirty="0" smtClean="0"/>
+              <a:t> traces </a:t>
+            </a:r>
+            <a:r>
+              <a:rPr lang="fr-FR" dirty="0" err="1" smtClean="0"/>
+              <a:t>that</a:t>
+            </a:r>
+            <a:r>
+              <a:rPr lang="fr-FR" dirty="0" smtClean="0"/>
+              <a:t> are </a:t>
+            </a:r>
+            <a:r>
+              <a:rPr lang="fr-FR" dirty="0" err="1" smtClean="0"/>
+              <a:t>quite</a:t>
+            </a:r>
+            <a:r>
+              <a:rPr lang="fr-FR" dirty="0" smtClean="0"/>
+              <a:t> close,</a:t>
+            </a:r>
+          </a:p>
+          <a:p>
+            <a:r>
+              <a:rPr lang="fr-FR" dirty="0" smtClean="0"/>
+              <a:t>one </a:t>
+            </a:r>
+            <a:r>
+              <a:rPr lang="fr-FR" dirty="0" err="1" smtClean="0"/>
+              <a:t>resulting</a:t>
+            </a:r>
+            <a:r>
+              <a:rPr lang="fr-FR" dirty="0" smtClean="0"/>
+              <a:t> on the </a:t>
+            </a:r>
+            <a:r>
+              <a:rPr lang="fr-FR" dirty="0" err="1" smtClean="0"/>
+              <a:t>creation</a:t>
+            </a:r>
+            <a:r>
+              <a:rPr lang="fr-FR" dirty="0" smtClean="0"/>
+              <a:t> of the </a:t>
+            </a:r>
+            <a:r>
+              <a:rPr lang="fr-FR" dirty="0" err="1" smtClean="0"/>
+              <a:t>specie</a:t>
+            </a:r>
+            <a:r>
+              <a:rPr lang="fr-FR" dirty="0"/>
+              <a:t> </a:t>
+            </a:r>
+            <a:r>
+              <a:rPr lang="fr-FR" dirty="0" smtClean="0"/>
+              <a:t>and the </a:t>
+            </a:r>
+            <a:r>
+              <a:rPr lang="fr-FR" dirty="0" err="1" smtClean="0"/>
+              <a:t>other</a:t>
+            </a:r>
+            <a:r>
+              <a:rPr lang="fr-FR" dirty="0" smtClean="0"/>
+              <a:t> </a:t>
+            </a:r>
+            <a:r>
+              <a:rPr lang="fr-FR" dirty="0" err="1" smtClean="0"/>
+              <a:t>that</a:t>
+            </a:r>
+            <a:r>
+              <a:rPr lang="fr-FR" dirty="0" smtClean="0"/>
+              <a:t> </a:t>
+            </a:r>
+            <a:r>
+              <a:rPr lang="fr-FR" dirty="0" err="1" smtClean="0"/>
+              <a:t>fails</a:t>
+            </a:r>
+            <a:r>
+              <a:rPr lang="fr-FR" dirty="0" smtClean="0"/>
+              <a:t> to </a:t>
+            </a:r>
+            <a:r>
+              <a:rPr lang="fr-FR" dirty="0" err="1" smtClean="0"/>
+              <a:t>create</a:t>
+            </a:r>
+            <a:r>
+              <a:rPr lang="fr-FR" dirty="0" smtClean="0"/>
+              <a:t> </a:t>
+            </a:r>
+            <a:r>
+              <a:rPr lang="fr-FR" dirty="0" err="1" smtClean="0"/>
+              <a:t>this</a:t>
+            </a:r>
+            <a:r>
+              <a:rPr lang="fr-FR" dirty="0" smtClean="0"/>
+              <a:t> </a:t>
+            </a:r>
+            <a:r>
+              <a:rPr lang="fr-FR" dirty="0" err="1" smtClean="0"/>
+              <a:t>specie</a:t>
+            </a:r>
+            <a:endParaRPr lang="fr-FR" dirty="0"/>
+          </a:p>
+        </p:txBody>
+      </p:sp>
+      <p:sp>
+        <p:nvSpPr>
+          <p:cNvPr id="15" name="ZoneTexte 14"/>
+          <p:cNvSpPr txBox="1"/>
+          <p:nvPr/>
+        </p:nvSpPr>
+        <p:spPr>
+          <a:xfrm>
+            <a:off x="7382933" y="3579174"/>
+            <a:ext cx="4555067" cy="1200329"/>
+          </a:xfrm>
+          <a:prstGeom prst="rect">
+            <a:avLst/>
+          </a:prstGeom>
+          <a:noFill/>
+        </p:spPr>
+        <p:txBody>
+          <a:bodyPr wrap="square" rtlCol="0">
+            <a:spAutoFit/>
+          </a:bodyPr>
+          <a:lstStyle/>
+          <a:p>
+            <a:r>
+              <a:rPr lang="fr-FR" dirty="0" err="1" smtClean="0"/>
+              <a:t>Two</a:t>
+            </a:r>
+            <a:r>
+              <a:rPr lang="fr-FR" dirty="0" smtClean="0"/>
+              <a:t> initial states </a:t>
+            </a:r>
+            <a:r>
+              <a:rPr lang="fr-FR" dirty="0" err="1" smtClean="0"/>
+              <a:t>that</a:t>
+            </a:r>
+            <a:r>
+              <a:rPr lang="fr-FR" dirty="0" smtClean="0"/>
+              <a:t> are </a:t>
+            </a:r>
+            <a:r>
+              <a:rPr lang="fr-FR" dirty="0" err="1" smtClean="0"/>
+              <a:t>quite</a:t>
+            </a:r>
+            <a:r>
+              <a:rPr lang="fr-FR" dirty="0" smtClean="0"/>
+              <a:t> close (and </a:t>
+            </a:r>
+            <a:r>
+              <a:rPr lang="fr-FR" dirty="0" err="1" smtClean="0"/>
+              <a:t>thus</a:t>
+            </a:r>
+            <a:r>
+              <a:rPr lang="fr-FR" dirty="0" smtClean="0"/>
+              <a:t> </a:t>
+            </a:r>
+            <a:r>
+              <a:rPr lang="fr-FR" dirty="0" err="1" smtClean="0"/>
+              <a:t>two</a:t>
+            </a:r>
+            <a:r>
+              <a:rPr lang="fr-FR" dirty="0" smtClean="0"/>
+              <a:t> </a:t>
+            </a:r>
+            <a:r>
+              <a:rPr lang="fr-FR" dirty="0" err="1" smtClean="0"/>
+              <a:t>different</a:t>
+            </a:r>
+            <a:r>
+              <a:rPr lang="fr-FR" dirty="0" smtClean="0"/>
+              <a:t> </a:t>
+            </a:r>
+            <a:r>
+              <a:rPr lang="fr-FR" dirty="0" err="1" smtClean="0"/>
+              <a:t>executions</a:t>
+            </a:r>
+            <a:r>
+              <a:rPr lang="fr-FR" dirty="0" smtClean="0"/>
+              <a:t> of the </a:t>
+            </a:r>
+            <a:r>
+              <a:rPr lang="fr-FR" dirty="0" err="1" smtClean="0"/>
+              <a:t>iteration</a:t>
+            </a:r>
+            <a:r>
+              <a:rPr lang="fr-FR" dirty="0" smtClean="0"/>
+              <a:t>),</a:t>
+            </a:r>
+            <a:br>
+              <a:rPr lang="fr-FR" dirty="0" smtClean="0"/>
+            </a:br>
+            <a:r>
+              <a:rPr lang="fr-FR" dirty="0" smtClean="0"/>
+              <a:t>one </a:t>
+            </a:r>
+            <a:r>
+              <a:rPr lang="fr-FR" dirty="0" err="1" smtClean="0"/>
+              <a:t>satisfying</a:t>
+            </a:r>
+            <a:r>
+              <a:rPr lang="fr-FR" dirty="0" smtClean="0"/>
+              <a:t> the formula at the end and the </a:t>
+            </a:r>
+            <a:r>
+              <a:rPr lang="fr-FR" dirty="0" err="1" smtClean="0"/>
+              <a:t>other</a:t>
+            </a:r>
+            <a:r>
+              <a:rPr lang="fr-FR" dirty="0" smtClean="0"/>
+              <a:t> not</a:t>
+            </a:r>
+            <a:endParaRPr lang="fr-FR" dirty="0"/>
+          </a:p>
+        </p:txBody>
+      </p:sp>
+      <p:sp>
+        <p:nvSpPr>
+          <p:cNvPr id="16" name="ZoneTexte 15"/>
+          <p:cNvSpPr txBox="1"/>
+          <p:nvPr/>
+        </p:nvSpPr>
+        <p:spPr>
+          <a:xfrm>
+            <a:off x="3604682" y="5041665"/>
+            <a:ext cx="3259667" cy="646331"/>
+          </a:xfrm>
+          <a:prstGeom prst="rect">
+            <a:avLst/>
+          </a:prstGeom>
+          <a:noFill/>
+        </p:spPr>
+        <p:txBody>
+          <a:bodyPr wrap="square" rtlCol="0">
+            <a:spAutoFit/>
+          </a:bodyPr>
+          <a:lstStyle/>
+          <a:p>
+            <a:r>
+              <a:rPr lang="fr-FR" dirty="0" err="1" smtClean="0"/>
+              <a:t>Some</a:t>
+            </a:r>
+            <a:r>
+              <a:rPr lang="fr-FR" dirty="0" smtClean="0"/>
+              <a:t> </a:t>
+            </a:r>
+            <a:r>
+              <a:rPr lang="fr-FR" dirty="0" err="1" smtClean="0"/>
+              <a:t>events</a:t>
+            </a:r>
+            <a:r>
+              <a:rPr lang="fr-FR" dirty="0" smtClean="0"/>
+              <a:t> </a:t>
+            </a:r>
+            <a:r>
+              <a:rPr lang="fr-FR" dirty="0" err="1" smtClean="0"/>
+              <a:t>that</a:t>
+            </a:r>
+            <a:r>
+              <a:rPr lang="fr-FR" dirty="0" smtClean="0"/>
+              <a:t> are important for the </a:t>
+            </a:r>
+            <a:r>
+              <a:rPr lang="fr-FR" dirty="0" err="1" smtClean="0"/>
+              <a:t>creation</a:t>
+            </a:r>
+            <a:r>
+              <a:rPr lang="fr-FR" dirty="0" smtClean="0"/>
+              <a:t> of the </a:t>
+            </a:r>
+            <a:r>
+              <a:rPr lang="fr-FR" dirty="0" err="1" smtClean="0"/>
+              <a:t>species</a:t>
+            </a:r>
+            <a:endParaRPr lang="fr-FR" dirty="0"/>
+          </a:p>
+        </p:txBody>
+      </p:sp>
+      <p:sp>
+        <p:nvSpPr>
+          <p:cNvPr id="18" name="ZoneTexte 17"/>
+          <p:cNvSpPr txBox="1"/>
+          <p:nvPr/>
+        </p:nvSpPr>
+        <p:spPr>
+          <a:xfrm>
+            <a:off x="7441141" y="5041665"/>
+            <a:ext cx="4289427" cy="923330"/>
+          </a:xfrm>
+          <a:prstGeom prst="rect">
+            <a:avLst/>
+          </a:prstGeom>
+          <a:noFill/>
+        </p:spPr>
+        <p:txBody>
+          <a:bodyPr wrap="square" rtlCol="0">
+            <a:spAutoFit/>
+          </a:bodyPr>
+          <a:lstStyle/>
+          <a:p>
+            <a:r>
+              <a:rPr lang="fr-FR" dirty="0" err="1" smtClean="0"/>
+              <a:t>Some</a:t>
+            </a:r>
+            <a:r>
+              <a:rPr lang="fr-FR" dirty="0" smtClean="0"/>
+              <a:t> </a:t>
+            </a:r>
+            <a:r>
+              <a:rPr lang="fr-FR" dirty="0" err="1" smtClean="0"/>
+              <a:t>constraints</a:t>
+            </a:r>
+            <a:r>
+              <a:rPr lang="fr-FR" dirty="0" smtClean="0"/>
+              <a:t> (=invariants) of the good initial state </a:t>
+            </a:r>
+            <a:r>
+              <a:rPr lang="fr-FR" dirty="0" err="1" smtClean="0"/>
+              <a:t>that</a:t>
+            </a:r>
+            <a:r>
+              <a:rPr lang="fr-FR" dirty="0" smtClean="0"/>
+              <a:t> are important to </a:t>
+            </a:r>
+            <a:r>
+              <a:rPr lang="fr-FR" dirty="0" err="1" smtClean="0"/>
+              <a:t>satisfy</a:t>
+            </a:r>
+            <a:r>
+              <a:rPr lang="fr-FR" dirty="0" smtClean="0"/>
+              <a:t> the formula at the end</a:t>
+            </a:r>
+            <a:endParaRPr lang="fr-FR" dirty="0"/>
+          </a:p>
+        </p:txBody>
+      </p:sp>
+      <p:cxnSp>
+        <p:nvCxnSpPr>
+          <p:cNvPr id="20" name="Connecteur droit 19"/>
+          <p:cNvCxnSpPr/>
+          <p:nvPr/>
+        </p:nvCxnSpPr>
+        <p:spPr>
+          <a:xfrm flipH="1">
+            <a:off x="516467" y="4928793"/>
+            <a:ext cx="11214101" cy="0"/>
+          </a:xfrm>
+          <a:prstGeom prst="line">
+            <a:avLst/>
+          </a:prstGeom>
+        </p:spPr>
+        <p:style>
+          <a:lnRef idx="2">
+            <a:schemeClr val="accent1"/>
+          </a:lnRef>
+          <a:fillRef idx="0">
+            <a:schemeClr val="accent1"/>
+          </a:fillRef>
+          <a:effectRef idx="1">
+            <a:schemeClr val="accent1"/>
+          </a:effectRef>
+          <a:fontRef idx="minor">
+            <a:schemeClr val="tx1"/>
+          </a:fontRef>
+        </p:style>
+      </p:cxnSp>
+      <p:cxnSp>
+        <p:nvCxnSpPr>
+          <p:cNvPr id="21" name="Connecteur droit 20"/>
+          <p:cNvCxnSpPr/>
+          <p:nvPr/>
+        </p:nvCxnSpPr>
+        <p:spPr>
+          <a:xfrm flipH="1">
+            <a:off x="516467" y="3451465"/>
+            <a:ext cx="11214101" cy="0"/>
+          </a:xfrm>
+          <a:prstGeom prst="line">
+            <a:avLst/>
+          </a:prstGeom>
+        </p:spPr>
+        <p:style>
+          <a:lnRef idx="2">
+            <a:schemeClr val="accent1"/>
+          </a:lnRef>
+          <a:fillRef idx="0">
+            <a:schemeClr val="accent1"/>
+          </a:fillRef>
+          <a:effectRef idx="1">
+            <a:schemeClr val="accent1"/>
+          </a:effectRef>
+          <a:fontRef idx="minor">
+            <a:schemeClr val="tx1"/>
+          </a:fontRef>
+        </p:style>
+      </p:cxnSp>
+      <p:cxnSp>
+        <p:nvCxnSpPr>
+          <p:cNvPr id="22" name="Connecteur droit 21"/>
+          <p:cNvCxnSpPr/>
+          <p:nvPr/>
+        </p:nvCxnSpPr>
+        <p:spPr>
+          <a:xfrm flipH="1">
+            <a:off x="516466" y="2155834"/>
+            <a:ext cx="11214101" cy="0"/>
+          </a:xfrm>
+          <a:prstGeom prst="line">
+            <a:avLst/>
+          </a:prstGeom>
+        </p:spPr>
+        <p:style>
+          <a:lnRef idx="2">
+            <a:schemeClr val="accent1"/>
+          </a:lnRef>
+          <a:fillRef idx="0">
+            <a:schemeClr val="accent1"/>
+          </a:fillRef>
+          <a:effectRef idx="1">
+            <a:schemeClr val="accent1"/>
+          </a:effectRef>
+          <a:fontRef idx="minor">
+            <a:schemeClr val="tx1"/>
+          </a:fontRef>
+        </p:style>
+      </p:cxnSp>
     </p:spTree>
     <p:extLst>
       <p:ext uri="{BB962C8B-B14F-4D97-AF65-F5344CB8AC3E}">
-        <p14:creationId xmlns:p14="http://schemas.microsoft.com/office/powerpoint/2010/main" val="3781038772"/>
+        <p14:creationId xmlns:p14="http://schemas.microsoft.com/office/powerpoint/2010/main" val="2585860178"/>
       </p:ext>
     </p:extLst>
   </p:cSld>
   <p:clrMapOvr>
     <a:masterClrMapping/>
   </p:clrMapOvr>
+  <p:timing>
+    <p:tnLst>
+      <p:par>
+        <p:cTn id="1" dur="indefinite" restart="never" nodeType="tmRoot"/>
+      </p:par>
+    </p:tnLst>
+  </p:timing>
 </p:sld>
 </file>
 
@@ -4407,6 +5190,94 @@
           <a:lstStyle/>
           <a:p>
             <a:r>
+              <a:rPr lang="fr-FR" dirty="0" err="1" smtClean="0"/>
+              <a:t>Let’s</a:t>
+            </a:r>
+            <a:r>
+              <a:rPr lang="fr-FR" dirty="0" smtClean="0"/>
+              <a:t> explore </a:t>
+            </a:r>
+            <a:r>
+              <a:rPr lang="fr-FR" dirty="0" err="1" smtClean="0"/>
+              <a:t>these</a:t>
+            </a:r>
+            <a:r>
+              <a:rPr lang="fr-FR" dirty="0" smtClean="0"/>
+              <a:t> </a:t>
+            </a:r>
+            <a:r>
+              <a:rPr lang="fr-FR" dirty="0" err="1" smtClean="0"/>
+              <a:t>ideas</a:t>
+            </a:r>
+            <a:endParaRPr lang="fr-FR" dirty="0"/>
+          </a:p>
+        </p:txBody>
+      </p:sp>
+      <p:sp>
+        <p:nvSpPr>
+          <p:cNvPr id="5" name="Espace réservé du texte 4"/>
+          <p:cNvSpPr>
+            <a:spLocks noGrp="1"/>
+          </p:cNvSpPr>
+          <p:nvPr>
+            <p:ph type="body" idx="1"/>
+          </p:nvPr>
+        </p:nvSpPr>
+        <p:spPr/>
+        <p:txBody>
+          <a:bodyPr/>
+          <a:lstStyle/>
+          <a:p>
+            <a:endParaRPr lang="fr-FR"/>
+          </a:p>
+        </p:txBody>
+      </p:sp>
+    </p:spTree>
+    <p:extLst>
+      <p:ext uri="{BB962C8B-B14F-4D97-AF65-F5344CB8AC3E}">
+        <p14:creationId xmlns:p14="http://schemas.microsoft.com/office/powerpoint/2010/main" val="3781038772"/>
+      </p:ext>
+    </p:extLst>
+  </p:cSld>
+  <p:clrMapOvr>
+    <a:masterClrMapping/>
+  </p:clrMapOvr>
+</p:sld>
+</file>
+
+<file path=ppt/slides/slide15.xml><?xml version="1.0" encoding="utf-8"?>
+<p:sld xmlns:a="http://schemas.openxmlformats.org/drawingml/2006/main" xmlns:r="http://schemas.openxmlformats.org/officeDocument/2006/relationships" xmlns:p="http://schemas.openxmlformats.org/presentationml/2006/main">
+  <p:cSld>
+    <p:spTree>
+      <p:nvGrpSpPr>
+        <p:cNvPr id="1" name=""/>
+        <p:cNvGrpSpPr/>
+        <p:nvPr/>
+      </p:nvGrpSpPr>
+      <p:grpSpPr>
+        <a:xfrm>
+          <a:off x="0" y="0"/>
+          <a:ext cx="0" cy="0"/>
+          <a:chOff x="0" y="0"/>
+          <a:chExt cx="0" cy="0"/>
+        </a:xfrm>
+      </p:grpSpPr>
+      <p:sp>
+        <p:nvSpPr>
+          <p:cNvPr id="4" name="Titre 3"/>
+          <p:cNvSpPr>
+            <a:spLocks noGrp="1"/>
+          </p:cNvSpPr>
+          <p:nvPr>
+            <p:ph type="title"/>
+          </p:nvPr>
+        </p:nvSpPr>
+        <p:spPr/>
+        <p:txBody>
+          <a:bodyPr/>
+          <a:lstStyle/>
+          <a:p>
+            <a:r>
               <a:rPr lang="fr-FR" dirty="0" smtClean="0"/>
               <a:t>Description</a:t>
             </a:r>
@@ -4424,10 +5295,15 @@
             <p:ph idx="1"/>
           </p:nvPr>
         </p:nvSpPr>
-        <p:spPr/>
+        <p:spPr>
+          <a:xfrm>
+            <a:off x="838200" y="1825625"/>
+            <a:ext cx="10587446" cy="4351338"/>
+          </a:xfrm>
+        </p:spPr>
         <p:txBody>
           <a:bodyPr>
-            <a:normAutofit fontScale="55000" lnSpcReduction="20000"/>
+            <a:normAutofit/>
           </a:bodyPr>
           <a:lstStyle/>
           <a:p>
@@ -4437,127 +5313,127 @@
               </a:lnSpc>
             </a:pPr>
             <a:r>
-              <a:rPr lang="fr-FR" dirty="0" smtClean="0"/>
-              <a:t> </a:t>
-            </a:r>
-            <a:r>
-              <a:rPr lang="fr-FR" dirty="0" err="1" smtClean="0"/>
+              <a:rPr lang="fr-FR" sz="1400" dirty="0" smtClean="0"/>
+              <a:t> </a:t>
+            </a:r>
+            <a:r>
+              <a:rPr lang="fr-FR" sz="1400" dirty="0" err="1" smtClean="0"/>
               <a:t>We</a:t>
             </a:r>
             <a:r>
-              <a:rPr lang="fr-FR" dirty="0" smtClean="0"/>
-              <a:t> </a:t>
-            </a:r>
-            <a:r>
-              <a:rPr lang="fr-FR" dirty="0" err="1" smtClean="0"/>
+              <a:rPr lang="fr-FR" sz="1400" dirty="0" smtClean="0"/>
+              <a:t> </a:t>
+            </a:r>
+            <a:r>
+              <a:rPr lang="fr-FR" sz="1400" dirty="0" err="1" smtClean="0"/>
               <a:t>only</a:t>
             </a:r>
             <a:r>
-              <a:rPr lang="fr-FR" dirty="0" smtClean="0"/>
-              <a:t> </a:t>
-            </a:r>
-            <a:r>
-              <a:rPr lang="fr-FR" dirty="0" err="1" smtClean="0"/>
+              <a:rPr lang="fr-FR" sz="1400" dirty="0" smtClean="0"/>
+              <a:t> </a:t>
+            </a:r>
+            <a:r>
+              <a:rPr lang="fr-FR" sz="1400" dirty="0" err="1" smtClean="0"/>
               <a:t>keep</a:t>
             </a:r>
             <a:r>
-              <a:rPr lang="fr-FR" dirty="0" smtClean="0"/>
+              <a:rPr lang="fr-FR" sz="1400" dirty="0" smtClean="0"/>
               <a:t> a (minimal) </a:t>
             </a:r>
             <a:r>
-              <a:rPr lang="fr-FR" dirty="0" err="1" smtClean="0"/>
+              <a:rPr lang="fr-FR" sz="1400" dirty="0" err="1" smtClean="0"/>
               <a:t>subset</a:t>
             </a:r>
             <a:r>
-              <a:rPr lang="fr-FR" dirty="0" smtClean="0"/>
+              <a:rPr lang="fr-FR" sz="1400" dirty="0" smtClean="0"/>
               <a:t> of </a:t>
             </a:r>
             <a:r>
-              <a:rPr lang="fr-FR" dirty="0" err="1" smtClean="0"/>
+              <a:rPr lang="fr-FR" sz="1400" dirty="0" err="1" smtClean="0"/>
               <a:t>constraints</a:t>
             </a:r>
             <a:r>
-              <a:rPr lang="fr-FR" dirty="0" smtClean="0"/>
-              <a:t> </a:t>
-            </a:r>
-            <a:r>
-              <a:rPr lang="fr-FR" dirty="0" err="1" smtClean="0"/>
+              <a:rPr lang="fr-FR" sz="1400" dirty="0" smtClean="0"/>
+              <a:t> </a:t>
+            </a:r>
+            <a:r>
+              <a:rPr lang="fr-FR" sz="1400" dirty="0" err="1" smtClean="0"/>
               <a:t>that</a:t>
             </a:r>
             <a:r>
-              <a:rPr lang="fr-FR" dirty="0" smtClean="0"/>
-              <a:t> </a:t>
-            </a:r>
-            <a:r>
-              <a:rPr lang="fr-FR" dirty="0" err="1" smtClean="0"/>
+              <a:rPr lang="fr-FR" sz="1400" dirty="0" smtClean="0"/>
+              <a:t> </a:t>
+            </a:r>
+            <a:r>
+              <a:rPr lang="fr-FR" sz="1400" dirty="0" err="1" smtClean="0"/>
               <a:t>is</a:t>
             </a:r>
             <a:r>
-              <a:rPr lang="fr-FR" dirty="0" smtClean="0"/>
-              <a:t> </a:t>
-            </a:r>
-            <a:r>
-              <a:rPr lang="fr-FR" dirty="0" err="1" smtClean="0"/>
+              <a:rPr lang="fr-FR" sz="1400" dirty="0" smtClean="0"/>
+              <a:t> </a:t>
+            </a:r>
+            <a:r>
+              <a:rPr lang="fr-FR" sz="1400" dirty="0" err="1" smtClean="0"/>
               <a:t>sufficient</a:t>
             </a:r>
             <a:r>
-              <a:rPr lang="fr-FR" dirty="0" smtClean="0"/>
+              <a:rPr lang="fr-FR" sz="1400" dirty="0" smtClean="0"/>
               <a:t> to </a:t>
             </a:r>
             <a:r>
-              <a:rPr lang="fr-FR" dirty="0" err="1" smtClean="0"/>
+              <a:rPr lang="fr-FR" sz="1400" dirty="0" err="1" smtClean="0"/>
               <a:t>be</a:t>
             </a:r>
             <a:r>
-              <a:rPr lang="fr-FR" dirty="0" smtClean="0"/>
+              <a:rPr lang="fr-FR" sz="1400" dirty="0" smtClean="0"/>
               <a:t> sure </a:t>
             </a:r>
             <a:r>
-              <a:rPr lang="fr-FR" dirty="0" err="1" smtClean="0"/>
+              <a:rPr lang="fr-FR" sz="1400" dirty="0" err="1" smtClean="0"/>
               <a:t>that</a:t>
             </a:r>
             <a:r>
-              <a:rPr lang="fr-FR" dirty="0" smtClean="0"/>
+              <a:rPr lang="fr-FR" sz="1400" dirty="0" smtClean="0"/>
               <a:t>, </a:t>
             </a:r>
             <a:r>
-              <a:rPr lang="fr-FR" dirty="0" err="1" smtClean="0"/>
+              <a:rPr lang="fr-FR" sz="1400" dirty="0" err="1" smtClean="0"/>
               <a:t>after</a:t>
             </a:r>
             <a:r>
-              <a:rPr lang="fr-FR" dirty="0" smtClean="0"/>
+              <a:rPr lang="fr-FR" sz="1400" dirty="0" smtClean="0"/>
               <a:t> the </a:t>
             </a:r>
             <a:r>
-              <a:rPr lang="fr-FR" dirty="0" err="1" smtClean="0"/>
+              <a:rPr lang="fr-FR" sz="1400" dirty="0" err="1" smtClean="0"/>
               <a:t>execution</a:t>
             </a:r>
             <a:r>
-              <a:rPr lang="fr-FR" dirty="0" smtClean="0"/>
+              <a:rPr lang="fr-FR" sz="1400" dirty="0" smtClean="0"/>
               <a:t>, the </a:t>
             </a:r>
             <a:r>
-              <a:rPr lang="fr-FR" dirty="0" err="1" smtClean="0"/>
+              <a:rPr lang="fr-FR" sz="1400" dirty="0" err="1" smtClean="0"/>
               <a:t>faulty</a:t>
             </a:r>
             <a:r>
-              <a:rPr lang="fr-FR" dirty="0" smtClean="0"/>
+              <a:rPr lang="fr-FR" sz="1400" dirty="0" smtClean="0"/>
               <a:t> conjecture </a:t>
             </a:r>
             <a:r>
-              <a:rPr lang="fr-FR" dirty="0" err="1" smtClean="0"/>
+              <a:rPr lang="fr-FR" sz="1400" dirty="0" err="1" smtClean="0"/>
               <a:t>is</a:t>
             </a:r>
             <a:r>
-              <a:rPr lang="fr-FR" dirty="0" smtClean="0"/>
-              <a:t> </a:t>
-            </a:r>
-            <a:r>
-              <a:rPr lang="fr-FR" dirty="0" err="1" smtClean="0"/>
+              <a:rPr lang="fr-FR" sz="1400" dirty="0" smtClean="0"/>
+              <a:t> </a:t>
+            </a:r>
+            <a:r>
+              <a:rPr lang="fr-FR" sz="1400" dirty="0" err="1" smtClean="0"/>
               <a:t>broken</a:t>
             </a:r>
             <a:r>
-              <a:rPr lang="fr-FR" dirty="0" smtClean="0"/>
+              <a:rPr lang="fr-FR" sz="1400" dirty="0" smtClean="0"/>
               <a:t>.</a:t>
             </a:r>
           </a:p>
@@ -4567,7 +5443,7 @@
                 <a:spcPct val="150000"/>
               </a:lnSpc>
             </a:pPr>
-            <a:endParaRPr lang="fr-FR" dirty="0" smtClean="0"/>
+            <a:endParaRPr lang="fr-FR" sz="1400" dirty="0" smtClean="0"/>
           </a:p>
           <a:p>
             <a:pPr>
@@ -4576,170 +5452,181 @@
               </a:lnSpc>
             </a:pPr>
             <a:r>
-              <a:rPr lang="fr-FR" dirty="0"/>
-              <a:t> </a:t>
-            </a:r>
-            <a:r>
-              <a:rPr lang="fr-FR" dirty="0" err="1" smtClean="0"/>
+              <a:rPr lang="fr-FR" sz="1400" dirty="0"/>
+              <a:t> </a:t>
+            </a:r>
+            <a:r>
+              <a:rPr lang="fr-FR" sz="1400" dirty="0" err="1" smtClean="0"/>
               <a:t>We</a:t>
             </a:r>
             <a:r>
-              <a:rPr lang="fr-FR" dirty="0" smtClean="0"/>
-              <a:t> </a:t>
-            </a:r>
-            <a:r>
-              <a:rPr lang="fr-FR" dirty="0" err="1" smtClean="0"/>
+              <a:rPr lang="fr-FR" sz="1400" dirty="0" smtClean="0"/>
+              <a:t> </a:t>
+            </a:r>
+            <a:r>
+              <a:rPr lang="fr-FR" sz="1400" dirty="0" err="1" smtClean="0"/>
               <a:t>start</a:t>
             </a:r>
             <a:r>
-              <a:rPr lang="fr-FR" dirty="0" smtClean="0"/>
-              <a:t> </a:t>
-            </a:r>
-            <a:r>
-              <a:rPr lang="fr-FR" dirty="0" err="1" smtClean="0"/>
+              <a:rPr lang="fr-FR" sz="1400" dirty="0" smtClean="0"/>
+              <a:t> </a:t>
+            </a:r>
+            <a:r>
+              <a:rPr lang="fr-FR" sz="1400" dirty="0" err="1" smtClean="0"/>
               <a:t>with</a:t>
             </a:r>
             <a:r>
-              <a:rPr lang="fr-FR" dirty="0" smtClean="0"/>
+              <a:rPr lang="fr-FR" sz="1400" dirty="0" smtClean="0"/>
               <a:t> the post-</a:t>
             </a:r>
             <a:r>
-              <a:rPr lang="fr-FR" dirty="0" err="1" smtClean="0"/>
+              <a:rPr lang="fr-FR" sz="1400" dirty="0" err="1" smtClean="0"/>
               <a:t>execution</a:t>
             </a:r>
             <a:r>
-              <a:rPr lang="fr-FR" dirty="0" smtClean="0"/>
+              <a:rPr lang="fr-FR" sz="1400" dirty="0" smtClean="0"/>
               <a:t> state and </a:t>
             </a:r>
             <a:r>
-              <a:rPr lang="fr-FR" dirty="0" err="1" smtClean="0"/>
+              <a:rPr lang="fr-FR" sz="1400" dirty="0" err="1" smtClean="0"/>
               <a:t>highlight</a:t>
             </a:r>
             <a:r>
-              <a:rPr lang="fr-FR" dirty="0" smtClean="0"/>
+              <a:rPr lang="fr-FR" sz="1400" dirty="0" smtClean="0"/>
               <a:t> important </a:t>
             </a:r>
             <a:r>
-              <a:rPr lang="fr-FR" dirty="0" err="1" smtClean="0"/>
+              <a:rPr lang="fr-FR" sz="1400" dirty="0" err="1" smtClean="0"/>
               <a:t>constraints</a:t>
             </a:r>
             <a:r>
-              <a:rPr lang="fr-FR" dirty="0" smtClean="0"/>
-              <a:t> </a:t>
-            </a:r>
-            <a:r>
-              <a:rPr lang="fr-FR" dirty="0" err="1" smtClean="0"/>
+              <a:rPr lang="fr-FR" sz="1400" dirty="0" smtClean="0"/>
+              <a:t> </a:t>
+            </a:r>
+            <a:r>
+              <a:rPr lang="fr-FR" sz="1400" dirty="0" err="1" smtClean="0"/>
               <a:t>that</a:t>
             </a:r>
             <a:r>
-              <a:rPr lang="fr-FR" dirty="0" smtClean="0"/>
-              <a:t> </a:t>
-            </a:r>
-            <a:r>
-              <a:rPr lang="fr-FR" dirty="0" err="1" smtClean="0"/>
+              <a:rPr lang="fr-FR" sz="1400" dirty="0" smtClean="0"/>
+              <a:t> </a:t>
+            </a:r>
+            <a:r>
+              <a:rPr lang="fr-FR" sz="1400" dirty="0" err="1" smtClean="0"/>
               <a:t>allow</a:t>
             </a:r>
             <a:r>
-              <a:rPr lang="fr-FR" dirty="0" smtClean="0"/>
+              <a:rPr lang="fr-FR" sz="1400" dirty="0" smtClean="0"/>
               <a:t> us to </a:t>
             </a:r>
             <a:r>
-              <a:rPr lang="fr-FR" dirty="0" err="1" smtClean="0"/>
+              <a:rPr lang="fr-FR" sz="1400" dirty="0" err="1" smtClean="0"/>
               <a:t>determine</a:t>
             </a:r>
             <a:r>
-              <a:rPr lang="fr-FR" dirty="0" smtClean="0"/>
-              <a:t> </a:t>
-            </a:r>
-            <a:r>
-              <a:rPr lang="fr-FR" dirty="0" err="1" smtClean="0"/>
+              <a:rPr lang="fr-FR" sz="1400" dirty="0" smtClean="0"/>
+              <a:t> </a:t>
+            </a:r>
+            <a:r>
+              <a:rPr lang="fr-FR" sz="1400" dirty="0" err="1" smtClean="0"/>
               <a:t>that</a:t>
             </a:r>
             <a:r>
-              <a:rPr lang="fr-FR" dirty="0" smtClean="0"/>
+              <a:rPr lang="fr-FR" sz="1400" dirty="0" smtClean="0"/>
               <a:t> the conjecture </a:t>
             </a:r>
             <a:r>
-              <a:rPr lang="fr-FR" dirty="0" err="1" smtClean="0"/>
+              <a:rPr lang="fr-FR" sz="1400" dirty="0" err="1" smtClean="0"/>
               <a:t>is</a:t>
             </a:r>
             <a:r>
-              <a:rPr lang="fr-FR" dirty="0" smtClean="0"/>
+              <a:rPr lang="fr-FR" sz="1400" dirty="0" smtClean="0"/>
               <a:t> not </a:t>
             </a:r>
             <a:r>
-              <a:rPr lang="fr-FR" dirty="0" err="1" smtClean="0"/>
+              <a:rPr lang="fr-FR" sz="1400" dirty="0" err="1" smtClean="0"/>
               <a:t>satisfied</a:t>
             </a:r>
             <a:r>
-              <a:rPr lang="fr-FR" dirty="0" smtClean="0"/>
+              <a:rPr lang="fr-FR" sz="1400" dirty="0" smtClean="0"/>
               <a:t>. </a:t>
             </a:r>
             <a:r>
-              <a:rPr lang="fr-FR" dirty="0" err="1" smtClean="0"/>
+              <a:rPr lang="fr-FR" sz="1400" dirty="0" err="1" smtClean="0"/>
               <a:t>We</a:t>
             </a:r>
             <a:r>
-              <a:rPr lang="fr-FR" dirty="0" smtClean="0"/>
-              <a:t> </a:t>
-            </a:r>
-            <a:r>
-              <a:rPr lang="fr-FR" dirty="0" err="1" smtClean="0"/>
+              <a:rPr lang="fr-FR" sz="1400" dirty="0" smtClean="0"/>
+              <a:t> </a:t>
+            </a:r>
+            <a:r>
+              <a:rPr lang="fr-FR" sz="1400" dirty="0" err="1" smtClean="0"/>
               <a:t>only</a:t>
             </a:r>
             <a:r>
-              <a:rPr lang="fr-FR" dirty="0" smtClean="0"/>
-              <a:t> </a:t>
-            </a:r>
-            <a:r>
-              <a:rPr lang="fr-FR" dirty="0" err="1" smtClean="0"/>
+              <a:rPr lang="fr-FR" sz="1400" dirty="0" smtClean="0"/>
+              <a:t> </a:t>
+            </a:r>
+            <a:r>
+              <a:rPr lang="fr-FR" sz="1400" dirty="0" err="1" smtClean="0"/>
               <a:t>consider</a:t>
             </a:r>
             <a:r>
-              <a:rPr lang="fr-FR" dirty="0" smtClean="0"/>
-              <a:t> </a:t>
-            </a:r>
-            <a:r>
-              <a:rPr lang="fr-FR" dirty="0" err="1" smtClean="0"/>
+              <a:rPr lang="fr-FR" sz="1400" dirty="0" smtClean="0"/>
+              <a:t> </a:t>
+            </a:r>
+            <a:r>
+              <a:rPr lang="fr-FR" sz="1400" dirty="0" err="1" smtClean="0"/>
               <a:t>constraints</a:t>
             </a:r>
             <a:r>
-              <a:rPr lang="fr-FR" dirty="0" smtClean="0"/>
-              <a:t> </a:t>
-            </a:r>
-            <a:r>
-              <a:rPr lang="fr-FR" dirty="0" err="1" smtClean="0"/>
+              <a:rPr lang="fr-FR" sz="1400" dirty="0" smtClean="0"/>
+              <a:t> </a:t>
+            </a:r>
+            <a:r>
+              <a:rPr lang="fr-FR" sz="1400" dirty="0" err="1" smtClean="0"/>
               <a:t>that</a:t>
             </a:r>
             <a:r>
-              <a:rPr lang="fr-FR" dirty="0" smtClean="0"/>
-              <a:t> correspond to: relation=</a:t>
-            </a:r>
-            <a:r>
-              <a:rPr lang="fr-FR" dirty="0" err="1" smtClean="0"/>
+              <a:rPr lang="fr-FR" sz="1400" dirty="0" smtClean="0"/>
+              <a:t> correspond to: </a:t>
+            </a:r>
+            <a:r>
+              <a:rPr lang="fr-FR" sz="1400" dirty="0" smtClean="0"/>
+              <a:t>variable=value, relation(values)=</a:t>
+            </a:r>
+            <a:r>
+              <a:rPr lang="fr-FR" sz="1400" dirty="0" err="1" smtClean="0"/>
               <a:t>true</a:t>
             </a:r>
             <a:r>
-              <a:rPr lang="fr-FR" dirty="0" smtClean="0"/>
-              <a:t>, relation=false, </a:t>
-            </a:r>
-            <a:r>
-              <a:rPr lang="fr-FR" dirty="0" err="1" smtClean="0"/>
+              <a:rPr lang="fr-FR" sz="1400" dirty="0" smtClean="0"/>
+              <a:t>/false</a:t>
+            </a:r>
+            <a:r>
+              <a:rPr lang="fr-FR" sz="1400" dirty="0" smtClean="0"/>
+              <a:t>, </a:t>
+            </a:r>
+            <a:r>
+              <a:rPr lang="fr-FR" sz="1400" dirty="0" err="1" smtClean="0"/>
               <a:t>function</a:t>
             </a:r>
             <a:r>
-              <a:rPr lang="fr-FR" dirty="0" smtClean="0"/>
-              <a:t>=X, structural (in)</a:t>
-            </a:r>
-            <a:r>
-              <a:rPr lang="fr-FR" dirty="0" err="1" smtClean="0"/>
+              <a:rPr lang="fr-FR" sz="1400" dirty="0" smtClean="0"/>
+              <a:t>(values)=value, </a:t>
+            </a:r>
+            <a:r>
+              <a:rPr lang="fr-FR" sz="1400" dirty="0" smtClean="0"/>
+              <a:t>structural (in)</a:t>
+            </a:r>
+            <a:r>
+              <a:rPr lang="fr-FR" sz="1400" dirty="0" err="1" smtClean="0"/>
               <a:t>equalities</a:t>
             </a:r>
             <a:r>
-              <a:rPr lang="fr-FR" smtClean="0"/>
+              <a:rPr lang="fr-FR" sz="1400" dirty="0" smtClean="0"/>
               <a:t>.</a:t>
             </a:r>
-            <a:endParaRPr lang="fr-FR" dirty="0" smtClean="0"/>
           </a:p>
           <a:p>
             <a:pPr>
@@ -4747,7 +5634,7 @@
                 <a:spcPct val="150000"/>
               </a:lnSpc>
             </a:pPr>
-            <a:endParaRPr lang="fr-FR" dirty="0" smtClean="0"/>
+            <a:endParaRPr lang="fr-FR" sz="1400" dirty="0" smtClean="0"/>
           </a:p>
           <a:p>
             <a:pPr>
@@ -4756,115 +5643,115 @@
               </a:lnSpc>
             </a:pPr>
             <a:r>
-              <a:rPr lang="fr-FR" dirty="0"/>
-              <a:t> </a:t>
-            </a:r>
-            <a:r>
-              <a:rPr lang="fr-FR" dirty="0" smtClean="0"/>
-              <a:t> </a:t>
-            </a:r>
-            <a:r>
-              <a:rPr lang="fr-FR" dirty="0" err="1" smtClean="0"/>
+              <a:rPr lang="fr-FR" sz="1400" dirty="0"/>
+              <a:t> </a:t>
+            </a:r>
+            <a:r>
+              <a:rPr lang="fr-FR" sz="1400" dirty="0" smtClean="0"/>
+              <a:t> </a:t>
+            </a:r>
+            <a:r>
+              <a:rPr lang="fr-FR" sz="1400" dirty="0" err="1" smtClean="0"/>
               <a:t>We</a:t>
             </a:r>
             <a:r>
-              <a:rPr lang="fr-FR" dirty="0" smtClean="0"/>
-              <a:t> </a:t>
-            </a:r>
-            <a:r>
-              <a:rPr lang="fr-FR" dirty="0" err="1" smtClean="0"/>
+              <a:rPr lang="fr-FR" sz="1400" dirty="0" smtClean="0"/>
+              <a:t> </a:t>
+            </a:r>
+            <a:r>
+              <a:rPr lang="fr-FR" sz="1400" dirty="0" err="1" smtClean="0"/>
               <a:t>rewind</a:t>
             </a:r>
             <a:r>
-              <a:rPr lang="fr-FR" dirty="0" smtClean="0"/>
+              <a:rPr lang="fr-FR" sz="1400" dirty="0" smtClean="0"/>
               <a:t> the </a:t>
             </a:r>
             <a:r>
-              <a:rPr lang="fr-FR" dirty="0" err="1" smtClean="0"/>
+              <a:rPr lang="fr-FR" sz="1400" dirty="0" err="1" smtClean="0"/>
               <a:t>execution</a:t>
             </a:r>
             <a:r>
-              <a:rPr lang="fr-FR" dirty="0" smtClean="0"/>
+              <a:rPr lang="fr-FR" sz="1400" dirty="0" smtClean="0"/>
               <a:t>. At </a:t>
             </a:r>
             <a:r>
-              <a:rPr lang="fr-FR" dirty="0" err="1" smtClean="0"/>
+              <a:rPr lang="fr-FR" sz="1400" dirty="0" err="1" smtClean="0"/>
               <a:t>each</a:t>
             </a:r>
             <a:r>
-              <a:rPr lang="fr-FR" dirty="0" smtClean="0"/>
-              <a:t> </a:t>
-            </a:r>
-            <a:r>
-              <a:rPr lang="fr-FR" dirty="0" err="1" smtClean="0"/>
+              <a:rPr lang="fr-FR" sz="1400" dirty="0" smtClean="0"/>
+              <a:t> </a:t>
+            </a:r>
+            <a:r>
+              <a:rPr lang="fr-FR" sz="1400" dirty="0" err="1" smtClean="0"/>
               <a:t>step</a:t>
             </a:r>
             <a:r>
-              <a:rPr lang="fr-FR" dirty="0" smtClean="0"/>
-              <a:t> </a:t>
-            </a:r>
-            <a:r>
-              <a:rPr lang="fr-FR" dirty="0" err="1" smtClean="0"/>
+              <a:rPr lang="fr-FR" sz="1400" dirty="0" smtClean="0"/>
+              <a:t> </a:t>
+            </a:r>
+            <a:r>
+              <a:rPr lang="fr-FR" sz="1400" dirty="0" err="1" smtClean="0"/>
               <a:t>we</a:t>
             </a:r>
             <a:r>
-              <a:rPr lang="fr-FR" dirty="0" smtClean="0"/>
+              <a:rPr lang="fr-FR" sz="1400" dirty="0" smtClean="0"/>
               <a:t> update the </a:t>
             </a:r>
             <a:r>
-              <a:rPr lang="fr-FR" dirty="0" err="1" smtClean="0"/>
+              <a:rPr lang="fr-FR" sz="1400" dirty="0" err="1" smtClean="0"/>
               <a:t>list</a:t>
             </a:r>
             <a:r>
-              <a:rPr lang="fr-FR" dirty="0" smtClean="0"/>
+              <a:rPr lang="fr-FR" sz="1400" dirty="0" smtClean="0"/>
               <a:t> of </a:t>
             </a:r>
             <a:r>
-              <a:rPr lang="fr-FR" dirty="0" err="1" smtClean="0"/>
+              <a:rPr lang="fr-FR" sz="1400" dirty="0" err="1" smtClean="0"/>
               <a:t>constraints</a:t>
             </a:r>
             <a:r>
-              <a:rPr lang="fr-FR" dirty="0" smtClean="0"/>
+              <a:rPr lang="fr-FR" sz="1400" dirty="0" smtClean="0"/>
               <a:t> and </a:t>
             </a:r>
             <a:r>
-              <a:rPr lang="fr-FR" dirty="0" err="1" smtClean="0"/>
+              <a:rPr lang="fr-FR" sz="1400" dirty="0" err="1" smtClean="0"/>
               <a:t>we</a:t>
             </a:r>
             <a:r>
-              <a:rPr lang="fr-FR" dirty="0" smtClean="0"/>
-              <a:t> </a:t>
-            </a:r>
-            <a:r>
-              <a:rPr lang="fr-FR" dirty="0" err="1" smtClean="0"/>
+              <a:rPr lang="fr-FR" sz="1400" dirty="0" smtClean="0"/>
+              <a:t> </a:t>
+            </a:r>
+            <a:r>
+              <a:rPr lang="fr-FR" sz="1400" dirty="0" err="1" smtClean="0"/>
               <a:t>hightlight</a:t>
             </a:r>
             <a:r>
-              <a:rPr lang="fr-FR" dirty="0" smtClean="0"/>
-              <a:t> </a:t>
-            </a:r>
-            <a:r>
-              <a:rPr lang="fr-FR" dirty="0" err="1" smtClean="0"/>
+              <a:rPr lang="fr-FR" sz="1400" dirty="0" smtClean="0"/>
+              <a:t> </a:t>
+            </a:r>
+            <a:r>
+              <a:rPr lang="fr-FR" sz="1400" dirty="0" err="1" smtClean="0"/>
               <a:t>some</a:t>
             </a:r>
             <a:r>
-              <a:rPr lang="fr-FR" dirty="0" smtClean="0"/>
+              <a:rPr lang="fr-FR" sz="1400" dirty="0" smtClean="0"/>
               <a:t> new </a:t>
             </a:r>
             <a:r>
-              <a:rPr lang="fr-FR" dirty="0" err="1" smtClean="0"/>
+              <a:rPr lang="fr-FR" sz="1400" dirty="0" err="1" smtClean="0"/>
               <a:t>constraints</a:t>
             </a:r>
             <a:r>
-              <a:rPr lang="fr-FR" dirty="0" smtClean="0"/>
+              <a:rPr lang="fr-FR" sz="1400" dirty="0" smtClean="0"/>
               <a:t> if </a:t>
             </a:r>
             <a:r>
-              <a:rPr lang="fr-FR" dirty="0" err="1" smtClean="0"/>
+              <a:rPr lang="fr-FR" sz="1400" dirty="0" err="1" smtClean="0"/>
               <a:t>needed</a:t>
             </a:r>
             <a:r>
-              <a:rPr lang="fr-FR" dirty="0" smtClean="0"/>
+              <a:rPr lang="fr-FR" sz="1400" dirty="0" smtClean="0"/>
               <a:t>.</a:t>
             </a:r>
           </a:p>
@@ -4874,7 +5761,7 @@
                 <a:spcPct val="150000"/>
               </a:lnSpc>
             </a:pPr>
-            <a:endParaRPr lang="fr-FR" dirty="0"/>
+            <a:endParaRPr lang="fr-FR" sz="1400" dirty="0"/>
           </a:p>
           <a:p>
             <a:pPr>
@@ -4883,170 +5770,222 @@
               </a:lnSpc>
             </a:pPr>
             <a:r>
-              <a:rPr lang="fr-FR" dirty="0" smtClean="0"/>
+              <a:rPr lang="fr-FR" sz="1400" dirty="0" smtClean="0"/>
               <a:t> If, at </a:t>
             </a:r>
             <a:r>
-              <a:rPr lang="fr-FR" dirty="0" err="1" smtClean="0"/>
+              <a:rPr lang="fr-FR" sz="1400" dirty="0" err="1" smtClean="0"/>
               <a:t>some</a:t>
             </a:r>
             <a:r>
-              <a:rPr lang="fr-FR" dirty="0" smtClean="0"/>
+              <a:rPr lang="fr-FR" sz="1400" dirty="0" smtClean="0"/>
               <a:t> point </a:t>
             </a:r>
             <a:r>
-              <a:rPr lang="fr-FR" dirty="0" err="1" smtClean="0"/>
+              <a:rPr lang="fr-FR" sz="1400" dirty="0" err="1" smtClean="0"/>
               <a:t>during</a:t>
             </a:r>
             <a:r>
-              <a:rPr lang="fr-FR" dirty="0" smtClean="0"/>
+              <a:rPr lang="fr-FR" sz="1400" dirty="0" smtClean="0"/>
               <a:t> the </a:t>
             </a:r>
             <a:r>
-              <a:rPr lang="fr-FR" dirty="0" err="1" smtClean="0"/>
+              <a:rPr lang="fr-FR" sz="1400" dirty="0" err="1" smtClean="0"/>
               <a:t>rewind</a:t>
             </a:r>
             <a:r>
-              <a:rPr lang="fr-FR" dirty="0" smtClean="0"/>
+              <a:rPr lang="fr-FR" sz="1400" dirty="0" smtClean="0"/>
               <a:t>, </a:t>
             </a:r>
             <a:r>
-              <a:rPr lang="fr-FR" dirty="0" err="1" smtClean="0"/>
+              <a:rPr lang="fr-FR" sz="1400" dirty="0" err="1" smtClean="0"/>
               <a:t>we</a:t>
             </a:r>
             <a:r>
-              <a:rPr lang="fr-FR" dirty="0" smtClean="0"/>
+              <a:rPr lang="fr-FR" sz="1400" dirty="0" smtClean="0"/>
               <a:t> have to express a </a:t>
             </a:r>
             <a:r>
-              <a:rPr lang="fr-FR" dirty="0" err="1" smtClean="0"/>
+              <a:rPr lang="fr-FR" sz="1400" dirty="0" err="1" smtClean="0"/>
               <a:t>non-existance</a:t>
             </a:r>
             <a:r>
-              <a:rPr lang="fr-FR" dirty="0" smtClean="0"/>
+              <a:rPr lang="fr-FR" sz="1400" dirty="0" smtClean="0"/>
               <a:t> (</a:t>
             </a:r>
             <a:r>
-              <a:rPr lang="fr-FR" dirty="0" err="1" smtClean="0"/>
+              <a:rPr lang="fr-FR" sz="1400" dirty="0" err="1" smtClean="0"/>
               <a:t>that</a:t>
             </a:r>
             <a:r>
-              <a:rPr lang="fr-FR" dirty="0" smtClean="0"/>
-              <a:t> </a:t>
-            </a:r>
-            <a:r>
-              <a:rPr lang="fr-FR" dirty="0" err="1" smtClean="0"/>
+              <a:rPr lang="fr-FR" sz="1400" dirty="0" smtClean="0"/>
+              <a:t> </a:t>
+            </a:r>
+            <a:r>
+              <a:rPr lang="fr-FR" sz="1400" dirty="0" err="1" smtClean="0"/>
               <a:t>would</a:t>
             </a:r>
             <a:r>
-              <a:rPr lang="fr-FR" dirty="0" smtClean="0"/>
-              <a:t> </a:t>
-            </a:r>
-            <a:r>
-              <a:rPr lang="fr-FR" dirty="0" err="1" smtClean="0"/>
+              <a:rPr lang="fr-FR" sz="1400" dirty="0" smtClean="0"/>
+              <a:t> </a:t>
+            </a:r>
+            <a:r>
+              <a:rPr lang="fr-FR" sz="1400" dirty="0" err="1" smtClean="0"/>
               <a:t>require</a:t>
             </a:r>
             <a:r>
-              <a:rPr lang="fr-FR" dirty="0" smtClean="0"/>
+              <a:rPr lang="fr-FR" sz="1400" dirty="0" smtClean="0"/>
               <a:t> a </a:t>
             </a:r>
             <a:r>
-              <a:rPr lang="fr-FR" dirty="0" err="1" smtClean="0"/>
+              <a:rPr lang="fr-FR" sz="1400" dirty="0" err="1" smtClean="0"/>
               <a:t>number</a:t>
             </a:r>
             <a:r>
-              <a:rPr lang="fr-FR" dirty="0" smtClean="0"/>
+              <a:rPr lang="fr-FR" sz="1400" dirty="0" smtClean="0"/>
               <a:t> of </a:t>
             </a:r>
             <a:r>
-              <a:rPr lang="fr-FR" dirty="0" err="1" smtClean="0"/>
+              <a:rPr lang="fr-FR" sz="1400" dirty="0" err="1" smtClean="0"/>
               <a:t>constraints</a:t>
             </a:r>
             <a:r>
-              <a:rPr lang="fr-FR" dirty="0" smtClean="0"/>
-              <a:t> </a:t>
-            </a:r>
-            <a:r>
-              <a:rPr lang="fr-FR" dirty="0" err="1" smtClean="0"/>
+              <a:rPr lang="fr-FR" sz="1400" dirty="0" smtClean="0"/>
+              <a:t> </a:t>
+            </a:r>
+            <a:r>
+              <a:rPr lang="fr-FR" sz="1400" dirty="0" err="1" smtClean="0"/>
               <a:t>that</a:t>
             </a:r>
             <a:r>
-              <a:rPr lang="fr-FR" dirty="0" smtClean="0"/>
-              <a:t> </a:t>
-            </a:r>
-            <a:r>
-              <a:rPr lang="fr-FR" dirty="0" err="1" smtClean="0"/>
+              <a:rPr lang="fr-FR" sz="1400" dirty="0" smtClean="0"/>
+              <a:t> </a:t>
+            </a:r>
+            <a:r>
+              <a:rPr lang="fr-FR" sz="1400" dirty="0" err="1" smtClean="0"/>
               <a:t>depends</a:t>
             </a:r>
             <a:r>
-              <a:rPr lang="fr-FR" dirty="0" smtClean="0"/>
+              <a:rPr lang="fr-FR" sz="1400" dirty="0" smtClean="0"/>
               <a:t> on the structure), the user </a:t>
             </a:r>
             <a:r>
-              <a:rPr lang="fr-FR" dirty="0" err="1" smtClean="0"/>
+              <a:rPr lang="fr-FR" sz="1400" dirty="0" err="1" smtClean="0"/>
               <a:t>should</a:t>
             </a:r>
             <a:r>
-              <a:rPr lang="fr-FR" dirty="0" smtClean="0"/>
-              <a:t> </a:t>
-            </a:r>
-            <a:r>
-              <a:rPr lang="fr-FR" dirty="0" err="1" smtClean="0"/>
+              <a:rPr lang="fr-FR" sz="1400" dirty="0" smtClean="0"/>
+              <a:t> </a:t>
+            </a:r>
+            <a:r>
+              <a:rPr lang="fr-FR" sz="1400" dirty="0" err="1" smtClean="0"/>
               <a:t>be</a:t>
             </a:r>
             <a:r>
-              <a:rPr lang="fr-FR" dirty="0" smtClean="0"/>
-              <a:t> </a:t>
-            </a:r>
-            <a:r>
-              <a:rPr lang="fr-FR" dirty="0" err="1" smtClean="0"/>
+              <a:rPr lang="fr-FR" sz="1400" dirty="0" smtClean="0"/>
+              <a:t> </a:t>
+            </a:r>
+            <a:r>
+              <a:rPr lang="fr-FR" sz="1400" dirty="0" err="1" smtClean="0"/>
               <a:t>informed</a:t>
             </a:r>
             <a:r>
-              <a:rPr lang="fr-FR" dirty="0" smtClean="0"/>
+              <a:rPr lang="fr-FR" sz="1400" dirty="0" smtClean="0"/>
               <a:t> (</a:t>
             </a:r>
             <a:r>
-              <a:rPr lang="fr-FR" dirty="0" err="1" smtClean="0"/>
+              <a:rPr lang="fr-FR" sz="1400" dirty="0" err="1" smtClean="0"/>
               <a:t>it</a:t>
             </a:r>
             <a:r>
-              <a:rPr lang="fr-FR" dirty="0" smtClean="0"/>
-              <a:t> </a:t>
-            </a:r>
-            <a:r>
-              <a:rPr lang="fr-FR" dirty="0" err="1" smtClean="0"/>
+              <a:rPr lang="fr-FR" sz="1400" dirty="0" smtClean="0"/>
+              <a:t> </a:t>
+            </a:r>
+            <a:r>
+              <a:rPr lang="fr-FR" sz="1400" dirty="0" err="1" smtClean="0"/>
               <a:t>means</a:t>
             </a:r>
             <a:r>
-              <a:rPr lang="fr-FR" dirty="0" smtClean="0"/>
-              <a:t> </a:t>
-            </a:r>
-            <a:r>
-              <a:rPr lang="fr-FR" dirty="0" err="1" smtClean="0"/>
+              <a:rPr lang="fr-FR" sz="1400" dirty="0" smtClean="0"/>
+              <a:t> </a:t>
+            </a:r>
+            <a:r>
+              <a:rPr lang="fr-FR" sz="1400" dirty="0" err="1" smtClean="0"/>
               <a:t>that</a:t>
             </a:r>
             <a:r>
-              <a:rPr lang="fr-FR" dirty="0" smtClean="0"/>
+              <a:rPr lang="fr-FR" sz="1400" dirty="0" smtClean="0"/>
               <a:t> the new conjecture </a:t>
             </a:r>
             <a:r>
-              <a:rPr lang="fr-FR" dirty="0" err="1" smtClean="0"/>
+              <a:rPr lang="fr-FR" sz="1400" dirty="0" err="1" smtClean="0"/>
               <a:t>would</a:t>
             </a:r>
             <a:r>
-              <a:rPr lang="fr-FR" dirty="0" smtClean="0"/>
-              <a:t> </a:t>
-            </a:r>
-            <a:r>
-              <a:rPr lang="fr-FR" dirty="0" err="1" smtClean="0"/>
+              <a:rPr lang="fr-FR" sz="1400" dirty="0" smtClean="0"/>
+              <a:t> </a:t>
+            </a:r>
+            <a:r>
+              <a:rPr lang="fr-FR" sz="1400" dirty="0" err="1" smtClean="0"/>
               <a:t>need</a:t>
             </a:r>
             <a:r>
-              <a:rPr lang="fr-FR" dirty="0" smtClean="0"/>
-              <a:t> quantifier alternation).</a:t>
-            </a:r>
-            <a:endParaRPr lang="fr-FR" dirty="0"/>
+              <a:rPr lang="fr-FR" sz="1400" dirty="0" smtClean="0"/>
+              <a:t> quantifier alternation</a:t>
+            </a:r>
+            <a:r>
+              <a:rPr lang="fr-FR" sz="1400" dirty="0" smtClean="0"/>
+              <a:t>). The user </a:t>
+            </a:r>
+            <a:r>
+              <a:rPr lang="fr-FR" sz="1400" dirty="0" err="1" smtClean="0"/>
+              <a:t>can</a:t>
+            </a:r>
+            <a:r>
+              <a:rPr lang="fr-FR" sz="1400" dirty="0" smtClean="0"/>
+              <a:t> </a:t>
+            </a:r>
+            <a:r>
+              <a:rPr lang="fr-FR" sz="1400" dirty="0" err="1" smtClean="0"/>
+              <a:t>then</a:t>
+            </a:r>
+            <a:r>
+              <a:rPr lang="fr-FR" sz="1400" dirty="0" smtClean="0"/>
+              <a:t> « </a:t>
+            </a:r>
+            <a:r>
+              <a:rPr lang="fr-FR" sz="1400" dirty="0" err="1" smtClean="0"/>
+              <a:t>fix</a:t>
+            </a:r>
+            <a:r>
+              <a:rPr lang="fr-FR" sz="1400" dirty="0" smtClean="0"/>
+              <a:t> » the </a:t>
+            </a:r>
+            <a:r>
+              <a:rPr lang="fr-FR" sz="1400" dirty="0" err="1" smtClean="0"/>
+              <a:t>counterexample</a:t>
+            </a:r>
+            <a:r>
+              <a:rPr lang="fr-FR" sz="1400" dirty="0" smtClean="0"/>
+              <a:t> in </a:t>
+            </a:r>
+            <a:r>
+              <a:rPr lang="fr-FR" sz="1400" dirty="0" err="1" smtClean="0"/>
+              <a:t>order</a:t>
+            </a:r>
+            <a:r>
+              <a:rPr lang="fr-FR" sz="1400" dirty="0" smtClean="0"/>
+              <a:t> to help </a:t>
+            </a:r>
+            <a:r>
+              <a:rPr lang="fr-FR" sz="1400" dirty="0" err="1" smtClean="0"/>
+              <a:t>Ivy</a:t>
+            </a:r>
+            <a:r>
+              <a:rPr lang="fr-FR" sz="1400" dirty="0" smtClean="0"/>
+              <a:t> to express a conjecture.</a:t>
+            </a:r>
+            <a:endParaRPr lang="fr-FR" sz="1400" dirty="0"/>
           </a:p>
         </p:txBody>
       </p:sp>
@@ -5063,7 +6002,7 @@
 </p:sld>
 </file>
 
-<file path=ppt/slides/slide15.xml><?xml version="1.0" encoding="utf-8"?>
+<file path=ppt/slides/slide16.xml><?xml version="1.0" encoding="utf-8"?>
 <p:sld xmlns:a="http://schemas.openxmlformats.org/drawingml/2006/main" xmlns:r="http://schemas.openxmlformats.org/officeDocument/2006/relationships" xmlns:p="http://schemas.openxmlformats.org/presentationml/2006/main">
   <p:cSld>
     <p:spTree>
@@ -5214,7 +6153,7 @@
 </p:sld>
 </file>
 
-<file path=ppt/slides/slide16.xml><?xml version="1.0" encoding="utf-8"?>
+<file path=ppt/slides/slide17.xml><?xml version="1.0" encoding="utf-8"?>
 <p:sld xmlns:a="http://schemas.openxmlformats.org/drawingml/2006/main" xmlns:r="http://schemas.openxmlformats.org/officeDocument/2006/relationships" xmlns:p="http://schemas.openxmlformats.org/presentationml/2006/main">
   <p:cSld>
     <p:spTree>
@@ -5769,7 +6708,7 @@
 </p:sld>
 </file>
 
-<file path=ppt/slides/slide17.xml><?xml version="1.0" encoding="utf-8"?>
+<file path=ppt/slides/slide18.xml><?xml version="1.0" encoding="utf-8"?>
 <p:sld xmlns:a="http://schemas.openxmlformats.org/drawingml/2006/main" xmlns:r="http://schemas.openxmlformats.org/officeDocument/2006/relationships" xmlns:p="http://schemas.openxmlformats.org/presentationml/2006/main">
   <p:cSld>
     <p:spTree>
@@ -7955,7 +8894,7 @@
 </p:sld>
 </file>
 
-<file path=ppt/slides/slide18.xml><?xml version="1.0" encoding="utf-8"?>
+<file path=ppt/slides/slide19.xml><?xml version="1.0" encoding="utf-8"?>
 <p:sld xmlns:a="http://schemas.openxmlformats.org/drawingml/2006/main" xmlns:r="http://schemas.openxmlformats.org/officeDocument/2006/relationships" xmlns:p="http://schemas.openxmlformats.org/presentationml/2006/main">
   <p:cSld>
     <p:spTree>
@@ -10720,7 +11659,103 @@
 </p:sld>
 </file>
 
-<file path=ppt/slides/slide19.xml><?xml version="1.0" encoding="utf-8"?>
+<file path=ppt/slides/slide2.xml><?xml version="1.0" encoding="utf-8"?>
+<p:sld xmlns:a="http://schemas.openxmlformats.org/drawingml/2006/main" xmlns:r="http://schemas.openxmlformats.org/officeDocument/2006/relationships" xmlns:p="http://schemas.openxmlformats.org/presentationml/2006/main">
+  <p:cSld>
+    <p:spTree>
+      <p:nvGrpSpPr>
+        <p:cNvPr id="1" name=""/>
+        <p:cNvGrpSpPr/>
+        <p:nvPr/>
+      </p:nvGrpSpPr>
+      <p:grpSpPr>
+        <a:xfrm>
+          <a:off x="0" y="0"/>
+          <a:ext cx="0" cy="0"/>
+          <a:chOff x="0" y="0"/>
+          <a:chExt cx="0" cy="0"/>
+        </a:xfrm>
+      </p:grpSpPr>
+      <p:sp>
+        <p:nvSpPr>
+          <p:cNvPr id="4" name="Titre 3"/>
+          <p:cNvSpPr>
+            <a:spLocks noGrp="1"/>
+          </p:cNvSpPr>
+          <p:nvPr>
+            <p:ph type="title"/>
+          </p:nvPr>
+        </p:nvSpPr>
+        <p:spPr/>
+        <p:txBody>
+          <a:bodyPr/>
+          <a:lstStyle/>
+          <a:p>
+            <a:r>
+              <a:rPr lang="fr-FR" dirty="0" err="1" smtClean="0"/>
+              <a:t>Checking</a:t>
+            </a:r>
+            <a:r>
+              <a:rPr lang="fr-FR" dirty="0" smtClean="0"/>
+              <a:t> an inductive invariant</a:t>
+            </a:r>
+            <a:endParaRPr lang="fr-FR" dirty="0"/>
+          </a:p>
+        </p:txBody>
+      </p:sp>
+      <p:sp>
+        <p:nvSpPr>
+          <p:cNvPr id="5" name="Espace réservé du texte 4"/>
+          <p:cNvSpPr>
+            <a:spLocks noGrp="1"/>
+          </p:cNvSpPr>
+          <p:nvPr>
+            <p:ph type="body" idx="1"/>
+          </p:nvPr>
+        </p:nvSpPr>
+        <p:spPr/>
+        <p:txBody>
+          <a:bodyPr/>
+          <a:lstStyle/>
+          <a:p>
+            <a:r>
+              <a:rPr lang="fr-FR" dirty="0" smtClean="0"/>
+              <a:t>Or </a:t>
+            </a:r>
+            <a:r>
+              <a:rPr lang="fr-FR" dirty="0" err="1" smtClean="0"/>
+              <a:t>finding</a:t>
+            </a:r>
+            <a:r>
+              <a:rPr lang="fr-FR" dirty="0" smtClean="0"/>
+              <a:t> </a:t>
+            </a:r>
+            <a:r>
+              <a:rPr lang="fr-FR" dirty="0"/>
+              <a:t>a </a:t>
+            </a:r>
+            <a:r>
+              <a:rPr lang="fr-FR" dirty="0" err="1"/>
+              <a:t>counterexample</a:t>
+            </a:r>
+            <a:endParaRPr lang="fr-FR" dirty="0"/>
+          </a:p>
+        </p:txBody>
+      </p:sp>
+    </p:spTree>
+    <p:extLst>
+      <p:ext uri="{BB962C8B-B14F-4D97-AF65-F5344CB8AC3E}">
+        <p14:creationId xmlns:p14="http://schemas.microsoft.com/office/powerpoint/2010/main" val="3937682909"/>
+      </p:ext>
+    </p:extLst>
+  </p:cSld>
+  <p:clrMapOvr>
+    <a:masterClrMapping/>
+  </p:clrMapOvr>
+</p:sld>
+</file>
+
+<file path=ppt/slides/slide20.xml><?xml version="1.0" encoding="utf-8"?>
 <p:sld xmlns:a="http://schemas.openxmlformats.org/drawingml/2006/main" xmlns:r="http://schemas.openxmlformats.org/officeDocument/2006/relationships" xmlns:p="http://schemas.openxmlformats.org/presentationml/2006/main">
   <p:cSld>
     <p:spTree>
@@ -11120,8 +12155,8 @@
         </p:nvSpPr>
         <p:spPr>
           <a:xfrm>
-            <a:off x="3000994" y="366465"/>
-            <a:ext cx="8556006" cy="4031873"/>
+            <a:off x="3136366" y="571228"/>
+            <a:ext cx="8556006" cy="2800767"/>
           </a:xfrm>
           <a:prstGeom prst="rect">
             <a:avLst/>
@@ -11360,7 +12395,19 @@
             </a:r>
             <a:r>
               <a:rPr lang="fr-FR" sz="1600" dirty="0" smtClean="0"/>
-              <a:t> &amp; </a:t>
+              <a:t> </a:t>
+            </a:r>
+            <a:r>
+              <a:rPr lang="fr-FR" sz="1600" dirty="0"/>
+              <a:t>&amp; content(A,B</a:t>
+            </a:r>
+            <a:r>
+              <a:rPr lang="fr-FR" sz="1600" dirty="0" smtClean="0"/>
+              <a:t>) </a:t>
+            </a:r>
+            <a:r>
+              <a:rPr lang="fr-FR" sz="1600" dirty="0"/>
+              <a:t>-&gt; </a:t>
             </a:r>
             <a:r>
               <a:rPr lang="fr-FR" sz="1600" dirty="0" err="1"/>
@@ -11372,11 +12419,11 @@
             </a:r>
             <a:r>
               <a:rPr lang="fr-FR" sz="1600" dirty="0" smtClean="0"/>
-              <a:t>~= A -&gt; ~content(A,B</a:t>
+              <a:t>= </a:t>
             </a:r>
             <a:r>
               <a:rPr lang="fr-FR" sz="1600" dirty="0"/>
-              <a:t>) </a:t>
+              <a:t>A </a:t>
             </a:r>
             <a:endParaRPr lang="fr-FR" sz="1600" dirty="0" smtClean="0"/>
           </a:p>
@@ -11410,7 +12457,11 @@
             </a:r>
             <a:r>
               <a:rPr lang="fr-FR" sz="1600" dirty="0" smtClean="0"/>
-              <a:t> all cases </a:t>
+              <a:t> all </a:t>
+            </a:r>
+            <a:r>
+              <a:rPr lang="fr-FR" sz="1600" dirty="0" smtClean="0"/>
+              <a:t>states </a:t>
             </a:r>
             <a:r>
               <a:rPr lang="fr-FR" sz="1600" dirty="0" err="1" smtClean="0"/>
@@ -11445,143 +12496,6 @@
               <a:t>.</a:t>
             </a:r>
             <a:endParaRPr lang="fr-FR" sz="1600" dirty="0"/>
-          </a:p>
-          <a:p>
-            <a:endParaRPr lang="fr-FR" sz="1600" dirty="0" smtClean="0"/>
-          </a:p>
-          <a:p>
-            <a:r>
-              <a:rPr lang="fr-FR" sz="1600" dirty="0" err="1" smtClean="0"/>
-              <a:t>However</a:t>
-            </a:r>
-            <a:r>
-              <a:rPr lang="fr-FR" sz="1600" dirty="0" smtClean="0"/>
-              <a:t>, </a:t>
-            </a:r>
-            <a:r>
-              <a:rPr lang="fr-FR" sz="1600" dirty="0" err="1" smtClean="0"/>
-              <a:t>we</a:t>
-            </a:r>
-            <a:r>
-              <a:rPr lang="fr-FR" sz="1600" dirty="0" smtClean="0"/>
-              <a:t> </a:t>
-            </a:r>
-            <a:r>
-              <a:rPr lang="fr-FR" sz="1600" dirty="0" err="1" smtClean="0"/>
-              <a:t>would</a:t>
-            </a:r>
-            <a:r>
-              <a:rPr lang="fr-FR" sz="1600" dirty="0" smtClean="0"/>
-              <a:t> </a:t>
-            </a:r>
-            <a:r>
-              <a:rPr lang="fr-FR" sz="1600" dirty="0" err="1" smtClean="0"/>
-              <a:t>prefer</a:t>
-            </a:r>
-            <a:r>
-              <a:rPr lang="fr-FR" sz="1600" dirty="0" smtClean="0"/>
-              <a:t> </a:t>
-            </a:r>
-            <a:r>
-              <a:rPr lang="fr-FR" sz="1600" dirty="0" err="1" smtClean="0"/>
-              <a:t>it</a:t>
-            </a:r>
-            <a:r>
-              <a:rPr lang="fr-FR" sz="1600" dirty="0" smtClean="0"/>
-              <a:t> to </a:t>
-            </a:r>
-            <a:r>
-              <a:rPr lang="fr-FR" sz="1600" dirty="0" err="1" smtClean="0"/>
-              <a:t>be</a:t>
-            </a:r>
-            <a:r>
-              <a:rPr lang="fr-FR" sz="1600" dirty="0" smtClean="0"/>
-              <a:t>:</a:t>
-            </a:r>
-          </a:p>
-          <a:p>
-            <a:r>
-              <a:rPr lang="fr-FR" sz="1600" dirty="0" smtClean="0"/>
-              <a:t>∀</a:t>
-            </a:r>
-            <a:r>
-              <a:rPr lang="fr-FR" sz="1600" dirty="0"/>
-              <a:t>B</a:t>
-            </a:r>
-            <a:r>
-              <a:rPr lang="fr-FR" sz="1600" dirty="0" smtClean="0"/>
-              <a:t>. </a:t>
-            </a:r>
-            <a:r>
-              <a:rPr lang="fr-FR" sz="1600" dirty="0" err="1" smtClean="0"/>
-              <a:t>first_e</a:t>
-            </a:r>
-            <a:r>
-              <a:rPr lang="fr-FR" sz="1600" dirty="0" smtClean="0"/>
-              <a:t> </a:t>
-            </a:r>
-            <a:r>
-              <a:rPr lang="fr-FR" sz="1600" dirty="0"/>
-              <a:t>&lt; B &amp; B &lt; </a:t>
-            </a:r>
-            <a:r>
-              <a:rPr lang="fr-FR" sz="1600" dirty="0" err="1"/>
-              <a:t>next_e</a:t>
-            </a:r>
-            <a:r>
-              <a:rPr lang="fr-FR" sz="1600" dirty="0"/>
-              <a:t> </a:t>
-            </a:r>
-            <a:r>
-              <a:rPr lang="fr-FR" sz="1600" dirty="0" smtClean="0"/>
-              <a:t>-&gt; content(</a:t>
-            </a:r>
-            <a:r>
-              <a:rPr lang="fr-FR" sz="1600" dirty="0" err="1" smtClean="0"/>
-              <a:t>content_f</a:t>
-            </a:r>
-            <a:r>
-              <a:rPr lang="fr-FR" sz="1600" dirty="0" smtClean="0"/>
-              <a:t>(B</a:t>
-            </a:r>
-            <a:r>
-              <a:rPr lang="fr-FR" sz="1600" dirty="0"/>
-              <a:t>)</a:t>
-            </a:r>
-            <a:r>
-              <a:rPr lang="fr-FR" sz="1600" dirty="0" smtClean="0"/>
-              <a:t>,</a:t>
-            </a:r>
-            <a:r>
-              <a:rPr lang="fr-FR" sz="1600" dirty="0"/>
-              <a:t>B</a:t>
-            </a:r>
-            <a:r>
-              <a:rPr lang="fr-FR" sz="1600" dirty="0" smtClean="0"/>
-              <a:t>)</a:t>
-            </a:r>
-          </a:p>
-          <a:p>
-            <a:endParaRPr lang="fr-FR" sz="1600" dirty="0"/>
-          </a:p>
-          <a:p>
-            <a:r>
-              <a:rPr lang="fr-FR" sz="1600" dirty="0" err="1" smtClean="0"/>
-              <a:t>See</a:t>
-            </a:r>
-            <a:r>
-              <a:rPr lang="fr-FR" sz="1600" dirty="0" smtClean="0"/>
-              <a:t> </a:t>
-            </a:r>
-            <a:r>
-              <a:rPr lang="fr-FR" sz="1600" dirty="0" err="1" smtClean="0"/>
-              <a:t>Idea</a:t>
-            </a:r>
-            <a:r>
-              <a:rPr lang="fr-FR" sz="1600" smtClean="0"/>
-              <a:t> 2…</a:t>
-            </a:r>
-            <a:endParaRPr lang="fr-FR" sz="1600" dirty="0" smtClean="0"/>
           </a:p>
         </p:txBody>
       </p:sp>
@@ -12134,7 +13048,7 @@
 </p:sld>
 </file>
 
-<file path=ppt/slides/slide2.xml><?xml version="1.0" encoding="utf-8"?>
+<file path=ppt/slides/slide21.xml><?xml version="1.0" encoding="utf-8"?>
 <p:sld xmlns:a="http://schemas.openxmlformats.org/drawingml/2006/main" xmlns:r="http://schemas.openxmlformats.org/officeDocument/2006/relationships" xmlns:p="http://schemas.openxmlformats.org/presentationml/2006/main">
   <p:cSld>
     <p:spTree>
@@ -12163,64 +13077,499 @@
         </p:nvSpPr>
         <p:spPr/>
         <p:txBody>
-          <a:bodyPr/>
+          <a:bodyPr>
+            <a:normAutofit/>
+          </a:bodyPr>
           <a:lstStyle/>
           <a:p>
             <a:r>
               <a:rPr lang="fr-FR" dirty="0" err="1" smtClean="0"/>
-              <a:t>Checking</a:t>
-            </a:r>
-            <a:r>
-              <a:rPr lang="fr-FR" dirty="0" smtClean="0"/>
-              <a:t> an inductive invariant</a:t>
+              <a:t>Let’s</a:t>
+            </a:r>
+            <a:r>
+              <a:rPr lang="fr-FR" dirty="0" smtClean="0"/>
+              <a:t> continue…</a:t>
             </a:r>
             <a:endParaRPr lang="fr-FR" dirty="0"/>
           </a:p>
         </p:txBody>
       </p:sp>
-      <p:sp>
-        <p:nvSpPr>
-          <p:cNvPr id="5" name="Espace réservé du texte 4"/>
-          <p:cNvSpPr>
-            <a:spLocks noGrp="1"/>
-          </p:cNvSpPr>
-          <p:nvPr>
-            <p:ph type="body" idx="1"/>
-          </p:nvPr>
-        </p:nvSpPr>
-        <p:spPr/>
-        <p:txBody>
-          <a:bodyPr/>
-          <a:lstStyle/>
-          <a:p>
-            <a:r>
-              <a:rPr lang="fr-FR" dirty="0" smtClean="0"/>
-              <a:t>Or </a:t>
-            </a:r>
-            <a:r>
-              <a:rPr lang="fr-FR" dirty="0" err="1" smtClean="0"/>
-              <a:t>finding</a:t>
-            </a:r>
-            <a:r>
-              <a:rPr lang="fr-FR" dirty="0" smtClean="0"/>
-              <a:t> </a:t>
-            </a:r>
-            <a:r>
-              <a:rPr lang="fr-FR" dirty="0"/>
-              <a:t>a </a:t>
-            </a:r>
-            <a:r>
-              <a:rPr lang="fr-FR" dirty="0" err="1"/>
-              <a:t>counterexample</a:t>
-            </a:r>
-            <a:endParaRPr lang="fr-FR" dirty="0"/>
-          </a:p>
-        </p:txBody>
-      </p:sp>
+      <p:pic>
+        <p:nvPicPr>
+          <p:cNvPr id="3" name="Image 2"/>
+          <p:cNvPicPr>
+            <a:picLocks noChangeAspect="1"/>
+          </p:cNvPicPr>
+          <p:nvPr/>
+        </p:nvPicPr>
+        <p:blipFill>
+          <a:blip r:embed="rId2">
+            <a:extLst>
+              <a:ext uri="{28A0092B-C50C-407E-A947-70E740481C1C}">
+                <a14:useLocalDpi xmlns:a14="http://schemas.microsoft.com/office/drawing/2010/main" val="0"/>
+              </a:ext>
+            </a:extLst>
+          </a:blip>
+          <a:stretch>
+            <a:fillRect/>
+          </a:stretch>
+        </p:blipFill>
+        <p:spPr>
+          <a:xfrm>
+            <a:off x="2545302" y="1382986"/>
+            <a:ext cx="2626379" cy="3078947"/>
+          </a:xfrm>
+          <a:prstGeom prst="rect">
+            <a:avLst/>
+          </a:prstGeom>
+        </p:spPr>
+      </p:pic>
+      <p:pic>
+        <p:nvPicPr>
+          <p:cNvPr id="6" name="Image 5"/>
+          <p:cNvPicPr>
+            <a:picLocks noChangeAspect="1"/>
+          </p:cNvPicPr>
+          <p:nvPr/>
+        </p:nvPicPr>
+        <p:blipFill>
+          <a:blip r:embed="rId3">
+            <a:extLst>
+              <a:ext uri="{28A0092B-C50C-407E-A947-70E740481C1C}">
+                <a14:useLocalDpi xmlns:a14="http://schemas.microsoft.com/office/drawing/2010/main" val="0"/>
+              </a:ext>
+            </a:extLst>
+          </a:blip>
+          <a:stretch>
+            <a:fillRect/>
+          </a:stretch>
+        </p:blipFill>
+        <p:spPr>
+          <a:xfrm>
+            <a:off x="218652" y="1584625"/>
+            <a:ext cx="2010056" cy="3600953"/>
+          </a:xfrm>
+          <a:prstGeom prst="rect">
+            <a:avLst/>
+          </a:prstGeom>
+        </p:spPr>
+      </p:pic>
+      <p:pic>
+        <p:nvPicPr>
+          <p:cNvPr id="7" name="Image 6"/>
+          <p:cNvPicPr>
+            <a:picLocks noChangeAspect="1"/>
+          </p:cNvPicPr>
+          <p:nvPr/>
+        </p:nvPicPr>
+        <p:blipFill>
+          <a:blip r:embed="rId4">
+            <a:extLst>
+              <a:ext uri="{28A0092B-C50C-407E-A947-70E740481C1C}">
+                <a14:useLocalDpi xmlns:a14="http://schemas.microsoft.com/office/drawing/2010/main" val="0"/>
+              </a:ext>
+            </a:extLst>
+          </a:blip>
+          <a:stretch>
+            <a:fillRect/>
+          </a:stretch>
+        </p:blipFill>
+        <p:spPr>
+          <a:xfrm>
+            <a:off x="7022907" y="1584625"/>
+            <a:ext cx="2513353" cy="2877308"/>
+          </a:xfrm>
+          <a:prstGeom prst="rect">
+            <a:avLst/>
+          </a:prstGeom>
+        </p:spPr>
+      </p:pic>
+      <p:pic>
+        <p:nvPicPr>
+          <p:cNvPr id="8" name="Image 7"/>
+          <p:cNvPicPr>
+            <a:picLocks noChangeAspect="1"/>
+          </p:cNvPicPr>
+          <p:nvPr/>
+        </p:nvPicPr>
+        <p:blipFill>
+          <a:blip r:embed="rId5">
+            <a:extLst>
+              <a:ext uri="{28A0092B-C50C-407E-A947-70E740481C1C}">
+                <a14:useLocalDpi xmlns:a14="http://schemas.microsoft.com/office/drawing/2010/main" val="0"/>
+              </a:ext>
+            </a:extLst>
+          </a:blip>
+          <a:stretch>
+            <a:fillRect/>
+          </a:stretch>
+        </p:blipFill>
+        <p:spPr>
+          <a:xfrm>
+            <a:off x="9640592" y="1584625"/>
+            <a:ext cx="1981477" cy="3610479"/>
+          </a:xfrm>
+          <a:prstGeom prst="rect">
+            <a:avLst/>
+          </a:prstGeom>
+        </p:spPr>
+      </p:pic>
+      <p:cxnSp>
+        <p:nvCxnSpPr>
+          <p:cNvPr id="9" name="Connecteur droit avec flèche 8"/>
+          <p:cNvCxnSpPr/>
+          <p:nvPr/>
+        </p:nvCxnSpPr>
+        <p:spPr>
+          <a:xfrm>
+            <a:off x="5066466" y="3438131"/>
+            <a:ext cx="1400231" cy="1"/>
+          </a:xfrm>
+          <a:prstGeom prst="straightConnector1">
+            <a:avLst/>
+          </a:prstGeom>
+          <a:ln>
+            <a:tailEnd type="triangle"/>
+          </a:ln>
+        </p:spPr>
+        <p:style>
+          <a:lnRef idx="3">
+            <a:schemeClr val="accent1"/>
+          </a:lnRef>
+          <a:fillRef idx="0">
+            <a:schemeClr val="accent1"/>
+          </a:fillRef>
+          <a:effectRef idx="2">
+            <a:schemeClr val="accent1"/>
+          </a:effectRef>
+          <a:fontRef idx="minor">
+            <a:schemeClr val="tx1"/>
+          </a:fontRef>
+        </p:style>
+      </p:cxnSp>
+      <p:grpSp>
+        <p:nvGrpSpPr>
+          <p:cNvPr id="11" name="Groupe 10"/>
+          <p:cNvGrpSpPr/>
+          <p:nvPr/>
+        </p:nvGrpSpPr>
+        <p:grpSpPr>
+          <a:xfrm>
+            <a:off x="5430027" y="4601166"/>
+            <a:ext cx="3565585" cy="2121237"/>
+            <a:chOff x="7930869" y="4367569"/>
+            <a:chExt cx="3565585" cy="2121237"/>
+          </a:xfrm>
+        </p:grpSpPr>
+        <p:grpSp>
+          <p:nvGrpSpPr>
+            <p:cNvPr id="13" name="Groupe 12"/>
+            <p:cNvGrpSpPr/>
+            <p:nvPr/>
+          </p:nvGrpSpPr>
+          <p:grpSpPr>
+            <a:xfrm>
+              <a:off x="7930869" y="4639733"/>
+              <a:ext cx="3565585" cy="1647997"/>
+              <a:chOff x="708803" y="4563533"/>
+              <a:chExt cx="3565585" cy="1647997"/>
+            </a:xfrm>
+          </p:grpSpPr>
+          <p:pic>
+            <p:nvPicPr>
+              <p:cNvPr id="16" name="Image 15"/>
+              <p:cNvPicPr>
+                <a:picLocks noChangeAspect="1"/>
+              </p:cNvPicPr>
+              <p:nvPr/>
+            </p:nvPicPr>
+            <p:blipFill rotWithShape="1">
+              <a:blip r:embed="rId6"/>
+              <a:srcRect t="44083"/>
+              <a:stretch/>
+            </p:blipFill>
+            <p:spPr>
+              <a:xfrm>
+                <a:off x="708803" y="4563533"/>
+                <a:ext cx="3565585" cy="1647997"/>
+              </a:xfrm>
+              <a:prstGeom prst="rect">
+                <a:avLst/>
+              </a:prstGeom>
+            </p:spPr>
+          </p:pic>
+          <p:sp>
+            <p:nvSpPr>
+              <p:cNvPr id="17" name="Ellipse 16"/>
+              <p:cNvSpPr/>
+              <p:nvPr/>
+            </p:nvSpPr>
+            <p:spPr>
+              <a:xfrm>
+                <a:off x="810683" y="5073650"/>
+                <a:ext cx="75142" cy="79375"/>
+              </a:xfrm>
+              <a:prstGeom prst="ellipse">
+                <a:avLst/>
+              </a:prstGeom>
+            </p:spPr>
+            <p:style>
+              <a:lnRef idx="1">
+                <a:schemeClr val="accent2"/>
+              </a:lnRef>
+              <a:fillRef idx="3">
+                <a:schemeClr val="accent2"/>
+              </a:fillRef>
+              <a:effectRef idx="2">
+                <a:schemeClr val="accent2"/>
+              </a:effectRef>
+              <a:fontRef idx="minor">
+                <a:schemeClr val="lt1"/>
+              </a:fontRef>
+            </p:style>
+            <p:txBody>
+              <a:bodyPr rtlCol="0" anchor="ctr"/>
+              <a:lstStyle/>
+              <a:p>
+                <a:pPr algn="ctr"/>
+                <a:endParaRPr lang="fr-FR"/>
+              </a:p>
+            </p:txBody>
+          </p:sp>
+          <p:sp>
+            <p:nvSpPr>
+              <p:cNvPr id="18" name="Ellipse 17"/>
+              <p:cNvSpPr/>
+              <p:nvPr/>
+            </p:nvSpPr>
+            <p:spPr>
+              <a:xfrm>
+                <a:off x="810683" y="5211762"/>
+                <a:ext cx="75142" cy="79375"/>
+              </a:xfrm>
+              <a:prstGeom prst="ellipse">
+                <a:avLst/>
+              </a:prstGeom>
+            </p:spPr>
+            <p:style>
+              <a:lnRef idx="1">
+                <a:schemeClr val="accent2"/>
+              </a:lnRef>
+              <a:fillRef idx="3">
+                <a:schemeClr val="accent2"/>
+              </a:fillRef>
+              <a:effectRef idx="2">
+                <a:schemeClr val="accent2"/>
+              </a:effectRef>
+              <a:fontRef idx="minor">
+                <a:schemeClr val="lt1"/>
+              </a:fontRef>
+            </p:style>
+            <p:txBody>
+              <a:bodyPr rtlCol="0" anchor="ctr"/>
+              <a:lstStyle/>
+              <a:p>
+                <a:pPr algn="ctr"/>
+                <a:endParaRPr lang="fr-FR"/>
+              </a:p>
+            </p:txBody>
+          </p:sp>
+          <p:sp>
+            <p:nvSpPr>
+              <p:cNvPr id="19" name="Ellipse 18"/>
+              <p:cNvSpPr/>
+              <p:nvPr/>
+            </p:nvSpPr>
+            <p:spPr>
+              <a:xfrm>
+                <a:off x="810683" y="5349874"/>
+                <a:ext cx="75142" cy="79375"/>
+              </a:xfrm>
+              <a:prstGeom prst="ellipse">
+                <a:avLst/>
+              </a:prstGeom>
+            </p:spPr>
+            <p:style>
+              <a:lnRef idx="1">
+                <a:schemeClr val="accent2"/>
+              </a:lnRef>
+              <a:fillRef idx="3">
+                <a:schemeClr val="accent2"/>
+              </a:fillRef>
+              <a:effectRef idx="2">
+                <a:schemeClr val="accent2"/>
+              </a:effectRef>
+              <a:fontRef idx="minor">
+                <a:schemeClr val="lt1"/>
+              </a:fontRef>
+            </p:style>
+            <p:txBody>
+              <a:bodyPr rtlCol="0" anchor="ctr"/>
+              <a:lstStyle/>
+              <a:p>
+                <a:pPr algn="ctr"/>
+                <a:endParaRPr lang="fr-FR"/>
+              </a:p>
+            </p:txBody>
+          </p:sp>
+          <p:sp>
+            <p:nvSpPr>
+              <p:cNvPr id="20" name="Ellipse 19"/>
+              <p:cNvSpPr/>
+              <p:nvPr/>
+            </p:nvSpPr>
+            <p:spPr>
+              <a:xfrm>
+                <a:off x="810683" y="4935538"/>
+                <a:ext cx="75142" cy="79375"/>
+              </a:xfrm>
+              <a:prstGeom prst="ellipse">
+                <a:avLst/>
+              </a:prstGeom>
+            </p:spPr>
+            <p:style>
+              <a:lnRef idx="1">
+                <a:schemeClr val="accent2"/>
+              </a:lnRef>
+              <a:fillRef idx="3">
+                <a:schemeClr val="accent2"/>
+              </a:fillRef>
+              <a:effectRef idx="2">
+                <a:schemeClr val="accent2"/>
+              </a:effectRef>
+              <a:fontRef idx="minor">
+                <a:schemeClr val="lt1"/>
+              </a:fontRef>
+            </p:style>
+            <p:txBody>
+              <a:bodyPr rtlCol="0" anchor="ctr"/>
+              <a:lstStyle/>
+              <a:p>
+                <a:pPr algn="ctr"/>
+                <a:endParaRPr lang="fr-FR"/>
+              </a:p>
+            </p:txBody>
+          </p:sp>
+          <p:sp>
+            <p:nvSpPr>
+              <p:cNvPr id="21" name="Ellipse 20"/>
+              <p:cNvSpPr/>
+              <p:nvPr/>
+            </p:nvSpPr>
+            <p:spPr>
+              <a:xfrm>
+                <a:off x="810683" y="5487986"/>
+                <a:ext cx="75142" cy="79375"/>
+              </a:xfrm>
+              <a:prstGeom prst="ellipse">
+                <a:avLst/>
+              </a:prstGeom>
+            </p:spPr>
+            <p:style>
+              <a:lnRef idx="1">
+                <a:schemeClr val="accent2"/>
+              </a:lnRef>
+              <a:fillRef idx="3">
+                <a:schemeClr val="accent2"/>
+              </a:fillRef>
+              <a:effectRef idx="2">
+                <a:schemeClr val="accent2"/>
+              </a:effectRef>
+              <a:fontRef idx="minor">
+                <a:schemeClr val="lt1"/>
+              </a:fontRef>
+            </p:style>
+            <p:txBody>
+              <a:bodyPr rtlCol="0" anchor="ctr"/>
+              <a:lstStyle/>
+              <a:p>
+                <a:pPr algn="ctr"/>
+                <a:endParaRPr lang="fr-FR"/>
+              </a:p>
+            </p:txBody>
+          </p:sp>
+        </p:grpSp>
+        <p:pic>
+          <p:nvPicPr>
+            <p:cNvPr id="14" name="Image 13"/>
+            <p:cNvPicPr>
+              <a:picLocks noChangeAspect="1"/>
+            </p:cNvPicPr>
+            <p:nvPr/>
+          </p:nvPicPr>
+          <p:blipFill rotWithShape="1">
+            <a:blip r:embed="rId7"/>
+            <a:srcRect t="83666" b="4737"/>
+            <a:stretch/>
+          </p:blipFill>
+          <p:spPr>
+            <a:xfrm>
+              <a:off x="7953154" y="4367569"/>
+              <a:ext cx="3543300" cy="220133"/>
+            </a:xfrm>
+            <a:prstGeom prst="rect">
+              <a:avLst/>
+            </a:prstGeom>
+          </p:spPr>
+        </p:pic>
+        <p:pic>
+          <p:nvPicPr>
+            <p:cNvPr id="15" name="Image 14"/>
+            <p:cNvPicPr>
+              <a:picLocks noChangeAspect="1"/>
+            </p:cNvPicPr>
+            <p:nvPr/>
+          </p:nvPicPr>
+          <p:blipFill rotWithShape="1">
+            <a:blip r:embed="rId8"/>
+            <a:srcRect l="3523" t="54895" r="63253" b="39131"/>
+            <a:stretch/>
+          </p:blipFill>
+          <p:spPr>
+            <a:xfrm>
+              <a:off x="7958556" y="6336405"/>
+              <a:ext cx="3537898" cy="152401"/>
+            </a:xfrm>
+            <a:prstGeom prst="rect">
+              <a:avLst/>
+            </a:prstGeom>
+          </p:spPr>
+        </p:pic>
+      </p:grpSp>
+      <p:pic>
+        <p:nvPicPr>
+          <p:cNvPr id="22" name="Image 21"/>
+          <p:cNvPicPr>
+            <a:picLocks noChangeAspect="1"/>
+          </p:cNvPicPr>
+          <p:nvPr/>
+        </p:nvPicPr>
+        <p:blipFill>
+          <a:blip r:embed="rId9">
+            <a:extLst>
+              <a:ext uri="{28A0092B-C50C-407E-A947-70E740481C1C}">
+                <a14:useLocalDpi xmlns:a14="http://schemas.microsoft.com/office/drawing/2010/main" val="0"/>
+              </a:ext>
+            </a:extLst>
+          </a:blip>
+          <a:stretch>
+            <a:fillRect/>
+          </a:stretch>
+        </p:blipFill>
+        <p:spPr>
+          <a:xfrm>
+            <a:off x="2063749" y="4658958"/>
+            <a:ext cx="2743583" cy="2076740"/>
+          </a:xfrm>
+          <a:prstGeom prst="rect">
+            <a:avLst/>
+          </a:prstGeom>
+        </p:spPr>
+      </p:pic>
     </p:spTree>
     <p:extLst>
       <p:ext uri="{BB962C8B-B14F-4D97-AF65-F5344CB8AC3E}">
-        <p14:creationId xmlns:p14="http://schemas.microsoft.com/office/powerpoint/2010/main" val="3937682909"/>
+        <p14:creationId xmlns:p14="http://schemas.microsoft.com/office/powerpoint/2010/main" val="411606262"/>
       </p:ext>
     </p:extLst>
   </p:cSld>
@@ -12230,7 +13579,7 @@
 </p:sld>
 </file>
 
-<file path=ppt/slides/slide20.xml><?xml version="1.0" encoding="utf-8"?>
+<file path=ppt/slides/slide22.xml><?xml version="1.0" encoding="utf-8"?>
 <p:sld xmlns:a="http://schemas.openxmlformats.org/drawingml/2006/main" xmlns:r="http://schemas.openxmlformats.org/officeDocument/2006/relationships" xmlns:p="http://schemas.openxmlformats.org/presentationml/2006/main">
   <p:cSld>
     <p:spTree>
@@ -12247,60 +13596,1211 @@
           <a:chExt cx="0" cy="0"/>
         </a:xfrm>
       </p:grpSpPr>
+      <p:pic>
+        <p:nvPicPr>
+          <p:cNvPr id="74" name="Image 73"/>
+          <p:cNvPicPr>
+            <a:picLocks noChangeAspect="1"/>
+          </p:cNvPicPr>
+          <p:nvPr/>
+        </p:nvPicPr>
+        <p:blipFill>
+          <a:blip r:embed="rId2">
+            <a:extLst>
+              <a:ext uri="{28A0092B-C50C-407E-A947-70E740481C1C}">
+                <a14:useLocalDpi xmlns:a14="http://schemas.microsoft.com/office/drawing/2010/main" val="0"/>
+              </a:ext>
+            </a:extLst>
+          </a:blip>
+          <a:stretch>
+            <a:fillRect/>
+          </a:stretch>
+        </p:blipFill>
+        <p:spPr>
+          <a:xfrm>
+            <a:off x="835259" y="497776"/>
+            <a:ext cx="1981477" cy="3610479"/>
+          </a:xfrm>
+          <a:prstGeom prst="rect">
+            <a:avLst/>
+          </a:prstGeom>
+        </p:spPr>
+      </p:pic>
+      <p:cxnSp>
+        <p:nvCxnSpPr>
+          <p:cNvPr id="49" name="Connecteur droit avec flèche 48"/>
+          <p:cNvCxnSpPr/>
+          <p:nvPr/>
+        </p:nvCxnSpPr>
+        <p:spPr>
+          <a:xfrm>
+            <a:off x="348171" y="6369311"/>
+            <a:ext cx="115098" cy="1"/>
+          </a:xfrm>
+          <a:prstGeom prst="straightConnector1">
+            <a:avLst/>
+          </a:prstGeom>
+          <a:ln>
+            <a:tailEnd type="triangle"/>
+          </a:ln>
+        </p:spPr>
+        <p:style>
+          <a:lnRef idx="3">
+            <a:schemeClr val="accent1"/>
+          </a:lnRef>
+          <a:fillRef idx="0">
+            <a:schemeClr val="accent1"/>
+          </a:fillRef>
+          <a:effectRef idx="2">
+            <a:schemeClr val="accent1"/>
+          </a:effectRef>
+          <a:fontRef idx="minor">
+            <a:schemeClr val="tx1"/>
+          </a:fontRef>
+        </p:style>
+      </p:cxnSp>
+      <p:grpSp>
+        <p:nvGrpSpPr>
+          <p:cNvPr id="48" name="Groupe 47"/>
+          <p:cNvGrpSpPr/>
+          <p:nvPr/>
+        </p:nvGrpSpPr>
+        <p:grpSpPr>
+          <a:xfrm>
+            <a:off x="490956" y="4310845"/>
+            <a:ext cx="3565585" cy="2121237"/>
+            <a:chOff x="7930869" y="4367569"/>
+            <a:chExt cx="3565585" cy="2121237"/>
+          </a:xfrm>
+        </p:grpSpPr>
+        <p:grpSp>
+          <p:nvGrpSpPr>
+            <p:cNvPr id="53" name="Groupe 52"/>
+            <p:cNvGrpSpPr/>
+            <p:nvPr/>
+          </p:nvGrpSpPr>
+          <p:grpSpPr>
+            <a:xfrm>
+              <a:off x="7930869" y="4639733"/>
+              <a:ext cx="3565585" cy="1647997"/>
+              <a:chOff x="708803" y="4563533"/>
+              <a:chExt cx="3565585" cy="1647997"/>
+            </a:xfrm>
+          </p:grpSpPr>
+          <p:pic>
+            <p:nvPicPr>
+              <p:cNvPr id="56" name="Image 55"/>
+              <p:cNvPicPr>
+                <a:picLocks noChangeAspect="1"/>
+              </p:cNvPicPr>
+              <p:nvPr/>
+            </p:nvPicPr>
+            <p:blipFill rotWithShape="1">
+              <a:blip r:embed="rId3"/>
+              <a:srcRect t="44083"/>
+              <a:stretch/>
+            </p:blipFill>
+            <p:spPr>
+              <a:xfrm>
+                <a:off x="708803" y="4563533"/>
+                <a:ext cx="3565585" cy="1647997"/>
+              </a:xfrm>
+              <a:prstGeom prst="rect">
+                <a:avLst/>
+              </a:prstGeom>
+            </p:spPr>
+          </p:pic>
+          <p:sp>
+            <p:nvSpPr>
+              <p:cNvPr id="57" name="Ellipse 56"/>
+              <p:cNvSpPr/>
+              <p:nvPr/>
+            </p:nvSpPr>
+            <p:spPr>
+              <a:xfrm>
+                <a:off x="810683" y="5073650"/>
+                <a:ext cx="75142" cy="79375"/>
+              </a:xfrm>
+              <a:prstGeom prst="ellipse">
+                <a:avLst/>
+              </a:prstGeom>
+            </p:spPr>
+            <p:style>
+              <a:lnRef idx="1">
+                <a:schemeClr val="accent2"/>
+              </a:lnRef>
+              <a:fillRef idx="3">
+                <a:schemeClr val="accent2"/>
+              </a:fillRef>
+              <a:effectRef idx="2">
+                <a:schemeClr val="accent2"/>
+              </a:effectRef>
+              <a:fontRef idx="minor">
+                <a:schemeClr val="lt1"/>
+              </a:fontRef>
+            </p:style>
+            <p:txBody>
+              <a:bodyPr rtlCol="0" anchor="ctr"/>
+              <a:lstStyle/>
+              <a:p>
+                <a:pPr algn="ctr"/>
+                <a:endParaRPr lang="fr-FR"/>
+              </a:p>
+            </p:txBody>
+          </p:sp>
+          <p:sp>
+            <p:nvSpPr>
+              <p:cNvPr id="58" name="Ellipse 57"/>
+              <p:cNvSpPr/>
+              <p:nvPr/>
+            </p:nvSpPr>
+            <p:spPr>
+              <a:xfrm>
+                <a:off x="810683" y="5211762"/>
+                <a:ext cx="75142" cy="79375"/>
+              </a:xfrm>
+              <a:prstGeom prst="ellipse">
+                <a:avLst/>
+              </a:prstGeom>
+            </p:spPr>
+            <p:style>
+              <a:lnRef idx="1">
+                <a:schemeClr val="accent2"/>
+              </a:lnRef>
+              <a:fillRef idx="3">
+                <a:schemeClr val="accent2"/>
+              </a:fillRef>
+              <a:effectRef idx="2">
+                <a:schemeClr val="accent2"/>
+              </a:effectRef>
+              <a:fontRef idx="minor">
+                <a:schemeClr val="lt1"/>
+              </a:fontRef>
+            </p:style>
+            <p:txBody>
+              <a:bodyPr rtlCol="0" anchor="ctr"/>
+              <a:lstStyle/>
+              <a:p>
+                <a:pPr algn="ctr"/>
+                <a:endParaRPr lang="fr-FR"/>
+              </a:p>
+            </p:txBody>
+          </p:sp>
+          <p:sp>
+            <p:nvSpPr>
+              <p:cNvPr id="59" name="Ellipse 58"/>
+              <p:cNvSpPr/>
+              <p:nvPr/>
+            </p:nvSpPr>
+            <p:spPr>
+              <a:xfrm>
+                <a:off x="810683" y="5349874"/>
+                <a:ext cx="75142" cy="79375"/>
+              </a:xfrm>
+              <a:prstGeom prst="ellipse">
+                <a:avLst/>
+              </a:prstGeom>
+            </p:spPr>
+            <p:style>
+              <a:lnRef idx="1">
+                <a:schemeClr val="accent2"/>
+              </a:lnRef>
+              <a:fillRef idx="3">
+                <a:schemeClr val="accent2"/>
+              </a:fillRef>
+              <a:effectRef idx="2">
+                <a:schemeClr val="accent2"/>
+              </a:effectRef>
+              <a:fontRef idx="minor">
+                <a:schemeClr val="lt1"/>
+              </a:fontRef>
+            </p:style>
+            <p:txBody>
+              <a:bodyPr rtlCol="0" anchor="ctr"/>
+              <a:lstStyle/>
+              <a:p>
+                <a:pPr algn="ctr"/>
+                <a:endParaRPr lang="fr-FR"/>
+              </a:p>
+            </p:txBody>
+          </p:sp>
+          <p:sp>
+            <p:nvSpPr>
+              <p:cNvPr id="60" name="Ellipse 59"/>
+              <p:cNvSpPr/>
+              <p:nvPr/>
+            </p:nvSpPr>
+            <p:spPr>
+              <a:xfrm>
+                <a:off x="810683" y="4935538"/>
+                <a:ext cx="75142" cy="79375"/>
+              </a:xfrm>
+              <a:prstGeom prst="ellipse">
+                <a:avLst/>
+              </a:prstGeom>
+            </p:spPr>
+            <p:style>
+              <a:lnRef idx="1">
+                <a:schemeClr val="accent2"/>
+              </a:lnRef>
+              <a:fillRef idx="3">
+                <a:schemeClr val="accent2"/>
+              </a:fillRef>
+              <a:effectRef idx="2">
+                <a:schemeClr val="accent2"/>
+              </a:effectRef>
+              <a:fontRef idx="minor">
+                <a:schemeClr val="lt1"/>
+              </a:fontRef>
+            </p:style>
+            <p:txBody>
+              <a:bodyPr rtlCol="0" anchor="ctr"/>
+              <a:lstStyle/>
+              <a:p>
+                <a:pPr algn="ctr"/>
+                <a:endParaRPr lang="fr-FR"/>
+              </a:p>
+            </p:txBody>
+          </p:sp>
+          <p:sp>
+            <p:nvSpPr>
+              <p:cNvPr id="61" name="Ellipse 60"/>
+              <p:cNvSpPr/>
+              <p:nvPr/>
+            </p:nvSpPr>
+            <p:spPr>
+              <a:xfrm>
+                <a:off x="810683" y="5487986"/>
+                <a:ext cx="75142" cy="79375"/>
+              </a:xfrm>
+              <a:prstGeom prst="ellipse">
+                <a:avLst/>
+              </a:prstGeom>
+            </p:spPr>
+            <p:style>
+              <a:lnRef idx="1">
+                <a:schemeClr val="accent2"/>
+              </a:lnRef>
+              <a:fillRef idx="3">
+                <a:schemeClr val="accent2"/>
+              </a:fillRef>
+              <a:effectRef idx="2">
+                <a:schemeClr val="accent2"/>
+              </a:effectRef>
+              <a:fontRef idx="minor">
+                <a:schemeClr val="lt1"/>
+              </a:fontRef>
+            </p:style>
+            <p:txBody>
+              <a:bodyPr rtlCol="0" anchor="ctr"/>
+              <a:lstStyle/>
+              <a:p>
+                <a:pPr algn="ctr"/>
+                <a:endParaRPr lang="fr-FR"/>
+              </a:p>
+            </p:txBody>
+          </p:sp>
+        </p:grpSp>
+        <p:pic>
+          <p:nvPicPr>
+            <p:cNvPr id="54" name="Image 53"/>
+            <p:cNvPicPr>
+              <a:picLocks noChangeAspect="1"/>
+            </p:cNvPicPr>
+            <p:nvPr/>
+          </p:nvPicPr>
+          <p:blipFill rotWithShape="1">
+            <a:blip r:embed="rId4"/>
+            <a:srcRect t="83666" b="4737"/>
+            <a:stretch/>
+          </p:blipFill>
+          <p:spPr>
+            <a:xfrm>
+              <a:off x="7953154" y="4367569"/>
+              <a:ext cx="3543300" cy="220133"/>
+            </a:xfrm>
+            <a:prstGeom prst="rect">
+              <a:avLst/>
+            </a:prstGeom>
+          </p:spPr>
+        </p:pic>
+        <p:pic>
+          <p:nvPicPr>
+            <p:cNvPr id="55" name="Image 54"/>
+            <p:cNvPicPr>
+              <a:picLocks noChangeAspect="1"/>
+            </p:cNvPicPr>
+            <p:nvPr/>
+          </p:nvPicPr>
+          <p:blipFill rotWithShape="1">
+            <a:blip r:embed="rId5"/>
+            <a:srcRect l="3523" t="54895" r="63253" b="39131"/>
+            <a:stretch/>
+          </p:blipFill>
+          <p:spPr>
+            <a:xfrm>
+              <a:off x="7958556" y="6336405"/>
+              <a:ext cx="3537898" cy="152401"/>
+            </a:xfrm>
+            <a:prstGeom prst="rect">
+              <a:avLst/>
+            </a:prstGeom>
+          </p:spPr>
+        </p:pic>
+      </p:grpSp>
       <p:sp>
         <p:nvSpPr>
-          <p:cNvPr id="4" name="Titre 3"/>
-          <p:cNvSpPr>
-            <a:spLocks noGrp="1"/>
-          </p:cNvSpPr>
-          <p:nvPr>
-            <p:ph type="title"/>
-          </p:nvPr>
+          <p:cNvPr id="76" name="Rectangle 75"/>
+          <p:cNvSpPr/>
+          <p:nvPr/>
         </p:nvSpPr>
-        <p:spPr/>
+        <p:spPr>
+          <a:xfrm>
+            <a:off x="732631" y="2127049"/>
+            <a:ext cx="2038878" cy="143793"/>
+          </a:xfrm>
+          <a:prstGeom prst="rect">
+            <a:avLst/>
+          </a:prstGeom>
+          <a:solidFill>
+            <a:srgbClr val="70AD47">
+              <a:alpha val="50196"/>
+            </a:srgbClr>
+          </a:solidFill>
+        </p:spPr>
+        <p:style>
+          <a:lnRef idx="2">
+            <a:schemeClr val="accent6">
+              <a:shade val="50000"/>
+            </a:schemeClr>
+          </a:lnRef>
+          <a:fillRef idx="1">
+            <a:schemeClr val="accent6"/>
+          </a:fillRef>
+          <a:effectRef idx="0">
+            <a:schemeClr val="accent6"/>
+          </a:effectRef>
+          <a:fontRef idx="minor">
+            <a:schemeClr val="lt1"/>
+          </a:fontRef>
+        </p:style>
         <p:txBody>
-          <a:bodyPr/>
+          <a:bodyPr rtlCol="0" anchor="ctr"/>
           <a:lstStyle/>
           <a:p>
-            <a:r>
-              <a:rPr lang="fr-FR" dirty="0" err="1" smtClean="0"/>
-              <a:t>Idea</a:t>
-            </a:r>
-            <a:r>
-              <a:rPr lang="fr-FR" dirty="0" smtClean="0"/>
-              <a:t> 2: Causal </a:t>
-            </a:r>
-            <a:r>
-              <a:rPr lang="fr-FR" dirty="0" err="1" smtClean="0"/>
-              <a:t>Analysis</a:t>
-            </a:r>
-            <a:endParaRPr lang="fr-FR" dirty="0"/>
+            <a:pPr algn="ctr"/>
+            <a:endParaRPr lang="fr-FR"/>
           </a:p>
         </p:txBody>
       </p:sp>
       <p:sp>
         <p:nvSpPr>
-          <p:cNvPr id="5" name="Espace réservé du texte 4"/>
-          <p:cNvSpPr>
-            <a:spLocks noGrp="1"/>
+          <p:cNvPr id="103" name="Rectangle 102"/>
+          <p:cNvSpPr/>
+          <p:nvPr/>
+        </p:nvSpPr>
+        <p:spPr>
+          <a:xfrm>
+            <a:off x="732631" y="1723513"/>
+            <a:ext cx="2038878" cy="143793"/>
+          </a:xfrm>
+          <a:prstGeom prst="rect">
+            <a:avLst/>
+          </a:prstGeom>
+          <a:solidFill>
+            <a:srgbClr val="70AD47">
+              <a:alpha val="50196"/>
+            </a:srgbClr>
+          </a:solidFill>
+        </p:spPr>
+        <p:style>
+          <a:lnRef idx="2">
+            <a:schemeClr val="accent6">
+              <a:shade val="50000"/>
+            </a:schemeClr>
+          </a:lnRef>
+          <a:fillRef idx="1">
+            <a:schemeClr val="accent6"/>
+          </a:fillRef>
+          <a:effectRef idx="0">
+            <a:schemeClr val="accent6"/>
+          </a:effectRef>
+          <a:fontRef idx="minor">
+            <a:schemeClr val="lt1"/>
+          </a:fontRef>
+        </p:style>
+        <p:txBody>
+          <a:bodyPr rtlCol="0" anchor="ctr"/>
+          <a:lstStyle/>
+          <a:p>
+            <a:pPr algn="ctr"/>
+            <a:endParaRPr lang="fr-FR"/>
+          </a:p>
+        </p:txBody>
+      </p:sp>
+      <p:sp>
+        <p:nvSpPr>
+          <p:cNvPr id="104" name="Rectangle 103"/>
+          <p:cNvSpPr/>
+          <p:nvPr/>
+        </p:nvSpPr>
+        <p:spPr>
+          <a:xfrm>
+            <a:off x="732631" y="3723763"/>
+            <a:ext cx="2038878" cy="143793"/>
+          </a:xfrm>
+          <a:prstGeom prst="rect">
+            <a:avLst/>
+          </a:prstGeom>
+          <a:solidFill>
+            <a:srgbClr val="70AD47">
+              <a:alpha val="50196"/>
+            </a:srgbClr>
+          </a:solidFill>
+        </p:spPr>
+        <p:style>
+          <a:lnRef idx="2">
+            <a:schemeClr val="accent6">
+              <a:shade val="50000"/>
+            </a:schemeClr>
+          </a:lnRef>
+          <a:fillRef idx="1">
+            <a:schemeClr val="accent6"/>
+          </a:fillRef>
+          <a:effectRef idx="0">
+            <a:schemeClr val="accent6"/>
+          </a:effectRef>
+          <a:fontRef idx="minor">
+            <a:schemeClr val="lt1"/>
+          </a:fontRef>
+        </p:style>
+        <p:txBody>
+          <a:bodyPr rtlCol="0" anchor="ctr"/>
+          <a:lstStyle/>
+          <a:p>
+            <a:pPr algn="ctr"/>
+            <a:endParaRPr lang="fr-FR"/>
+          </a:p>
+        </p:txBody>
+      </p:sp>
+      <p:sp>
+        <p:nvSpPr>
+          <p:cNvPr id="105" name="Rectangle 104"/>
+          <p:cNvSpPr/>
+          <p:nvPr/>
+        </p:nvSpPr>
+        <p:spPr>
+          <a:xfrm>
+            <a:off x="732631" y="781941"/>
+            <a:ext cx="2038878" cy="143793"/>
+          </a:xfrm>
+          <a:prstGeom prst="rect">
+            <a:avLst/>
+          </a:prstGeom>
+          <a:solidFill>
+            <a:srgbClr val="70AD47">
+              <a:alpha val="50196"/>
+            </a:srgbClr>
+          </a:solidFill>
+        </p:spPr>
+        <p:style>
+          <a:lnRef idx="2">
+            <a:schemeClr val="accent6">
+              <a:shade val="50000"/>
+            </a:schemeClr>
+          </a:lnRef>
+          <a:fillRef idx="1">
+            <a:schemeClr val="accent6"/>
+          </a:fillRef>
+          <a:effectRef idx="0">
+            <a:schemeClr val="accent6"/>
+          </a:effectRef>
+          <a:fontRef idx="minor">
+            <a:schemeClr val="lt1"/>
+          </a:fontRef>
+        </p:style>
+        <p:txBody>
+          <a:bodyPr rtlCol="0" anchor="ctr"/>
+          <a:lstStyle/>
+          <a:p>
+            <a:pPr algn="ctr"/>
+            <a:endParaRPr lang="fr-FR"/>
+          </a:p>
+        </p:txBody>
+      </p:sp>
+      <p:sp>
+        <p:nvSpPr>
+          <p:cNvPr id="106" name="Rectangle 105"/>
+          <p:cNvSpPr/>
+          <p:nvPr/>
+        </p:nvSpPr>
+        <p:spPr>
+          <a:xfrm>
+            <a:off x="713581" y="3195245"/>
+            <a:ext cx="2038878" cy="143793"/>
+          </a:xfrm>
+          <a:prstGeom prst="rect">
+            <a:avLst/>
+          </a:prstGeom>
+          <a:solidFill>
+            <a:srgbClr val="70AD47">
+              <a:alpha val="50196"/>
+            </a:srgbClr>
+          </a:solidFill>
+        </p:spPr>
+        <p:style>
+          <a:lnRef idx="2">
+            <a:schemeClr val="accent6">
+              <a:shade val="50000"/>
+            </a:schemeClr>
+          </a:lnRef>
+          <a:fillRef idx="1">
+            <a:schemeClr val="accent6"/>
+          </a:fillRef>
+          <a:effectRef idx="0">
+            <a:schemeClr val="accent6"/>
+          </a:effectRef>
+          <a:fontRef idx="minor">
+            <a:schemeClr val="lt1"/>
+          </a:fontRef>
+        </p:style>
+        <p:txBody>
+          <a:bodyPr rtlCol="0" anchor="ctr"/>
+          <a:lstStyle/>
+          <a:p>
+            <a:pPr algn="ctr"/>
+            <a:endParaRPr lang="fr-FR"/>
+          </a:p>
+        </p:txBody>
+      </p:sp>
+      <p:sp>
+        <p:nvSpPr>
+          <p:cNvPr id="107" name="Rectangle 106"/>
+          <p:cNvSpPr/>
+          <p:nvPr/>
+        </p:nvSpPr>
+        <p:spPr>
+          <a:xfrm>
+            <a:off x="732631" y="652070"/>
+            <a:ext cx="2038878" cy="143793"/>
+          </a:xfrm>
+          <a:prstGeom prst="rect">
+            <a:avLst/>
+          </a:prstGeom>
+          <a:solidFill>
+            <a:srgbClr val="70AD47">
+              <a:alpha val="50196"/>
+            </a:srgbClr>
+          </a:solidFill>
+        </p:spPr>
+        <p:style>
+          <a:lnRef idx="2">
+            <a:schemeClr val="accent6">
+              <a:shade val="50000"/>
+            </a:schemeClr>
+          </a:lnRef>
+          <a:fillRef idx="1">
+            <a:schemeClr val="accent6"/>
+          </a:fillRef>
+          <a:effectRef idx="0">
+            <a:schemeClr val="accent6"/>
+          </a:effectRef>
+          <a:fontRef idx="minor">
+            <a:schemeClr val="lt1"/>
+          </a:fontRef>
+        </p:style>
+        <p:txBody>
+          <a:bodyPr rtlCol="0" anchor="ctr"/>
+          <a:lstStyle/>
+          <a:p>
+            <a:pPr algn="ctr"/>
+            <a:endParaRPr lang="fr-FR"/>
+          </a:p>
+        </p:txBody>
+      </p:sp>
+      <p:sp>
+        <p:nvSpPr>
+          <p:cNvPr id="75" name="Espace réservé du contenu 2"/>
+          <p:cNvSpPr txBox="1">
+            <a:spLocks/>
           </p:cNvSpPr>
-          <p:nvPr>
-            <p:ph type="body" idx="1"/>
-          </p:nvPr>
+          <p:nvPr/>
         </p:nvSpPr>
-        <p:spPr/>
+        <p:spPr>
+          <a:xfrm>
+            <a:off x="3928533" y="1014714"/>
+            <a:ext cx="7907867" cy="4351338"/>
+          </a:xfrm>
+          <a:prstGeom prst="rect">
+            <a:avLst/>
+          </a:prstGeom>
+        </p:spPr>
         <p:txBody>
-          <a:bodyPr/>
-          <a:lstStyle/>
+          <a:bodyPr vert="horz" lIns="91440" tIns="45720" rIns="91440" bIns="45720" rtlCol="0">
+            <a:normAutofit fontScale="92500" lnSpcReduction="10000"/>
+          </a:bodyPr>
+          <a:lstStyle>
+            <a:lvl1pPr marL="228600" indent="-228600" algn="l" defTabSz="914400" rtl="0" eaLnBrk="1" latinLnBrk="0" hangingPunct="1">
+              <a:lnSpc>
+                <a:spcPct val="90000"/>
+              </a:lnSpc>
+              <a:spcBef>
+                <a:spcPts val="1000"/>
+              </a:spcBef>
+              <a:buFont typeface="Arial" panose="020B0604020202020204" pitchFamily="34" charset="0"/>
+              <a:buChar char="•"/>
+              <a:defRPr sz="2800" kern="1200">
+                <a:solidFill>
+                  <a:schemeClr val="tx1"/>
+                </a:solidFill>
+                <a:latin typeface="+mn-lt"/>
+                <a:ea typeface="+mn-ea"/>
+                <a:cs typeface="+mn-cs"/>
+              </a:defRPr>
+            </a:lvl1pPr>
+            <a:lvl2pPr marL="685800" indent="-228600" algn="l" defTabSz="914400" rtl="0" eaLnBrk="1" latinLnBrk="0" hangingPunct="1">
+              <a:lnSpc>
+                <a:spcPct val="90000"/>
+              </a:lnSpc>
+              <a:spcBef>
+                <a:spcPts val="500"/>
+              </a:spcBef>
+              <a:buFont typeface="Arial" panose="020B0604020202020204" pitchFamily="34" charset="0"/>
+              <a:buChar char="•"/>
+              <a:defRPr sz="2400" kern="1200">
+                <a:solidFill>
+                  <a:schemeClr val="tx1"/>
+                </a:solidFill>
+                <a:latin typeface="+mn-lt"/>
+                <a:ea typeface="+mn-ea"/>
+                <a:cs typeface="+mn-cs"/>
+              </a:defRPr>
+            </a:lvl2pPr>
+            <a:lvl3pPr marL="1143000" indent="-228600" algn="l" defTabSz="914400" rtl="0" eaLnBrk="1" latinLnBrk="0" hangingPunct="1">
+              <a:lnSpc>
+                <a:spcPct val="90000"/>
+              </a:lnSpc>
+              <a:spcBef>
+                <a:spcPts val="500"/>
+              </a:spcBef>
+              <a:buFont typeface="Arial" panose="020B0604020202020204" pitchFamily="34" charset="0"/>
+              <a:buChar char="•"/>
+              <a:defRPr sz="2000" kern="1200">
+                <a:solidFill>
+                  <a:schemeClr val="tx1"/>
+                </a:solidFill>
+                <a:latin typeface="+mn-lt"/>
+                <a:ea typeface="+mn-ea"/>
+                <a:cs typeface="+mn-cs"/>
+              </a:defRPr>
+            </a:lvl3pPr>
+            <a:lvl4pPr marL="1600200" indent="-228600" algn="l" defTabSz="914400" rtl="0" eaLnBrk="1" latinLnBrk="0" hangingPunct="1">
+              <a:lnSpc>
+                <a:spcPct val="90000"/>
+              </a:lnSpc>
+              <a:spcBef>
+                <a:spcPts val="500"/>
+              </a:spcBef>
+              <a:buFont typeface="Arial" panose="020B0604020202020204" pitchFamily="34" charset="0"/>
+              <a:buChar char="•"/>
+              <a:defRPr sz="1800" kern="1200">
+                <a:solidFill>
+                  <a:schemeClr val="tx1"/>
+                </a:solidFill>
+                <a:latin typeface="+mn-lt"/>
+                <a:ea typeface="+mn-ea"/>
+                <a:cs typeface="+mn-cs"/>
+              </a:defRPr>
+            </a:lvl4pPr>
+            <a:lvl5pPr marL="2057400" indent="-228600" algn="l" defTabSz="914400" rtl="0" eaLnBrk="1" latinLnBrk="0" hangingPunct="1">
+              <a:lnSpc>
+                <a:spcPct val="90000"/>
+              </a:lnSpc>
+              <a:spcBef>
+                <a:spcPts val="500"/>
+              </a:spcBef>
+              <a:buFont typeface="Arial" panose="020B0604020202020204" pitchFamily="34" charset="0"/>
+              <a:buChar char="•"/>
+              <a:defRPr sz="1800" kern="1200">
+                <a:solidFill>
+                  <a:schemeClr val="tx1"/>
+                </a:solidFill>
+                <a:latin typeface="+mn-lt"/>
+                <a:ea typeface="+mn-ea"/>
+                <a:cs typeface="+mn-cs"/>
+              </a:defRPr>
+            </a:lvl5pPr>
+            <a:lvl6pPr marL="2514600" indent="-228600" algn="l" defTabSz="914400" rtl="0" eaLnBrk="1" latinLnBrk="0" hangingPunct="1">
+              <a:lnSpc>
+                <a:spcPct val="90000"/>
+              </a:lnSpc>
+              <a:spcBef>
+                <a:spcPts val="500"/>
+              </a:spcBef>
+              <a:buFont typeface="Arial" panose="020B0604020202020204" pitchFamily="34" charset="0"/>
+              <a:buChar char="•"/>
+              <a:defRPr sz="1800" kern="1200">
+                <a:solidFill>
+                  <a:schemeClr val="tx1"/>
+                </a:solidFill>
+                <a:latin typeface="+mn-lt"/>
+                <a:ea typeface="+mn-ea"/>
+                <a:cs typeface="+mn-cs"/>
+              </a:defRPr>
+            </a:lvl6pPr>
+            <a:lvl7pPr marL="2971800" indent="-228600" algn="l" defTabSz="914400" rtl="0" eaLnBrk="1" latinLnBrk="0" hangingPunct="1">
+              <a:lnSpc>
+                <a:spcPct val="90000"/>
+              </a:lnSpc>
+              <a:spcBef>
+                <a:spcPts val="500"/>
+              </a:spcBef>
+              <a:buFont typeface="Arial" panose="020B0604020202020204" pitchFamily="34" charset="0"/>
+              <a:buChar char="•"/>
+              <a:defRPr sz="1800" kern="1200">
+                <a:solidFill>
+                  <a:schemeClr val="tx1"/>
+                </a:solidFill>
+                <a:latin typeface="+mn-lt"/>
+                <a:ea typeface="+mn-ea"/>
+                <a:cs typeface="+mn-cs"/>
+              </a:defRPr>
+            </a:lvl7pPr>
+            <a:lvl8pPr marL="3429000" indent="-228600" algn="l" defTabSz="914400" rtl="0" eaLnBrk="1" latinLnBrk="0" hangingPunct="1">
+              <a:lnSpc>
+                <a:spcPct val="90000"/>
+              </a:lnSpc>
+              <a:spcBef>
+                <a:spcPts val="500"/>
+              </a:spcBef>
+              <a:buFont typeface="Arial" panose="020B0604020202020204" pitchFamily="34" charset="0"/>
+              <a:buChar char="•"/>
+              <a:defRPr sz="1800" kern="1200">
+                <a:solidFill>
+                  <a:schemeClr val="tx1"/>
+                </a:solidFill>
+                <a:latin typeface="+mn-lt"/>
+                <a:ea typeface="+mn-ea"/>
+                <a:cs typeface="+mn-cs"/>
+              </a:defRPr>
+            </a:lvl8pPr>
+            <a:lvl9pPr marL="3886200" indent="-228600" algn="l" defTabSz="914400" rtl="0" eaLnBrk="1" latinLnBrk="0" hangingPunct="1">
+              <a:lnSpc>
+                <a:spcPct val="90000"/>
+              </a:lnSpc>
+              <a:spcBef>
+                <a:spcPts val="500"/>
+              </a:spcBef>
+              <a:buFont typeface="Arial" panose="020B0604020202020204" pitchFamily="34" charset="0"/>
+              <a:buChar char="•"/>
+              <a:defRPr sz="1800" kern="1200">
+                <a:solidFill>
+                  <a:schemeClr val="tx1"/>
+                </a:solidFill>
+                <a:latin typeface="+mn-lt"/>
+                <a:ea typeface="+mn-ea"/>
+                <a:cs typeface="+mn-cs"/>
+              </a:defRPr>
+            </a:lvl9pPr>
+          </a:lstStyle>
+          <a:p>
+            <a:r>
+              <a:rPr lang="fr-FR" dirty="0" smtClean="0"/>
+              <a:t> This time, </a:t>
+            </a:r>
+            <a:r>
+              <a:rPr lang="fr-FR" dirty="0" err="1" smtClean="0"/>
+              <a:t>we</a:t>
+            </a:r>
+            <a:r>
+              <a:rPr lang="fr-FR" dirty="0" smtClean="0"/>
+              <a:t> </a:t>
+            </a:r>
+            <a:r>
+              <a:rPr lang="fr-FR" dirty="0" err="1" smtClean="0"/>
+              <a:t>would</a:t>
+            </a:r>
+            <a:r>
+              <a:rPr lang="fr-FR" dirty="0" smtClean="0"/>
+              <a:t> have to express the non-existence of an </a:t>
+            </a:r>
+            <a:r>
+              <a:rPr lang="fr-FR" dirty="0" err="1" smtClean="0"/>
+              <a:t>element</a:t>
+            </a:r>
+            <a:r>
+              <a:rPr lang="fr-FR" dirty="0" smtClean="0"/>
+              <a:t> </a:t>
+            </a:r>
+            <a:r>
+              <a:rPr lang="fr-FR" dirty="0" err="1" smtClean="0"/>
+              <a:t>nf</a:t>
+            </a:r>
+            <a:r>
+              <a:rPr lang="fr-FR" dirty="0" smtClean="0"/>
+              <a:t> </a:t>
+            </a:r>
+            <a:r>
+              <a:rPr lang="fr-FR" dirty="0" err="1" smtClean="0"/>
+              <a:t>such</a:t>
+            </a:r>
+            <a:r>
+              <a:rPr lang="fr-FR" dirty="0" smtClean="0"/>
+              <a:t> </a:t>
+            </a:r>
+            <a:r>
+              <a:rPr lang="fr-FR" dirty="0" err="1" smtClean="0"/>
+              <a:t>that</a:t>
+            </a:r>
+            <a:r>
+              <a:rPr lang="fr-FR" dirty="0" smtClean="0"/>
+              <a:t> content(</a:t>
+            </a:r>
+            <a:r>
+              <a:rPr lang="fr-FR" dirty="0" err="1" smtClean="0"/>
+              <a:t>nf</a:t>
+            </a:r>
+            <a:r>
+              <a:rPr lang="fr-FR" dirty="0" smtClean="0"/>
+              <a:t>, </a:t>
+            </a:r>
+            <a:r>
+              <a:rPr lang="fr-FR" dirty="0" err="1" smtClean="0"/>
+              <a:t>first_e</a:t>
+            </a:r>
+            <a:r>
+              <a:rPr lang="fr-FR" dirty="0" smtClean="0"/>
+              <a:t>) </a:t>
+            </a:r>
+            <a:r>
+              <a:rPr lang="fr-FR" dirty="0" err="1" smtClean="0"/>
+              <a:t>is</a:t>
+            </a:r>
+            <a:r>
+              <a:rPr lang="fr-FR" dirty="0" smtClean="0"/>
+              <a:t> </a:t>
+            </a:r>
+            <a:r>
+              <a:rPr lang="fr-FR" dirty="0" err="1" smtClean="0"/>
+              <a:t>true</a:t>
+            </a:r>
+            <a:r>
+              <a:rPr lang="fr-FR" dirty="0" smtClean="0"/>
+              <a:t>.</a:t>
+            </a:r>
+          </a:p>
+          <a:p>
+            <a:endParaRPr lang="fr-FR" dirty="0" smtClean="0"/>
+          </a:p>
+          <a:p>
+            <a:r>
+              <a:rPr lang="fr-FR" dirty="0" smtClean="0"/>
+              <a:t>  It </a:t>
+            </a:r>
+            <a:r>
+              <a:rPr lang="fr-FR" dirty="0" err="1" smtClean="0"/>
+              <a:t>is</a:t>
+            </a:r>
+            <a:r>
+              <a:rPr lang="fr-FR" dirty="0" smtClean="0"/>
+              <a:t> not possible </a:t>
+            </a:r>
+            <a:r>
+              <a:rPr lang="fr-FR" dirty="0" err="1" smtClean="0"/>
+              <a:t>without</a:t>
+            </a:r>
+            <a:r>
+              <a:rPr lang="fr-FR" dirty="0" smtClean="0"/>
+              <a:t> quantifier alternation (</a:t>
+            </a:r>
+            <a:r>
+              <a:rPr lang="fr-FR" dirty="0" err="1" smtClean="0"/>
+              <a:t>we</a:t>
+            </a:r>
+            <a:r>
+              <a:rPr lang="fr-FR" dirty="0" smtClean="0"/>
+              <a:t> </a:t>
+            </a:r>
+            <a:r>
+              <a:rPr lang="fr-FR" dirty="0" err="1" smtClean="0"/>
+              <a:t>would</a:t>
+            </a:r>
+            <a:r>
+              <a:rPr lang="fr-FR" dirty="0" smtClean="0"/>
+              <a:t> have to </a:t>
+            </a:r>
+            <a:r>
+              <a:rPr lang="fr-FR" dirty="0" err="1" smtClean="0"/>
+              <a:t>highlight</a:t>
+            </a:r>
+            <a:r>
+              <a:rPr lang="fr-FR" dirty="0" smtClean="0"/>
+              <a:t> a </a:t>
+            </a:r>
+            <a:r>
+              <a:rPr lang="fr-FR" dirty="0" err="1" smtClean="0"/>
+              <a:t>potentially</a:t>
+            </a:r>
+            <a:r>
+              <a:rPr lang="fr-FR" dirty="0" smtClean="0"/>
+              <a:t> </a:t>
+            </a:r>
+            <a:r>
+              <a:rPr lang="fr-FR" dirty="0" err="1" smtClean="0"/>
+              <a:t>infinite</a:t>
+            </a:r>
+            <a:r>
+              <a:rPr lang="fr-FR" dirty="0" smtClean="0"/>
+              <a:t> </a:t>
+            </a:r>
+            <a:r>
+              <a:rPr lang="fr-FR" dirty="0" err="1" smtClean="0"/>
+              <a:t>number</a:t>
+            </a:r>
+            <a:r>
+              <a:rPr lang="fr-FR" dirty="0" smtClean="0"/>
+              <a:t> of </a:t>
+            </a:r>
+            <a:r>
+              <a:rPr lang="fr-FR" dirty="0" err="1" smtClean="0"/>
+              <a:t>constraints</a:t>
+            </a:r>
+            <a:r>
+              <a:rPr lang="fr-FR" dirty="0" smtClean="0"/>
+              <a:t>), </a:t>
+            </a:r>
+            <a:r>
+              <a:rPr lang="fr-FR" dirty="0" err="1" smtClean="0"/>
+              <a:t>so</a:t>
+            </a:r>
+            <a:r>
+              <a:rPr lang="fr-FR" dirty="0" smtClean="0"/>
+              <a:t> </a:t>
+            </a:r>
+            <a:r>
+              <a:rPr lang="fr-FR" dirty="0" err="1" smtClean="0"/>
+              <a:t>we</a:t>
+            </a:r>
+            <a:r>
+              <a:rPr lang="fr-FR" dirty="0" smtClean="0"/>
+              <a:t> </a:t>
+            </a:r>
+            <a:r>
+              <a:rPr lang="fr-FR" dirty="0" err="1" smtClean="0"/>
+              <a:t>just</a:t>
+            </a:r>
+            <a:r>
+              <a:rPr lang="fr-FR" dirty="0" smtClean="0"/>
+              <a:t> ignore </a:t>
+            </a:r>
+            <a:r>
+              <a:rPr lang="fr-FR" dirty="0" err="1" smtClean="0"/>
+              <a:t>it</a:t>
+            </a:r>
+            <a:r>
+              <a:rPr lang="fr-FR" dirty="0" smtClean="0"/>
+              <a:t>.</a:t>
+            </a:r>
+          </a:p>
           <a:p>
             <a:endParaRPr lang="fr-FR" dirty="0"/>
+          </a:p>
+          <a:p>
+            <a:r>
+              <a:rPr lang="fr-FR" dirty="0" smtClean="0"/>
+              <a:t>  For </a:t>
+            </a:r>
+            <a:r>
+              <a:rPr lang="fr-FR" dirty="0" err="1" smtClean="0"/>
+              <a:t>this</a:t>
+            </a:r>
+            <a:r>
+              <a:rPr lang="fr-FR" dirty="0" smtClean="0"/>
+              <a:t> </a:t>
+            </a:r>
+            <a:r>
+              <a:rPr lang="fr-FR" dirty="0" err="1" smtClean="0"/>
+              <a:t>reason</a:t>
+            </a:r>
+            <a:r>
+              <a:rPr lang="fr-FR" dirty="0" smtClean="0"/>
+              <a:t>, the conjecture </a:t>
+            </a:r>
+            <a:r>
+              <a:rPr lang="fr-FR" dirty="0" err="1" smtClean="0"/>
+              <a:t>generated</a:t>
+            </a:r>
+            <a:r>
+              <a:rPr lang="fr-FR" dirty="0" smtClean="0"/>
+              <a:t> </a:t>
+            </a:r>
+            <a:r>
+              <a:rPr lang="fr-FR" dirty="0" err="1" smtClean="0"/>
+              <a:t>is</a:t>
+            </a:r>
+            <a:r>
+              <a:rPr lang="fr-FR" dirty="0" smtClean="0"/>
+              <a:t> </a:t>
+            </a:r>
+            <a:r>
+              <a:rPr lang="fr-FR" dirty="0" err="1" smtClean="0"/>
+              <a:t>likely</a:t>
+            </a:r>
+            <a:r>
+              <a:rPr lang="fr-FR" dirty="0" smtClean="0"/>
+              <a:t> to </a:t>
+            </a:r>
+            <a:r>
+              <a:rPr lang="fr-FR" dirty="0" err="1" smtClean="0"/>
+              <a:t>be</a:t>
+            </a:r>
+            <a:r>
+              <a:rPr lang="fr-FR" dirty="0" smtClean="0"/>
+              <a:t> </a:t>
+            </a:r>
+            <a:r>
+              <a:rPr lang="fr-FR" dirty="0" err="1" smtClean="0"/>
+              <a:t>wrong</a:t>
+            </a:r>
+            <a:r>
+              <a:rPr lang="fr-FR" dirty="0" smtClean="0"/>
+              <a:t> (</a:t>
+            </a:r>
+            <a:r>
+              <a:rPr lang="fr-FR" dirty="0" err="1" smtClean="0"/>
+              <a:t>too</a:t>
+            </a:r>
+            <a:r>
+              <a:rPr lang="fr-FR" dirty="0" smtClean="0"/>
+              <a:t> </a:t>
+            </a:r>
+            <a:r>
+              <a:rPr lang="fr-FR" dirty="0" err="1" smtClean="0"/>
+              <a:t>general</a:t>
+            </a:r>
+            <a:r>
+              <a:rPr lang="fr-FR" dirty="0" smtClean="0"/>
+              <a:t>), </a:t>
+            </a:r>
+            <a:r>
+              <a:rPr lang="fr-FR" dirty="0" err="1" smtClean="0"/>
+              <a:t>so</a:t>
+            </a:r>
+            <a:r>
+              <a:rPr lang="fr-FR" dirty="0" smtClean="0"/>
+              <a:t> the user </a:t>
+            </a:r>
+            <a:r>
+              <a:rPr lang="fr-FR" dirty="0" err="1" smtClean="0"/>
+              <a:t>should</a:t>
+            </a:r>
+            <a:r>
+              <a:rPr lang="fr-FR" dirty="0" smtClean="0"/>
+              <a:t> </a:t>
+            </a:r>
+            <a:r>
+              <a:rPr lang="fr-FR" dirty="0" err="1" smtClean="0"/>
+              <a:t>be</a:t>
+            </a:r>
+            <a:r>
+              <a:rPr lang="fr-FR" dirty="0" smtClean="0"/>
+              <a:t> </a:t>
+            </a:r>
+            <a:r>
+              <a:rPr lang="fr-FR" dirty="0" err="1" smtClean="0"/>
+              <a:t>informed</a:t>
+            </a:r>
+            <a:r>
+              <a:rPr lang="fr-FR" dirty="0" smtClean="0"/>
+              <a:t>. He </a:t>
+            </a:r>
+            <a:r>
+              <a:rPr lang="fr-FR" dirty="0" err="1" smtClean="0"/>
+              <a:t>can</a:t>
+            </a:r>
+            <a:r>
+              <a:rPr lang="fr-FR" dirty="0" smtClean="0"/>
+              <a:t> </a:t>
+            </a:r>
+            <a:r>
+              <a:rPr lang="fr-FR" dirty="0" err="1" smtClean="0"/>
+              <a:t>then</a:t>
+            </a:r>
+            <a:r>
+              <a:rPr lang="fr-FR" dirty="0" smtClean="0"/>
+              <a:t> </a:t>
+            </a:r>
+            <a:r>
+              <a:rPr lang="fr-FR" dirty="0" err="1" smtClean="0"/>
+              <a:t>choose</a:t>
+            </a:r>
+            <a:r>
+              <a:rPr lang="fr-FR" dirty="0" smtClean="0"/>
+              <a:t> to </a:t>
+            </a:r>
+            <a:r>
+              <a:rPr lang="fr-FR" dirty="0" err="1" smtClean="0"/>
+              <a:t>provide</a:t>
+            </a:r>
+            <a:r>
+              <a:rPr lang="fr-FR" dirty="0" smtClean="0"/>
+              <a:t> </a:t>
+            </a:r>
+            <a:r>
+              <a:rPr lang="fr-FR" dirty="0" err="1" smtClean="0"/>
+              <a:t>Ivy</a:t>
+            </a:r>
+            <a:r>
+              <a:rPr lang="fr-FR" dirty="0" smtClean="0"/>
+              <a:t> </a:t>
+            </a:r>
+            <a:r>
+              <a:rPr lang="fr-FR" dirty="0" err="1" smtClean="0"/>
+              <a:t>with</a:t>
+            </a:r>
+            <a:r>
+              <a:rPr lang="fr-FR" dirty="0" smtClean="0"/>
+              <a:t> a « </a:t>
+            </a:r>
+            <a:r>
+              <a:rPr lang="fr-FR" dirty="0" err="1" smtClean="0"/>
+              <a:t>fix</a:t>
+            </a:r>
+            <a:r>
+              <a:rPr lang="fr-FR" dirty="0" smtClean="0"/>
+              <a:t> » of the </a:t>
+            </a:r>
+            <a:r>
+              <a:rPr lang="fr-FR" dirty="0" err="1" smtClean="0"/>
+              <a:t>counterexample</a:t>
+            </a:r>
+            <a:r>
+              <a:rPr lang="fr-FR" dirty="0" smtClean="0"/>
+              <a:t> in </a:t>
+            </a:r>
+            <a:r>
+              <a:rPr lang="fr-FR" dirty="0" err="1" smtClean="0"/>
+              <a:t>order</a:t>
+            </a:r>
+            <a:r>
+              <a:rPr lang="fr-FR" dirty="0" smtClean="0"/>
+              <a:t> to </a:t>
+            </a:r>
+            <a:r>
+              <a:rPr lang="fr-FR" dirty="0" err="1" smtClean="0"/>
+              <a:t>refine</a:t>
+            </a:r>
+            <a:r>
+              <a:rPr lang="fr-FR" dirty="0" smtClean="0"/>
+              <a:t> the conjecture.</a:t>
+            </a:r>
           </a:p>
         </p:txBody>
       </p:sp>
     </p:spTree>
     <p:extLst>
       <p:ext uri="{BB962C8B-B14F-4D97-AF65-F5344CB8AC3E}">
-        <p14:creationId xmlns:p14="http://schemas.microsoft.com/office/powerpoint/2010/main" val="1559646716"/>
+        <p14:creationId xmlns:p14="http://schemas.microsoft.com/office/powerpoint/2010/main" val="3654223995"/>
       </p:ext>
     </p:extLst>
   </p:cSld>
@@ -12310,7 +14810,7 @@
 </p:sld>
 </file>
 
-<file path=ppt/slides/slide21.xml><?xml version="1.0" encoding="utf-8"?>
+<file path=ppt/slides/slide23.xml><?xml version="1.0" encoding="utf-8"?>
 <p:sld xmlns:a="http://schemas.openxmlformats.org/drawingml/2006/main" xmlns:r="http://schemas.openxmlformats.org/officeDocument/2006/relationships" xmlns:p="http://schemas.openxmlformats.org/presentationml/2006/main">
   <p:cSld>
     <p:spTree>
@@ -12327,69 +14827,683 @@
           <a:chExt cx="0" cy="0"/>
         </a:xfrm>
       </p:grpSpPr>
+      <p:pic>
+        <p:nvPicPr>
+          <p:cNvPr id="4" name="Image 3"/>
+          <p:cNvPicPr>
+            <a:picLocks noChangeAspect="1"/>
+          </p:cNvPicPr>
+          <p:nvPr/>
+        </p:nvPicPr>
+        <p:blipFill>
+          <a:blip r:embed="rId2">
+            <a:extLst>
+              <a:ext uri="{28A0092B-C50C-407E-A947-70E740481C1C}">
+                <a14:useLocalDpi xmlns:a14="http://schemas.microsoft.com/office/drawing/2010/main" val="0"/>
+              </a:ext>
+            </a:extLst>
+          </a:blip>
+          <a:stretch>
+            <a:fillRect/>
+          </a:stretch>
+        </p:blipFill>
+        <p:spPr>
+          <a:xfrm>
+            <a:off x="434126" y="523889"/>
+            <a:ext cx="2010056" cy="3600953"/>
+          </a:xfrm>
+          <a:prstGeom prst="rect">
+            <a:avLst/>
+          </a:prstGeom>
+        </p:spPr>
+      </p:pic>
       <p:sp>
         <p:nvSpPr>
-          <p:cNvPr id="2" name="Titre 1"/>
-          <p:cNvSpPr>
-            <a:spLocks noGrp="1"/>
-          </p:cNvSpPr>
-          <p:nvPr>
-            <p:ph type="title"/>
-          </p:nvPr>
+          <p:cNvPr id="24" name="Rectangle 23"/>
+          <p:cNvSpPr/>
+          <p:nvPr/>
         </p:nvSpPr>
-        <p:spPr/>
+        <p:spPr>
+          <a:xfrm>
+            <a:off x="354504" y="2138238"/>
+            <a:ext cx="2038878" cy="143793"/>
+          </a:xfrm>
+          <a:prstGeom prst="rect">
+            <a:avLst/>
+          </a:prstGeom>
+          <a:solidFill>
+            <a:srgbClr val="70AD47">
+              <a:alpha val="25098"/>
+            </a:srgbClr>
+          </a:solidFill>
+        </p:spPr>
+        <p:style>
+          <a:lnRef idx="2">
+            <a:schemeClr val="accent6">
+              <a:shade val="50000"/>
+            </a:schemeClr>
+          </a:lnRef>
+          <a:fillRef idx="1">
+            <a:schemeClr val="accent6"/>
+          </a:fillRef>
+          <a:effectRef idx="0">
+            <a:schemeClr val="accent6"/>
+          </a:effectRef>
+          <a:fontRef idx="minor">
+            <a:schemeClr val="lt1"/>
+          </a:fontRef>
+        </p:style>
         <p:txBody>
-          <a:bodyPr/>
+          <a:bodyPr rtlCol="0" anchor="ctr"/>
           <a:lstStyle/>
           <a:p>
-            <a:r>
-              <a:rPr lang="fr-FR" dirty="0" smtClean="0"/>
-              <a:t>Bridge </a:t>
-            </a:r>
-            <a:r>
-              <a:rPr lang="fr-FR" dirty="0" err="1" smtClean="0"/>
-              <a:t>with</a:t>
-            </a:r>
-            <a:r>
-              <a:rPr lang="fr-FR" dirty="0" smtClean="0"/>
-              <a:t> </a:t>
-            </a:r>
-            <a:r>
-              <a:rPr lang="fr-FR" dirty="0" err="1" smtClean="0"/>
-              <a:t>counterfactual</a:t>
-            </a:r>
-            <a:r>
-              <a:rPr lang="fr-FR" dirty="0" smtClean="0"/>
-              <a:t> </a:t>
-            </a:r>
-            <a:r>
-              <a:rPr lang="fr-FR" dirty="0" err="1" smtClean="0"/>
-              <a:t>analysis</a:t>
-            </a:r>
-            <a:r>
-              <a:rPr lang="fr-FR" dirty="0"/>
-              <a:t> </a:t>
-            </a:r>
-            <a:r>
-              <a:rPr lang="fr-FR" dirty="0" smtClean="0">
-                <a:sym typeface="Wingdings" panose="05000000000000000000" pitchFamily="2" charset="2"/>
-              </a:rPr>
-              <a:t></a:t>
-            </a:r>
-            <a:endParaRPr lang="fr-FR" dirty="0"/>
+            <a:pPr algn="ctr"/>
+            <a:endParaRPr lang="fr-FR"/>
           </a:p>
         </p:txBody>
       </p:sp>
       <p:sp>
         <p:nvSpPr>
-          <p:cNvPr id="4" name="ZoneTexte 3"/>
+          <p:cNvPr id="25" name="Rectangle 24"/>
+          <p:cNvSpPr/>
+          <p:nvPr/>
+        </p:nvSpPr>
+        <p:spPr>
+          <a:xfrm>
+            <a:off x="354504" y="3729803"/>
+            <a:ext cx="2038878" cy="143793"/>
+          </a:xfrm>
+          <a:prstGeom prst="rect">
+            <a:avLst/>
+          </a:prstGeom>
+          <a:solidFill>
+            <a:srgbClr val="70AD47">
+              <a:alpha val="25098"/>
+            </a:srgbClr>
+          </a:solidFill>
+        </p:spPr>
+        <p:style>
+          <a:lnRef idx="2">
+            <a:schemeClr val="accent6">
+              <a:shade val="50000"/>
+            </a:schemeClr>
+          </a:lnRef>
+          <a:fillRef idx="1">
+            <a:schemeClr val="accent6"/>
+          </a:fillRef>
+          <a:effectRef idx="0">
+            <a:schemeClr val="accent6"/>
+          </a:effectRef>
+          <a:fontRef idx="minor">
+            <a:schemeClr val="lt1"/>
+          </a:fontRef>
+        </p:style>
+        <p:txBody>
+          <a:bodyPr rtlCol="0" anchor="ctr"/>
+          <a:lstStyle/>
+          <a:p>
+            <a:pPr algn="ctr"/>
+            <a:endParaRPr lang="fr-FR"/>
+          </a:p>
+        </p:txBody>
+      </p:sp>
+      <p:sp>
+        <p:nvSpPr>
+          <p:cNvPr id="26" name="Rectangle 25"/>
+          <p:cNvSpPr/>
+          <p:nvPr/>
+        </p:nvSpPr>
+        <p:spPr>
+          <a:xfrm>
+            <a:off x="354504" y="3191116"/>
+            <a:ext cx="2038878" cy="143793"/>
+          </a:xfrm>
+          <a:prstGeom prst="rect">
+            <a:avLst/>
+          </a:prstGeom>
+          <a:solidFill>
+            <a:srgbClr val="70AD47">
+              <a:alpha val="25098"/>
+            </a:srgbClr>
+          </a:solidFill>
+        </p:spPr>
+        <p:style>
+          <a:lnRef idx="2">
+            <a:schemeClr val="accent6">
+              <a:shade val="50000"/>
+            </a:schemeClr>
+          </a:lnRef>
+          <a:fillRef idx="1">
+            <a:schemeClr val="accent6"/>
+          </a:fillRef>
+          <a:effectRef idx="0">
+            <a:schemeClr val="accent6"/>
+          </a:effectRef>
+          <a:fontRef idx="minor">
+            <a:schemeClr val="lt1"/>
+          </a:fontRef>
+        </p:style>
+        <p:txBody>
+          <a:bodyPr rtlCol="0" anchor="ctr"/>
+          <a:lstStyle/>
+          <a:p>
+            <a:pPr algn="ctr"/>
+            <a:endParaRPr lang="fr-FR"/>
+          </a:p>
+        </p:txBody>
+      </p:sp>
+      <p:sp>
+        <p:nvSpPr>
+          <p:cNvPr id="29" name="Rectangle 28"/>
+          <p:cNvSpPr/>
+          <p:nvPr/>
+        </p:nvSpPr>
+        <p:spPr>
+          <a:xfrm>
+            <a:off x="354504" y="667644"/>
+            <a:ext cx="2038878" cy="143793"/>
+          </a:xfrm>
+          <a:prstGeom prst="rect">
+            <a:avLst/>
+          </a:prstGeom>
+          <a:solidFill>
+            <a:srgbClr val="70AD47">
+              <a:alpha val="25098"/>
+            </a:srgbClr>
+          </a:solidFill>
+        </p:spPr>
+        <p:style>
+          <a:lnRef idx="2">
+            <a:schemeClr val="accent6">
+              <a:shade val="50000"/>
+            </a:schemeClr>
+          </a:lnRef>
+          <a:fillRef idx="1">
+            <a:schemeClr val="accent6"/>
+          </a:fillRef>
+          <a:effectRef idx="0">
+            <a:schemeClr val="accent6"/>
+          </a:effectRef>
+          <a:fontRef idx="minor">
+            <a:schemeClr val="lt1"/>
+          </a:fontRef>
+        </p:style>
+        <p:txBody>
+          <a:bodyPr rtlCol="0" anchor="ctr"/>
+          <a:lstStyle/>
+          <a:p>
+            <a:pPr algn="ctr"/>
+            <a:endParaRPr lang="fr-FR"/>
+          </a:p>
+        </p:txBody>
+      </p:sp>
+      <p:sp>
+        <p:nvSpPr>
+          <p:cNvPr id="31" name="Rectangle 30"/>
+          <p:cNvSpPr/>
+          <p:nvPr/>
+        </p:nvSpPr>
+        <p:spPr>
+          <a:xfrm>
+            <a:off x="354504" y="3594477"/>
+            <a:ext cx="2038878" cy="143793"/>
+          </a:xfrm>
+          <a:prstGeom prst="rect">
+            <a:avLst/>
+          </a:prstGeom>
+          <a:solidFill>
+            <a:srgbClr val="70AD47">
+              <a:alpha val="25098"/>
+            </a:srgbClr>
+          </a:solidFill>
+        </p:spPr>
+        <p:style>
+          <a:lnRef idx="2">
+            <a:schemeClr val="accent6">
+              <a:shade val="50000"/>
+            </a:schemeClr>
+          </a:lnRef>
+          <a:fillRef idx="1">
+            <a:schemeClr val="accent6"/>
+          </a:fillRef>
+          <a:effectRef idx="0">
+            <a:schemeClr val="accent6"/>
+          </a:effectRef>
+          <a:fontRef idx="minor">
+            <a:schemeClr val="lt1"/>
+          </a:fontRef>
+        </p:style>
+        <p:txBody>
+          <a:bodyPr rtlCol="0" anchor="ctr"/>
+          <a:lstStyle/>
+          <a:p>
+            <a:pPr algn="ctr"/>
+            <a:endParaRPr lang="fr-FR"/>
+          </a:p>
+        </p:txBody>
+      </p:sp>
+      <p:sp>
+        <p:nvSpPr>
+          <p:cNvPr id="33" name="Rectangle 32"/>
+          <p:cNvSpPr/>
+          <p:nvPr/>
+        </p:nvSpPr>
+        <p:spPr>
+          <a:xfrm>
+            <a:off x="354504" y="1331812"/>
+            <a:ext cx="2038878" cy="143793"/>
+          </a:xfrm>
+          <a:prstGeom prst="rect">
+            <a:avLst/>
+          </a:prstGeom>
+          <a:solidFill>
+            <a:srgbClr val="70AD47">
+              <a:alpha val="25098"/>
+            </a:srgbClr>
+          </a:solidFill>
+        </p:spPr>
+        <p:style>
+          <a:lnRef idx="2">
+            <a:schemeClr val="accent6">
+              <a:shade val="50000"/>
+            </a:schemeClr>
+          </a:lnRef>
+          <a:fillRef idx="1">
+            <a:schemeClr val="accent6"/>
+          </a:fillRef>
+          <a:effectRef idx="0">
+            <a:schemeClr val="accent6"/>
+          </a:effectRef>
+          <a:fontRef idx="minor">
+            <a:schemeClr val="lt1"/>
+          </a:fontRef>
+        </p:style>
+        <p:txBody>
+          <a:bodyPr rtlCol="0" anchor="ctr"/>
+          <a:lstStyle/>
+          <a:p>
+            <a:pPr algn="ctr"/>
+            <a:endParaRPr lang="fr-FR"/>
+          </a:p>
+        </p:txBody>
+      </p:sp>
+      <p:sp>
+        <p:nvSpPr>
+          <p:cNvPr id="22" name="Rectangle 21"/>
+          <p:cNvSpPr/>
+          <p:nvPr/>
+        </p:nvSpPr>
+        <p:spPr>
+          <a:xfrm>
+            <a:off x="348171" y="3462050"/>
+            <a:ext cx="2038878" cy="143793"/>
+          </a:xfrm>
+          <a:prstGeom prst="rect">
+            <a:avLst/>
+          </a:prstGeom>
+          <a:solidFill>
+            <a:srgbClr val="70AD47">
+              <a:alpha val="25098"/>
+            </a:srgbClr>
+          </a:solidFill>
+        </p:spPr>
+        <p:style>
+          <a:lnRef idx="2">
+            <a:schemeClr val="accent6">
+              <a:shade val="50000"/>
+            </a:schemeClr>
+          </a:lnRef>
+          <a:fillRef idx="1">
+            <a:schemeClr val="accent6"/>
+          </a:fillRef>
+          <a:effectRef idx="0">
+            <a:schemeClr val="accent6"/>
+          </a:effectRef>
+          <a:fontRef idx="minor">
+            <a:schemeClr val="lt1"/>
+          </a:fontRef>
+        </p:style>
+        <p:txBody>
+          <a:bodyPr rtlCol="0" anchor="ctr"/>
+          <a:lstStyle/>
+          <a:p>
+            <a:pPr algn="ctr"/>
+            <a:endParaRPr lang="fr-FR"/>
+          </a:p>
+        </p:txBody>
+      </p:sp>
+      <p:grpSp>
+        <p:nvGrpSpPr>
+          <p:cNvPr id="36" name="Groupe 35"/>
+          <p:cNvGrpSpPr/>
+          <p:nvPr/>
+        </p:nvGrpSpPr>
+        <p:grpSpPr>
+          <a:xfrm>
+            <a:off x="4999123" y="1800101"/>
+            <a:ext cx="3565585" cy="2121237"/>
+            <a:chOff x="7930869" y="4367569"/>
+            <a:chExt cx="3565585" cy="2121237"/>
+          </a:xfrm>
+        </p:grpSpPr>
+        <p:grpSp>
+          <p:nvGrpSpPr>
+            <p:cNvPr id="37" name="Groupe 36"/>
+            <p:cNvGrpSpPr/>
+            <p:nvPr/>
+          </p:nvGrpSpPr>
+          <p:grpSpPr>
+            <a:xfrm>
+              <a:off x="7930869" y="4639733"/>
+              <a:ext cx="3565585" cy="1647997"/>
+              <a:chOff x="708803" y="4563533"/>
+              <a:chExt cx="3565585" cy="1647997"/>
+            </a:xfrm>
+          </p:grpSpPr>
+          <p:pic>
+            <p:nvPicPr>
+              <p:cNvPr id="40" name="Image 39"/>
+              <p:cNvPicPr>
+                <a:picLocks noChangeAspect="1"/>
+              </p:cNvPicPr>
+              <p:nvPr/>
+            </p:nvPicPr>
+            <p:blipFill rotWithShape="1">
+              <a:blip r:embed="rId3"/>
+              <a:srcRect t="44083"/>
+              <a:stretch/>
+            </p:blipFill>
+            <p:spPr>
+              <a:xfrm>
+                <a:off x="708803" y="4563533"/>
+                <a:ext cx="3565585" cy="1647997"/>
+              </a:xfrm>
+              <a:prstGeom prst="rect">
+                <a:avLst/>
+              </a:prstGeom>
+            </p:spPr>
+          </p:pic>
+          <p:sp>
+            <p:nvSpPr>
+              <p:cNvPr id="41" name="Ellipse 40"/>
+              <p:cNvSpPr/>
+              <p:nvPr/>
+            </p:nvSpPr>
+            <p:spPr>
+              <a:xfrm>
+                <a:off x="810683" y="5073650"/>
+                <a:ext cx="75142" cy="79375"/>
+              </a:xfrm>
+              <a:prstGeom prst="ellipse">
+                <a:avLst/>
+              </a:prstGeom>
+            </p:spPr>
+            <p:style>
+              <a:lnRef idx="1">
+                <a:schemeClr val="accent2"/>
+              </a:lnRef>
+              <a:fillRef idx="3">
+                <a:schemeClr val="accent2"/>
+              </a:fillRef>
+              <a:effectRef idx="2">
+                <a:schemeClr val="accent2"/>
+              </a:effectRef>
+              <a:fontRef idx="minor">
+                <a:schemeClr val="lt1"/>
+              </a:fontRef>
+            </p:style>
+            <p:txBody>
+              <a:bodyPr rtlCol="0" anchor="ctr"/>
+              <a:lstStyle/>
+              <a:p>
+                <a:pPr algn="ctr"/>
+                <a:endParaRPr lang="fr-FR"/>
+              </a:p>
+            </p:txBody>
+          </p:sp>
+          <p:sp>
+            <p:nvSpPr>
+              <p:cNvPr id="42" name="Ellipse 41"/>
+              <p:cNvSpPr/>
+              <p:nvPr/>
+            </p:nvSpPr>
+            <p:spPr>
+              <a:xfrm>
+                <a:off x="810683" y="5211762"/>
+                <a:ext cx="75142" cy="79375"/>
+              </a:xfrm>
+              <a:prstGeom prst="ellipse">
+                <a:avLst/>
+              </a:prstGeom>
+            </p:spPr>
+            <p:style>
+              <a:lnRef idx="1">
+                <a:schemeClr val="accent2"/>
+              </a:lnRef>
+              <a:fillRef idx="3">
+                <a:schemeClr val="accent2"/>
+              </a:fillRef>
+              <a:effectRef idx="2">
+                <a:schemeClr val="accent2"/>
+              </a:effectRef>
+              <a:fontRef idx="minor">
+                <a:schemeClr val="lt1"/>
+              </a:fontRef>
+            </p:style>
+            <p:txBody>
+              <a:bodyPr rtlCol="0" anchor="ctr"/>
+              <a:lstStyle/>
+              <a:p>
+                <a:pPr algn="ctr"/>
+                <a:endParaRPr lang="fr-FR"/>
+              </a:p>
+            </p:txBody>
+          </p:sp>
+          <p:sp>
+            <p:nvSpPr>
+              <p:cNvPr id="43" name="Ellipse 42"/>
+              <p:cNvSpPr/>
+              <p:nvPr/>
+            </p:nvSpPr>
+            <p:spPr>
+              <a:xfrm>
+                <a:off x="810683" y="5349874"/>
+                <a:ext cx="75142" cy="79375"/>
+              </a:xfrm>
+              <a:prstGeom prst="ellipse">
+                <a:avLst/>
+              </a:prstGeom>
+            </p:spPr>
+            <p:style>
+              <a:lnRef idx="1">
+                <a:schemeClr val="accent2"/>
+              </a:lnRef>
+              <a:fillRef idx="3">
+                <a:schemeClr val="accent2"/>
+              </a:fillRef>
+              <a:effectRef idx="2">
+                <a:schemeClr val="accent2"/>
+              </a:effectRef>
+              <a:fontRef idx="minor">
+                <a:schemeClr val="lt1"/>
+              </a:fontRef>
+            </p:style>
+            <p:txBody>
+              <a:bodyPr rtlCol="0" anchor="ctr"/>
+              <a:lstStyle/>
+              <a:p>
+                <a:pPr algn="ctr"/>
+                <a:endParaRPr lang="fr-FR"/>
+              </a:p>
+            </p:txBody>
+          </p:sp>
+          <p:sp>
+            <p:nvSpPr>
+              <p:cNvPr id="44" name="Ellipse 43"/>
+              <p:cNvSpPr/>
+              <p:nvPr/>
+            </p:nvSpPr>
+            <p:spPr>
+              <a:xfrm>
+                <a:off x="810683" y="4935538"/>
+                <a:ext cx="75142" cy="79375"/>
+              </a:xfrm>
+              <a:prstGeom prst="ellipse">
+                <a:avLst/>
+              </a:prstGeom>
+            </p:spPr>
+            <p:style>
+              <a:lnRef idx="1">
+                <a:schemeClr val="accent2"/>
+              </a:lnRef>
+              <a:fillRef idx="3">
+                <a:schemeClr val="accent2"/>
+              </a:fillRef>
+              <a:effectRef idx="2">
+                <a:schemeClr val="accent2"/>
+              </a:effectRef>
+              <a:fontRef idx="minor">
+                <a:schemeClr val="lt1"/>
+              </a:fontRef>
+            </p:style>
+            <p:txBody>
+              <a:bodyPr rtlCol="0" anchor="ctr"/>
+              <a:lstStyle/>
+              <a:p>
+                <a:pPr algn="ctr"/>
+                <a:endParaRPr lang="fr-FR"/>
+              </a:p>
+            </p:txBody>
+          </p:sp>
+          <p:sp>
+            <p:nvSpPr>
+              <p:cNvPr id="45" name="Ellipse 44"/>
+              <p:cNvSpPr/>
+              <p:nvPr/>
+            </p:nvSpPr>
+            <p:spPr>
+              <a:xfrm>
+                <a:off x="810683" y="5487986"/>
+                <a:ext cx="75142" cy="79375"/>
+              </a:xfrm>
+              <a:prstGeom prst="ellipse">
+                <a:avLst/>
+              </a:prstGeom>
+            </p:spPr>
+            <p:style>
+              <a:lnRef idx="1">
+                <a:schemeClr val="accent2"/>
+              </a:lnRef>
+              <a:fillRef idx="3">
+                <a:schemeClr val="accent2"/>
+              </a:fillRef>
+              <a:effectRef idx="2">
+                <a:schemeClr val="accent2"/>
+              </a:effectRef>
+              <a:fontRef idx="minor">
+                <a:schemeClr val="lt1"/>
+              </a:fontRef>
+            </p:style>
+            <p:txBody>
+              <a:bodyPr rtlCol="0" anchor="ctr"/>
+              <a:lstStyle/>
+              <a:p>
+                <a:pPr algn="ctr"/>
+                <a:endParaRPr lang="fr-FR"/>
+              </a:p>
+            </p:txBody>
+          </p:sp>
+        </p:grpSp>
+        <p:pic>
+          <p:nvPicPr>
+            <p:cNvPr id="38" name="Image 37"/>
+            <p:cNvPicPr>
+              <a:picLocks noChangeAspect="1"/>
+            </p:cNvPicPr>
+            <p:nvPr/>
+          </p:nvPicPr>
+          <p:blipFill rotWithShape="1">
+            <a:blip r:embed="rId4"/>
+            <a:srcRect t="83666" b="4737"/>
+            <a:stretch/>
+          </p:blipFill>
+          <p:spPr>
+            <a:xfrm>
+              <a:off x="7953154" y="4367569"/>
+              <a:ext cx="3543300" cy="220133"/>
+            </a:xfrm>
+            <a:prstGeom prst="rect">
+              <a:avLst/>
+            </a:prstGeom>
+          </p:spPr>
+        </p:pic>
+        <p:pic>
+          <p:nvPicPr>
+            <p:cNvPr id="39" name="Image 38"/>
+            <p:cNvPicPr>
+              <a:picLocks noChangeAspect="1"/>
+            </p:cNvPicPr>
+            <p:nvPr/>
+          </p:nvPicPr>
+          <p:blipFill rotWithShape="1">
+            <a:blip r:embed="rId5"/>
+            <a:srcRect l="3523" t="54895" r="63253" b="39131"/>
+            <a:stretch/>
+          </p:blipFill>
+          <p:spPr>
+            <a:xfrm>
+              <a:off x="7958556" y="6336405"/>
+              <a:ext cx="3537898" cy="152401"/>
+            </a:xfrm>
+            <a:prstGeom prst="rect">
+              <a:avLst/>
+            </a:prstGeom>
+          </p:spPr>
+        </p:pic>
+      </p:grpSp>
+      <p:cxnSp>
+        <p:nvCxnSpPr>
+          <p:cNvPr id="35" name="Connecteur droit avec flèche 34"/>
+          <p:cNvCxnSpPr/>
+          <p:nvPr/>
+        </p:nvCxnSpPr>
+        <p:spPr>
+          <a:xfrm>
+            <a:off x="4941574" y="2483957"/>
+            <a:ext cx="115098" cy="1"/>
+          </a:xfrm>
+          <a:prstGeom prst="straightConnector1">
+            <a:avLst/>
+          </a:prstGeom>
+          <a:ln>
+            <a:tailEnd type="triangle"/>
+          </a:ln>
+        </p:spPr>
+        <p:style>
+          <a:lnRef idx="3">
+            <a:schemeClr val="accent1"/>
+          </a:lnRef>
+          <a:fillRef idx="0">
+            <a:schemeClr val="accent1"/>
+          </a:fillRef>
+          <a:effectRef idx="2">
+            <a:schemeClr val="accent1"/>
+          </a:effectRef>
+          <a:fontRef idx="minor">
+            <a:schemeClr val="tx1"/>
+          </a:fontRef>
+        </p:style>
+      </p:cxnSp>
+      <p:sp>
+        <p:nvSpPr>
+          <p:cNvPr id="46" name="ZoneTexte 45"/>
           <p:cNvSpPr txBox="1"/>
           <p:nvPr/>
         </p:nvSpPr>
         <p:spPr>
           <a:xfrm>
-            <a:off x="3266016" y="1532805"/>
-            <a:ext cx="3598333" cy="523220"/>
+            <a:off x="3647238" y="811437"/>
+            <a:ext cx="7595528" cy="646331"/>
           </a:xfrm>
           <a:prstGeom prst="rect">
             <a:avLst/>
@@ -12402,29 +15516,1283 @@
           </a:bodyPr>
           <a:lstStyle/>
           <a:p>
+            <a:r>
+              <a:rPr lang="fr-FR" dirty="0" smtClean="0"/>
+              <a:t>The user </a:t>
+            </a:r>
+            <a:r>
+              <a:rPr lang="fr-FR" dirty="0" err="1" smtClean="0"/>
+              <a:t>chooses</a:t>
+            </a:r>
+            <a:r>
+              <a:rPr lang="fr-FR" dirty="0" smtClean="0"/>
+              <a:t> to </a:t>
+            </a:r>
+            <a:r>
+              <a:rPr lang="fr-FR" dirty="0" err="1" smtClean="0"/>
+              <a:t>fix</a:t>
+            </a:r>
+            <a:r>
+              <a:rPr lang="fr-FR" dirty="0" smtClean="0"/>
+              <a:t> </a:t>
+            </a:r>
+            <a:r>
+              <a:rPr lang="fr-FR" dirty="0" err="1" smtClean="0"/>
+              <a:t>this</a:t>
+            </a:r>
+            <a:r>
+              <a:rPr lang="fr-FR" dirty="0" smtClean="0"/>
+              <a:t> </a:t>
+            </a:r>
+            <a:r>
+              <a:rPr lang="fr-FR" dirty="0" err="1" smtClean="0"/>
+              <a:t>counterexample</a:t>
+            </a:r>
+            <a:r>
+              <a:rPr lang="fr-FR" dirty="0" smtClean="0"/>
+              <a:t> by setting content(1,1) to </a:t>
+            </a:r>
+            <a:r>
+              <a:rPr lang="fr-FR" dirty="0" err="1" smtClean="0"/>
+              <a:t>true</a:t>
+            </a:r>
+            <a:r>
+              <a:rPr lang="fr-FR" dirty="0" smtClean="0"/>
+              <a:t>.</a:t>
+            </a:r>
+          </a:p>
+          <a:p>
+            <a:r>
+              <a:rPr lang="fr-FR" dirty="0" err="1" smtClean="0"/>
+              <a:t>Then</a:t>
+            </a:r>
+            <a:r>
+              <a:rPr lang="fr-FR" dirty="0" smtClean="0"/>
+              <a:t> </a:t>
+            </a:r>
+            <a:r>
+              <a:rPr lang="fr-FR" dirty="0" err="1" smtClean="0"/>
+              <a:t>we</a:t>
+            </a:r>
+            <a:r>
+              <a:rPr lang="fr-FR" dirty="0" smtClean="0"/>
+              <a:t> </a:t>
+            </a:r>
+            <a:r>
+              <a:rPr lang="fr-FR" dirty="0" err="1" smtClean="0"/>
+              <a:t>highlight</a:t>
+            </a:r>
+            <a:r>
+              <a:rPr lang="fr-FR" dirty="0" smtClean="0"/>
+              <a:t> </a:t>
+            </a:r>
+            <a:r>
+              <a:rPr lang="fr-FR" dirty="0" err="1" smtClean="0"/>
+              <a:t>constraints</a:t>
+            </a:r>
+            <a:r>
+              <a:rPr lang="fr-FR" dirty="0" smtClean="0"/>
+              <a:t> </a:t>
+            </a:r>
+            <a:r>
+              <a:rPr lang="fr-FR" dirty="0" err="1" smtClean="0"/>
+              <a:t>that</a:t>
+            </a:r>
+            <a:r>
+              <a:rPr lang="fr-FR" dirty="0" smtClean="0"/>
+              <a:t> </a:t>
+            </a:r>
+            <a:r>
+              <a:rPr lang="fr-FR" dirty="0" err="1" smtClean="0"/>
+              <a:t>ensure</a:t>
+            </a:r>
+            <a:r>
+              <a:rPr lang="fr-FR" dirty="0" smtClean="0"/>
+              <a:t> </a:t>
+            </a:r>
+            <a:r>
+              <a:rPr lang="fr-FR" dirty="0" err="1" smtClean="0"/>
+              <a:t>that</a:t>
+            </a:r>
+            <a:r>
+              <a:rPr lang="fr-FR" dirty="0" smtClean="0"/>
+              <a:t> the conjecture </a:t>
+            </a:r>
+            <a:r>
+              <a:rPr lang="fr-FR" dirty="0" err="1" smtClean="0"/>
+              <a:t>stays</a:t>
+            </a:r>
+            <a:r>
+              <a:rPr lang="fr-FR" dirty="0" smtClean="0"/>
+              <a:t> </a:t>
+            </a:r>
+            <a:r>
+              <a:rPr lang="fr-FR" dirty="0" err="1" smtClean="0"/>
+              <a:t>true</a:t>
+            </a:r>
+            <a:r>
+              <a:rPr lang="fr-FR" dirty="0" smtClean="0"/>
+              <a:t>.</a:t>
+            </a:r>
+            <a:endParaRPr lang="fr-FR" dirty="0"/>
+          </a:p>
+        </p:txBody>
+      </p:sp>
+      <p:grpSp>
+        <p:nvGrpSpPr>
+          <p:cNvPr id="49" name="Groupe 48"/>
+          <p:cNvGrpSpPr/>
+          <p:nvPr/>
+        </p:nvGrpSpPr>
+        <p:grpSpPr>
+          <a:xfrm>
+            <a:off x="8995741" y="1723948"/>
+            <a:ext cx="2010056" cy="3600953"/>
+            <a:chOff x="5689749" y="1579301"/>
+            <a:chExt cx="2010056" cy="3600953"/>
+          </a:xfrm>
+        </p:grpSpPr>
+        <p:pic>
+          <p:nvPicPr>
+            <p:cNvPr id="47" name="Image 46"/>
+            <p:cNvPicPr>
+              <a:picLocks noChangeAspect="1"/>
+            </p:cNvPicPr>
+            <p:nvPr/>
+          </p:nvPicPr>
+          <p:blipFill>
+            <a:blip r:embed="rId2">
+              <a:extLst>
+                <a:ext uri="{28A0092B-C50C-407E-A947-70E740481C1C}">
+                  <a14:useLocalDpi xmlns:a14="http://schemas.microsoft.com/office/drawing/2010/main" val="0"/>
+                </a:ext>
+              </a:extLst>
+            </a:blip>
+            <a:stretch>
+              <a:fillRect/>
+            </a:stretch>
+          </p:blipFill>
+          <p:spPr>
+            <a:xfrm>
+              <a:off x="5689749" y="1579301"/>
+              <a:ext cx="2010056" cy="3600953"/>
+            </a:xfrm>
+            <a:prstGeom prst="rect">
+              <a:avLst/>
+            </a:prstGeom>
+          </p:spPr>
+        </p:pic>
+        <p:sp>
+          <p:nvSpPr>
+            <p:cNvPr id="48" name="Rectangle 47"/>
+            <p:cNvSpPr/>
+            <p:nvPr/>
+          </p:nvSpPr>
+          <p:spPr>
+            <a:xfrm>
+              <a:off x="5730240" y="3873596"/>
+              <a:ext cx="95794" cy="88804"/>
+            </a:xfrm>
+            <a:prstGeom prst="rect">
+              <a:avLst/>
+            </a:prstGeom>
+            <a:ln>
+              <a:noFill/>
+            </a:ln>
+          </p:spPr>
+          <p:style>
+            <a:lnRef idx="2">
+              <a:schemeClr val="accent1"/>
+            </a:lnRef>
+            <a:fillRef idx="1">
+              <a:schemeClr val="lt1"/>
+            </a:fillRef>
+            <a:effectRef idx="0">
+              <a:schemeClr val="accent1"/>
+            </a:effectRef>
+            <a:fontRef idx="minor">
+              <a:schemeClr val="dk1"/>
+            </a:fontRef>
+          </p:style>
+          <p:txBody>
+            <a:bodyPr rtlCol="0" anchor="ctr"/>
+            <a:lstStyle/>
+            <a:p>
+              <a:pPr algn="ctr"/>
+              <a:endParaRPr lang="fr-FR"/>
+            </a:p>
+          </p:txBody>
+        </p:sp>
+      </p:grpSp>
+      <p:sp>
+        <p:nvSpPr>
+          <p:cNvPr id="50" name="Rectangle 49"/>
+          <p:cNvSpPr/>
+          <p:nvPr/>
+        </p:nvSpPr>
+        <p:spPr>
+          <a:xfrm>
+            <a:off x="8837741" y="3352219"/>
+            <a:ext cx="2038878" cy="143793"/>
+          </a:xfrm>
+          <a:prstGeom prst="rect">
+            <a:avLst/>
+          </a:prstGeom>
+          <a:solidFill>
+            <a:srgbClr val="70AD47">
+              <a:alpha val="25098"/>
+            </a:srgbClr>
+          </a:solidFill>
+        </p:spPr>
+        <p:style>
+          <a:lnRef idx="2">
+            <a:schemeClr val="accent6">
+              <a:shade val="50000"/>
+            </a:schemeClr>
+          </a:lnRef>
+          <a:fillRef idx="1">
+            <a:schemeClr val="accent6"/>
+          </a:fillRef>
+          <a:effectRef idx="0">
+            <a:schemeClr val="accent6"/>
+          </a:effectRef>
+          <a:fontRef idx="minor">
+            <a:schemeClr val="lt1"/>
+          </a:fontRef>
+        </p:style>
+        <p:txBody>
+          <a:bodyPr rtlCol="0" anchor="ctr"/>
+          <a:lstStyle/>
+          <a:p>
             <a:pPr algn="ctr"/>
-            <a:r>
-              <a:rPr lang="fr-FR" sz="2800" b="1" dirty="0" smtClean="0"/>
-              <a:t>Kappa model </a:t>
-            </a:r>
-            <a:r>
-              <a:rPr lang="fr-FR" sz="2800" b="1" dirty="0" err="1" smtClean="0"/>
-              <a:t>analysis</a:t>
-            </a:r>
-            <a:endParaRPr lang="fr-FR" b="1" dirty="0"/>
+            <a:endParaRPr lang="fr-FR"/>
           </a:p>
         </p:txBody>
       </p:sp>
       <p:sp>
         <p:nvSpPr>
-          <p:cNvPr id="5" name="ZoneTexte 4"/>
+          <p:cNvPr id="51" name="Rectangle 50"/>
+          <p:cNvSpPr/>
+          <p:nvPr/>
+        </p:nvSpPr>
+        <p:spPr>
+          <a:xfrm>
+            <a:off x="8837741" y="4943784"/>
+            <a:ext cx="2038878" cy="143793"/>
+          </a:xfrm>
+          <a:prstGeom prst="rect">
+            <a:avLst/>
+          </a:prstGeom>
+          <a:solidFill>
+            <a:srgbClr val="70AD47">
+              <a:alpha val="25098"/>
+            </a:srgbClr>
+          </a:solidFill>
+        </p:spPr>
+        <p:style>
+          <a:lnRef idx="2">
+            <a:schemeClr val="accent6">
+              <a:shade val="50000"/>
+            </a:schemeClr>
+          </a:lnRef>
+          <a:fillRef idx="1">
+            <a:schemeClr val="accent6"/>
+          </a:fillRef>
+          <a:effectRef idx="0">
+            <a:schemeClr val="accent6"/>
+          </a:effectRef>
+          <a:fontRef idx="minor">
+            <a:schemeClr val="lt1"/>
+          </a:fontRef>
+        </p:style>
+        <p:txBody>
+          <a:bodyPr rtlCol="0" anchor="ctr"/>
+          <a:lstStyle/>
+          <a:p>
+            <a:pPr algn="ctr"/>
+            <a:endParaRPr lang="fr-FR"/>
+          </a:p>
+        </p:txBody>
+      </p:sp>
+      <p:sp>
+        <p:nvSpPr>
+          <p:cNvPr id="52" name="Rectangle 51"/>
+          <p:cNvSpPr/>
+          <p:nvPr/>
+        </p:nvSpPr>
+        <p:spPr>
+          <a:xfrm>
+            <a:off x="8837741" y="4405097"/>
+            <a:ext cx="2038878" cy="143793"/>
+          </a:xfrm>
+          <a:prstGeom prst="rect">
+            <a:avLst/>
+          </a:prstGeom>
+          <a:solidFill>
+            <a:srgbClr val="70AD47">
+              <a:alpha val="25098"/>
+            </a:srgbClr>
+          </a:solidFill>
+        </p:spPr>
+        <p:style>
+          <a:lnRef idx="2">
+            <a:schemeClr val="accent6">
+              <a:shade val="50000"/>
+            </a:schemeClr>
+          </a:lnRef>
+          <a:fillRef idx="1">
+            <a:schemeClr val="accent6"/>
+          </a:fillRef>
+          <a:effectRef idx="0">
+            <a:schemeClr val="accent6"/>
+          </a:effectRef>
+          <a:fontRef idx="minor">
+            <a:schemeClr val="lt1"/>
+          </a:fontRef>
+        </p:style>
+        <p:txBody>
+          <a:bodyPr rtlCol="0" anchor="ctr"/>
+          <a:lstStyle/>
+          <a:p>
+            <a:pPr algn="ctr"/>
+            <a:endParaRPr lang="fr-FR"/>
+          </a:p>
+        </p:txBody>
+      </p:sp>
+      <p:sp>
+        <p:nvSpPr>
+          <p:cNvPr id="54" name="Rectangle 53"/>
+          <p:cNvSpPr/>
+          <p:nvPr/>
+        </p:nvSpPr>
+        <p:spPr>
+          <a:xfrm>
+            <a:off x="8837741" y="4808458"/>
+            <a:ext cx="2038878" cy="143793"/>
+          </a:xfrm>
+          <a:prstGeom prst="rect">
+            <a:avLst/>
+          </a:prstGeom>
+          <a:solidFill>
+            <a:srgbClr val="70AD47">
+              <a:alpha val="25098"/>
+            </a:srgbClr>
+          </a:solidFill>
+        </p:spPr>
+        <p:style>
+          <a:lnRef idx="2">
+            <a:schemeClr val="accent6">
+              <a:shade val="50000"/>
+            </a:schemeClr>
+          </a:lnRef>
+          <a:fillRef idx="1">
+            <a:schemeClr val="accent6"/>
+          </a:fillRef>
+          <a:effectRef idx="0">
+            <a:schemeClr val="accent6"/>
+          </a:effectRef>
+          <a:fontRef idx="minor">
+            <a:schemeClr val="lt1"/>
+          </a:fontRef>
+        </p:style>
+        <p:txBody>
+          <a:bodyPr rtlCol="0" anchor="ctr"/>
+          <a:lstStyle/>
+          <a:p>
+            <a:pPr algn="ctr"/>
+            <a:endParaRPr lang="fr-FR"/>
+          </a:p>
+        </p:txBody>
+      </p:sp>
+      <p:sp>
+        <p:nvSpPr>
+          <p:cNvPr id="55" name="Rectangle 54"/>
+          <p:cNvSpPr/>
+          <p:nvPr/>
+        </p:nvSpPr>
+        <p:spPr>
+          <a:xfrm>
+            <a:off x="8837741" y="2545793"/>
+            <a:ext cx="2038878" cy="143793"/>
+          </a:xfrm>
+          <a:prstGeom prst="rect">
+            <a:avLst/>
+          </a:prstGeom>
+          <a:solidFill>
+            <a:srgbClr val="70AD47">
+              <a:alpha val="25098"/>
+            </a:srgbClr>
+          </a:solidFill>
+        </p:spPr>
+        <p:style>
+          <a:lnRef idx="2">
+            <a:schemeClr val="accent6">
+              <a:shade val="50000"/>
+            </a:schemeClr>
+          </a:lnRef>
+          <a:fillRef idx="1">
+            <a:schemeClr val="accent6"/>
+          </a:fillRef>
+          <a:effectRef idx="0">
+            <a:schemeClr val="accent6"/>
+          </a:effectRef>
+          <a:fontRef idx="minor">
+            <a:schemeClr val="lt1"/>
+          </a:fontRef>
+        </p:style>
+        <p:txBody>
+          <a:bodyPr rtlCol="0" anchor="ctr"/>
+          <a:lstStyle/>
+          <a:p>
+            <a:pPr algn="ctr"/>
+            <a:endParaRPr lang="fr-FR"/>
+          </a:p>
+        </p:txBody>
+      </p:sp>
+      <p:sp>
+        <p:nvSpPr>
+          <p:cNvPr id="56" name="Rectangle 55"/>
+          <p:cNvSpPr/>
+          <p:nvPr/>
+        </p:nvSpPr>
+        <p:spPr>
+          <a:xfrm>
+            <a:off x="8831408" y="4676031"/>
+            <a:ext cx="2038878" cy="143793"/>
+          </a:xfrm>
+          <a:prstGeom prst="rect">
+            <a:avLst/>
+          </a:prstGeom>
+          <a:solidFill>
+            <a:srgbClr val="70AD47">
+              <a:alpha val="25098"/>
+            </a:srgbClr>
+          </a:solidFill>
+        </p:spPr>
+        <p:style>
+          <a:lnRef idx="2">
+            <a:schemeClr val="accent6">
+              <a:shade val="50000"/>
+            </a:schemeClr>
+          </a:lnRef>
+          <a:fillRef idx="1">
+            <a:schemeClr val="accent6"/>
+          </a:fillRef>
+          <a:effectRef idx="0">
+            <a:schemeClr val="accent6"/>
+          </a:effectRef>
+          <a:fontRef idx="minor">
+            <a:schemeClr val="lt1"/>
+          </a:fontRef>
+        </p:style>
+        <p:txBody>
+          <a:bodyPr rtlCol="0" anchor="ctr"/>
+          <a:lstStyle/>
+          <a:p>
+            <a:pPr algn="ctr"/>
+            <a:endParaRPr lang="fr-FR"/>
+          </a:p>
+        </p:txBody>
+      </p:sp>
+      <p:sp>
+        <p:nvSpPr>
+          <p:cNvPr id="57" name="Rectangle 56"/>
+          <p:cNvSpPr/>
+          <p:nvPr/>
+        </p:nvSpPr>
+        <p:spPr>
+          <a:xfrm>
+            <a:off x="8831408" y="4001736"/>
+            <a:ext cx="2038878" cy="143793"/>
+          </a:xfrm>
+          <a:prstGeom prst="rect">
+            <a:avLst/>
+          </a:prstGeom>
+          <a:solidFill>
+            <a:srgbClr val="70AD47">
+              <a:alpha val="25098"/>
+            </a:srgbClr>
+          </a:solidFill>
+        </p:spPr>
+        <p:style>
+          <a:lnRef idx="2">
+            <a:schemeClr val="accent6">
+              <a:shade val="50000"/>
+            </a:schemeClr>
+          </a:lnRef>
+          <a:fillRef idx="1">
+            <a:schemeClr val="accent6"/>
+          </a:fillRef>
+          <a:effectRef idx="0">
+            <a:schemeClr val="accent6"/>
+          </a:effectRef>
+          <a:fontRef idx="minor">
+            <a:schemeClr val="lt1"/>
+          </a:fontRef>
+        </p:style>
+        <p:txBody>
+          <a:bodyPr rtlCol="0" anchor="ctr"/>
+          <a:lstStyle/>
+          <a:p>
+            <a:pPr algn="ctr"/>
+            <a:endParaRPr lang="fr-FR"/>
+          </a:p>
+        </p:txBody>
+      </p:sp>
+      <p:grpSp>
+        <p:nvGrpSpPr>
+          <p:cNvPr id="58" name="Groupe 57"/>
+          <p:cNvGrpSpPr/>
+          <p:nvPr/>
+        </p:nvGrpSpPr>
+        <p:grpSpPr>
+          <a:xfrm>
+            <a:off x="643356" y="4463245"/>
+            <a:ext cx="3565585" cy="2121237"/>
+            <a:chOff x="7930869" y="4367569"/>
+            <a:chExt cx="3565585" cy="2121237"/>
+          </a:xfrm>
+        </p:grpSpPr>
+        <p:grpSp>
+          <p:nvGrpSpPr>
+            <p:cNvPr id="59" name="Groupe 58"/>
+            <p:cNvGrpSpPr/>
+            <p:nvPr/>
+          </p:nvGrpSpPr>
+          <p:grpSpPr>
+            <a:xfrm>
+              <a:off x="7930869" y="4639733"/>
+              <a:ext cx="3565585" cy="1647997"/>
+              <a:chOff x="708803" y="4563533"/>
+              <a:chExt cx="3565585" cy="1647997"/>
+            </a:xfrm>
+          </p:grpSpPr>
+          <p:pic>
+            <p:nvPicPr>
+              <p:cNvPr id="62" name="Image 61"/>
+              <p:cNvPicPr>
+                <a:picLocks noChangeAspect="1"/>
+              </p:cNvPicPr>
+              <p:nvPr/>
+            </p:nvPicPr>
+            <p:blipFill rotWithShape="1">
+              <a:blip r:embed="rId3"/>
+              <a:srcRect t="44083"/>
+              <a:stretch/>
+            </p:blipFill>
+            <p:spPr>
+              <a:xfrm>
+                <a:off x="708803" y="4563533"/>
+                <a:ext cx="3565585" cy="1647997"/>
+              </a:xfrm>
+              <a:prstGeom prst="rect">
+                <a:avLst/>
+              </a:prstGeom>
+            </p:spPr>
+          </p:pic>
+          <p:sp>
+            <p:nvSpPr>
+              <p:cNvPr id="63" name="Ellipse 62"/>
+              <p:cNvSpPr/>
+              <p:nvPr/>
+            </p:nvSpPr>
+            <p:spPr>
+              <a:xfrm>
+                <a:off x="810683" y="5073650"/>
+                <a:ext cx="75142" cy="79375"/>
+              </a:xfrm>
+              <a:prstGeom prst="ellipse">
+                <a:avLst/>
+              </a:prstGeom>
+            </p:spPr>
+            <p:style>
+              <a:lnRef idx="1">
+                <a:schemeClr val="accent2"/>
+              </a:lnRef>
+              <a:fillRef idx="3">
+                <a:schemeClr val="accent2"/>
+              </a:fillRef>
+              <a:effectRef idx="2">
+                <a:schemeClr val="accent2"/>
+              </a:effectRef>
+              <a:fontRef idx="minor">
+                <a:schemeClr val="lt1"/>
+              </a:fontRef>
+            </p:style>
+            <p:txBody>
+              <a:bodyPr rtlCol="0" anchor="ctr"/>
+              <a:lstStyle/>
+              <a:p>
+                <a:pPr algn="ctr"/>
+                <a:endParaRPr lang="fr-FR"/>
+              </a:p>
+            </p:txBody>
+          </p:sp>
+          <p:sp>
+            <p:nvSpPr>
+              <p:cNvPr id="64" name="Ellipse 63"/>
+              <p:cNvSpPr/>
+              <p:nvPr/>
+            </p:nvSpPr>
+            <p:spPr>
+              <a:xfrm>
+                <a:off x="810683" y="5211762"/>
+                <a:ext cx="75142" cy="79375"/>
+              </a:xfrm>
+              <a:prstGeom prst="ellipse">
+                <a:avLst/>
+              </a:prstGeom>
+            </p:spPr>
+            <p:style>
+              <a:lnRef idx="1">
+                <a:schemeClr val="accent2"/>
+              </a:lnRef>
+              <a:fillRef idx="3">
+                <a:schemeClr val="accent2"/>
+              </a:fillRef>
+              <a:effectRef idx="2">
+                <a:schemeClr val="accent2"/>
+              </a:effectRef>
+              <a:fontRef idx="minor">
+                <a:schemeClr val="lt1"/>
+              </a:fontRef>
+            </p:style>
+            <p:txBody>
+              <a:bodyPr rtlCol="0" anchor="ctr"/>
+              <a:lstStyle/>
+              <a:p>
+                <a:pPr algn="ctr"/>
+                <a:endParaRPr lang="fr-FR"/>
+              </a:p>
+            </p:txBody>
+          </p:sp>
+          <p:sp>
+            <p:nvSpPr>
+              <p:cNvPr id="65" name="Ellipse 64"/>
+              <p:cNvSpPr/>
+              <p:nvPr/>
+            </p:nvSpPr>
+            <p:spPr>
+              <a:xfrm>
+                <a:off x="810683" y="5349874"/>
+                <a:ext cx="75142" cy="79375"/>
+              </a:xfrm>
+              <a:prstGeom prst="ellipse">
+                <a:avLst/>
+              </a:prstGeom>
+            </p:spPr>
+            <p:style>
+              <a:lnRef idx="1">
+                <a:schemeClr val="accent2"/>
+              </a:lnRef>
+              <a:fillRef idx="3">
+                <a:schemeClr val="accent2"/>
+              </a:fillRef>
+              <a:effectRef idx="2">
+                <a:schemeClr val="accent2"/>
+              </a:effectRef>
+              <a:fontRef idx="minor">
+                <a:schemeClr val="lt1"/>
+              </a:fontRef>
+            </p:style>
+            <p:txBody>
+              <a:bodyPr rtlCol="0" anchor="ctr"/>
+              <a:lstStyle/>
+              <a:p>
+                <a:pPr algn="ctr"/>
+                <a:endParaRPr lang="fr-FR"/>
+              </a:p>
+            </p:txBody>
+          </p:sp>
+          <p:sp>
+            <p:nvSpPr>
+              <p:cNvPr id="66" name="Ellipse 65"/>
+              <p:cNvSpPr/>
+              <p:nvPr/>
+            </p:nvSpPr>
+            <p:spPr>
+              <a:xfrm>
+                <a:off x="810683" y="4935538"/>
+                <a:ext cx="75142" cy="79375"/>
+              </a:xfrm>
+              <a:prstGeom prst="ellipse">
+                <a:avLst/>
+              </a:prstGeom>
+            </p:spPr>
+            <p:style>
+              <a:lnRef idx="1">
+                <a:schemeClr val="accent2"/>
+              </a:lnRef>
+              <a:fillRef idx="3">
+                <a:schemeClr val="accent2"/>
+              </a:fillRef>
+              <a:effectRef idx="2">
+                <a:schemeClr val="accent2"/>
+              </a:effectRef>
+              <a:fontRef idx="minor">
+                <a:schemeClr val="lt1"/>
+              </a:fontRef>
+            </p:style>
+            <p:txBody>
+              <a:bodyPr rtlCol="0" anchor="ctr"/>
+              <a:lstStyle/>
+              <a:p>
+                <a:pPr algn="ctr"/>
+                <a:endParaRPr lang="fr-FR"/>
+              </a:p>
+            </p:txBody>
+          </p:sp>
+          <p:sp>
+            <p:nvSpPr>
+              <p:cNvPr id="67" name="Ellipse 66"/>
+              <p:cNvSpPr/>
+              <p:nvPr/>
+            </p:nvSpPr>
+            <p:spPr>
+              <a:xfrm>
+                <a:off x="810683" y="5487986"/>
+                <a:ext cx="75142" cy="79375"/>
+              </a:xfrm>
+              <a:prstGeom prst="ellipse">
+                <a:avLst/>
+              </a:prstGeom>
+            </p:spPr>
+            <p:style>
+              <a:lnRef idx="1">
+                <a:schemeClr val="accent2"/>
+              </a:lnRef>
+              <a:fillRef idx="3">
+                <a:schemeClr val="accent2"/>
+              </a:fillRef>
+              <a:effectRef idx="2">
+                <a:schemeClr val="accent2"/>
+              </a:effectRef>
+              <a:fontRef idx="minor">
+                <a:schemeClr val="lt1"/>
+              </a:fontRef>
+            </p:style>
+            <p:txBody>
+              <a:bodyPr rtlCol="0" anchor="ctr"/>
+              <a:lstStyle/>
+              <a:p>
+                <a:pPr algn="ctr"/>
+                <a:endParaRPr lang="fr-FR"/>
+              </a:p>
+            </p:txBody>
+          </p:sp>
+        </p:grpSp>
+        <p:pic>
+          <p:nvPicPr>
+            <p:cNvPr id="60" name="Image 59"/>
+            <p:cNvPicPr>
+              <a:picLocks noChangeAspect="1"/>
+            </p:cNvPicPr>
+            <p:nvPr/>
+          </p:nvPicPr>
+          <p:blipFill rotWithShape="1">
+            <a:blip r:embed="rId4"/>
+            <a:srcRect t="83666" b="4737"/>
+            <a:stretch/>
+          </p:blipFill>
+          <p:spPr>
+            <a:xfrm>
+              <a:off x="7953154" y="4367569"/>
+              <a:ext cx="3543300" cy="220133"/>
+            </a:xfrm>
+            <a:prstGeom prst="rect">
+              <a:avLst/>
+            </a:prstGeom>
+          </p:spPr>
+        </p:pic>
+        <p:pic>
+          <p:nvPicPr>
+            <p:cNvPr id="61" name="Image 60"/>
+            <p:cNvPicPr>
+              <a:picLocks noChangeAspect="1"/>
+            </p:cNvPicPr>
+            <p:nvPr/>
+          </p:nvPicPr>
+          <p:blipFill rotWithShape="1">
+            <a:blip r:embed="rId5"/>
+            <a:srcRect l="3523" t="54895" r="63253" b="39131"/>
+            <a:stretch/>
+          </p:blipFill>
+          <p:spPr>
+            <a:xfrm>
+              <a:off x="7958556" y="6336405"/>
+              <a:ext cx="3537898" cy="152401"/>
+            </a:xfrm>
+            <a:prstGeom prst="rect">
+              <a:avLst/>
+            </a:prstGeom>
+          </p:spPr>
+        </p:pic>
+      </p:grpSp>
+      <p:cxnSp>
+        <p:nvCxnSpPr>
+          <p:cNvPr id="68" name="Connecteur droit avec flèche 67"/>
+          <p:cNvCxnSpPr/>
+          <p:nvPr/>
+        </p:nvCxnSpPr>
+        <p:spPr>
+          <a:xfrm>
+            <a:off x="543025" y="5147100"/>
+            <a:ext cx="115098" cy="1"/>
+          </a:xfrm>
+          <a:prstGeom prst="straightConnector1">
+            <a:avLst/>
+          </a:prstGeom>
+          <a:ln>
+            <a:tailEnd type="triangle"/>
+          </a:ln>
+        </p:spPr>
+        <p:style>
+          <a:lnRef idx="3">
+            <a:schemeClr val="accent1"/>
+          </a:lnRef>
+          <a:fillRef idx="0">
+            <a:schemeClr val="accent1"/>
+          </a:fillRef>
+          <a:effectRef idx="2">
+            <a:schemeClr val="accent1"/>
+          </a:effectRef>
+          <a:fontRef idx="minor">
+            <a:schemeClr val="tx1"/>
+          </a:fontRef>
+        </p:style>
+      </p:cxnSp>
+      <p:sp>
+        <p:nvSpPr>
+          <p:cNvPr id="69" name="Rectangle 68"/>
+          <p:cNvSpPr/>
+          <p:nvPr/>
+        </p:nvSpPr>
+        <p:spPr>
+          <a:xfrm>
+            <a:off x="348171" y="791604"/>
+            <a:ext cx="2038878" cy="143793"/>
+          </a:xfrm>
+          <a:prstGeom prst="rect">
+            <a:avLst/>
+          </a:prstGeom>
+          <a:solidFill>
+            <a:srgbClr val="70AD47">
+              <a:alpha val="25098"/>
+            </a:srgbClr>
+          </a:solidFill>
+        </p:spPr>
+        <p:style>
+          <a:lnRef idx="2">
+            <a:schemeClr val="accent6">
+              <a:shade val="50000"/>
+            </a:schemeClr>
+          </a:lnRef>
+          <a:fillRef idx="1">
+            <a:schemeClr val="accent6"/>
+          </a:fillRef>
+          <a:effectRef idx="0">
+            <a:schemeClr val="accent6"/>
+          </a:effectRef>
+          <a:fontRef idx="minor">
+            <a:schemeClr val="lt1"/>
+          </a:fontRef>
+        </p:style>
+        <p:txBody>
+          <a:bodyPr rtlCol="0" anchor="ctr"/>
+          <a:lstStyle/>
+          <a:p>
+            <a:pPr algn="ctr"/>
+            <a:endParaRPr lang="fr-FR"/>
+          </a:p>
+        </p:txBody>
+      </p:sp>
+    </p:spTree>
+    <p:extLst>
+      <p:ext uri="{BB962C8B-B14F-4D97-AF65-F5344CB8AC3E}">
+        <p14:creationId xmlns:p14="http://schemas.microsoft.com/office/powerpoint/2010/main" val="2587986432"/>
+      </p:ext>
+    </p:extLst>
+  </p:cSld>
+  <p:clrMapOvr>
+    <a:masterClrMapping/>
+  </p:clrMapOvr>
+</p:sld>
+</file>
+
+<file path=ppt/slides/slide24.xml><?xml version="1.0" encoding="utf-8"?>
+<p:sld xmlns:a="http://schemas.openxmlformats.org/drawingml/2006/main" xmlns:r="http://schemas.openxmlformats.org/officeDocument/2006/relationships" xmlns:p="http://schemas.openxmlformats.org/presentationml/2006/main">
+  <p:cSld>
+    <p:spTree>
+      <p:nvGrpSpPr>
+        <p:cNvPr id="1" name=""/>
+        <p:cNvGrpSpPr/>
+        <p:nvPr/>
+      </p:nvGrpSpPr>
+      <p:grpSpPr>
+        <a:xfrm>
+          <a:off x="0" y="0"/>
+          <a:ext cx="0" cy="0"/>
+          <a:chOff x="0" y="0"/>
+          <a:chExt cx="0" cy="0"/>
+        </a:xfrm>
+      </p:grpSpPr>
+      <p:pic>
+        <p:nvPicPr>
+          <p:cNvPr id="4" name="Image 3"/>
+          <p:cNvPicPr>
+            <a:picLocks noChangeAspect="1"/>
+          </p:cNvPicPr>
+          <p:nvPr/>
+        </p:nvPicPr>
+        <p:blipFill>
+          <a:blip r:embed="rId2">
+            <a:extLst>
+              <a:ext uri="{28A0092B-C50C-407E-A947-70E740481C1C}">
+                <a14:useLocalDpi xmlns:a14="http://schemas.microsoft.com/office/drawing/2010/main" val="0"/>
+              </a:ext>
+            </a:extLst>
+          </a:blip>
+          <a:stretch>
+            <a:fillRect/>
+          </a:stretch>
+        </p:blipFill>
+        <p:spPr>
+          <a:xfrm>
+            <a:off x="449366" y="2741309"/>
+            <a:ext cx="2010056" cy="3600953"/>
+          </a:xfrm>
+          <a:prstGeom prst="rect">
+            <a:avLst/>
+          </a:prstGeom>
+        </p:spPr>
+      </p:pic>
+      <p:sp>
+        <p:nvSpPr>
+          <p:cNvPr id="24" name="Rectangle 23"/>
+          <p:cNvSpPr/>
+          <p:nvPr/>
+        </p:nvSpPr>
+        <p:spPr>
+          <a:xfrm>
+            <a:off x="369744" y="4355658"/>
+            <a:ext cx="2038878" cy="143793"/>
+          </a:xfrm>
+          <a:prstGeom prst="rect">
+            <a:avLst/>
+          </a:prstGeom>
+          <a:solidFill>
+            <a:srgbClr val="70AD47">
+              <a:alpha val="25098"/>
+            </a:srgbClr>
+          </a:solidFill>
+        </p:spPr>
+        <p:style>
+          <a:lnRef idx="2">
+            <a:schemeClr val="accent6">
+              <a:shade val="50000"/>
+            </a:schemeClr>
+          </a:lnRef>
+          <a:fillRef idx="1">
+            <a:schemeClr val="accent6"/>
+          </a:fillRef>
+          <a:effectRef idx="0">
+            <a:schemeClr val="accent6"/>
+          </a:effectRef>
+          <a:fontRef idx="minor">
+            <a:schemeClr val="lt1"/>
+          </a:fontRef>
+        </p:style>
+        <p:txBody>
+          <a:bodyPr rtlCol="0" anchor="ctr"/>
+          <a:lstStyle/>
+          <a:p>
+            <a:pPr algn="ctr"/>
+            <a:endParaRPr lang="fr-FR"/>
+          </a:p>
+        </p:txBody>
+      </p:sp>
+      <p:sp>
+        <p:nvSpPr>
+          <p:cNvPr id="25" name="Rectangle 24"/>
+          <p:cNvSpPr/>
+          <p:nvPr/>
+        </p:nvSpPr>
+        <p:spPr>
+          <a:xfrm>
+            <a:off x="369744" y="5947223"/>
+            <a:ext cx="2038878" cy="143793"/>
+          </a:xfrm>
+          <a:prstGeom prst="rect">
+            <a:avLst/>
+          </a:prstGeom>
+          <a:solidFill>
+            <a:srgbClr val="70AD47">
+              <a:alpha val="25098"/>
+            </a:srgbClr>
+          </a:solidFill>
+        </p:spPr>
+        <p:style>
+          <a:lnRef idx="2">
+            <a:schemeClr val="accent6">
+              <a:shade val="50000"/>
+            </a:schemeClr>
+          </a:lnRef>
+          <a:fillRef idx="1">
+            <a:schemeClr val="accent6"/>
+          </a:fillRef>
+          <a:effectRef idx="0">
+            <a:schemeClr val="accent6"/>
+          </a:effectRef>
+          <a:fontRef idx="minor">
+            <a:schemeClr val="lt1"/>
+          </a:fontRef>
+        </p:style>
+        <p:txBody>
+          <a:bodyPr rtlCol="0" anchor="ctr"/>
+          <a:lstStyle/>
+          <a:p>
+            <a:pPr algn="ctr"/>
+            <a:endParaRPr lang="fr-FR"/>
+          </a:p>
+        </p:txBody>
+      </p:sp>
+      <p:sp>
+        <p:nvSpPr>
+          <p:cNvPr id="26" name="Rectangle 25"/>
+          <p:cNvSpPr/>
+          <p:nvPr/>
+        </p:nvSpPr>
+        <p:spPr>
+          <a:xfrm>
+            <a:off x="369744" y="5408536"/>
+            <a:ext cx="2038878" cy="143793"/>
+          </a:xfrm>
+          <a:prstGeom prst="rect">
+            <a:avLst/>
+          </a:prstGeom>
+          <a:solidFill>
+            <a:srgbClr val="70AD47">
+              <a:alpha val="25098"/>
+            </a:srgbClr>
+          </a:solidFill>
+        </p:spPr>
+        <p:style>
+          <a:lnRef idx="2">
+            <a:schemeClr val="accent6">
+              <a:shade val="50000"/>
+            </a:schemeClr>
+          </a:lnRef>
+          <a:fillRef idx="1">
+            <a:schemeClr val="accent6"/>
+          </a:fillRef>
+          <a:effectRef idx="0">
+            <a:schemeClr val="accent6"/>
+          </a:effectRef>
+          <a:fontRef idx="minor">
+            <a:schemeClr val="lt1"/>
+          </a:fontRef>
+        </p:style>
+        <p:txBody>
+          <a:bodyPr rtlCol="0" anchor="ctr"/>
+          <a:lstStyle/>
+          <a:p>
+            <a:pPr algn="ctr"/>
+            <a:endParaRPr lang="fr-FR"/>
+          </a:p>
+        </p:txBody>
+      </p:sp>
+      <p:sp>
+        <p:nvSpPr>
+          <p:cNvPr id="29" name="Rectangle 28"/>
+          <p:cNvSpPr/>
+          <p:nvPr/>
+        </p:nvSpPr>
+        <p:spPr>
+          <a:xfrm>
+            <a:off x="369744" y="2885064"/>
+            <a:ext cx="2038878" cy="143793"/>
+          </a:xfrm>
+          <a:prstGeom prst="rect">
+            <a:avLst/>
+          </a:prstGeom>
+          <a:solidFill>
+            <a:schemeClr val="accent2">
+              <a:lumMod val="60000"/>
+              <a:lumOff val="40000"/>
+              <a:alpha val="25098"/>
+            </a:schemeClr>
+          </a:solidFill>
+        </p:spPr>
+        <p:style>
+          <a:lnRef idx="2">
+            <a:schemeClr val="accent6">
+              <a:shade val="50000"/>
+            </a:schemeClr>
+          </a:lnRef>
+          <a:fillRef idx="1">
+            <a:schemeClr val="accent6"/>
+          </a:fillRef>
+          <a:effectRef idx="0">
+            <a:schemeClr val="accent6"/>
+          </a:effectRef>
+          <a:fontRef idx="minor">
+            <a:schemeClr val="lt1"/>
+          </a:fontRef>
+        </p:style>
+        <p:txBody>
+          <a:bodyPr rtlCol="0" anchor="ctr"/>
+          <a:lstStyle/>
+          <a:p>
+            <a:pPr algn="ctr"/>
+            <a:endParaRPr lang="fr-FR"/>
+          </a:p>
+        </p:txBody>
+      </p:sp>
+      <p:sp>
+        <p:nvSpPr>
+          <p:cNvPr id="31" name="Rectangle 30"/>
+          <p:cNvSpPr/>
+          <p:nvPr/>
+        </p:nvSpPr>
+        <p:spPr>
+          <a:xfrm>
+            <a:off x="369744" y="5811897"/>
+            <a:ext cx="2038878" cy="143793"/>
+          </a:xfrm>
+          <a:prstGeom prst="rect">
+            <a:avLst/>
+          </a:prstGeom>
+          <a:solidFill>
+            <a:srgbClr val="70AD47">
+              <a:alpha val="25098"/>
+            </a:srgbClr>
+          </a:solidFill>
+        </p:spPr>
+        <p:style>
+          <a:lnRef idx="2">
+            <a:schemeClr val="accent6">
+              <a:shade val="50000"/>
+            </a:schemeClr>
+          </a:lnRef>
+          <a:fillRef idx="1">
+            <a:schemeClr val="accent6"/>
+          </a:fillRef>
+          <a:effectRef idx="0">
+            <a:schemeClr val="accent6"/>
+          </a:effectRef>
+          <a:fontRef idx="minor">
+            <a:schemeClr val="lt1"/>
+          </a:fontRef>
+        </p:style>
+        <p:txBody>
+          <a:bodyPr rtlCol="0" anchor="ctr"/>
+          <a:lstStyle/>
+          <a:p>
+            <a:pPr algn="ctr"/>
+            <a:endParaRPr lang="fr-FR"/>
+          </a:p>
+        </p:txBody>
+      </p:sp>
+      <p:sp>
+        <p:nvSpPr>
+          <p:cNvPr id="33" name="Rectangle 32"/>
+          <p:cNvSpPr/>
+          <p:nvPr/>
+        </p:nvSpPr>
+        <p:spPr>
+          <a:xfrm>
+            <a:off x="369744" y="3549232"/>
+            <a:ext cx="2038878" cy="143793"/>
+          </a:xfrm>
+          <a:prstGeom prst="rect">
+            <a:avLst/>
+          </a:prstGeom>
+          <a:solidFill>
+            <a:srgbClr val="70AD47">
+              <a:alpha val="25098"/>
+            </a:srgbClr>
+          </a:solidFill>
+        </p:spPr>
+        <p:style>
+          <a:lnRef idx="2">
+            <a:schemeClr val="accent6">
+              <a:shade val="50000"/>
+            </a:schemeClr>
+          </a:lnRef>
+          <a:fillRef idx="1">
+            <a:schemeClr val="accent6"/>
+          </a:fillRef>
+          <a:effectRef idx="0">
+            <a:schemeClr val="accent6"/>
+          </a:effectRef>
+          <a:fontRef idx="minor">
+            <a:schemeClr val="lt1"/>
+          </a:fontRef>
+        </p:style>
+        <p:txBody>
+          <a:bodyPr rtlCol="0" anchor="ctr"/>
+          <a:lstStyle/>
+          <a:p>
+            <a:pPr algn="ctr"/>
+            <a:endParaRPr lang="fr-FR"/>
+          </a:p>
+        </p:txBody>
+      </p:sp>
+      <p:sp>
+        <p:nvSpPr>
+          <p:cNvPr id="22" name="Rectangle 21"/>
+          <p:cNvSpPr/>
+          <p:nvPr/>
+        </p:nvSpPr>
+        <p:spPr>
+          <a:xfrm>
+            <a:off x="363411" y="5679470"/>
+            <a:ext cx="2038878" cy="143793"/>
+          </a:xfrm>
+          <a:prstGeom prst="rect">
+            <a:avLst/>
+          </a:prstGeom>
+          <a:solidFill>
+            <a:srgbClr val="70AD47">
+              <a:alpha val="25098"/>
+            </a:srgbClr>
+          </a:solidFill>
+        </p:spPr>
+        <p:style>
+          <a:lnRef idx="2">
+            <a:schemeClr val="accent6">
+              <a:shade val="50000"/>
+            </a:schemeClr>
+          </a:lnRef>
+          <a:fillRef idx="1">
+            <a:schemeClr val="accent6"/>
+          </a:fillRef>
+          <a:effectRef idx="0">
+            <a:schemeClr val="accent6"/>
+          </a:effectRef>
+          <a:fontRef idx="minor">
+            <a:schemeClr val="lt1"/>
+          </a:fontRef>
+        </p:style>
+        <p:txBody>
+          <a:bodyPr rtlCol="0" anchor="ctr"/>
+          <a:lstStyle/>
+          <a:p>
+            <a:pPr algn="ctr"/>
+            <a:endParaRPr lang="fr-FR"/>
+          </a:p>
+        </p:txBody>
+      </p:sp>
+      <p:sp>
+        <p:nvSpPr>
+          <p:cNvPr id="46" name="ZoneTexte 45"/>
           <p:cNvSpPr txBox="1"/>
           <p:nvPr/>
         </p:nvSpPr>
         <p:spPr>
           <a:xfrm>
-            <a:off x="7441141" y="1557970"/>
-            <a:ext cx="3674533" cy="523220"/>
+            <a:off x="507798" y="766305"/>
+            <a:ext cx="11066982" cy="1477328"/>
           </a:xfrm>
           <a:prstGeom prst="rect">
             <a:avLst/>
@@ -12437,41 +16805,687 @@
           </a:bodyPr>
           <a:lstStyle/>
           <a:p>
+            <a:r>
+              <a:rPr lang="fr-FR" dirty="0" err="1" smtClean="0"/>
+              <a:t>Then</a:t>
+            </a:r>
+            <a:r>
+              <a:rPr lang="fr-FR" dirty="0" smtClean="0"/>
+              <a:t> </a:t>
+            </a:r>
+            <a:r>
+              <a:rPr lang="fr-FR" dirty="0" err="1" smtClean="0"/>
+              <a:t>we</a:t>
+            </a:r>
+            <a:r>
+              <a:rPr lang="fr-FR" dirty="0" smtClean="0"/>
+              <a:t> compare the </a:t>
+            </a:r>
+            <a:r>
+              <a:rPr lang="fr-FR" dirty="0" err="1" smtClean="0"/>
+              <a:t>highlighted</a:t>
+            </a:r>
+            <a:r>
+              <a:rPr lang="fr-FR" dirty="0" smtClean="0"/>
+              <a:t> </a:t>
+            </a:r>
+            <a:r>
+              <a:rPr lang="fr-FR" dirty="0" err="1" smtClean="0"/>
+              <a:t>constraints</a:t>
+            </a:r>
+            <a:r>
+              <a:rPr lang="fr-FR" dirty="0" smtClean="0"/>
+              <a:t> of the </a:t>
+            </a:r>
+            <a:r>
+              <a:rPr lang="fr-FR" dirty="0" err="1" smtClean="0"/>
+              <a:t>two</a:t>
+            </a:r>
+            <a:r>
+              <a:rPr lang="fr-FR" dirty="0" smtClean="0"/>
+              <a:t> </a:t>
+            </a:r>
+            <a:r>
+              <a:rPr lang="fr-FR" dirty="0" err="1" smtClean="0"/>
+              <a:t>examples</a:t>
+            </a:r>
+            <a:r>
+              <a:rPr lang="fr-FR" dirty="0" smtClean="0"/>
+              <a:t>. If </a:t>
+            </a:r>
+            <a:r>
+              <a:rPr lang="fr-FR" dirty="0" err="1" smtClean="0"/>
+              <a:t>there</a:t>
+            </a:r>
+            <a:r>
+              <a:rPr lang="fr-FR" dirty="0" smtClean="0"/>
+              <a:t> </a:t>
+            </a:r>
+            <a:r>
+              <a:rPr lang="fr-FR" dirty="0" err="1" smtClean="0"/>
+              <a:t>is</a:t>
+            </a:r>
+            <a:r>
+              <a:rPr lang="fr-FR" dirty="0" smtClean="0"/>
+              <a:t> </a:t>
+            </a:r>
+            <a:r>
+              <a:rPr lang="fr-FR" dirty="0" err="1" smtClean="0"/>
+              <a:t>contradictory</a:t>
+            </a:r>
+            <a:r>
+              <a:rPr lang="fr-FR" dirty="0" smtClean="0"/>
+              <a:t> </a:t>
+            </a:r>
+            <a:r>
+              <a:rPr lang="fr-FR" dirty="0" err="1" smtClean="0"/>
+              <a:t>highlighted</a:t>
+            </a:r>
+            <a:r>
+              <a:rPr lang="fr-FR" dirty="0" smtClean="0"/>
+              <a:t> </a:t>
+            </a:r>
+            <a:r>
+              <a:rPr lang="fr-FR" dirty="0" err="1" smtClean="0"/>
+              <a:t>constraints</a:t>
+            </a:r>
+            <a:r>
+              <a:rPr lang="fr-FR" dirty="0" smtClean="0"/>
+              <a:t>, </a:t>
+            </a:r>
+            <a:r>
+              <a:rPr lang="fr-FR" dirty="0" err="1" smtClean="0"/>
+              <a:t>we</a:t>
+            </a:r>
+            <a:r>
+              <a:rPr lang="fr-FR" dirty="0" smtClean="0"/>
+              <a:t> </a:t>
+            </a:r>
+            <a:r>
+              <a:rPr lang="fr-FR" dirty="0" err="1" smtClean="0"/>
+              <a:t>should</a:t>
+            </a:r>
+            <a:r>
+              <a:rPr lang="fr-FR" dirty="0" smtClean="0"/>
+              <a:t> </a:t>
+            </a:r>
+            <a:r>
+              <a:rPr lang="fr-FR" dirty="0" err="1" smtClean="0"/>
+              <a:t>ask</a:t>
+            </a:r>
+            <a:r>
+              <a:rPr lang="fr-FR" dirty="0" smtClean="0"/>
+              <a:t> the user an </a:t>
+            </a:r>
+            <a:r>
+              <a:rPr lang="fr-FR" dirty="0" err="1" smtClean="0"/>
+              <a:t>other</a:t>
+            </a:r>
+            <a:r>
+              <a:rPr lang="fr-FR" dirty="0" smtClean="0"/>
+              <a:t> </a:t>
+            </a:r>
+            <a:r>
+              <a:rPr lang="fr-FR" dirty="0" err="1" smtClean="0"/>
+              <a:t>fix</a:t>
+            </a:r>
+            <a:r>
+              <a:rPr lang="fr-FR" dirty="0" smtClean="0"/>
+              <a:t> </a:t>
+            </a:r>
+            <a:r>
+              <a:rPr lang="fr-FR" dirty="0" err="1" smtClean="0"/>
+              <a:t>because</a:t>
+            </a:r>
+            <a:r>
+              <a:rPr lang="fr-FR" dirty="0" smtClean="0"/>
+              <a:t> </a:t>
+            </a:r>
+            <a:r>
+              <a:rPr lang="fr-FR" dirty="0" err="1" smtClean="0"/>
+              <a:t>this</a:t>
+            </a:r>
+            <a:r>
+              <a:rPr lang="fr-FR" dirty="0" smtClean="0"/>
+              <a:t> one </a:t>
+            </a:r>
+            <a:r>
+              <a:rPr lang="fr-FR" dirty="0" err="1" smtClean="0"/>
+              <a:t>is</a:t>
+            </a:r>
+            <a:r>
+              <a:rPr lang="fr-FR" dirty="0" smtClean="0"/>
+              <a:t> </a:t>
+            </a:r>
+            <a:r>
+              <a:rPr lang="fr-FR" dirty="0" err="1" smtClean="0"/>
+              <a:t>unexploitable</a:t>
+            </a:r>
+            <a:r>
+              <a:rPr lang="fr-FR" dirty="0" smtClean="0"/>
+              <a:t>.</a:t>
+            </a:r>
+          </a:p>
+          <a:p>
+            <a:endParaRPr lang="fr-FR" dirty="0"/>
+          </a:p>
+          <a:p>
+            <a:r>
+              <a:rPr lang="fr-FR" dirty="0" smtClean="0"/>
+              <a:t>The conjecture </a:t>
+            </a:r>
+            <a:r>
+              <a:rPr lang="fr-FR" dirty="0" err="1" smtClean="0"/>
+              <a:t>that</a:t>
+            </a:r>
+            <a:r>
+              <a:rPr lang="fr-FR" dirty="0" smtClean="0"/>
+              <a:t> </a:t>
+            </a:r>
+            <a:r>
+              <a:rPr lang="fr-FR" dirty="0" err="1" smtClean="0"/>
+              <a:t>will</a:t>
+            </a:r>
+            <a:r>
+              <a:rPr lang="fr-FR" dirty="0" smtClean="0"/>
+              <a:t> </a:t>
+            </a:r>
+            <a:r>
+              <a:rPr lang="fr-FR" dirty="0" err="1" smtClean="0"/>
+              <a:t>be</a:t>
+            </a:r>
+            <a:r>
+              <a:rPr lang="fr-FR" dirty="0" smtClean="0"/>
+              <a:t> </a:t>
+            </a:r>
+            <a:r>
+              <a:rPr lang="fr-FR" dirty="0" err="1" smtClean="0"/>
+              <a:t>proposed</a:t>
+            </a:r>
+            <a:r>
+              <a:rPr lang="fr-FR" dirty="0" smtClean="0"/>
+              <a:t> </a:t>
+            </a:r>
+            <a:r>
+              <a:rPr lang="fr-FR" dirty="0" err="1" smtClean="0"/>
+              <a:t>is</a:t>
+            </a:r>
+            <a:r>
+              <a:rPr lang="fr-FR" dirty="0"/>
+              <a:t> </a:t>
+            </a:r>
+            <a:r>
+              <a:rPr lang="fr-FR" dirty="0" smtClean="0"/>
+              <a:t>of the </a:t>
+            </a:r>
+            <a:r>
+              <a:rPr lang="fr-FR" dirty="0" err="1" smtClean="0"/>
+              <a:t>form</a:t>
+            </a:r>
+            <a:r>
+              <a:rPr lang="fr-FR" dirty="0" smtClean="0"/>
+              <a:t>:</a:t>
+            </a:r>
+            <a:br>
+              <a:rPr lang="fr-FR" dirty="0" smtClean="0"/>
+            </a:br>
+            <a:r>
+              <a:rPr lang="fr-FR" dirty="0" smtClean="0"/>
+              <a:t>∀ … . </a:t>
+            </a:r>
+            <a:r>
+              <a:rPr lang="fr-FR" dirty="0" err="1" smtClean="0"/>
+              <a:t>conjunction</a:t>
+            </a:r>
+            <a:r>
+              <a:rPr lang="fr-FR" dirty="0" smtClean="0"/>
+              <a:t> of </a:t>
+            </a:r>
+            <a:r>
+              <a:rPr lang="fr-FR" dirty="0" err="1" smtClean="0"/>
+              <a:t>green&amp;red</a:t>
+            </a:r>
+            <a:r>
+              <a:rPr lang="fr-FR" dirty="0" smtClean="0"/>
+              <a:t> </a:t>
+            </a:r>
+            <a:r>
+              <a:rPr lang="fr-FR" dirty="0" err="1" smtClean="0"/>
+              <a:t>constraints</a:t>
+            </a:r>
+            <a:r>
+              <a:rPr lang="fr-FR" dirty="0" smtClean="0"/>
+              <a:t> -&gt; conjonction of </a:t>
+            </a:r>
+            <a:r>
+              <a:rPr lang="fr-FR" dirty="0" err="1" smtClean="0"/>
+              <a:t>blue</a:t>
+            </a:r>
+            <a:r>
+              <a:rPr lang="fr-FR" dirty="0" smtClean="0"/>
+              <a:t> </a:t>
+            </a:r>
+            <a:r>
+              <a:rPr lang="fr-FR" dirty="0" err="1" smtClean="0"/>
+              <a:t>constraints</a:t>
+            </a:r>
+            <a:endParaRPr lang="fr-FR" dirty="0"/>
+          </a:p>
+        </p:txBody>
+      </p:sp>
+      <p:grpSp>
+        <p:nvGrpSpPr>
+          <p:cNvPr id="49" name="Groupe 48"/>
+          <p:cNvGrpSpPr/>
+          <p:nvPr/>
+        </p:nvGrpSpPr>
+        <p:grpSpPr>
+          <a:xfrm>
+            <a:off x="3135961" y="2741309"/>
+            <a:ext cx="2010056" cy="3600953"/>
+            <a:chOff x="5689749" y="1579301"/>
+            <a:chExt cx="2010056" cy="3600953"/>
+          </a:xfrm>
+        </p:grpSpPr>
+        <p:pic>
+          <p:nvPicPr>
+            <p:cNvPr id="47" name="Image 46"/>
+            <p:cNvPicPr>
+              <a:picLocks noChangeAspect="1"/>
+            </p:cNvPicPr>
+            <p:nvPr/>
+          </p:nvPicPr>
+          <p:blipFill>
+            <a:blip r:embed="rId2">
+              <a:extLst>
+                <a:ext uri="{28A0092B-C50C-407E-A947-70E740481C1C}">
+                  <a14:useLocalDpi xmlns:a14="http://schemas.microsoft.com/office/drawing/2010/main" val="0"/>
+                </a:ext>
+              </a:extLst>
+            </a:blip>
+            <a:stretch>
+              <a:fillRect/>
+            </a:stretch>
+          </p:blipFill>
+          <p:spPr>
+            <a:xfrm>
+              <a:off x="5689749" y="1579301"/>
+              <a:ext cx="2010056" cy="3600953"/>
+            </a:xfrm>
+            <a:prstGeom prst="rect">
+              <a:avLst/>
+            </a:prstGeom>
+          </p:spPr>
+        </p:pic>
+        <p:sp>
+          <p:nvSpPr>
+            <p:cNvPr id="48" name="Rectangle 47"/>
+            <p:cNvSpPr/>
+            <p:nvPr/>
+          </p:nvSpPr>
+          <p:spPr>
+            <a:xfrm>
+              <a:off x="5730240" y="3873596"/>
+              <a:ext cx="95794" cy="88804"/>
+            </a:xfrm>
+            <a:prstGeom prst="rect">
+              <a:avLst/>
+            </a:prstGeom>
+            <a:ln>
+              <a:noFill/>
+            </a:ln>
+          </p:spPr>
+          <p:style>
+            <a:lnRef idx="2">
+              <a:schemeClr val="accent1"/>
+            </a:lnRef>
+            <a:fillRef idx="1">
+              <a:schemeClr val="lt1"/>
+            </a:fillRef>
+            <a:effectRef idx="0">
+              <a:schemeClr val="accent1"/>
+            </a:effectRef>
+            <a:fontRef idx="minor">
+              <a:schemeClr val="dk1"/>
+            </a:fontRef>
+          </p:style>
+          <p:txBody>
+            <a:bodyPr rtlCol="0" anchor="ctr"/>
+            <a:lstStyle/>
+            <a:p>
+              <a:pPr algn="ctr"/>
+              <a:endParaRPr lang="fr-FR"/>
+            </a:p>
+          </p:txBody>
+        </p:sp>
+      </p:grpSp>
+      <p:sp>
+        <p:nvSpPr>
+          <p:cNvPr id="50" name="Rectangle 49"/>
+          <p:cNvSpPr/>
+          <p:nvPr/>
+        </p:nvSpPr>
+        <p:spPr>
+          <a:xfrm>
+            <a:off x="2977961" y="4369580"/>
+            <a:ext cx="2038878" cy="143793"/>
+          </a:xfrm>
+          <a:prstGeom prst="rect">
+            <a:avLst/>
+          </a:prstGeom>
+          <a:solidFill>
+            <a:srgbClr val="70AD47">
+              <a:alpha val="25098"/>
+            </a:srgbClr>
+          </a:solidFill>
+        </p:spPr>
+        <p:style>
+          <a:lnRef idx="2">
+            <a:schemeClr val="accent6">
+              <a:shade val="50000"/>
+            </a:schemeClr>
+          </a:lnRef>
+          <a:fillRef idx="1">
+            <a:schemeClr val="accent6"/>
+          </a:fillRef>
+          <a:effectRef idx="0">
+            <a:schemeClr val="accent6"/>
+          </a:effectRef>
+          <a:fontRef idx="minor">
+            <a:schemeClr val="lt1"/>
+          </a:fontRef>
+        </p:style>
+        <p:txBody>
+          <a:bodyPr rtlCol="0" anchor="ctr"/>
+          <a:lstStyle/>
+          <a:p>
             <a:pPr algn="ctr"/>
-            <a:r>
-              <a:rPr lang="fr-FR" sz="2800" b="1" dirty="0" err="1" smtClean="0"/>
-              <a:t>Ivy</a:t>
-            </a:r>
-            <a:r>
-              <a:rPr lang="fr-FR" sz="2800" b="1" dirty="0" smtClean="0"/>
-              <a:t> </a:t>
-            </a:r>
-            <a:r>
-              <a:rPr lang="fr-FR" sz="2800" b="1" dirty="0" err="1" smtClean="0"/>
-              <a:t>protocol</a:t>
-            </a:r>
-            <a:r>
-              <a:rPr lang="fr-FR" sz="2800" b="1" dirty="0" smtClean="0"/>
-              <a:t> </a:t>
-            </a:r>
-            <a:r>
-              <a:rPr lang="fr-FR" sz="2800" b="1" dirty="0" err="1" smtClean="0"/>
-              <a:t>analysis</a:t>
-            </a:r>
-            <a:endParaRPr lang="fr-FR" b="1" dirty="0"/>
+            <a:endParaRPr lang="fr-FR"/>
           </a:p>
         </p:txBody>
       </p:sp>
       <p:sp>
         <p:nvSpPr>
-          <p:cNvPr id="6" name="ZoneTexte 5"/>
+          <p:cNvPr id="51" name="Rectangle 50"/>
+          <p:cNvSpPr/>
+          <p:nvPr/>
+        </p:nvSpPr>
+        <p:spPr>
+          <a:xfrm>
+            <a:off x="2977961" y="5961145"/>
+            <a:ext cx="2038878" cy="143793"/>
+          </a:xfrm>
+          <a:prstGeom prst="rect">
+            <a:avLst/>
+          </a:prstGeom>
+          <a:solidFill>
+            <a:srgbClr val="70AD47">
+              <a:alpha val="25098"/>
+            </a:srgbClr>
+          </a:solidFill>
+        </p:spPr>
+        <p:style>
+          <a:lnRef idx="2">
+            <a:schemeClr val="accent6">
+              <a:shade val="50000"/>
+            </a:schemeClr>
+          </a:lnRef>
+          <a:fillRef idx="1">
+            <a:schemeClr val="accent6"/>
+          </a:fillRef>
+          <a:effectRef idx="0">
+            <a:schemeClr val="accent6"/>
+          </a:effectRef>
+          <a:fontRef idx="minor">
+            <a:schemeClr val="lt1"/>
+          </a:fontRef>
+        </p:style>
+        <p:txBody>
+          <a:bodyPr rtlCol="0" anchor="ctr"/>
+          <a:lstStyle/>
+          <a:p>
+            <a:pPr algn="ctr"/>
+            <a:endParaRPr lang="fr-FR"/>
+          </a:p>
+        </p:txBody>
+      </p:sp>
+      <p:sp>
+        <p:nvSpPr>
+          <p:cNvPr id="52" name="Rectangle 51"/>
+          <p:cNvSpPr/>
+          <p:nvPr/>
+        </p:nvSpPr>
+        <p:spPr>
+          <a:xfrm>
+            <a:off x="2977961" y="5422458"/>
+            <a:ext cx="2038878" cy="143793"/>
+          </a:xfrm>
+          <a:prstGeom prst="rect">
+            <a:avLst/>
+          </a:prstGeom>
+          <a:solidFill>
+            <a:srgbClr val="70AD47">
+              <a:alpha val="25098"/>
+            </a:srgbClr>
+          </a:solidFill>
+        </p:spPr>
+        <p:style>
+          <a:lnRef idx="2">
+            <a:schemeClr val="accent6">
+              <a:shade val="50000"/>
+            </a:schemeClr>
+          </a:lnRef>
+          <a:fillRef idx="1">
+            <a:schemeClr val="accent6"/>
+          </a:fillRef>
+          <a:effectRef idx="0">
+            <a:schemeClr val="accent6"/>
+          </a:effectRef>
+          <a:fontRef idx="minor">
+            <a:schemeClr val="lt1"/>
+          </a:fontRef>
+        </p:style>
+        <p:txBody>
+          <a:bodyPr rtlCol="0" anchor="ctr"/>
+          <a:lstStyle/>
+          <a:p>
+            <a:pPr algn="ctr"/>
+            <a:endParaRPr lang="fr-FR"/>
+          </a:p>
+        </p:txBody>
+      </p:sp>
+      <p:sp>
+        <p:nvSpPr>
+          <p:cNvPr id="54" name="Rectangle 53"/>
+          <p:cNvSpPr/>
+          <p:nvPr/>
+        </p:nvSpPr>
+        <p:spPr>
+          <a:xfrm>
+            <a:off x="2977961" y="5825819"/>
+            <a:ext cx="2038878" cy="143793"/>
+          </a:xfrm>
+          <a:prstGeom prst="rect">
+            <a:avLst/>
+          </a:prstGeom>
+          <a:solidFill>
+            <a:srgbClr val="70AD47">
+              <a:alpha val="25098"/>
+            </a:srgbClr>
+          </a:solidFill>
+        </p:spPr>
+        <p:style>
+          <a:lnRef idx="2">
+            <a:schemeClr val="accent6">
+              <a:shade val="50000"/>
+            </a:schemeClr>
+          </a:lnRef>
+          <a:fillRef idx="1">
+            <a:schemeClr val="accent6"/>
+          </a:fillRef>
+          <a:effectRef idx="0">
+            <a:schemeClr val="accent6"/>
+          </a:effectRef>
+          <a:fontRef idx="minor">
+            <a:schemeClr val="lt1"/>
+          </a:fontRef>
+        </p:style>
+        <p:txBody>
+          <a:bodyPr rtlCol="0" anchor="ctr"/>
+          <a:lstStyle/>
+          <a:p>
+            <a:pPr algn="ctr"/>
+            <a:endParaRPr lang="fr-FR"/>
+          </a:p>
+        </p:txBody>
+      </p:sp>
+      <p:sp>
+        <p:nvSpPr>
+          <p:cNvPr id="55" name="Rectangle 54"/>
+          <p:cNvSpPr/>
+          <p:nvPr/>
+        </p:nvSpPr>
+        <p:spPr>
+          <a:xfrm>
+            <a:off x="2977961" y="3563154"/>
+            <a:ext cx="2038878" cy="143793"/>
+          </a:xfrm>
+          <a:prstGeom prst="rect">
+            <a:avLst/>
+          </a:prstGeom>
+          <a:solidFill>
+            <a:srgbClr val="70AD47">
+              <a:alpha val="25098"/>
+            </a:srgbClr>
+          </a:solidFill>
+        </p:spPr>
+        <p:style>
+          <a:lnRef idx="2">
+            <a:schemeClr val="accent6">
+              <a:shade val="50000"/>
+            </a:schemeClr>
+          </a:lnRef>
+          <a:fillRef idx="1">
+            <a:schemeClr val="accent6"/>
+          </a:fillRef>
+          <a:effectRef idx="0">
+            <a:schemeClr val="accent6"/>
+          </a:effectRef>
+          <a:fontRef idx="minor">
+            <a:schemeClr val="lt1"/>
+          </a:fontRef>
+        </p:style>
+        <p:txBody>
+          <a:bodyPr rtlCol="0" anchor="ctr"/>
+          <a:lstStyle/>
+          <a:p>
+            <a:pPr algn="ctr"/>
+            <a:endParaRPr lang="fr-FR"/>
+          </a:p>
+        </p:txBody>
+      </p:sp>
+      <p:sp>
+        <p:nvSpPr>
+          <p:cNvPr id="56" name="Rectangle 55"/>
+          <p:cNvSpPr/>
+          <p:nvPr/>
+        </p:nvSpPr>
+        <p:spPr>
+          <a:xfrm>
+            <a:off x="2971628" y="5693392"/>
+            <a:ext cx="2038878" cy="143793"/>
+          </a:xfrm>
+          <a:prstGeom prst="rect">
+            <a:avLst/>
+          </a:prstGeom>
+          <a:solidFill>
+            <a:srgbClr val="70AD47">
+              <a:alpha val="25098"/>
+            </a:srgbClr>
+          </a:solidFill>
+        </p:spPr>
+        <p:style>
+          <a:lnRef idx="2">
+            <a:schemeClr val="accent6">
+              <a:shade val="50000"/>
+            </a:schemeClr>
+          </a:lnRef>
+          <a:fillRef idx="1">
+            <a:schemeClr val="accent6"/>
+          </a:fillRef>
+          <a:effectRef idx="0">
+            <a:schemeClr val="accent6"/>
+          </a:effectRef>
+          <a:fontRef idx="minor">
+            <a:schemeClr val="lt1"/>
+          </a:fontRef>
+        </p:style>
+        <p:txBody>
+          <a:bodyPr rtlCol="0" anchor="ctr"/>
+          <a:lstStyle/>
+          <a:p>
+            <a:pPr algn="ctr"/>
+            <a:endParaRPr lang="fr-FR"/>
+          </a:p>
+        </p:txBody>
+      </p:sp>
+      <p:sp>
+        <p:nvSpPr>
+          <p:cNvPr id="57" name="Rectangle 56"/>
+          <p:cNvSpPr/>
+          <p:nvPr/>
+        </p:nvSpPr>
+        <p:spPr>
+          <a:xfrm>
+            <a:off x="2971628" y="5019097"/>
+            <a:ext cx="2038878" cy="143793"/>
+          </a:xfrm>
+          <a:prstGeom prst="rect">
+            <a:avLst/>
+          </a:prstGeom>
+          <a:solidFill>
+            <a:schemeClr val="accent1">
+              <a:lumMod val="60000"/>
+              <a:lumOff val="40000"/>
+              <a:alpha val="25098"/>
+            </a:schemeClr>
+          </a:solidFill>
+        </p:spPr>
+        <p:style>
+          <a:lnRef idx="2">
+            <a:schemeClr val="accent6">
+              <a:shade val="50000"/>
+            </a:schemeClr>
+          </a:lnRef>
+          <a:fillRef idx="1">
+            <a:schemeClr val="accent6"/>
+          </a:fillRef>
+          <a:effectRef idx="0">
+            <a:schemeClr val="accent6"/>
+          </a:effectRef>
+          <a:fontRef idx="minor">
+            <a:schemeClr val="lt1"/>
+          </a:fontRef>
+        </p:style>
+        <p:txBody>
+          <a:bodyPr rtlCol="0" anchor="ctr"/>
+          <a:lstStyle/>
+          <a:p>
+            <a:pPr algn="ctr"/>
+            <a:endParaRPr lang="fr-FR"/>
+          </a:p>
+        </p:txBody>
+      </p:sp>
+      <p:sp>
+        <p:nvSpPr>
+          <p:cNvPr id="2" name="ZoneTexte 1"/>
           <p:cNvSpPr txBox="1"/>
           <p:nvPr/>
         </p:nvSpPr>
         <p:spPr>
           <a:xfrm>
-            <a:off x="675213" y="2269986"/>
-            <a:ext cx="3259667" cy="369332"/>
+            <a:off x="5416732" y="3178628"/>
+            <a:ext cx="6618514" cy="1754326"/>
           </a:xfrm>
           <a:prstGeom prst="rect">
             <a:avLst/>
@@ -12485,719 +17499,198 @@
           <a:lstStyle/>
           <a:p>
             <a:r>
-              <a:rPr lang="fr-FR" dirty="0" err="1" smtClean="0"/>
-              <a:t>We</a:t>
-            </a:r>
-            <a:r>
-              <a:rPr lang="fr-FR" dirty="0" smtClean="0"/>
-              <a:t> are </a:t>
-            </a:r>
-            <a:r>
-              <a:rPr lang="fr-FR" dirty="0" err="1" smtClean="0"/>
-              <a:t>interested</a:t>
-            </a:r>
-            <a:r>
-              <a:rPr lang="fr-FR" dirty="0" smtClean="0"/>
-              <a:t> in :</a:t>
-            </a:r>
+              <a:rPr lang="fr-FR" dirty="0"/>
+              <a:t>∀A,B</a:t>
+            </a:r>
+            <a:r>
+              <a:rPr lang="fr-FR" dirty="0" smtClean="0"/>
+              <a:t>. </a:t>
+            </a:r>
+            <a:r>
+              <a:rPr lang="fr-FR" dirty="0" err="1" smtClean="0"/>
+              <a:t>content_f</a:t>
+            </a:r>
+            <a:r>
+              <a:rPr lang="fr-FR" dirty="0" smtClean="0"/>
+              <a:t>(B) = A &amp; A ~= first &amp; </a:t>
+            </a:r>
+            <a:r>
+              <a:rPr lang="fr-FR" dirty="0" err="1" smtClean="0"/>
+              <a:t>first_e</a:t>
+            </a:r>
+            <a:r>
+              <a:rPr lang="fr-FR" dirty="0" smtClean="0"/>
+              <a:t> &lt; B &amp; B &lt; </a:t>
+            </a:r>
+            <a:r>
+              <a:rPr lang="fr-FR" dirty="0" err="1" smtClean="0"/>
+              <a:t>next_e</a:t>
+            </a:r>
+            <a:endParaRPr lang="fr-FR" dirty="0" smtClean="0"/>
+          </a:p>
+          <a:p>
+            <a:r>
+              <a:rPr lang="fr-FR" dirty="0" smtClean="0"/>
+              <a:t>-&gt; content(A,B)</a:t>
+            </a:r>
+          </a:p>
+          <a:p>
+            <a:endParaRPr lang="fr-FR" dirty="0"/>
+          </a:p>
+          <a:p>
+            <a:r>
+              <a:rPr lang="fr-FR" dirty="0" smtClean="0"/>
+              <a:t>∀B. </a:t>
+            </a:r>
+            <a:r>
+              <a:rPr lang="fr-FR" dirty="0" err="1" smtClean="0"/>
+              <a:t>content_f</a:t>
+            </a:r>
+            <a:r>
+              <a:rPr lang="fr-FR" dirty="0" smtClean="0"/>
+              <a:t>(B) </a:t>
+            </a:r>
+            <a:r>
+              <a:rPr lang="fr-FR" dirty="0"/>
+              <a:t>~= first &amp; </a:t>
+            </a:r>
+            <a:r>
+              <a:rPr lang="fr-FR" dirty="0" err="1"/>
+              <a:t>first_e</a:t>
+            </a:r>
+            <a:r>
+              <a:rPr lang="fr-FR" dirty="0"/>
+              <a:t> &lt; B &amp; B &lt; </a:t>
+            </a:r>
+            <a:r>
+              <a:rPr lang="fr-FR" dirty="0" err="1"/>
+              <a:t>next_e</a:t>
+            </a:r>
+            <a:endParaRPr lang="fr-FR" dirty="0"/>
+          </a:p>
+          <a:p>
+            <a:r>
+              <a:rPr lang="fr-FR" dirty="0"/>
+              <a:t>-&gt; </a:t>
+            </a:r>
+            <a:r>
+              <a:rPr lang="fr-FR" dirty="0" smtClean="0"/>
+              <a:t>content(</a:t>
+            </a:r>
+            <a:r>
+              <a:rPr lang="fr-FR" dirty="0" err="1"/>
+              <a:t>content_f</a:t>
+            </a:r>
+            <a:r>
+              <a:rPr lang="fr-FR" dirty="0"/>
+              <a:t>(B)</a:t>
+            </a:r>
+            <a:r>
+              <a:rPr lang="fr-FR" dirty="0" smtClean="0"/>
+              <a:t>,</a:t>
+            </a:r>
+            <a:r>
+              <a:rPr lang="fr-FR" dirty="0"/>
+              <a:t>B</a:t>
+            </a:r>
+            <a:r>
+              <a:rPr lang="fr-FR" dirty="0" smtClean="0"/>
+              <a:t>) </a:t>
+            </a:r>
+            <a:endParaRPr lang="fr-FR" dirty="0"/>
+          </a:p>
+          <a:p>
             <a:endParaRPr lang="fr-FR" dirty="0"/>
           </a:p>
         </p:txBody>
       </p:sp>
       <p:sp>
         <p:nvSpPr>
-          <p:cNvPr id="7" name="ZoneTexte 6"/>
-          <p:cNvSpPr txBox="1"/>
+          <p:cNvPr id="34" name="Rectangle 33"/>
+          <p:cNvSpPr/>
           <p:nvPr/>
         </p:nvSpPr>
         <p:spPr>
           <a:xfrm>
-            <a:off x="675212" y="3574956"/>
-            <a:ext cx="3259667" cy="369332"/>
+            <a:off x="363411" y="3018941"/>
+            <a:ext cx="2038878" cy="143793"/>
           </a:xfrm>
           <a:prstGeom prst="rect">
             <a:avLst/>
           </a:prstGeom>
-          <a:noFill/>
-        </p:spPr>
-        <p:txBody>
-          <a:bodyPr wrap="square" rtlCol="0">
-            <a:spAutoFit/>
-          </a:bodyPr>
-          <a:lstStyle/>
-          <a:p>
-            <a:r>
-              <a:rPr lang="fr-FR" dirty="0" err="1" smtClean="0"/>
-              <a:t>We</a:t>
-            </a:r>
-            <a:r>
-              <a:rPr lang="fr-FR" dirty="0"/>
-              <a:t> </a:t>
-            </a:r>
-            <a:r>
-              <a:rPr lang="fr-FR" dirty="0" err="1" smtClean="0"/>
-              <a:t>compute</a:t>
-            </a:r>
-            <a:r>
-              <a:rPr lang="fr-FR" dirty="0" smtClean="0"/>
-              <a:t> :</a:t>
-            </a:r>
-            <a:endParaRPr lang="fr-FR" dirty="0"/>
-          </a:p>
-        </p:txBody>
-      </p:sp>
-      <p:sp>
-        <p:nvSpPr>
-          <p:cNvPr id="8" name="ZoneTexte 7"/>
-          <p:cNvSpPr txBox="1"/>
-          <p:nvPr/>
-        </p:nvSpPr>
-        <p:spPr>
-          <a:xfrm>
-            <a:off x="675212" y="5041665"/>
-            <a:ext cx="3259667" cy="369332"/>
-          </a:xfrm>
-          <a:prstGeom prst="rect">
-            <a:avLst/>
-          </a:prstGeom>
-          <a:noFill/>
-        </p:spPr>
-        <p:txBody>
-          <a:bodyPr wrap="square" rtlCol="0">
-            <a:spAutoFit/>
-          </a:bodyPr>
-          <a:lstStyle/>
-          <a:p>
-            <a:r>
-              <a:rPr lang="fr-FR" dirty="0" err="1" smtClean="0"/>
-              <a:t>We</a:t>
-            </a:r>
-            <a:r>
-              <a:rPr lang="fr-FR" dirty="0"/>
-              <a:t> </a:t>
-            </a:r>
-            <a:r>
-              <a:rPr lang="fr-FR" dirty="0" err="1" smtClean="0"/>
-              <a:t>want</a:t>
-            </a:r>
-            <a:r>
-              <a:rPr lang="fr-FR" dirty="0" smtClean="0"/>
-              <a:t> to </a:t>
-            </a:r>
-            <a:r>
-              <a:rPr lang="fr-FR" dirty="0" err="1" smtClean="0"/>
-              <a:t>find</a:t>
-            </a:r>
-            <a:r>
-              <a:rPr lang="fr-FR" dirty="0" smtClean="0"/>
-              <a:t> :</a:t>
-            </a:r>
-            <a:endParaRPr lang="fr-FR" dirty="0"/>
-          </a:p>
-        </p:txBody>
-      </p:sp>
-      <p:pic>
-        <p:nvPicPr>
-          <p:cNvPr id="9" name="Image 8"/>
-          <p:cNvPicPr>
-            <a:picLocks noChangeAspect="1"/>
-          </p:cNvPicPr>
-          <p:nvPr/>
-        </p:nvPicPr>
-        <p:blipFill>
-          <a:blip r:embed="rId2"/>
-          <a:stretch>
-            <a:fillRect/>
-          </a:stretch>
-        </p:blipFill>
-        <p:spPr>
-          <a:xfrm>
-            <a:off x="3934880" y="2130669"/>
-            <a:ext cx="1511300" cy="829572"/>
-          </a:xfrm>
-          <a:prstGeom prst="rect">
-            <a:avLst/>
-          </a:prstGeom>
-        </p:spPr>
-      </p:pic>
-      <p:sp>
-        <p:nvSpPr>
-          <p:cNvPr id="10" name="ZoneTexte 9"/>
-          <p:cNvSpPr txBox="1"/>
-          <p:nvPr/>
-        </p:nvSpPr>
-        <p:spPr>
-          <a:xfrm>
-            <a:off x="3604682" y="2889122"/>
-            <a:ext cx="3259667" cy="369332"/>
-          </a:xfrm>
-          <a:prstGeom prst="rect">
-            <a:avLst/>
-          </a:prstGeom>
-          <a:noFill/>
-        </p:spPr>
-        <p:txBody>
-          <a:bodyPr wrap="square" rtlCol="0">
-            <a:spAutoFit/>
-          </a:bodyPr>
-          <a:lstStyle/>
-          <a:p>
-            <a:r>
-              <a:rPr lang="fr-FR" dirty="0" smtClean="0"/>
-              <a:t>The </a:t>
-            </a:r>
-            <a:r>
-              <a:rPr lang="fr-FR" dirty="0" err="1" smtClean="0"/>
-              <a:t>creation</a:t>
-            </a:r>
-            <a:r>
-              <a:rPr lang="fr-FR" dirty="0" smtClean="0"/>
-              <a:t> of a </a:t>
-            </a:r>
-            <a:r>
-              <a:rPr lang="fr-FR" dirty="0" err="1" smtClean="0"/>
-              <a:t>specie</a:t>
-            </a:r>
-            <a:endParaRPr lang="fr-FR" dirty="0" smtClean="0"/>
-          </a:p>
-        </p:txBody>
-      </p:sp>
-      <p:pic>
-        <p:nvPicPr>
-          <p:cNvPr id="11" name="Image 10"/>
-          <p:cNvPicPr>
-            <a:picLocks noChangeAspect="1"/>
-          </p:cNvPicPr>
-          <p:nvPr/>
-        </p:nvPicPr>
-        <p:blipFill rotWithShape="1">
-          <a:blip r:embed="rId3"/>
-          <a:srcRect r="62440" b="82942"/>
-          <a:stretch/>
-        </p:blipFill>
-        <p:spPr>
-          <a:xfrm>
-            <a:off x="8174565" y="2371332"/>
-            <a:ext cx="2633133" cy="172220"/>
-          </a:xfrm>
-          <a:prstGeom prst="rect">
-            <a:avLst/>
-          </a:prstGeom>
-        </p:spPr>
-      </p:pic>
-      <p:sp>
-        <p:nvSpPr>
-          <p:cNvPr id="12" name="ZoneTexte 11"/>
-          <p:cNvSpPr txBox="1"/>
-          <p:nvPr/>
-        </p:nvSpPr>
-        <p:spPr>
-          <a:xfrm>
-            <a:off x="7382933" y="2708629"/>
-            <a:ext cx="4347633" cy="646331"/>
-          </a:xfrm>
-          <a:prstGeom prst="rect">
-            <a:avLst/>
-          </a:prstGeom>
-          <a:noFill/>
-        </p:spPr>
-        <p:txBody>
-          <a:bodyPr wrap="square" rtlCol="0">
-            <a:spAutoFit/>
-          </a:bodyPr>
-          <a:lstStyle/>
-          <a:p>
-            <a:r>
-              <a:rPr lang="fr-FR" dirty="0" smtClean="0"/>
-              <a:t>The value of a formula (conjecture)</a:t>
-            </a:r>
-            <a:br>
-              <a:rPr lang="fr-FR" dirty="0" smtClean="0"/>
-            </a:br>
-            <a:r>
-              <a:rPr lang="fr-FR" dirty="0" err="1" smtClean="0"/>
-              <a:t>after</a:t>
-            </a:r>
-            <a:r>
-              <a:rPr lang="fr-FR" dirty="0" smtClean="0"/>
-              <a:t> one </a:t>
-            </a:r>
-            <a:r>
-              <a:rPr lang="fr-FR" dirty="0" err="1" smtClean="0"/>
-              <a:t>iteration</a:t>
-            </a:r>
-            <a:endParaRPr lang="fr-FR" dirty="0" smtClean="0"/>
-          </a:p>
-        </p:txBody>
-      </p:sp>
-      <p:sp>
-        <p:nvSpPr>
-          <p:cNvPr id="14" name="ZoneTexte 13"/>
-          <p:cNvSpPr txBox="1"/>
-          <p:nvPr/>
-        </p:nvSpPr>
-        <p:spPr>
-          <a:xfrm>
-            <a:off x="3604682" y="3579175"/>
-            <a:ext cx="3458633" cy="1200329"/>
-          </a:xfrm>
-          <a:prstGeom prst="rect">
-            <a:avLst/>
-          </a:prstGeom>
-          <a:noFill/>
-        </p:spPr>
-        <p:txBody>
-          <a:bodyPr wrap="square" rtlCol="0">
-            <a:spAutoFit/>
-          </a:bodyPr>
-          <a:lstStyle/>
-          <a:p>
-            <a:r>
-              <a:rPr lang="fr-FR" dirty="0" err="1" smtClean="0"/>
-              <a:t>Two</a:t>
-            </a:r>
-            <a:r>
-              <a:rPr lang="fr-FR" dirty="0" smtClean="0"/>
-              <a:t> traces </a:t>
-            </a:r>
-            <a:r>
-              <a:rPr lang="fr-FR" dirty="0" err="1" smtClean="0"/>
-              <a:t>that</a:t>
-            </a:r>
-            <a:r>
-              <a:rPr lang="fr-FR" dirty="0" smtClean="0"/>
-              <a:t> are </a:t>
-            </a:r>
-            <a:r>
-              <a:rPr lang="fr-FR" dirty="0" err="1" smtClean="0"/>
-              <a:t>quite</a:t>
-            </a:r>
-            <a:r>
-              <a:rPr lang="fr-FR" dirty="0" smtClean="0"/>
-              <a:t> close,</a:t>
-            </a:r>
-          </a:p>
-          <a:p>
-            <a:r>
-              <a:rPr lang="fr-FR" dirty="0" smtClean="0"/>
-              <a:t>one </a:t>
-            </a:r>
-            <a:r>
-              <a:rPr lang="fr-FR" dirty="0" err="1" smtClean="0"/>
-              <a:t>resulting</a:t>
-            </a:r>
-            <a:r>
-              <a:rPr lang="fr-FR" dirty="0" smtClean="0"/>
-              <a:t> on the </a:t>
-            </a:r>
-            <a:r>
-              <a:rPr lang="fr-FR" dirty="0" err="1" smtClean="0"/>
-              <a:t>creation</a:t>
-            </a:r>
-            <a:r>
-              <a:rPr lang="fr-FR" dirty="0" smtClean="0"/>
-              <a:t> of the </a:t>
-            </a:r>
-            <a:r>
-              <a:rPr lang="fr-FR" dirty="0" err="1" smtClean="0"/>
-              <a:t>specie</a:t>
-            </a:r>
-            <a:r>
-              <a:rPr lang="fr-FR" dirty="0"/>
-              <a:t> </a:t>
-            </a:r>
-            <a:r>
-              <a:rPr lang="fr-FR" dirty="0" smtClean="0"/>
-              <a:t>and the </a:t>
-            </a:r>
-            <a:r>
-              <a:rPr lang="fr-FR" dirty="0" err="1" smtClean="0"/>
-              <a:t>other</a:t>
-            </a:r>
-            <a:r>
-              <a:rPr lang="fr-FR" dirty="0" smtClean="0"/>
-              <a:t> </a:t>
-            </a:r>
-            <a:r>
-              <a:rPr lang="fr-FR" dirty="0" err="1" smtClean="0"/>
-              <a:t>that</a:t>
-            </a:r>
-            <a:r>
-              <a:rPr lang="fr-FR" dirty="0" smtClean="0"/>
-              <a:t> </a:t>
-            </a:r>
-            <a:r>
-              <a:rPr lang="fr-FR" dirty="0" err="1" smtClean="0"/>
-              <a:t>fails</a:t>
-            </a:r>
-            <a:r>
-              <a:rPr lang="fr-FR" dirty="0" smtClean="0"/>
-              <a:t> to </a:t>
-            </a:r>
-            <a:r>
-              <a:rPr lang="fr-FR" dirty="0" err="1" smtClean="0"/>
-              <a:t>create</a:t>
-            </a:r>
-            <a:r>
-              <a:rPr lang="fr-FR" dirty="0" smtClean="0"/>
-              <a:t> </a:t>
-            </a:r>
-            <a:r>
-              <a:rPr lang="fr-FR" dirty="0" err="1" smtClean="0"/>
-              <a:t>this</a:t>
-            </a:r>
-            <a:r>
-              <a:rPr lang="fr-FR" dirty="0" smtClean="0"/>
-              <a:t> </a:t>
-            </a:r>
-            <a:r>
-              <a:rPr lang="fr-FR" dirty="0" err="1" smtClean="0"/>
-              <a:t>specie</a:t>
-            </a:r>
-            <a:endParaRPr lang="fr-FR" dirty="0"/>
-          </a:p>
-        </p:txBody>
-      </p:sp>
-      <p:sp>
-        <p:nvSpPr>
-          <p:cNvPr id="15" name="ZoneTexte 14"/>
-          <p:cNvSpPr txBox="1"/>
-          <p:nvPr/>
-        </p:nvSpPr>
-        <p:spPr>
-          <a:xfrm>
-            <a:off x="7382933" y="3579174"/>
-            <a:ext cx="4555067" cy="1200329"/>
-          </a:xfrm>
-          <a:prstGeom prst="rect">
-            <a:avLst/>
-          </a:prstGeom>
-          <a:noFill/>
-        </p:spPr>
-        <p:txBody>
-          <a:bodyPr wrap="square" rtlCol="0">
-            <a:spAutoFit/>
-          </a:bodyPr>
-          <a:lstStyle/>
-          <a:p>
-            <a:r>
-              <a:rPr lang="fr-FR" dirty="0" err="1" smtClean="0"/>
-              <a:t>Two</a:t>
-            </a:r>
-            <a:r>
-              <a:rPr lang="fr-FR" dirty="0" smtClean="0"/>
-              <a:t> initial states </a:t>
-            </a:r>
-            <a:r>
-              <a:rPr lang="fr-FR" dirty="0" err="1" smtClean="0"/>
-              <a:t>that</a:t>
-            </a:r>
-            <a:r>
-              <a:rPr lang="fr-FR" dirty="0" smtClean="0"/>
-              <a:t> are </a:t>
-            </a:r>
-            <a:r>
-              <a:rPr lang="fr-FR" dirty="0" err="1" smtClean="0"/>
-              <a:t>quite</a:t>
-            </a:r>
-            <a:r>
-              <a:rPr lang="fr-FR" dirty="0" smtClean="0"/>
-              <a:t> close (and </a:t>
-            </a:r>
-            <a:r>
-              <a:rPr lang="fr-FR" dirty="0" err="1" smtClean="0"/>
-              <a:t>thus</a:t>
-            </a:r>
-            <a:r>
-              <a:rPr lang="fr-FR" dirty="0" smtClean="0"/>
-              <a:t> </a:t>
-            </a:r>
-            <a:r>
-              <a:rPr lang="fr-FR" dirty="0" err="1" smtClean="0"/>
-              <a:t>two</a:t>
-            </a:r>
-            <a:r>
-              <a:rPr lang="fr-FR" dirty="0" smtClean="0"/>
-              <a:t> </a:t>
-            </a:r>
-            <a:r>
-              <a:rPr lang="fr-FR" dirty="0" err="1" smtClean="0"/>
-              <a:t>different</a:t>
-            </a:r>
-            <a:r>
-              <a:rPr lang="fr-FR" dirty="0" smtClean="0"/>
-              <a:t> </a:t>
-            </a:r>
-            <a:r>
-              <a:rPr lang="fr-FR" dirty="0" err="1" smtClean="0"/>
-              <a:t>executions</a:t>
-            </a:r>
-            <a:r>
-              <a:rPr lang="fr-FR" dirty="0" smtClean="0"/>
-              <a:t> of the </a:t>
-            </a:r>
-            <a:r>
-              <a:rPr lang="fr-FR" dirty="0" err="1" smtClean="0"/>
-              <a:t>iteration</a:t>
-            </a:r>
-            <a:r>
-              <a:rPr lang="fr-FR" dirty="0" smtClean="0"/>
-              <a:t>),</a:t>
-            </a:r>
-            <a:br>
-              <a:rPr lang="fr-FR" dirty="0" smtClean="0"/>
-            </a:br>
-            <a:r>
-              <a:rPr lang="fr-FR" dirty="0" smtClean="0"/>
-              <a:t>one </a:t>
-            </a:r>
-            <a:r>
-              <a:rPr lang="fr-FR" dirty="0" err="1" smtClean="0"/>
-              <a:t>satisfying</a:t>
-            </a:r>
-            <a:r>
-              <a:rPr lang="fr-FR" dirty="0" smtClean="0"/>
-              <a:t> the formula at the end and the </a:t>
-            </a:r>
-            <a:r>
-              <a:rPr lang="fr-FR" dirty="0" err="1" smtClean="0"/>
-              <a:t>other</a:t>
-            </a:r>
-            <a:r>
-              <a:rPr lang="fr-FR" dirty="0" smtClean="0"/>
-              <a:t> not</a:t>
-            </a:r>
-            <a:endParaRPr lang="fr-FR" dirty="0"/>
-          </a:p>
-        </p:txBody>
-      </p:sp>
-      <p:sp>
-        <p:nvSpPr>
-          <p:cNvPr id="16" name="ZoneTexte 15"/>
-          <p:cNvSpPr txBox="1"/>
-          <p:nvPr/>
-        </p:nvSpPr>
-        <p:spPr>
-          <a:xfrm>
-            <a:off x="3604682" y="5041665"/>
-            <a:ext cx="3259667" cy="646331"/>
-          </a:xfrm>
-          <a:prstGeom prst="rect">
-            <a:avLst/>
-          </a:prstGeom>
-          <a:noFill/>
-        </p:spPr>
-        <p:txBody>
-          <a:bodyPr wrap="square" rtlCol="0">
-            <a:spAutoFit/>
-          </a:bodyPr>
-          <a:lstStyle/>
-          <a:p>
-            <a:r>
-              <a:rPr lang="fr-FR" dirty="0" err="1" smtClean="0"/>
-              <a:t>Some</a:t>
-            </a:r>
-            <a:r>
-              <a:rPr lang="fr-FR" dirty="0" smtClean="0"/>
-              <a:t> </a:t>
-            </a:r>
-            <a:r>
-              <a:rPr lang="fr-FR" dirty="0" err="1" smtClean="0"/>
-              <a:t>events</a:t>
-            </a:r>
-            <a:r>
-              <a:rPr lang="fr-FR" dirty="0" smtClean="0"/>
-              <a:t> </a:t>
-            </a:r>
-            <a:r>
-              <a:rPr lang="fr-FR" dirty="0" err="1" smtClean="0"/>
-              <a:t>that</a:t>
-            </a:r>
-            <a:r>
-              <a:rPr lang="fr-FR" dirty="0" smtClean="0"/>
-              <a:t> are important for the </a:t>
-            </a:r>
-            <a:r>
-              <a:rPr lang="fr-FR" dirty="0" err="1" smtClean="0"/>
-              <a:t>creation</a:t>
-            </a:r>
-            <a:r>
-              <a:rPr lang="fr-FR" dirty="0" smtClean="0"/>
-              <a:t> of the </a:t>
-            </a:r>
-            <a:r>
-              <a:rPr lang="fr-FR" dirty="0" err="1" smtClean="0"/>
-              <a:t>species</a:t>
-            </a:r>
-            <a:endParaRPr lang="fr-FR" dirty="0"/>
-          </a:p>
-        </p:txBody>
-      </p:sp>
-      <p:sp>
-        <p:nvSpPr>
-          <p:cNvPr id="18" name="ZoneTexte 17"/>
-          <p:cNvSpPr txBox="1"/>
-          <p:nvPr/>
-        </p:nvSpPr>
-        <p:spPr>
-          <a:xfrm>
-            <a:off x="7441141" y="5041665"/>
-            <a:ext cx="4289427" cy="923330"/>
-          </a:xfrm>
-          <a:prstGeom prst="rect">
-            <a:avLst/>
-          </a:prstGeom>
-          <a:noFill/>
-        </p:spPr>
-        <p:txBody>
-          <a:bodyPr wrap="square" rtlCol="0">
-            <a:spAutoFit/>
-          </a:bodyPr>
-          <a:lstStyle/>
-          <a:p>
-            <a:r>
-              <a:rPr lang="fr-FR" dirty="0" err="1" smtClean="0"/>
-              <a:t>Some</a:t>
-            </a:r>
-            <a:r>
-              <a:rPr lang="fr-FR" dirty="0" smtClean="0"/>
-              <a:t> </a:t>
-            </a:r>
-            <a:r>
-              <a:rPr lang="fr-FR" dirty="0" err="1" smtClean="0"/>
-              <a:t>constraints</a:t>
-            </a:r>
-            <a:r>
-              <a:rPr lang="fr-FR" dirty="0" smtClean="0"/>
-              <a:t> (=invariants) of the good initial state </a:t>
-            </a:r>
-            <a:r>
-              <a:rPr lang="fr-FR" dirty="0" err="1" smtClean="0"/>
-              <a:t>that</a:t>
-            </a:r>
-            <a:r>
-              <a:rPr lang="fr-FR" dirty="0" smtClean="0"/>
-              <a:t> are important to </a:t>
-            </a:r>
-            <a:r>
-              <a:rPr lang="fr-FR" dirty="0" err="1" smtClean="0"/>
-              <a:t>satisfy</a:t>
-            </a:r>
-            <a:r>
-              <a:rPr lang="fr-FR" dirty="0" smtClean="0"/>
-              <a:t> the formula at the end</a:t>
-            </a:r>
-            <a:endParaRPr lang="fr-FR" dirty="0"/>
-          </a:p>
-        </p:txBody>
-      </p:sp>
-      <p:cxnSp>
-        <p:nvCxnSpPr>
-          <p:cNvPr id="20" name="Connecteur droit 19"/>
-          <p:cNvCxnSpPr/>
-          <p:nvPr/>
-        </p:nvCxnSpPr>
-        <p:spPr>
-          <a:xfrm flipH="1">
-            <a:off x="516467" y="4928793"/>
-            <a:ext cx="11214101" cy="0"/>
-          </a:xfrm>
-          <a:prstGeom prst="line">
-            <a:avLst/>
-          </a:prstGeom>
+          <a:solidFill>
+            <a:schemeClr val="accent2">
+              <a:lumMod val="60000"/>
+              <a:lumOff val="40000"/>
+              <a:alpha val="25098"/>
+            </a:schemeClr>
+          </a:solidFill>
         </p:spPr>
         <p:style>
           <a:lnRef idx="2">
-            <a:schemeClr val="accent1"/>
+            <a:schemeClr val="accent6">
+              <a:shade val="50000"/>
+            </a:schemeClr>
           </a:lnRef>
-          <a:fillRef idx="0">
-            <a:schemeClr val="accent1"/>
+          <a:fillRef idx="1">
+            <a:schemeClr val="accent6"/>
           </a:fillRef>
-          <a:effectRef idx="1">
-            <a:schemeClr val="accent1"/>
+          <a:effectRef idx="0">
+            <a:schemeClr val="accent6"/>
           </a:effectRef>
           <a:fontRef idx="minor">
-            <a:schemeClr val="tx1"/>
+            <a:schemeClr val="lt1"/>
           </a:fontRef>
         </p:style>
-      </p:cxnSp>
-      <p:cxnSp>
-        <p:nvCxnSpPr>
-          <p:cNvPr id="21" name="Connecteur droit 20"/>
-          <p:cNvCxnSpPr/>
-          <p:nvPr/>
-        </p:nvCxnSpPr>
-        <p:spPr>
-          <a:xfrm flipH="1">
-            <a:off x="516467" y="3451465"/>
-            <a:ext cx="11214101" cy="0"/>
-          </a:xfrm>
-          <a:prstGeom prst="line">
-            <a:avLst/>
-          </a:prstGeom>
-        </p:spPr>
-        <p:style>
-          <a:lnRef idx="2">
-            <a:schemeClr val="accent1"/>
-          </a:lnRef>
-          <a:fillRef idx="0">
-            <a:schemeClr val="accent1"/>
-          </a:fillRef>
-          <a:effectRef idx="1">
-            <a:schemeClr val="accent1"/>
-          </a:effectRef>
-          <a:fontRef idx="minor">
-            <a:schemeClr val="tx1"/>
-          </a:fontRef>
-        </p:style>
-      </p:cxnSp>
-      <p:cxnSp>
-        <p:nvCxnSpPr>
-          <p:cNvPr id="22" name="Connecteur droit 21"/>
-          <p:cNvCxnSpPr/>
-          <p:nvPr/>
-        </p:nvCxnSpPr>
-        <p:spPr>
-          <a:xfrm flipH="1">
-            <a:off x="516466" y="2155834"/>
-            <a:ext cx="11214101" cy="0"/>
-          </a:xfrm>
-          <a:prstGeom prst="line">
-            <a:avLst/>
-          </a:prstGeom>
-        </p:spPr>
-        <p:style>
-          <a:lnRef idx="2">
-            <a:schemeClr val="accent1"/>
-          </a:lnRef>
-          <a:fillRef idx="0">
-            <a:schemeClr val="accent1"/>
-          </a:fillRef>
-          <a:effectRef idx="1">
-            <a:schemeClr val="accent1"/>
-          </a:effectRef>
-          <a:fontRef idx="minor">
-            <a:schemeClr val="tx1"/>
-          </a:fontRef>
-        </p:style>
-      </p:cxnSp>
+        <p:txBody>
+          <a:bodyPr rtlCol="0" anchor="ctr"/>
+          <a:lstStyle/>
+          <a:p>
+            <a:pPr algn="ctr"/>
+            <a:endParaRPr lang="fr-FR"/>
+          </a:p>
+        </p:txBody>
+      </p:sp>
     </p:spTree>
     <p:extLst>
       <p:ext uri="{BB962C8B-B14F-4D97-AF65-F5344CB8AC3E}">
-        <p14:creationId xmlns:p14="http://schemas.microsoft.com/office/powerpoint/2010/main" val="2585860178"/>
+        <p14:creationId xmlns:p14="http://schemas.microsoft.com/office/powerpoint/2010/main" val="2236674248"/>
       </p:ext>
     </p:extLst>
   </p:cSld>
   <p:clrMapOvr>
     <a:masterClrMapping/>
   </p:clrMapOvr>
-  <p:timing>
-    <p:tnLst>
-      <p:par>
-        <p:cTn id="1" dur="indefinite" restart="never" nodeType="tmRoot"/>
-      </p:par>
-    </p:tnLst>
-  </p:timing>
+</p:sld>
+</file>
+
+<file path=ppt/slides/slide25.xml><?xml version="1.0" encoding="utf-8"?>
+<p:sld xmlns:a="http://schemas.openxmlformats.org/drawingml/2006/main" xmlns:r="http://schemas.openxmlformats.org/officeDocument/2006/relationships" xmlns:p="http://schemas.openxmlformats.org/presentationml/2006/main">
+  <p:cSld>
+    <p:spTree>
+      <p:nvGrpSpPr>
+        <p:cNvPr id="1" name=""/>
+        <p:cNvGrpSpPr/>
+        <p:nvPr/>
+      </p:nvGrpSpPr>
+      <p:grpSpPr>
+        <a:xfrm>
+          <a:off x="0" y="0"/>
+          <a:ext cx="0" cy="0"/>
+          <a:chOff x="0" y="0"/>
+          <a:chExt cx="0" cy="0"/>
+        </a:xfrm>
+      </p:grpSpPr>
+    </p:spTree>
+    <p:extLst>
+      <p:ext uri="{BB962C8B-B14F-4D97-AF65-F5344CB8AC3E}">
+        <p14:creationId xmlns:p14="http://schemas.microsoft.com/office/powerpoint/2010/main" val="3296759144"/>
+      </p:ext>
+    </p:extLst>
+  </p:cSld>
+  <p:clrMapOvr>
+    <a:masterClrMapping/>
+  </p:clrMapOvr>
 </p:sld>
 </file>
 

--- a/interactive_proof/counterexample_generalization.pptx
+++ b/interactive_proof/counterexample_generalization.pptx
@@ -267,7 +267,7 @@
           <a:p>
             <a:fld id="{C65B62AB-347D-4921-8B90-41F43B961539}" type="datetimeFigureOut">
               <a:rPr lang="fr-FR" smtClean="0"/>
-              <a:t>25/03/2018</a:t>
+              <a:t>28/03/2018</a:t>
             </a:fld>
             <a:endParaRPr lang="fr-FR"/>
           </a:p>
@@ -437,7 +437,7 @@
           <a:p>
             <a:fld id="{C65B62AB-347D-4921-8B90-41F43B961539}" type="datetimeFigureOut">
               <a:rPr lang="fr-FR" smtClean="0"/>
-              <a:t>25/03/2018</a:t>
+              <a:t>28/03/2018</a:t>
             </a:fld>
             <a:endParaRPr lang="fr-FR"/>
           </a:p>
@@ -617,7 +617,7 @@
           <a:p>
             <a:fld id="{C65B62AB-347D-4921-8B90-41F43B961539}" type="datetimeFigureOut">
               <a:rPr lang="fr-FR" smtClean="0"/>
-              <a:t>25/03/2018</a:t>
+              <a:t>28/03/2018</a:t>
             </a:fld>
             <a:endParaRPr lang="fr-FR"/>
           </a:p>
@@ -787,7 +787,7 @@
           <a:p>
             <a:fld id="{C65B62AB-347D-4921-8B90-41F43B961539}" type="datetimeFigureOut">
               <a:rPr lang="fr-FR" smtClean="0"/>
-              <a:t>25/03/2018</a:t>
+              <a:t>28/03/2018</a:t>
             </a:fld>
             <a:endParaRPr lang="fr-FR"/>
           </a:p>
@@ -1033,7 +1033,7 @@
           <a:p>
             <a:fld id="{C65B62AB-347D-4921-8B90-41F43B961539}" type="datetimeFigureOut">
               <a:rPr lang="fr-FR" smtClean="0"/>
-              <a:t>25/03/2018</a:t>
+              <a:t>28/03/2018</a:t>
             </a:fld>
             <a:endParaRPr lang="fr-FR"/>
           </a:p>
@@ -1265,7 +1265,7 @@
           <a:p>
             <a:fld id="{C65B62AB-347D-4921-8B90-41F43B961539}" type="datetimeFigureOut">
               <a:rPr lang="fr-FR" smtClean="0"/>
-              <a:t>25/03/2018</a:t>
+              <a:t>28/03/2018</a:t>
             </a:fld>
             <a:endParaRPr lang="fr-FR"/>
           </a:p>
@@ -1632,7 +1632,7 @@
           <a:p>
             <a:fld id="{C65B62AB-347D-4921-8B90-41F43B961539}" type="datetimeFigureOut">
               <a:rPr lang="fr-FR" smtClean="0"/>
-              <a:t>25/03/2018</a:t>
+              <a:t>28/03/2018</a:t>
             </a:fld>
             <a:endParaRPr lang="fr-FR"/>
           </a:p>
@@ -1750,7 +1750,7 @@
           <a:p>
             <a:fld id="{C65B62AB-347D-4921-8B90-41F43B961539}" type="datetimeFigureOut">
               <a:rPr lang="fr-FR" smtClean="0"/>
-              <a:t>25/03/2018</a:t>
+              <a:t>28/03/2018</a:t>
             </a:fld>
             <a:endParaRPr lang="fr-FR"/>
           </a:p>
@@ -1845,7 +1845,7 @@
           <a:p>
             <a:fld id="{C65B62AB-347D-4921-8B90-41F43B961539}" type="datetimeFigureOut">
               <a:rPr lang="fr-FR" smtClean="0"/>
-              <a:t>25/03/2018</a:t>
+              <a:t>28/03/2018</a:t>
             </a:fld>
             <a:endParaRPr lang="fr-FR"/>
           </a:p>
@@ -2122,7 +2122,7 @@
           <a:p>
             <a:fld id="{C65B62AB-347D-4921-8B90-41F43B961539}" type="datetimeFigureOut">
               <a:rPr lang="fr-FR" smtClean="0"/>
-              <a:t>25/03/2018</a:t>
+              <a:t>28/03/2018</a:t>
             </a:fld>
             <a:endParaRPr lang="fr-FR"/>
           </a:p>
@@ -2375,7 +2375,7 @@
           <a:p>
             <a:fld id="{C65B62AB-347D-4921-8B90-41F43B961539}" type="datetimeFigureOut">
               <a:rPr lang="fr-FR" smtClean="0"/>
-              <a:t>25/03/2018</a:t>
+              <a:t>28/03/2018</a:t>
             </a:fld>
             <a:endParaRPr lang="fr-FR"/>
           </a:p>
@@ -2588,7 +2588,7 @@
           <a:p>
             <a:fld id="{C65B62AB-347D-4921-8B90-41F43B961539}" type="datetimeFigureOut">
               <a:rPr lang="fr-FR" smtClean="0"/>
-              <a:t>25/03/2018</a:t>
+              <a:t>28/03/2018</a:t>
             </a:fld>
             <a:endParaRPr lang="fr-FR"/>
           </a:p>
@@ -3849,6 +3849,13 @@
   <p:clrMapOvr>
     <a:masterClrMapping/>
   </p:clrMapOvr>
+  <p:timing>
+    <p:tnLst>
+      <p:par>
+        <p:cTn id="1" dur="indefinite" restart="never" nodeType="tmRoot"/>
+      </p:par>
+    </p:tnLst>
+  </p:timing>
 </p:sld>
 </file>
 
@@ -4267,6 +4274,13 @@
   <p:clrMapOvr>
     <a:masterClrMapping/>
   </p:clrMapOvr>
+  <p:timing>
+    <p:tnLst>
+      <p:par>
+        <p:cTn id="1" dur="indefinite" restart="never" nodeType="tmRoot"/>
+      </p:par>
+    </p:tnLst>
+  </p:timing>
 </p:sld>
 </file>
 
@@ -5242,6 +5256,13 @@
   <p:clrMapOvr>
     <a:masterClrMapping/>
   </p:clrMapOvr>
+  <p:timing>
+    <p:tnLst>
+      <p:par>
+        <p:cTn id="1" dur="indefinite" restart="never" nodeType="tmRoot"/>
+      </p:par>
+    </p:tnLst>
+  </p:timing>
 </p:sld>
 </file>
 
@@ -5589,11 +5610,7 @@
             </a:r>
             <a:r>
               <a:rPr lang="fr-FR" sz="1400" dirty="0" smtClean="0"/>
-              <a:t> correspond to: </a:t>
-            </a:r>
-            <a:r>
-              <a:rPr lang="fr-FR" sz="1400" dirty="0" smtClean="0"/>
-              <a:t>variable=value, relation(values)=</a:t>
+              <a:t> correspond to: variable=value, relation(values)=</a:t>
             </a:r>
             <a:r>
               <a:rPr lang="fr-FR" sz="1400" dirty="0" err="1" smtClean="0"/>
@@ -5601,11 +5618,7 @@
             </a:r>
             <a:r>
               <a:rPr lang="fr-FR" sz="1400" dirty="0" smtClean="0"/>
-              <a:t>/false</a:t>
-            </a:r>
-            <a:r>
-              <a:rPr lang="fr-FR" sz="1400" dirty="0" smtClean="0"/>
-              <a:t>, </a:t>
+              <a:t>/false, </a:t>
             </a:r>
             <a:r>
               <a:rPr lang="fr-FR" sz="1400" dirty="0" err="1" smtClean="0"/>
@@ -5613,11 +5626,7 @@
             </a:r>
             <a:r>
               <a:rPr lang="fr-FR" sz="1400" dirty="0" smtClean="0"/>
-              <a:t>(values)=value, </a:t>
-            </a:r>
-            <a:r>
-              <a:rPr lang="fr-FR" sz="1400" dirty="0" smtClean="0"/>
-              <a:t>structural (in)</a:t>
+              <a:t>(values)=value, structural (in)</a:t>
             </a:r>
             <a:r>
               <a:rPr lang="fr-FR" sz="1400" dirty="0" err="1" smtClean="0"/>
@@ -5931,11 +5940,7 @@
             </a:r>
             <a:r>
               <a:rPr lang="fr-FR" sz="1400" dirty="0" smtClean="0"/>
-              <a:t> quantifier alternation</a:t>
-            </a:r>
-            <a:r>
-              <a:rPr lang="fr-FR" sz="1400" dirty="0" smtClean="0"/>
-              <a:t>). The user </a:t>
+              <a:t> quantifier alternation). The user </a:t>
             </a:r>
             <a:r>
               <a:rPr lang="fr-FR" sz="1400" dirty="0" err="1" smtClean="0"/>
@@ -5999,6 +6004,13 @@
   <p:clrMapOvr>
     <a:masterClrMapping/>
   </p:clrMapOvr>
+  <p:timing>
+    <p:tnLst>
+      <p:par>
+        <p:cTn id="1" dur="indefinite" restart="never" nodeType="tmRoot"/>
+      </p:par>
+    </p:tnLst>
+  </p:timing>
 </p:sld>
 </file>
 
@@ -6150,6 +6162,13 @@
   <p:clrMapOvr>
     <a:masterClrMapping/>
   </p:clrMapOvr>
+  <p:timing>
+    <p:tnLst>
+      <p:par>
+        <p:cTn id="1" dur="indefinite" restart="never" nodeType="tmRoot"/>
+      </p:par>
+    </p:tnLst>
+  </p:timing>
 </p:sld>
 </file>
 
@@ -6705,6 +6724,13 @@
   <p:clrMapOvr>
     <a:masterClrMapping/>
   </p:clrMapOvr>
+  <p:timing>
+    <p:tnLst>
+      <p:par>
+        <p:cTn id="1" dur="indefinite" restart="never" nodeType="tmRoot"/>
+      </p:par>
+    </p:tnLst>
+  </p:timing>
 </p:sld>
 </file>
 
@@ -8891,6 +8917,13 @@
   <p:clrMapOvr>
     <a:masterClrMapping/>
   </p:clrMapOvr>
+  <p:timing>
+    <p:tnLst>
+      <p:par>
+        <p:cTn id="1" dur="indefinite" restart="never" nodeType="tmRoot"/>
+      </p:par>
+    </p:tnLst>
+  </p:timing>
 </p:sld>
 </file>
 
@@ -11656,6 +11689,13 @@
   <p:clrMapOvr>
     <a:masterClrMapping/>
   </p:clrMapOvr>
+  <p:timing>
+    <p:tnLst>
+      <p:par>
+        <p:cTn id="1" dur="indefinite" restart="never" nodeType="tmRoot"/>
+      </p:par>
+    </p:tnLst>
+  </p:timing>
 </p:sld>
 </file>
 
@@ -11752,6 +11792,13 @@
   <p:clrMapOvr>
     <a:masterClrMapping/>
   </p:clrMapOvr>
+  <p:timing>
+    <p:tnLst>
+      <p:par>
+        <p:cTn id="1" dur="indefinite" restart="never" nodeType="tmRoot"/>
+      </p:par>
+    </p:tnLst>
+  </p:timing>
 </p:sld>
 </file>
 
@@ -12457,11 +12504,7 @@
             </a:r>
             <a:r>
               <a:rPr lang="fr-FR" sz="1600" dirty="0" smtClean="0"/>
-              <a:t> all </a:t>
-            </a:r>
-            <a:r>
-              <a:rPr lang="fr-FR" sz="1600" dirty="0" smtClean="0"/>
-              <a:t>states </a:t>
+              <a:t> all states </a:t>
             </a:r>
             <a:r>
               <a:rPr lang="fr-FR" sz="1600" dirty="0" err="1" smtClean="0"/>
@@ -13045,6 +13088,13 @@
   <p:clrMapOvr>
     <a:masterClrMapping/>
   </p:clrMapOvr>
+  <p:timing>
+    <p:tnLst>
+      <p:par>
+        <p:cTn id="1" dur="indefinite" restart="never" nodeType="tmRoot"/>
+      </p:par>
+    </p:tnLst>
+  </p:timing>
 </p:sld>
 </file>
 
@@ -13576,6 +13626,13 @@
   <p:clrMapOvr>
     <a:masterClrMapping/>
   </p:clrMapOvr>
+  <p:timing>
+    <p:tnLst>
+      <p:par>
+        <p:cTn id="1" dur="indefinite" restart="never" nodeType="tmRoot"/>
+      </p:par>
+    </p:tnLst>
+  </p:timing>
 </p:sld>
 </file>
 
@@ -14807,6 +14864,13 @@
   <p:clrMapOvr>
     <a:masterClrMapping/>
   </p:clrMapOvr>
+  <p:timing>
+    <p:tnLst>
+      <p:par>
+        <p:cTn id="1" dur="indefinite" restart="never" nodeType="tmRoot"/>
+      </p:par>
+    </p:tnLst>
+  </p:timing>
 </p:sld>
 </file>
 
@@ -16406,6 +16470,44 @@
           </a:p>
         </p:txBody>
       </p:sp>
+      <p:sp>
+        <p:nvSpPr>
+          <p:cNvPr id="53" name="Ellipse 52"/>
+          <p:cNvSpPr/>
+          <p:nvPr/>
+        </p:nvSpPr>
+        <p:spPr>
+          <a:xfrm>
+            <a:off x="5101003" y="3255534"/>
+            <a:ext cx="75142" cy="79375"/>
+          </a:xfrm>
+          <a:prstGeom prst="ellipse">
+            <a:avLst/>
+          </a:prstGeom>
+        </p:spPr>
+        <p:style>
+          <a:lnRef idx="1">
+            <a:schemeClr val="accent2"/>
+          </a:lnRef>
+          <a:fillRef idx="3">
+            <a:schemeClr val="accent2"/>
+          </a:fillRef>
+          <a:effectRef idx="2">
+            <a:schemeClr val="accent2"/>
+          </a:effectRef>
+          <a:fontRef idx="minor">
+            <a:schemeClr val="lt1"/>
+          </a:fontRef>
+        </p:style>
+        <p:txBody>
+          <a:bodyPr rtlCol="0" anchor="ctr"/>
+          <a:lstStyle/>
+          <a:p>
+            <a:pPr algn="ctr"/>
+            <a:endParaRPr lang="fr-FR"/>
+          </a:p>
+        </p:txBody>
+      </p:sp>
     </p:spTree>
     <p:extLst>
       <p:ext uri="{BB962C8B-B14F-4D97-AF65-F5344CB8AC3E}">
@@ -16416,6 +16518,13 @@
   <p:clrMapOvr>
     <a:masterClrMapping/>
   </p:clrMapOvr>
+  <p:timing>
+    <p:tnLst>
+      <p:par>
+        <p:cTn id="1" dur="indefinite" restart="never" nodeType="tmRoot"/>
+      </p:par>
+    </p:tnLst>
+  </p:timing>
 </p:sld>
 </file>
 
@@ -17661,6 +17770,13 @@
   <p:clrMapOvr>
     <a:masterClrMapping/>
   </p:clrMapOvr>
+  <p:timing>
+    <p:tnLst>
+      <p:par>
+        <p:cTn id="1" dur="indefinite" restart="never" nodeType="tmRoot"/>
+      </p:par>
+    </p:tnLst>
+  </p:timing>
 </p:sld>
 </file>
 
@@ -17691,6 +17807,13 @@
   <p:clrMapOvr>
     <a:masterClrMapping/>
   </p:clrMapOvr>
+  <p:timing>
+    <p:tnLst>
+      <p:par>
+        <p:cTn id="1" dur="indefinite" restart="never" nodeType="tmRoot"/>
+      </p:par>
+    </p:tnLst>
+  </p:timing>
 </p:sld>
 </file>
 
@@ -17828,6 +17951,13 @@
   <p:clrMapOvr>
     <a:masterClrMapping/>
   </p:clrMapOvr>
+  <p:timing>
+    <p:tnLst>
+      <p:par>
+        <p:cTn id="1" dur="indefinite" restart="never" nodeType="tmRoot"/>
+      </p:par>
+    </p:tnLst>
+  </p:timing>
 </p:sld>
 </file>
 
@@ -18162,6 +18292,13 @@
   <p:clrMapOvr>
     <a:masterClrMapping/>
   </p:clrMapOvr>
+  <p:timing>
+    <p:tnLst>
+      <p:par>
+        <p:cTn id="1" dur="indefinite" restart="never" nodeType="tmRoot"/>
+      </p:par>
+    </p:tnLst>
+  </p:timing>
 </p:sld>
 </file>
 
@@ -18636,6 +18773,13 @@
   <p:clrMapOvr>
     <a:masterClrMapping/>
   </p:clrMapOvr>
+  <p:timing>
+    <p:tnLst>
+      <p:par>
+        <p:cTn id="1" dur="indefinite" restart="never" nodeType="tmRoot"/>
+      </p:par>
+    </p:tnLst>
+  </p:timing>
 </p:sld>
 </file>
 
@@ -18920,6 +19064,13 @@
   <p:clrMapOvr>
     <a:masterClrMapping/>
   </p:clrMapOvr>
+  <p:timing>
+    <p:tnLst>
+      <p:par>
+        <p:cTn id="1" dur="indefinite" restart="never" nodeType="tmRoot"/>
+      </p:par>
+    </p:tnLst>
+  </p:timing>
 </p:sld>
 </file>
 
@@ -19000,6 +19151,13 @@
   <p:clrMapOvr>
     <a:masterClrMapping/>
   </p:clrMapOvr>
+  <p:timing>
+    <p:tnLst>
+      <p:par>
+        <p:cTn id="1" dur="indefinite" restart="never" nodeType="tmRoot"/>
+      </p:par>
+    </p:tnLst>
+  </p:timing>
 </p:sld>
 </file>
 
@@ -19624,6 +19782,13 @@
   <p:clrMapOvr>
     <a:masterClrMapping/>
   </p:clrMapOvr>
+  <p:timing>
+    <p:tnLst>
+      <p:par>
+        <p:cTn id="1" dur="indefinite" restart="never" nodeType="tmRoot"/>
+      </p:par>
+    </p:tnLst>
+  </p:timing>
 </p:sld>
 </file>
 
